--- a/Lecture slides/AMOS B04 - Agile Planning.pptx
+++ b/Lecture slides/AMOS B04 - Agile Planning.pptx
@@ -6602,7 +6602,7 @@
             <a:avLst/>
           </a:prstGeom>
           <a:solidFill>
-            <a:schemeClr val="accent1"/>
+            <a:schemeClr val="accent3"/>
           </a:solidFill>
           <a:ln>
             <a:noFill/>
@@ -6626,7 +6626,11 @@
             <a:r>
               <a:t/>
             </a:r>
-            <a:endParaRPr/>
+            <a:endParaRPr>
+              <a:solidFill>
+                <a:schemeClr val="dk1"/>
+              </a:solidFill>
+            </a:endParaRPr>
           </a:p>
         </p:txBody>
       </p:sp>
@@ -6795,7 +6799,7 @@
             <a:avLst/>
           </a:prstGeom>
           <a:solidFill>
-            <a:schemeClr val="accent1"/>
+            <a:schemeClr val="accent3"/>
           </a:solidFill>
           <a:ln>
             <a:noFill/>
@@ -6819,7 +6823,11 @@
             <a:r>
               <a:t/>
             </a:r>
-            <a:endParaRPr/>
+            <a:endParaRPr>
+              <a:solidFill>
+                <a:schemeClr val="dk1"/>
+              </a:solidFill>
+            </a:endParaRPr>
           </a:p>
         </p:txBody>
       </p:sp>
@@ -7255,7 +7263,7 @@
             <a:avLst/>
           </a:prstGeom>
           <a:solidFill>
-            <a:schemeClr val="accent1"/>
+            <a:schemeClr val="accent3"/>
           </a:solidFill>
           <a:ln>
             <a:noFill/>
@@ -7279,7 +7287,11 @@
             <a:r>
               <a:t/>
             </a:r>
-            <a:endParaRPr/>
+            <a:endParaRPr>
+              <a:solidFill>
+                <a:schemeClr val="dk1"/>
+              </a:solidFill>
+            </a:endParaRPr>
           </a:p>
         </p:txBody>
       </p:sp>
@@ -7843,7 +7855,7 @@
             <a:avLst/>
           </a:prstGeom>
           <a:solidFill>
-            <a:schemeClr val="accent1"/>
+            <a:schemeClr val="accent3"/>
           </a:solidFill>
           <a:ln>
             <a:noFill/>
@@ -7867,7 +7879,11 @@
             <a:r>
               <a:t/>
             </a:r>
-            <a:endParaRPr/>
+            <a:endParaRPr>
+              <a:solidFill>
+                <a:schemeClr val="dk1"/>
+              </a:solidFill>
+            </a:endParaRPr>
           </a:p>
         </p:txBody>
       </p:sp>
@@ -8178,7 +8194,7 @@
             <a:avLst/>
           </a:prstGeom>
           <a:solidFill>
-            <a:schemeClr val="accent1"/>
+            <a:schemeClr val="accent3"/>
           </a:solidFill>
           <a:ln>
             <a:noFill/>
@@ -10107,7 +10123,7 @@
             <a:tbl>
               <a:tblPr>
                 <a:noFill/>
-                <a:tableStyleId>{A7B108B2-9248-47BB-8B30-FA0FC0BF651B}</a:tableStyleId>
+                <a:tableStyleId>{C32E13DA-47A8-4D8C-964E-CF21A8EA1F32}</a:tableStyleId>
               </a:tblPr>
               <a:tblGrid>
                 <a:gridCol w="2466575"/>
@@ -10181,7 +10197,7 @@
                       <a:tailEnd len="sm" w="sm" type="none"/>
                     </a:lnB>
                     <a:solidFill>
-                      <a:schemeClr val="accent4"/>
+                      <a:schemeClr val="dk2"/>
                     </a:solidFill>
                   </a:tcPr>
                 </a:tc>
@@ -10252,7 +10268,7 @@
                       <a:tailEnd len="sm" w="sm" type="none"/>
                     </a:lnB>
                     <a:solidFill>
-                      <a:schemeClr val="accent4"/>
+                      <a:schemeClr val="dk2"/>
                     </a:solidFill>
                   </a:tcPr>
                 </a:tc>
@@ -10439,7 +10455,7 @@
                       <a:tailEnd len="sm" w="sm" type="none"/>
                     </a:lnB>
                     <a:solidFill>
-                      <a:schemeClr val="lt2"/>
+                      <a:schemeClr val="accent1"/>
                     </a:solidFill>
                   </a:tcPr>
                 </a:tc>
@@ -10502,7 +10518,7 @@
                       <a:tailEnd len="sm" w="sm" type="none"/>
                     </a:lnB>
                     <a:solidFill>
-                      <a:schemeClr val="lt2"/>
+                      <a:schemeClr val="accent1"/>
                     </a:solidFill>
                   </a:tcPr>
                 </a:tc>
@@ -10695,7 +10711,7 @@
                       <a:tailEnd len="sm" w="sm" type="none"/>
                     </a:lnB>
                     <a:solidFill>
-                      <a:schemeClr val="lt2"/>
+                      <a:schemeClr val="accent1"/>
                     </a:solidFill>
                   </a:tcPr>
                 </a:tc>
@@ -10762,7 +10778,7 @@
                       <a:tailEnd len="sm" w="sm" type="none"/>
                     </a:lnB>
                     <a:solidFill>
-                      <a:schemeClr val="lt2"/>
+                      <a:schemeClr val="accent1"/>
                     </a:solidFill>
                   </a:tcPr>
                 </a:tc>
@@ -12158,7 +12174,7 @@
             <a:avLst/>
           </a:prstGeom>
           <a:noFill/>
-          <a:ln cap="flat" cmpd="sng" w="76200">
+          <a:ln cap="flat" cmpd="sng" w="38100">
             <a:solidFill>
               <a:schemeClr val="accent2"/>
             </a:solidFill>
@@ -12564,7 +12580,15 @@
             </a:pPr>
             <a:r>
               <a:rPr lang="en"/>
-              <a:t>An epic is</a:t>
+              <a:t>An </a:t>
+            </a:r>
+            <a:r>
+              <a:rPr b="1" lang="en"/>
+              <a:t>epic</a:t>
+            </a:r>
+            <a:r>
+              <a:rPr lang="en"/>
+              <a:t> is</a:t>
             </a:r>
             <a:endParaRPr/>
           </a:p>
@@ -12622,7 +12646,15 @@
             </a:pPr>
             <a:r>
               <a:rPr lang="en"/>
-              <a:t>A user story is </a:t>
+              <a:t>A </a:t>
+            </a:r>
+            <a:r>
+              <a:rPr b="1" lang="en"/>
+              <a:t>user story</a:t>
+            </a:r>
+            <a:r>
+              <a:rPr lang="en"/>
+              <a:t> is </a:t>
             </a:r>
             <a:endParaRPr/>
           </a:p>
@@ -13358,7 +13390,7 @@
             <a:avLst/>
           </a:prstGeom>
           <a:solidFill>
-            <a:schemeClr val="lt2"/>
+            <a:schemeClr val="accent1"/>
           </a:solidFill>
           <a:ln>
             <a:noFill/>
@@ -13746,7 +13778,7 @@
             <a:tbl>
               <a:tblPr>
                 <a:noFill/>
-                <a:tableStyleId>{A7B108B2-9248-47BB-8B30-FA0FC0BF651B}</a:tableStyleId>
+                <a:tableStyleId>{C32E13DA-47A8-4D8C-964E-CF21A8EA1F32}</a:tableStyleId>
               </a:tblPr>
               <a:tblGrid>
                 <a:gridCol w="647000"/>
@@ -13820,7 +13852,7 @@
                       <a:tailEnd len="sm" w="sm" type="none"/>
                     </a:lnB>
                     <a:solidFill>
-                      <a:schemeClr val="accent4"/>
+                      <a:schemeClr val="dk2"/>
                     </a:solidFill>
                   </a:tcPr>
                 </a:tc>
@@ -13887,7 +13919,7 @@
                       <a:tailEnd len="sm" w="sm" type="none"/>
                     </a:lnB>
                     <a:solidFill>
-                      <a:schemeClr val="lt2"/>
+                      <a:schemeClr val="accent1"/>
                     </a:solidFill>
                   </a:tcPr>
                 </a:tc>
@@ -13960,7 +13992,7 @@
                       <a:tailEnd len="sm" w="sm" type="none"/>
                     </a:lnB>
                     <a:solidFill>
-                      <a:schemeClr val="accent4"/>
+                      <a:schemeClr val="dk2"/>
                     </a:solidFill>
                   </a:tcPr>
                 </a:tc>
@@ -14096,7 +14128,7 @@
                       <a:tailEnd len="sm" w="sm" type="none"/>
                     </a:lnB>
                     <a:solidFill>
-                      <a:schemeClr val="accent4"/>
+                      <a:schemeClr val="dk2"/>
                     </a:solidFill>
                   </a:tcPr>
                 </a:tc>
@@ -14163,7 +14195,7 @@
                       <a:tailEnd len="sm" w="sm" type="none"/>
                     </a:lnB>
                     <a:solidFill>
-                      <a:schemeClr val="lt2"/>
+                      <a:schemeClr val="accent1"/>
                     </a:solidFill>
                   </a:tcPr>
                 </a:tc>
@@ -14236,7 +14268,7 @@
                       <a:tailEnd len="sm" w="sm" type="none"/>
                     </a:lnB>
                     <a:solidFill>
-                      <a:schemeClr val="accent4"/>
+                      <a:schemeClr val="dk2"/>
                     </a:solidFill>
                   </a:tcPr>
                 </a:tc>
@@ -14372,7 +14404,7 @@
                       <a:tailEnd len="sm" w="sm" type="none"/>
                     </a:lnB>
                     <a:solidFill>
-                      <a:schemeClr val="accent4"/>
+                      <a:schemeClr val="dk2"/>
                     </a:solidFill>
                   </a:tcPr>
                 </a:tc>
@@ -14435,7 +14467,7 @@
                       <a:tailEnd len="sm" w="sm" type="none"/>
                     </a:lnB>
                     <a:solidFill>
-                      <a:schemeClr val="lt2"/>
+                      <a:schemeClr val="accent1"/>
                     </a:solidFill>
                   </a:tcPr>
                 </a:tc>
@@ -14508,7 +14540,7 @@
                       <a:tailEnd len="sm" w="sm" type="none"/>
                     </a:lnB>
                     <a:solidFill>
-                      <a:schemeClr val="accent4"/>
+                      <a:schemeClr val="dk2"/>
                     </a:solidFill>
                   </a:tcPr>
                 </a:tc>
@@ -15133,7 +15165,7 @@
             <a:tbl>
               <a:tblPr>
                 <a:noFill/>
-                <a:tableStyleId>{A7B108B2-9248-47BB-8B30-FA0FC0BF651B}</a:tableStyleId>
+                <a:tableStyleId>{C32E13DA-47A8-4D8C-964E-CF21A8EA1F32}</a:tableStyleId>
               </a:tblPr>
               <a:tblGrid>
                 <a:gridCol w="2057400"/>
@@ -15207,7 +15239,7 @@
                       <a:tailEnd len="sm" w="sm" type="none"/>
                     </a:lnB>
                     <a:solidFill>
-                      <a:schemeClr val="accent4"/>
+                      <a:schemeClr val="dk2"/>
                     </a:solidFill>
                   </a:tcPr>
                 </a:tc>
@@ -15278,7 +15310,7 @@
                       <a:tailEnd len="sm" w="sm" type="none"/>
                     </a:lnB>
                     <a:solidFill>
-                      <a:schemeClr val="accent4"/>
+                      <a:schemeClr val="dk2"/>
                     </a:solidFill>
                   </a:tcPr>
                 </a:tc>
@@ -15465,7 +15497,7 @@
                       <a:tailEnd len="sm" w="sm" type="none"/>
                     </a:lnB>
                     <a:solidFill>
-                      <a:schemeClr val="lt2"/>
+                      <a:schemeClr val="accent1"/>
                     </a:solidFill>
                   </a:tcPr>
                 </a:tc>
@@ -15528,7 +15560,7 @@
                       <a:tailEnd len="sm" w="sm" type="none"/>
                     </a:lnB>
                     <a:solidFill>
-                      <a:schemeClr val="lt2"/>
+                      <a:schemeClr val="accent1"/>
                     </a:solidFill>
                   </a:tcPr>
                 </a:tc>
@@ -15721,7 +15753,7 @@
                       <a:tailEnd len="sm" w="sm" type="none"/>
                     </a:lnB>
                     <a:solidFill>
-                      <a:schemeClr val="lt2"/>
+                      <a:schemeClr val="accent1"/>
                     </a:solidFill>
                   </a:tcPr>
                 </a:tc>
@@ -15784,7 +15816,7 @@
                       <a:tailEnd len="sm" w="sm" type="none"/>
                     </a:lnB>
                     <a:solidFill>
-                      <a:schemeClr val="lt2"/>
+                      <a:schemeClr val="accent1"/>
                     </a:solidFill>
                   </a:tcPr>
                 </a:tc>
@@ -15977,7 +16009,7 @@
                       <a:tailEnd len="sm" w="sm" type="none"/>
                     </a:lnB>
                     <a:solidFill>
-                      <a:schemeClr val="lt2"/>
+                      <a:schemeClr val="accent1"/>
                     </a:solidFill>
                   </a:tcPr>
                 </a:tc>
@@ -16040,7 +16072,7 @@
                       <a:tailEnd len="sm" w="sm" type="none"/>
                     </a:lnB>
                     <a:solidFill>
-                      <a:schemeClr val="lt2"/>
+                      <a:schemeClr val="accent1"/>
                     </a:solidFill>
                   </a:tcPr>
                 </a:tc>
@@ -16852,8 +16884,8 @@
         </p:blipFill>
         <p:spPr>
           <a:xfrm>
-            <a:off x="152400" y="838200"/>
-            <a:ext cx="8416747" cy="3425950"/>
+            <a:off x="274320" y="914400"/>
+            <a:ext cx="8595360" cy="3502840"/>
           </a:xfrm>
           <a:prstGeom prst="rect">
             <a:avLst/>
@@ -16923,7 +16955,7 @@
             </a:pPr>
             <a:r>
               <a:rPr lang="en"/>
-              <a:t>Product Backlog Item vs. Tasks</a:t>
+              <a:t>Product Backlog Items vs. Tasks</a:t>
             </a:r>
             <a:endParaRPr/>
           </a:p>
@@ -17031,8 +17063,12 @@
               <a:buNone/>
             </a:pPr>
             <a:r>
+              <a:rPr b="1" lang="en"/>
+              <a:t>Product backlog items</a:t>
+            </a:r>
+            <a:r>
               <a:rPr lang="en"/>
-              <a:t>Product backlog item are</a:t>
+              <a:t> are</a:t>
             </a:r>
             <a:endParaRPr/>
           </a:p>
@@ -17122,8 +17158,12 @@
               <a:buNone/>
             </a:pPr>
             <a:r>
+              <a:rPr b="1" lang="en"/>
+              <a:t>Tasks</a:t>
+            </a:r>
+            <a:r>
               <a:rPr lang="en"/>
-              <a:t>Tasks are</a:t>
+              <a:t> are</a:t>
             </a:r>
             <a:endParaRPr/>
           </a:p>
@@ -17391,8 +17431,12 @@
               <a:buNone/>
             </a:pPr>
             <a:r>
+              <a:rPr b="1" lang="en"/>
+              <a:t>Sprints</a:t>
+            </a:r>
+            <a:r>
               <a:rPr lang="en"/>
-              <a:t>Sprints are</a:t>
+              <a:t> are</a:t>
             </a:r>
             <a:endParaRPr/>
           </a:p>
@@ -17811,7 +17855,7 @@
         <p:spPr>
           <a:xfrm>
             <a:off x="274320" y="2286000"/>
-            <a:ext cx="8595359" cy="1747723"/>
+            <a:ext cx="8595359" cy="1757274"/>
           </a:xfrm>
           <a:prstGeom prst="rect">
             <a:avLst/>
@@ -18794,7 +18838,7 @@
             <a:tbl>
               <a:tblPr>
                 <a:noFill/>
-                <a:tableStyleId>{9D27402D-8526-47B1-B616-F71FA6770BBE}</a:tableStyleId>
+                <a:tableStyleId>{F26ACB85-F2E5-47D7-B2B8-1BB1D3C79A97}</a:tableStyleId>
               </a:tblPr>
               <a:tblGrid>
                 <a:gridCol w="580225"/>
@@ -18839,7 +18883,7 @@
                   <a:tcPr marT="0" marB="0" marR="91425" marL="91425" anchor="ctr">
                     <a:lnL cap="flat" cmpd="sng" w="9525">
                       <a:solidFill>
-                        <a:schemeClr val="dk1"/>
+                        <a:schemeClr val="lt1"/>
                       </a:solidFill>
                       <a:prstDash val="solid"/>
                       <a:round/>
@@ -18848,7 +18892,7 @@
                     </a:lnL>
                     <a:lnR cap="flat" cmpd="sng" w="9525">
                       <a:solidFill>
-                        <a:schemeClr val="dk1"/>
+                        <a:schemeClr val="lt1"/>
                       </a:solidFill>
                       <a:prstDash val="solid"/>
                       <a:round/>
@@ -18857,7 +18901,7 @@
                     </a:lnR>
                     <a:lnT cap="flat" cmpd="sng" w="9525">
                       <a:solidFill>
-                        <a:schemeClr val="dk1"/>
+                        <a:schemeClr val="lt1"/>
                       </a:solidFill>
                       <a:prstDash val="solid"/>
                       <a:round/>
@@ -18866,7 +18910,7 @@
                     </a:lnT>
                     <a:lnB cap="flat" cmpd="sng" w="9525">
                       <a:solidFill>
-                        <a:schemeClr val="dk1"/>
+                        <a:schemeClr val="lt1"/>
                       </a:solidFill>
                       <a:prstDash val="solid"/>
                       <a:round/>
@@ -18874,7 +18918,7 @@
                       <a:tailEnd len="sm" w="sm" type="none"/>
                     </a:lnB>
                     <a:solidFill>
-                      <a:schemeClr val="accent4"/>
+                      <a:schemeClr val="dk2"/>
                     </a:solidFill>
                   </a:tcPr>
                 </a:tc>
@@ -18910,7 +18954,7 @@
                   <a:tcPr marT="0" marB="0" marR="91425" marL="91425" anchor="ctr">
                     <a:lnL cap="flat" cmpd="sng" w="9525">
                       <a:solidFill>
-                        <a:schemeClr val="dk1"/>
+                        <a:schemeClr val="lt1"/>
                       </a:solidFill>
                       <a:prstDash val="solid"/>
                       <a:round/>
@@ -18919,7 +18963,7 @@
                     </a:lnL>
                     <a:lnR cap="flat" cmpd="sng" w="9525">
                       <a:solidFill>
-                        <a:schemeClr val="dk1"/>
+                        <a:schemeClr val="lt1"/>
                       </a:solidFill>
                       <a:prstDash val="solid"/>
                       <a:round/>
@@ -18928,7 +18972,7 @@
                     </a:lnR>
                     <a:lnT cap="flat" cmpd="sng" w="9525">
                       <a:solidFill>
-                        <a:schemeClr val="dk1"/>
+                        <a:schemeClr val="lt1"/>
                       </a:solidFill>
                       <a:prstDash val="solid"/>
                       <a:round/>
@@ -18937,7 +18981,7 @@
                     </a:lnT>
                     <a:lnB cap="flat" cmpd="sng" w="9525">
                       <a:solidFill>
-                        <a:schemeClr val="dk1"/>
+                        <a:schemeClr val="lt1"/>
                       </a:solidFill>
                       <a:prstDash val="solid"/>
                       <a:round/>
@@ -18945,7 +18989,7 @@
                       <a:tailEnd len="sm" w="sm" type="none"/>
                     </a:lnB>
                     <a:solidFill>
-                      <a:schemeClr val="accent4"/>
+                      <a:schemeClr val="dk2"/>
                     </a:solidFill>
                   </a:tcPr>
                 </a:tc>
@@ -18981,7 +19025,7 @@
                   <a:tcPr marT="0" marB="0" marR="91425" marL="91425" anchor="ctr">
                     <a:lnL cap="flat" cmpd="sng" w="9525">
                       <a:solidFill>
-                        <a:schemeClr val="dk1"/>
+                        <a:schemeClr val="lt1"/>
                       </a:solidFill>
                       <a:prstDash val="solid"/>
                       <a:round/>
@@ -18990,7 +19034,7 @@
                     </a:lnL>
                     <a:lnR cap="flat" cmpd="sng" w="9525">
                       <a:solidFill>
-                        <a:schemeClr val="dk1"/>
+                        <a:schemeClr val="lt1"/>
                       </a:solidFill>
                       <a:prstDash val="solid"/>
                       <a:round/>
@@ -18999,7 +19043,7 @@
                     </a:lnR>
                     <a:lnT cap="flat" cmpd="sng" w="9525">
                       <a:solidFill>
-                        <a:schemeClr val="dk1"/>
+                        <a:schemeClr val="lt1"/>
                       </a:solidFill>
                       <a:prstDash val="solid"/>
                       <a:round/>
@@ -19008,7 +19052,7 @@
                     </a:lnT>
                     <a:lnB cap="flat" cmpd="sng" w="9525">
                       <a:solidFill>
-                        <a:schemeClr val="dk1"/>
+                        <a:schemeClr val="lt1"/>
                       </a:solidFill>
                       <a:prstDash val="solid"/>
                       <a:round/>
@@ -19016,7 +19060,7 @@
                       <a:tailEnd len="sm" w="sm" type="none"/>
                     </a:lnB>
                     <a:solidFill>
-                      <a:schemeClr val="accent4"/>
+                      <a:schemeClr val="dk2"/>
                     </a:solidFill>
                   </a:tcPr>
                 </a:tc>
@@ -19052,7 +19096,7 @@
                   <a:tcPr marT="0" marB="0" marR="91425" marL="91425" anchor="ctr">
                     <a:lnL cap="flat" cmpd="sng" w="9525">
                       <a:solidFill>
-                        <a:schemeClr val="dk1"/>
+                        <a:schemeClr val="lt1"/>
                       </a:solidFill>
                       <a:prstDash val="solid"/>
                       <a:round/>
@@ -19061,7 +19105,7 @@
                     </a:lnL>
                     <a:lnR cap="flat" cmpd="sng" w="9525">
                       <a:solidFill>
-                        <a:schemeClr val="dk1"/>
+                        <a:schemeClr val="lt1"/>
                       </a:solidFill>
                       <a:prstDash val="solid"/>
                       <a:round/>
@@ -19070,7 +19114,7 @@
                     </a:lnR>
                     <a:lnT cap="flat" cmpd="sng" w="9525">
                       <a:solidFill>
-                        <a:schemeClr val="dk1"/>
+                        <a:schemeClr val="lt1"/>
                       </a:solidFill>
                       <a:prstDash val="solid"/>
                       <a:round/>
@@ -19079,7 +19123,7 @@
                     </a:lnT>
                     <a:lnB cap="flat" cmpd="sng" w="9525">
                       <a:solidFill>
-                        <a:schemeClr val="dk1"/>
+                        <a:schemeClr val="lt1"/>
                       </a:solidFill>
                       <a:prstDash val="solid"/>
                       <a:round/>
@@ -19087,7 +19131,7 @@
                       <a:tailEnd len="sm" w="sm" type="none"/>
                     </a:lnB>
                     <a:solidFill>
-                      <a:schemeClr val="accent4"/>
+                      <a:schemeClr val="dk2"/>
                     </a:solidFill>
                   </a:tcPr>
                 </a:tc>
@@ -19123,7 +19167,7 @@
                   <a:tcPr marT="0" marB="0" marR="91425" marL="91425" anchor="ctr">
                     <a:lnL cap="flat" cmpd="sng" w="9525">
                       <a:solidFill>
-                        <a:schemeClr val="dk1"/>
+                        <a:schemeClr val="lt1"/>
                       </a:solidFill>
                       <a:prstDash val="solid"/>
                       <a:round/>
@@ -19132,7 +19176,7 @@
                     </a:lnL>
                     <a:lnR cap="flat" cmpd="sng" w="9525">
                       <a:solidFill>
-                        <a:schemeClr val="dk1"/>
+                        <a:schemeClr val="lt1"/>
                       </a:solidFill>
                       <a:prstDash val="solid"/>
                       <a:round/>
@@ -19141,7 +19185,7 @@
                     </a:lnR>
                     <a:lnT cap="flat" cmpd="sng" w="9525">
                       <a:solidFill>
-                        <a:schemeClr val="dk1"/>
+                        <a:schemeClr val="lt1"/>
                       </a:solidFill>
                       <a:prstDash val="solid"/>
                       <a:round/>
@@ -19150,7 +19194,7 @@
                     </a:lnT>
                     <a:lnB cap="flat" cmpd="sng" w="9525">
                       <a:solidFill>
-                        <a:schemeClr val="dk1"/>
+                        <a:schemeClr val="lt1"/>
                       </a:solidFill>
                       <a:prstDash val="solid"/>
                       <a:round/>
@@ -19158,7 +19202,7 @@
                       <a:tailEnd len="sm" w="sm" type="none"/>
                     </a:lnB>
                     <a:solidFill>
-                      <a:schemeClr val="accent4"/>
+                      <a:schemeClr val="dk2"/>
                     </a:solidFill>
                   </a:tcPr>
                 </a:tc>
@@ -19194,7 +19238,7 @@
                   <a:tcPr marT="0" marB="0" marR="91425" marL="91425" anchor="ctr">
                     <a:lnL cap="flat" cmpd="sng" w="9525">
                       <a:solidFill>
-                        <a:schemeClr val="dk1"/>
+                        <a:schemeClr val="lt1"/>
                       </a:solidFill>
                       <a:prstDash val="solid"/>
                       <a:round/>
@@ -19203,7 +19247,7 @@
                     </a:lnL>
                     <a:lnR cap="flat" cmpd="sng" w="9525">
                       <a:solidFill>
-                        <a:schemeClr val="dk1"/>
+                        <a:schemeClr val="lt1"/>
                       </a:solidFill>
                       <a:prstDash val="solid"/>
                       <a:round/>
@@ -19212,7 +19256,7 @@
                     </a:lnR>
                     <a:lnT cap="flat" cmpd="sng" w="9525">
                       <a:solidFill>
-                        <a:schemeClr val="dk1"/>
+                        <a:schemeClr val="lt1"/>
                       </a:solidFill>
                       <a:prstDash val="solid"/>
                       <a:round/>
@@ -19221,7 +19265,7 @@
                     </a:lnT>
                     <a:lnB cap="flat" cmpd="sng" w="9525">
                       <a:solidFill>
-                        <a:schemeClr val="dk1"/>
+                        <a:schemeClr val="lt1"/>
                       </a:solidFill>
                       <a:prstDash val="solid"/>
                       <a:round/>
@@ -19229,7 +19273,7 @@
                       <a:tailEnd len="sm" w="sm" type="none"/>
                     </a:lnB>
                     <a:solidFill>
-                      <a:schemeClr val="accent4"/>
+                      <a:schemeClr val="dk2"/>
                     </a:solidFill>
                   </a:tcPr>
                 </a:tc>
@@ -19265,7 +19309,7 @@
                   <a:tcPr marT="0" marB="0" marR="91425" marL="91425" anchor="ctr">
                     <a:lnL cap="flat" cmpd="sng" w="9525">
                       <a:solidFill>
-                        <a:schemeClr val="dk1"/>
+                        <a:schemeClr val="lt1"/>
                       </a:solidFill>
                       <a:prstDash val="solid"/>
                       <a:round/>
@@ -19274,7 +19318,7 @@
                     </a:lnL>
                     <a:lnR cap="flat" cmpd="sng" w="9525">
                       <a:solidFill>
-                        <a:schemeClr val="dk1"/>
+                        <a:schemeClr val="lt1"/>
                       </a:solidFill>
                       <a:prstDash val="solid"/>
                       <a:round/>
@@ -19283,7 +19327,7 @@
                     </a:lnR>
                     <a:lnT cap="flat" cmpd="sng" w="9525">
                       <a:solidFill>
-                        <a:schemeClr val="dk1"/>
+                        <a:schemeClr val="lt1"/>
                       </a:solidFill>
                       <a:prstDash val="solid"/>
                       <a:round/>
@@ -19292,7 +19336,7 @@
                     </a:lnT>
                     <a:lnB cap="flat" cmpd="sng" w="9525">
                       <a:solidFill>
-                        <a:schemeClr val="dk1"/>
+                        <a:schemeClr val="lt1"/>
                       </a:solidFill>
                       <a:prstDash val="solid"/>
                       <a:round/>
@@ -19300,7 +19344,7 @@
                       <a:tailEnd len="sm" w="sm" type="none"/>
                     </a:lnB>
                     <a:solidFill>
-                      <a:schemeClr val="accent4"/>
+                      <a:schemeClr val="dk2"/>
                     </a:solidFill>
                   </a:tcPr>
                 </a:tc>
@@ -19336,7 +19380,7 @@
                   <a:tcPr marT="0" marB="0" marR="91425" marL="91425" anchor="ctr">
                     <a:lnL cap="flat" cmpd="sng" w="9525">
                       <a:solidFill>
-                        <a:schemeClr val="dk1"/>
+                        <a:schemeClr val="lt1"/>
                       </a:solidFill>
                       <a:prstDash val="solid"/>
                       <a:round/>
@@ -19345,7 +19389,7 @@
                     </a:lnL>
                     <a:lnR cap="flat" cmpd="sng" w="9525">
                       <a:solidFill>
-                        <a:schemeClr val="dk1"/>
+                        <a:schemeClr val="lt1"/>
                       </a:solidFill>
                       <a:prstDash val="solid"/>
                       <a:round/>
@@ -19354,7 +19398,7 @@
                     </a:lnR>
                     <a:lnT cap="flat" cmpd="sng" w="9525">
                       <a:solidFill>
-                        <a:schemeClr val="dk1"/>
+                        <a:schemeClr val="lt1"/>
                       </a:solidFill>
                       <a:prstDash val="solid"/>
                       <a:round/>
@@ -19363,7 +19407,7 @@
                     </a:lnT>
                     <a:lnB cap="flat" cmpd="sng" w="9525">
                       <a:solidFill>
-                        <a:schemeClr val="dk1"/>
+                        <a:schemeClr val="lt1"/>
                       </a:solidFill>
                       <a:prstDash val="solid"/>
                       <a:round/>
@@ -19371,7 +19415,7 @@
                       <a:tailEnd len="sm" w="sm" type="none"/>
                     </a:lnB>
                     <a:solidFill>
-                      <a:schemeClr val="accent4"/>
+                      <a:schemeClr val="dk2"/>
                     </a:solidFill>
                   </a:tcPr>
                 </a:tc>
@@ -19400,7 +19444,7 @@
                   <a:tcPr marT="0" marB="0" marR="91425" marL="91425" anchor="ctr">
                     <a:lnL cap="flat" cmpd="sng" w="9525">
                       <a:solidFill>
-                        <a:schemeClr val="dk1"/>
+                        <a:schemeClr val="lt1"/>
                       </a:solidFill>
                       <a:prstDash val="solid"/>
                       <a:round/>
@@ -19409,7 +19453,7 @@
                     </a:lnL>
                     <a:lnR cap="flat" cmpd="sng" w="9525">
                       <a:solidFill>
-                        <a:schemeClr val="dk1"/>
+                        <a:schemeClr val="lt1"/>
                       </a:solidFill>
                       <a:prstDash val="solid"/>
                       <a:round/>
@@ -19418,7 +19462,7 @@
                     </a:lnR>
                     <a:lnT cap="flat" cmpd="sng" w="9525">
                       <a:solidFill>
-                        <a:schemeClr val="dk1"/>
+                        <a:schemeClr val="lt1"/>
                       </a:solidFill>
                       <a:prstDash val="solid"/>
                       <a:round/>
@@ -19427,7 +19471,7 @@
                     </a:lnT>
                     <a:lnB cap="flat" cmpd="sng" w="9525">
                       <a:solidFill>
-                        <a:schemeClr val="dk1"/>
+                        <a:schemeClr val="lt1"/>
                       </a:solidFill>
                       <a:prstDash val="solid"/>
                       <a:round/>
@@ -19462,7 +19506,7 @@
                   <a:tcPr marT="0" marB="0" marR="91425" marL="91425" anchor="ctr">
                     <a:lnL cap="flat" cmpd="sng" w="9525">
                       <a:solidFill>
-                        <a:schemeClr val="dk1"/>
+                        <a:schemeClr val="lt1"/>
                       </a:solidFill>
                       <a:prstDash val="solid"/>
                       <a:round/>
@@ -19471,7 +19515,7 @@
                     </a:lnL>
                     <a:lnR cap="flat" cmpd="sng" w="9525">
                       <a:solidFill>
-                        <a:schemeClr val="dk1"/>
+                        <a:schemeClr val="lt1"/>
                       </a:solidFill>
                       <a:prstDash val="solid"/>
                       <a:round/>
@@ -19480,7 +19524,7 @@
                     </a:lnR>
                     <a:lnT cap="flat" cmpd="sng" w="9525">
                       <a:solidFill>
-                        <a:schemeClr val="dk1"/>
+                        <a:schemeClr val="lt1"/>
                       </a:solidFill>
                       <a:prstDash val="solid"/>
                       <a:round/>
@@ -19489,7 +19533,7 @@
                     </a:lnT>
                     <a:lnB cap="flat" cmpd="sng" w="9525">
                       <a:solidFill>
-                        <a:schemeClr val="dk1"/>
+                        <a:schemeClr val="lt1"/>
                       </a:solidFill>
                       <a:prstDash val="solid"/>
                       <a:round/>
@@ -19524,7 +19568,7 @@
                   <a:tcPr marT="0" marB="0" marR="91425" marL="91425" anchor="ctr">
                     <a:lnL cap="flat" cmpd="sng" w="9525">
                       <a:solidFill>
-                        <a:schemeClr val="dk1"/>
+                        <a:schemeClr val="lt1"/>
                       </a:solidFill>
                       <a:prstDash val="solid"/>
                       <a:round/>
@@ -19533,7 +19577,7 @@
                     </a:lnL>
                     <a:lnR cap="flat" cmpd="sng" w="9525">
                       <a:solidFill>
-                        <a:schemeClr val="dk1"/>
+                        <a:schemeClr val="lt1"/>
                       </a:solidFill>
                       <a:prstDash val="solid"/>
                       <a:round/>
@@ -19542,7 +19586,7 @@
                     </a:lnR>
                     <a:lnT cap="flat" cmpd="sng" w="9525">
                       <a:solidFill>
-                        <a:schemeClr val="dk1"/>
+                        <a:schemeClr val="lt1"/>
                       </a:solidFill>
                       <a:prstDash val="solid"/>
                       <a:round/>
@@ -19551,7 +19595,7 @@
                     </a:lnT>
                     <a:lnB cap="flat" cmpd="sng" w="9525">
                       <a:solidFill>
-                        <a:schemeClr val="dk1"/>
+                        <a:schemeClr val="lt1"/>
                       </a:solidFill>
                       <a:prstDash val="solid"/>
                       <a:round/>
@@ -19586,7 +19630,7 @@
                   <a:tcPr marT="0" marB="0" marR="91425" marL="91425" anchor="ctr">
                     <a:lnL cap="flat" cmpd="sng" w="9525">
                       <a:solidFill>
-                        <a:schemeClr val="dk1"/>
+                        <a:schemeClr val="lt1"/>
                       </a:solidFill>
                       <a:prstDash val="solid"/>
                       <a:round/>
@@ -19595,7 +19639,7 @@
                     </a:lnL>
                     <a:lnR cap="flat" cmpd="sng" w="9525">
                       <a:solidFill>
-                        <a:schemeClr val="dk1"/>
+                        <a:schemeClr val="lt1"/>
                       </a:solidFill>
                       <a:prstDash val="solid"/>
                       <a:round/>
@@ -19604,7 +19648,7 @@
                     </a:lnR>
                     <a:lnT cap="flat" cmpd="sng" w="9525">
                       <a:solidFill>
-                        <a:schemeClr val="dk1"/>
+                        <a:schemeClr val="lt1"/>
                       </a:solidFill>
                       <a:prstDash val="solid"/>
                       <a:round/>
@@ -19613,7 +19657,7 @@
                     </a:lnT>
                     <a:lnB cap="flat" cmpd="sng" w="9525">
                       <a:solidFill>
-                        <a:schemeClr val="dk1"/>
+                        <a:schemeClr val="lt1"/>
                       </a:solidFill>
                       <a:prstDash val="solid"/>
                       <a:round/>
@@ -19648,7 +19692,7 @@
                   <a:tcPr marT="0" marB="0" marR="91425" marL="91425" anchor="ctr">
                     <a:lnL cap="flat" cmpd="sng" w="9525">
                       <a:solidFill>
-                        <a:schemeClr val="dk1"/>
+                        <a:schemeClr val="lt1"/>
                       </a:solidFill>
                       <a:prstDash val="solid"/>
                       <a:round/>
@@ -19657,7 +19701,7 @@
                     </a:lnL>
                     <a:lnR cap="flat" cmpd="sng" w="9525">
                       <a:solidFill>
-                        <a:schemeClr val="dk1"/>
+                        <a:schemeClr val="lt1"/>
                       </a:solidFill>
                       <a:prstDash val="solid"/>
                       <a:round/>
@@ -19666,7 +19710,7 @@
                     </a:lnR>
                     <a:lnT cap="flat" cmpd="sng" w="9525">
                       <a:solidFill>
-                        <a:schemeClr val="dk1"/>
+                        <a:schemeClr val="lt1"/>
                       </a:solidFill>
                       <a:prstDash val="solid"/>
                       <a:round/>
@@ -19675,7 +19719,7 @@
                     </a:lnT>
                     <a:lnB cap="flat" cmpd="sng" w="9525">
                       <a:solidFill>
-                        <a:schemeClr val="dk1"/>
+                        <a:schemeClr val="lt1"/>
                       </a:solidFill>
                       <a:prstDash val="solid"/>
                       <a:round/>
@@ -19710,7 +19754,7 @@
                   <a:tcPr marT="0" marB="0" marR="91425" marL="91425" anchor="ctr">
                     <a:lnL cap="flat" cmpd="sng" w="9525">
                       <a:solidFill>
-                        <a:schemeClr val="dk1"/>
+                        <a:schemeClr val="lt1"/>
                       </a:solidFill>
                       <a:prstDash val="solid"/>
                       <a:round/>
@@ -19719,7 +19763,7 @@
                     </a:lnL>
                     <a:lnR cap="flat" cmpd="sng" w="9525">
                       <a:solidFill>
-                        <a:schemeClr val="dk1"/>
+                        <a:schemeClr val="lt1"/>
                       </a:solidFill>
                       <a:prstDash val="solid"/>
                       <a:round/>
@@ -19728,7 +19772,7 @@
                     </a:lnR>
                     <a:lnT cap="flat" cmpd="sng" w="9525">
                       <a:solidFill>
-                        <a:schemeClr val="dk1"/>
+                        <a:schemeClr val="lt1"/>
                       </a:solidFill>
                       <a:prstDash val="solid"/>
                       <a:round/>
@@ -19737,7 +19781,7 @@
                     </a:lnT>
                     <a:lnB cap="flat" cmpd="sng" w="9525">
                       <a:solidFill>
-                        <a:schemeClr val="dk1"/>
+                        <a:schemeClr val="lt1"/>
                       </a:solidFill>
                       <a:prstDash val="solid"/>
                       <a:round/>
@@ -19772,7 +19816,7 @@
                   <a:tcPr marT="0" marB="0" marR="91425" marL="91425" anchor="ctr">
                     <a:lnL cap="flat" cmpd="sng" w="9525">
                       <a:solidFill>
-                        <a:schemeClr val="dk1"/>
+                        <a:schemeClr val="lt1"/>
                       </a:solidFill>
                       <a:prstDash val="solid"/>
                       <a:round/>
@@ -19781,7 +19825,7 @@
                     </a:lnL>
                     <a:lnR cap="flat" cmpd="sng" w="9525">
                       <a:solidFill>
-                        <a:schemeClr val="dk1"/>
+                        <a:schemeClr val="lt1"/>
                       </a:solidFill>
                       <a:prstDash val="solid"/>
                       <a:round/>
@@ -19790,7 +19834,7 @@
                     </a:lnR>
                     <a:lnT cap="flat" cmpd="sng" w="9525">
                       <a:solidFill>
-                        <a:schemeClr val="dk1"/>
+                        <a:schemeClr val="lt1"/>
                       </a:solidFill>
                       <a:prstDash val="solid"/>
                       <a:round/>
@@ -19799,7 +19843,7 @@
                     </a:lnT>
                     <a:lnB cap="flat" cmpd="sng" w="9525">
                       <a:solidFill>
-                        <a:schemeClr val="dk1"/>
+                        <a:schemeClr val="lt1"/>
                       </a:solidFill>
                       <a:prstDash val="solid"/>
                       <a:round/>
@@ -19834,7 +19878,7 @@
                   <a:tcPr marT="0" marB="0" marR="91425" marL="91425" anchor="ctr">
                     <a:lnL cap="flat" cmpd="sng" w="9525">
                       <a:solidFill>
-                        <a:schemeClr val="dk1"/>
+                        <a:schemeClr val="lt1"/>
                       </a:solidFill>
                       <a:prstDash val="solid"/>
                       <a:round/>
@@ -19843,7 +19887,7 @@
                     </a:lnL>
                     <a:lnR cap="flat" cmpd="sng" w="9525">
                       <a:solidFill>
-                        <a:schemeClr val="dk1"/>
+                        <a:schemeClr val="lt1"/>
                       </a:solidFill>
                       <a:prstDash val="solid"/>
                       <a:round/>
@@ -19852,7 +19896,7 @@
                     </a:lnR>
                     <a:lnT cap="flat" cmpd="sng" w="9525">
                       <a:solidFill>
-                        <a:schemeClr val="dk1"/>
+                        <a:schemeClr val="lt1"/>
                       </a:solidFill>
                       <a:prstDash val="solid"/>
                       <a:round/>
@@ -19861,7 +19905,7 @@
                     </a:lnT>
                     <a:lnB cap="flat" cmpd="sng" w="9525">
                       <a:solidFill>
-                        <a:schemeClr val="dk1"/>
+                        <a:schemeClr val="lt1"/>
                       </a:solidFill>
                       <a:prstDash val="solid"/>
                       <a:round/>
@@ -19899,7 +19943,7 @@
                   <a:tcPr marT="0" marB="0" marR="91425" marL="91425" anchor="ctr">
                     <a:lnL cap="flat" cmpd="sng" w="9525">
                       <a:solidFill>
-                        <a:schemeClr val="dk1"/>
+                        <a:schemeClr val="lt1"/>
                       </a:solidFill>
                       <a:prstDash val="solid"/>
                       <a:round/>
@@ -19908,7 +19952,7 @@
                     </a:lnL>
                     <a:lnR cap="flat" cmpd="sng" w="9525">
                       <a:solidFill>
-                        <a:schemeClr val="dk1"/>
+                        <a:schemeClr val="lt1"/>
                       </a:solidFill>
                       <a:prstDash val="solid"/>
                       <a:round/>
@@ -19917,7 +19961,7 @@
                     </a:lnR>
                     <a:lnT cap="flat" cmpd="sng" w="9525">
                       <a:solidFill>
-                        <a:schemeClr val="dk1"/>
+                        <a:schemeClr val="lt1"/>
                       </a:solidFill>
                       <a:prstDash val="solid"/>
                       <a:round/>
@@ -19926,7 +19970,7 @@
                     </a:lnT>
                     <a:lnB cap="flat" cmpd="sng" w="9525">
                       <a:solidFill>
-                        <a:schemeClr val="dk1"/>
+                        <a:schemeClr val="lt1"/>
                       </a:solidFill>
                       <a:prstDash val="solid"/>
                       <a:round/>
@@ -19934,7 +19978,7 @@
                       <a:tailEnd len="sm" w="sm" type="none"/>
                     </a:lnB>
                     <a:solidFill>
-                      <a:schemeClr val="lt2"/>
+                      <a:schemeClr val="accent1"/>
                     </a:solidFill>
                   </a:tcPr>
                 </a:tc>
@@ -19962,7 +20006,7 @@
                   <a:tcPr marT="0" marB="0" marR="91425" marL="91425" anchor="ctr">
                     <a:lnL cap="flat" cmpd="sng" w="9525">
                       <a:solidFill>
-                        <a:schemeClr val="dk1"/>
+                        <a:schemeClr val="lt1"/>
                       </a:solidFill>
                       <a:prstDash val="solid"/>
                       <a:round/>
@@ -19971,7 +20015,7 @@
                     </a:lnL>
                     <a:lnR cap="flat" cmpd="sng" w="9525">
                       <a:solidFill>
-                        <a:schemeClr val="dk1"/>
+                        <a:schemeClr val="lt1"/>
                       </a:solidFill>
                       <a:prstDash val="solid"/>
                       <a:round/>
@@ -19980,7 +20024,7 @@
                     </a:lnR>
                     <a:lnT cap="flat" cmpd="sng" w="9525">
                       <a:solidFill>
-                        <a:schemeClr val="dk1"/>
+                        <a:schemeClr val="lt1"/>
                       </a:solidFill>
                       <a:prstDash val="solid"/>
                       <a:round/>
@@ -19989,7 +20033,7 @@
                     </a:lnT>
                     <a:lnB cap="flat" cmpd="sng" w="9525">
                       <a:solidFill>
-                        <a:schemeClr val="dk1"/>
+                        <a:schemeClr val="lt1"/>
                       </a:solidFill>
                       <a:prstDash val="solid"/>
                       <a:round/>
@@ -19997,7 +20041,7 @@
                       <a:tailEnd len="sm" w="sm" type="none"/>
                     </a:lnB>
                     <a:solidFill>
-                      <a:schemeClr val="lt2"/>
+                      <a:schemeClr val="accent1"/>
                     </a:solidFill>
                   </a:tcPr>
                 </a:tc>
@@ -20024,7 +20068,7 @@
                   <a:tcPr marT="0" marB="0" marR="91425" marL="91425" anchor="ctr">
                     <a:lnL cap="flat" cmpd="sng" w="9525">
                       <a:solidFill>
-                        <a:schemeClr val="dk1"/>
+                        <a:schemeClr val="lt1"/>
                       </a:solidFill>
                       <a:prstDash val="solid"/>
                       <a:round/>
@@ -20033,7 +20077,7 @@
                     </a:lnL>
                     <a:lnR cap="flat" cmpd="sng" w="9525">
                       <a:solidFill>
-                        <a:schemeClr val="dk1"/>
+                        <a:schemeClr val="lt1"/>
                       </a:solidFill>
                       <a:prstDash val="solid"/>
                       <a:round/>
@@ -20042,7 +20086,7 @@
                     </a:lnR>
                     <a:lnT cap="flat" cmpd="sng" w="9525">
                       <a:solidFill>
-                        <a:schemeClr val="dk1"/>
+                        <a:schemeClr val="lt1"/>
                       </a:solidFill>
                       <a:prstDash val="solid"/>
                       <a:round/>
@@ -20051,7 +20095,7 @@
                     </a:lnT>
                     <a:lnB cap="flat" cmpd="sng" w="9525">
                       <a:solidFill>
-                        <a:schemeClr val="dk1"/>
+                        <a:schemeClr val="lt1"/>
                       </a:solidFill>
                       <a:prstDash val="solid"/>
                       <a:round/>
@@ -20059,7 +20103,7 @@
                       <a:tailEnd len="sm" w="sm" type="none"/>
                     </a:lnB>
                     <a:solidFill>
-                      <a:schemeClr val="lt2"/>
+                      <a:schemeClr val="accent1"/>
                     </a:solidFill>
                   </a:tcPr>
                 </a:tc>
@@ -20086,7 +20130,7 @@
                   <a:tcPr marT="0" marB="0" marR="91425" marL="91425" anchor="ctr">
                     <a:lnL cap="flat" cmpd="sng" w="9525">
                       <a:solidFill>
-                        <a:schemeClr val="dk1"/>
+                        <a:schemeClr val="lt1"/>
                       </a:solidFill>
                       <a:prstDash val="solid"/>
                       <a:round/>
@@ -20095,7 +20139,7 @@
                     </a:lnL>
                     <a:lnR cap="flat" cmpd="sng" w="9525">
                       <a:solidFill>
-                        <a:schemeClr val="dk1"/>
+                        <a:schemeClr val="lt1"/>
                       </a:solidFill>
                       <a:prstDash val="solid"/>
                       <a:round/>
@@ -20104,7 +20148,7 @@
                     </a:lnR>
                     <a:lnT cap="flat" cmpd="sng" w="9525">
                       <a:solidFill>
-                        <a:schemeClr val="dk1"/>
+                        <a:schemeClr val="lt1"/>
                       </a:solidFill>
                       <a:prstDash val="solid"/>
                       <a:round/>
@@ -20113,7 +20157,7 @@
                     </a:lnT>
                     <a:lnB cap="flat" cmpd="sng" w="9525">
                       <a:solidFill>
-                        <a:schemeClr val="dk1"/>
+                        <a:schemeClr val="lt1"/>
                       </a:solidFill>
                       <a:prstDash val="solid"/>
                       <a:round/>
@@ -20121,7 +20165,7 @@
                       <a:tailEnd len="sm" w="sm" type="none"/>
                     </a:lnB>
                     <a:solidFill>
-                      <a:schemeClr val="lt2"/>
+                      <a:schemeClr val="accent1"/>
                     </a:solidFill>
                   </a:tcPr>
                 </a:tc>
@@ -20149,7 +20193,7 @@
                   <a:tcPr marT="0" marB="0" marR="91425" marL="91425" anchor="ctr">
                     <a:lnL cap="flat" cmpd="sng" w="9525">
                       <a:solidFill>
-                        <a:schemeClr val="dk1"/>
+                        <a:schemeClr val="lt1"/>
                       </a:solidFill>
                       <a:prstDash val="solid"/>
                       <a:round/>
@@ -20158,7 +20202,7 @@
                     </a:lnL>
                     <a:lnR cap="flat" cmpd="sng" w="9525">
                       <a:solidFill>
-                        <a:schemeClr val="dk1"/>
+                        <a:schemeClr val="lt1"/>
                       </a:solidFill>
                       <a:prstDash val="solid"/>
                       <a:round/>
@@ -20167,7 +20211,7 @@
                     </a:lnR>
                     <a:lnT cap="flat" cmpd="sng" w="9525">
                       <a:solidFill>
-                        <a:schemeClr val="dk1"/>
+                        <a:schemeClr val="lt1"/>
                       </a:solidFill>
                       <a:prstDash val="solid"/>
                       <a:round/>
@@ -20176,7 +20220,7 @@
                     </a:lnT>
                     <a:lnB cap="flat" cmpd="sng" w="9525">
                       <a:solidFill>
-                        <a:schemeClr val="dk1"/>
+                        <a:schemeClr val="lt1"/>
                       </a:solidFill>
                       <a:prstDash val="solid"/>
                       <a:round/>
@@ -20184,7 +20228,7 @@
                       <a:tailEnd len="sm" w="sm" type="none"/>
                     </a:lnB>
                     <a:solidFill>
-                      <a:schemeClr val="lt2"/>
+                      <a:schemeClr val="accent1"/>
                     </a:solidFill>
                   </a:tcPr>
                 </a:tc>
@@ -20212,7 +20256,7 @@
                   <a:tcPr marT="0" marB="0" marR="91425" marL="91425" anchor="ctr">
                     <a:lnL cap="flat" cmpd="sng" w="9525">
                       <a:solidFill>
-                        <a:schemeClr val="dk1"/>
+                        <a:schemeClr val="lt1"/>
                       </a:solidFill>
                       <a:prstDash val="solid"/>
                       <a:round/>
@@ -20221,7 +20265,7 @@
                     </a:lnL>
                     <a:lnR cap="flat" cmpd="sng" w="9525">
                       <a:solidFill>
-                        <a:schemeClr val="dk1"/>
+                        <a:schemeClr val="lt1"/>
                       </a:solidFill>
                       <a:prstDash val="solid"/>
                       <a:round/>
@@ -20230,7 +20274,7 @@
                     </a:lnR>
                     <a:lnT cap="flat" cmpd="sng" w="9525">
                       <a:solidFill>
-                        <a:schemeClr val="dk1"/>
+                        <a:schemeClr val="lt1"/>
                       </a:solidFill>
                       <a:prstDash val="solid"/>
                       <a:round/>
@@ -20239,7 +20283,7 @@
                     </a:lnT>
                     <a:lnB cap="flat" cmpd="sng" w="9525">
                       <a:solidFill>
-                        <a:schemeClr val="dk1"/>
+                        <a:schemeClr val="lt1"/>
                       </a:solidFill>
                       <a:prstDash val="solid"/>
                       <a:round/>
@@ -20247,7 +20291,7 @@
                       <a:tailEnd len="sm" w="sm" type="none"/>
                     </a:lnB>
                     <a:solidFill>
-                      <a:schemeClr val="lt2"/>
+                      <a:schemeClr val="accent1"/>
                     </a:solidFill>
                   </a:tcPr>
                 </a:tc>
@@ -20275,7 +20319,7 @@
                   <a:tcPr marT="0" marB="0" marR="91425" marL="91425" anchor="ctr">
                     <a:lnL cap="flat" cmpd="sng" w="9525">
                       <a:solidFill>
-                        <a:schemeClr val="dk1"/>
+                        <a:schemeClr val="lt1"/>
                       </a:solidFill>
                       <a:prstDash val="solid"/>
                       <a:round/>
@@ -20284,7 +20328,7 @@
                     </a:lnL>
                     <a:lnR cap="flat" cmpd="sng" w="9525">
                       <a:solidFill>
-                        <a:schemeClr val="dk1"/>
+                        <a:schemeClr val="lt1"/>
                       </a:solidFill>
                       <a:prstDash val="solid"/>
                       <a:round/>
@@ -20293,7 +20337,7 @@
                     </a:lnR>
                     <a:lnT cap="flat" cmpd="sng" w="9525">
                       <a:solidFill>
-                        <a:schemeClr val="dk1"/>
+                        <a:schemeClr val="lt1"/>
                       </a:solidFill>
                       <a:prstDash val="solid"/>
                       <a:round/>
@@ -20302,7 +20346,7 @@
                     </a:lnT>
                     <a:lnB cap="flat" cmpd="sng" w="9525">
                       <a:solidFill>
-                        <a:schemeClr val="dk1"/>
+                        <a:schemeClr val="lt1"/>
                       </a:solidFill>
                       <a:prstDash val="solid"/>
                       <a:round/>
@@ -20310,7 +20354,7 @@
                       <a:tailEnd len="sm" w="sm" type="none"/>
                     </a:lnB>
                     <a:solidFill>
-                      <a:schemeClr val="lt2"/>
+                      <a:schemeClr val="accent1"/>
                     </a:solidFill>
                   </a:tcPr>
                 </a:tc>
@@ -20338,7 +20382,7 @@
                   <a:tcPr marT="0" marB="0" marR="91425" marL="91425" anchor="ctr">
                     <a:lnL cap="flat" cmpd="sng" w="9525">
                       <a:solidFill>
-                        <a:schemeClr val="dk1"/>
+                        <a:schemeClr val="lt1"/>
                       </a:solidFill>
                       <a:prstDash val="solid"/>
                       <a:round/>
@@ -20347,7 +20391,7 @@
                     </a:lnL>
                     <a:lnR cap="flat" cmpd="sng" w="9525">
                       <a:solidFill>
-                        <a:schemeClr val="dk1"/>
+                        <a:schemeClr val="lt1"/>
                       </a:solidFill>
                       <a:prstDash val="solid"/>
                       <a:round/>
@@ -20356,7 +20400,7 @@
                     </a:lnR>
                     <a:lnT cap="flat" cmpd="sng" w="9525">
                       <a:solidFill>
-                        <a:schemeClr val="dk1"/>
+                        <a:schemeClr val="lt1"/>
                       </a:solidFill>
                       <a:prstDash val="solid"/>
                       <a:round/>
@@ -20365,7 +20409,7 @@
                     </a:lnT>
                     <a:lnB cap="flat" cmpd="sng" w="9525">
                       <a:solidFill>
-                        <a:schemeClr val="dk1"/>
+                        <a:schemeClr val="lt1"/>
                       </a:solidFill>
                       <a:prstDash val="solid"/>
                       <a:round/>
@@ -20373,7 +20417,7 @@
                       <a:tailEnd len="sm" w="sm" type="none"/>
                     </a:lnB>
                     <a:solidFill>
-                      <a:schemeClr val="lt2"/>
+                      <a:schemeClr val="accent1"/>
                     </a:solidFill>
                   </a:tcPr>
                 </a:tc>
@@ -20403,7 +20447,7 @@
                   <a:tcPr marT="0" marB="0" marR="91425" marL="91425" anchor="ctr">
                     <a:lnL cap="flat" cmpd="sng" w="9525">
                       <a:solidFill>
-                        <a:schemeClr val="dk1"/>
+                        <a:schemeClr val="lt1"/>
                       </a:solidFill>
                       <a:prstDash val="solid"/>
                       <a:round/>
@@ -20412,7 +20456,7 @@
                     </a:lnL>
                     <a:lnR cap="flat" cmpd="sng" w="9525">
                       <a:solidFill>
-                        <a:schemeClr val="dk1"/>
+                        <a:schemeClr val="lt1"/>
                       </a:solidFill>
                       <a:prstDash val="solid"/>
                       <a:round/>
@@ -20421,7 +20465,7 @@
                     </a:lnR>
                     <a:lnT cap="flat" cmpd="sng" w="9525">
                       <a:solidFill>
-                        <a:schemeClr val="dk1"/>
+                        <a:schemeClr val="lt1"/>
                       </a:solidFill>
                       <a:prstDash val="solid"/>
                       <a:round/>
@@ -20430,7 +20474,7 @@
                     </a:lnT>
                     <a:lnB cap="flat" cmpd="sng" w="9525">
                       <a:solidFill>
-                        <a:schemeClr val="dk1"/>
+                        <a:schemeClr val="lt1"/>
                       </a:solidFill>
                       <a:prstDash val="solid"/>
                       <a:round/>
@@ -20438,7 +20482,7 @@
                       <a:tailEnd len="sm" w="sm" type="none"/>
                     </a:lnB>
                     <a:solidFill>
-                      <a:srgbClr val="FFFFFF"/>
+                      <a:schemeClr val="lt1"/>
                     </a:solidFill>
                   </a:tcPr>
                 </a:tc>
@@ -20466,7 +20510,7 @@
                   <a:tcPr marT="0" marB="0" marR="91425" marL="91425" anchor="ctr">
                     <a:lnL cap="flat" cmpd="sng" w="9525">
                       <a:solidFill>
-                        <a:schemeClr val="dk1"/>
+                        <a:schemeClr val="lt1"/>
                       </a:solidFill>
                       <a:prstDash val="solid"/>
                       <a:round/>
@@ -20475,7 +20519,7 @@
                     </a:lnL>
                     <a:lnR cap="flat" cmpd="sng" w="9525">
                       <a:solidFill>
-                        <a:schemeClr val="dk1"/>
+                        <a:schemeClr val="lt1"/>
                       </a:solidFill>
                       <a:prstDash val="solid"/>
                       <a:round/>
@@ -20484,7 +20528,7 @@
                     </a:lnR>
                     <a:lnT cap="flat" cmpd="sng" w="9525">
                       <a:solidFill>
-                        <a:schemeClr val="dk1"/>
+                        <a:schemeClr val="lt1"/>
                       </a:solidFill>
                       <a:prstDash val="solid"/>
                       <a:round/>
@@ -20493,7 +20537,7 @@
                     </a:lnT>
                     <a:lnB cap="flat" cmpd="sng" w="9525">
                       <a:solidFill>
-                        <a:schemeClr val="dk1"/>
+                        <a:schemeClr val="lt1"/>
                       </a:solidFill>
                       <a:prstDash val="solid"/>
                       <a:round/>
@@ -20501,7 +20545,7 @@
                       <a:tailEnd len="sm" w="sm" type="none"/>
                     </a:lnB>
                     <a:solidFill>
-                      <a:srgbClr val="FFFFFF"/>
+                      <a:schemeClr val="lt1"/>
                     </a:solidFill>
                   </a:tcPr>
                 </a:tc>
@@ -20528,7 +20572,7 @@
                   <a:tcPr marT="0" marB="0" marR="91425" marL="91425" anchor="ctr">
                     <a:lnL cap="flat" cmpd="sng" w="9525">
                       <a:solidFill>
-                        <a:schemeClr val="dk1"/>
+                        <a:schemeClr val="lt1"/>
                       </a:solidFill>
                       <a:prstDash val="solid"/>
                       <a:round/>
@@ -20537,7 +20581,7 @@
                     </a:lnL>
                     <a:lnR cap="flat" cmpd="sng" w="9525">
                       <a:solidFill>
-                        <a:schemeClr val="dk1"/>
+                        <a:schemeClr val="lt1"/>
                       </a:solidFill>
                       <a:prstDash val="solid"/>
                       <a:round/>
@@ -20546,7 +20590,7 @@
                     </a:lnR>
                     <a:lnT cap="flat" cmpd="sng" w="9525">
                       <a:solidFill>
-                        <a:schemeClr val="dk1"/>
+                        <a:schemeClr val="lt1"/>
                       </a:solidFill>
                       <a:prstDash val="solid"/>
                       <a:round/>
@@ -20555,7 +20599,7 @@
                     </a:lnT>
                     <a:lnB cap="flat" cmpd="sng" w="9525">
                       <a:solidFill>
-                        <a:schemeClr val="dk1"/>
+                        <a:schemeClr val="lt1"/>
                       </a:solidFill>
                       <a:prstDash val="solid"/>
                       <a:round/>
@@ -20563,7 +20607,7 @@
                       <a:tailEnd len="sm" w="sm" type="none"/>
                     </a:lnB>
                     <a:solidFill>
-                      <a:srgbClr val="FFFFFF"/>
+                      <a:schemeClr val="lt1"/>
                     </a:solidFill>
                   </a:tcPr>
                 </a:tc>
@@ -20590,7 +20634,7 @@
                   <a:tcPr marT="0" marB="0" marR="91425" marL="91425" anchor="ctr">
                     <a:lnL cap="flat" cmpd="sng" w="9525">
                       <a:solidFill>
-                        <a:schemeClr val="dk1"/>
+                        <a:schemeClr val="lt1"/>
                       </a:solidFill>
                       <a:prstDash val="solid"/>
                       <a:round/>
@@ -20599,7 +20643,7 @@
                     </a:lnL>
                     <a:lnR cap="flat" cmpd="sng" w="9525">
                       <a:solidFill>
-                        <a:schemeClr val="dk1"/>
+                        <a:schemeClr val="lt1"/>
                       </a:solidFill>
                       <a:prstDash val="solid"/>
                       <a:round/>
@@ -20608,7 +20652,7 @@
                     </a:lnR>
                     <a:lnT cap="flat" cmpd="sng" w="9525">
                       <a:solidFill>
-                        <a:schemeClr val="dk1"/>
+                        <a:schemeClr val="lt1"/>
                       </a:solidFill>
                       <a:prstDash val="solid"/>
                       <a:round/>
@@ -20617,7 +20661,7 @@
                     </a:lnT>
                     <a:lnB cap="flat" cmpd="sng" w="9525">
                       <a:solidFill>
-                        <a:schemeClr val="dk1"/>
+                        <a:schemeClr val="lt1"/>
                       </a:solidFill>
                       <a:prstDash val="solid"/>
                       <a:round/>
@@ -20625,7 +20669,7 @@
                       <a:tailEnd len="sm" w="sm" type="none"/>
                     </a:lnB>
                     <a:solidFill>
-                      <a:srgbClr val="FFFFFF"/>
+                      <a:schemeClr val="lt1"/>
                     </a:solidFill>
                   </a:tcPr>
                 </a:tc>
@@ -20653,7 +20697,7 @@
                   <a:tcPr marT="0" marB="0" marR="91425" marL="91425" anchor="ctr">
                     <a:lnL cap="flat" cmpd="sng" w="9525">
                       <a:solidFill>
-                        <a:schemeClr val="dk1"/>
+                        <a:schemeClr val="lt1"/>
                       </a:solidFill>
                       <a:prstDash val="solid"/>
                       <a:round/>
@@ -20662,7 +20706,7 @@
                     </a:lnL>
                     <a:lnR cap="flat" cmpd="sng" w="9525">
                       <a:solidFill>
-                        <a:schemeClr val="dk1"/>
+                        <a:schemeClr val="lt1"/>
                       </a:solidFill>
                       <a:prstDash val="solid"/>
                       <a:round/>
@@ -20671,7 +20715,7 @@
                     </a:lnR>
                     <a:lnT cap="flat" cmpd="sng" w="9525">
                       <a:solidFill>
-                        <a:schemeClr val="dk1"/>
+                        <a:schemeClr val="lt1"/>
                       </a:solidFill>
                       <a:prstDash val="solid"/>
                       <a:round/>
@@ -20680,7 +20724,7 @@
                     </a:lnT>
                     <a:lnB cap="flat" cmpd="sng" w="9525">
                       <a:solidFill>
-                        <a:schemeClr val="dk1"/>
+                        <a:schemeClr val="lt1"/>
                       </a:solidFill>
                       <a:prstDash val="solid"/>
                       <a:round/>
@@ -20688,7 +20732,7 @@
                       <a:tailEnd len="sm" w="sm" type="none"/>
                     </a:lnB>
                     <a:solidFill>
-                      <a:srgbClr val="FFFFFF"/>
+                      <a:schemeClr val="lt1"/>
                     </a:solidFill>
                   </a:tcPr>
                 </a:tc>
@@ -20716,7 +20760,7 @@
                   <a:tcPr marT="0" marB="0" marR="91425" marL="91425" anchor="ctr">
                     <a:lnL cap="flat" cmpd="sng" w="9525">
                       <a:solidFill>
-                        <a:schemeClr val="dk1"/>
+                        <a:schemeClr val="lt1"/>
                       </a:solidFill>
                       <a:prstDash val="solid"/>
                       <a:round/>
@@ -20725,7 +20769,7 @@
                     </a:lnL>
                     <a:lnR cap="flat" cmpd="sng" w="9525">
                       <a:solidFill>
-                        <a:schemeClr val="dk1"/>
+                        <a:schemeClr val="lt1"/>
                       </a:solidFill>
                       <a:prstDash val="solid"/>
                       <a:round/>
@@ -20734,7 +20778,7 @@
                     </a:lnR>
                     <a:lnT cap="flat" cmpd="sng" w="9525">
                       <a:solidFill>
-                        <a:schemeClr val="dk1"/>
+                        <a:schemeClr val="lt1"/>
                       </a:solidFill>
                       <a:prstDash val="solid"/>
                       <a:round/>
@@ -20743,7 +20787,7 @@
                     </a:lnT>
                     <a:lnB cap="flat" cmpd="sng" w="9525">
                       <a:solidFill>
-                        <a:schemeClr val="dk1"/>
+                        <a:schemeClr val="lt1"/>
                       </a:solidFill>
                       <a:prstDash val="solid"/>
                       <a:round/>
@@ -20751,7 +20795,7 @@
                       <a:tailEnd len="sm" w="sm" type="none"/>
                     </a:lnB>
                     <a:solidFill>
-                      <a:srgbClr val="FFFFFF"/>
+                      <a:schemeClr val="lt1"/>
                     </a:solidFill>
                   </a:tcPr>
                 </a:tc>
@@ -20779,7 +20823,7 @@
                   <a:tcPr marT="0" marB="0" marR="91425" marL="91425" anchor="ctr">
                     <a:lnL cap="flat" cmpd="sng" w="9525">
                       <a:solidFill>
-                        <a:schemeClr val="dk1"/>
+                        <a:schemeClr val="lt1"/>
                       </a:solidFill>
                       <a:prstDash val="solid"/>
                       <a:round/>
@@ -20788,7 +20832,7 @@
                     </a:lnL>
                     <a:lnR cap="flat" cmpd="sng" w="9525">
                       <a:solidFill>
-                        <a:schemeClr val="dk1"/>
+                        <a:schemeClr val="lt1"/>
                       </a:solidFill>
                       <a:prstDash val="solid"/>
                       <a:round/>
@@ -20797,7 +20841,7 @@
                     </a:lnR>
                     <a:lnT cap="flat" cmpd="sng" w="9525">
                       <a:solidFill>
-                        <a:schemeClr val="dk1"/>
+                        <a:schemeClr val="lt1"/>
                       </a:solidFill>
                       <a:prstDash val="solid"/>
                       <a:round/>
@@ -20806,7 +20850,7 @@
                     </a:lnT>
                     <a:lnB cap="flat" cmpd="sng" w="9525">
                       <a:solidFill>
-                        <a:schemeClr val="dk1"/>
+                        <a:schemeClr val="lt1"/>
                       </a:solidFill>
                       <a:prstDash val="solid"/>
                       <a:round/>
@@ -20814,7 +20858,7 @@
                       <a:tailEnd len="sm" w="sm" type="none"/>
                     </a:lnB>
                     <a:solidFill>
-                      <a:srgbClr val="FFFFFF"/>
+                      <a:schemeClr val="lt1"/>
                     </a:solidFill>
                   </a:tcPr>
                 </a:tc>
@@ -20842,7 +20886,7 @@
                   <a:tcPr marT="0" marB="0" marR="91425" marL="91425" anchor="ctr">
                     <a:lnL cap="flat" cmpd="sng" w="9525">
                       <a:solidFill>
-                        <a:schemeClr val="dk1"/>
+                        <a:schemeClr val="lt1"/>
                       </a:solidFill>
                       <a:prstDash val="solid"/>
                       <a:round/>
@@ -20851,7 +20895,7 @@
                     </a:lnL>
                     <a:lnR cap="flat" cmpd="sng" w="9525">
                       <a:solidFill>
-                        <a:schemeClr val="dk1"/>
+                        <a:schemeClr val="lt1"/>
                       </a:solidFill>
                       <a:prstDash val="solid"/>
                       <a:round/>
@@ -20860,7 +20904,7 @@
                     </a:lnR>
                     <a:lnT cap="flat" cmpd="sng" w="9525">
                       <a:solidFill>
-                        <a:schemeClr val="dk1"/>
+                        <a:schemeClr val="lt1"/>
                       </a:solidFill>
                       <a:prstDash val="solid"/>
                       <a:round/>
@@ -20869,7 +20913,7 @@
                     </a:lnT>
                     <a:lnB cap="flat" cmpd="sng" w="9525">
                       <a:solidFill>
-                        <a:schemeClr val="dk1"/>
+                        <a:schemeClr val="lt1"/>
                       </a:solidFill>
                       <a:prstDash val="solid"/>
                       <a:round/>
@@ -20877,7 +20921,7 @@
                       <a:tailEnd len="sm" w="sm" type="none"/>
                     </a:lnB>
                     <a:solidFill>
-                      <a:srgbClr val="FFFFFF"/>
+                      <a:schemeClr val="lt1"/>
                     </a:solidFill>
                   </a:tcPr>
                 </a:tc>
@@ -20907,7 +20951,7 @@
                   <a:tcPr marT="0" marB="0" marR="91425" marL="91425" anchor="ctr">
                     <a:lnL cap="flat" cmpd="sng" w="9525">
                       <a:solidFill>
-                        <a:schemeClr val="dk1"/>
+                        <a:schemeClr val="lt1"/>
                       </a:solidFill>
                       <a:prstDash val="solid"/>
                       <a:round/>
@@ -20916,7 +20960,7 @@
                     </a:lnL>
                     <a:lnR cap="flat" cmpd="sng" w="9525">
                       <a:solidFill>
-                        <a:schemeClr val="dk1"/>
+                        <a:schemeClr val="lt1"/>
                       </a:solidFill>
                       <a:prstDash val="solid"/>
                       <a:round/>
@@ -20925,7 +20969,7 @@
                     </a:lnR>
                     <a:lnT cap="flat" cmpd="sng" w="9525">
                       <a:solidFill>
-                        <a:schemeClr val="dk1"/>
+                        <a:schemeClr val="lt1"/>
                       </a:solidFill>
                       <a:prstDash val="solid"/>
                       <a:round/>
@@ -20934,7 +20978,7 @@
                     </a:lnT>
                     <a:lnB cap="flat" cmpd="sng" w="9525">
                       <a:solidFill>
-                        <a:schemeClr val="dk1"/>
+                        <a:schemeClr val="lt1"/>
                       </a:solidFill>
                       <a:prstDash val="solid"/>
                       <a:round/>
@@ -20942,7 +20986,7 @@
                       <a:tailEnd len="sm" w="sm" type="none"/>
                     </a:lnB>
                     <a:solidFill>
-                      <a:schemeClr val="lt2"/>
+                      <a:schemeClr val="accent1"/>
                     </a:solidFill>
                   </a:tcPr>
                 </a:tc>
@@ -20970,7 +21014,7 @@
                   <a:tcPr marT="0" marB="0" marR="91425" marL="91425" anchor="ctr">
                     <a:lnL cap="flat" cmpd="sng" w="9525">
                       <a:solidFill>
-                        <a:schemeClr val="dk1"/>
+                        <a:schemeClr val="lt1"/>
                       </a:solidFill>
                       <a:prstDash val="solid"/>
                       <a:round/>
@@ -20979,7 +21023,7 @@
                     </a:lnL>
                     <a:lnR cap="flat" cmpd="sng" w="9525">
                       <a:solidFill>
-                        <a:schemeClr val="dk1"/>
+                        <a:schemeClr val="lt1"/>
                       </a:solidFill>
                       <a:prstDash val="solid"/>
                       <a:round/>
@@ -20988,7 +21032,7 @@
                     </a:lnR>
                     <a:lnT cap="flat" cmpd="sng" w="9525">
                       <a:solidFill>
-                        <a:schemeClr val="dk1"/>
+                        <a:schemeClr val="lt1"/>
                       </a:solidFill>
                       <a:prstDash val="solid"/>
                       <a:round/>
@@ -20997,7 +21041,7 @@
                     </a:lnT>
                     <a:lnB cap="flat" cmpd="sng" w="9525">
                       <a:solidFill>
-                        <a:schemeClr val="dk1"/>
+                        <a:schemeClr val="lt1"/>
                       </a:solidFill>
                       <a:prstDash val="solid"/>
                       <a:round/>
@@ -21005,7 +21049,7 @@
                       <a:tailEnd len="sm" w="sm" type="none"/>
                     </a:lnB>
                     <a:solidFill>
-                      <a:schemeClr val="lt2"/>
+                      <a:schemeClr val="accent1"/>
                     </a:solidFill>
                   </a:tcPr>
                 </a:tc>
@@ -21032,7 +21076,7 @@
                   <a:tcPr marT="0" marB="0" marR="91425" marL="91425" anchor="ctr">
                     <a:lnL cap="flat" cmpd="sng" w="9525">
                       <a:solidFill>
-                        <a:schemeClr val="dk1"/>
+                        <a:schemeClr val="lt1"/>
                       </a:solidFill>
                       <a:prstDash val="solid"/>
                       <a:round/>
@@ -21041,7 +21085,7 @@
                     </a:lnL>
                     <a:lnR cap="flat" cmpd="sng" w="9525">
                       <a:solidFill>
-                        <a:schemeClr val="dk1"/>
+                        <a:schemeClr val="lt1"/>
                       </a:solidFill>
                       <a:prstDash val="solid"/>
                       <a:round/>
@@ -21050,7 +21094,7 @@
                     </a:lnR>
                     <a:lnT cap="flat" cmpd="sng" w="9525">
                       <a:solidFill>
-                        <a:schemeClr val="dk1"/>
+                        <a:schemeClr val="lt1"/>
                       </a:solidFill>
                       <a:prstDash val="solid"/>
                       <a:round/>
@@ -21059,7 +21103,7 @@
                     </a:lnT>
                     <a:lnB cap="flat" cmpd="sng" w="9525">
                       <a:solidFill>
-                        <a:schemeClr val="dk1"/>
+                        <a:schemeClr val="lt1"/>
                       </a:solidFill>
                       <a:prstDash val="solid"/>
                       <a:round/>
@@ -21067,7 +21111,7 @@
                       <a:tailEnd len="sm" w="sm" type="none"/>
                     </a:lnB>
                     <a:solidFill>
-                      <a:schemeClr val="lt2"/>
+                      <a:schemeClr val="accent1"/>
                     </a:solidFill>
                   </a:tcPr>
                 </a:tc>
@@ -21094,7 +21138,7 @@
                   <a:tcPr marT="0" marB="0" marR="91425" marL="91425" anchor="ctr">
                     <a:lnL cap="flat" cmpd="sng" w="9525">
                       <a:solidFill>
-                        <a:schemeClr val="dk1"/>
+                        <a:schemeClr val="lt1"/>
                       </a:solidFill>
                       <a:prstDash val="solid"/>
                       <a:round/>
@@ -21103,7 +21147,7 @@
                     </a:lnL>
                     <a:lnR cap="flat" cmpd="sng" w="9525">
                       <a:solidFill>
-                        <a:schemeClr val="dk1"/>
+                        <a:schemeClr val="lt1"/>
                       </a:solidFill>
                       <a:prstDash val="solid"/>
                       <a:round/>
@@ -21112,7 +21156,7 @@
                     </a:lnR>
                     <a:lnT cap="flat" cmpd="sng" w="9525">
                       <a:solidFill>
-                        <a:schemeClr val="dk1"/>
+                        <a:schemeClr val="lt1"/>
                       </a:solidFill>
                       <a:prstDash val="solid"/>
                       <a:round/>
@@ -21121,7 +21165,7 @@
                     </a:lnT>
                     <a:lnB cap="flat" cmpd="sng" w="9525">
                       <a:solidFill>
-                        <a:schemeClr val="dk1"/>
+                        <a:schemeClr val="lt1"/>
                       </a:solidFill>
                       <a:prstDash val="solid"/>
                       <a:round/>
@@ -21129,7 +21173,7 @@
                       <a:tailEnd len="sm" w="sm" type="none"/>
                     </a:lnB>
                     <a:solidFill>
-                      <a:schemeClr val="lt2"/>
+                      <a:schemeClr val="accent1"/>
                     </a:solidFill>
                   </a:tcPr>
                 </a:tc>
@@ -21157,7 +21201,7 @@
                   <a:tcPr marT="0" marB="0" marR="91425" marL="91425" anchor="ctr">
                     <a:lnL cap="flat" cmpd="sng" w="9525">
                       <a:solidFill>
-                        <a:schemeClr val="dk1"/>
+                        <a:schemeClr val="lt1"/>
                       </a:solidFill>
                       <a:prstDash val="solid"/>
                       <a:round/>
@@ -21166,7 +21210,7 @@
                     </a:lnL>
                     <a:lnR cap="flat" cmpd="sng" w="9525">
                       <a:solidFill>
-                        <a:schemeClr val="dk1"/>
+                        <a:schemeClr val="lt1"/>
                       </a:solidFill>
                       <a:prstDash val="solid"/>
                       <a:round/>
@@ -21175,7 +21219,7 @@
                     </a:lnR>
                     <a:lnT cap="flat" cmpd="sng" w="9525">
                       <a:solidFill>
-                        <a:schemeClr val="dk1"/>
+                        <a:schemeClr val="lt1"/>
                       </a:solidFill>
                       <a:prstDash val="solid"/>
                       <a:round/>
@@ -21184,7 +21228,7 @@
                     </a:lnT>
                     <a:lnB cap="flat" cmpd="sng" w="9525">
                       <a:solidFill>
-                        <a:schemeClr val="dk1"/>
+                        <a:schemeClr val="lt1"/>
                       </a:solidFill>
                       <a:prstDash val="solid"/>
                       <a:round/>
@@ -21192,7 +21236,7 @@
                       <a:tailEnd len="sm" w="sm" type="none"/>
                     </a:lnB>
                     <a:solidFill>
-                      <a:schemeClr val="lt2"/>
+                      <a:schemeClr val="accent1"/>
                     </a:solidFill>
                   </a:tcPr>
                 </a:tc>
@@ -21220,7 +21264,7 @@
                   <a:tcPr marT="0" marB="0" marR="91425" marL="91425" anchor="ctr">
                     <a:lnL cap="flat" cmpd="sng" w="9525">
                       <a:solidFill>
-                        <a:schemeClr val="dk1"/>
+                        <a:schemeClr val="lt1"/>
                       </a:solidFill>
                       <a:prstDash val="solid"/>
                       <a:round/>
@@ -21229,7 +21273,7 @@
                     </a:lnL>
                     <a:lnR cap="flat" cmpd="sng" w="9525">
                       <a:solidFill>
-                        <a:schemeClr val="dk1"/>
+                        <a:schemeClr val="lt1"/>
                       </a:solidFill>
                       <a:prstDash val="solid"/>
                       <a:round/>
@@ -21238,7 +21282,7 @@
                     </a:lnR>
                     <a:lnT cap="flat" cmpd="sng" w="9525">
                       <a:solidFill>
-                        <a:schemeClr val="dk1"/>
+                        <a:schemeClr val="lt1"/>
                       </a:solidFill>
                       <a:prstDash val="solid"/>
                       <a:round/>
@@ -21247,7 +21291,7 @@
                     </a:lnT>
                     <a:lnB cap="flat" cmpd="sng" w="9525">
                       <a:solidFill>
-                        <a:schemeClr val="dk1"/>
+                        <a:schemeClr val="lt1"/>
                       </a:solidFill>
                       <a:prstDash val="solid"/>
                       <a:round/>
@@ -21255,7 +21299,7 @@
                       <a:tailEnd len="sm" w="sm" type="none"/>
                     </a:lnB>
                     <a:solidFill>
-                      <a:schemeClr val="lt2"/>
+                      <a:schemeClr val="accent1"/>
                     </a:solidFill>
                   </a:tcPr>
                 </a:tc>
@@ -21283,7 +21327,7 @@
                   <a:tcPr marT="0" marB="0" marR="91425" marL="91425" anchor="ctr">
                     <a:lnL cap="flat" cmpd="sng" w="9525">
                       <a:solidFill>
-                        <a:schemeClr val="dk1"/>
+                        <a:schemeClr val="lt1"/>
                       </a:solidFill>
                       <a:prstDash val="solid"/>
                       <a:round/>
@@ -21292,7 +21336,7 @@
                     </a:lnL>
                     <a:lnR cap="flat" cmpd="sng" w="9525">
                       <a:solidFill>
-                        <a:schemeClr val="dk1"/>
+                        <a:schemeClr val="lt1"/>
                       </a:solidFill>
                       <a:prstDash val="solid"/>
                       <a:round/>
@@ -21301,7 +21345,7 @@
                     </a:lnR>
                     <a:lnT cap="flat" cmpd="sng" w="9525">
                       <a:solidFill>
-                        <a:schemeClr val="dk1"/>
+                        <a:schemeClr val="lt1"/>
                       </a:solidFill>
                       <a:prstDash val="solid"/>
                       <a:round/>
@@ -21310,7 +21354,7 @@
                     </a:lnT>
                     <a:lnB cap="flat" cmpd="sng" w="9525">
                       <a:solidFill>
-                        <a:schemeClr val="dk1"/>
+                        <a:schemeClr val="lt1"/>
                       </a:solidFill>
                       <a:prstDash val="solid"/>
                       <a:round/>
@@ -21318,7 +21362,7 @@
                       <a:tailEnd len="sm" w="sm" type="none"/>
                     </a:lnB>
                     <a:solidFill>
-                      <a:schemeClr val="lt2"/>
+                      <a:schemeClr val="accent1"/>
                     </a:solidFill>
                   </a:tcPr>
                 </a:tc>
@@ -21346,7 +21390,7 @@
                   <a:tcPr marT="0" marB="0" marR="91425" marL="91425" anchor="ctr">
                     <a:lnL cap="flat" cmpd="sng" w="9525">
                       <a:solidFill>
-                        <a:schemeClr val="dk1"/>
+                        <a:schemeClr val="lt1"/>
                       </a:solidFill>
                       <a:prstDash val="solid"/>
                       <a:round/>
@@ -21355,7 +21399,7 @@
                     </a:lnL>
                     <a:lnR cap="flat" cmpd="sng" w="9525">
                       <a:solidFill>
-                        <a:schemeClr val="dk1"/>
+                        <a:schemeClr val="lt1"/>
                       </a:solidFill>
                       <a:prstDash val="solid"/>
                       <a:round/>
@@ -21364,7 +21408,7 @@
                     </a:lnR>
                     <a:lnT cap="flat" cmpd="sng" w="9525">
                       <a:solidFill>
-                        <a:schemeClr val="dk1"/>
+                        <a:schemeClr val="lt1"/>
                       </a:solidFill>
                       <a:prstDash val="solid"/>
                       <a:round/>
@@ -21373,7 +21417,7 @@
                     </a:lnT>
                     <a:lnB cap="flat" cmpd="sng" w="9525">
                       <a:solidFill>
-                        <a:schemeClr val="dk1"/>
+                        <a:schemeClr val="lt1"/>
                       </a:solidFill>
                       <a:prstDash val="solid"/>
                       <a:round/>
@@ -21381,7 +21425,7 @@
                       <a:tailEnd len="sm" w="sm" type="none"/>
                     </a:lnB>
                     <a:solidFill>
-                      <a:schemeClr val="lt2"/>
+                      <a:schemeClr val="accent1"/>
                     </a:solidFill>
                   </a:tcPr>
                 </a:tc>
@@ -21411,7 +21455,7 @@
                   <a:tcPr marT="0" marB="0" marR="91425" marL="91425" anchor="ctr">
                     <a:lnL cap="flat" cmpd="sng" w="9525">
                       <a:solidFill>
-                        <a:schemeClr val="dk1"/>
+                        <a:schemeClr val="lt1"/>
                       </a:solidFill>
                       <a:prstDash val="solid"/>
                       <a:round/>
@@ -21420,7 +21464,7 @@
                     </a:lnL>
                     <a:lnR cap="flat" cmpd="sng" w="9525">
                       <a:solidFill>
-                        <a:schemeClr val="dk1"/>
+                        <a:schemeClr val="lt1"/>
                       </a:solidFill>
                       <a:prstDash val="solid"/>
                       <a:round/>
@@ -21429,7 +21473,7 @@
                     </a:lnR>
                     <a:lnT cap="flat" cmpd="sng" w="9525">
                       <a:solidFill>
-                        <a:schemeClr val="dk1"/>
+                        <a:schemeClr val="lt1"/>
                       </a:solidFill>
                       <a:prstDash val="solid"/>
                       <a:round/>
@@ -21438,7 +21482,7 @@
                     </a:lnT>
                     <a:lnB cap="flat" cmpd="sng" w="9525">
                       <a:solidFill>
-                        <a:schemeClr val="dk1"/>
+                        <a:schemeClr val="lt1"/>
                       </a:solidFill>
                       <a:prstDash val="solid"/>
                       <a:round/>
@@ -21446,7 +21490,7 @@
                       <a:tailEnd len="sm" w="sm" type="none"/>
                     </a:lnB>
                     <a:solidFill>
-                      <a:srgbClr val="FFFFFF"/>
+                      <a:schemeClr val="lt1"/>
                     </a:solidFill>
                   </a:tcPr>
                 </a:tc>
@@ -21473,7 +21517,7 @@
                   <a:tcPr marT="0" marB="0" marR="91425" marL="91425" anchor="ctr">
                     <a:lnL cap="flat" cmpd="sng" w="9525">
                       <a:solidFill>
-                        <a:schemeClr val="dk1"/>
+                        <a:schemeClr val="lt1"/>
                       </a:solidFill>
                       <a:prstDash val="solid"/>
                       <a:round/>
@@ -21482,7 +21526,7 @@
                     </a:lnL>
                     <a:lnR cap="flat" cmpd="sng" w="9525">
                       <a:solidFill>
-                        <a:schemeClr val="dk1"/>
+                        <a:schemeClr val="lt1"/>
                       </a:solidFill>
                       <a:prstDash val="solid"/>
                       <a:round/>
@@ -21491,7 +21535,7 @@
                     </a:lnR>
                     <a:lnT cap="flat" cmpd="sng" w="9525">
                       <a:solidFill>
-                        <a:schemeClr val="dk1"/>
+                        <a:schemeClr val="lt1"/>
                       </a:solidFill>
                       <a:prstDash val="solid"/>
                       <a:round/>
@@ -21500,7 +21544,7 @@
                     </a:lnT>
                     <a:lnB cap="flat" cmpd="sng" w="9525">
                       <a:solidFill>
-                        <a:schemeClr val="dk1"/>
+                        <a:schemeClr val="lt1"/>
                       </a:solidFill>
                       <a:prstDash val="solid"/>
                       <a:round/>
@@ -21508,7 +21552,7 @@
                       <a:tailEnd len="sm" w="sm" type="none"/>
                     </a:lnB>
                     <a:solidFill>
-                      <a:srgbClr val="FFFFFF"/>
+                      <a:schemeClr val="lt1"/>
                     </a:solidFill>
                   </a:tcPr>
                 </a:tc>
@@ -21535,7 +21579,7 @@
                   <a:tcPr marT="0" marB="0" marR="91425" marL="91425" anchor="ctr">
                     <a:lnL cap="flat" cmpd="sng" w="9525">
                       <a:solidFill>
-                        <a:schemeClr val="dk1"/>
+                        <a:schemeClr val="lt1"/>
                       </a:solidFill>
                       <a:prstDash val="solid"/>
                       <a:round/>
@@ -21544,7 +21588,7 @@
                     </a:lnL>
                     <a:lnR cap="flat" cmpd="sng" w="9525">
                       <a:solidFill>
-                        <a:schemeClr val="dk1"/>
+                        <a:schemeClr val="lt1"/>
                       </a:solidFill>
                       <a:prstDash val="solid"/>
                       <a:round/>
@@ -21553,7 +21597,7 @@
                     </a:lnR>
                     <a:lnT cap="flat" cmpd="sng" w="9525">
                       <a:solidFill>
-                        <a:schemeClr val="dk1"/>
+                        <a:schemeClr val="lt1"/>
                       </a:solidFill>
                       <a:prstDash val="solid"/>
                       <a:round/>
@@ -21562,7 +21606,7 @@
                     </a:lnT>
                     <a:lnB cap="flat" cmpd="sng" w="9525">
                       <a:solidFill>
-                        <a:schemeClr val="dk1"/>
+                        <a:schemeClr val="lt1"/>
                       </a:solidFill>
                       <a:prstDash val="solid"/>
                       <a:round/>
@@ -21570,7 +21614,7 @@
                       <a:tailEnd len="sm" w="sm" type="none"/>
                     </a:lnB>
                     <a:solidFill>
-                      <a:srgbClr val="FFFFFF"/>
+                      <a:schemeClr val="lt1"/>
                     </a:solidFill>
                   </a:tcPr>
                 </a:tc>
@@ -21597,7 +21641,7 @@
                   <a:tcPr marT="0" marB="0" marR="91425" marL="91425" anchor="ctr">
                     <a:lnL cap="flat" cmpd="sng" w="9525">
                       <a:solidFill>
-                        <a:schemeClr val="dk1"/>
+                        <a:schemeClr val="lt1"/>
                       </a:solidFill>
                       <a:prstDash val="solid"/>
                       <a:round/>
@@ -21606,7 +21650,7 @@
                     </a:lnL>
                     <a:lnR cap="flat" cmpd="sng" w="9525">
                       <a:solidFill>
-                        <a:schemeClr val="dk1"/>
+                        <a:schemeClr val="lt1"/>
                       </a:solidFill>
                       <a:prstDash val="solid"/>
                       <a:round/>
@@ -21615,7 +21659,7 @@
                     </a:lnR>
                     <a:lnT cap="flat" cmpd="sng" w="9525">
                       <a:solidFill>
-                        <a:schemeClr val="dk1"/>
+                        <a:schemeClr val="lt1"/>
                       </a:solidFill>
                       <a:prstDash val="solid"/>
                       <a:round/>
@@ -21624,7 +21668,7 @@
                     </a:lnT>
                     <a:lnB cap="flat" cmpd="sng" w="9525">
                       <a:solidFill>
-                        <a:schemeClr val="dk1"/>
+                        <a:schemeClr val="lt1"/>
                       </a:solidFill>
                       <a:prstDash val="solid"/>
                       <a:round/>
@@ -21632,7 +21676,7 @@
                       <a:tailEnd len="sm" w="sm" type="none"/>
                     </a:lnB>
                     <a:solidFill>
-                      <a:srgbClr val="FFFFFF"/>
+                      <a:schemeClr val="lt1"/>
                     </a:solidFill>
                   </a:tcPr>
                 </a:tc>
@@ -21659,7 +21703,7 @@
                   <a:tcPr marT="0" marB="0" marR="91425" marL="91425" anchor="ctr">
                     <a:lnL cap="flat" cmpd="sng" w="9525">
                       <a:solidFill>
-                        <a:schemeClr val="dk1"/>
+                        <a:schemeClr val="lt1"/>
                       </a:solidFill>
                       <a:prstDash val="solid"/>
                       <a:round/>
@@ -21668,7 +21712,7 @@
                     </a:lnL>
                     <a:lnR cap="flat" cmpd="sng" w="9525">
                       <a:solidFill>
-                        <a:schemeClr val="dk1"/>
+                        <a:schemeClr val="lt1"/>
                       </a:solidFill>
                       <a:prstDash val="solid"/>
                       <a:round/>
@@ -21677,7 +21721,7 @@
                     </a:lnR>
                     <a:lnT cap="flat" cmpd="sng" w="9525">
                       <a:solidFill>
-                        <a:schemeClr val="dk1"/>
+                        <a:schemeClr val="lt1"/>
                       </a:solidFill>
                       <a:prstDash val="solid"/>
                       <a:round/>
@@ -21686,7 +21730,7 @@
                     </a:lnT>
                     <a:lnB cap="flat" cmpd="sng" w="9525">
                       <a:solidFill>
-                        <a:schemeClr val="dk1"/>
+                        <a:schemeClr val="lt1"/>
                       </a:solidFill>
                       <a:prstDash val="solid"/>
                       <a:round/>
@@ -21694,7 +21738,7 @@
                       <a:tailEnd len="sm" w="sm" type="none"/>
                     </a:lnB>
                     <a:solidFill>
-                      <a:srgbClr val="FFFFFF"/>
+                      <a:schemeClr val="lt1"/>
                     </a:solidFill>
                   </a:tcPr>
                 </a:tc>
@@ -21722,7 +21766,7 @@
                   <a:tcPr marT="0" marB="0" marR="91425" marL="91425" anchor="ctr">
                     <a:lnL cap="flat" cmpd="sng" w="9525">
                       <a:solidFill>
-                        <a:schemeClr val="dk1"/>
+                        <a:schemeClr val="lt1"/>
                       </a:solidFill>
                       <a:prstDash val="solid"/>
                       <a:round/>
@@ -21731,7 +21775,7 @@
                     </a:lnL>
                     <a:lnR cap="flat" cmpd="sng" w="9525">
                       <a:solidFill>
-                        <a:schemeClr val="dk1"/>
+                        <a:schemeClr val="lt1"/>
                       </a:solidFill>
                       <a:prstDash val="solid"/>
                       <a:round/>
@@ -21740,7 +21784,7 @@
                     </a:lnR>
                     <a:lnT cap="flat" cmpd="sng" w="9525">
                       <a:solidFill>
-                        <a:schemeClr val="dk1"/>
+                        <a:schemeClr val="lt1"/>
                       </a:solidFill>
                       <a:prstDash val="solid"/>
                       <a:round/>
@@ -21749,7 +21793,7 @@
                     </a:lnT>
                     <a:lnB cap="flat" cmpd="sng" w="9525">
                       <a:solidFill>
-                        <a:schemeClr val="dk1"/>
+                        <a:schemeClr val="lt1"/>
                       </a:solidFill>
                       <a:prstDash val="solid"/>
                       <a:round/>
@@ -21757,7 +21801,7 @@
                       <a:tailEnd len="sm" w="sm" type="none"/>
                     </a:lnB>
                     <a:solidFill>
-                      <a:srgbClr val="FFFFFF"/>
+                      <a:schemeClr val="lt1"/>
                     </a:solidFill>
                   </a:tcPr>
                 </a:tc>
@@ -21784,7 +21828,7 @@
                   <a:tcPr marT="0" marB="0" marR="91425" marL="91425" anchor="ctr">
                     <a:lnL cap="flat" cmpd="sng" w="9525">
                       <a:solidFill>
-                        <a:schemeClr val="dk1"/>
+                        <a:schemeClr val="lt1"/>
                       </a:solidFill>
                       <a:prstDash val="solid"/>
                       <a:round/>
@@ -21793,7 +21837,7 @@
                     </a:lnL>
                     <a:lnR cap="flat" cmpd="sng" w="9525">
                       <a:solidFill>
-                        <a:schemeClr val="dk1"/>
+                        <a:schemeClr val="lt1"/>
                       </a:solidFill>
                       <a:prstDash val="solid"/>
                       <a:round/>
@@ -21802,7 +21846,7 @@
                     </a:lnR>
                     <a:lnT cap="flat" cmpd="sng" w="9525">
                       <a:solidFill>
-                        <a:schemeClr val="dk1"/>
+                        <a:schemeClr val="lt1"/>
                       </a:solidFill>
                       <a:prstDash val="solid"/>
                       <a:round/>
@@ -21811,7 +21855,7 @@
                     </a:lnT>
                     <a:lnB cap="flat" cmpd="sng" w="9525">
                       <a:solidFill>
-                        <a:schemeClr val="dk1"/>
+                        <a:schemeClr val="lt1"/>
                       </a:solidFill>
                       <a:prstDash val="solid"/>
                       <a:round/>
@@ -21819,7 +21863,7 @@
                       <a:tailEnd len="sm" w="sm" type="none"/>
                     </a:lnB>
                     <a:solidFill>
-                      <a:srgbClr val="FFFFFF"/>
+                      <a:schemeClr val="lt1"/>
                     </a:solidFill>
                   </a:tcPr>
                 </a:tc>
@@ -21847,7 +21891,7 @@
                   <a:tcPr marT="0" marB="0" marR="91425" marL="91425" anchor="ctr">
                     <a:lnL cap="flat" cmpd="sng" w="9525">
                       <a:solidFill>
-                        <a:schemeClr val="dk1"/>
+                        <a:schemeClr val="lt1"/>
                       </a:solidFill>
                       <a:prstDash val="solid"/>
                       <a:round/>
@@ -21856,7 +21900,7 @@
                     </a:lnL>
                     <a:lnR cap="flat" cmpd="sng" w="9525">
                       <a:solidFill>
-                        <a:schemeClr val="dk1"/>
+                        <a:schemeClr val="lt1"/>
                       </a:solidFill>
                       <a:prstDash val="solid"/>
                       <a:round/>
@@ -21865,7 +21909,7 @@
                     </a:lnR>
                     <a:lnT cap="flat" cmpd="sng" w="9525">
                       <a:solidFill>
-                        <a:schemeClr val="dk1"/>
+                        <a:schemeClr val="lt1"/>
                       </a:solidFill>
                       <a:prstDash val="solid"/>
                       <a:round/>
@@ -21874,7 +21918,7 @@
                     </a:lnT>
                     <a:lnB cap="flat" cmpd="sng" w="9525">
                       <a:solidFill>
-                        <a:schemeClr val="dk1"/>
+                        <a:schemeClr val="lt1"/>
                       </a:solidFill>
                       <a:prstDash val="solid"/>
                       <a:round/>
@@ -21882,7 +21926,7 @@
                       <a:tailEnd len="sm" w="sm" type="none"/>
                     </a:lnB>
                     <a:solidFill>
-                      <a:srgbClr val="FFFFFF"/>
+                      <a:schemeClr val="lt1"/>
                     </a:solidFill>
                   </a:tcPr>
                 </a:tc>
@@ -21911,7 +21955,7 @@
                   <a:tcPr marT="0" marB="0" marR="91425" marL="91425" anchor="ctr">
                     <a:lnL cap="flat" cmpd="sng" w="9525">
                       <a:solidFill>
-                        <a:schemeClr val="dk1"/>
+                        <a:schemeClr val="lt1"/>
                       </a:solidFill>
                       <a:prstDash val="solid"/>
                       <a:round/>
@@ -21920,7 +21964,7 @@
                     </a:lnL>
                     <a:lnR cap="flat" cmpd="sng" w="9525">
                       <a:solidFill>
-                        <a:schemeClr val="dk1"/>
+                        <a:schemeClr val="lt1"/>
                       </a:solidFill>
                       <a:prstDash val="solid"/>
                       <a:round/>
@@ -21929,7 +21973,7 @@
                     </a:lnR>
                     <a:lnT cap="flat" cmpd="sng" w="9525">
                       <a:solidFill>
-                        <a:schemeClr val="dk1"/>
+                        <a:schemeClr val="lt1"/>
                       </a:solidFill>
                       <a:prstDash val="solid"/>
                       <a:round/>
@@ -21938,7 +21982,7 @@
                     </a:lnT>
                     <a:lnB cap="flat" cmpd="sng" w="9525">
                       <a:solidFill>
-                        <a:schemeClr val="dk1"/>
+                        <a:schemeClr val="lt1"/>
                       </a:solidFill>
                       <a:prstDash val="solid"/>
                       <a:round/>
@@ -21946,7 +21990,7 @@
                       <a:tailEnd len="sm" w="sm" type="none"/>
                     </a:lnB>
                     <a:solidFill>
-                      <a:schemeClr val="lt2"/>
+                      <a:schemeClr val="accent1"/>
                     </a:solidFill>
                   </a:tcPr>
                 </a:tc>
@@ -21973,7 +22017,7 @@
                   <a:tcPr marT="0" marB="0" marR="91425" marL="91425" anchor="ctr">
                     <a:lnL cap="flat" cmpd="sng" w="9525">
                       <a:solidFill>
-                        <a:schemeClr val="dk1"/>
+                        <a:schemeClr val="lt1"/>
                       </a:solidFill>
                       <a:prstDash val="solid"/>
                       <a:round/>
@@ -21982,7 +22026,7 @@
                     </a:lnL>
                     <a:lnR cap="flat" cmpd="sng" w="9525">
                       <a:solidFill>
-                        <a:schemeClr val="dk1"/>
+                        <a:schemeClr val="lt1"/>
                       </a:solidFill>
                       <a:prstDash val="solid"/>
                       <a:round/>
@@ -21991,7 +22035,7 @@
                     </a:lnR>
                     <a:lnT cap="flat" cmpd="sng" w="9525">
                       <a:solidFill>
-                        <a:schemeClr val="dk1"/>
+                        <a:schemeClr val="lt1"/>
                       </a:solidFill>
                       <a:prstDash val="solid"/>
                       <a:round/>
@@ -22000,7 +22044,7 @@
                     </a:lnT>
                     <a:lnB cap="flat" cmpd="sng" w="9525">
                       <a:solidFill>
-                        <a:schemeClr val="dk1"/>
+                        <a:schemeClr val="lt1"/>
                       </a:solidFill>
                       <a:prstDash val="solid"/>
                       <a:round/>
@@ -22008,7 +22052,7 @@
                       <a:tailEnd len="sm" w="sm" type="none"/>
                     </a:lnB>
                     <a:solidFill>
-                      <a:schemeClr val="lt2"/>
+                      <a:schemeClr val="accent1"/>
                     </a:solidFill>
                   </a:tcPr>
                 </a:tc>
@@ -22035,7 +22079,7 @@
                   <a:tcPr marT="0" marB="0" marR="91425" marL="91425" anchor="ctr">
                     <a:lnL cap="flat" cmpd="sng" w="9525">
                       <a:solidFill>
-                        <a:schemeClr val="dk1"/>
+                        <a:schemeClr val="lt1"/>
                       </a:solidFill>
                       <a:prstDash val="solid"/>
                       <a:round/>
@@ -22044,7 +22088,7 @@
                     </a:lnL>
                     <a:lnR cap="flat" cmpd="sng" w="9525">
                       <a:solidFill>
-                        <a:schemeClr val="dk1"/>
+                        <a:schemeClr val="lt1"/>
                       </a:solidFill>
                       <a:prstDash val="solid"/>
                       <a:round/>
@@ -22053,7 +22097,7 @@
                     </a:lnR>
                     <a:lnT cap="flat" cmpd="sng" w="9525">
                       <a:solidFill>
-                        <a:schemeClr val="dk1"/>
+                        <a:schemeClr val="lt1"/>
                       </a:solidFill>
                       <a:prstDash val="solid"/>
                       <a:round/>
@@ -22062,7 +22106,7 @@
                     </a:lnT>
                     <a:lnB cap="flat" cmpd="sng" w="9525">
                       <a:solidFill>
-                        <a:schemeClr val="dk1"/>
+                        <a:schemeClr val="lt1"/>
                       </a:solidFill>
                       <a:prstDash val="solid"/>
                       <a:round/>
@@ -22070,7 +22114,7 @@
                       <a:tailEnd len="sm" w="sm" type="none"/>
                     </a:lnB>
                     <a:solidFill>
-                      <a:schemeClr val="lt2"/>
+                      <a:schemeClr val="accent1"/>
                     </a:solidFill>
                   </a:tcPr>
                 </a:tc>
@@ -22097,7 +22141,7 @@
                   <a:tcPr marT="0" marB="0" marR="91425" marL="91425" anchor="ctr">
                     <a:lnL cap="flat" cmpd="sng" w="9525">
                       <a:solidFill>
-                        <a:schemeClr val="dk1"/>
+                        <a:schemeClr val="lt1"/>
                       </a:solidFill>
                       <a:prstDash val="solid"/>
                       <a:round/>
@@ -22106,7 +22150,7 @@
                     </a:lnL>
                     <a:lnR cap="flat" cmpd="sng" w="9525">
                       <a:solidFill>
-                        <a:schemeClr val="dk1"/>
+                        <a:schemeClr val="lt1"/>
                       </a:solidFill>
                       <a:prstDash val="solid"/>
                       <a:round/>
@@ -22115,7 +22159,7 @@
                     </a:lnR>
                     <a:lnT cap="flat" cmpd="sng" w="9525">
                       <a:solidFill>
-                        <a:schemeClr val="dk1"/>
+                        <a:schemeClr val="lt1"/>
                       </a:solidFill>
                       <a:prstDash val="solid"/>
                       <a:round/>
@@ -22124,7 +22168,7 @@
                     </a:lnT>
                     <a:lnB cap="flat" cmpd="sng" w="9525">
                       <a:solidFill>
-                        <a:schemeClr val="dk1"/>
+                        <a:schemeClr val="lt1"/>
                       </a:solidFill>
                       <a:prstDash val="solid"/>
                       <a:round/>
@@ -22132,7 +22176,7 @@
                       <a:tailEnd len="sm" w="sm" type="none"/>
                     </a:lnB>
                     <a:solidFill>
-                      <a:schemeClr val="lt2"/>
+                      <a:schemeClr val="accent1"/>
                     </a:solidFill>
                   </a:tcPr>
                 </a:tc>
@@ -22159,7 +22203,7 @@
                   <a:tcPr marT="0" marB="0" marR="91425" marL="91425" anchor="ctr">
                     <a:lnL cap="flat" cmpd="sng" w="9525">
                       <a:solidFill>
-                        <a:schemeClr val="dk1"/>
+                        <a:schemeClr val="lt1"/>
                       </a:solidFill>
                       <a:prstDash val="solid"/>
                       <a:round/>
@@ -22168,7 +22212,7 @@
                     </a:lnL>
                     <a:lnR cap="flat" cmpd="sng" w="9525">
                       <a:solidFill>
-                        <a:schemeClr val="dk1"/>
+                        <a:schemeClr val="lt1"/>
                       </a:solidFill>
                       <a:prstDash val="solid"/>
                       <a:round/>
@@ -22177,7 +22221,7 @@
                     </a:lnR>
                     <a:lnT cap="flat" cmpd="sng" w="9525">
                       <a:solidFill>
-                        <a:schemeClr val="dk1"/>
+                        <a:schemeClr val="lt1"/>
                       </a:solidFill>
                       <a:prstDash val="solid"/>
                       <a:round/>
@@ -22186,7 +22230,7 @@
                     </a:lnT>
                     <a:lnB cap="flat" cmpd="sng" w="9525">
                       <a:solidFill>
-                        <a:schemeClr val="dk1"/>
+                        <a:schemeClr val="lt1"/>
                       </a:solidFill>
                       <a:prstDash val="solid"/>
                       <a:round/>
@@ -22194,7 +22238,7 @@
                       <a:tailEnd len="sm" w="sm" type="none"/>
                     </a:lnB>
                     <a:solidFill>
-                      <a:schemeClr val="lt2"/>
+                      <a:schemeClr val="accent1"/>
                     </a:solidFill>
                   </a:tcPr>
                 </a:tc>
@@ -22221,7 +22265,7 @@
                   <a:tcPr marT="0" marB="0" marR="91425" marL="91425" anchor="ctr">
                     <a:lnL cap="flat" cmpd="sng" w="9525">
                       <a:solidFill>
-                        <a:schemeClr val="dk1"/>
+                        <a:schemeClr val="lt1"/>
                       </a:solidFill>
                       <a:prstDash val="solid"/>
                       <a:round/>
@@ -22230,7 +22274,7 @@
                     </a:lnL>
                     <a:lnR cap="flat" cmpd="sng" w="9525">
                       <a:solidFill>
-                        <a:schemeClr val="dk1"/>
+                        <a:schemeClr val="lt1"/>
                       </a:solidFill>
                       <a:prstDash val="solid"/>
                       <a:round/>
@@ -22239,7 +22283,7 @@
                     </a:lnR>
                     <a:lnT cap="flat" cmpd="sng" w="9525">
                       <a:solidFill>
-                        <a:schemeClr val="dk1"/>
+                        <a:schemeClr val="lt1"/>
                       </a:solidFill>
                       <a:prstDash val="solid"/>
                       <a:round/>
@@ -22248,7 +22292,7 @@
                     </a:lnT>
                     <a:lnB cap="flat" cmpd="sng" w="9525">
                       <a:solidFill>
-                        <a:schemeClr val="dk1"/>
+                        <a:schemeClr val="lt1"/>
                       </a:solidFill>
                       <a:prstDash val="solid"/>
                       <a:round/>
@@ -22256,7 +22300,7 @@
                       <a:tailEnd len="sm" w="sm" type="none"/>
                     </a:lnB>
                     <a:solidFill>
-                      <a:schemeClr val="lt2"/>
+                      <a:schemeClr val="accent1"/>
                     </a:solidFill>
                   </a:tcPr>
                 </a:tc>
@@ -22283,7 +22327,7 @@
                   <a:tcPr marT="0" marB="0" marR="91425" marL="91425" anchor="ctr">
                     <a:lnL cap="flat" cmpd="sng" w="9525">
                       <a:solidFill>
-                        <a:schemeClr val="dk1"/>
+                        <a:schemeClr val="lt1"/>
                       </a:solidFill>
                       <a:prstDash val="solid"/>
                       <a:round/>
@@ -22292,7 +22336,7 @@
                     </a:lnL>
                     <a:lnR cap="flat" cmpd="sng" w="9525">
                       <a:solidFill>
-                        <a:schemeClr val="dk1"/>
+                        <a:schemeClr val="lt1"/>
                       </a:solidFill>
                       <a:prstDash val="solid"/>
                       <a:round/>
@@ -22301,7 +22345,7 @@
                     </a:lnR>
                     <a:lnT cap="flat" cmpd="sng" w="9525">
                       <a:solidFill>
-                        <a:schemeClr val="dk1"/>
+                        <a:schemeClr val="lt1"/>
                       </a:solidFill>
                       <a:prstDash val="solid"/>
                       <a:round/>
@@ -22310,7 +22354,7 @@
                     </a:lnT>
                     <a:lnB cap="flat" cmpd="sng" w="9525">
                       <a:solidFill>
-                        <a:schemeClr val="dk1"/>
+                        <a:schemeClr val="lt1"/>
                       </a:solidFill>
                       <a:prstDash val="solid"/>
                       <a:round/>
@@ -22318,7 +22362,7 @@
                       <a:tailEnd len="sm" w="sm" type="none"/>
                     </a:lnB>
                     <a:solidFill>
-                      <a:schemeClr val="lt2"/>
+                      <a:schemeClr val="accent1"/>
                     </a:solidFill>
                   </a:tcPr>
                 </a:tc>
@@ -22345,7 +22389,7 @@
                   <a:tcPr marT="0" marB="0" marR="91425" marL="91425" anchor="ctr">
                     <a:lnL cap="flat" cmpd="sng" w="9525">
                       <a:solidFill>
-                        <a:schemeClr val="dk1"/>
+                        <a:schemeClr val="lt1"/>
                       </a:solidFill>
                       <a:prstDash val="solid"/>
                       <a:round/>
@@ -22354,7 +22398,7 @@
                     </a:lnL>
                     <a:lnR cap="flat" cmpd="sng" w="9525">
                       <a:solidFill>
-                        <a:schemeClr val="dk1"/>
+                        <a:schemeClr val="lt1"/>
                       </a:solidFill>
                       <a:prstDash val="solid"/>
                       <a:round/>
@@ -22363,7 +22407,7 @@
                     </a:lnR>
                     <a:lnT cap="flat" cmpd="sng" w="9525">
                       <a:solidFill>
-                        <a:schemeClr val="dk1"/>
+                        <a:schemeClr val="lt1"/>
                       </a:solidFill>
                       <a:prstDash val="solid"/>
                       <a:round/>
@@ -22372,7 +22416,7 @@
                     </a:lnT>
                     <a:lnB cap="flat" cmpd="sng" w="9525">
                       <a:solidFill>
-                        <a:schemeClr val="dk1"/>
+                        <a:schemeClr val="lt1"/>
                       </a:solidFill>
                       <a:prstDash val="solid"/>
                       <a:round/>
@@ -22380,7 +22424,7 @@
                       <a:tailEnd len="sm" w="sm" type="none"/>
                     </a:lnB>
                     <a:solidFill>
-                      <a:schemeClr val="lt2"/>
+                      <a:schemeClr val="accent1"/>
                     </a:solidFill>
                   </a:tcPr>
                 </a:tc>
@@ -22418,7 +22462,7 @@
                   <a:tcPr marT="0" marB="0" marR="91425" marL="91425" anchor="ctr">
                     <a:lnL cap="flat" cmpd="sng" w="9525">
                       <a:solidFill>
-                        <a:schemeClr val="dk1"/>
+                        <a:schemeClr val="lt1"/>
                       </a:solidFill>
                       <a:prstDash val="solid"/>
                       <a:round/>
@@ -22427,7 +22471,7 @@
                     </a:lnL>
                     <a:lnR cap="flat" cmpd="sng" w="9525">
                       <a:solidFill>
-                        <a:schemeClr val="dk1"/>
+                        <a:schemeClr val="lt1"/>
                       </a:solidFill>
                       <a:prstDash val="solid"/>
                       <a:round/>
@@ -22436,7 +22480,7 @@
                     </a:lnR>
                     <a:lnT cap="flat" cmpd="sng" w="9525">
                       <a:solidFill>
-                        <a:schemeClr val="dk1"/>
+                        <a:schemeClr val="lt1"/>
                       </a:solidFill>
                       <a:prstDash val="solid"/>
                       <a:round/>
@@ -22445,7 +22489,7 @@
                     </a:lnT>
                     <a:lnB cap="flat" cmpd="sng" w="9525">
                       <a:solidFill>
-                        <a:schemeClr val="dk1"/>
+                        <a:schemeClr val="lt1"/>
                       </a:solidFill>
                       <a:prstDash val="solid"/>
                       <a:round/>
@@ -22484,7 +22528,7 @@
                   <a:tcPr marT="0" marB="0" marR="91425" marL="91425" anchor="ctr">
                     <a:lnL cap="flat" cmpd="sng" w="9525">
                       <a:solidFill>
-                        <a:schemeClr val="dk1"/>
+                        <a:schemeClr val="lt1"/>
                       </a:solidFill>
                       <a:prstDash val="solid"/>
                       <a:round/>
@@ -22493,7 +22537,7 @@
                     </a:lnL>
                     <a:lnR cap="flat" cmpd="sng" w="9525">
                       <a:solidFill>
-                        <a:schemeClr val="dk1"/>
+                        <a:schemeClr val="lt1"/>
                       </a:solidFill>
                       <a:prstDash val="solid"/>
                       <a:round/>
@@ -22502,7 +22546,7 @@
                     </a:lnR>
                     <a:lnT cap="flat" cmpd="sng" w="9525">
                       <a:solidFill>
-                        <a:schemeClr val="dk1"/>
+                        <a:schemeClr val="lt1"/>
                       </a:solidFill>
                       <a:prstDash val="solid"/>
                       <a:round/>
@@ -22511,7 +22555,7 @@
                     </a:lnT>
                     <a:lnB cap="flat" cmpd="sng" w="9525">
                       <a:solidFill>
-                        <a:schemeClr val="dk1"/>
+                        <a:schemeClr val="lt1"/>
                       </a:solidFill>
                       <a:prstDash val="solid"/>
                       <a:round/>
@@ -22550,7 +22594,7 @@
                   <a:tcPr marT="0" marB="0" marR="91425" marL="91425" anchor="ctr">
                     <a:lnL cap="flat" cmpd="sng" w="9525">
                       <a:solidFill>
-                        <a:schemeClr val="dk1"/>
+                        <a:schemeClr val="lt1"/>
                       </a:solidFill>
                       <a:prstDash val="solid"/>
                       <a:round/>
@@ -22559,7 +22603,7 @@
                     </a:lnL>
                     <a:lnR cap="flat" cmpd="sng" w="9525">
                       <a:solidFill>
-                        <a:schemeClr val="dk1"/>
+                        <a:schemeClr val="lt1"/>
                       </a:solidFill>
                       <a:prstDash val="solid"/>
                       <a:round/>
@@ -22568,7 +22612,7 @@
                     </a:lnR>
                     <a:lnT cap="flat" cmpd="sng" w="9525">
                       <a:solidFill>
-                        <a:schemeClr val="dk1"/>
+                        <a:schemeClr val="lt1"/>
                       </a:solidFill>
                       <a:prstDash val="solid"/>
                       <a:round/>
@@ -22577,7 +22621,7 @@
                     </a:lnT>
                     <a:lnB cap="flat" cmpd="sng" w="9525">
                       <a:solidFill>
-                        <a:schemeClr val="dk1"/>
+                        <a:schemeClr val="lt1"/>
                       </a:solidFill>
                       <a:prstDash val="solid"/>
                       <a:round/>
@@ -22616,7 +22660,7 @@
                   <a:tcPr marT="0" marB="0" marR="91425" marL="91425" anchor="ctr">
                     <a:lnL cap="flat" cmpd="sng" w="9525">
                       <a:solidFill>
-                        <a:schemeClr val="dk1"/>
+                        <a:schemeClr val="lt1"/>
                       </a:solidFill>
                       <a:prstDash val="solid"/>
                       <a:round/>
@@ -22625,7 +22669,7 @@
                     </a:lnL>
                     <a:lnR cap="flat" cmpd="sng" w="9525">
                       <a:solidFill>
-                        <a:schemeClr val="dk1"/>
+                        <a:schemeClr val="lt1"/>
                       </a:solidFill>
                       <a:prstDash val="solid"/>
                       <a:round/>
@@ -22634,7 +22678,7 @@
                     </a:lnR>
                     <a:lnT cap="flat" cmpd="sng" w="9525">
                       <a:solidFill>
-                        <a:schemeClr val="dk1"/>
+                        <a:schemeClr val="lt1"/>
                       </a:solidFill>
                       <a:prstDash val="solid"/>
                       <a:round/>
@@ -22643,7 +22687,7 @@
                     </a:lnT>
                     <a:lnB cap="flat" cmpd="sng" w="9525">
                       <a:solidFill>
-                        <a:schemeClr val="dk1"/>
+                        <a:schemeClr val="lt1"/>
                       </a:solidFill>
                       <a:prstDash val="solid"/>
                       <a:round/>
@@ -22682,7 +22726,7 @@
                   <a:tcPr marT="0" marB="0" marR="91425" marL="91425" anchor="ctr">
                     <a:lnL cap="flat" cmpd="sng" w="9525">
                       <a:solidFill>
-                        <a:schemeClr val="dk1"/>
+                        <a:schemeClr val="lt1"/>
                       </a:solidFill>
                       <a:prstDash val="solid"/>
                       <a:round/>
@@ -22691,7 +22735,7 @@
                     </a:lnL>
                     <a:lnR cap="flat" cmpd="sng" w="9525">
                       <a:solidFill>
-                        <a:schemeClr val="dk1"/>
+                        <a:schemeClr val="lt1"/>
                       </a:solidFill>
                       <a:prstDash val="solid"/>
                       <a:round/>
@@ -22700,7 +22744,7 @@
                     </a:lnR>
                     <a:lnT cap="flat" cmpd="sng" w="9525">
                       <a:solidFill>
-                        <a:schemeClr val="dk1"/>
+                        <a:schemeClr val="lt1"/>
                       </a:solidFill>
                       <a:prstDash val="solid"/>
                       <a:round/>
@@ -22709,7 +22753,7 @@
                     </a:lnT>
                     <a:lnB cap="flat" cmpd="sng" w="9525">
                       <a:solidFill>
-                        <a:schemeClr val="dk1"/>
+                        <a:schemeClr val="lt1"/>
                       </a:solidFill>
                       <a:prstDash val="solid"/>
                       <a:round/>
@@ -22748,7 +22792,7 @@
                   <a:tcPr marT="0" marB="0" marR="91425" marL="91425" anchor="ctr">
                     <a:lnL cap="flat" cmpd="sng" w="9525">
                       <a:solidFill>
-                        <a:schemeClr val="dk1"/>
+                        <a:schemeClr val="lt1"/>
                       </a:solidFill>
                       <a:prstDash val="solid"/>
                       <a:round/>
@@ -22757,7 +22801,7 @@
                     </a:lnL>
                     <a:lnR cap="flat" cmpd="sng" w="9525">
                       <a:solidFill>
-                        <a:schemeClr val="dk1"/>
+                        <a:schemeClr val="lt1"/>
                       </a:solidFill>
                       <a:prstDash val="solid"/>
                       <a:round/>
@@ -22766,7 +22810,7 @@
                     </a:lnR>
                     <a:lnT cap="flat" cmpd="sng" w="9525">
                       <a:solidFill>
-                        <a:schemeClr val="dk1"/>
+                        <a:schemeClr val="lt1"/>
                       </a:solidFill>
                       <a:prstDash val="solid"/>
                       <a:round/>
@@ -22775,7 +22819,7 @@
                     </a:lnT>
                     <a:lnB cap="flat" cmpd="sng" w="9525">
                       <a:solidFill>
-                        <a:schemeClr val="dk1"/>
+                        <a:schemeClr val="lt1"/>
                       </a:solidFill>
                       <a:prstDash val="solid"/>
                       <a:round/>
@@ -22814,7 +22858,7 @@
                   <a:tcPr marT="0" marB="0" marR="91425" marL="91425" anchor="ctr">
                     <a:lnL cap="flat" cmpd="sng" w="9525">
                       <a:solidFill>
-                        <a:schemeClr val="dk1"/>
+                        <a:schemeClr val="lt1"/>
                       </a:solidFill>
                       <a:prstDash val="solid"/>
                       <a:round/>
@@ -22823,7 +22867,7 @@
                     </a:lnL>
                     <a:lnR cap="flat" cmpd="sng" w="9525">
                       <a:solidFill>
-                        <a:schemeClr val="dk1"/>
+                        <a:schemeClr val="lt1"/>
                       </a:solidFill>
                       <a:prstDash val="solid"/>
                       <a:round/>
@@ -22832,7 +22876,7 @@
                     </a:lnR>
                     <a:lnT cap="flat" cmpd="sng" w="9525">
                       <a:solidFill>
-                        <a:schemeClr val="dk1"/>
+                        <a:schemeClr val="lt1"/>
                       </a:solidFill>
                       <a:prstDash val="solid"/>
                       <a:round/>
@@ -22841,7 +22885,7 @@
                     </a:lnT>
                     <a:lnB cap="flat" cmpd="sng" w="9525">
                       <a:solidFill>
-                        <a:schemeClr val="dk1"/>
+                        <a:schemeClr val="lt1"/>
                       </a:solidFill>
                       <a:prstDash val="solid"/>
                       <a:round/>
@@ -22880,7 +22924,7 @@
                   <a:tcPr marT="0" marB="0" marR="91425" marL="91425" anchor="ctr">
                     <a:lnL cap="flat" cmpd="sng" w="9525">
                       <a:solidFill>
-                        <a:schemeClr val="dk1"/>
+                        <a:schemeClr val="lt1"/>
                       </a:solidFill>
                       <a:prstDash val="solid"/>
                       <a:round/>
@@ -22889,7 +22933,7 @@
                     </a:lnL>
                     <a:lnR cap="flat" cmpd="sng" w="9525">
                       <a:solidFill>
-                        <a:schemeClr val="dk1"/>
+                        <a:schemeClr val="lt1"/>
                       </a:solidFill>
                       <a:prstDash val="solid"/>
                       <a:round/>
@@ -22898,7 +22942,7 @@
                     </a:lnR>
                     <a:lnT cap="flat" cmpd="sng" w="9525">
                       <a:solidFill>
-                        <a:schemeClr val="dk1"/>
+                        <a:schemeClr val="lt1"/>
                       </a:solidFill>
                       <a:prstDash val="solid"/>
                       <a:round/>
@@ -22907,7 +22951,7 @@
                     </a:lnT>
                     <a:lnB cap="flat" cmpd="sng" w="9525">
                       <a:solidFill>
-                        <a:schemeClr val="dk1"/>
+                        <a:schemeClr val="lt1"/>
                       </a:solidFill>
                       <a:prstDash val="solid"/>
                       <a:round/>
@@ -22944,7 +22988,7 @@
                   <a:tcPr marT="0" marB="0" marR="91425" marL="91425" anchor="ctr">
                     <a:lnL cap="flat" cmpd="sng" w="9525">
                       <a:solidFill>
-                        <a:schemeClr val="dk1"/>
+                        <a:schemeClr val="lt1"/>
                       </a:solidFill>
                       <a:prstDash val="solid"/>
                       <a:round/>
@@ -22953,7 +22997,7 @@
                     </a:lnL>
                     <a:lnR cap="flat" cmpd="sng" w="9525">
                       <a:solidFill>
-                        <a:schemeClr val="dk1"/>
+                        <a:schemeClr val="lt1"/>
                       </a:solidFill>
                       <a:prstDash val="solid"/>
                       <a:round/>
@@ -22962,7 +23006,7 @@
                     </a:lnR>
                     <a:lnT cap="flat" cmpd="sng" w="9525">
                       <a:solidFill>
-                        <a:schemeClr val="dk1"/>
+                        <a:schemeClr val="lt1"/>
                       </a:solidFill>
                       <a:prstDash val="solid"/>
                       <a:round/>
@@ -22971,7 +23015,7 @@
                     </a:lnT>
                     <a:lnB cap="flat" cmpd="sng" w="9525">
                       <a:solidFill>
-                        <a:schemeClr val="dk1"/>
+                        <a:schemeClr val="lt1"/>
                       </a:solidFill>
                       <a:prstDash val="solid"/>
                       <a:round/>
@@ -22979,7 +23023,7 @@
                       <a:tailEnd len="sm" w="sm" type="none"/>
                     </a:lnB>
                     <a:solidFill>
-                      <a:schemeClr val="lt2"/>
+                      <a:schemeClr val="accent1"/>
                     </a:solidFill>
                   </a:tcPr>
                 </a:tc>
@@ -23006,7 +23050,7 @@
                   <a:tcPr marT="0" marB="0" marR="91425" marL="91425" anchor="ctr">
                     <a:lnL cap="flat" cmpd="sng" w="9525">
                       <a:solidFill>
-                        <a:schemeClr val="dk1"/>
+                        <a:schemeClr val="lt1"/>
                       </a:solidFill>
                       <a:prstDash val="solid"/>
                       <a:round/>
@@ -23015,7 +23059,7 @@
                     </a:lnL>
                     <a:lnR cap="flat" cmpd="sng" w="9525">
                       <a:solidFill>
-                        <a:schemeClr val="dk1"/>
+                        <a:schemeClr val="lt1"/>
                       </a:solidFill>
                       <a:prstDash val="solid"/>
                       <a:round/>
@@ -23024,7 +23068,7 @@
                     </a:lnR>
                     <a:lnT cap="flat" cmpd="sng" w="9525">
                       <a:solidFill>
-                        <a:schemeClr val="dk1"/>
+                        <a:schemeClr val="lt1"/>
                       </a:solidFill>
                       <a:prstDash val="solid"/>
                       <a:round/>
@@ -23033,7 +23077,7 @@
                     </a:lnT>
                     <a:lnB cap="flat" cmpd="sng" w="9525">
                       <a:solidFill>
-                        <a:schemeClr val="dk1"/>
+                        <a:schemeClr val="lt1"/>
                       </a:solidFill>
                       <a:prstDash val="solid"/>
                       <a:round/>
@@ -23041,7 +23085,7 @@
                       <a:tailEnd len="sm" w="sm" type="none"/>
                     </a:lnB>
                     <a:solidFill>
-                      <a:schemeClr val="lt2"/>
+                      <a:schemeClr val="accent1"/>
                     </a:solidFill>
                   </a:tcPr>
                 </a:tc>
@@ -23068,7 +23112,7 @@
                   <a:tcPr marT="0" marB="0" marR="91425" marL="91425" anchor="ctr">
                     <a:lnL cap="flat" cmpd="sng" w="9525">
                       <a:solidFill>
-                        <a:schemeClr val="dk1"/>
+                        <a:schemeClr val="lt1"/>
                       </a:solidFill>
                       <a:prstDash val="solid"/>
                       <a:round/>
@@ -23077,7 +23121,7 @@
                     </a:lnL>
                     <a:lnR cap="flat" cmpd="sng" w="9525">
                       <a:solidFill>
-                        <a:schemeClr val="dk1"/>
+                        <a:schemeClr val="lt1"/>
                       </a:solidFill>
                       <a:prstDash val="solid"/>
                       <a:round/>
@@ -23086,7 +23130,7 @@
                     </a:lnR>
                     <a:lnT cap="flat" cmpd="sng" w="9525">
                       <a:solidFill>
-                        <a:schemeClr val="dk1"/>
+                        <a:schemeClr val="lt1"/>
                       </a:solidFill>
                       <a:prstDash val="solid"/>
                       <a:round/>
@@ -23095,7 +23139,7 @@
                     </a:lnT>
                     <a:lnB cap="flat" cmpd="sng" w="9525">
                       <a:solidFill>
-                        <a:schemeClr val="dk1"/>
+                        <a:schemeClr val="lt1"/>
                       </a:solidFill>
                       <a:prstDash val="solid"/>
                       <a:round/>
@@ -23103,7 +23147,7 @@
                       <a:tailEnd len="sm" w="sm" type="none"/>
                     </a:lnB>
                     <a:solidFill>
-                      <a:schemeClr val="lt2"/>
+                      <a:schemeClr val="accent1"/>
                     </a:solidFill>
                   </a:tcPr>
                 </a:tc>
@@ -23130,7 +23174,7 @@
                   <a:tcPr marT="0" marB="0" marR="91425" marL="91425" anchor="ctr">
                     <a:lnL cap="flat" cmpd="sng" w="9525">
                       <a:solidFill>
-                        <a:schemeClr val="dk1"/>
+                        <a:schemeClr val="lt1"/>
                       </a:solidFill>
                       <a:prstDash val="solid"/>
                       <a:round/>
@@ -23139,7 +23183,7 @@
                     </a:lnL>
                     <a:lnR cap="flat" cmpd="sng" w="9525">
                       <a:solidFill>
-                        <a:schemeClr val="dk1"/>
+                        <a:schemeClr val="lt1"/>
                       </a:solidFill>
                       <a:prstDash val="solid"/>
                       <a:round/>
@@ -23148,7 +23192,7 @@
                     </a:lnR>
                     <a:lnT cap="flat" cmpd="sng" w="9525">
                       <a:solidFill>
-                        <a:schemeClr val="dk1"/>
+                        <a:schemeClr val="lt1"/>
                       </a:solidFill>
                       <a:prstDash val="solid"/>
                       <a:round/>
@@ -23157,7 +23201,7 @@
                     </a:lnT>
                     <a:lnB cap="flat" cmpd="sng" w="9525">
                       <a:solidFill>
-                        <a:schemeClr val="dk1"/>
+                        <a:schemeClr val="lt1"/>
                       </a:solidFill>
                       <a:prstDash val="solid"/>
                       <a:round/>
@@ -23165,7 +23209,7 @@
                       <a:tailEnd len="sm" w="sm" type="none"/>
                     </a:lnB>
                     <a:solidFill>
-                      <a:schemeClr val="lt2"/>
+                      <a:schemeClr val="accent1"/>
                     </a:solidFill>
                   </a:tcPr>
                 </a:tc>
@@ -23192,7 +23236,7 @@
                   <a:tcPr marT="0" marB="0" marR="91425" marL="91425" anchor="ctr">
                     <a:lnL cap="flat" cmpd="sng" w="9525">
                       <a:solidFill>
-                        <a:schemeClr val="dk1"/>
+                        <a:schemeClr val="lt1"/>
                       </a:solidFill>
                       <a:prstDash val="solid"/>
                       <a:round/>
@@ -23201,7 +23245,7 @@
                     </a:lnL>
                     <a:lnR cap="flat" cmpd="sng" w="9525">
                       <a:solidFill>
-                        <a:schemeClr val="dk1"/>
+                        <a:schemeClr val="lt1"/>
                       </a:solidFill>
                       <a:prstDash val="solid"/>
                       <a:round/>
@@ -23210,7 +23254,7 @@
                     </a:lnR>
                     <a:lnT cap="flat" cmpd="sng" w="9525">
                       <a:solidFill>
-                        <a:schemeClr val="dk1"/>
+                        <a:schemeClr val="lt1"/>
                       </a:solidFill>
                       <a:prstDash val="solid"/>
                       <a:round/>
@@ -23219,7 +23263,7 @@
                     </a:lnT>
                     <a:lnB cap="flat" cmpd="sng" w="9525">
                       <a:solidFill>
-                        <a:schemeClr val="dk1"/>
+                        <a:schemeClr val="lt1"/>
                       </a:solidFill>
                       <a:prstDash val="solid"/>
                       <a:round/>
@@ -23227,7 +23271,7 @@
                       <a:tailEnd len="sm" w="sm" type="none"/>
                     </a:lnB>
                     <a:solidFill>
-                      <a:schemeClr val="lt2"/>
+                      <a:schemeClr val="accent1"/>
                     </a:solidFill>
                   </a:tcPr>
                 </a:tc>
@@ -23254,7 +23298,7 @@
                   <a:tcPr marT="0" marB="0" marR="91425" marL="91425" anchor="ctr">
                     <a:lnL cap="flat" cmpd="sng" w="9525">
                       <a:solidFill>
-                        <a:schemeClr val="dk1"/>
+                        <a:schemeClr val="lt1"/>
                       </a:solidFill>
                       <a:prstDash val="solid"/>
                       <a:round/>
@@ -23263,7 +23307,7 @@
                     </a:lnL>
                     <a:lnR cap="flat" cmpd="sng" w="9525">
                       <a:solidFill>
-                        <a:schemeClr val="dk1"/>
+                        <a:schemeClr val="lt1"/>
                       </a:solidFill>
                       <a:prstDash val="solid"/>
                       <a:round/>
@@ -23272,7 +23316,7 @@
                     </a:lnR>
                     <a:lnT cap="flat" cmpd="sng" w="9525">
                       <a:solidFill>
-                        <a:schemeClr val="dk1"/>
+                        <a:schemeClr val="lt1"/>
                       </a:solidFill>
                       <a:prstDash val="solid"/>
                       <a:round/>
@@ -23281,7 +23325,7 @@
                     </a:lnT>
                     <a:lnB cap="flat" cmpd="sng" w="9525">
                       <a:solidFill>
-                        <a:schemeClr val="dk1"/>
+                        <a:schemeClr val="lt1"/>
                       </a:solidFill>
                       <a:prstDash val="solid"/>
                       <a:round/>
@@ -23289,7 +23333,7 @@
                       <a:tailEnd len="sm" w="sm" type="none"/>
                     </a:lnB>
                     <a:solidFill>
-                      <a:schemeClr val="lt2"/>
+                      <a:schemeClr val="accent1"/>
                     </a:solidFill>
                   </a:tcPr>
                 </a:tc>
@@ -23316,7 +23360,7 @@
                   <a:tcPr marT="0" marB="0" marR="91425" marL="91425" anchor="ctr">
                     <a:lnL cap="flat" cmpd="sng" w="9525">
                       <a:solidFill>
-                        <a:schemeClr val="dk1"/>
+                        <a:schemeClr val="lt1"/>
                       </a:solidFill>
                       <a:prstDash val="solid"/>
                       <a:round/>
@@ -23325,7 +23369,7 @@
                     </a:lnL>
                     <a:lnR cap="flat" cmpd="sng" w="9525">
                       <a:solidFill>
-                        <a:schemeClr val="dk1"/>
+                        <a:schemeClr val="lt1"/>
                       </a:solidFill>
                       <a:prstDash val="solid"/>
                       <a:round/>
@@ -23334,7 +23378,7 @@
                     </a:lnR>
                     <a:lnT cap="flat" cmpd="sng" w="9525">
                       <a:solidFill>
-                        <a:schemeClr val="dk1"/>
+                        <a:schemeClr val="lt1"/>
                       </a:solidFill>
                       <a:prstDash val="solid"/>
                       <a:round/>
@@ -23343,7 +23387,7 @@
                     </a:lnT>
                     <a:lnB cap="flat" cmpd="sng" w="9525">
                       <a:solidFill>
-                        <a:schemeClr val="dk1"/>
+                        <a:schemeClr val="lt1"/>
                       </a:solidFill>
                       <a:prstDash val="solid"/>
                       <a:round/>
@@ -23351,7 +23395,7 @@
                       <a:tailEnd len="sm" w="sm" type="none"/>
                     </a:lnB>
                     <a:solidFill>
-                      <a:schemeClr val="lt2"/>
+                      <a:schemeClr val="accent1"/>
                     </a:solidFill>
                   </a:tcPr>
                 </a:tc>
@@ -23378,7 +23422,7 @@
                   <a:tcPr marT="0" marB="0" marR="91425" marL="91425" anchor="ctr">
                     <a:lnL cap="flat" cmpd="sng" w="9525">
                       <a:solidFill>
-                        <a:schemeClr val="dk1"/>
+                        <a:schemeClr val="lt1"/>
                       </a:solidFill>
                       <a:prstDash val="solid"/>
                       <a:round/>
@@ -23387,7 +23431,7 @@
                     </a:lnL>
                     <a:lnR cap="flat" cmpd="sng" w="9525">
                       <a:solidFill>
-                        <a:schemeClr val="dk1"/>
+                        <a:schemeClr val="lt1"/>
                       </a:solidFill>
                       <a:prstDash val="solid"/>
                       <a:round/>
@@ -23396,7 +23440,7 @@
                     </a:lnR>
                     <a:lnT cap="flat" cmpd="sng" w="9525">
                       <a:solidFill>
-                        <a:schemeClr val="dk1"/>
+                        <a:schemeClr val="lt1"/>
                       </a:solidFill>
                       <a:prstDash val="solid"/>
                       <a:round/>
@@ -23405,7 +23449,7 @@
                     </a:lnT>
                     <a:lnB cap="flat" cmpd="sng" w="9525">
                       <a:solidFill>
-                        <a:schemeClr val="dk1"/>
+                        <a:schemeClr val="lt1"/>
                       </a:solidFill>
                       <a:prstDash val="solid"/>
                       <a:round/>
@@ -23413,7 +23457,7 @@
                       <a:tailEnd len="sm" w="sm" type="none"/>
                     </a:lnB>
                     <a:solidFill>
-                      <a:schemeClr val="lt2"/>
+                      <a:schemeClr val="accent1"/>
                     </a:solidFill>
                   </a:tcPr>
                 </a:tc>
@@ -23443,7 +23487,7 @@
                   <a:tcPr marT="0" marB="0" marR="91425" marL="91425" anchor="ctr">
                     <a:lnL cap="flat" cmpd="sng" w="9525">
                       <a:solidFill>
-                        <a:schemeClr val="dk1"/>
+                        <a:schemeClr val="lt1"/>
                       </a:solidFill>
                       <a:prstDash val="solid"/>
                       <a:round/>
@@ -23452,7 +23496,7 @@
                     </a:lnL>
                     <a:lnR cap="flat" cmpd="sng" w="9525">
                       <a:solidFill>
-                        <a:schemeClr val="dk1"/>
+                        <a:schemeClr val="lt1"/>
                       </a:solidFill>
                       <a:prstDash val="solid"/>
                       <a:round/>
@@ -23461,7 +23505,7 @@
                     </a:lnR>
                     <a:lnT cap="flat" cmpd="sng" w="9525">
                       <a:solidFill>
-                        <a:schemeClr val="dk1"/>
+                        <a:schemeClr val="lt1"/>
                       </a:solidFill>
                       <a:prstDash val="solid"/>
                       <a:round/>
@@ -23470,7 +23514,7 @@
                     </a:lnT>
                     <a:lnB cap="flat" cmpd="sng" w="9525">
                       <a:solidFill>
-                        <a:schemeClr val="dk1"/>
+                        <a:schemeClr val="lt1"/>
                       </a:solidFill>
                       <a:prstDash val="solid"/>
                       <a:round/>
@@ -23506,7 +23550,7 @@
                   <a:tcPr marT="0" marB="0" marR="91425" marL="91425" anchor="ctr">
                     <a:lnL cap="flat" cmpd="sng" w="9525">
                       <a:solidFill>
-                        <a:schemeClr val="dk1"/>
+                        <a:schemeClr val="lt1"/>
                       </a:solidFill>
                       <a:prstDash val="solid"/>
                       <a:round/>
@@ -23515,7 +23559,7 @@
                     </a:lnL>
                     <a:lnR cap="flat" cmpd="sng" w="9525">
                       <a:solidFill>
-                        <a:schemeClr val="dk1"/>
+                        <a:schemeClr val="lt1"/>
                       </a:solidFill>
                       <a:prstDash val="solid"/>
                       <a:round/>
@@ -23524,7 +23568,7 @@
                     </a:lnR>
                     <a:lnT cap="flat" cmpd="sng" w="9525">
                       <a:solidFill>
-                        <a:schemeClr val="dk1"/>
+                        <a:schemeClr val="lt1"/>
                       </a:solidFill>
                       <a:prstDash val="solid"/>
                       <a:round/>
@@ -23533,7 +23577,7 @@
                     </a:lnT>
                     <a:lnB cap="flat" cmpd="sng" w="9525">
                       <a:solidFill>
-                        <a:schemeClr val="dk1"/>
+                        <a:schemeClr val="lt1"/>
                       </a:solidFill>
                       <a:prstDash val="solid"/>
                       <a:round/>
@@ -23568,7 +23612,7 @@
                   <a:tcPr marT="0" marB="0" marR="91425" marL="91425" anchor="ctr">
                     <a:lnL cap="flat" cmpd="sng" w="9525">
                       <a:solidFill>
-                        <a:schemeClr val="dk1"/>
+                        <a:schemeClr val="lt1"/>
                       </a:solidFill>
                       <a:prstDash val="solid"/>
                       <a:round/>
@@ -23577,7 +23621,7 @@
                     </a:lnL>
                     <a:lnR cap="flat" cmpd="sng" w="9525">
                       <a:solidFill>
-                        <a:schemeClr val="dk1"/>
+                        <a:schemeClr val="lt1"/>
                       </a:solidFill>
                       <a:prstDash val="solid"/>
                       <a:round/>
@@ -23586,7 +23630,7 @@
                     </a:lnR>
                     <a:lnT cap="flat" cmpd="sng" w="9525">
                       <a:solidFill>
-                        <a:schemeClr val="dk1"/>
+                        <a:schemeClr val="lt1"/>
                       </a:solidFill>
                       <a:prstDash val="solid"/>
                       <a:round/>
@@ -23595,7 +23639,7 @@
                     </a:lnT>
                     <a:lnB cap="flat" cmpd="sng" w="9525">
                       <a:solidFill>
-                        <a:schemeClr val="dk1"/>
+                        <a:schemeClr val="lt1"/>
                       </a:solidFill>
                       <a:prstDash val="solid"/>
                       <a:round/>
@@ -23630,7 +23674,7 @@
                   <a:tcPr marT="0" marB="0" marR="91425" marL="91425" anchor="ctr">
                     <a:lnL cap="flat" cmpd="sng" w="9525">
                       <a:solidFill>
-                        <a:schemeClr val="dk1"/>
+                        <a:schemeClr val="lt1"/>
                       </a:solidFill>
                       <a:prstDash val="solid"/>
                       <a:round/>
@@ -23639,7 +23683,7 @@
                     </a:lnL>
                     <a:lnR cap="flat" cmpd="sng" w="9525">
                       <a:solidFill>
-                        <a:schemeClr val="dk1"/>
+                        <a:schemeClr val="lt1"/>
                       </a:solidFill>
                       <a:prstDash val="solid"/>
                       <a:round/>
@@ -23648,7 +23692,7 @@
                     </a:lnR>
                     <a:lnT cap="flat" cmpd="sng" w="9525">
                       <a:solidFill>
-                        <a:schemeClr val="dk1"/>
+                        <a:schemeClr val="lt1"/>
                       </a:solidFill>
                       <a:prstDash val="solid"/>
                       <a:round/>
@@ -23657,7 +23701,7 @@
                     </a:lnT>
                     <a:lnB cap="flat" cmpd="sng" w="9525">
                       <a:solidFill>
-                        <a:schemeClr val="dk1"/>
+                        <a:schemeClr val="lt1"/>
                       </a:solidFill>
                       <a:prstDash val="solid"/>
                       <a:round/>
@@ -23692,7 +23736,7 @@
                   <a:tcPr marT="0" marB="0" marR="91425" marL="91425" anchor="ctr">
                     <a:lnL cap="flat" cmpd="sng" w="9525">
                       <a:solidFill>
-                        <a:schemeClr val="dk1"/>
+                        <a:schemeClr val="lt1"/>
                       </a:solidFill>
                       <a:prstDash val="solid"/>
                       <a:round/>
@@ -23701,7 +23745,7 @@
                     </a:lnL>
                     <a:lnR cap="flat" cmpd="sng" w="9525">
                       <a:solidFill>
-                        <a:schemeClr val="dk1"/>
+                        <a:schemeClr val="lt1"/>
                       </a:solidFill>
                       <a:prstDash val="solid"/>
                       <a:round/>
@@ -23710,7 +23754,7 @@
                     </a:lnR>
                     <a:lnT cap="flat" cmpd="sng" w="9525">
                       <a:solidFill>
-                        <a:schemeClr val="dk1"/>
+                        <a:schemeClr val="lt1"/>
                       </a:solidFill>
                       <a:prstDash val="solid"/>
                       <a:round/>
@@ -23719,7 +23763,7 @@
                     </a:lnT>
                     <a:lnB cap="flat" cmpd="sng" w="9525">
                       <a:solidFill>
-                        <a:schemeClr val="dk1"/>
+                        <a:schemeClr val="lt1"/>
                       </a:solidFill>
                       <a:prstDash val="solid"/>
                       <a:round/>
@@ -23754,7 +23798,7 @@
                   <a:tcPr marT="0" marB="0" marR="91425" marL="91425" anchor="ctr">
                     <a:lnL cap="flat" cmpd="sng" w="9525">
                       <a:solidFill>
-                        <a:schemeClr val="dk1"/>
+                        <a:schemeClr val="lt1"/>
                       </a:solidFill>
                       <a:prstDash val="solid"/>
                       <a:round/>
@@ -23763,7 +23807,7 @@
                     </a:lnL>
                     <a:lnR cap="flat" cmpd="sng" w="9525">
                       <a:solidFill>
-                        <a:schemeClr val="dk1"/>
+                        <a:schemeClr val="lt1"/>
                       </a:solidFill>
                       <a:prstDash val="solid"/>
                       <a:round/>
@@ -23772,7 +23816,7 @@
                     </a:lnR>
                     <a:lnT cap="flat" cmpd="sng" w="9525">
                       <a:solidFill>
-                        <a:schemeClr val="dk1"/>
+                        <a:schemeClr val="lt1"/>
                       </a:solidFill>
                       <a:prstDash val="solid"/>
                       <a:round/>
@@ -23781,7 +23825,7 @@
                     </a:lnT>
                     <a:lnB cap="flat" cmpd="sng" w="9525">
                       <a:solidFill>
-                        <a:schemeClr val="dk1"/>
+                        <a:schemeClr val="lt1"/>
                       </a:solidFill>
                       <a:prstDash val="solid"/>
                       <a:round/>
@@ -23816,7 +23860,7 @@
                   <a:tcPr marT="0" marB="0" marR="91425" marL="91425" anchor="ctr">
                     <a:lnL cap="flat" cmpd="sng" w="9525">
                       <a:solidFill>
-                        <a:schemeClr val="dk1"/>
+                        <a:schemeClr val="lt1"/>
                       </a:solidFill>
                       <a:prstDash val="solid"/>
                       <a:round/>
@@ -23825,7 +23869,7 @@
                     </a:lnL>
                     <a:lnR cap="flat" cmpd="sng" w="9525">
                       <a:solidFill>
-                        <a:schemeClr val="dk1"/>
+                        <a:schemeClr val="lt1"/>
                       </a:solidFill>
                       <a:prstDash val="solid"/>
                       <a:round/>
@@ -23834,7 +23878,7 @@
                     </a:lnR>
                     <a:lnT cap="flat" cmpd="sng" w="9525">
                       <a:solidFill>
-                        <a:schemeClr val="dk1"/>
+                        <a:schemeClr val="lt1"/>
                       </a:solidFill>
                       <a:prstDash val="solid"/>
                       <a:round/>
@@ -23843,7 +23887,7 @@
                     </a:lnT>
                     <a:lnB cap="flat" cmpd="sng" w="9525">
                       <a:solidFill>
-                        <a:schemeClr val="dk1"/>
+                        <a:schemeClr val="lt1"/>
                       </a:solidFill>
                       <a:prstDash val="solid"/>
                       <a:round/>
@@ -23878,7 +23922,7 @@
                   <a:tcPr marT="0" marB="0" marR="91425" marL="91425" anchor="ctr">
                     <a:lnL cap="flat" cmpd="sng" w="9525">
                       <a:solidFill>
-                        <a:schemeClr val="dk1"/>
+                        <a:schemeClr val="lt1"/>
                       </a:solidFill>
                       <a:prstDash val="solid"/>
                       <a:round/>
@@ -23887,7 +23931,7 @@
                     </a:lnL>
                     <a:lnR cap="flat" cmpd="sng" w="9525">
                       <a:solidFill>
-                        <a:schemeClr val="dk1"/>
+                        <a:schemeClr val="lt1"/>
                       </a:solidFill>
                       <a:prstDash val="solid"/>
                       <a:round/>
@@ -23896,7 +23940,7 @@
                     </a:lnR>
                     <a:lnT cap="flat" cmpd="sng" w="9525">
                       <a:solidFill>
-                        <a:schemeClr val="dk1"/>
+                        <a:schemeClr val="lt1"/>
                       </a:solidFill>
                       <a:prstDash val="solid"/>
                       <a:round/>
@@ -23905,7 +23949,7 @@
                     </a:lnT>
                     <a:lnB cap="flat" cmpd="sng" w="9525">
                       <a:solidFill>
-                        <a:schemeClr val="dk1"/>
+                        <a:schemeClr val="lt1"/>
                       </a:solidFill>
                       <a:prstDash val="solid"/>
                       <a:round/>
@@ -23942,7 +23986,7 @@
                   <a:tcPr marT="0" marB="0" marR="91425" marL="91425" anchor="ctr">
                     <a:lnL cap="flat" cmpd="sng" w="9525">
                       <a:solidFill>
-                        <a:schemeClr val="dk1"/>
+                        <a:schemeClr val="lt1"/>
                       </a:solidFill>
                       <a:prstDash val="solid"/>
                       <a:round/>
@@ -23951,7 +23995,7 @@
                     </a:lnL>
                     <a:lnR cap="flat" cmpd="sng" w="9525">
                       <a:solidFill>
-                        <a:schemeClr val="dk1"/>
+                        <a:schemeClr val="lt1"/>
                       </a:solidFill>
                       <a:prstDash val="solid"/>
                       <a:round/>
@@ -23960,7 +24004,7 @@
                     </a:lnR>
                     <a:lnT cap="flat" cmpd="sng" w="9525">
                       <a:solidFill>
-                        <a:schemeClr val="dk1"/>
+                        <a:schemeClr val="lt1"/>
                       </a:solidFill>
                       <a:prstDash val="solid"/>
                       <a:round/>
@@ -23969,7 +24013,7 @@
                     </a:lnT>
                     <a:lnB cap="flat" cmpd="sng" w="9525">
                       <a:solidFill>
-                        <a:schemeClr val="dk1"/>
+                        <a:schemeClr val="lt1"/>
                       </a:solidFill>
                       <a:prstDash val="solid"/>
                       <a:round/>
@@ -23977,7 +24021,7 @@
                       <a:tailEnd len="sm" w="sm" type="none"/>
                     </a:lnB>
                     <a:solidFill>
-                      <a:schemeClr val="lt2"/>
+                      <a:schemeClr val="accent1"/>
                     </a:solidFill>
                   </a:tcPr>
                 </a:tc>
@@ -24004,7 +24048,7 @@
                   <a:tcPr marT="0" marB="0" marR="91425" marL="91425" anchor="ctr">
                     <a:lnL cap="flat" cmpd="sng" w="9525">
                       <a:solidFill>
-                        <a:schemeClr val="dk1"/>
+                        <a:schemeClr val="lt1"/>
                       </a:solidFill>
                       <a:prstDash val="solid"/>
                       <a:round/>
@@ -24013,7 +24057,7 @@
                     </a:lnL>
                     <a:lnR cap="flat" cmpd="sng" w="9525">
                       <a:solidFill>
-                        <a:schemeClr val="dk1"/>
+                        <a:schemeClr val="lt1"/>
                       </a:solidFill>
                       <a:prstDash val="solid"/>
                       <a:round/>
@@ -24022,7 +24066,7 @@
                     </a:lnR>
                     <a:lnT cap="flat" cmpd="sng" w="9525">
                       <a:solidFill>
-                        <a:schemeClr val="dk1"/>
+                        <a:schemeClr val="lt1"/>
                       </a:solidFill>
                       <a:prstDash val="solid"/>
                       <a:round/>
@@ -24031,7 +24075,7 @@
                     </a:lnT>
                     <a:lnB cap="flat" cmpd="sng" w="9525">
                       <a:solidFill>
-                        <a:schemeClr val="dk1"/>
+                        <a:schemeClr val="lt1"/>
                       </a:solidFill>
                       <a:prstDash val="solid"/>
                       <a:round/>
@@ -24039,7 +24083,7 @@
                       <a:tailEnd len="sm" w="sm" type="none"/>
                     </a:lnB>
                     <a:solidFill>
-                      <a:schemeClr val="lt2"/>
+                      <a:schemeClr val="accent1"/>
                     </a:solidFill>
                   </a:tcPr>
                 </a:tc>
@@ -24067,7 +24111,7 @@
                   <a:tcPr marT="0" marB="0" marR="91425" marL="91425" anchor="ctr">
                     <a:lnL cap="flat" cmpd="sng" w="9525">
                       <a:solidFill>
-                        <a:schemeClr val="dk1"/>
+                        <a:schemeClr val="lt1"/>
                       </a:solidFill>
                       <a:prstDash val="solid"/>
                       <a:round/>
@@ -24076,7 +24120,7 @@
                     </a:lnL>
                     <a:lnR cap="flat" cmpd="sng" w="9525">
                       <a:solidFill>
-                        <a:schemeClr val="dk1"/>
+                        <a:schemeClr val="lt1"/>
                       </a:solidFill>
                       <a:prstDash val="solid"/>
                       <a:round/>
@@ -24085,7 +24129,7 @@
                     </a:lnR>
                     <a:lnT cap="flat" cmpd="sng" w="9525">
                       <a:solidFill>
-                        <a:schemeClr val="dk1"/>
+                        <a:schemeClr val="lt1"/>
                       </a:solidFill>
                       <a:prstDash val="solid"/>
                       <a:round/>
@@ -24094,7 +24138,7 @@
                     </a:lnT>
                     <a:lnB cap="flat" cmpd="sng" w="9525">
                       <a:solidFill>
-                        <a:schemeClr val="dk1"/>
+                        <a:schemeClr val="lt1"/>
                       </a:solidFill>
                       <a:prstDash val="solid"/>
                       <a:round/>
@@ -24102,7 +24146,7 @@
                       <a:tailEnd len="sm" w="sm" type="none"/>
                     </a:lnB>
                     <a:solidFill>
-                      <a:schemeClr val="lt2"/>
+                      <a:schemeClr val="accent1"/>
                     </a:solidFill>
                   </a:tcPr>
                 </a:tc>
@@ -24129,7 +24173,7 @@
                   <a:tcPr marT="0" marB="0" marR="91425" marL="91425" anchor="ctr">
                     <a:lnL cap="flat" cmpd="sng" w="9525">
                       <a:solidFill>
-                        <a:schemeClr val="dk1"/>
+                        <a:schemeClr val="lt1"/>
                       </a:solidFill>
                       <a:prstDash val="solid"/>
                       <a:round/>
@@ -24138,7 +24182,7 @@
                     </a:lnL>
                     <a:lnR cap="flat" cmpd="sng" w="9525">
                       <a:solidFill>
-                        <a:schemeClr val="dk1"/>
+                        <a:schemeClr val="lt1"/>
                       </a:solidFill>
                       <a:prstDash val="solid"/>
                       <a:round/>
@@ -24147,7 +24191,7 @@
                     </a:lnR>
                     <a:lnT cap="flat" cmpd="sng" w="9525">
                       <a:solidFill>
-                        <a:schemeClr val="dk1"/>
+                        <a:schemeClr val="lt1"/>
                       </a:solidFill>
                       <a:prstDash val="solid"/>
                       <a:round/>
@@ -24156,7 +24200,7 @@
                     </a:lnT>
                     <a:lnB cap="flat" cmpd="sng" w="9525">
                       <a:solidFill>
-                        <a:schemeClr val="dk1"/>
+                        <a:schemeClr val="lt1"/>
                       </a:solidFill>
                       <a:prstDash val="solid"/>
                       <a:round/>
@@ -24164,7 +24208,7 @@
                       <a:tailEnd len="sm" w="sm" type="none"/>
                     </a:lnB>
                     <a:solidFill>
-                      <a:schemeClr val="lt2"/>
+                      <a:schemeClr val="accent1"/>
                     </a:solidFill>
                   </a:tcPr>
                 </a:tc>
@@ -24191,7 +24235,7 @@
                   <a:tcPr marT="0" marB="0" marR="91425" marL="91425" anchor="ctr">
                     <a:lnL cap="flat" cmpd="sng" w="9525">
                       <a:solidFill>
-                        <a:schemeClr val="dk1"/>
+                        <a:schemeClr val="lt1"/>
                       </a:solidFill>
                       <a:prstDash val="solid"/>
                       <a:round/>
@@ -24200,7 +24244,7 @@
                     </a:lnL>
                     <a:lnR cap="flat" cmpd="sng" w="9525">
                       <a:solidFill>
-                        <a:schemeClr val="dk1"/>
+                        <a:schemeClr val="lt1"/>
                       </a:solidFill>
                       <a:prstDash val="solid"/>
                       <a:round/>
@@ -24209,7 +24253,7 @@
                     </a:lnR>
                     <a:lnT cap="flat" cmpd="sng" w="9525">
                       <a:solidFill>
-                        <a:schemeClr val="dk1"/>
+                        <a:schemeClr val="lt1"/>
                       </a:solidFill>
                       <a:prstDash val="solid"/>
                       <a:round/>
@@ -24218,7 +24262,7 @@
                     </a:lnT>
                     <a:lnB cap="flat" cmpd="sng" w="9525">
                       <a:solidFill>
-                        <a:schemeClr val="dk1"/>
+                        <a:schemeClr val="lt1"/>
                       </a:solidFill>
                       <a:prstDash val="solid"/>
                       <a:round/>
@@ -24226,7 +24270,7 @@
                       <a:tailEnd len="sm" w="sm" type="none"/>
                     </a:lnB>
                     <a:solidFill>
-                      <a:schemeClr val="lt2"/>
+                      <a:schemeClr val="accent1"/>
                     </a:solidFill>
                   </a:tcPr>
                 </a:tc>
@@ -24253,7 +24297,7 @@
                   <a:tcPr marT="0" marB="0" marR="91425" marL="91425" anchor="ctr">
                     <a:lnL cap="flat" cmpd="sng" w="9525">
                       <a:solidFill>
-                        <a:schemeClr val="dk1"/>
+                        <a:schemeClr val="lt1"/>
                       </a:solidFill>
                       <a:prstDash val="solid"/>
                       <a:round/>
@@ -24262,7 +24306,7 @@
                     </a:lnL>
                     <a:lnR cap="flat" cmpd="sng" w="9525">
                       <a:solidFill>
-                        <a:schemeClr val="dk1"/>
+                        <a:schemeClr val="lt1"/>
                       </a:solidFill>
                       <a:prstDash val="solid"/>
                       <a:round/>
@@ -24271,7 +24315,7 @@
                     </a:lnR>
                     <a:lnT cap="flat" cmpd="sng" w="9525">
                       <a:solidFill>
-                        <a:schemeClr val="dk1"/>
+                        <a:schemeClr val="lt1"/>
                       </a:solidFill>
                       <a:prstDash val="solid"/>
                       <a:round/>
@@ -24280,7 +24324,7 @@
                     </a:lnT>
                     <a:lnB cap="flat" cmpd="sng" w="9525">
                       <a:solidFill>
-                        <a:schemeClr val="dk1"/>
+                        <a:schemeClr val="lt1"/>
                       </a:solidFill>
                       <a:prstDash val="solid"/>
                       <a:round/>
@@ -24288,7 +24332,7 @@
                       <a:tailEnd len="sm" w="sm" type="none"/>
                     </a:lnB>
                     <a:solidFill>
-                      <a:schemeClr val="lt2"/>
+                      <a:schemeClr val="accent1"/>
                     </a:solidFill>
                   </a:tcPr>
                 </a:tc>
@@ -24315,7 +24359,7 @@
                   <a:tcPr marT="0" marB="0" marR="91425" marL="91425" anchor="ctr">
                     <a:lnL cap="flat" cmpd="sng" w="9525">
                       <a:solidFill>
-                        <a:schemeClr val="dk1"/>
+                        <a:schemeClr val="lt1"/>
                       </a:solidFill>
                       <a:prstDash val="solid"/>
                       <a:round/>
@@ -24324,7 +24368,7 @@
                     </a:lnL>
                     <a:lnR cap="flat" cmpd="sng" w="9525">
                       <a:solidFill>
-                        <a:schemeClr val="dk1"/>
+                        <a:schemeClr val="lt1"/>
                       </a:solidFill>
                       <a:prstDash val="solid"/>
                       <a:round/>
@@ -24333,7 +24377,7 @@
                     </a:lnR>
                     <a:lnT cap="flat" cmpd="sng" w="9525">
                       <a:solidFill>
-                        <a:schemeClr val="dk1"/>
+                        <a:schemeClr val="lt1"/>
                       </a:solidFill>
                       <a:prstDash val="solid"/>
                       <a:round/>
@@ -24342,7 +24386,7 @@
                     </a:lnT>
                     <a:lnB cap="flat" cmpd="sng" w="9525">
                       <a:solidFill>
-                        <a:schemeClr val="dk1"/>
+                        <a:schemeClr val="lt1"/>
                       </a:solidFill>
                       <a:prstDash val="solid"/>
                       <a:round/>
@@ -24350,7 +24394,7 @@
                       <a:tailEnd len="sm" w="sm" type="none"/>
                     </a:lnB>
                     <a:solidFill>
-                      <a:schemeClr val="lt2"/>
+                      <a:schemeClr val="accent1"/>
                     </a:solidFill>
                   </a:tcPr>
                 </a:tc>
@@ -24377,7 +24421,7 @@
                   <a:tcPr marT="0" marB="0" marR="91425" marL="91425" anchor="ctr">
                     <a:lnL cap="flat" cmpd="sng" w="9525">
                       <a:solidFill>
-                        <a:schemeClr val="dk1"/>
+                        <a:schemeClr val="lt1"/>
                       </a:solidFill>
                       <a:prstDash val="solid"/>
                       <a:round/>
@@ -24386,7 +24430,7 @@
                     </a:lnL>
                     <a:lnR cap="flat" cmpd="sng" w="9525">
                       <a:solidFill>
-                        <a:schemeClr val="dk1"/>
+                        <a:schemeClr val="lt1"/>
                       </a:solidFill>
                       <a:prstDash val="solid"/>
                       <a:round/>
@@ -24395,7 +24439,7 @@
                     </a:lnR>
                     <a:lnT cap="flat" cmpd="sng" w="9525">
                       <a:solidFill>
-                        <a:schemeClr val="dk1"/>
+                        <a:schemeClr val="lt1"/>
                       </a:solidFill>
                       <a:prstDash val="solid"/>
                       <a:round/>
@@ -24404,7 +24448,7 @@
                     </a:lnT>
                     <a:lnB cap="flat" cmpd="sng" w="9525">
                       <a:solidFill>
-                        <a:schemeClr val="dk1"/>
+                        <a:schemeClr val="lt1"/>
                       </a:solidFill>
                       <a:prstDash val="solid"/>
                       <a:round/>
@@ -24412,7 +24456,7 @@
                       <a:tailEnd len="sm" w="sm" type="none"/>
                     </a:lnB>
                     <a:solidFill>
-                      <a:schemeClr val="lt2"/>
+                      <a:schemeClr val="accent1"/>
                     </a:solidFill>
                   </a:tcPr>
                 </a:tc>
@@ -24441,7 +24485,7 @@
                   <a:tcPr marT="0" marB="0" marR="91425" marL="91425" anchor="ctr">
                     <a:lnL cap="flat" cmpd="sng" w="9525">
                       <a:solidFill>
-                        <a:schemeClr val="dk1"/>
+                        <a:schemeClr val="lt1"/>
                       </a:solidFill>
                       <a:prstDash val="solid"/>
                       <a:round/>
@@ -24450,7 +24494,7 @@
                     </a:lnL>
                     <a:lnR cap="flat" cmpd="sng" w="9525">
                       <a:solidFill>
-                        <a:schemeClr val="dk1"/>
+                        <a:schemeClr val="lt1"/>
                       </a:solidFill>
                       <a:prstDash val="solid"/>
                       <a:round/>
@@ -24459,7 +24503,7 @@
                     </a:lnR>
                     <a:lnT cap="flat" cmpd="sng" w="9525">
                       <a:solidFill>
-                        <a:schemeClr val="dk1"/>
+                        <a:schemeClr val="lt1"/>
                       </a:solidFill>
                       <a:prstDash val="solid"/>
                       <a:round/>
@@ -24468,7 +24512,7 @@
                     </a:lnT>
                     <a:lnB cap="flat" cmpd="sng" w="9525">
                       <a:solidFill>
-                        <a:schemeClr val="dk1"/>
+                        <a:schemeClr val="lt1"/>
                       </a:solidFill>
                       <a:prstDash val="solid"/>
                       <a:round/>
@@ -24503,7 +24547,7 @@
                   <a:tcPr marT="0" marB="0" marR="91425" marL="91425" anchor="ctr">
                     <a:lnL cap="flat" cmpd="sng" w="9525">
                       <a:solidFill>
-                        <a:schemeClr val="dk1"/>
+                        <a:schemeClr val="lt1"/>
                       </a:solidFill>
                       <a:prstDash val="solid"/>
                       <a:round/>
@@ -24512,7 +24556,7 @@
                     </a:lnL>
                     <a:lnR cap="flat" cmpd="sng" w="9525">
                       <a:solidFill>
-                        <a:schemeClr val="dk1"/>
+                        <a:schemeClr val="lt1"/>
                       </a:solidFill>
                       <a:prstDash val="solid"/>
                       <a:round/>
@@ -24521,7 +24565,7 @@
                     </a:lnR>
                     <a:lnT cap="flat" cmpd="sng" w="9525">
                       <a:solidFill>
-                        <a:schemeClr val="dk1"/>
+                        <a:schemeClr val="lt1"/>
                       </a:solidFill>
                       <a:prstDash val="solid"/>
                       <a:round/>
@@ -24530,7 +24574,7 @@
                     </a:lnT>
                     <a:lnB cap="flat" cmpd="sng" w="9525">
                       <a:solidFill>
-                        <a:schemeClr val="dk1"/>
+                        <a:schemeClr val="lt1"/>
                       </a:solidFill>
                       <a:prstDash val="solid"/>
                       <a:round/>
@@ -24565,7 +24609,7 @@
                   <a:tcPr marT="0" marB="0" marR="91425" marL="91425" anchor="ctr">
                     <a:lnL cap="flat" cmpd="sng" w="9525">
                       <a:solidFill>
-                        <a:schemeClr val="dk1"/>
+                        <a:schemeClr val="lt1"/>
                       </a:solidFill>
                       <a:prstDash val="solid"/>
                       <a:round/>
@@ -24574,7 +24618,7 @@
                     </a:lnL>
                     <a:lnR cap="flat" cmpd="sng" w="9525">
                       <a:solidFill>
-                        <a:schemeClr val="dk1"/>
+                        <a:schemeClr val="lt1"/>
                       </a:solidFill>
                       <a:prstDash val="solid"/>
                       <a:round/>
@@ -24583,7 +24627,7 @@
                     </a:lnR>
                     <a:lnT cap="flat" cmpd="sng" w="9525">
                       <a:solidFill>
-                        <a:schemeClr val="dk1"/>
+                        <a:schemeClr val="lt1"/>
                       </a:solidFill>
                       <a:prstDash val="solid"/>
                       <a:round/>
@@ -24592,7 +24636,7 @@
                     </a:lnT>
                     <a:lnB cap="flat" cmpd="sng" w="9525">
                       <a:solidFill>
-                        <a:schemeClr val="dk1"/>
+                        <a:schemeClr val="lt1"/>
                       </a:solidFill>
                       <a:prstDash val="solid"/>
                       <a:round/>
@@ -24628,7 +24672,7 @@
                   <a:tcPr marT="0" marB="0" marR="91425" marL="91425" anchor="ctr">
                     <a:lnL cap="flat" cmpd="sng" w="9525">
                       <a:solidFill>
-                        <a:schemeClr val="dk1"/>
+                        <a:schemeClr val="lt1"/>
                       </a:solidFill>
                       <a:prstDash val="solid"/>
                       <a:round/>
@@ -24637,7 +24681,7 @@
                     </a:lnL>
                     <a:lnR cap="flat" cmpd="sng" w="9525">
                       <a:solidFill>
-                        <a:schemeClr val="dk1"/>
+                        <a:schemeClr val="lt1"/>
                       </a:solidFill>
                       <a:prstDash val="solid"/>
                       <a:round/>
@@ -24646,7 +24690,7 @@
                     </a:lnR>
                     <a:lnT cap="flat" cmpd="sng" w="9525">
                       <a:solidFill>
-                        <a:schemeClr val="dk1"/>
+                        <a:schemeClr val="lt1"/>
                       </a:solidFill>
                       <a:prstDash val="solid"/>
                       <a:round/>
@@ -24655,7 +24699,7 @@
                     </a:lnT>
                     <a:lnB cap="flat" cmpd="sng" w="9525">
                       <a:solidFill>
-                        <a:schemeClr val="dk1"/>
+                        <a:schemeClr val="lt1"/>
                       </a:solidFill>
                       <a:prstDash val="solid"/>
                       <a:round/>
@@ -24691,7 +24735,7 @@
                   <a:tcPr marT="0" marB="0" marR="91425" marL="91425" anchor="ctr">
                     <a:lnL cap="flat" cmpd="sng" w="9525">
                       <a:solidFill>
-                        <a:schemeClr val="dk1"/>
+                        <a:schemeClr val="lt1"/>
                       </a:solidFill>
                       <a:prstDash val="solid"/>
                       <a:round/>
@@ -24700,7 +24744,7 @@
                     </a:lnL>
                     <a:lnR cap="flat" cmpd="sng" w="9525">
                       <a:solidFill>
-                        <a:schemeClr val="dk1"/>
+                        <a:schemeClr val="lt1"/>
                       </a:solidFill>
                       <a:prstDash val="solid"/>
                       <a:round/>
@@ -24709,7 +24753,7 @@
                     </a:lnR>
                     <a:lnT cap="flat" cmpd="sng" w="9525">
                       <a:solidFill>
-                        <a:schemeClr val="dk1"/>
+                        <a:schemeClr val="lt1"/>
                       </a:solidFill>
                       <a:prstDash val="solid"/>
                       <a:round/>
@@ -24718,7 +24762,7 @@
                     </a:lnT>
                     <a:lnB cap="flat" cmpd="sng" w="9525">
                       <a:solidFill>
-                        <a:schemeClr val="dk1"/>
+                        <a:schemeClr val="lt1"/>
                       </a:solidFill>
                       <a:prstDash val="solid"/>
                       <a:round/>
@@ -24753,7 +24797,7 @@
                   <a:tcPr marT="0" marB="0" marR="91425" marL="91425" anchor="ctr">
                     <a:lnL cap="flat" cmpd="sng" w="9525">
                       <a:solidFill>
-                        <a:schemeClr val="dk1"/>
+                        <a:schemeClr val="lt1"/>
                       </a:solidFill>
                       <a:prstDash val="solid"/>
                       <a:round/>
@@ -24762,7 +24806,7 @@
                     </a:lnL>
                     <a:lnR cap="flat" cmpd="sng" w="9525">
                       <a:solidFill>
-                        <a:schemeClr val="dk1"/>
+                        <a:schemeClr val="lt1"/>
                       </a:solidFill>
                       <a:prstDash val="solid"/>
                       <a:round/>
@@ -24771,7 +24815,7 @@
                     </a:lnR>
                     <a:lnT cap="flat" cmpd="sng" w="9525">
                       <a:solidFill>
-                        <a:schemeClr val="dk1"/>
+                        <a:schemeClr val="lt1"/>
                       </a:solidFill>
                       <a:prstDash val="solid"/>
                       <a:round/>
@@ -24780,7 +24824,7 @@
                     </a:lnT>
                     <a:lnB cap="flat" cmpd="sng" w="9525">
                       <a:solidFill>
-                        <a:schemeClr val="dk1"/>
+                        <a:schemeClr val="lt1"/>
                       </a:solidFill>
                       <a:prstDash val="solid"/>
                       <a:round/>
@@ -24816,7 +24860,7 @@
                   <a:tcPr marT="0" marB="0" marR="91425" marL="91425" anchor="ctr">
                     <a:lnL cap="flat" cmpd="sng" w="9525">
                       <a:solidFill>
-                        <a:schemeClr val="dk1"/>
+                        <a:schemeClr val="lt1"/>
                       </a:solidFill>
                       <a:prstDash val="solid"/>
                       <a:round/>
@@ -24825,7 +24869,7 @@
                     </a:lnL>
                     <a:lnR cap="flat" cmpd="sng" w="9525">
                       <a:solidFill>
-                        <a:schemeClr val="dk1"/>
+                        <a:schemeClr val="lt1"/>
                       </a:solidFill>
                       <a:prstDash val="solid"/>
                       <a:round/>
@@ -24834,7 +24878,7 @@
                     </a:lnR>
                     <a:lnT cap="flat" cmpd="sng" w="9525">
                       <a:solidFill>
-                        <a:schemeClr val="dk1"/>
+                        <a:schemeClr val="lt1"/>
                       </a:solidFill>
                       <a:prstDash val="solid"/>
                       <a:round/>
@@ -24843,7 +24887,7 @@
                     </a:lnT>
                     <a:lnB cap="flat" cmpd="sng" w="9525">
                       <a:solidFill>
-                        <a:schemeClr val="dk1"/>
+                        <a:schemeClr val="lt1"/>
                       </a:solidFill>
                       <a:prstDash val="solid"/>
                       <a:round/>
@@ -24878,7 +24922,7 @@
                   <a:tcPr marT="0" marB="0" marR="91425" marL="91425" anchor="ctr">
                     <a:lnL cap="flat" cmpd="sng" w="9525">
                       <a:solidFill>
-                        <a:schemeClr val="dk1"/>
+                        <a:schemeClr val="lt1"/>
                       </a:solidFill>
                       <a:prstDash val="solid"/>
                       <a:round/>
@@ -24887,7 +24931,7 @@
                     </a:lnL>
                     <a:lnR cap="flat" cmpd="sng" w="9525">
                       <a:solidFill>
-                        <a:schemeClr val="dk1"/>
+                        <a:schemeClr val="lt1"/>
                       </a:solidFill>
                       <a:prstDash val="solid"/>
                       <a:round/>
@@ -24896,7 +24940,7 @@
                     </a:lnR>
                     <a:lnT cap="flat" cmpd="sng" w="9525">
                       <a:solidFill>
-                        <a:schemeClr val="dk1"/>
+                        <a:schemeClr val="lt1"/>
                       </a:solidFill>
                       <a:prstDash val="solid"/>
                       <a:round/>
@@ -24905,7 +24949,7 @@
                     </a:lnT>
                     <a:lnB cap="flat" cmpd="sng" w="9525">
                       <a:solidFill>
-                        <a:schemeClr val="dk1"/>
+                        <a:schemeClr val="lt1"/>
                       </a:solidFill>
                       <a:prstDash val="solid"/>
                       <a:round/>
@@ -24942,7 +24986,7 @@
                   <a:tcPr marT="0" marB="0" marR="91425" marL="91425" anchor="ctr">
                     <a:lnL cap="flat" cmpd="sng" w="9525">
                       <a:solidFill>
-                        <a:schemeClr val="dk1"/>
+                        <a:schemeClr val="lt1"/>
                       </a:solidFill>
                       <a:prstDash val="solid"/>
                       <a:round/>
@@ -24951,7 +24995,7 @@
                     </a:lnL>
                     <a:lnR cap="flat" cmpd="sng" w="9525">
                       <a:solidFill>
-                        <a:schemeClr val="dk1"/>
+                        <a:schemeClr val="lt1"/>
                       </a:solidFill>
                       <a:prstDash val="solid"/>
                       <a:round/>
@@ -24960,7 +25004,7 @@
                     </a:lnR>
                     <a:lnT cap="flat" cmpd="sng" w="9525">
                       <a:solidFill>
-                        <a:schemeClr val="dk1"/>
+                        <a:schemeClr val="lt1"/>
                       </a:solidFill>
                       <a:prstDash val="solid"/>
                       <a:round/>
@@ -24969,7 +25013,7 @@
                     </a:lnT>
                     <a:lnB cap="flat" cmpd="sng" w="9525">
                       <a:solidFill>
-                        <a:schemeClr val="dk1"/>
+                        <a:schemeClr val="lt1"/>
                       </a:solidFill>
                       <a:prstDash val="solid"/>
                       <a:round/>
@@ -24977,7 +25021,7 @@
                       <a:tailEnd len="sm" w="sm" type="none"/>
                     </a:lnB>
                     <a:solidFill>
-                      <a:schemeClr val="lt2"/>
+                      <a:schemeClr val="accent1"/>
                     </a:solidFill>
                   </a:tcPr>
                 </a:tc>
@@ -25004,7 +25048,7 @@
                   <a:tcPr marT="0" marB="0" marR="91425" marL="91425" anchor="ctr">
                     <a:lnL cap="flat" cmpd="sng" w="9525">
                       <a:solidFill>
-                        <a:schemeClr val="dk1"/>
+                        <a:schemeClr val="lt1"/>
                       </a:solidFill>
                       <a:prstDash val="solid"/>
                       <a:round/>
@@ -25013,7 +25057,7 @@
                     </a:lnL>
                     <a:lnR cap="flat" cmpd="sng" w="9525">
                       <a:solidFill>
-                        <a:schemeClr val="dk1"/>
+                        <a:schemeClr val="lt1"/>
                       </a:solidFill>
                       <a:prstDash val="solid"/>
                       <a:round/>
@@ -25022,7 +25066,7 @@
                     </a:lnR>
                     <a:lnT cap="flat" cmpd="sng" w="9525">
                       <a:solidFill>
-                        <a:schemeClr val="dk1"/>
+                        <a:schemeClr val="lt1"/>
                       </a:solidFill>
                       <a:prstDash val="solid"/>
                       <a:round/>
@@ -25031,7 +25075,7 @@
                     </a:lnT>
                     <a:lnB cap="flat" cmpd="sng" w="9525">
                       <a:solidFill>
-                        <a:schemeClr val="dk1"/>
+                        <a:schemeClr val="lt1"/>
                       </a:solidFill>
                       <a:prstDash val="solid"/>
                       <a:round/>
@@ -25039,7 +25083,7 @@
                       <a:tailEnd len="sm" w="sm" type="none"/>
                     </a:lnB>
                     <a:solidFill>
-                      <a:schemeClr val="lt2"/>
+                      <a:schemeClr val="accent1"/>
                     </a:solidFill>
                   </a:tcPr>
                 </a:tc>
@@ -25066,7 +25110,7 @@
                   <a:tcPr marT="0" marB="0" marR="91425" marL="91425" anchor="ctr">
                     <a:lnL cap="flat" cmpd="sng" w="9525">
                       <a:solidFill>
-                        <a:schemeClr val="dk1"/>
+                        <a:schemeClr val="lt1"/>
                       </a:solidFill>
                       <a:prstDash val="solid"/>
                       <a:round/>
@@ -25075,7 +25119,7 @@
                     </a:lnL>
                     <a:lnR cap="flat" cmpd="sng" w="9525">
                       <a:solidFill>
-                        <a:schemeClr val="dk1"/>
+                        <a:schemeClr val="lt1"/>
                       </a:solidFill>
                       <a:prstDash val="solid"/>
                       <a:round/>
@@ -25084,7 +25128,7 @@
                     </a:lnR>
                     <a:lnT cap="flat" cmpd="sng" w="9525">
                       <a:solidFill>
-                        <a:schemeClr val="dk1"/>
+                        <a:schemeClr val="lt1"/>
                       </a:solidFill>
                       <a:prstDash val="solid"/>
                       <a:round/>
@@ -25093,7 +25137,7 @@
                     </a:lnT>
                     <a:lnB cap="flat" cmpd="sng" w="9525">
                       <a:solidFill>
-                        <a:schemeClr val="dk1"/>
+                        <a:schemeClr val="lt1"/>
                       </a:solidFill>
                       <a:prstDash val="solid"/>
                       <a:round/>
@@ -25101,7 +25145,7 @@
                       <a:tailEnd len="sm" w="sm" type="none"/>
                     </a:lnB>
                     <a:solidFill>
-                      <a:schemeClr val="lt2"/>
+                      <a:schemeClr val="accent1"/>
                     </a:solidFill>
                   </a:tcPr>
                 </a:tc>
@@ -25129,7 +25173,7 @@
                   <a:tcPr marT="0" marB="0" marR="91425" marL="91425" anchor="ctr">
                     <a:lnL cap="flat" cmpd="sng" w="9525">
                       <a:solidFill>
-                        <a:schemeClr val="dk1"/>
+                        <a:schemeClr val="lt1"/>
                       </a:solidFill>
                       <a:prstDash val="solid"/>
                       <a:round/>
@@ -25138,7 +25182,7 @@
                     </a:lnL>
                     <a:lnR cap="flat" cmpd="sng" w="9525">
                       <a:solidFill>
-                        <a:schemeClr val="dk1"/>
+                        <a:schemeClr val="lt1"/>
                       </a:solidFill>
                       <a:prstDash val="solid"/>
                       <a:round/>
@@ -25147,7 +25191,7 @@
                     </a:lnR>
                     <a:lnT cap="flat" cmpd="sng" w="9525">
                       <a:solidFill>
-                        <a:schemeClr val="dk1"/>
+                        <a:schemeClr val="lt1"/>
                       </a:solidFill>
                       <a:prstDash val="solid"/>
                       <a:round/>
@@ -25156,7 +25200,7 @@
                     </a:lnT>
                     <a:lnB cap="flat" cmpd="sng" w="9525">
                       <a:solidFill>
-                        <a:schemeClr val="dk1"/>
+                        <a:schemeClr val="lt1"/>
                       </a:solidFill>
                       <a:prstDash val="solid"/>
                       <a:round/>
@@ -25164,7 +25208,7 @@
                       <a:tailEnd len="sm" w="sm" type="none"/>
                     </a:lnB>
                     <a:solidFill>
-                      <a:schemeClr val="lt2"/>
+                      <a:schemeClr val="accent1"/>
                     </a:solidFill>
                   </a:tcPr>
                 </a:tc>
@@ -25192,7 +25236,7 @@
                   <a:tcPr marT="0" marB="0" marR="91425" marL="91425" anchor="ctr">
                     <a:lnL cap="flat" cmpd="sng" w="9525">
                       <a:solidFill>
-                        <a:schemeClr val="dk1"/>
+                        <a:schemeClr val="lt1"/>
                       </a:solidFill>
                       <a:prstDash val="solid"/>
                       <a:round/>
@@ -25201,7 +25245,7 @@
                     </a:lnL>
                     <a:lnR cap="flat" cmpd="sng" w="9525">
                       <a:solidFill>
-                        <a:schemeClr val="dk1"/>
+                        <a:schemeClr val="lt1"/>
                       </a:solidFill>
                       <a:prstDash val="solid"/>
                       <a:round/>
@@ -25210,7 +25254,7 @@
                     </a:lnR>
                     <a:lnT cap="flat" cmpd="sng" w="9525">
                       <a:solidFill>
-                        <a:schemeClr val="dk1"/>
+                        <a:schemeClr val="lt1"/>
                       </a:solidFill>
                       <a:prstDash val="solid"/>
                       <a:round/>
@@ -25219,7 +25263,7 @@
                     </a:lnT>
                     <a:lnB cap="flat" cmpd="sng" w="9525">
                       <a:solidFill>
-                        <a:schemeClr val="dk1"/>
+                        <a:schemeClr val="lt1"/>
                       </a:solidFill>
                       <a:prstDash val="solid"/>
                       <a:round/>
@@ -25227,7 +25271,7 @@
                       <a:tailEnd len="sm" w="sm" type="none"/>
                     </a:lnB>
                     <a:solidFill>
-                      <a:schemeClr val="lt2"/>
+                      <a:schemeClr val="accent1"/>
                     </a:solidFill>
                   </a:tcPr>
                 </a:tc>
@@ -25254,7 +25298,7 @@
                   <a:tcPr marT="0" marB="0" marR="91425" marL="91425" anchor="ctr">
                     <a:lnL cap="flat" cmpd="sng" w="9525">
                       <a:solidFill>
-                        <a:schemeClr val="dk1"/>
+                        <a:schemeClr val="lt1"/>
                       </a:solidFill>
                       <a:prstDash val="solid"/>
                       <a:round/>
@@ -25263,7 +25307,7 @@
                     </a:lnL>
                     <a:lnR cap="flat" cmpd="sng" w="9525">
                       <a:solidFill>
-                        <a:schemeClr val="dk1"/>
+                        <a:schemeClr val="lt1"/>
                       </a:solidFill>
                       <a:prstDash val="solid"/>
                       <a:round/>
@@ -25272,7 +25316,7 @@
                     </a:lnR>
                     <a:lnT cap="flat" cmpd="sng" w="9525">
                       <a:solidFill>
-                        <a:schemeClr val="dk1"/>
+                        <a:schemeClr val="lt1"/>
                       </a:solidFill>
                       <a:prstDash val="solid"/>
                       <a:round/>
@@ -25281,7 +25325,7 @@
                     </a:lnT>
                     <a:lnB cap="flat" cmpd="sng" w="9525">
                       <a:solidFill>
-                        <a:schemeClr val="dk1"/>
+                        <a:schemeClr val="lt1"/>
                       </a:solidFill>
                       <a:prstDash val="solid"/>
                       <a:round/>
@@ -25289,7 +25333,7 @@
                       <a:tailEnd len="sm" w="sm" type="none"/>
                     </a:lnB>
                     <a:solidFill>
-                      <a:schemeClr val="lt2"/>
+                      <a:schemeClr val="accent1"/>
                     </a:solidFill>
                   </a:tcPr>
                 </a:tc>
@@ -25317,7 +25361,7 @@
                   <a:tcPr marT="0" marB="0" marR="91425" marL="91425" anchor="ctr">
                     <a:lnL cap="flat" cmpd="sng" w="9525">
                       <a:solidFill>
-                        <a:schemeClr val="dk1"/>
+                        <a:schemeClr val="lt1"/>
                       </a:solidFill>
                       <a:prstDash val="solid"/>
                       <a:round/>
@@ -25326,7 +25370,7 @@
                     </a:lnL>
                     <a:lnR cap="flat" cmpd="sng" w="9525">
                       <a:solidFill>
-                        <a:schemeClr val="dk1"/>
+                        <a:schemeClr val="lt1"/>
                       </a:solidFill>
                       <a:prstDash val="solid"/>
                       <a:round/>
@@ -25335,7 +25379,7 @@
                     </a:lnR>
                     <a:lnT cap="flat" cmpd="sng" w="9525">
                       <a:solidFill>
-                        <a:schemeClr val="dk1"/>
+                        <a:schemeClr val="lt1"/>
                       </a:solidFill>
                       <a:prstDash val="solid"/>
                       <a:round/>
@@ -25344,7 +25388,7 @@
                     </a:lnT>
                     <a:lnB cap="flat" cmpd="sng" w="9525">
                       <a:solidFill>
-                        <a:schemeClr val="dk1"/>
+                        <a:schemeClr val="lt1"/>
                       </a:solidFill>
                       <a:prstDash val="solid"/>
                       <a:round/>
@@ -25352,7 +25396,7 @@
                       <a:tailEnd len="sm" w="sm" type="none"/>
                     </a:lnB>
                     <a:solidFill>
-                      <a:schemeClr val="lt2"/>
+                      <a:schemeClr val="accent1"/>
                     </a:solidFill>
                   </a:tcPr>
                 </a:tc>
@@ -25379,7 +25423,7 @@
                   <a:tcPr marT="0" marB="0" marR="91425" marL="91425" anchor="ctr">
                     <a:lnL cap="flat" cmpd="sng" w="9525">
                       <a:solidFill>
-                        <a:schemeClr val="dk1"/>
+                        <a:schemeClr val="lt1"/>
                       </a:solidFill>
                       <a:prstDash val="solid"/>
                       <a:round/>
@@ -25388,7 +25432,7 @@
                     </a:lnL>
                     <a:lnR cap="flat" cmpd="sng" w="9525">
                       <a:solidFill>
-                        <a:schemeClr val="dk1"/>
+                        <a:schemeClr val="lt1"/>
                       </a:solidFill>
                       <a:prstDash val="solid"/>
                       <a:round/>
@@ -25397,7 +25441,7 @@
                     </a:lnR>
                     <a:lnT cap="flat" cmpd="sng" w="9525">
                       <a:solidFill>
-                        <a:schemeClr val="dk1"/>
+                        <a:schemeClr val="lt1"/>
                       </a:solidFill>
                       <a:prstDash val="solid"/>
                       <a:round/>
@@ -25406,7 +25450,7 @@
                     </a:lnT>
                     <a:lnB cap="flat" cmpd="sng" w="9525">
                       <a:solidFill>
-                        <a:schemeClr val="dk1"/>
+                        <a:schemeClr val="lt1"/>
                       </a:solidFill>
                       <a:prstDash val="solid"/>
                       <a:round/>
@@ -25414,7 +25458,7 @@
                       <a:tailEnd len="sm" w="sm" type="none"/>
                     </a:lnB>
                     <a:solidFill>
-                      <a:schemeClr val="lt2"/>
+                      <a:schemeClr val="accent1"/>
                     </a:solidFill>
                   </a:tcPr>
                 </a:tc>
@@ -25443,7 +25487,7 @@
                   <a:tcPr marT="0" marB="0" marR="91425" marL="91425" anchor="ctr">
                     <a:lnL cap="flat" cmpd="sng" w="9525">
                       <a:solidFill>
-                        <a:schemeClr val="dk1"/>
+                        <a:schemeClr val="lt1"/>
                       </a:solidFill>
                       <a:prstDash val="solid"/>
                       <a:round/>
@@ -25452,7 +25496,7 @@
                     </a:lnL>
                     <a:lnR cap="flat" cmpd="sng" w="9525">
                       <a:solidFill>
-                        <a:schemeClr val="dk1"/>
+                        <a:schemeClr val="lt1"/>
                       </a:solidFill>
                       <a:prstDash val="solid"/>
                       <a:round/>
@@ -25461,7 +25505,7 @@
                     </a:lnR>
                     <a:lnT cap="flat" cmpd="sng" w="9525">
                       <a:solidFill>
-                        <a:schemeClr val="dk1"/>
+                        <a:schemeClr val="lt1"/>
                       </a:solidFill>
                       <a:prstDash val="solid"/>
                       <a:round/>
@@ -25470,7 +25514,7 @@
                     </a:lnT>
                     <a:lnB cap="flat" cmpd="sng" w="9525">
                       <a:solidFill>
-                        <a:schemeClr val="dk1"/>
+                        <a:schemeClr val="lt1"/>
                       </a:solidFill>
                       <a:prstDash val="solid"/>
                       <a:round/>
@@ -25505,7 +25549,7 @@
                   <a:tcPr marT="0" marB="0" marR="91425" marL="91425" anchor="ctr">
                     <a:lnL cap="flat" cmpd="sng" w="9525">
                       <a:solidFill>
-                        <a:schemeClr val="dk1"/>
+                        <a:schemeClr val="lt1"/>
                       </a:solidFill>
                       <a:prstDash val="solid"/>
                       <a:round/>
@@ -25514,7 +25558,7 @@
                     </a:lnL>
                     <a:lnR cap="flat" cmpd="sng" w="9525">
                       <a:solidFill>
-                        <a:schemeClr val="dk1"/>
+                        <a:schemeClr val="lt1"/>
                       </a:solidFill>
                       <a:prstDash val="solid"/>
                       <a:round/>
@@ -25523,7 +25567,7 @@
                     </a:lnR>
                     <a:lnT cap="flat" cmpd="sng" w="9525">
                       <a:solidFill>
-                        <a:schemeClr val="dk1"/>
+                        <a:schemeClr val="lt1"/>
                       </a:solidFill>
                       <a:prstDash val="solid"/>
                       <a:round/>
@@ -25532,7 +25576,7 @@
                     </a:lnT>
                     <a:lnB cap="flat" cmpd="sng" w="9525">
                       <a:solidFill>
-                        <a:schemeClr val="dk1"/>
+                        <a:schemeClr val="lt1"/>
                       </a:solidFill>
                       <a:prstDash val="solid"/>
                       <a:round/>
@@ -25567,7 +25611,7 @@
                   <a:tcPr marT="0" marB="0" marR="91425" marL="91425" anchor="ctr">
                     <a:lnL cap="flat" cmpd="sng" w="9525">
                       <a:solidFill>
-                        <a:schemeClr val="dk1"/>
+                        <a:schemeClr val="lt1"/>
                       </a:solidFill>
                       <a:prstDash val="solid"/>
                       <a:round/>
@@ -25576,7 +25620,7 @@
                     </a:lnL>
                     <a:lnR cap="flat" cmpd="sng" w="9525">
                       <a:solidFill>
-                        <a:schemeClr val="dk1"/>
+                        <a:schemeClr val="lt1"/>
                       </a:solidFill>
                       <a:prstDash val="solid"/>
                       <a:round/>
@@ -25585,7 +25629,7 @@
                     </a:lnR>
                     <a:lnT cap="flat" cmpd="sng" w="9525">
                       <a:solidFill>
-                        <a:schemeClr val="dk1"/>
+                        <a:schemeClr val="lt1"/>
                       </a:solidFill>
                       <a:prstDash val="solid"/>
                       <a:round/>
@@ -25594,7 +25638,7 @@
                     </a:lnT>
                     <a:lnB cap="flat" cmpd="sng" w="9525">
                       <a:solidFill>
-                        <a:schemeClr val="dk1"/>
+                        <a:schemeClr val="lt1"/>
                       </a:solidFill>
                       <a:prstDash val="solid"/>
                       <a:round/>
@@ -25630,7 +25674,7 @@
                   <a:tcPr marT="0" marB="0" marR="91425" marL="91425" anchor="ctr">
                     <a:lnL cap="flat" cmpd="sng" w="9525">
                       <a:solidFill>
-                        <a:schemeClr val="dk1"/>
+                        <a:schemeClr val="lt1"/>
                       </a:solidFill>
                       <a:prstDash val="solid"/>
                       <a:round/>
@@ -25639,7 +25683,7 @@
                     </a:lnL>
                     <a:lnR cap="flat" cmpd="sng" w="9525">
                       <a:solidFill>
-                        <a:schemeClr val="dk1"/>
+                        <a:schemeClr val="lt1"/>
                       </a:solidFill>
                       <a:prstDash val="solid"/>
                       <a:round/>
@@ -25648,7 +25692,7 @@
                     </a:lnR>
                     <a:lnT cap="flat" cmpd="sng" w="9525">
                       <a:solidFill>
-                        <a:schemeClr val="dk1"/>
+                        <a:schemeClr val="lt1"/>
                       </a:solidFill>
                       <a:prstDash val="solid"/>
                       <a:round/>
@@ -25657,7 +25701,7 @@
                     </a:lnT>
                     <a:lnB cap="flat" cmpd="sng" w="9525">
                       <a:solidFill>
-                        <a:schemeClr val="dk1"/>
+                        <a:schemeClr val="lt1"/>
                       </a:solidFill>
                       <a:prstDash val="solid"/>
                       <a:round/>
@@ -25693,7 +25737,7 @@
                   <a:tcPr marT="0" marB="0" marR="91425" marL="91425" anchor="ctr">
                     <a:lnL cap="flat" cmpd="sng" w="9525">
                       <a:solidFill>
-                        <a:schemeClr val="dk1"/>
+                        <a:schemeClr val="lt1"/>
                       </a:solidFill>
                       <a:prstDash val="solid"/>
                       <a:round/>
@@ -25702,7 +25746,7 @@
                     </a:lnL>
                     <a:lnR cap="flat" cmpd="sng" w="9525">
                       <a:solidFill>
-                        <a:schemeClr val="dk1"/>
+                        <a:schemeClr val="lt1"/>
                       </a:solidFill>
                       <a:prstDash val="solid"/>
                       <a:round/>
@@ -25711,7 +25755,7 @@
                     </a:lnR>
                     <a:lnT cap="flat" cmpd="sng" w="9525">
                       <a:solidFill>
-                        <a:schemeClr val="dk1"/>
+                        <a:schemeClr val="lt1"/>
                       </a:solidFill>
                       <a:prstDash val="solid"/>
                       <a:round/>
@@ -25720,7 +25764,7 @@
                     </a:lnT>
                     <a:lnB cap="flat" cmpd="sng" w="9525">
                       <a:solidFill>
-                        <a:schemeClr val="dk1"/>
+                        <a:schemeClr val="lt1"/>
                       </a:solidFill>
                       <a:prstDash val="solid"/>
                       <a:round/>
@@ -25755,7 +25799,7 @@
                   <a:tcPr marT="0" marB="0" marR="91425" marL="91425" anchor="ctr">
                     <a:lnL cap="flat" cmpd="sng" w="9525">
                       <a:solidFill>
-                        <a:schemeClr val="dk1"/>
+                        <a:schemeClr val="lt1"/>
                       </a:solidFill>
                       <a:prstDash val="solid"/>
                       <a:round/>
@@ -25764,7 +25808,7 @@
                     </a:lnL>
                     <a:lnR cap="flat" cmpd="sng" w="9525">
                       <a:solidFill>
-                        <a:schemeClr val="dk1"/>
+                        <a:schemeClr val="lt1"/>
                       </a:solidFill>
                       <a:prstDash val="solid"/>
                       <a:round/>
@@ -25773,7 +25817,7 @@
                     </a:lnR>
                     <a:lnT cap="flat" cmpd="sng" w="9525">
                       <a:solidFill>
-                        <a:schemeClr val="dk1"/>
+                        <a:schemeClr val="lt1"/>
                       </a:solidFill>
                       <a:prstDash val="solid"/>
                       <a:round/>
@@ -25782,7 +25826,7 @@
                     </a:lnT>
                     <a:lnB cap="flat" cmpd="sng" w="9525">
                       <a:solidFill>
-                        <a:schemeClr val="dk1"/>
+                        <a:schemeClr val="lt1"/>
                       </a:solidFill>
                       <a:prstDash val="solid"/>
                       <a:round/>
@@ -25818,7 +25862,7 @@
                   <a:tcPr marT="0" marB="0" marR="91425" marL="91425" anchor="ctr">
                     <a:lnL cap="flat" cmpd="sng" w="9525">
                       <a:solidFill>
-                        <a:schemeClr val="dk1"/>
+                        <a:schemeClr val="lt1"/>
                       </a:solidFill>
                       <a:prstDash val="solid"/>
                       <a:round/>
@@ -25827,7 +25871,7 @@
                     </a:lnL>
                     <a:lnR cap="flat" cmpd="sng" w="9525">
                       <a:solidFill>
-                        <a:schemeClr val="dk1"/>
+                        <a:schemeClr val="lt1"/>
                       </a:solidFill>
                       <a:prstDash val="solid"/>
                       <a:round/>
@@ -25836,7 +25880,7 @@
                     </a:lnR>
                     <a:lnT cap="flat" cmpd="sng" w="9525">
                       <a:solidFill>
-                        <a:schemeClr val="dk1"/>
+                        <a:schemeClr val="lt1"/>
                       </a:solidFill>
                       <a:prstDash val="solid"/>
                       <a:round/>
@@ -25845,7 +25889,7 @@
                     </a:lnT>
                     <a:lnB cap="flat" cmpd="sng" w="9525">
                       <a:solidFill>
-                        <a:schemeClr val="dk1"/>
+                        <a:schemeClr val="lt1"/>
                       </a:solidFill>
                       <a:prstDash val="solid"/>
                       <a:round/>
@@ -25880,7 +25924,7 @@
                   <a:tcPr marT="0" marB="0" marR="91425" marL="91425" anchor="ctr">
                     <a:lnL cap="flat" cmpd="sng" w="9525">
                       <a:solidFill>
-                        <a:schemeClr val="dk1"/>
+                        <a:schemeClr val="lt1"/>
                       </a:solidFill>
                       <a:prstDash val="solid"/>
                       <a:round/>
@@ -25889,7 +25933,7 @@
                     </a:lnL>
                     <a:lnR cap="flat" cmpd="sng" w="9525">
                       <a:solidFill>
-                        <a:schemeClr val="dk1"/>
+                        <a:schemeClr val="lt1"/>
                       </a:solidFill>
                       <a:prstDash val="solid"/>
                       <a:round/>
@@ -25898,7 +25942,7 @@
                     </a:lnR>
                     <a:lnT cap="flat" cmpd="sng" w="9525">
                       <a:solidFill>
-                        <a:schemeClr val="dk1"/>
+                        <a:schemeClr val="lt1"/>
                       </a:solidFill>
                       <a:prstDash val="solid"/>
                       <a:round/>
@@ -25907,7 +25951,7 @@
                     </a:lnT>
                     <a:lnB cap="flat" cmpd="sng" w="9525">
                       <a:solidFill>
-                        <a:schemeClr val="dk1"/>
+                        <a:schemeClr val="lt1"/>
                       </a:solidFill>
                       <a:prstDash val="solid"/>
                       <a:round/>
@@ -25944,7 +25988,7 @@
                   <a:tcPr marT="0" marB="0" marR="91425" marL="91425" anchor="ctr">
                     <a:lnL cap="flat" cmpd="sng" w="9525">
                       <a:solidFill>
-                        <a:schemeClr val="dk1"/>
+                        <a:schemeClr val="lt1"/>
                       </a:solidFill>
                       <a:prstDash val="solid"/>
                       <a:round/>
@@ -25953,7 +25997,7 @@
                     </a:lnL>
                     <a:lnR cap="flat" cmpd="sng" w="9525">
                       <a:solidFill>
-                        <a:schemeClr val="dk1"/>
+                        <a:schemeClr val="lt1"/>
                       </a:solidFill>
                       <a:prstDash val="solid"/>
                       <a:round/>
@@ -25962,7 +26006,7 @@
                     </a:lnR>
                     <a:lnT cap="flat" cmpd="sng" w="9525">
                       <a:solidFill>
-                        <a:schemeClr val="dk1"/>
+                        <a:schemeClr val="lt1"/>
                       </a:solidFill>
                       <a:prstDash val="solid"/>
                       <a:round/>
@@ -25971,7 +26015,7 @@
                     </a:lnT>
                     <a:lnB cap="flat" cmpd="sng" w="9525">
                       <a:solidFill>
-                        <a:schemeClr val="dk1"/>
+                        <a:schemeClr val="lt1"/>
                       </a:solidFill>
                       <a:prstDash val="solid"/>
                       <a:round/>
@@ -25979,7 +26023,7 @@
                       <a:tailEnd len="sm" w="sm" type="none"/>
                     </a:lnB>
                     <a:solidFill>
-                      <a:schemeClr val="lt2"/>
+                      <a:schemeClr val="accent1"/>
                     </a:solidFill>
                   </a:tcPr>
                 </a:tc>
@@ -26006,7 +26050,7 @@
                   <a:tcPr marT="0" marB="0" marR="91425" marL="91425" anchor="ctr">
                     <a:lnL cap="flat" cmpd="sng" w="9525">
                       <a:solidFill>
-                        <a:schemeClr val="dk1"/>
+                        <a:schemeClr val="lt1"/>
                       </a:solidFill>
                       <a:prstDash val="solid"/>
                       <a:round/>
@@ -26015,7 +26059,7 @@
                     </a:lnL>
                     <a:lnR cap="flat" cmpd="sng" w="9525">
                       <a:solidFill>
-                        <a:schemeClr val="dk1"/>
+                        <a:schemeClr val="lt1"/>
                       </a:solidFill>
                       <a:prstDash val="solid"/>
                       <a:round/>
@@ -26024,7 +26068,7 @@
                     </a:lnR>
                     <a:lnT cap="flat" cmpd="sng" w="9525">
                       <a:solidFill>
-                        <a:schemeClr val="dk1"/>
+                        <a:schemeClr val="lt1"/>
                       </a:solidFill>
                       <a:prstDash val="solid"/>
                       <a:round/>
@@ -26033,7 +26077,7 @@
                     </a:lnT>
                     <a:lnB cap="flat" cmpd="sng" w="9525">
                       <a:solidFill>
-                        <a:schemeClr val="dk1"/>
+                        <a:schemeClr val="lt1"/>
                       </a:solidFill>
                       <a:prstDash val="solid"/>
                       <a:round/>
@@ -26041,7 +26085,7 @@
                       <a:tailEnd len="sm" w="sm" type="none"/>
                     </a:lnB>
                     <a:solidFill>
-                      <a:schemeClr val="lt2"/>
+                      <a:schemeClr val="accent1"/>
                     </a:solidFill>
                   </a:tcPr>
                 </a:tc>
@@ -26068,7 +26112,7 @@
                   <a:tcPr marT="0" marB="0" marR="91425" marL="91425" anchor="ctr">
                     <a:lnL cap="flat" cmpd="sng" w="9525">
                       <a:solidFill>
-                        <a:schemeClr val="dk1"/>
+                        <a:schemeClr val="lt1"/>
                       </a:solidFill>
                       <a:prstDash val="solid"/>
                       <a:round/>
@@ -26077,7 +26121,7 @@
                     </a:lnL>
                     <a:lnR cap="flat" cmpd="sng" w="9525">
                       <a:solidFill>
-                        <a:schemeClr val="dk1"/>
+                        <a:schemeClr val="lt1"/>
                       </a:solidFill>
                       <a:prstDash val="solid"/>
                       <a:round/>
@@ -26086,7 +26130,7 @@
                     </a:lnR>
                     <a:lnT cap="flat" cmpd="sng" w="9525">
                       <a:solidFill>
-                        <a:schemeClr val="dk1"/>
+                        <a:schemeClr val="lt1"/>
                       </a:solidFill>
                       <a:prstDash val="solid"/>
                       <a:round/>
@@ -26095,7 +26139,7 @@
                     </a:lnT>
                     <a:lnB cap="flat" cmpd="sng" w="9525">
                       <a:solidFill>
-                        <a:schemeClr val="dk1"/>
+                        <a:schemeClr val="lt1"/>
                       </a:solidFill>
                       <a:prstDash val="solid"/>
                       <a:round/>
@@ -26103,7 +26147,7 @@
                       <a:tailEnd len="sm" w="sm" type="none"/>
                     </a:lnB>
                     <a:solidFill>
-                      <a:schemeClr val="lt2"/>
+                      <a:schemeClr val="accent1"/>
                     </a:solidFill>
                   </a:tcPr>
                 </a:tc>
@@ -26131,7 +26175,7 @@
                   <a:tcPr marT="0" marB="0" marR="91425" marL="91425" anchor="ctr">
                     <a:lnL cap="flat" cmpd="sng" w="9525">
                       <a:solidFill>
-                        <a:schemeClr val="dk1"/>
+                        <a:schemeClr val="lt1"/>
                       </a:solidFill>
                       <a:prstDash val="solid"/>
                       <a:round/>
@@ -26140,7 +26184,7 @@
                     </a:lnL>
                     <a:lnR cap="flat" cmpd="sng" w="9525">
                       <a:solidFill>
-                        <a:schemeClr val="dk1"/>
+                        <a:schemeClr val="lt1"/>
                       </a:solidFill>
                       <a:prstDash val="solid"/>
                       <a:round/>
@@ -26149,7 +26193,7 @@
                     </a:lnR>
                     <a:lnT cap="flat" cmpd="sng" w="9525">
                       <a:solidFill>
-                        <a:schemeClr val="dk1"/>
+                        <a:schemeClr val="lt1"/>
                       </a:solidFill>
                       <a:prstDash val="solid"/>
                       <a:round/>
@@ -26158,7 +26202,7 @@
                     </a:lnT>
                     <a:lnB cap="flat" cmpd="sng" w="9525">
                       <a:solidFill>
-                        <a:schemeClr val="dk1"/>
+                        <a:schemeClr val="lt1"/>
                       </a:solidFill>
                       <a:prstDash val="solid"/>
                       <a:round/>
@@ -26166,7 +26210,7 @@
                       <a:tailEnd len="sm" w="sm" type="none"/>
                     </a:lnB>
                     <a:solidFill>
-                      <a:schemeClr val="lt2"/>
+                      <a:schemeClr val="accent1"/>
                     </a:solidFill>
                   </a:tcPr>
                 </a:tc>
@@ -26194,7 +26238,7 @@
                   <a:tcPr marT="0" marB="0" marR="91425" marL="91425" anchor="ctr">
                     <a:lnL cap="flat" cmpd="sng" w="9525">
                       <a:solidFill>
-                        <a:schemeClr val="dk1"/>
+                        <a:schemeClr val="lt1"/>
                       </a:solidFill>
                       <a:prstDash val="solid"/>
                       <a:round/>
@@ -26203,7 +26247,7 @@
                     </a:lnL>
                     <a:lnR cap="flat" cmpd="sng" w="9525">
                       <a:solidFill>
-                        <a:schemeClr val="dk1"/>
+                        <a:schemeClr val="lt1"/>
                       </a:solidFill>
                       <a:prstDash val="solid"/>
                       <a:round/>
@@ -26212,7 +26256,7 @@
                     </a:lnR>
                     <a:lnT cap="flat" cmpd="sng" w="9525">
                       <a:solidFill>
-                        <a:schemeClr val="dk1"/>
+                        <a:schemeClr val="lt1"/>
                       </a:solidFill>
                       <a:prstDash val="solid"/>
                       <a:round/>
@@ -26221,7 +26265,7 @@
                     </a:lnT>
                     <a:lnB cap="flat" cmpd="sng" w="9525">
                       <a:solidFill>
-                        <a:schemeClr val="dk1"/>
+                        <a:schemeClr val="lt1"/>
                       </a:solidFill>
                       <a:prstDash val="solid"/>
                       <a:round/>
@@ -26229,7 +26273,7 @@
                       <a:tailEnd len="sm" w="sm" type="none"/>
                     </a:lnB>
                     <a:solidFill>
-                      <a:schemeClr val="lt2"/>
+                      <a:schemeClr val="accent1"/>
                     </a:solidFill>
                   </a:tcPr>
                 </a:tc>
@@ -26256,7 +26300,7 @@
                   <a:tcPr marT="0" marB="0" marR="91425" marL="91425" anchor="ctr">
                     <a:lnL cap="flat" cmpd="sng" w="9525">
                       <a:solidFill>
-                        <a:schemeClr val="dk1"/>
+                        <a:schemeClr val="lt1"/>
                       </a:solidFill>
                       <a:prstDash val="solid"/>
                       <a:round/>
@@ -26265,7 +26309,7 @@
                     </a:lnL>
                     <a:lnR cap="flat" cmpd="sng" w="9525">
                       <a:solidFill>
-                        <a:schemeClr val="dk1"/>
+                        <a:schemeClr val="lt1"/>
                       </a:solidFill>
                       <a:prstDash val="solid"/>
                       <a:round/>
@@ -26274,7 +26318,7 @@
                     </a:lnR>
                     <a:lnT cap="flat" cmpd="sng" w="9525">
                       <a:solidFill>
-                        <a:schemeClr val="dk1"/>
+                        <a:schemeClr val="lt1"/>
                       </a:solidFill>
                       <a:prstDash val="solid"/>
                       <a:round/>
@@ -26283,7 +26327,7 @@
                     </a:lnT>
                     <a:lnB cap="flat" cmpd="sng" w="9525">
                       <a:solidFill>
-                        <a:schemeClr val="dk1"/>
+                        <a:schemeClr val="lt1"/>
                       </a:solidFill>
                       <a:prstDash val="solid"/>
                       <a:round/>
@@ -26291,7 +26335,7 @@
                       <a:tailEnd len="sm" w="sm" type="none"/>
                     </a:lnB>
                     <a:solidFill>
-                      <a:schemeClr val="lt2"/>
+                      <a:schemeClr val="accent1"/>
                     </a:solidFill>
                   </a:tcPr>
                 </a:tc>
@@ -26319,7 +26363,7 @@
                   <a:tcPr marT="0" marB="0" marR="91425" marL="91425" anchor="ctr">
                     <a:lnL cap="flat" cmpd="sng" w="9525">
                       <a:solidFill>
-                        <a:schemeClr val="dk1"/>
+                        <a:schemeClr val="lt1"/>
                       </a:solidFill>
                       <a:prstDash val="solid"/>
                       <a:round/>
@@ -26328,7 +26372,7 @@
                     </a:lnL>
                     <a:lnR cap="flat" cmpd="sng" w="9525">
                       <a:solidFill>
-                        <a:schemeClr val="dk1"/>
+                        <a:schemeClr val="lt1"/>
                       </a:solidFill>
                       <a:prstDash val="solid"/>
                       <a:round/>
@@ -26337,7 +26381,7 @@
                     </a:lnR>
                     <a:lnT cap="flat" cmpd="sng" w="9525">
                       <a:solidFill>
-                        <a:schemeClr val="dk1"/>
+                        <a:schemeClr val="lt1"/>
                       </a:solidFill>
                       <a:prstDash val="solid"/>
                       <a:round/>
@@ -26346,7 +26390,7 @@
                     </a:lnT>
                     <a:lnB cap="flat" cmpd="sng" w="9525">
                       <a:solidFill>
-                        <a:schemeClr val="dk1"/>
+                        <a:schemeClr val="lt1"/>
                       </a:solidFill>
                       <a:prstDash val="solid"/>
                       <a:round/>
@@ -26354,7 +26398,7 @@
                       <a:tailEnd len="sm" w="sm" type="none"/>
                     </a:lnB>
                     <a:solidFill>
-                      <a:schemeClr val="lt2"/>
+                      <a:schemeClr val="accent1"/>
                     </a:solidFill>
                   </a:tcPr>
                 </a:tc>
@@ -26381,7 +26425,7 @@
                   <a:tcPr marT="0" marB="0" marR="91425" marL="91425" anchor="ctr">
                     <a:lnL cap="flat" cmpd="sng" w="9525">
                       <a:solidFill>
-                        <a:schemeClr val="dk1"/>
+                        <a:schemeClr val="lt1"/>
                       </a:solidFill>
                       <a:prstDash val="solid"/>
                       <a:round/>
@@ -26390,7 +26434,7 @@
                     </a:lnL>
                     <a:lnR cap="flat" cmpd="sng" w="9525">
                       <a:solidFill>
-                        <a:schemeClr val="dk1"/>
+                        <a:schemeClr val="lt1"/>
                       </a:solidFill>
                       <a:prstDash val="solid"/>
                       <a:round/>
@@ -26399,7 +26443,7 @@
                     </a:lnR>
                     <a:lnT cap="flat" cmpd="sng" w="9525">
                       <a:solidFill>
-                        <a:schemeClr val="dk1"/>
+                        <a:schemeClr val="lt1"/>
                       </a:solidFill>
                       <a:prstDash val="solid"/>
                       <a:round/>
@@ -26408,7 +26452,7 @@
                     </a:lnT>
                     <a:lnB cap="flat" cmpd="sng" w="9525">
                       <a:solidFill>
-                        <a:schemeClr val="dk1"/>
+                        <a:schemeClr val="lt1"/>
                       </a:solidFill>
                       <a:prstDash val="solid"/>
                       <a:round/>
@@ -26416,7 +26460,7 @@
                       <a:tailEnd len="sm" w="sm" type="none"/>
                     </a:lnB>
                     <a:solidFill>
-                      <a:schemeClr val="lt2"/>
+                      <a:schemeClr val="accent1"/>
                     </a:solidFill>
                   </a:tcPr>
                 </a:tc>
@@ -26446,7 +26490,7 @@
                   <a:tcPr marT="0" marB="0" marR="91425" marL="91425" anchor="ctr">
                     <a:lnL cap="flat" cmpd="sng" w="9525">
                       <a:solidFill>
-                        <a:schemeClr val="dk1"/>
+                        <a:schemeClr val="lt1"/>
                       </a:solidFill>
                       <a:prstDash val="solid"/>
                       <a:round/>
@@ -26455,7 +26499,7 @@
                     </a:lnL>
                     <a:lnR cap="flat" cmpd="sng" w="9525">
                       <a:solidFill>
-                        <a:schemeClr val="dk1"/>
+                        <a:schemeClr val="lt1"/>
                       </a:solidFill>
                       <a:prstDash val="solid"/>
                       <a:round/>
@@ -26464,7 +26508,7 @@
                     </a:lnR>
                     <a:lnT cap="flat" cmpd="sng" w="9525">
                       <a:solidFill>
-                        <a:schemeClr val="dk1"/>
+                        <a:schemeClr val="lt1"/>
                       </a:solidFill>
                       <a:prstDash val="solid"/>
                       <a:round/>
@@ -26473,7 +26517,7 @@
                     </a:lnT>
                     <a:lnB cap="flat" cmpd="sng" w="9525">
                       <a:solidFill>
-                        <a:schemeClr val="dk1"/>
+                        <a:schemeClr val="lt1"/>
                       </a:solidFill>
                       <a:prstDash val="solid"/>
                       <a:round/>
@@ -26509,7 +26553,7 @@
                   <a:tcPr marT="0" marB="0" marR="91425" marL="91425" anchor="ctr">
                     <a:lnL cap="flat" cmpd="sng" w="9525">
                       <a:solidFill>
-                        <a:schemeClr val="dk1"/>
+                        <a:schemeClr val="lt1"/>
                       </a:solidFill>
                       <a:prstDash val="solid"/>
                       <a:round/>
@@ -26518,7 +26562,7 @@
                     </a:lnL>
                     <a:lnR cap="flat" cmpd="sng" w="9525">
                       <a:solidFill>
-                        <a:schemeClr val="dk1"/>
+                        <a:schemeClr val="lt1"/>
                       </a:solidFill>
                       <a:prstDash val="solid"/>
                       <a:round/>
@@ -26527,7 +26571,7 @@
                     </a:lnR>
                     <a:lnT cap="flat" cmpd="sng" w="9525">
                       <a:solidFill>
-                        <a:schemeClr val="dk1"/>
+                        <a:schemeClr val="lt1"/>
                       </a:solidFill>
                       <a:prstDash val="solid"/>
                       <a:round/>
@@ -26536,7 +26580,7 @@
                     </a:lnT>
                     <a:lnB cap="flat" cmpd="sng" w="9525">
                       <a:solidFill>
-                        <a:schemeClr val="dk1"/>
+                        <a:schemeClr val="lt1"/>
                       </a:solidFill>
                       <a:prstDash val="solid"/>
                       <a:round/>
@@ -26571,7 +26615,7 @@
                   <a:tcPr marT="0" marB="0" marR="91425" marL="91425" anchor="ctr">
                     <a:lnL cap="flat" cmpd="sng" w="9525">
                       <a:solidFill>
-                        <a:schemeClr val="dk1"/>
+                        <a:schemeClr val="lt1"/>
                       </a:solidFill>
                       <a:prstDash val="solid"/>
                       <a:round/>
@@ -26580,7 +26624,7 @@
                     </a:lnL>
                     <a:lnR cap="flat" cmpd="sng" w="9525">
                       <a:solidFill>
-                        <a:schemeClr val="dk1"/>
+                        <a:schemeClr val="lt1"/>
                       </a:solidFill>
                       <a:prstDash val="solid"/>
                       <a:round/>
@@ -26589,7 +26633,7 @@
                     </a:lnR>
                     <a:lnT cap="flat" cmpd="sng" w="9525">
                       <a:solidFill>
-                        <a:schemeClr val="dk1"/>
+                        <a:schemeClr val="lt1"/>
                       </a:solidFill>
                       <a:prstDash val="solid"/>
                       <a:round/>
@@ -26598,7 +26642,7 @@
                     </a:lnT>
                     <a:lnB cap="flat" cmpd="sng" w="9525">
                       <a:solidFill>
-                        <a:schemeClr val="dk1"/>
+                        <a:schemeClr val="lt1"/>
                       </a:solidFill>
                       <a:prstDash val="solid"/>
                       <a:round/>
@@ -26633,7 +26677,7 @@
                   <a:tcPr marT="0" marB="0" marR="91425" marL="91425" anchor="ctr">
                     <a:lnL cap="flat" cmpd="sng" w="9525">
                       <a:solidFill>
-                        <a:schemeClr val="dk1"/>
+                        <a:schemeClr val="lt1"/>
                       </a:solidFill>
                       <a:prstDash val="solid"/>
                       <a:round/>
@@ -26642,7 +26686,7 @@
                     </a:lnL>
                     <a:lnR cap="flat" cmpd="sng" w="9525">
                       <a:solidFill>
-                        <a:schemeClr val="dk1"/>
+                        <a:schemeClr val="lt1"/>
                       </a:solidFill>
                       <a:prstDash val="solid"/>
                       <a:round/>
@@ -26651,7 +26695,7 @@
                     </a:lnR>
                     <a:lnT cap="flat" cmpd="sng" w="9525">
                       <a:solidFill>
-                        <a:schemeClr val="dk1"/>
+                        <a:schemeClr val="lt1"/>
                       </a:solidFill>
                       <a:prstDash val="solid"/>
                       <a:round/>
@@ -26660,7 +26704,7 @@
                     </a:lnT>
                     <a:lnB cap="flat" cmpd="sng" w="9525">
                       <a:solidFill>
-                        <a:schemeClr val="dk1"/>
+                        <a:schemeClr val="lt1"/>
                       </a:solidFill>
                       <a:prstDash val="solid"/>
                       <a:round/>
@@ -26695,7 +26739,7 @@
                   <a:tcPr marT="0" marB="0" marR="91425" marL="91425" anchor="ctr">
                     <a:lnL cap="flat" cmpd="sng" w="9525">
                       <a:solidFill>
-                        <a:schemeClr val="dk1"/>
+                        <a:schemeClr val="lt1"/>
                       </a:solidFill>
                       <a:prstDash val="solid"/>
                       <a:round/>
@@ -26704,7 +26748,7 @@
                     </a:lnL>
                     <a:lnR cap="flat" cmpd="sng" w="9525">
                       <a:solidFill>
-                        <a:schemeClr val="dk1"/>
+                        <a:schemeClr val="lt1"/>
                       </a:solidFill>
                       <a:prstDash val="solid"/>
                       <a:round/>
@@ -26713,7 +26757,7 @@
                     </a:lnR>
                     <a:lnT cap="flat" cmpd="sng" w="9525">
                       <a:solidFill>
-                        <a:schemeClr val="dk1"/>
+                        <a:schemeClr val="lt1"/>
                       </a:solidFill>
                       <a:prstDash val="solid"/>
                       <a:round/>
@@ -26722,7 +26766,7 @@
                     </a:lnT>
                     <a:lnB cap="flat" cmpd="sng" w="9525">
                       <a:solidFill>
-                        <a:schemeClr val="dk1"/>
+                        <a:schemeClr val="lt1"/>
                       </a:solidFill>
                       <a:prstDash val="solid"/>
                       <a:round/>
@@ -26757,7 +26801,7 @@
                   <a:tcPr marT="0" marB="0" marR="91425" marL="91425" anchor="ctr">
                     <a:lnL cap="flat" cmpd="sng" w="9525">
                       <a:solidFill>
-                        <a:schemeClr val="dk1"/>
+                        <a:schemeClr val="lt1"/>
                       </a:solidFill>
                       <a:prstDash val="solid"/>
                       <a:round/>
@@ -26766,7 +26810,7 @@
                     </a:lnL>
                     <a:lnR cap="flat" cmpd="sng" w="9525">
                       <a:solidFill>
-                        <a:schemeClr val="dk1"/>
+                        <a:schemeClr val="lt1"/>
                       </a:solidFill>
                       <a:prstDash val="solid"/>
                       <a:round/>
@@ -26775,7 +26819,7 @@
                     </a:lnR>
                     <a:lnT cap="flat" cmpd="sng" w="9525">
                       <a:solidFill>
-                        <a:schemeClr val="dk1"/>
+                        <a:schemeClr val="lt1"/>
                       </a:solidFill>
                       <a:prstDash val="solid"/>
                       <a:round/>
@@ -26784,7 +26828,7 @@
                     </a:lnT>
                     <a:lnB cap="flat" cmpd="sng" w="9525">
                       <a:solidFill>
-                        <a:schemeClr val="dk1"/>
+                        <a:schemeClr val="lt1"/>
                       </a:solidFill>
                       <a:prstDash val="solid"/>
                       <a:round/>
@@ -26819,7 +26863,7 @@
                   <a:tcPr marT="0" marB="0" marR="91425" marL="91425" anchor="ctr">
                     <a:lnL cap="flat" cmpd="sng" w="9525">
                       <a:solidFill>
-                        <a:schemeClr val="dk1"/>
+                        <a:schemeClr val="lt1"/>
                       </a:solidFill>
                       <a:prstDash val="solid"/>
                       <a:round/>
@@ -26828,7 +26872,7 @@
                     </a:lnL>
                     <a:lnR cap="flat" cmpd="sng" w="9525">
                       <a:solidFill>
-                        <a:schemeClr val="dk1"/>
+                        <a:schemeClr val="lt1"/>
                       </a:solidFill>
                       <a:prstDash val="solid"/>
                       <a:round/>
@@ -26837,7 +26881,7 @@
                     </a:lnR>
                     <a:lnT cap="flat" cmpd="sng" w="9525">
                       <a:solidFill>
-                        <a:schemeClr val="dk1"/>
+                        <a:schemeClr val="lt1"/>
                       </a:solidFill>
                       <a:prstDash val="solid"/>
                       <a:round/>
@@ -26846,7 +26890,7 @@
                     </a:lnT>
                     <a:lnB cap="flat" cmpd="sng" w="9525">
                       <a:solidFill>
-                        <a:schemeClr val="dk1"/>
+                        <a:schemeClr val="lt1"/>
                       </a:solidFill>
                       <a:prstDash val="solid"/>
                       <a:round/>
@@ -26881,7 +26925,7 @@
                   <a:tcPr marT="0" marB="0" marR="91425" marL="91425" anchor="ctr">
                     <a:lnL cap="flat" cmpd="sng" w="9525">
                       <a:solidFill>
-                        <a:schemeClr val="dk1"/>
+                        <a:schemeClr val="lt1"/>
                       </a:solidFill>
                       <a:prstDash val="solid"/>
                       <a:round/>
@@ -26890,7 +26934,7 @@
                     </a:lnL>
                     <a:lnR cap="flat" cmpd="sng" w="9525">
                       <a:solidFill>
-                        <a:schemeClr val="dk1"/>
+                        <a:schemeClr val="lt1"/>
                       </a:solidFill>
                       <a:prstDash val="solid"/>
                       <a:round/>
@@ -26899,7 +26943,7 @@
                     </a:lnR>
                     <a:lnT cap="flat" cmpd="sng" w="9525">
                       <a:solidFill>
-                        <a:schemeClr val="dk1"/>
+                        <a:schemeClr val="lt1"/>
                       </a:solidFill>
                       <a:prstDash val="solid"/>
                       <a:round/>
@@ -26908,7 +26952,7 @@
                     </a:lnT>
                     <a:lnB cap="flat" cmpd="sng" w="9525">
                       <a:solidFill>
-                        <a:schemeClr val="dk1"/>
+                        <a:schemeClr val="lt1"/>
                       </a:solidFill>
                       <a:prstDash val="solid"/>
                       <a:round/>
@@ -26945,7 +26989,7 @@
                   <a:tcPr marT="0" marB="0" marR="91425" marL="91425" anchor="ctr">
                     <a:lnL cap="flat" cmpd="sng" w="9525">
                       <a:solidFill>
-                        <a:schemeClr val="dk1"/>
+                        <a:schemeClr val="lt1"/>
                       </a:solidFill>
                       <a:prstDash val="solid"/>
                       <a:round/>
@@ -26954,7 +26998,7 @@
                     </a:lnL>
                     <a:lnR cap="flat" cmpd="sng" w="9525">
                       <a:solidFill>
-                        <a:schemeClr val="dk1"/>
+                        <a:schemeClr val="lt1"/>
                       </a:solidFill>
                       <a:prstDash val="solid"/>
                       <a:round/>
@@ -26963,7 +27007,7 @@
                     </a:lnR>
                     <a:lnT cap="flat" cmpd="sng" w="9525">
                       <a:solidFill>
-                        <a:schemeClr val="dk1"/>
+                        <a:schemeClr val="lt1"/>
                       </a:solidFill>
                       <a:prstDash val="solid"/>
                       <a:round/>
@@ -26972,7 +27016,7 @@
                     </a:lnT>
                     <a:lnB cap="flat" cmpd="sng" w="9525">
                       <a:solidFill>
-                        <a:schemeClr val="dk1"/>
+                        <a:schemeClr val="lt1"/>
                       </a:solidFill>
                       <a:prstDash val="solid"/>
                       <a:round/>
@@ -26980,7 +27024,7 @@
                       <a:tailEnd len="sm" w="sm" type="none"/>
                     </a:lnB>
                     <a:solidFill>
-                      <a:schemeClr val="lt2"/>
+                      <a:schemeClr val="accent1"/>
                     </a:solidFill>
                   </a:tcPr>
                 </a:tc>
@@ -27007,7 +27051,7 @@
                   <a:tcPr marT="0" marB="0" marR="91425" marL="91425" anchor="ctr">
                     <a:lnL cap="flat" cmpd="sng" w="9525">
                       <a:solidFill>
-                        <a:schemeClr val="dk1"/>
+                        <a:schemeClr val="lt1"/>
                       </a:solidFill>
                       <a:prstDash val="solid"/>
                       <a:round/>
@@ -27016,7 +27060,7 @@
                     </a:lnL>
                     <a:lnR cap="flat" cmpd="sng" w="9525">
                       <a:solidFill>
-                        <a:schemeClr val="dk1"/>
+                        <a:schemeClr val="lt1"/>
                       </a:solidFill>
                       <a:prstDash val="solid"/>
                       <a:round/>
@@ -27025,7 +27069,7 @@
                     </a:lnR>
                     <a:lnT cap="flat" cmpd="sng" w="9525">
                       <a:solidFill>
-                        <a:schemeClr val="dk1"/>
+                        <a:schemeClr val="lt1"/>
                       </a:solidFill>
                       <a:prstDash val="solid"/>
                       <a:round/>
@@ -27034,7 +27078,7 @@
                     </a:lnT>
                     <a:lnB cap="flat" cmpd="sng" w="9525">
                       <a:solidFill>
-                        <a:schemeClr val="dk1"/>
+                        <a:schemeClr val="lt1"/>
                       </a:solidFill>
                       <a:prstDash val="solid"/>
                       <a:round/>
@@ -27042,7 +27086,7 @@
                       <a:tailEnd len="sm" w="sm" type="none"/>
                     </a:lnB>
                     <a:solidFill>
-                      <a:schemeClr val="lt2"/>
+                      <a:schemeClr val="accent1"/>
                     </a:solidFill>
                   </a:tcPr>
                 </a:tc>
@@ -27070,7 +27114,7 @@
                   <a:tcPr marT="0" marB="0" marR="91425" marL="91425" anchor="ctr">
                     <a:lnL cap="flat" cmpd="sng" w="9525">
                       <a:solidFill>
-                        <a:schemeClr val="dk1"/>
+                        <a:schemeClr val="lt1"/>
                       </a:solidFill>
                       <a:prstDash val="solid"/>
                       <a:round/>
@@ -27079,7 +27123,7 @@
                     </a:lnL>
                     <a:lnR cap="flat" cmpd="sng" w="9525">
                       <a:solidFill>
-                        <a:schemeClr val="dk1"/>
+                        <a:schemeClr val="lt1"/>
                       </a:solidFill>
                       <a:prstDash val="solid"/>
                       <a:round/>
@@ -27088,7 +27132,7 @@
                     </a:lnR>
                     <a:lnT cap="flat" cmpd="sng" w="9525">
                       <a:solidFill>
-                        <a:schemeClr val="dk1"/>
+                        <a:schemeClr val="lt1"/>
                       </a:solidFill>
                       <a:prstDash val="solid"/>
                       <a:round/>
@@ -27097,7 +27141,7 @@
                     </a:lnT>
                     <a:lnB cap="flat" cmpd="sng" w="9525">
                       <a:solidFill>
-                        <a:schemeClr val="dk1"/>
+                        <a:schemeClr val="lt1"/>
                       </a:solidFill>
                       <a:prstDash val="solid"/>
                       <a:round/>
@@ -27105,7 +27149,7 @@
                       <a:tailEnd len="sm" w="sm" type="none"/>
                     </a:lnB>
                     <a:solidFill>
-                      <a:schemeClr val="lt2"/>
+                      <a:schemeClr val="accent1"/>
                     </a:solidFill>
                   </a:tcPr>
                 </a:tc>
@@ -27132,7 +27176,7 @@
                   <a:tcPr marT="0" marB="0" marR="91425" marL="91425" anchor="ctr">
                     <a:lnL cap="flat" cmpd="sng" w="9525">
                       <a:solidFill>
-                        <a:schemeClr val="dk1"/>
+                        <a:schemeClr val="lt1"/>
                       </a:solidFill>
                       <a:prstDash val="solid"/>
                       <a:round/>
@@ -27141,7 +27185,7 @@
                     </a:lnL>
                     <a:lnR cap="flat" cmpd="sng" w="9525">
                       <a:solidFill>
-                        <a:schemeClr val="dk1"/>
+                        <a:schemeClr val="lt1"/>
                       </a:solidFill>
                       <a:prstDash val="solid"/>
                       <a:round/>
@@ -27150,7 +27194,7 @@
                     </a:lnR>
                     <a:lnT cap="flat" cmpd="sng" w="9525">
                       <a:solidFill>
-                        <a:schemeClr val="dk1"/>
+                        <a:schemeClr val="lt1"/>
                       </a:solidFill>
                       <a:prstDash val="solid"/>
                       <a:round/>
@@ -27159,7 +27203,7 @@
                     </a:lnT>
                     <a:lnB cap="flat" cmpd="sng" w="9525">
                       <a:solidFill>
-                        <a:schemeClr val="dk1"/>
+                        <a:schemeClr val="lt1"/>
                       </a:solidFill>
                       <a:prstDash val="solid"/>
                       <a:round/>
@@ -27167,7 +27211,7 @@
                       <a:tailEnd len="sm" w="sm" type="none"/>
                     </a:lnB>
                     <a:solidFill>
-                      <a:schemeClr val="lt2"/>
+                      <a:schemeClr val="accent1"/>
                     </a:solidFill>
                   </a:tcPr>
                 </a:tc>
@@ -27194,7 +27238,7 @@
                   <a:tcPr marT="0" marB="0" marR="91425" marL="91425" anchor="ctr">
                     <a:lnL cap="flat" cmpd="sng" w="9525">
                       <a:solidFill>
-                        <a:schemeClr val="dk1"/>
+                        <a:schemeClr val="lt1"/>
                       </a:solidFill>
                       <a:prstDash val="solid"/>
                       <a:round/>
@@ -27203,7 +27247,7 @@
                     </a:lnL>
                     <a:lnR cap="flat" cmpd="sng" w="9525">
                       <a:solidFill>
-                        <a:schemeClr val="dk1"/>
+                        <a:schemeClr val="lt1"/>
                       </a:solidFill>
                       <a:prstDash val="solid"/>
                       <a:round/>
@@ -27212,7 +27256,7 @@
                     </a:lnR>
                     <a:lnT cap="flat" cmpd="sng" w="9525">
                       <a:solidFill>
-                        <a:schemeClr val="dk1"/>
+                        <a:schemeClr val="lt1"/>
                       </a:solidFill>
                       <a:prstDash val="solid"/>
                       <a:round/>
@@ -27221,7 +27265,7 @@
                     </a:lnT>
                     <a:lnB cap="flat" cmpd="sng" w="9525">
                       <a:solidFill>
-                        <a:schemeClr val="dk1"/>
+                        <a:schemeClr val="lt1"/>
                       </a:solidFill>
                       <a:prstDash val="solid"/>
                       <a:round/>
@@ -27229,7 +27273,7 @@
                       <a:tailEnd len="sm" w="sm" type="none"/>
                     </a:lnB>
                     <a:solidFill>
-                      <a:schemeClr val="lt2"/>
+                      <a:schemeClr val="accent1"/>
                     </a:solidFill>
                   </a:tcPr>
                 </a:tc>
@@ -27256,7 +27300,7 @@
                   <a:tcPr marT="0" marB="0" marR="91425" marL="91425" anchor="ctr">
                     <a:lnL cap="flat" cmpd="sng" w="9525">
                       <a:solidFill>
-                        <a:schemeClr val="dk1"/>
+                        <a:schemeClr val="lt1"/>
                       </a:solidFill>
                       <a:prstDash val="solid"/>
                       <a:round/>
@@ -27265,7 +27309,7 @@
                     </a:lnL>
                     <a:lnR cap="flat" cmpd="sng" w="9525">
                       <a:solidFill>
-                        <a:schemeClr val="dk1"/>
+                        <a:schemeClr val="lt1"/>
                       </a:solidFill>
                       <a:prstDash val="solid"/>
                       <a:round/>
@@ -27274,7 +27318,7 @@
                     </a:lnR>
                     <a:lnT cap="flat" cmpd="sng" w="9525">
                       <a:solidFill>
-                        <a:schemeClr val="dk1"/>
+                        <a:schemeClr val="lt1"/>
                       </a:solidFill>
                       <a:prstDash val="solid"/>
                       <a:round/>
@@ -27283,7 +27327,7 @@
                     </a:lnT>
                     <a:lnB cap="flat" cmpd="sng" w="9525">
                       <a:solidFill>
-                        <a:schemeClr val="dk1"/>
+                        <a:schemeClr val="lt1"/>
                       </a:solidFill>
                       <a:prstDash val="solid"/>
                       <a:round/>
@@ -27291,7 +27335,7 @@
                       <a:tailEnd len="sm" w="sm" type="none"/>
                     </a:lnB>
                     <a:solidFill>
-                      <a:schemeClr val="lt2"/>
+                      <a:schemeClr val="accent1"/>
                     </a:solidFill>
                   </a:tcPr>
                 </a:tc>
@@ -27318,7 +27362,7 @@
                   <a:tcPr marT="0" marB="0" marR="91425" marL="91425" anchor="ctr">
                     <a:lnL cap="flat" cmpd="sng" w="9525">
                       <a:solidFill>
-                        <a:schemeClr val="dk1"/>
+                        <a:schemeClr val="lt1"/>
                       </a:solidFill>
                       <a:prstDash val="solid"/>
                       <a:round/>
@@ -27327,7 +27371,7 @@
                     </a:lnL>
                     <a:lnR cap="flat" cmpd="sng" w="9525">
                       <a:solidFill>
-                        <a:schemeClr val="dk1"/>
+                        <a:schemeClr val="lt1"/>
                       </a:solidFill>
                       <a:prstDash val="solid"/>
                       <a:round/>
@@ -27336,7 +27380,7 @@
                     </a:lnR>
                     <a:lnT cap="flat" cmpd="sng" w="9525">
                       <a:solidFill>
-                        <a:schemeClr val="dk1"/>
+                        <a:schemeClr val="lt1"/>
                       </a:solidFill>
                       <a:prstDash val="solid"/>
                       <a:round/>
@@ -27345,7 +27389,7 @@
                     </a:lnT>
                     <a:lnB cap="flat" cmpd="sng" w="9525">
                       <a:solidFill>
-                        <a:schemeClr val="dk1"/>
+                        <a:schemeClr val="lt1"/>
                       </a:solidFill>
                       <a:prstDash val="solid"/>
                       <a:round/>
@@ -27353,7 +27397,7 @@
                       <a:tailEnd len="sm" w="sm" type="none"/>
                     </a:lnB>
                     <a:solidFill>
-                      <a:schemeClr val="lt2"/>
+                      <a:schemeClr val="accent1"/>
                     </a:solidFill>
                   </a:tcPr>
                 </a:tc>
@@ -27380,7 +27424,7 @@
                   <a:tcPr marT="0" marB="0" marR="91425" marL="91425" anchor="ctr">
                     <a:lnL cap="flat" cmpd="sng" w="9525">
                       <a:solidFill>
-                        <a:schemeClr val="dk1"/>
+                        <a:schemeClr val="lt1"/>
                       </a:solidFill>
                       <a:prstDash val="solid"/>
                       <a:round/>
@@ -27389,7 +27433,7 @@
                     </a:lnL>
                     <a:lnR cap="flat" cmpd="sng" w="9525">
                       <a:solidFill>
-                        <a:schemeClr val="dk1"/>
+                        <a:schemeClr val="lt1"/>
                       </a:solidFill>
                       <a:prstDash val="solid"/>
                       <a:round/>
@@ -27398,7 +27442,7 @@
                     </a:lnR>
                     <a:lnT cap="flat" cmpd="sng" w="9525">
                       <a:solidFill>
-                        <a:schemeClr val="dk1"/>
+                        <a:schemeClr val="lt1"/>
                       </a:solidFill>
                       <a:prstDash val="solid"/>
                       <a:round/>
@@ -27407,7 +27451,7 @@
                     </a:lnT>
                     <a:lnB cap="flat" cmpd="sng" w="9525">
                       <a:solidFill>
-                        <a:schemeClr val="dk1"/>
+                        <a:schemeClr val="lt1"/>
                       </a:solidFill>
                       <a:prstDash val="solid"/>
                       <a:round/>
@@ -27415,7 +27459,7 @@
                       <a:tailEnd len="sm" w="sm" type="none"/>
                     </a:lnB>
                     <a:solidFill>
-                      <a:schemeClr val="lt2"/>
+                      <a:schemeClr val="accent1"/>
                     </a:solidFill>
                   </a:tcPr>
                 </a:tc>
@@ -27444,7 +27488,7 @@
                   <a:tcPr marT="0" marB="0" marR="91425" marL="91425" anchor="ctr">
                     <a:lnL cap="flat" cmpd="sng" w="9525">
                       <a:solidFill>
-                        <a:schemeClr val="dk1"/>
+                        <a:schemeClr val="lt1"/>
                       </a:solidFill>
                       <a:prstDash val="solid"/>
                       <a:round/>
@@ -27453,7 +27497,7 @@
                     </a:lnL>
                     <a:lnR cap="flat" cmpd="sng" w="9525">
                       <a:solidFill>
-                        <a:schemeClr val="dk1"/>
+                        <a:schemeClr val="lt1"/>
                       </a:solidFill>
                       <a:prstDash val="solid"/>
                       <a:round/>
@@ -27462,7 +27506,7 @@
                     </a:lnR>
                     <a:lnT cap="flat" cmpd="sng" w="9525">
                       <a:solidFill>
-                        <a:schemeClr val="dk1"/>
+                        <a:schemeClr val="lt1"/>
                       </a:solidFill>
                       <a:prstDash val="solid"/>
                       <a:round/>
@@ -27471,7 +27515,7 @@
                     </a:lnT>
                     <a:lnB cap="flat" cmpd="sng" w="9525">
                       <a:solidFill>
-                        <a:schemeClr val="dk1"/>
+                        <a:schemeClr val="lt1"/>
                       </a:solidFill>
                       <a:prstDash val="solid"/>
                       <a:round/>
@@ -27506,7 +27550,7 @@
                   <a:tcPr marT="0" marB="0" marR="91425" marL="91425" anchor="ctr">
                     <a:lnL cap="flat" cmpd="sng" w="9525">
                       <a:solidFill>
-                        <a:schemeClr val="dk1"/>
+                        <a:schemeClr val="lt1"/>
                       </a:solidFill>
                       <a:prstDash val="solid"/>
                       <a:round/>
@@ -27515,7 +27559,7 @@
                     </a:lnL>
                     <a:lnR cap="flat" cmpd="sng" w="9525">
                       <a:solidFill>
-                        <a:schemeClr val="dk1"/>
+                        <a:schemeClr val="lt1"/>
                       </a:solidFill>
                       <a:prstDash val="solid"/>
                       <a:round/>
@@ -27524,7 +27568,7 @@
                     </a:lnR>
                     <a:lnT cap="flat" cmpd="sng" w="9525">
                       <a:solidFill>
-                        <a:schemeClr val="dk1"/>
+                        <a:schemeClr val="lt1"/>
                       </a:solidFill>
                       <a:prstDash val="solid"/>
                       <a:round/>
@@ -27533,7 +27577,7 @@
                     </a:lnT>
                     <a:lnB cap="flat" cmpd="sng" w="9525">
                       <a:solidFill>
-                        <a:schemeClr val="dk1"/>
+                        <a:schemeClr val="lt1"/>
                       </a:solidFill>
                       <a:prstDash val="solid"/>
                       <a:round/>
@@ -27568,7 +27612,7 @@
                   <a:tcPr marT="0" marB="0" marR="91425" marL="91425" anchor="ctr">
                     <a:lnL cap="flat" cmpd="sng" w="9525">
                       <a:solidFill>
-                        <a:schemeClr val="dk1"/>
+                        <a:schemeClr val="lt1"/>
                       </a:solidFill>
                       <a:prstDash val="solid"/>
                       <a:round/>
@@ -27577,7 +27621,7 @@
                     </a:lnL>
                     <a:lnR cap="flat" cmpd="sng" w="9525">
                       <a:solidFill>
-                        <a:schemeClr val="dk1"/>
+                        <a:schemeClr val="lt1"/>
                       </a:solidFill>
                       <a:prstDash val="solid"/>
                       <a:round/>
@@ -27586,7 +27630,7 @@
                     </a:lnR>
                     <a:lnT cap="flat" cmpd="sng" w="9525">
                       <a:solidFill>
-                        <a:schemeClr val="dk1"/>
+                        <a:schemeClr val="lt1"/>
                       </a:solidFill>
                       <a:prstDash val="solid"/>
                       <a:round/>
@@ -27595,7 +27639,7 @@
                     </a:lnT>
                     <a:lnB cap="flat" cmpd="sng" w="9525">
                       <a:solidFill>
-                        <a:schemeClr val="dk1"/>
+                        <a:schemeClr val="lt1"/>
                       </a:solidFill>
                       <a:prstDash val="solid"/>
                       <a:round/>
@@ -27631,7 +27675,7 @@
                   <a:tcPr marT="0" marB="0" marR="91425" marL="91425" anchor="ctr">
                     <a:lnL cap="flat" cmpd="sng" w="9525">
                       <a:solidFill>
-                        <a:schemeClr val="dk1"/>
+                        <a:schemeClr val="lt1"/>
                       </a:solidFill>
                       <a:prstDash val="solid"/>
                       <a:round/>
@@ -27640,7 +27684,7 @@
                     </a:lnL>
                     <a:lnR cap="flat" cmpd="sng" w="9525">
                       <a:solidFill>
-                        <a:schemeClr val="dk1"/>
+                        <a:schemeClr val="lt1"/>
                       </a:solidFill>
                       <a:prstDash val="solid"/>
                       <a:round/>
@@ -27649,7 +27693,7 @@
                     </a:lnR>
                     <a:lnT cap="flat" cmpd="sng" w="9525">
                       <a:solidFill>
-                        <a:schemeClr val="dk1"/>
+                        <a:schemeClr val="lt1"/>
                       </a:solidFill>
                       <a:prstDash val="solid"/>
                       <a:round/>
@@ -27658,7 +27702,7 @@
                     </a:lnT>
                     <a:lnB cap="flat" cmpd="sng" w="9525">
                       <a:solidFill>
-                        <a:schemeClr val="dk1"/>
+                        <a:schemeClr val="lt1"/>
                       </a:solidFill>
                       <a:prstDash val="solid"/>
                       <a:round/>
@@ -27694,7 +27738,7 @@
                   <a:tcPr marT="0" marB="0" marR="91425" marL="91425" anchor="ctr">
                     <a:lnL cap="flat" cmpd="sng" w="9525">
                       <a:solidFill>
-                        <a:schemeClr val="dk1"/>
+                        <a:schemeClr val="lt1"/>
                       </a:solidFill>
                       <a:prstDash val="solid"/>
                       <a:round/>
@@ -27703,7 +27747,7 @@
                     </a:lnL>
                     <a:lnR cap="flat" cmpd="sng" w="9525">
                       <a:solidFill>
-                        <a:schemeClr val="dk1"/>
+                        <a:schemeClr val="lt1"/>
                       </a:solidFill>
                       <a:prstDash val="solid"/>
                       <a:round/>
@@ -27712,7 +27756,7 @@
                     </a:lnR>
                     <a:lnT cap="flat" cmpd="sng" w="9525">
                       <a:solidFill>
-                        <a:schemeClr val="dk1"/>
+                        <a:schemeClr val="lt1"/>
                       </a:solidFill>
                       <a:prstDash val="solid"/>
                       <a:round/>
@@ -27721,7 +27765,7 @@
                     </a:lnT>
                     <a:lnB cap="flat" cmpd="sng" w="9525">
                       <a:solidFill>
-                        <a:schemeClr val="dk1"/>
+                        <a:schemeClr val="lt1"/>
                       </a:solidFill>
                       <a:prstDash val="solid"/>
                       <a:round/>
@@ -27756,7 +27800,7 @@
                   <a:tcPr marT="0" marB="0" marR="91425" marL="91425" anchor="ctr">
                     <a:lnL cap="flat" cmpd="sng" w="9525">
                       <a:solidFill>
-                        <a:schemeClr val="dk1"/>
+                        <a:schemeClr val="lt1"/>
                       </a:solidFill>
                       <a:prstDash val="solid"/>
                       <a:round/>
@@ -27765,7 +27809,7 @@
                     </a:lnL>
                     <a:lnR cap="flat" cmpd="sng" w="9525">
                       <a:solidFill>
-                        <a:schemeClr val="dk1"/>
+                        <a:schemeClr val="lt1"/>
                       </a:solidFill>
                       <a:prstDash val="solid"/>
                       <a:round/>
@@ -27774,7 +27818,7 @@
                     </a:lnR>
                     <a:lnT cap="flat" cmpd="sng" w="9525">
                       <a:solidFill>
-                        <a:schemeClr val="dk1"/>
+                        <a:schemeClr val="lt1"/>
                       </a:solidFill>
                       <a:prstDash val="solid"/>
                       <a:round/>
@@ -27783,7 +27827,7 @@
                     </a:lnT>
                     <a:lnB cap="flat" cmpd="sng" w="9525">
                       <a:solidFill>
-                        <a:schemeClr val="dk1"/>
+                        <a:schemeClr val="lt1"/>
                       </a:solidFill>
                       <a:prstDash val="solid"/>
                       <a:round/>
@@ -27819,7 +27863,7 @@
                   <a:tcPr marT="0" marB="0" marR="91425" marL="91425" anchor="ctr">
                     <a:lnL cap="flat" cmpd="sng" w="9525">
                       <a:solidFill>
-                        <a:schemeClr val="dk1"/>
+                        <a:schemeClr val="lt1"/>
                       </a:solidFill>
                       <a:prstDash val="solid"/>
                       <a:round/>
@@ -27828,7 +27872,7 @@
                     </a:lnL>
                     <a:lnR cap="flat" cmpd="sng" w="9525">
                       <a:solidFill>
-                        <a:schemeClr val="dk1"/>
+                        <a:schemeClr val="lt1"/>
                       </a:solidFill>
                       <a:prstDash val="solid"/>
                       <a:round/>
@@ -27837,7 +27881,7 @@
                     </a:lnR>
                     <a:lnT cap="flat" cmpd="sng" w="9525">
                       <a:solidFill>
-                        <a:schemeClr val="dk1"/>
+                        <a:schemeClr val="lt1"/>
                       </a:solidFill>
                       <a:prstDash val="solid"/>
                       <a:round/>
@@ -27846,7 +27890,7 @@
                     </a:lnT>
                     <a:lnB cap="flat" cmpd="sng" w="9525">
                       <a:solidFill>
-                        <a:schemeClr val="dk1"/>
+                        <a:schemeClr val="lt1"/>
                       </a:solidFill>
                       <a:prstDash val="solid"/>
                       <a:round/>
@@ -27881,7 +27925,7 @@
                   <a:tcPr marT="0" marB="0" marR="91425" marL="91425" anchor="ctr">
                     <a:lnL cap="flat" cmpd="sng" w="9525">
                       <a:solidFill>
-                        <a:schemeClr val="dk1"/>
+                        <a:schemeClr val="lt1"/>
                       </a:solidFill>
                       <a:prstDash val="solid"/>
                       <a:round/>
@@ -27890,7 +27934,7 @@
                     </a:lnL>
                     <a:lnR cap="flat" cmpd="sng" w="9525">
                       <a:solidFill>
-                        <a:schemeClr val="dk1"/>
+                        <a:schemeClr val="lt1"/>
                       </a:solidFill>
                       <a:prstDash val="solid"/>
                       <a:round/>
@@ -27899,7 +27943,7 @@
                     </a:lnR>
                     <a:lnT cap="flat" cmpd="sng" w="9525">
                       <a:solidFill>
-                        <a:schemeClr val="dk1"/>
+                        <a:schemeClr val="lt1"/>
                       </a:solidFill>
                       <a:prstDash val="solid"/>
                       <a:round/>
@@ -27908,7 +27952,7 @@
                     </a:lnT>
                     <a:lnB cap="flat" cmpd="sng" w="9525">
                       <a:solidFill>
-                        <a:schemeClr val="dk1"/>
+                        <a:schemeClr val="lt1"/>
                       </a:solidFill>
                       <a:prstDash val="solid"/>
                       <a:round/>
@@ -27945,7 +27989,7 @@
                   <a:tcPr marT="0" marB="0" marR="91425" marL="91425" anchor="ctr">
                     <a:lnL cap="flat" cmpd="sng" w="9525">
                       <a:solidFill>
-                        <a:schemeClr val="dk1"/>
+                        <a:schemeClr val="lt1"/>
                       </a:solidFill>
                       <a:prstDash val="solid"/>
                       <a:round/>
@@ -27954,7 +27998,7 @@
                     </a:lnL>
                     <a:lnR cap="flat" cmpd="sng" w="9525">
                       <a:solidFill>
-                        <a:schemeClr val="dk1"/>
+                        <a:schemeClr val="lt1"/>
                       </a:solidFill>
                       <a:prstDash val="solid"/>
                       <a:round/>
@@ -27963,7 +28007,7 @@
                     </a:lnR>
                     <a:lnT cap="flat" cmpd="sng" w="9525">
                       <a:solidFill>
-                        <a:schemeClr val="dk1"/>
+                        <a:schemeClr val="lt1"/>
                       </a:solidFill>
                       <a:prstDash val="solid"/>
                       <a:round/>
@@ -27972,7 +28016,7 @@
                     </a:lnT>
                     <a:lnB cap="flat" cmpd="sng" w="9525">
                       <a:solidFill>
-                        <a:schemeClr val="dk1"/>
+                        <a:schemeClr val="lt1"/>
                       </a:solidFill>
                       <a:prstDash val="solid"/>
                       <a:round/>
@@ -27980,7 +28024,7 @@
                       <a:tailEnd len="sm" w="sm" type="none"/>
                     </a:lnB>
                     <a:solidFill>
-                      <a:schemeClr val="lt2"/>
+                      <a:schemeClr val="accent1"/>
                     </a:solidFill>
                   </a:tcPr>
                 </a:tc>
@@ -28007,7 +28051,7 @@
                   <a:tcPr marT="0" marB="0" marR="91425" marL="91425" anchor="ctr">
                     <a:lnL cap="flat" cmpd="sng" w="9525">
                       <a:solidFill>
-                        <a:schemeClr val="dk1"/>
+                        <a:schemeClr val="lt1"/>
                       </a:solidFill>
                       <a:prstDash val="solid"/>
                       <a:round/>
@@ -28016,7 +28060,7 @@
                     </a:lnL>
                     <a:lnR cap="flat" cmpd="sng" w="9525">
                       <a:solidFill>
-                        <a:schemeClr val="dk1"/>
+                        <a:schemeClr val="lt1"/>
                       </a:solidFill>
                       <a:prstDash val="solid"/>
                       <a:round/>
@@ -28025,7 +28069,7 @@
                     </a:lnR>
                     <a:lnT cap="flat" cmpd="sng" w="9525">
                       <a:solidFill>
-                        <a:schemeClr val="dk1"/>
+                        <a:schemeClr val="lt1"/>
                       </a:solidFill>
                       <a:prstDash val="solid"/>
                       <a:round/>
@@ -28034,7 +28078,7 @@
                     </a:lnT>
                     <a:lnB cap="flat" cmpd="sng" w="9525">
                       <a:solidFill>
-                        <a:schemeClr val="dk1"/>
+                        <a:schemeClr val="lt1"/>
                       </a:solidFill>
                       <a:prstDash val="solid"/>
                       <a:round/>
@@ -28042,7 +28086,7 @@
                       <a:tailEnd len="sm" w="sm" type="none"/>
                     </a:lnB>
                     <a:solidFill>
-                      <a:schemeClr val="lt2"/>
+                      <a:schemeClr val="accent1"/>
                     </a:solidFill>
                   </a:tcPr>
                 </a:tc>
@@ -28069,7 +28113,7 @@
                   <a:tcPr marT="0" marB="0" marR="91425" marL="91425" anchor="ctr">
                     <a:lnL cap="flat" cmpd="sng" w="9525">
                       <a:solidFill>
-                        <a:schemeClr val="dk1"/>
+                        <a:schemeClr val="lt1"/>
                       </a:solidFill>
                       <a:prstDash val="solid"/>
                       <a:round/>
@@ -28078,7 +28122,7 @@
                     </a:lnL>
                     <a:lnR cap="flat" cmpd="sng" w="9525">
                       <a:solidFill>
-                        <a:schemeClr val="dk1"/>
+                        <a:schemeClr val="lt1"/>
                       </a:solidFill>
                       <a:prstDash val="solid"/>
                       <a:round/>
@@ -28087,7 +28131,7 @@
                     </a:lnR>
                     <a:lnT cap="flat" cmpd="sng" w="9525">
                       <a:solidFill>
-                        <a:schemeClr val="dk1"/>
+                        <a:schemeClr val="lt1"/>
                       </a:solidFill>
                       <a:prstDash val="solid"/>
                       <a:round/>
@@ -28096,7 +28140,7 @@
                     </a:lnT>
                     <a:lnB cap="flat" cmpd="sng" w="9525">
                       <a:solidFill>
-                        <a:schemeClr val="dk1"/>
+                        <a:schemeClr val="lt1"/>
                       </a:solidFill>
                       <a:prstDash val="solid"/>
                       <a:round/>
@@ -28104,7 +28148,7 @@
                       <a:tailEnd len="sm" w="sm" type="none"/>
                     </a:lnB>
                     <a:solidFill>
-                      <a:schemeClr val="lt2"/>
+                      <a:schemeClr val="accent1"/>
                     </a:solidFill>
                   </a:tcPr>
                 </a:tc>
@@ -28132,7 +28176,7 @@
                   <a:tcPr marT="0" marB="0" marR="91425" marL="91425" anchor="ctr">
                     <a:lnL cap="flat" cmpd="sng" w="9525">
                       <a:solidFill>
-                        <a:schemeClr val="dk1"/>
+                        <a:schemeClr val="lt1"/>
                       </a:solidFill>
                       <a:prstDash val="solid"/>
                       <a:round/>
@@ -28141,7 +28185,7 @@
                     </a:lnL>
                     <a:lnR cap="flat" cmpd="sng" w="9525">
                       <a:solidFill>
-                        <a:schemeClr val="dk1"/>
+                        <a:schemeClr val="lt1"/>
                       </a:solidFill>
                       <a:prstDash val="solid"/>
                       <a:round/>
@@ -28150,7 +28194,7 @@
                     </a:lnR>
                     <a:lnT cap="flat" cmpd="sng" w="9525">
                       <a:solidFill>
-                        <a:schemeClr val="dk1"/>
+                        <a:schemeClr val="lt1"/>
                       </a:solidFill>
                       <a:prstDash val="solid"/>
                       <a:round/>
@@ -28159,7 +28203,7 @@
                     </a:lnT>
                     <a:lnB cap="flat" cmpd="sng" w="9525">
                       <a:solidFill>
-                        <a:schemeClr val="dk1"/>
+                        <a:schemeClr val="lt1"/>
                       </a:solidFill>
                       <a:prstDash val="solid"/>
                       <a:round/>
@@ -28167,7 +28211,7 @@
                       <a:tailEnd len="sm" w="sm" type="none"/>
                     </a:lnB>
                     <a:solidFill>
-                      <a:schemeClr val="lt2"/>
+                      <a:schemeClr val="accent1"/>
                     </a:solidFill>
                   </a:tcPr>
                 </a:tc>
@@ -28195,7 +28239,7 @@
                   <a:tcPr marT="0" marB="0" marR="91425" marL="91425" anchor="ctr">
                     <a:lnL cap="flat" cmpd="sng" w="9525">
                       <a:solidFill>
-                        <a:schemeClr val="dk1"/>
+                        <a:schemeClr val="lt1"/>
                       </a:solidFill>
                       <a:prstDash val="solid"/>
                       <a:round/>
@@ -28204,7 +28248,7 @@
                     </a:lnL>
                     <a:lnR cap="flat" cmpd="sng" w="9525">
                       <a:solidFill>
-                        <a:schemeClr val="dk1"/>
+                        <a:schemeClr val="lt1"/>
                       </a:solidFill>
                       <a:prstDash val="solid"/>
                       <a:round/>
@@ -28213,7 +28257,7 @@
                     </a:lnR>
                     <a:lnT cap="flat" cmpd="sng" w="9525">
                       <a:solidFill>
-                        <a:schemeClr val="dk1"/>
+                        <a:schemeClr val="lt1"/>
                       </a:solidFill>
                       <a:prstDash val="solid"/>
                       <a:round/>
@@ -28222,7 +28266,7 @@
                     </a:lnT>
                     <a:lnB cap="flat" cmpd="sng" w="9525">
                       <a:solidFill>
-                        <a:schemeClr val="dk1"/>
+                        <a:schemeClr val="lt1"/>
                       </a:solidFill>
                       <a:prstDash val="solid"/>
                       <a:round/>
@@ -28230,7 +28274,7 @@
                       <a:tailEnd len="sm" w="sm" type="none"/>
                     </a:lnB>
                     <a:solidFill>
-                      <a:schemeClr val="lt2"/>
+                      <a:schemeClr val="accent1"/>
                     </a:solidFill>
                   </a:tcPr>
                 </a:tc>
@@ -28257,7 +28301,7 @@
                   <a:tcPr marT="0" marB="0" marR="91425" marL="91425" anchor="ctr">
                     <a:lnL cap="flat" cmpd="sng" w="9525">
                       <a:solidFill>
-                        <a:schemeClr val="dk1"/>
+                        <a:schemeClr val="lt1"/>
                       </a:solidFill>
                       <a:prstDash val="solid"/>
                       <a:round/>
@@ -28266,7 +28310,7 @@
                     </a:lnL>
                     <a:lnR cap="flat" cmpd="sng" w="9525">
                       <a:solidFill>
-                        <a:schemeClr val="dk1"/>
+                        <a:schemeClr val="lt1"/>
                       </a:solidFill>
                       <a:prstDash val="solid"/>
                       <a:round/>
@@ -28275,7 +28319,7 @@
                     </a:lnR>
                     <a:lnT cap="flat" cmpd="sng" w="9525">
                       <a:solidFill>
-                        <a:schemeClr val="dk1"/>
+                        <a:schemeClr val="lt1"/>
                       </a:solidFill>
                       <a:prstDash val="solid"/>
                       <a:round/>
@@ -28284,7 +28328,7 @@
                     </a:lnT>
                     <a:lnB cap="flat" cmpd="sng" w="9525">
                       <a:solidFill>
-                        <a:schemeClr val="dk1"/>
+                        <a:schemeClr val="lt1"/>
                       </a:solidFill>
                       <a:prstDash val="solid"/>
                       <a:round/>
@@ -28292,7 +28336,7 @@
                       <a:tailEnd len="sm" w="sm" type="none"/>
                     </a:lnB>
                     <a:solidFill>
-                      <a:schemeClr val="lt2"/>
+                      <a:schemeClr val="accent1"/>
                     </a:solidFill>
                   </a:tcPr>
                 </a:tc>
@@ -28320,7 +28364,7 @@
                   <a:tcPr marT="0" marB="0" marR="91425" marL="91425" anchor="ctr">
                     <a:lnL cap="flat" cmpd="sng" w="9525">
                       <a:solidFill>
-                        <a:schemeClr val="dk1"/>
+                        <a:schemeClr val="lt1"/>
                       </a:solidFill>
                       <a:prstDash val="solid"/>
                       <a:round/>
@@ -28329,7 +28373,7 @@
                     </a:lnL>
                     <a:lnR cap="flat" cmpd="sng" w="9525">
                       <a:solidFill>
-                        <a:schemeClr val="dk1"/>
+                        <a:schemeClr val="lt1"/>
                       </a:solidFill>
                       <a:prstDash val="solid"/>
                       <a:round/>
@@ -28338,7 +28382,7 @@
                     </a:lnR>
                     <a:lnT cap="flat" cmpd="sng" w="9525">
                       <a:solidFill>
-                        <a:schemeClr val="dk1"/>
+                        <a:schemeClr val="lt1"/>
                       </a:solidFill>
                       <a:prstDash val="solid"/>
                       <a:round/>
@@ -28347,7 +28391,7 @@
                     </a:lnT>
                     <a:lnB cap="flat" cmpd="sng" w="9525">
                       <a:solidFill>
-                        <a:schemeClr val="dk1"/>
+                        <a:schemeClr val="lt1"/>
                       </a:solidFill>
                       <a:prstDash val="solid"/>
                       <a:round/>
@@ -28355,7 +28399,7 @@
                       <a:tailEnd len="sm" w="sm" type="none"/>
                     </a:lnB>
                     <a:solidFill>
-                      <a:schemeClr val="lt2"/>
+                      <a:schemeClr val="accent1"/>
                     </a:solidFill>
                   </a:tcPr>
                 </a:tc>
@@ -28382,7 +28426,7 @@
                   <a:tcPr marT="0" marB="0" marR="91425" marL="91425" anchor="ctr">
                     <a:lnL cap="flat" cmpd="sng" w="9525">
                       <a:solidFill>
-                        <a:schemeClr val="dk1"/>
+                        <a:schemeClr val="lt1"/>
                       </a:solidFill>
                       <a:prstDash val="solid"/>
                       <a:round/>
@@ -28391,7 +28435,7 @@
                     </a:lnL>
                     <a:lnR cap="flat" cmpd="sng" w="9525">
                       <a:solidFill>
-                        <a:schemeClr val="dk1"/>
+                        <a:schemeClr val="lt1"/>
                       </a:solidFill>
                       <a:prstDash val="solid"/>
                       <a:round/>
@@ -28400,7 +28444,7 @@
                     </a:lnR>
                     <a:lnT cap="flat" cmpd="sng" w="9525">
                       <a:solidFill>
-                        <a:schemeClr val="dk1"/>
+                        <a:schemeClr val="lt1"/>
                       </a:solidFill>
                       <a:prstDash val="solid"/>
                       <a:round/>
@@ -28409,7 +28453,7 @@
                     </a:lnT>
                     <a:lnB cap="flat" cmpd="sng" w="9525">
                       <a:solidFill>
-                        <a:schemeClr val="dk1"/>
+                        <a:schemeClr val="lt1"/>
                       </a:solidFill>
                       <a:prstDash val="solid"/>
                       <a:round/>
@@ -28417,7 +28461,7 @@
                       <a:tailEnd len="sm" w="sm" type="none"/>
                     </a:lnB>
                     <a:solidFill>
-                      <a:schemeClr val="lt2"/>
+                      <a:schemeClr val="accent1"/>
                     </a:solidFill>
                   </a:tcPr>
                 </a:tc>
@@ -28446,7 +28490,7 @@
                   <a:tcPr marT="0" marB="0" marR="91425" marL="91425" anchor="ctr">
                     <a:lnL cap="flat" cmpd="sng" w="9525">
                       <a:solidFill>
-                        <a:schemeClr val="dk1"/>
+                        <a:schemeClr val="lt1"/>
                       </a:solidFill>
                       <a:prstDash val="solid"/>
                       <a:round/>
@@ -28455,7 +28499,7 @@
                     </a:lnL>
                     <a:lnR cap="flat" cmpd="sng" w="9525">
                       <a:solidFill>
-                        <a:schemeClr val="dk1"/>
+                        <a:schemeClr val="lt1"/>
                       </a:solidFill>
                       <a:prstDash val="solid"/>
                       <a:round/>
@@ -28464,7 +28508,7 @@
                     </a:lnR>
                     <a:lnT cap="flat" cmpd="sng" w="9525">
                       <a:solidFill>
-                        <a:schemeClr val="dk1"/>
+                        <a:schemeClr val="lt1"/>
                       </a:solidFill>
                       <a:prstDash val="solid"/>
                       <a:round/>
@@ -28473,7 +28517,7 @@
                     </a:lnT>
                     <a:lnB cap="flat" cmpd="sng" w="9525">
                       <a:solidFill>
-                        <a:schemeClr val="dk1"/>
+                        <a:schemeClr val="lt1"/>
                       </a:solidFill>
                       <a:prstDash val="solid"/>
                       <a:round/>
@@ -28508,7 +28552,7 @@
                   <a:tcPr marT="0" marB="0" marR="91425" marL="91425" anchor="ctr">
                     <a:lnL cap="flat" cmpd="sng" w="9525">
                       <a:solidFill>
-                        <a:schemeClr val="dk1"/>
+                        <a:schemeClr val="lt1"/>
                       </a:solidFill>
                       <a:prstDash val="solid"/>
                       <a:round/>
@@ -28517,7 +28561,7 @@
                     </a:lnL>
                     <a:lnR cap="flat" cmpd="sng" w="9525">
                       <a:solidFill>
-                        <a:schemeClr val="dk1"/>
+                        <a:schemeClr val="lt1"/>
                       </a:solidFill>
                       <a:prstDash val="solid"/>
                       <a:round/>
@@ -28526,7 +28570,7 @@
                     </a:lnR>
                     <a:lnT cap="flat" cmpd="sng" w="9525">
                       <a:solidFill>
-                        <a:schemeClr val="dk1"/>
+                        <a:schemeClr val="lt1"/>
                       </a:solidFill>
                       <a:prstDash val="solid"/>
                       <a:round/>
@@ -28535,7 +28579,7 @@
                     </a:lnT>
                     <a:lnB cap="flat" cmpd="sng" w="9525">
                       <a:solidFill>
-                        <a:schemeClr val="dk1"/>
+                        <a:schemeClr val="lt1"/>
                       </a:solidFill>
                       <a:prstDash val="solid"/>
                       <a:round/>
@@ -28570,7 +28614,7 @@
                   <a:tcPr marT="0" marB="0" marR="91425" marL="91425" anchor="ctr">
                     <a:lnL cap="flat" cmpd="sng" w="9525">
                       <a:solidFill>
-                        <a:schemeClr val="dk1"/>
+                        <a:schemeClr val="lt1"/>
                       </a:solidFill>
                       <a:prstDash val="solid"/>
                       <a:round/>
@@ -28579,7 +28623,7 @@
                     </a:lnL>
                     <a:lnR cap="flat" cmpd="sng" w="9525">
                       <a:solidFill>
-                        <a:schemeClr val="dk1"/>
+                        <a:schemeClr val="lt1"/>
                       </a:solidFill>
                       <a:prstDash val="solid"/>
                       <a:round/>
@@ -28588,7 +28632,7 @@
                     </a:lnR>
                     <a:lnT cap="flat" cmpd="sng" w="9525">
                       <a:solidFill>
-                        <a:schemeClr val="dk1"/>
+                        <a:schemeClr val="lt1"/>
                       </a:solidFill>
                       <a:prstDash val="solid"/>
                       <a:round/>
@@ -28597,7 +28641,7 @@
                     </a:lnT>
                     <a:lnB cap="flat" cmpd="sng" w="9525">
                       <a:solidFill>
-                        <a:schemeClr val="dk1"/>
+                        <a:schemeClr val="lt1"/>
                       </a:solidFill>
                       <a:prstDash val="solid"/>
                       <a:round/>
@@ -28633,7 +28677,7 @@
                   <a:tcPr marT="0" marB="0" marR="91425" marL="91425" anchor="ctr">
                     <a:lnL cap="flat" cmpd="sng" w="9525">
                       <a:solidFill>
-                        <a:schemeClr val="dk1"/>
+                        <a:schemeClr val="lt1"/>
                       </a:solidFill>
                       <a:prstDash val="solid"/>
                       <a:round/>
@@ -28642,7 +28686,7 @@
                     </a:lnL>
                     <a:lnR cap="flat" cmpd="sng" w="9525">
                       <a:solidFill>
-                        <a:schemeClr val="dk1"/>
+                        <a:schemeClr val="lt1"/>
                       </a:solidFill>
                       <a:prstDash val="solid"/>
                       <a:round/>
@@ -28651,7 +28695,7 @@
                     </a:lnR>
                     <a:lnT cap="flat" cmpd="sng" w="9525">
                       <a:solidFill>
-                        <a:schemeClr val="dk1"/>
+                        <a:schemeClr val="lt1"/>
                       </a:solidFill>
                       <a:prstDash val="solid"/>
                       <a:round/>
@@ -28660,7 +28704,7 @@
                     </a:lnT>
                     <a:lnB cap="flat" cmpd="sng" w="9525">
                       <a:solidFill>
-                        <a:schemeClr val="dk1"/>
+                        <a:schemeClr val="lt1"/>
                       </a:solidFill>
                       <a:prstDash val="solid"/>
                       <a:round/>
@@ -28696,7 +28740,7 @@
                   <a:tcPr marT="0" marB="0" marR="91425" marL="91425" anchor="ctr">
                     <a:lnL cap="flat" cmpd="sng" w="9525">
                       <a:solidFill>
-                        <a:schemeClr val="dk1"/>
+                        <a:schemeClr val="lt1"/>
                       </a:solidFill>
                       <a:prstDash val="solid"/>
                       <a:round/>
@@ -28705,7 +28749,7 @@
                     </a:lnL>
                     <a:lnR cap="flat" cmpd="sng" w="9525">
                       <a:solidFill>
-                        <a:schemeClr val="dk1"/>
+                        <a:schemeClr val="lt1"/>
                       </a:solidFill>
                       <a:prstDash val="solid"/>
                       <a:round/>
@@ -28714,7 +28758,7 @@
                     </a:lnR>
                     <a:lnT cap="flat" cmpd="sng" w="9525">
                       <a:solidFill>
-                        <a:schemeClr val="dk1"/>
+                        <a:schemeClr val="lt1"/>
                       </a:solidFill>
                       <a:prstDash val="solid"/>
                       <a:round/>
@@ -28723,7 +28767,7 @@
                     </a:lnT>
                     <a:lnB cap="flat" cmpd="sng" w="9525">
                       <a:solidFill>
-                        <a:schemeClr val="dk1"/>
+                        <a:schemeClr val="lt1"/>
                       </a:solidFill>
                       <a:prstDash val="solid"/>
                       <a:round/>
@@ -28758,7 +28802,7 @@
                   <a:tcPr marT="0" marB="0" marR="91425" marL="91425" anchor="ctr">
                     <a:lnL cap="flat" cmpd="sng" w="9525">
                       <a:solidFill>
-                        <a:schemeClr val="dk1"/>
+                        <a:schemeClr val="lt1"/>
                       </a:solidFill>
                       <a:prstDash val="solid"/>
                       <a:round/>
@@ -28767,7 +28811,7 @@
                     </a:lnL>
                     <a:lnR cap="flat" cmpd="sng" w="9525">
                       <a:solidFill>
-                        <a:schemeClr val="dk1"/>
+                        <a:schemeClr val="lt1"/>
                       </a:solidFill>
                       <a:prstDash val="solid"/>
                       <a:round/>
@@ -28776,7 +28820,7 @@
                     </a:lnR>
                     <a:lnT cap="flat" cmpd="sng" w="9525">
                       <a:solidFill>
-                        <a:schemeClr val="dk1"/>
+                        <a:schemeClr val="lt1"/>
                       </a:solidFill>
                       <a:prstDash val="solid"/>
                       <a:round/>
@@ -28785,7 +28829,7 @@
                     </a:lnT>
                     <a:lnB cap="flat" cmpd="sng" w="9525">
                       <a:solidFill>
-                        <a:schemeClr val="dk1"/>
+                        <a:schemeClr val="lt1"/>
                       </a:solidFill>
                       <a:prstDash val="solid"/>
                       <a:round/>
@@ -28821,7 +28865,7 @@
                   <a:tcPr marT="0" marB="0" marR="91425" marL="91425" anchor="ctr">
                     <a:lnL cap="flat" cmpd="sng" w="9525">
                       <a:solidFill>
-                        <a:schemeClr val="dk1"/>
+                        <a:schemeClr val="lt1"/>
                       </a:solidFill>
                       <a:prstDash val="solid"/>
                       <a:round/>
@@ -28830,7 +28874,7 @@
                     </a:lnL>
                     <a:lnR cap="flat" cmpd="sng" w="9525">
                       <a:solidFill>
-                        <a:schemeClr val="dk1"/>
+                        <a:schemeClr val="lt1"/>
                       </a:solidFill>
                       <a:prstDash val="solid"/>
                       <a:round/>
@@ -28839,7 +28883,7 @@
                     </a:lnR>
                     <a:lnT cap="flat" cmpd="sng" w="9525">
                       <a:solidFill>
-                        <a:schemeClr val="dk1"/>
+                        <a:schemeClr val="lt1"/>
                       </a:solidFill>
                       <a:prstDash val="solid"/>
                       <a:round/>
@@ -28848,7 +28892,7 @@
                     </a:lnT>
                     <a:lnB cap="flat" cmpd="sng" w="9525">
                       <a:solidFill>
-                        <a:schemeClr val="dk1"/>
+                        <a:schemeClr val="lt1"/>
                       </a:solidFill>
                       <a:prstDash val="solid"/>
                       <a:round/>
@@ -28883,7 +28927,7 @@
                   <a:tcPr marT="0" marB="0" marR="91425" marL="91425" anchor="ctr">
                     <a:lnL cap="flat" cmpd="sng" w="9525">
                       <a:solidFill>
-                        <a:schemeClr val="dk1"/>
+                        <a:schemeClr val="lt1"/>
                       </a:solidFill>
                       <a:prstDash val="solid"/>
                       <a:round/>
@@ -28892,7 +28936,7 @@
                     </a:lnL>
                     <a:lnR cap="flat" cmpd="sng" w="9525">
                       <a:solidFill>
-                        <a:schemeClr val="dk1"/>
+                        <a:schemeClr val="lt1"/>
                       </a:solidFill>
                       <a:prstDash val="solid"/>
                       <a:round/>
@@ -28901,7 +28945,7 @@
                     </a:lnR>
                     <a:lnT cap="flat" cmpd="sng" w="9525">
                       <a:solidFill>
-                        <a:schemeClr val="dk1"/>
+                        <a:schemeClr val="lt1"/>
                       </a:solidFill>
                       <a:prstDash val="solid"/>
                       <a:round/>
@@ -28910,7 +28954,7 @@
                     </a:lnT>
                     <a:lnB cap="flat" cmpd="sng" w="9525">
                       <a:solidFill>
-                        <a:schemeClr val="dk1"/>
+                        <a:schemeClr val="lt1"/>
                       </a:solidFill>
                       <a:prstDash val="solid"/>
                       <a:round/>
@@ -28947,7 +28991,7 @@
                   <a:tcPr marT="0" marB="0" marR="91425" marL="91425" anchor="ctr">
                     <a:lnL cap="flat" cmpd="sng" w="9525">
                       <a:solidFill>
-                        <a:schemeClr val="dk1"/>
+                        <a:schemeClr val="lt1"/>
                       </a:solidFill>
                       <a:prstDash val="solid"/>
                       <a:round/>
@@ -28956,7 +29000,7 @@
                     </a:lnL>
                     <a:lnR cap="flat" cmpd="sng" w="9525">
                       <a:solidFill>
-                        <a:schemeClr val="dk1"/>
+                        <a:schemeClr val="lt1"/>
                       </a:solidFill>
                       <a:prstDash val="solid"/>
                       <a:round/>
@@ -28965,7 +29009,7 @@
                     </a:lnR>
                     <a:lnT cap="flat" cmpd="sng" w="9525">
                       <a:solidFill>
-                        <a:schemeClr val="dk1"/>
+                        <a:schemeClr val="lt1"/>
                       </a:solidFill>
                       <a:prstDash val="solid"/>
                       <a:round/>
@@ -28974,7 +29018,7 @@
                     </a:lnT>
                     <a:lnB cap="flat" cmpd="sng" w="9525">
                       <a:solidFill>
-                        <a:schemeClr val="dk1"/>
+                        <a:schemeClr val="lt1"/>
                       </a:solidFill>
                       <a:prstDash val="solid"/>
                       <a:round/>
@@ -28982,7 +29026,7 @@
                       <a:tailEnd len="sm" w="sm" type="none"/>
                     </a:lnB>
                     <a:solidFill>
-                      <a:schemeClr val="lt2"/>
+                      <a:schemeClr val="accent1"/>
                     </a:solidFill>
                   </a:tcPr>
                 </a:tc>
@@ -29009,7 +29053,7 @@
                   <a:tcPr marT="0" marB="0" marR="91425" marL="91425" anchor="ctr">
                     <a:lnL cap="flat" cmpd="sng" w="9525">
                       <a:solidFill>
-                        <a:schemeClr val="dk1"/>
+                        <a:schemeClr val="lt1"/>
                       </a:solidFill>
                       <a:prstDash val="solid"/>
                       <a:round/>
@@ -29018,7 +29062,7 @@
                     </a:lnL>
                     <a:lnR cap="flat" cmpd="sng" w="9525">
                       <a:solidFill>
-                        <a:schemeClr val="dk1"/>
+                        <a:schemeClr val="lt1"/>
                       </a:solidFill>
                       <a:prstDash val="solid"/>
                       <a:round/>
@@ -29027,7 +29071,7 @@
                     </a:lnR>
                     <a:lnT cap="flat" cmpd="sng" w="9525">
                       <a:solidFill>
-                        <a:schemeClr val="dk1"/>
+                        <a:schemeClr val="lt1"/>
                       </a:solidFill>
                       <a:prstDash val="solid"/>
                       <a:round/>
@@ -29036,7 +29080,7 @@
                     </a:lnT>
                     <a:lnB cap="flat" cmpd="sng" w="9525">
                       <a:solidFill>
-                        <a:schemeClr val="dk1"/>
+                        <a:schemeClr val="lt1"/>
                       </a:solidFill>
                       <a:prstDash val="solid"/>
                       <a:round/>
@@ -29044,7 +29088,7 @@
                       <a:tailEnd len="sm" w="sm" type="none"/>
                     </a:lnB>
                     <a:solidFill>
-                      <a:schemeClr val="lt2"/>
+                      <a:schemeClr val="accent1"/>
                     </a:solidFill>
                   </a:tcPr>
                 </a:tc>
@@ -29071,7 +29115,7 @@
                   <a:tcPr marT="0" marB="0" marR="91425" marL="91425" anchor="ctr">
                     <a:lnL cap="flat" cmpd="sng" w="9525">
                       <a:solidFill>
-                        <a:schemeClr val="dk1"/>
+                        <a:schemeClr val="lt1"/>
                       </a:solidFill>
                       <a:prstDash val="solid"/>
                       <a:round/>
@@ -29080,7 +29124,7 @@
                     </a:lnL>
                     <a:lnR cap="flat" cmpd="sng" w="9525">
                       <a:solidFill>
-                        <a:schemeClr val="dk1"/>
+                        <a:schemeClr val="lt1"/>
                       </a:solidFill>
                       <a:prstDash val="solid"/>
                       <a:round/>
@@ -29089,7 +29133,7 @@
                     </a:lnR>
                     <a:lnT cap="flat" cmpd="sng" w="9525">
                       <a:solidFill>
-                        <a:schemeClr val="dk1"/>
+                        <a:schemeClr val="lt1"/>
                       </a:solidFill>
                       <a:prstDash val="solid"/>
                       <a:round/>
@@ -29098,7 +29142,7 @@
                     </a:lnT>
                     <a:lnB cap="flat" cmpd="sng" w="9525">
                       <a:solidFill>
-                        <a:schemeClr val="dk1"/>
+                        <a:schemeClr val="lt1"/>
                       </a:solidFill>
                       <a:prstDash val="solid"/>
                       <a:round/>
@@ -29106,7 +29150,7 @@
                       <a:tailEnd len="sm" w="sm" type="none"/>
                     </a:lnB>
                     <a:solidFill>
-                      <a:schemeClr val="lt2"/>
+                      <a:schemeClr val="accent1"/>
                     </a:solidFill>
                   </a:tcPr>
                 </a:tc>
@@ -29134,7 +29178,7 @@
                   <a:tcPr marT="0" marB="0" marR="91425" marL="91425" anchor="ctr">
                     <a:lnL cap="flat" cmpd="sng" w="9525">
                       <a:solidFill>
-                        <a:schemeClr val="dk1"/>
+                        <a:schemeClr val="lt1"/>
                       </a:solidFill>
                       <a:prstDash val="solid"/>
                       <a:round/>
@@ -29143,7 +29187,7 @@
                     </a:lnL>
                     <a:lnR cap="flat" cmpd="sng" w="9525">
                       <a:solidFill>
-                        <a:schemeClr val="dk1"/>
+                        <a:schemeClr val="lt1"/>
                       </a:solidFill>
                       <a:prstDash val="solid"/>
                       <a:round/>
@@ -29152,7 +29196,7 @@
                     </a:lnR>
                     <a:lnT cap="flat" cmpd="sng" w="9525">
                       <a:solidFill>
-                        <a:schemeClr val="dk1"/>
+                        <a:schemeClr val="lt1"/>
                       </a:solidFill>
                       <a:prstDash val="solid"/>
                       <a:round/>
@@ -29161,7 +29205,7 @@
                     </a:lnT>
                     <a:lnB cap="flat" cmpd="sng" w="9525">
                       <a:solidFill>
-                        <a:schemeClr val="dk1"/>
+                        <a:schemeClr val="lt1"/>
                       </a:solidFill>
                       <a:prstDash val="solid"/>
                       <a:round/>
@@ -29169,7 +29213,7 @@
                       <a:tailEnd len="sm" w="sm" type="none"/>
                     </a:lnB>
                     <a:solidFill>
-                      <a:schemeClr val="lt2"/>
+                      <a:schemeClr val="accent1"/>
                     </a:solidFill>
                   </a:tcPr>
                 </a:tc>
@@ -29197,7 +29241,7 @@
                   <a:tcPr marT="0" marB="0" marR="91425" marL="91425" anchor="ctr">
                     <a:lnL cap="flat" cmpd="sng" w="9525">
                       <a:solidFill>
-                        <a:schemeClr val="dk1"/>
+                        <a:schemeClr val="lt1"/>
                       </a:solidFill>
                       <a:prstDash val="solid"/>
                       <a:round/>
@@ -29206,7 +29250,7 @@
                     </a:lnL>
                     <a:lnR cap="flat" cmpd="sng" w="9525">
                       <a:solidFill>
-                        <a:schemeClr val="dk1"/>
+                        <a:schemeClr val="lt1"/>
                       </a:solidFill>
                       <a:prstDash val="solid"/>
                       <a:round/>
@@ -29215,7 +29259,7 @@
                     </a:lnR>
                     <a:lnT cap="flat" cmpd="sng" w="9525">
                       <a:solidFill>
-                        <a:schemeClr val="dk1"/>
+                        <a:schemeClr val="lt1"/>
                       </a:solidFill>
                       <a:prstDash val="solid"/>
                       <a:round/>
@@ -29224,7 +29268,7 @@
                     </a:lnT>
                     <a:lnB cap="flat" cmpd="sng" w="9525">
                       <a:solidFill>
-                        <a:schemeClr val="dk1"/>
+                        <a:schemeClr val="lt1"/>
                       </a:solidFill>
                       <a:prstDash val="solid"/>
                       <a:round/>
@@ -29232,7 +29276,7 @@
                       <a:tailEnd len="sm" w="sm" type="none"/>
                     </a:lnB>
                     <a:solidFill>
-                      <a:schemeClr val="lt2"/>
+                      <a:schemeClr val="accent1"/>
                     </a:solidFill>
                   </a:tcPr>
                 </a:tc>
@@ -29259,7 +29303,7 @@
                   <a:tcPr marT="0" marB="0" marR="91425" marL="91425" anchor="ctr">
                     <a:lnL cap="flat" cmpd="sng" w="9525">
                       <a:solidFill>
-                        <a:schemeClr val="dk1"/>
+                        <a:schemeClr val="lt1"/>
                       </a:solidFill>
                       <a:prstDash val="solid"/>
                       <a:round/>
@@ -29268,7 +29312,7 @@
                     </a:lnL>
                     <a:lnR cap="flat" cmpd="sng" w="9525">
                       <a:solidFill>
-                        <a:schemeClr val="dk1"/>
+                        <a:schemeClr val="lt1"/>
                       </a:solidFill>
                       <a:prstDash val="solid"/>
                       <a:round/>
@@ -29277,7 +29321,7 @@
                     </a:lnR>
                     <a:lnT cap="flat" cmpd="sng" w="9525">
                       <a:solidFill>
-                        <a:schemeClr val="dk1"/>
+                        <a:schemeClr val="lt1"/>
                       </a:solidFill>
                       <a:prstDash val="solid"/>
                       <a:round/>
@@ -29286,7 +29330,7 @@
                     </a:lnT>
                     <a:lnB cap="flat" cmpd="sng" w="9525">
                       <a:solidFill>
-                        <a:schemeClr val="dk1"/>
+                        <a:schemeClr val="lt1"/>
                       </a:solidFill>
                       <a:prstDash val="solid"/>
                       <a:round/>
@@ -29294,7 +29338,7 @@
                       <a:tailEnd len="sm" w="sm" type="none"/>
                     </a:lnB>
                     <a:solidFill>
-                      <a:schemeClr val="lt2"/>
+                      <a:schemeClr val="accent1"/>
                     </a:solidFill>
                   </a:tcPr>
                 </a:tc>
@@ -29322,7 +29366,7 @@
                   <a:tcPr marT="0" marB="0" marR="91425" marL="91425" anchor="ctr">
                     <a:lnL cap="flat" cmpd="sng" w="9525">
                       <a:solidFill>
-                        <a:schemeClr val="dk1"/>
+                        <a:schemeClr val="lt1"/>
                       </a:solidFill>
                       <a:prstDash val="solid"/>
                       <a:round/>
@@ -29331,7 +29375,7 @@
                     </a:lnL>
                     <a:lnR cap="flat" cmpd="sng" w="9525">
                       <a:solidFill>
-                        <a:schemeClr val="dk1"/>
+                        <a:schemeClr val="lt1"/>
                       </a:solidFill>
                       <a:prstDash val="solid"/>
                       <a:round/>
@@ -29340,7 +29384,7 @@
                     </a:lnR>
                     <a:lnT cap="flat" cmpd="sng" w="9525">
                       <a:solidFill>
-                        <a:schemeClr val="dk1"/>
+                        <a:schemeClr val="lt1"/>
                       </a:solidFill>
                       <a:prstDash val="solid"/>
                       <a:round/>
@@ -29349,7 +29393,7 @@
                     </a:lnT>
                     <a:lnB cap="flat" cmpd="sng" w="9525">
                       <a:solidFill>
-                        <a:schemeClr val="dk1"/>
+                        <a:schemeClr val="lt1"/>
                       </a:solidFill>
                       <a:prstDash val="solid"/>
                       <a:round/>
@@ -29357,7 +29401,7 @@
                       <a:tailEnd len="sm" w="sm" type="none"/>
                     </a:lnB>
                     <a:solidFill>
-                      <a:schemeClr val="lt2"/>
+                      <a:schemeClr val="accent1"/>
                     </a:solidFill>
                   </a:tcPr>
                 </a:tc>
@@ -29384,7 +29428,7 @@
                   <a:tcPr marT="0" marB="0" marR="91425" marL="91425" anchor="ctr">
                     <a:lnL cap="flat" cmpd="sng" w="9525">
                       <a:solidFill>
-                        <a:schemeClr val="dk1"/>
+                        <a:schemeClr val="lt1"/>
                       </a:solidFill>
                       <a:prstDash val="solid"/>
                       <a:round/>
@@ -29393,7 +29437,7 @@
                     </a:lnL>
                     <a:lnR cap="flat" cmpd="sng" w="9525">
                       <a:solidFill>
-                        <a:schemeClr val="dk1"/>
+                        <a:schemeClr val="lt1"/>
                       </a:solidFill>
                       <a:prstDash val="solid"/>
                       <a:round/>
@@ -29402,7 +29446,7 @@
                     </a:lnR>
                     <a:lnT cap="flat" cmpd="sng" w="9525">
                       <a:solidFill>
-                        <a:schemeClr val="dk1"/>
+                        <a:schemeClr val="lt1"/>
                       </a:solidFill>
                       <a:prstDash val="solid"/>
                       <a:round/>
@@ -29411,7 +29455,7 @@
                     </a:lnT>
                     <a:lnB cap="flat" cmpd="sng" w="9525">
                       <a:solidFill>
-                        <a:schemeClr val="dk1"/>
+                        <a:schemeClr val="lt1"/>
                       </a:solidFill>
                       <a:prstDash val="solid"/>
                       <a:round/>
@@ -29419,7 +29463,7 @@
                       <a:tailEnd len="sm" w="sm" type="none"/>
                     </a:lnB>
                     <a:solidFill>
-                      <a:schemeClr val="lt2"/>
+                      <a:schemeClr val="accent1"/>
                     </a:solidFill>
                   </a:tcPr>
                 </a:tc>
@@ -29449,7 +29493,7 @@
                   <a:tcPr marT="0" marB="0" marR="91425" marL="91425" anchor="ctr">
                     <a:lnL cap="flat" cmpd="sng" w="9525">
                       <a:solidFill>
-                        <a:schemeClr val="dk1"/>
+                        <a:schemeClr val="lt1"/>
                       </a:solidFill>
                       <a:prstDash val="solid"/>
                       <a:round/>
@@ -29458,7 +29502,7 @@
                     </a:lnL>
                     <a:lnR cap="flat" cmpd="sng" w="9525">
                       <a:solidFill>
-                        <a:schemeClr val="dk1"/>
+                        <a:schemeClr val="lt1"/>
                       </a:solidFill>
                       <a:prstDash val="solid"/>
                       <a:round/>
@@ -29467,7 +29511,7 @@
                     </a:lnR>
                     <a:lnT cap="flat" cmpd="sng" w="9525">
                       <a:solidFill>
-                        <a:schemeClr val="dk1"/>
+                        <a:schemeClr val="lt1"/>
                       </a:solidFill>
                       <a:prstDash val="solid"/>
                       <a:round/>
@@ -29476,7 +29520,7 @@
                     </a:lnT>
                     <a:lnB cap="flat" cmpd="sng" w="9525">
                       <a:solidFill>
-                        <a:schemeClr val="dk1"/>
+                        <a:schemeClr val="lt1"/>
                       </a:solidFill>
                       <a:prstDash val="solid"/>
                       <a:round/>
@@ -29512,7 +29556,7 @@
                   <a:tcPr marT="0" marB="0" marR="91425" marL="91425" anchor="ctr">
                     <a:lnL cap="flat" cmpd="sng" w="9525">
                       <a:solidFill>
-                        <a:schemeClr val="dk1"/>
+                        <a:schemeClr val="lt1"/>
                       </a:solidFill>
                       <a:prstDash val="solid"/>
                       <a:round/>
@@ -29521,7 +29565,7 @@
                     </a:lnL>
                     <a:lnR cap="flat" cmpd="sng" w="9525">
                       <a:solidFill>
-                        <a:schemeClr val="dk1"/>
+                        <a:schemeClr val="lt1"/>
                       </a:solidFill>
                       <a:prstDash val="solid"/>
                       <a:round/>
@@ -29530,7 +29574,7 @@
                     </a:lnR>
                     <a:lnT cap="flat" cmpd="sng" w="9525">
                       <a:solidFill>
-                        <a:schemeClr val="dk1"/>
+                        <a:schemeClr val="lt1"/>
                       </a:solidFill>
                       <a:prstDash val="solid"/>
                       <a:round/>
@@ -29539,7 +29583,7 @@
                     </a:lnT>
                     <a:lnB cap="flat" cmpd="sng" w="9525">
                       <a:solidFill>
-                        <a:schemeClr val="dk1"/>
+                        <a:schemeClr val="lt1"/>
                       </a:solidFill>
                       <a:prstDash val="solid"/>
                       <a:round/>
@@ -29574,7 +29618,7 @@
                   <a:tcPr marT="0" marB="0" marR="91425" marL="91425" anchor="ctr">
                     <a:lnL cap="flat" cmpd="sng" w="9525">
                       <a:solidFill>
-                        <a:schemeClr val="dk1"/>
+                        <a:schemeClr val="lt1"/>
                       </a:solidFill>
                       <a:prstDash val="solid"/>
                       <a:round/>
@@ -29583,7 +29627,7 @@
                     </a:lnL>
                     <a:lnR cap="flat" cmpd="sng" w="9525">
                       <a:solidFill>
-                        <a:schemeClr val="dk1"/>
+                        <a:schemeClr val="lt1"/>
                       </a:solidFill>
                       <a:prstDash val="solid"/>
                       <a:round/>
@@ -29592,7 +29636,7 @@
                     </a:lnR>
                     <a:lnT cap="flat" cmpd="sng" w="9525">
                       <a:solidFill>
-                        <a:schemeClr val="dk1"/>
+                        <a:schemeClr val="lt1"/>
                       </a:solidFill>
                       <a:prstDash val="solid"/>
                       <a:round/>
@@ -29601,7 +29645,7 @@
                     </a:lnT>
                     <a:lnB cap="flat" cmpd="sng" w="9525">
                       <a:solidFill>
-                        <a:schemeClr val="dk1"/>
+                        <a:schemeClr val="lt1"/>
                       </a:solidFill>
                       <a:prstDash val="solid"/>
                       <a:round/>
@@ -29636,7 +29680,7 @@
                   <a:tcPr marT="0" marB="0" marR="91425" marL="91425" anchor="ctr">
                     <a:lnL cap="flat" cmpd="sng" w="9525">
                       <a:solidFill>
-                        <a:schemeClr val="dk1"/>
+                        <a:schemeClr val="lt1"/>
                       </a:solidFill>
                       <a:prstDash val="solid"/>
                       <a:round/>
@@ -29645,7 +29689,7 @@
                     </a:lnL>
                     <a:lnR cap="flat" cmpd="sng" w="9525">
                       <a:solidFill>
-                        <a:schemeClr val="dk1"/>
+                        <a:schemeClr val="lt1"/>
                       </a:solidFill>
                       <a:prstDash val="solid"/>
                       <a:round/>
@@ -29654,7 +29698,7 @@
                     </a:lnR>
                     <a:lnT cap="flat" cmpd="sng" w="9525">
                       <a:solidFill>
-                        <a:schemeClr val="dk1"/>
+                        <a:schemeClr val="lt1"/>
                       </a:solidFill>
                       <a:prstDash val="solid"/>
                       <a:round/>
@@ -29663,7 +29707,7 @@
                     </a:lnT>
                     <a:lnB cap="flat" cmpd="sng" w="9525">
                       <a:solidFill>
-                        <a:schemeClr val="dk1"/>
+                        <a:schemeClr val="lt1"/>
                       </a:solidFill>
                       <a:prstDash val="solid"/>
                       <a:round/>
@@ -29698,7 +29742,7 @@
                   <a:tcPr marT="0" marB="0" marR="91425" marL="91425" anchor="ctr">
                     <a:lnL cap="flat" cmpd="sng" w="9525">
                       <a:solidFill>
-                        <a:schemeClr val="dk1"/>
+                        <a:schemeClr val="lt1"/>
                       </a:solidFill>
                       <a:prstDash val="solid"/>
                       <a:round/>
@@ -29707,7 +29751,7 @@
                     </a:lnL>
                     <a:lnR cap="flat" cmpd="sng" w="9525">
                       <a:solidFill>
-                        <a:schemeClr val="dk1"/>
+                        <a:schemeClr val="lt1"/>
                       </a:solidFill>
                       <a:prstDash val="solid"/>
                       <a:round/>
@@ -29716,7 +29760,7 @@
                     </a:lnR>
                     <a:lnT cap="flat" cmpd="sng" w="9525">
                       <a:solidFill>
-                        <a:schemeClr val="dk1"/>
+                        <a:schemeClr val="lt1"/>
                       </a:solidFill>
                       <a:prstDash val="solid"/>
                       <a:round/>
@@ -29725,7 +29769,7 @@
                     </a:lnT>
                     <a:lnB cap="flat" cmpd="sng" w="9525">
                       <a:solidFill>
-                        <a:schemeClr val="dk1"/>
+                        <a:schemeClr val="lt1"/>
                       </a:solidFill>
                       <a:prstDash val="solid"/>
                       <a:round/>
@@ -29760,7 +29804,7 @@
                   <a:tcPr marT="0" marB="0" marR="91425" marL="91425" anchor="ctr">
                     <a:lnL cap="flat" cmpd="sng" w="9525">
                       <a:solidFill>
-                        <a:schemeClr val="dk1"/>
+                        <a:schemeClr val="lt1"/>
                       </a:solidFill>
                       <a:prstDash val="solid"/>
                       <a:round/>
@@ -29769,7 +29813,7 @@
                     </a:lnL>
                     <a:lnR cap="flat" cmpd="sng" w="9525">
                       <a:solidFill>
-                        <a:schemeClr val="dk1"/>
+                        <a:schemeClr val="lt1"/>
                       </a:solidFill>
                       <a:prstDash val="solid"/>
                       <a:round/>
@@ -29778,7 +29822,7 @@
                     </a:lnR>
                     <a:lnT cap="flat" cmpd="sng" w="9525">
                       <a:solidFill>
-                        <a:schemeClr val="dk1"/>
+                        <a:schemeClr val="lt1"/>
                       </a:solidFill>
                       <a:prstDash val="solid"/>
                       <a:round/>
@@ -29787,7 +29831,7 @@
                     </a:lnT>
                     <a:lnB cap="flat" cmpd="sng" w="9525">
                       <a:solidFill>
-                        <a:schemeClr val="dk1"/>
+                        <a:schemeClr val="lt1"/>
                       </a:solidFill>
                       <a:prstDash val="solid"/>
                       <a:round/>
@@ -29822,7 +29866,7 @@
                   <a:tcPr marT="0" marB="0" marR="91425" marL="91425" anchor="ctr">
                     <a:lnL cap="flat" cmpd="sng" w="9525">
                       <a:solidFill>
-                        <a:schemeClr val="dk1"/>
+                        <a:schemeClr val="lt1"/>
                       </a:solidFill>
                       <a:prstDash val="solid"/>
                       <a:round/>
@@ -29831,7 +29875,7 @@
                     </a:lnL>
                     <a:lnR cap="flat" cmpd="sng" w="9525">
                       <a:solidFill>
-                        <a:schemeClr val="dk1"/>
+                        <a:schemeClr val="lt1"/>
                       </a:solidFill>
                       <a:prstDash val="solid"/>
                       <a:round/>
@@ -29840,7 +29884,7 @@
                     </a:lnR>
                     <a:lnT cap="flat" cmpd="sng" w="9525">
                       <a:solidFill>
-                        <a:schemeClr val="dk1"/>
+                        <a:schemeClr val="lt1"/>
                       </a:solidFill>
                       <a:prstDash val="solid"/>
                       <a:round/>
@@ -29849,7 +29893,7 @@
                     </a:lnT>
                     <a:lnB cap="flat" cmpd="sng" w="9525">
                       <a:solidFill>
-                        <a:schemeClr val="dk1"/>
+                        <a:schemeClr val="lt1"/>
                       </a:solidFill>
                       <a:prstDash val="solid"/>
                       <a:round/>
@@ -29884,7 +29928,7 @@
                   <a:tcPr marT="0" marB="0" marR="91425" marL="91425" anchor="ctr">
                     <a:lnL cap="flat" cmpd="sng" w="9525">
                       <a:solidFill>
-                        <a:schemeClr val="dk1"/>
+                        <a:schemeClr val="lt1"/>
                       </a:solidFill>
                       <a:prstDash val="solid"/>
                       <a:round/>
@@ -29893,7 +29937,7 @@
                     </a:lnL>
                     <a:lnR cap="flat" cmpd="sng" w="9525">
                       <a:solidFill>
-                        <a:schemeClr val="dk1"/>
+                        <a:schemeClr val="lt1"/>
                       </a:solidFill>
                       <a:prstDash val="solid"/>
                       <a:round/>
@@ -29902,7 +29946,7 @@
                     </a:lnR>
                     <a:lnT cap="flat" cmpd="sng" w="9525">
                       <a:solidFill>
-                        <a:schemeClr val="dk1"/>
+                        <a:schemeClr val="lt1"/>
                       </a:solidFill>
                       <a:prstDash val="solid"/>
                       <a:round/>
@@ -29911,7 +29955,7 @@
                     </a:lnT>
                     <a:lnB cap="flat" cmpd="sng" w="9525">
                       <a:solidFill>
-                        <a:schemeClr val="dk1"/>
+                        <a:schemeClr val="lt1"/>
                       </a:solidFill>
                       <a:prstDash val="solid"/>
                       <a:round/>
@@ -29948,7 +29992,7 @@
                   <a:tcPr marT="0" marB="0" marR="91425" marL="91425" anchor="ctr">
                     <a:lnL cap="flat" cmpd="sng" w="9525">
                       <a:solidFill>
-                        <a:schemeClr val="dk1"/>
+                        <a:schemeClr val="lt1"/>
                       </a:solidFill>
                       <a:prstDash val="solid"/>
                       <a:round/>
@@ -29957,7 +30001,7 @@
                     </a:lnL>
                     <a:lnR cap="flat" cmpd="sng" w="9525">
                       <a:solidFill>
-                        <a:schemeClr val="dk1"/>
+                        <a:schemeClr val="lt1"/>
                       </a:solidFill>
                       <a:prstDash val="solid"/>
                       <a:round/>
@@ -29966,7 +30010,7 @@
                     </a:lnR>
                     <a:lnT cap="flat" cmpd="sng" w="9525">
                       <a:solidFill>
-                        <a:schemeClr val="dk1"/>
+                        <a:schemeClr val="lt1"/>
                       </a:solidFill>
                       <a:prstDash val="solid"/>
                       <a:round/>
@@ -29975,7 +30019,7 @@
                     </a:lnT>
                     <a:lnB cap="flat" cmpd="sng" w="9525">
                       <a:solidFill>
-                        <a:schemeClr val="dk1"/>
+                        <a:schemeClr val="lt1"/>
                       </a:solidFill>
                       <a:prstDash val="solid"/>
                       <a:round/>
@@ -29983,7 +30027,7 @@
                       <a:tailEnd len="sm" w="sm" type="none"/>
                     </a:lnB>
                     <a:solidFill>
-                      <a:schemeClr val="lt2"/>
+                      <a:schemeClr val="accent1"/>
                     </a:solidFill>
                   </a:tcPr>
                 </a:tc>
@@ -30010,7 +30054,7 @@
                   <a:tcPr marT="0" marB="0" marR="91425" marL="91425" anchor="ctr">
                     <a:lnL cap="flat" cmpd="sng" w="9525">
                       <a:solidFill>
-                        <a:schemeClr val="dk1"/>
+                        <a:schemeClr val="lt1"/>
                       </a:solidFill>
                       <a:prstDash val="solid"/>
                       <a:round/>
@@ -30019,7 +30063,7 @@
                     </a:lnL>
                     <a:lnR cap="flat" cmpd="sng" w="9525">
                       <a:solidFill>
-                        <a:schemeClr val="dk1"/>
+                        <a:schemeClr val="lt1"/>
                       </a:solidFill>
                       <a:prstDash val="solid"/>
                       <a:round/>
@@ -30028,7 +30072,7 @@
                     </a:lnR>
                     <a:lnT cap="flat" cmpd="sng" w="9525">
                       <a:solidFill>
-                        <a:schemeClr val="dk1"/>
+                        <a:schemeClr val="lt1"/>
                       </a:solidFill>
                       <a:prstDash val="solid"/>
                       <a:round/>
@@ -30037,7 +30081,7 @@
                     </a:lnT>
                     <a:lnB cap="flat" cmpd="sng" w="9525">
                       <a:solidFill>
-                        <a:schemeClr val="dk1"/>
+                        <a:schemeClr val="lt1"/>
                       </a:solidFill>
                       <a:prstDash val="solid"/>
                       <a:round/>
@@ -30045,7 +30089,7 @@
                       <a:tailEnd len="sm" w="sm" type="none"/>
                     </a:lnB>
                     <a:solidFill>
-                      <a:schemeClr val="lt2"/>
+                      <a:schemeClr val="accent1"/>
                     </a:solidFill>
                   </a:tcPr>
                 </a:tc>
@@ -30073,7 +30117,7 @@
                   <a:tcPr marT="0" marB="0" marR="91425" marL="91425" anchor="ctr">
                     <a:lnL cap="flat" cmpd="sng" w="9525">
                       <a:solidFill>
-                        <a:schemeClr val="dk1"/>
+                        <a:schemeClr val="lt1"/>
                       </a:solidFill>
                       <a:prstDash val="solid"/>
                       <a:round/>
@@ -30082,7 +30126,7 @@
                     </a:lnL>
                     <a:lnR cap="flat" cmpd="sng" w="9525">
                       <a:solidFill>
-                        <a:schemeClr val="dk1"/>
+                        <a:schemeClr val="lt1"/>
                       </a:solidFill>
                       <a:prstDash val="solid"/>
                       <a:round/>
@@ -30091,7 +30135,7 @@
                     </a:lnR>
                     <a:lnT cap="flat" cmpd="sng" w="9525">
                       <a:solidFill>
-                        <a:schemeClr val="dk1"/>
+                        <a:schemeClr val="lt1"/>
                       </a:solidFill>
                       <a:prstDash val="solid"/>
                       <a:round/>
@@ -30100,7 +30144,7 @@
                     </a:lnT>
                     <a:lnB cap="flat" cmpd="sng" w="9525">
                       <a:solidFill>
-                        <a:schemeClr val="dk1"/>
+                        <a:schemeClr val="lt1"/>
                       </a:solidFill>
                       <a:prstDash val="solid"/>
                       <a:round/>
@@ -30108,7 +30152,7 @@
                       <a:tailEnd len="sm" w="sm" type="none"/>
                     </a:lnB>
                     <a:solidFill>
-                      <a:schemeClr val="lt2"/>
+                      <a:schemeClr val="accent1"/>
                     </a:solidFill>
                   </a:tcPr>
                 </a:tc>
@@ -30135,7 +30179,7 @@
                   <a:tcPr marT="0" marB="0" marR="91425" marL="91425" anchor="ctr">
                     <a:lnL cap="flat" cmpd="sng" w="9525">
                       <a:solidFill>
-                        <a:schemeClr val="dk1"/>
+                        <a:schemeClr val="lt1"/>
                       </a:solidFill>
                       <a:prstDash val="solid"/>
                       <a:round/>
@@ -30144,7 +30188,7 @@
                     </a:lnL>
                     <a:lnR cap="flat" cmpd="sng" w="9525">
                       <a:solidFill>
-                        <a:schemeClr val="dk1"/>
+                        <a:schemeClr val="lt1"/>
                       </a:solidFill>
                       <a:prstDash val="solid"/>
                       <a:round/>
@@ -30153,7 +30197,7 @@
                     </a:lnR>
                     <a:lnT cap="flat" cmpd="sng" w="9525">
                       <a:solidFill>
-                        <a:schemeClr val="dk1"/>
+                        <a:schemeClr val="lt1"/>
                       </a:solidFill>
                       <a:prstDash val="solid"/>
                       <a:round/>
@@ -30162,7 +30206,7 @@
                     </a:lnT>
                     <a:lnB cap="flat" cmpd="sng" w="9525">
                       <a:solidFill>
-                        <a:schemeClr val="dk1"/>
+                        <a:schemeClr val="lt1"/>
                       </a:solidFill>
                       <a:prstDash val="solid"/>
                       <a:round/>
@@ -30170,7 +30214,7 @@
                       <a:tailEnd len="sm" w="sm" type="none"/>
                     </a:lnB>
                     <a:solidFill>
-                      <a:schemeClr val="lt2"/>
+                      <a:schemeClr val="accent1"/>
                     </a:solidFill>
                   </a:tcPr>
                 </a:tc>
@@ -30197,7 +30241,7 @@
                   <a:tcPr marT="0" marB="0" marR="91425" marL="91425" anchor="ctr">
                     <a:lnL cap="flat" cmpd="sng" w="9525">
                       <a:solidFill>
-                        <a:schemeClr val="dk1"/>
+                        <a:schemeClr val="lt1"/>
                       </a:solidFill>
                       <a:prstDash val="solid"/>
                       <a:round/>
@@ -30206,7 +30250,7 @@
                     </a:lnL>
                     <a:lnR cap="flat" cmpd="sng" w="9525">
                       <a:solidFill>
-                        <a:schemeClr val="dk1"/>
+                        <a:schemeClr val="lt1"/>
                       </a:solidFill>
                       <a:prstDash val="solid"/>
                       <a:round/>
@@ -30215,7 +30259,7 @@
                     </a:lnR>
                     <a:lnT cap="flat" cmpd="sng" w="9525">
                       <a:solidFill>
-                        <a:schemeClr val="dk1"/>
+                        <a:schemeClr val="lt1"/>
                       </a:solidFill>
                       <a:prstDash val="solid"/>
                       <a:round/>
@@ -30224,7 +30268,7 @@
                     </a:lnT>
                     <a:lnB cap="flat" cmpd="sng" w="9525">
                       <a:solidFill>
-                        <a:schemeClr val="dk1"/>
+                        <a:schemeClr val="lt1"/>
                       </a:solidFill>
                       <a:prstDash val="solid"/>
                       <a:round/>
@@ -30232,7 +30276,7 @@
                       <a:tailEnd len="sm" w="sm" type="none"/>
                     </a:lnB>
                     <a:solidFill>
-                      <a:schemeClr val="lt2"/>
+                      <a:schemeClr val="accent1"/>
                     </a:solidFill>
                   </a:tcPr>
                 </a:tc>
@@ -30259,7 +30303,7 @@
                   <a:tcPr marT="0" marB="0" marR="91425" marL="91425" anchor="ctr">
                     <a:lnL cap="flat" cmpd="sng" w="9525">
                       <a:solidFill>
-                        <a:schemeClr val="dk1"/>
+                        <a:schemeClr val="lt1"/>
                       </a:solidFill>
                       <a:prstDash val="solid"/>
                       <a:round/>
@@ -30268,7 +30312,7 @@
                     </a:lnL>
                     <a:lnR cap="flat" cmpd="sng" w="9525">
                       <a:solidFill>
-                        <a:schemeClr val="dk1"/>
+                        <a:schemeClr val="lt1"/>
                       </a:solidFill>
                       <a:prstDash val="solid"/>
                       <a:round/>
@@ -30277,7 +30321,7 @@
                     </a:lnR>
                     <a:lnT cap="flat" cmpd="sng" w="9525">
                       <a:solidFill>
-                        <a:schemeClr val="dk1"/>
+                        <a:schemeClr val="lt1"/>
                       </a:solidFill>
                       <a:prstDash val="solid"/>
                       <a:round/>
@@ -30286,7 +30330,7 @@
                     </a:lnT>
                     <a:lnB cap="flat" cmpd="sng" w="9525">
                       <a:solidFill>
-                        <a:schemeClr val="dk1"/>
+                        <a:schemeClr val="lt1"/>
                       </a:solidFill>
                       <a:prstDash val="solid"/>
                       <a:round/>
@@ -30294,7 +30338,7 @@
                       <a:tailEnd len="sm" w="sm" type="none"/>
                     </a:lnB>
                     <a:solidFill>
-                      <a:schemeClr val="lt2"/>
+                      <a:schemeClr val="accent1"/>
                     </a:solidFill>
                   </a:tcPr>
                 </a:tc>
@@ -30321,7 +30365,7 @@
                   <a:tcPr marT="0" marB="0" marR="91425" marL="91425" anchor="ctr">
                     <a:lnL cap="flat" cmpd="sng" w="9525">
                       <a:solidFill>
-                        <a:schemeClr val="dk1"/>
+                        <a:schemeClr val="lt1"/>
                       </a:solidFill>
                       <a:prstDash val="solid"/>
                       <a:round/>
@@ -30330,7 +30374,7 @@
                     </a:lnL>
                     <a:lnR cap="flat" cmpd="sng" w="9525">
                       <a:solidFill>
-                        <a:schemeClr val="dk1"/>
+                        <a:schemeClr val="lt1"/>
                       </a:solidFill>
                       <a:prstDash val="solid"/>
                       <a:round/>
@@ -30339,7 +30383,7 @@
                     </a:lnR>
                     <a:lnT cap="flat" cmpd="sng" w="9525">
                       <a:solidFill>
-                        <a:schemeClr val="dk1"/>
+                        <a:schemeClr val="lt1"/>
                       </a:solidFill>
                       <a:prstDash val="solid"/>
                       <a:round/>
@@ -30348,7 +30392,7 @@
                     </a:lnT>
                     <a:lnB cap="flat" cmpd="sng" w="9525">
                       <a:solidFill>
-                        <a:schemeClr val="dk1"/>
+                        <a:schemeClr val="lt1"/>
                       </a:solidFill>
                       <a:prstDash val="solid"/>
                       <a:round/>
@@ -30356,7 +30400,7 @@
                       <a:tailEnd len="sm" w="sm" type="none"/>
                     </a:lnB>
                     <a:solidFill>
-                      <a:schemeClr val="lt2"/>
+                      <a:schemeClr val="accent1"/>
                     </a:solidFill>
                   </a:tcPr>
                 </a:tc>
@@ -30383,7 +30427,7 @@
                   <a:tcPr marT="0" marB="0" marR="91425" marL="91425" anchor="ctr">
                     <a:lnL cap="flat" cmpd="sng" w="9525">
                       <a:solidFill>
-                        <a:schemeClr val="dk1"/>
+                        <a:schemeClr val="lt1"/>
                       </a:solidFill>
                       <a:prstDash val="solid"/>
                       <a:round/>
@@ -30392,7 +30436,7 @@
                     </a:lnL>
                     <a:lnR cap="flat" cmpd="sng" w="9525">
                       <a:solidFill>
-                        <a:schemeClr val="dk1"/>
+                        <a:schemeClr val="lt1"/>
                       </a:solidFill>
                       <a:prstDash val="solid"/>
                       <a:round/>
@@ -30401,7 +30445,7 @@
                     </a:lnR>
                     <a:lnT cap="flat" cmpd="sng" w="9525">
                       <a:solidFill>
-                        <a:schemeClr val="dk1"/>
+                        <a:schemeClr val="lt1"/>
                       </a:solidFill>
                       <a:prstDash val="solid"/>
                       <a:round/>
@@ -30410,7 +30454,7 @@
                     </a:lnT>
                     <a:lnB cap="flat" cmpd="sng" w="9525">
                       <a:solidFill>
-                        <a:schemeClr val="dk1"/>
+                        <a:schemeClr val="lt1"/>
                       </a:solidFill>
                       <a:prstDash val="solid"/>
                       <a:round/>
@@ -30418,7 +30462,7 @@
                       <a:tailEnd len="sm" w="sm" type="none"/>
                     </a:lnB>
                     <a:solidFill>
-                      <a:schemeClr val="lt2"/>
+                      <a:schemeClr val="accent1"/>
                     </a:solidFill>
                   </a:tcPr>
                 </a:tc>
@@ -30447,7 +30491,7 @@
                   <a:tcPr marT="0" marB="0" marR="91425" marL="91425" anchor="ctr">
                     <a:lnL cap="flat" cmpd="sng" w="9525">
                       <a:solidFill>
-                        <a:schemeClr val="dk1"/>
+                        <a:schemeClr val="lt1"/>
                       </a:solidFill>
                       <a:prstDash val="solid"/>
                       <a:round/>
@@ -30456,7 +30500,7 @@
                     </a:lnL>
                     <a:lnR cap="flat" cmpd="sng" w="9525">
                       <a:solidFill>
-                        <a:schemeClr val="dk1"/>
+                        <a:schemeClr val="lt1"/>
                       </a:solidFill>
                       <a:prstDash val="solid"/>
                       <a:round/>
@@ -30465,7 +30509,7 @@
                     </a:lnR>
                     <a:lnT cap="flat" cmpd="sng" w="9525">
                       <a:solidFill>
-                        <a:schemeClr val="dk1"/>
+                        <a:schemeClr val="lt1"/>
                       </a:solidFill>
                       <a:prstDash val="solid"/>
                       <a:round/>
@@ -30474,7 +30518,7 @@
                     </a:lnT>
                     <a:lnB cap="flat" cmpd="sng" w="9525">
                       <a:solidFill>
-                        <a:schemeClr val="dk1"/>
+                        <a:schemeClr val="lt1"/>
                       </a:solidFill>
                       <a:prstDash val="solid"/>
                       <a:round/>
@@ -30509,7 +30553,7 @@
                   <a:tcPr marT="0" marB="0" marR="91425" marL="91425" anchor="ctr">
                     <a:lnL cap="flat" cmpd="sng" w="9525">
                       <a:solidFill>
-                        <a:schemeClr val="dk1"/>
+                        <a:schemeClr val="lt1"/>
                       </a:solidFill>
                       <a:prstDash val="solid"/>
                       <a:round/>
@@ -30518,7 +30562,7 @@
                     </a:lnL>
                     <a:lnR cap="flat" cmpd="sng" w="9525">
                       <a:solidFill>
-                        <a:schemeClr val="dk1"/>
+                        <a:schemeClr val="lt1"/>
                       </a:solidFill>
                       <a:prstDash val="solid"/>
                       <a:round/>
@@ -30527,7 +30571,7 @@
                     </a:lnR>
                     <a:lnT cap="flat" cmpd="sng" w="9525">
                       <a:solidFill>
-                        <a:schemeClr val="dk1"/>
+                        <a:schemeClr val="lt1"/>
                       </a:solidFill>
                       <a:prstDash val="solid"/>
                       <a:round/>
@@ -30536,7 +30580,7 @@
                     </a:lnT>
                     <a:lnB cap="flat" cmpd="sng" w="9525">
                       <a:solidFill>
-                        <a:schemeClr val="dk1"/>
+                        <a:schemeClr val="lt1"/>
                       </a:solidFill>
                       <a:prstDash val="solid"/>
                       <a:round/>
@@ -30571,7 +30615,7 @@
                   <a:tcPr marT="0" marB="0" marR="91425" marL="91425" anchor="ctr">
                     <a:lnL cap="flat" cmpd="sng" w="9525">
                       <a:solidFill>
-                        <a:schemeClr val="dk1"/>
+                        <a:schemeClr val="lt1"/>
                       </a:solidFill>
                       <a:prstDash val="solid"/>
                       <a:round/>
@@ -30580,7 +30624,7 @@
                     </a:lnL>
                     <a:lnR cap="flat" cmpd="sng" w="9525">
                       <a:solidFill>
-                        <a:schemeClr val="dk1"/>
+                        <a:schemeClr val="lt1"/>
                       </a:solidFill>
                       <a:prstDash val="solid"/>
                       <a:round/>
@@ -30589,7 +30633,7 @@
                     </a:lnR>
                     <a:lnT cap="flat" cmpd="sng" w="9525">
                       <a:solidFill>
-                        <a:schemeClr val="dk1"/>
+                        <a:schemeClr val="lt1"/>
                       </a:solidFill>
                       <a:prstDash val="solid"/>
                       <a:round/>
@@ -30598,7 +30642,7 @@
                     </a:lnT>
                     <a:lnB cap="flat" cmpd="sng" w="9525">
                       <a:solidFill>
-                        <a:schemeClr val="dk1"/>
+                        <a:schemeClr val="lt1"/>
                       </a:solidFill>
                       <a:prstDash val="solid"/>
                       <a:round/>
@@ -30634,7 +30678,7 @@
                   <a:tcPr marT="0" marB="0" marR="91425" marL="91425" anchor="ctr">
                     <a:lnL cap="flat" cmpd="sng" w="9525">
                       <a:solidFill>
-                        <a:schemeClr val="dk1"/>
+                        <a:schemeClr val="lt1"/>
                       </a:solidFill>
                       <a:prstDash val="solid"/>
                       <a:round/>
@@ -30643,7 +30687,7 @@
                     </a:lnL>
                     <a:lnR cap="flat" cmpd="sng" w="9525">
                       <a:solidFill>
-                        <a:schemeClr val="dk1"/>
+                        <a:schemeClr val="lt1"/>
                       </a:solidFill>
                       <a:prstDash val="solid"/>
                       <a:round/>
@@ -30652,7 +30696,7 @@
                     </a:lnR>
                     <a:lnT cap="flat" cmpd="sng" w="9525">
                       <a:solidFill>
-                        <a:schemeClr val="dk1"/>
+                        <a:schemeClr val="lt1"/>
                       </a:solidFill>
                       <a:prstDash val="solid"/>
                       <a:round/>
@@ -30661,7 +30705,7 @@
                     </a:lnT>
                     <a:lnB cap="flat" cmpd="sng" w="9525">
                       <a:solidFill>
-                        <a:schemeClr val="dk1"/>
+                        <a:schemeClr val="lt1"/>
                       </a:solidFill>
                       <a:prstDash val="solid"/>
                       <a:round/>
@@ -30697,7 +30741,7 @@
                   <a:tcPr marT="0" marB="0" marR="91425" marL="91425" anchor="ctr">
                     <a:lnL cap="flat" cmpd="sng" w="9525">
                       <a:solidFill>
-                        <a:schemeClr val="dk1"/>
+                        <a:schemeClr val="lt1"/>
                       </a:solidFill>
                       <a:prstDash val="solid"/>
                       <a:round/>
@@ -30706,7 +30750,7 @@
                     </a:lnL>
                     <a:lnR cap="flat" cmpd="sng" w="9525">
                       <a:solidFill>
-                        <a:schemeClr val="dk1"/>
+                        <a:schemeClr val="lt1"/>
                       </a:solidFill>
                       <a:prstDash val="solid"/>
                       <a:round/>
@@ -30715,7 +30759,7 @@
                     </a:lnR>
                     <a:lnT cap="flat" cmpd="sng" w="9525">
                       <a:solidFill>
-                        <a:schemeClr val="dk1"/>
+                        <a:schemeClr val="lt1"/>
                       </a:solidFill>
                       <a:prstDash val="solid"/>
                       <a:round/>
@@ -30724,7 +30768,7 @@
                     </a:lnT>
                     <a:lnB cap="flat" cmpd="sng" w="9525">
                       <a:solidFill>
-                        <a:schemeClr val="dk1"/>
+                        <a:schemeClr val="lt1"/>
                       </a:solidFill>
                       <a:prstDash val="solid"/>
                       <a:round/>
@@ -30759,7 +30803,7 @@
                   <a:tcPr marT="0" marB="0" marR="91425" marL="91425" anchor="ctr">
                     <a:lnL cap="flat" cmpd="sng" w="9525">
                       <a:solidFill>
-                        <a:schemeClr val="dk1"/>
+                        <a:schemeClr val="lt1"/>
                       </a:solidFill>
                       <a:prstDash val="solid"/>
                       <a:round/>
@@ -30768,7 +30812,7 @@
                     </a:lnL>
                     <a:lnR cap="flat" cmpd="sng" w="9525">
                       <a:solidFill>
-                        <a:schemeClr val="dk1"/>
+                        <a:schemeClr val="lt1"/>
                       </a:solidFill>
                       <a:prstDash val="solid"/>
                       <a:round/>
@@ -30777,7 +30821,7 @@
                     </a:lnR>
                     <a:lnT cap="flat" cmpd="sng" w="9525">
                       <a:solidFill>
-                        <a:schemeClr val="dk1"/>
+                        <a:schemeClr val="lt1"/>
                       </a:solidFill>
                       <a:prstDash val="solid"/>
                       <a:round/>
@@ -30786,7 +30830,7 @@
                     </a:lnT>
                     <a:lnB cap="flat" cmpd="sng" w="9525">
                       <a:solidFill>
-                        <a:schemeClr val="dk1"/>
+                        <a:schemeClr val="lt1"/>
                       </a:solidFill>
                       <a:prstDash val="solid"/>
                       <a:round/>
@@ -30821,7 +30865,7 @@
                   <a:tcPr marT="0" marB="0" marR="91425" marL="91425" anchor="ctr">
                     <a:lnL cap="flat" cmpd="sng" w="9525">
                       <a:solidFill>
-                        <a:schemeClr val="dk1"/>
+                        <a:schemeClr val="lt1"/>
                       </a:solidFill>
                       <a:prstDash val="solid"/>
                       <a:round/>
@@ -30830,7 +30874,7 @@
                     </a:lnL>
                     <a:lnR cap="flat" cmpd="sng" w="9525">
                       <a:solidFill>
-                        <a:schemeClr val="dk1"/>
+                        <a:schemeClr val="lt1"/>
                       </a:solidFill>
                       <a:prstDash val="solid"/>
                       <a:round/>
@@ -30839,7 +30883,7 @@
                     </a:lnR>
                     <a:lnT cap="flat" cmpd="sng" w="9525">
                       <a:solidFill>
-                        <a:schemeClr val="dk1"/>
+                        <a:schemeClr val="lt1"/>
                       </a:solidFill>
                       <a:prstDash val="solid"/>
                       <a:round/>
@@ -30848,7 +30892,7 @@
                     </a:lnT>
                     <a:lnB cap="flat" cmpd="sng" w="9525">
                       <a:solidFill>
-                        <a:schemeClr val="dk1"/>
+                        <a:schemeClr val="lt1"/>
                       </a:solidFill>
                       <a:prstDash val="solid"/>
                       <a:round/>
@@ -30883,7 +30927,7 @@
                   <a:tcPr marT="0" marB="0" marR="91425" marL="91425" anchor="ctr">
                     <a:lnL cap="flat" cmpd="sng" w="9525">
                       <a:solidFill>
-                        <a:schemeClr val="dk1"/>
+                        <a:schemeClr val="lt1"/>
                       </a:solidFill>
                       <a:prstDash val="solid"/>
                       <a:round/>
@@ -30892,7 +30936,7 @@
                     </a:lnL>
                     <a:lnR cap="flat" cmpd="sng" w="9525">
                       <a:solidFill>
-                        <a:schemeClr val="dk1"/>
+                        <a:schemeClr val="lt1"/>
                       </a:solidFill>
                       <a:prstDash val="solid"/>
                       <a:round/>
@@ -30901,7 +30945,7 @@
                     </a:lnR>
                     <a:lnT cap="flat" cmpd="sng" w="9525">
                       <a:solidFill>
-                        <a:schemeClr val="dk1"/>
+                        <a:schemeClr val="lt1"/>
                       </a:solidFill>
                       <a:prstDash val="solid"/>
                       <a:round/>
@@ -30910,7 +30954,7 @@
                     </a:lnT>
                     <a:lnB cap="flat" cmpd="sng" w="9525">
                       <a:solidFill>
-                        <a:schemeClr val="dk1"/>
+                        <a:schemeClr val="lt1"/>
                       </a:solidFill>
                       <a:prstDash val="solid"/>
                       <a:round/>
@@ -30947,7 +30991,7 @@
                   <a:tcPr marT="0" marB="0" marR="91425" marL="91425" anchor="ctr">
                     <a:lnL cap="flat" cmpd="sng" w="9525">
                       <a:solidFill>
-                        <a:schemeClr val="dk1"/>
+                        <a:schemeClr val="lt1"/>
                       </a:solidFill>
                       <a:prstDash val="solid"/>
                       <a:round/>
@@ -30956,7 +31000,7 @@
                     </a:lnL>
                     <a:lnR cap="flat" cmpd="sng" w="9525">
                       <a:solidFill>
-                        <a:schemeClr val="dk1"/>
+                        <a:schemeClr val="lt1"/>
                       </a:solidFill>
                       <a:prstDash val="solid"/>
                       <a:round/>
@@ -30965,7 +31009,7 @@
                     </a:lnR>
                     <a:lnT cap="flat" cmpd="sng" w="9525">
                       <a:solidFill>
-                        <a:schemeClr val="dk1"/>
+                        <a:schemeClr val="lt1"/>
                       </a:solidFill>
                       <a:prstDash val="solid"/>
                       <a:round/>
@@ -30974,7 +31018,7 @@
                     </a:lnT>
                     <a:lnB cap="flat" cmpd="sng" w="9525">
                       <a:solidFill>
-                        <a:schemeClr val="dk1"/>
+                        <a:schemeClr val="lt1"/>
                       </a:solidFill>
                       <a:prstDash val="solid"/>
                       <a:round/>
@@ -30982,7 +31026,7 @@
                       <a:tailEnd len="sm" w="sm" type="none"/>
                     </a:lnB>
                     <a:solidFill>
-                      <a:schemeClr val="lt2"/>
+                      <a:schemeClr val="accent1"/>
                     </a:solidFill>
                   </a:tcPr>
                 </a:tc>
@@ -31009,7 +31053,7 @@
                   <a:tcPr marT="0" marB="0" marR="91425" marL="91425" anchor="ctr">
                     <a:lnL cap="flat" cmpd="sng" w="9525">
                       <a:solidFill>
-                        <a:schemeClr val="dk1"/>
+                        <a:schemeClr val="lt1"/>
                       </a:solidFill>
                       <a:prstDash val="solid"/>
                       <a:round/>
@@ -31018,7 +31062,7 @@
                     </a:lnL>
                     <a:lnR cap="flat" cmpd="sng" w="9525">
                       <a:solidFill>
-                        <a:schemeClr val="dk1"/>
+                        <a:schemeClr val="lt1"/>
                       </a:solidFill>
                       <a:prstDash val="solid"/>
                       <a:round/>
@@ -31027,7 +31071,7 @@
                     </a:lnR>
                     <a:lnT cap="flat" cmpd="sng" w="9525">
                       <a:solidFill>
-                        <a:schemeClr val="dk1"/>
+                        <a:schemeClr val="lt1"/>
                       </a:solidFill>
                       <a:prstDash val="solid"/>
                       <a:round/>
@@ -31036,7 +31080,7 @@
                     </a:lnT>
                     <a:lnB cap="flat" cmpd="sng" w="9525">
                       <a:solidFill>
-                        <a:schemeClr val="dk1"/>
+                        <a:schemeClr val="lt1"/>
                       </a:solidFill>
                       <a:prstDash val="solid"/>
                       <a:round/>
@@ -31044,7 +31088,7 @@
                       <a:tailEnd len="sm" w="sm" type="none"/>
                     </a:lnB>
                     <a:solidFill>
-                      <a:schemeClr val="lt2"/>
+                      <a:schemeClr val="accent1"/>
                     </a:solidFill>
                   </a:tcPr>
                 </a:tc>
@@ -31071,7 +31115,7 @@
                   <a:tcPr marT="0" marB="0" marR="91425" marL="91425" anchor="ctr">
                     <a:lnL cap="flat" cmpd="sng" w="9525">
                       <a:solidFill>
-                        <a:schemeClr val="dk1"/>
+                        <a:schemeClr val="lt1"/>
                       </a:solidFill>
                       <a:prstDash val="solid"/>
                       <a:round/>
@@ -31080,7 +31124,7 @@
                     </a:lnL>
                     <a:lnR cap="flat" cmpd="sng" w="9525">
                       <a:solidFill>
-                        <a:schemeClr val="dk1"/>
+                        <a:schemeClr val="lt1"/>
                       </a:solidFill>
                       <a:prstDash val="solid"/>
                       <a:round/>
@@ -31089,7 +31133,7 @@
                     </a:lnR>
                     <a:lnT cap="flat" cmpd="sng" w="9525">
                       <a:solidFill>
-                        <a:schemeClr val="dk1"/>
+                        <a:schemeClr val="lt1"/>
                       </a:solidFill>
                       <a:prstDash val="solid"/>
                       <a:round/>
@@ -31098,7 +31142,7 @@
                     </a:lnT>
                     <a:lnB cap="flat" cmpd="sng" w="9525">
                       <a:solidFill>
-                        <a:schemeClr val="dk1"/>
+                        <a:schemeClr val="lt1"/>
                       </a:solidFill>
                       <a:prstDash val="solid"/>
                       <a:round/>
@@ -31106,7 +31150,7 @@
                       <a:tailEnd len="sm" w="sm" type="none"/>
                     </a:lnB>
                     <a:solidFill>
-                      <a:schemeClr val="lt2"/>
+                      <a:schemeClr val="accent1"/>
                     </a:solidFill>
                   </a:tcPr>
                 </a:tc>
@@ -31134,7 +31178,7 @@
                   <a:tcPr marT="0" marB="0" marR="91425" marL="91425" anchor="ctr">
                     <a:lnL cap="flat" cmpd="sng" w="9525">
                       <a:solidFill>
-                        <a:schemeClr val="dk1"/>
+                        <a:schemeClr val="lt1"/>
                       </a:solidFill>
                       <a:prstDash val="solid"/>
                       <a:round/>
@@ -31143,7 +31187,7 @@
                     </a:lnL>
                     <a:lnR cap="flat" cmpd="sng" w="9525">
                       <a:solidFill>
-                        <a:schemeClr val="dk1"/>
+                        <a:schemeClr val="lt1"/>
                       </a:solidFill>
                       <a:prstDash val="solid"/>
                       <a:round/>
@@ -31152,7 +31196,7 @@
                     </a:lnR>
                     <a:lnT cap="flat" cmpd="sng" w="9525">
                       <a:solidFill>
-                        <a:schemeClr val="dk1"/>
+                        <a:schemeClr val="lt1"/>
                       </a:solidFill>
                       <a:prstDash val="solid"/>
                       <a:round/>
@@ -31161,7 +31205,7 @@
                     </a:lnT>
                     <a:lnB cap="flat" cmpd="sng" w="9525">
                       <a:solidFill>
-                        <a:schemeClr val="dk1"/>
+                        <a:schemeClr val="lt1"/>
                       </a:solidFill>
                       <a:prstDash val="solid"/>
                       <a:round/>
@@ -31169,7 +31213,7 @@
                       <a:tailEnd len="sm" w="sm" type="none"/>
                     </a:lnB>
                     <a:solidFill>
-                      <a:schemeClr val="lt2"/>
+                      <a:schemeClr val="accent1"/>
                     </a:solidFill>
                   </a:tcPr>
                 </a:tc>
@@ -31197,7 +31241,7 @@
                   <a:tcPr marT="0" marB="0" marR="91425" marL="91425" anchor="ctr">
                     <a:lnL cap="flat" cmpd="sng" w="9525">
                       <a:solidFill>
-                        <a:schemeClr val="dk1"/>
+                        <a:schemeClr val="lt1"/>
                       </a:solidFill>
                       <a:prstDash val="solid"/>
                       <a:round/>
@@ -31206,7 +31250,7 @@
                     </a:lnL>
                     <a:lnR cap="flat" cmpd="sng" w="9525">
                       <a:solidFill>
-                        <a:schemeClr val="dk1"/>
+                        <a:schemeClr val="lt1"/>
                       </a:solidFill>
                       <a:prstDash val="solid"/>
                       <a:round/>
@@ -31215,7 +31259,7 @@
                     </a:lnR>
                     <a:lnT cap="flat" cmpd="sng" w="9525">
                       <a:solidFill>
-                        <a:schemeClr val="dk1"/>
+                        <a:schemeClr val="lt1"/>
                       </a:solidFill>
                       <a:prstDash val="solid"/>
                       <a:round/>
@@ -31224,7 +31268,7 @@
                     </a:lnT>
                     <a:lnB cap="flat" cmpd="sng" w="9525">
                       <a:solidFill>
-                        <a:schemeClr val="dk1"/>
+                        <a:schemeClr val="lt1"/>
                       </a:solidFill>
                       <a:prstDash val="solid"/>
                       <a:round/>
@@ -31232,7 +31276,7 @@
                       <a:tailEnd len="sm" w="sm" type="none"/>
                     </a:lnB>
                     <a:solidFill>
-                      <a:schemeClr val="lt2"/>
+                      <a:schemeClr val="accent1"/>
                     </a:solidFill>
                   </a:tcPr>
                 </a:tc>
@@ -31259,7 +31303,7 @@
                   <a:tcPr marT="0" marB="0" marR="91425" marL="91425" anchor="ctr">
                     <a:lnL cap="flat" cmpd="sng" w="9525">
                       <a:solidFill>
-                        <a:schemeClr val="dk1"/>
+                        <a:schemeClr val="lt1"/>
                       </a:solidFill>
                       <a:prstDash val="solid"/>
                       <a:round/>
@@ -31268,7 +31312,7 @@
                     </a:lnL>
                     <a:lnR cap="flat" cmpd="sng" w="9525">
                       <a:solidFill>
-                        <a:schemeClr val="dk1"/>
+                        <a:schemeClr val="lt1"/>
                       </a:solidFill>
                       <a:prstDash val="solid"/>
                       <a:round/>
@@ -31277,7 +31321,7 @@
                     </a:lnR>
                     <a:lnT cap="flat" cmpd="sng" w="9525">
                       <a:solidFill>
-                        <a:schemeClr val="dk1"/>
+                        <a:schemeClr val="lt1"/>
                       </a:solidFill>
                       <a:prstDash val="solid"/>
                       <a:round/>
@@ -31286,7 +31330,7 @@
                     </a:lnT>
                     <a:lnB cap="flat" cmpd="sng" w="9525">
                       <a:solidFill>
-                        <a:schemeClr val="dk1"/>
+                        <a:schemeClr val="lt1"/>
                       </a:solidFill>
                       <a:prstDash val="solid"/>
                       <a:round/>
@@ -31294,7 +31338,7 @@
                       <a:tailEnd len="sm" w="sm" type="none"/>
                     </a:lnB>
                     <a:solidFill>
-                      <a:schemeClr val="lt2"/>
+                      <a:schemeClr val="accent1"/>
                     </a:solidFill>
                   </a:tcPr>
                 </a:tc>
@@ -31321,7 +31365,7 @@
                   <a:tcPr marT="0" marB="0" marR="91425" marL="91425" anchor="ctr">
                     <a:lnL cap="flat" cmpd="sng" w="9525">
                       <a:solidFill>
-                        <a:schemeClr val="dk1"/>
+                        <a:schemeClr val="lt1"/>
                       </a:solidFill>
                       <a:prstDash val="solid"/>
                       <a:round/>
@@ -31330,7 +31374,7 @@
                     </a:lnL>
                     <a:lnR cap="flat" cmpd="sng" w="9525">
                       <a:solidFill>
-                        <a:schemeClr val="dk1"/>
+                        <a:schemeClr val="lt1"/>
                       </a:solidFill>
                       <a:prstDash val="solid"/>
                       <a:round/>
@@ -31339,7 +31383,7 @@
                     </a:lnR>
                     <a:lnT cap="flat" cmpd="sng" w="9525">
                       <a:solidFill>
-                        <a:schemeClr val="dk1"/>
+                        <a:schemeClr val="lt1"/>
                       </a:solidFill>
                       <a:prstDash val="solid"/>
                       <a:round/>
@@ -31348,7 +31392,7 @@
                     </a:lnT>
                     <a:lnB cap="flat" cmpd="sng" w="9525">
                       <a:solidFill>
-                        <a:schemeClr val="dk1"/>
+                        <a:schemeClr val="lt1"/>
                       </a:solidFill>
                       <a:prstDash val="solid"/>
                       <a:round/>
@@ -31356,7 +31400,7 @@
                       <a:tailEnd len="sm" w="sm" type="none"/>
                     </a:lnB>
                     <a:solidFill>
-                      <a:schemeClr val="lt2"/>
+                      <a:schemeClr val="accent1"/>
                     </a:solidFill>
                   </a:tcPr>
                 </a:tc>
@@ -31383,7 +31427,7 @@
                   <a:tcPr marT="0" marB="0" marR="91425" marL="91425" anchor="ctr">
                     <a:lnL cap="flat" cmpd="sng" w="9525">
                       <a:solidFill>
-                        <a:schemeClr val="dk1"/>
+                        <a:schemeClr val="lt1"/>
                       </a:solidFill>
                       <a:prstDash val="solid"/>
                       <a:round/>
@@ -31392,7 +31436,7 @@
                     </a:lnL>
                     <a:lnR cap="flat" cmpd="sng" w="9525">
                       <a:solidFill>
-                        <a:schemeClr val="dk1"/>
+                        <a:schemeClr val="lt1"/>
                       </a:solidFill>
                       <a:prstDash val="solid"/>
                       <a:round/>
@@ -31401,7 +31445,7 @@
                     </a:lnR>
                     <a:lnT cap="flat" cmpd="sng" w="9525">
                       <a:solidFill>
-                        <a:schemeClr val="dk1"/>
+                        <a:schemeClr val="lt1"/>
                       </a:solidFill>
                       <a:prstDash val="solid"/>
                       <a:round/>
@@ -31410,7 +31454,7 @@
                     </a:lnT>
                     <a:lnB cap="flat" cmpd="sng" w="9525">
                       <a:solidFill>
-                        <a:schemeClr val="dk1"/>
+                        <a:schemeClr val="lt1"/>
                       </a:solidFill>
                       <a:prstDash val="solid"/>
                       <a:round/>
@@ -31418,7 +31462,7 @@
                       <a:tailEnd len="sm" w="sm" type="none"/>
                     </a:lnB>
                     <a:solidFill>
-                      <a:schemeClr val="lt2"/>
+                      <a:schemeClr val="accent1"/>
                     </a:solidFill>
                   </a:tcPr>
                 </a:tc>
@@ -31447,7 +31491,7 @@
                   <a:tcPr marT="0" marB="0" marR="91425" marL="91425" anchor="ctr">
                     <a:lnL cap="flat" cmpd="sng" w="9525">
                       <a:solidFill>
-                        <a:schemeClr val="dk1"/>
+                        <a:schemeClr val="lt1"/>
                       </a:solidFill>
                       <a:prstDash val="solid"/>
                       <a:round/>
@@ -31456,7 +31500,7 @@
                     </a:lnL>
                     <a:lnR cap="flat" cmpd="sng" w="9525">
                       <a:solidFill>
-                        <a:schemeClr val="dk1"/>
+                        <a:schemeClr val="lt1"/>
                       </a:solidFill>
                       <a:prstDash val="solid"/>
                       <a:round/>
@@ -31465,7 +31509,7 @@
                     </a:lnR>
                     <a:lnT cap="flat" cmpd="sng" w="9525">
                       <a:solidFill>
-                        <a:schemeClr val="dk1"/>
+                        <a:schemeClr val="lt1"/>
                       </a:solidFill>
                       <a:prstDash val="solid"/>
                       <a:round/>
@@ -31474,7 +31518,7 @@
                     </a:lnT>
                     <a:lnB cap="flat" cmpd="sng" w="9525">
                       <a:solidFill>
-                        <a:schemeClr val="dk1"/>
+                        <a:schemeClr val="lt1"/>
                       </a:solidFill>
                       <a:prstDash val="solid"/>
                       <a:round/>
@@ -31509,7 +31553,7 @@
                   <a:tcPr marT="0" marB="0" marR="91425" marL="91425" anchor="ctr">
                     <a:lnL cap="flat" cmpd="sng" w="9525">
                       <a:solidFill>
-                        <a:schemeClr val="dk1"/>
+                        <a:schemeClr val="lt1"/>
                       </a:solidFill>
                       <a:prstDash val="solid"/>
                       <a:round/>
@@ -31518,7 +31562,7 @@
                     </a:lnL>
                     <a:lnR cap="flat" cmpd="sng" w="9525">
                       <a:solidFill>
-                        <a:schemeClr val="dk1"/>
+                        <a:schemeClr val="lt1"/>
                       </a:solidFill>
                       <a:prstDash val="solid"/>
                       <a:round/>
@@ -31527,7 +31571,7 @@
                     </a:lnR>
                     <a:lnT cap="flat" cmpd="sng" w="9525">
                       <a:solidFill>
-                        <a:schemeClr val="dk1"/>
+                        <a:schemeClr val="lt1"/>
                       </a:solidFill>
                       <a:prstDash val="solid"/>
                       <a:round/>
@@ -31536,7 +31580,7 @@
                     </a:lnT>
                     <a:lnB cap="flat" cmpd="sng" w="9525">
                       <a:solidFill>
-                        <a:schemeClr val="dk1"/>
+                        <a:schemeClr val="lt1"/>
                       </a:solidFill>
                       <a:prstDash val="solid"/>
                       <a:round/>
@@ -31571,7 +31615,7 @@
                   <a:tcPr marT="0" marB="0" marR="91425" marL="91425" anchor="ctr">
                     <a:lnL cap="flat" cmpd="sng" w="9525">
                       <a:solidFill>
-                        <a:schemeClr val="dk1"/>
+                        <a:schemeClr val="lt1"/>
                       </a:solidFill>
                       <a:prstDash val="solid"/>
                       <a:round/>
@@ -31580,7 +31624,7 @@
                     </a:lnL>
                     <a:lnR cap="flat" cmpd="sng" w="9525">
                       <a:solidFill>
-                        <a:schemeClr val="dk1"/>
+                        <a:schemeClr val="lt1"/>
                       </a:solidFill>
                       <a:prstDash val="solid"/>
                       <a:round/>
@@ -31589,7 +31633,7 @@
                     </a:lnR>
                     <a:lnT cap="flat" cmpd="sng" w="9525">
                       <a:solidFill>
-                        <a:schemeClr val="dk1"/>
+                        <a:schemeClr val="lt1"/>
                       </a:solidFill>
                       <a:prstDash val="solid"/>
                       <a:round/>
@@ -31598,7 +31642,7 @@
                     </a:lnT>
                     <a:lnB cap="flat" cmpd="sng" w="9525">
                       <a:solidFill>
-                        <a:schemeClr val="dk1"/>
+                        <a:schemeClr val="lt1"/>
                       </a:solidFill>
                       <a:prstDash val="solid"/>
                       <a:round/>
@@ -31634,7 +31678,7 @@
                   <a:tcPr marT="0" marB="0" marR="91425" marL="91425" anchor="ctr">
                     <a:lnL cap="flat" cmpd="sng" w="9525">
                       <a:solidFill>
-                        <a:schemeClr val="dk1"/>
+                        <a:schemeClr val="lt1"/>
                       </a:solidFill>
                       <a:prstDash val="solid"/>
                       <a:round/>
@@ -31643,7 +31687,7 @@
                     </a:lnL>
                     <a:lnR cap="flat" cmpd="sng" w="9525">
                       <a:solidFill>
-                        <a:schemeClr val="dk1"/>
+                        <a:schemeClr val="lt1"/>
                       </a:solidFill>
                       <a:prstDash val="solid"/>
                       <a:round/>
@@ -31652,7 +31696,7 @@
                     </a:lnR>
                     <a:lnT cap="flat" cmpd="sng" w="9525">
                       <a:solidFill>
-                        <a:schemeClr val="dk1"/>
+                        <a:schemeClr val="lt1"/>
                       </a:solidFill>
                       <a:prstDash val="solid"/>
                       <a:round/>
@@ -31661,7 +31705,7 @@
                     </a:lnT>
                     <a:lnB cap="flat" cmpd="sng" w="9525">
                       <a:solidFill>
-                        <a:schemeClr val="dk1"/>
+                        <a:schemeClr val="lt1"/>
                       </a:solidFill>
                       <a:prstDash val="solid"/>
                       <a:round/>
@@ -31697,7 +31741,7 @@
                   <a:tcPr marT="0" marB="0" marR="91425" marL="91425" anchor="ctr">
                     <a:lnL cap="flat" cmpd="sng" w="9525">
                       <a:solidFill>
-                        <a:schemeClr val="dk1"/>
+                        <a:schemeClr val="lt1"/>
                       </a:solidFill>
                       <a:prstDash val="solid"/>
                       <a:round/>
@@ -31706,7 +31750,7 @@
                     </a:lnL>
                     <a:lnR cap="flat" cmpd="sng" w="9525">
                       <a:solidFill>
-                        <a:schemeClr val="dk1"/>
+                        <a:schemeClr val="lt1"/>
                       </a:solidFill>
                       <a:prstDash val="solid"/>
                       <a:round/>
@@ -31715,7 +31759,7 @@
                     </a:lnR>
                     <a:lnT cap="flat" cmpd="sng" w="9525">
                       <a:solidFill>
-                        <a:schemeClr val="dk1"/>
+                        <a:schemeClr val="lt1"/>
                       </a:solidFill>
                       <a:prstDash val="solid"/>
                       <a:round/>
@@ -31724,7 +31768,7 @@
                     </a:lnT>
                     <a:lnB cap="flat" cmpd="sng" w="9525">
                       <a:solidFill>
-                        <a:schemeClr val="dk1"/>
+                        <a:schemeClr val="lt1"/>
                       </a:solidFill>
                       <a:prstDash val="solid"/>
                       <a:round/>
@@ -31759,7 +31803,7 @@
                   <a:tcPr marT="0" marB="0" marR="91425" marL="91425" anchor="ctr">
                     <a:lnL cap="flat" cmpd="sng" w="9525">
                       <a:solidFill>
-                        <a:schemeClr val="dk1"/>
+                        <a:schemeClr val="lt1"/>
                       </a:solidFill>
                       <a:prstDash val="solid"/>
                       <a:round/>
@@ -31768,7 +31812,7 @@
                     </a:lnL>
                     <a:lnR cap="flat" cmpd="sng" w="9525">
                       <a:solidFill>
-                        <a:schemeClr val="dk1"/>
+                        <a:schemeClr val="lt1"/>
                       </a:solidFill>
                       <a:prstDash val="solid"/>
                       <a:round/>
@@ -31777,7 +31821,7 @@
                     </a:lnR>
                     <a:lnT cap="flat" cmpd="sng" w="9525">
                       <a:solidFill>
-                        <a:schemeClr val="dk1"/>
+                        <a:schemeClr val="lt1"/>
                       </a:solidFill>
                       <a:prstDash val="solid"/>
                       <a:round/>
@@ -31786,7 +31830,7 @@
                     </a:lnT>
                     <a:lnB cap="flat" cmpd="sng" w="9525">
                       <a:solidFill>
-                        <a:schemeClr val="dk1"/>
+                        <a:schemeClr val="lt1"/>
                       </a:solidFill>
                       <a:prstDash val="solid"/>
                       <a:round/>
@@ -31821,7 +31865,7 @@
                   <a:tcPr marT="0" marB="0" marR="91425" marL="91425" anchor="ctr">
                     <a:lnL cap="flat" cmpd="sng" w="9525">
                       <a:solidFill>
-                        <a:schemeClr val="dk1"/>
+                        <a:schemeClr val="lt1"/>
                       </a:solidFill>
                       <a:prstDash val="solid"/>
                       <a:round/>
@@ -31830,7 +31874,7 @@
                     </a:lnL>
                     <a:lnR cap="flat" cmpd="sng" w="9525">
                       <a:solidFill>
-                        <a:schemeClr val="dk1"/>
+                        <a:schemeClr val="lt1"/>
                       </a:solidFill>
                       <a:prstDash val="solid"/>
                       <a:round/>
@@ -31839,7 +31883,7 @@
                     </a:lnR>
                     <a:lnT cap="flat" cmpd="sng" w="9525">
                       <a:solidFill>
-                        <a:schemeClr val="dk1"/>
+                        <a:schemeClr val="lt1"/>
                       </a:solidFill>
                       <a:prstDash val="solid"/>
                       <a:round/>
@@ -31848,7 +31892,7 @@
                     </a:lnT>
                     <a:lnB cap="flat" cmpd="sng" w="9525">
                       <a:solidFill>
-                        <a:schemeClr val="dk1"/>
+                        <a:schemeClr val="lt1"/>
                       </a:solidFill>
                       <a:prstDash val="solid"/>
                       <a:round/>
@@ -31883,7 +31927,7 @@
                   <a:tcPr marT="0" marB="0" marR="91425" marL="91425" anchor="ctr">
                     <a:lnL cap="flat" cmpd="sng" w="9525">
                       <a:solidFill>
-                        <a:schemeClr val="dk1"/>
+                        <a:schemeClr val="lt1"/>
                       </a:solidFill>
                       <a:prstDash val="solid"/>
                       <a:round/>
@@ -31892,7 +31936,7 @@
                     </a:lnL>
                     <a:lnR cap="flat" cmpd="sng" w="9525">
                       <a:solidFill>
-                        <a:schemeClr val="dk1"/>
+                        <a:schemeClr val="lt1"/>
                       </a:solidFill>
                       <a:prstDash val="solid"/>
                       <a:round/>
@@ -31901,7 +31945,7 @@
                     </a:lnR>
                     <a:lnT cap="flat" cmpd="sng" w="9525">
                       <a:solidFill>
-                        <a:schemeClr val="dk1"/>
+                        <a:schemeClr val="lt1"/>
                       </a:solidFill>
                       <a:prstDash val="solid"/>
                       <a:round/>
@@ -31910,7 +31954,7 @@
                     </a:lnT>
                     <a:lnB cap="flat" cmpd="sng" w="9525">
                       <a:solidFill>
-                        <a:schemeClr val="dk1"/>
+                        <a:schemeClr val="lt1"/>
                       </a:solidFill>
                       <a:prstDash val="solid"/>
                       <a:round/>
@@ -31947,7 +31991,7 @@
                   <a:tcPr marT="0" marB="0" marR="91425" marL="91425" anchor="ctr">
                     <a:lnL cap="flat" cmpd="sng" w="9525">
                       <a:solidFill>
-                        <a:schemeClr val="dk1"/>
+                        <a:schemeClr val="lt1"/>
                       </a:solidFill>
                       <a:prstDash val="solid"/>
                       <a:round/>
@@ -31956,7 +32000,7 @@
                     </a:lnL>
                     <a:lnR cap="flat" cmpd="sng" w="9525">
                       <a:solidFill>
-                        <a:schemeClr val="dk1"/>
+                        <a:schemeClr val="lt1"/>
                       </a:solidFill>
                       <a:prstDash val="solid"/>
                       <a:round/>
@@ -31965,7 +32009,7 @@
                     </a:lnR>
                     <a:lnT cap="flat" cmpd="sng" w="9525">
                       <a:solidFill>
-                        <a:schemeClr val="dk1"/>
+                        <a:schemeClr val="lt1"/>
                       </a:solidFill>
                       <a:prstDash val="solid"/>
                       <a:round/>
@@ -31974,7 +32018,7 @@
                     </a:lnT>
                     <a:lnB cap="flat" cmpd="sng" w="9525">
                       <a:solidFill>
-                        <a:schemeClr val="dk1"/>
+                        <a:schemeClr val="lt1"/>
                       </a:solidFill>
                       <a:prstDash val="solid"/>
                       <a:round/>
@@ -31982,7 +32026,7 @@
                       <a:tailEnd len="sm" w="sm" type="none"/>
                     </a:lnB>
                     <a:solidFill>
-                      <a:schemeClr val="lt2"/>
+                      <a:schemeClr val="accent1"/>
                     </a:solidFill>
                   </a:tcPr>
                 </a:tc>
@@ -32009,7 +32053,7 @@
                   <a:tcPr marT="0" marB="0" marR="91425" marL="91425" anchor="ctr">
                     <a:lnL cap="flat" cmpd="sng" w="9525">
                       <a:solidFill>
-                        <a:schemeClr val="dk1"/>
+                        <a:schemeClr val="lt1"/>
                       </a:solidFill>
                       <a:prstDash val="solid"/>
                       <a:round/>
@@ -32018,7 +32062,7 @@
                     </a:lnL>
                     <a:lnR cap="flat" cmpd="sng" w="9525">
                       <a:solidFill>
-                        <a:schemeClr val="dk1"/>
+                        <a:schemeClr val="lt1"/>
                       </a:solidFill>
                       <a:prstDash val="solid"/>
                       <a:round/>
@@ -32027,7 +32071,7 @@
                     </a:lnR>
                     <a:lnT cap="flat" cmpd="sng" w="9525">
                       <a:solidFill>
-                        <a:schemeClr val="dk1"/>
+                        <a:schemeClr val="lt1"/>
                       </a:solidFill>
                       <a:prstDash val="solid"/>
                       <a:round/>
@@ -32036,7 +32080,7 @@
                     </a:lnT>
                     <a:lnB cap="flat" cmpd="sng" w="9525">
                       <a:solidFill>
-                        <a:schemeClr val="dk1"/>
+                        <a:schemeClr val="lt1"/>
                       </a:solidFill>
                       <a:prstDash val="solid"/>
                       <a:round/>
@@ -32044,7 +32088,7 @@
                       <a:tailEnd len="sm" w="sm" type="none"/>
                     </a:lnB>
                     <a:solidFill>
-                      <a:schemeClr val="lt2"/>
+                      <a:schemeClr val="accent1"/>
                     </a:solidFill>
                   </a:tcPr>
                 </a:tc>
@@ -32071,7 +32115,7 @@
                   <a:tcPr marT="0" marB="0" marR="91425" marL="91425" anchor="ctr">
                     <a:lnL cap="flat" cmpd="sng" w="9525">
                       <a:solidFill>
-                        <a:schemeClr val="dk1"/>
+                        <a:schemeClr val="lt1"/>
                       </a:solidFill>
                       <a:prstDash val="solid"/>
                       <a:round/>
@@ -32080,7 +32124,7 @@
                     </a:lnL>
                     <a:lnR cap="flat" cmpd="sng" w="9525">
                       <a:solidFill>
-                        <a:schemeClr val="dk1"/>
+                        <a:schemeClr val="lt1"/>
                       </a:solidFill>
                       <a:prstDash val="solid"/>
                       <a:round/>
@@ -32089,7 +32133,7 @@
                     </a:lnR>
                     <a:lnT cap="flat" cmpd="sng" w="9525">
                       <a:solidFill>
-                        <a:schemeClr val="dk1"/>
+                        <a:schemeClr val="lt1"/>
                       </a:solidFill>
                       <a:prstDash val="solid"/>
                       <a:round/>
@@ -32098,7 +32142,7 @@
                     </a:lnT>
                     <a:lnB cap="flat" cmpd="sng" w="9525">
                       <a:solidFill>
-                        <a:schemeClr val="dk1"/>
+                        <a:schemeClr val="lt1"/>
                       </a:solidFill>
                       <a:prstDash val="solid"/>
                       <a:round/>
@@ -32106,7 +32150,7 @@
                       <a:tailEnd len="sm" w="sm" type="none"/>
                     </a:lnB>
                     <a:solidFill>
-                      <a:schemeClr val="lt2"/>
+                      <a:schemeClr val="accent1"/>
                     </a:solidFill>
                   </a:tcPr>
                 </a:tc>
@@ -32134,7 +32178,7 @@
                   <a:tcPr marT="0" marB="0" marR="91425" marL="91425" anchor="ctr">
                     <a:lnL cap="flat" cmpd="sng" w="9525">
                       <a:solidFill>
-                        <a:schemeClr val="dk1"/>
+                        <a:schemeClr val="lt1"/>
                       </a:solidFill>
                       <a:prstDash val="solid"/>
                       <a:round/>
@@ -32143,7 +32187,7 @@
                     </a:lnL>
                     <a:lnR cap="flat" cmpd="sng" w="9525">
                       <a:solidFill>
-                        <a:schemeClr val="dk1"/>
+                        <a:schemeClr val="lt1"/>
                       </a:solidFill>
                       <a:prstDash val="solid"/>
                       <a:round/>
@@ -32152,7 +32196,7 @@
                     </a:lnR>
                     <a:lnT cap="flat" cmpd="sng" w="9525">
                       <a:solidFill>
-                        <a:schemeClr val="dk1"/>
+                        <a:schemeClr val="lt1"/>
                       </a:solidFill>
                       <a:prstDash val="solid"/>
                       <a:round/>
@@ -32161,7 +32205,7 @@
                     </a:lnT>
                     <a:lnB cap="flat" cmpd="sng" w="9525">
                       <a:solidFill>
-                        <a:schemeClr val="dk1"/>
+                        <a:schemeClr val="lt1"/>
                       </a:solidFill>
                       <a:prstDash val="solid"/>
                       <a:round/>
@@ -32169,7 +32213,7 @@
                       <a:tailEnd len="sm" w="sm" type="none"/>
                     </a:lnB>
                     <a:solidFill>
-                      <a:schemeClr val="lt2"/>
+                      <a:schemeClr val="accent1"/>
                     </a:solidFill>
                   </a:tcPr>
                 </a:tc>
@@ -32197,7 +32241,7 @@
                   <a:tcPr marT="0" marB="0" marR="91425" marL="91425" anchor="ctr">
                     <a:lnL cap="flat" cmpd="sng" w="9525">
                       <a:solidFill>
-                        <a:schemeClr val="dk1"/>
+                        <a:schemeClr val="lt1"/>
                       </a:solidFill>
                       <a:prstDash val="solid"/>
                       <a:round/>
@@ -32206,7 +32250,7 @@
                     </a:lnL>
                     <a:lnR cap="flat" cmpd="sng" w="9525">
                       <a:solidFill>
-                        <a:schemeClr val="dk1"/>
+                        <a:schemeClr val="lt1"/>
                       </a:solidFill>
                       <a:prstDash val="solid"/>
                       <a:round/>
@@ -32215,7 +32259,7 @@
                     </a:lnR>
                     <a:lnT cap="flat" cmpd="sng" w="9525">
                       <a:solidFill>
-                        <a:schemeClr val="dk1"/>
+                        <a:schemeClr val="lt1"/>
                       </a:solidFill>
                       <a:prstDash val="solid"/>
                       <a:round/>
@@ -32224,7 +32268,7 @@
                     </a:lnT>
                     <a:lnB cap="flat" cmpd="sng" w="9525">
                       <a:solidFill>
-                        <a:schemeClr val="dk1"/>
+                        <a:schemeClr val="lt1"/>
                       </a:solidFill>
                       <a:prstDash val="solid"/>
                       <a:round/>
@@ -32232,7 +32276,7 @@
                       <a:tailEnd len="sm" w="sm" type="none"/>
                     </a:lnB>
                     <a:solidFill>
-                      <a:schemeClr val="lt2"/>
+                      <a:schemeClr val="accent1"/>
                     </a:solidFill>
                   </a:tcPr>
                 </a:tc>
@@ -32259,7 +32303,7 @@
                   <a:tcPr marT="0" marB="0" marR="91425" marL="91425" anchor="ctr">
                     <a:lnL cap="flat" cmpd="sng" w="9525">
                       <a:solidFill>
-                        <a:schemeClr val="dk1"/>
+                        <a:schemeClr val="lt1"/>
                       </a:solidFill>
                       <a:prstDash val="solid"/>
                       <a:round/>
@@ -32268,7 +32312,7 @@
                     </a:lnL>
                     <a:lnR cap="flat" cmpd="sng" w="9525">
                       <a:solidFill>
-                        <a:schemeClr val="dk1"/>
+                        <a:schemeClr val="lt1"/>
                       </a:solidFill>
                       <a:prstDash val="solid"/>
                       <a:round/>
@@ -32277,7 +32321,7 @@
                     </a:lnR>
                     <a:lnT cap="flat" cmpd="sng" w="9525">
                       <a:solidFill>
-                        <a:schemeClr val="dk1"/>
+                        <a:schemeClr val="lt1"/>
                       </a:solidFill>
                       <a:prstDash val="solid"/>
                       <a:round/>
@@ -32286,7 +32330,7 @@
                     </a:lnT>
                     <a:lnB cap="flat" cmpd="sng" w="9525">
                       <a:solidFill>
-                        <a:schemeClr val="dk1"/>
+                        <a:schemeClr val="lt1"/>
                       </a:solidFill>
                       <a:prstDash val="solid"/>
                       <a:round/>
@@ -32294,7 +32338,7 @@
                       <a:tailEnd len="sm" w="sm" type="none"/>
                     </a:lnB>
                     <a:solidFill>
-                      <a:schemeClr val="lt2"/>
+                      <a:schemeClr val="accent1"/>
                     </a:solidFill>
                   </a:tcPr>
                 </a:tc>
@@ -32321,7 +32365,7 @@
                   <a:tcPr marT="0" marB="0" marR="91425" marL="91425" anchor="ctr">
                     <a:lnL cap="flat" cmpd="sng" w="9525">
                       <a:solidFill>
-                        <a:schemeClr val="dk1"/>
+                        <a:schemeClr val="lt1"/>
                       </a:solidFill>
                       <a:prstDash val="solid"/>
                       <a:round/>
@@ -32330,7 +32374,7 @@
                     </a:lnL>
                     <a:lnR cap="flat" cmpd="sng" w="9525">
                       <a:solidFill>
-                        <a:schemeClr val="dk1"/>
+                        <a:schemeClr val="lt1"/>
                       </a:solidFill>
                       <a:prstDash val="solid"/>
                       <a:round/>
@@ -32339,7 +32383,7 @@
                     </a:lnR>
                     <a:lnT cap="flat" cmpd="sng" w="9525">
                       <a:solidFill>
-                        <a:schemeClr val="dk1"/>
+                        <a:schemeClr val="lt1"/>
                       </a:solidFill>
                       <a:prstDash val="solid"/>
                       <a:round/>
@@ -32348,7 +32392,7 @@
                     </a:lnT>
                     <a:lnB cap="flat" cmpd="sng" w="9525">
                       <a:solidFill>
-                        <a:schemeClr val="dk1"/>
+                        <a:schemeClr val="lt1"/>
                       </a:solidFill>
                       <a:prstDash val="solid"/>
                       <a:round/>
@@ -32356,7 +32400,7 @@
                       <a:tailEnd len="sm" w="sm" type="none"/>
                     </a:lnB>
                     <a:solidFill>
-                      <a:schemeClr val="lt2"/>
+                      <a:schemeClr val="accent1"/>
                     </a:solidFill>
                   </a:tcPr>
                 </a:tc>
@@ -32383,7 +32427,7 @@
                   <a:tcPr marT="0" marB="0" marR="91425" marL="91425" anchor="ctr">
                     <a:lnL cap="flat" cmpd="sng" w="9525">
                       <a:solidFill>
-                        <a:schemeClr val="dk1"/>
+                        <a:schemeClr val="lt1"/>
                       </a:solidFill>
                       <a:prstDash val="solid"/>
                       <a:round/>
@@ -32392,7 +32436,7 @@
                     </a:lnL>
                     <a:lnR cap="flat" cmpd="sng" w="9525">
                       <a:solidFill>
-                        <a:schemeClr val="dk1"/>
+                        <a:schemeClr val="lt1"/>
                       </a:solidFill>
                       <a:prstDash val="solid"/>
                       <a:round/>
@@ -32401,7 +32445,7 @@
                     </a:lnR>
                     <a:lnT cap="flat" cmpd="sng" w="9525">
                       <a:solidFill>
-                        <a:schemeClr val="dk1"/>
+                        <a:schemeClr val="lt1"/>
                       </a:solidFill>
                       <a:prstDash val="solid"/>
                       <a:round/>
@@ -32410,7 +32454,7 @@
                     </a:lnT>
                     <a:lnB cap="flat" cmpd="sng" w="9525">
                       <a:solidFill>
-                        <a:schemeClr val="dk1"/>
+                        <a:schemeClr val="lt1"/>
                       </a:solidFill>
                       <a:prstDash val="solid"/>
                       <a:round/>
@@ -32418,7 +32462,7 @@
                       <a:tailEnd len="sm" w="sm" type="none"/>
                     </a:lnB>
                     <a:solidFill>
-                      <a:schemeClr val="lt2"/>
+                      <a:schemeClr val="accent1"/>
                     </a:solidFill>
                   </a:tcPr>
                 </a:tc>
@@ -33711,7 +33755,15 @@
             </a:pPr>
             <a:r>
               <a:rPr lang="en"/>
-              <a:t>A definition of done (DoD) is</a:t>
+              <a:t>A </a:t>
+            </a:r>
+            <a:r>
+              <a:rPr b="1" lang="en"/>
+              <a:t>definition of done</a:t>
+            </a:r>
+            <a:r>
+              <a:rPr lang="en"/>
+              <a:t> (DoD) is</a:t>
             </a:r>
             <a:endParaRPr/>
           </a:p>
@@ -35238,7 +35290,7 @@
             <a:avLst/>
           </a:prstGeom>
           <a:solidFill>
-            <a:schemeClr val="lt2"/>
+            <a:schemeClr val="accent1"/>
           </a:solidFill>
           <a:ln>
             <a:noFill/>
@@ -35643,7 +35695,7 @@
             <a:tbl>
               <a:tblPr>
                 <a:noFill/>
-                <a:tableStyleId>{A7B108B2-9248-47BB-8B30-FA0FC0BF651B}</a:tableStyleId>
+                <a:tableStyleId>{C32E13DA-47A8-4D8C-964E-CF21A8EA1F32}</a:tableStyleId>
               </a:tblPr>
               <a:tblGrid>
                 <a:gridCol w="1719075"/>
@@ -35779,7 +35831,7 @@
                       <a:tailEnd len="sm" w="sm" type="none"/>
                     </a:lnB>
                     <a:solidFill>
-                      <a:schemeClr val="accent4"/>
+                      <a:schemeClr val="dk2"/>
                     </a:solidFill>
                   </a:tcPr>
                 </a:tc>
@@ -35850,7 +35902,7 @@
                       <a:tailEnd len="sm" w="sm" type="none"/>
                     </a:lnB>
                     <a:solidFill>
-                      <a:schemeClr val="accent4"/>
+                      <a:schemeClr val="dk2"/>
                     </a:solidFill>
                   </a:tcPr>
                 </a:tc>
@@ -35921,7 +35973,7 @@
                       <a:tailEnd len="sm" w="sm" type="none"/>
                     </a:lnB>
                     <a:solidFill>
-                      <a:schemeClr val="accent4"/>
+                      <a:schemeClr val="dk2"/>
                     </a:solidFill>
                   </a:tcPr>
                 </a:tc>
@@ -35992,7 +36044,7 @@
                       <a:tailEnd len="sm" w="sm" type="none"/>
                     </a:lnB>
                     <a:solidFill>
-                      <a:schemeClr val="accent4"/>
+                      <a:schemeClr val="dk2"/>
                     </a:solidFill>
                   </a:tcPr>
                 </a:tc>
@@ -36080,7 +36132,7 @@
                       <a:tailEnd len="sm" w="sm" type="none"/>
                     </a:lnB>
                     <a:solidFill>
-                      <a:schemeClr val="dk1"/>
+                      <a:schemeClr val="dk2"/>
                     </a:solidFill>
                   </a:tcPr>
                 </a:tc>
@@ -36404,7 +36456,7 @@
                       <a:tailEnd len="sm" w="sm" type="none"/>
                     </a:lnB>
                     <a:solidFill>
-                      <a:schemeClr val="dk1"/>
+                      <a:schemeClr val="dk2"/>
                     </a:solidFill>
                   </a:tcPr>
                 </a:tc>
@@ -36474,7 +36526,7 @@
                       <a:tailEnd len="sm" w="sm" type="none"/>
                     </a:lnB>
                     <a:solidFill>
-                      <a:schemeClr val="lt2"/>
+                      <a:schemeClr val="accent1"/>
                     </a:solidFill>
                   </a:tcPr>
                 </a:tc>
@@ -36537,7 +36589,7 @@
                       <a:tailEnd len="sm" w="sm" type="none"/>
                     </a:lnB>
                     <a:solidFill>
-                      <a:schemeClr val="lt2"/>
+                      <a:schemeClr val="accent1"/>
                     </a:solidFill>
                   </a:tcPr>
                 </a:tc>
@@ -36600,7 +36652,7 @@
                       <a:tailEnd len="sm" w="sm" type="none"/>
                     </a:lnB>
                     <a:solidFill>
-                      <a:schemeClr val="lt2"/>
+                      <a:schemeClr val="accent1"/>
                     </a:solidFill>
                   </a:tcPr>
                 </a:tc>
@@ -36663,7 +36715,7 @@
                       <a:tailEnd len="sm" w="sm" type="none"/>
                     </a:lnB>
                     <a:solidFill>
-                      <a:schemeClr val="lt2"/>
+                      <a:schemeClr val="accent1"/>
                     </a:solidFill>
                   </a:tcPr>
                 </a:tc>
@@ -36736,7 +36788,7 @@
                       <a:tailEnd len="sm" w="sm" type="none"/>
                     </a:lnB>
                     <a:solidFill>
-                      <a:schemeClr val="dk1"/>
+                      <a:schemeClr val="dk2"/>
                     </a:solidFill>
                   </a:tcPr>
                 </a:tc>
@@ -38096,7 +38148,7 @@
             <a:avLst/>
           </a:prstGeom>
           <a:solidFill>
-            <a:schemeClr val="lt2"/>
+            <a:schemeClr val="accent1"/>
           </a:solidFill>
           <a:ln>
             <a:noFill/>
@@ -38840,28 +38892,28 @@
         <a:srgbClr val="FFFFFF"/>
       </a:lt1>
       <a:dk2>
-        <a:srgbClr val="808080"/>
+        <a:srgbClr val="404040"/>
       </a:dk2>
       <a:lt2>
-        <a:srgbClr val="DCDCDC"/>
+        <a:srgbClr val="808080"/>
       </a:lt2>
       <a:accent1>
-        <a:srgbClr val="D50D01"/>
+        <a:srgbClr val="D0D0D0"/>
       </a:accent1>
       <a:accent2>
-        <a:srgbClr val="448AFF"/>
+        <a:srgbClr val="4169E1"/>
       </a:accent2>
       <a:accent3>
         <a:srgbClr val="D50D01"/>
       </a:accent3>
       <a:accent4>
-        <a:srgbClr val="424242"/>
+        <a:srgbClr val="FEB612"/>
       </a:accent4>
       <a:accent5>
-        <a:srgbClr val="3F51B5"/>
+        <a:srgbClr val="4CAF50"/>
       </a:accent5>
       <a:accent6>
-        <a:srgbClr val="4CAF50"/>
+        <a:srgbClr val="8E44AD"/>
       </a:accent6>
       <a:hlink>
         <a:srgbClr val="34A3C5"/>

--- a/Lecture slides/AMOS B04 - Agile Planning.pptx
+++ b/Lecture slides/AMOS B04 - Agile Planning.pptx
@@ -5710,7 +5710,7 @@
       </p:grpSpPr>
       <p:sp>
         <p:nvSpPr>
-          <p:cNvPr id="407" name="Google Shape;407;g1a112b6dc16_0_65:notes"/>
+          <p:cNvPr id="407" name="Google Shape;407;g1e1c15a62a5_0_38:notes"/>
           <p:cNvSpPr/>
           <p:nvPr>
             <p:ph idx="2" type="sldImg"/>
@@ -5745,7 +5745,7 @@
       </p:sp>
       <p:sp>
         <p:nvSpPr>
-          <p:cNvPr id="408" name="Google Shape;408;g1a112b6dc16_0_65:notes"/>
+          <p:cNvPr id="408" name="Google Shape;408;g1e1c15a62a5_0_38:notes"/>
           <p:cNvSpPr txBox="1"/>
           <p:nvPr>
             <p:ph idx="1" type="body"/>
@@ -5809,7 +5809,7 @@
       </p:grpSpPr>
       <p:sp>
         <p:nvSpPr>
-          <p:cNvPr id="413" name="Google Shape;413;g1a112b6dc16_0_70:notes"/>
+          <p:cNvPr id="413" name="Google Shape;413;g1e1c15a62a5_0_43:notes"/>
           <p:cNvSpPr/>
           <p:nvPr>
             <p:ph idx="2" type="sldImg"/>
@@ -5844,7 +5844,7 @@
       </p:sp>
       <p:sp>
         <p:nvSpPr>
-          <p:cNvPr id="414" name="Google Shape;414;g1a112b6dc16_0_70:notes"/>
+          <p:cNvPr id="414" name="Google Shape;414;g1e1c15a62a5_0_43:notes"/>
           <p:cNvSpPr txBox="1"/>
           <p:nvPr>
             <p:ph idx="1" type="body"/>
@@ -10123,7 +10123,7 @@
             <a:tbl>
               <a:tblPr>
                 <a:noFill/>
-                <a:tableStyleId>{C32E13DA-47A8-4D8C-964E-CF21A8EA1F32}</a:tableStyleId>
+                <a:tableStyleId>{74994EF5-5747-4054-BFFE-0F589D12AFD7}</a:tableStyleId>
               </a:tblPr>
               <a:tblGrid>
                 <a:gridCol w="2466575"/>
@@ -12176,7 +12176,7 @@
           <a:noFill/>
           <a:ln cap="flat" cmpd="sng" w="38100">
             <a:solidFill>
-              <a:schemeClr val="accent2"/>
+              <a:schemeClr val="accent3"/>
             </a:solidFill>
             <a:prstDash val="solid"/>
             <a:round/>
@@ -13778,7 +13778,7 @@
             <a:tbl>
               <a:tblPr>
                 <a:noFill/>
-                <a:tableStyleId>{C32E13DA-47A8-4D8C-964E-CF21A8EA1F32}</a:tableStyleId>
+                <a:tableStyleId>{74994EF5-5747-4054-BFFE-0F589D12AFD7}</a:tableStyleId>
               </a:tblPr>
               <a:tblGrid>
                 <a:gridCol w="647000"/>
@@ -15165,7 +15165,7 @@
             <a:tbl>
               <a:tblPr>
                 <a:noFill/>
-                <a:tableStyleId>{C32E13DA-47A8-4D8C-964E-CF21A8EA1F32}</a:tableStyleId>
+                <a:tableStyleId>{74994EF5-5747-4054-BFFE-0F589D12AFD7}</a:tableStyleId>
               </a:tblPr>
               <a:tblGrid>
                 <a:gridCol w="2057400"/>
@@ -18838,7 +18838,7 @@
             <a:tbl>
               <a:tblPr>
                 <a:noFill/>
-                <a:tableStyleId>{F26ACB85-F2E5-47D7-B2B8-1BB1D3C79A97}</a:tableStyleId>
+                <a:tableStyleId>{C2FBBCEA-9881-4B55-B92F-772B5F1FCB3C}</a:tableStyleId>
               </a:tblPr>
               <a:tblGrid>
                 <a:gridCol w="580225"/>
@@ -35695,7 +35695,7 @@
             <a:tbl>
               <a:tblPr>
                 <a:noFill/>
-                <a:tableStyleId>{C32E13DA-47A8-4D8C-964E-CF21A8EA1F32}</a:tableStyleId>
+                <a:tableStyleId>{74994EF5-5747-4054-BFFE-0F589D12AFD7}</a:tableStyleId>
               </a:tblPr>
               <a:tblGrid>
                 <a:gridCol w="1719075"/>
@@ -37805,14 +37805,10 @@
               <a:t>https://profriehle.com</a:t>
             </a:r>
             <a:r>
-              <a:rPr b="0" lang="en" sz="900">
-                <a:solidFill>
-                  <a:schemeClr val="dk2"/>
-                </a:solidFill>
-              </a:rPr>
+              <a:rPr b="0" lang="en" sz="900"/>
               <a:t> </a:t>
             </a:r>
-            <a:endParaRPr/>
+            <a:endParaRPr b="0" sz="900"/>
           </a:p>
         </p:txBody>
       </p:sp>

--- a/Lecture slides/AMOS B04 - Agile Planning.pptx
+++ b/Lecture slides/AMOS B04 - Agile Planning.pptx
@@ -10588,7 +10588,7 @@
             <a:tbl>
               <a:tblPr>
                 <a:noFill/>
-                <a:tableStyleId>{CAE46BF5-8B95-4B16-ADBE-09DE284D6143}</a:tableStyleId>
+                <a:tableStyleId>{AF64ACD7-5F4C-4F97-ACED-7D38AF8AA32A}</a:tableStyleId>
               </a:tblPr>
               <a:tblGrid>
                 <a:gridCol w="2466575"/>
@@ -14305,7 +14305,7 @@
             <a:tbl>
               <a:tblPr>
                 <a:noFill/>
-                <a:tableStyleId>{CAE46BF5-8B95-4B16-ADBE-09DE284D6143}</a:tableStyleId>
+                <a:tableStyleId>{AF64ACD7-5F4C-4F97-ACED-7D38AF8AA32A}</a:tableStyleId>
               </a:tblPr>
               <a:tblGrid>
                 <a:gridCol w="647000"/>
@@ -15720,7 +15720,7 @@
             <a:tbl>
               <a:tblPr>
                 <a:noFill/>
-                <a:tableStyleId>{CAE46BF5-8B95-4B16-ADBE-09DE284D6143}</a:tableStyleId>
+                <a:tableStyleId>{AF64ACD7-5F4C-4F97-ACED-7D38AF8AA32A}</a:tableStyleId>
               </a:tblPr>
               <a:tblGrid>
                 <a:gridCol w="2057400"/>
@@ -20368,7 +20368,7 @@
             <a:tbl>
               <a:tblPr>
                 <a:noFill/>
-                <a:tableStyleId>{93E28D24-6658-430B-A286-D83427F182ED}</a:tableStyleId>
+                <a:tableStyleId>{A8476B74-0072-4FD0-ABB4-C808092CD5C4}</a:tableStyleId>
               </a:tblPr>
               <a:tblGrid>
                 <a:gridCol w="645525"/>
@@ -33651,7 +33651,7 @@
             <a:tbl>
               <a:tblPr>
                 <a:noFill/>
-                <a:tableStyleId>{CAE46BF5-8B95-4B16-ADBE-09DE284D6143}</a:tableStyleId>
+                <a:tableStyleId>{AF64ACD7-5F4C-4F97-ACED-7D38AF8AA32A}</a:tableStyleId>
               </a:tblPr>
               <a:tblGrid>
                 <a:gridCol w="1719075"/>
@@ -36774,6 +36774,285 @@
 </file>
 
 <file path=ppt/theme/theme1.xml><?xml version="1.0" encoding="utf-8"?>
+<a:theme xmlns:a="http://schemas.openxmlformats.org/drawingml/2006/main" xmlns:r="http://schemas.openxmlformats.org/officeDocument/2006/relationships">
+  <a:themeElements>
+    <a:clrScheme name="Default">
+      <a:dk1>
+        <a:srgbClr val="000000"/>
+      </a:dk1>
+      <a:lt1>
+        <a:srgbClr val="FFFFFF"/>
+      </a:lt1>
+      <a:dk2>
+        <a:srgbClr val="158158"/>
+      </a:dk2>
+      <a:lt2>
+        <a:srgbClr val="F3F3F3"/>
+      </a:lt2>
+      <a:accent1>
+        <a:srgbClr val="058DC7"/>
+      </a:accent1>
+      <a:accent2>
+        <a:srgbClr val="50B432"/>
+      </a:accent2>
+      <a:accent3>
+        <a:srgbClr val="ED561B"/>
+      </a:accent3>
+      <a:accent4>
+        <a:srgbClr val="EDEF00"/>
+      </a:accent4>
+      <a:accent5>
+        <a:srgbClr val="24CBE5"/>
+      </a:accent5>
+      <a:accent6>
+        <a:srgbClr val="64E572"/>
+      </a:accent6>
+      <a:hlink>
+        <a:srgbClr val="2200CC"/>
+      </a:hlink>
+      <a:folHlink>
+        <a:srgbClr val="551A8B"/>
+      </a:folHlink>
+    </a:clrScheme>
+    <a:fontScheme name="Office">
+      <a:majorFont>
+        <a:latin typeface="Arial"/>
+        <a:ea typeface=""/>
+        <a:cs typeface=""/>
+        <a:font script="Jpan" typeface="ＭＳ Ｐゴシック"/>
+        <a:font script="Hang" typeface="맑은 고딕"/>
+        <a:font script="Hans" typeface="宋体"/>
+        <a:font script="Hant" typeface="新細明體"/>
+        <a:font script="Arab" typeface="Times New Roman"/>
+        <a:font script="Hebr" typeface="Times New Roman"/>
+        <a:font script="Thai" typeface="Angsana New"/>
+        <a:font script="Ethi" typeface="Nyala"/>
+        <a:font script="Beng" typeface="Vrinda"/>
+        <a:font script="Gujr" typeface="Shruti"/>
+        <a:font script="Khmr" typeface="MoolBoran"/>
+        <a:font script="Knda" typeface="Tunga"/>
+        <a:font script="Guru" typeface="Raavi"/>
+        <a:font script="Cans" typeface="Euphemia"/>
+        <a:font script="Cher" typeface="Plantagenet Cherokee"/>
+        <a:font script="Yiii" typeface="Microsoft Yi Baiti"/>
+        <a:font script="Tibt" typeface="Microsoft Himalaya"/>
+        <a:font script="Thaa" typeface="MV Boli"/>
+        <a:font script="Deva" typeface="Mangal"/>
+        <a:font script="Telu" typeface="Gautami"/>
+        <a:font script="Taml" typeface="Latha"/>
+        <a:font script="Syrc" typeface="Estrangelo Edessa"/>
+        <a:font script="Orya" typeface="Kalinga"/>
+        <a:font script="Mlym" typeface="Kartika"/>
+        <a:font script="Laoo" typeface="DokChampa"/>
+        <a:font script="Sinh" typeface="Iskoola Pota"/>
+        <a:font script="Mong" typeface="Mongolian Baiti"/>
+        <a:font script="Viet" typeface="Times New Roman"/>
+        <a:font script="Uigh" typeface="Microsoft Uighur"/>
+        <a:font script="Geor" typeface="Sylfaen"/>
+      </a:majorFont>
+      <a:minorFont>
+        <a:latin typeface="Arial"/>
+        <a:ea typeface=""/>
+        <a:cs typeface=""/>
+        <a:font script="Jpan" typeface="ＭＳ Ｐゴシック"/>
+        <a:font script="Hang" typeface="맑은 고딕"/>
+        <a:font script="Hans" typeface="宋体"/>
+        <a:font script="Hant" typeface="新細明體"/>
+        <a:font script="Arab" typeface="Arial"/>
+        <a:font script="Hebr" typeface="Arial"/>
+        <a:font script="Thai" typeface="Cordia New"/>
+        <a:font script="Ethi" typeface="Nyala"/>
+        <a:font script="Beng" typeface="Vrinda"/>
+        <a:font script="Gujr" typeface="Shruti"/>
+        <a:font script="Khmr" typeface="DaunPenh"/>
+        <a:font script="Knda" typeface="Tunga"/>
+        <a:font script="Guru" typeface="Raavi"/>
+        <a:font script="Cans" typeface="Euphemia"/>
+        <a:font script="Cher" typeface="Plantagenet Cherokee"/>
+        <a:font script="Yiii" typeface="Microsoft Yi Baiti"/>
+        <a:font script="Tibt" typeface="Microsoft Himalaya"/>
+        <a:font script="Thaa" typeface="MV Boli"/>
+        <a:font script="Deva" typeface="Mangal"/>
+        <a:font script="Telu" typeface="Gautami"/>
+        <a:font script="Taml" typeface="Latha"/>
+        <a:font script="Syrc" typeface="Estrangelo Edessa"/>
+        <a:font script="Orya" typeface="Kalinga"/>
+        <a:font script="Mlym" typeface="Kartika"/>
+        <a:font script="Laoo" typeface="DokChampa"/>
+        <a:font script="Sinh" typeface="Iskoola Pota"/>
+        <a:font script="Mong" typeface="Mongolian Baiti"/>
+        <a:font script="Viet" typeface="Arial"/>
+        <a:font script="Uigh" typeface="Microsoft Uighur"/>
+        <a:font script="Geor" typeface="Sylfaen"/>
+      </a:minorFont>
+    </a:fontScheme>
+    <a:fmtScheme name="Office">
+      <a:fillStyleLst>
+        <a:solidFill>
+          <a:schemeClr val="phClr"/>
+        </a:solidFill>
+        <a:gradFill rotWithShape="1">
+          <a:gsLst>
+            <a:gs pos="0">
+              <a:schemeClr val="phClr">
+                <a:tint val="50000"/>
+                <a:satMod val="300000"/>
+              </a:schemeClr>
+            </a:gs>
+            <a:gs pos="35000">
+              <a:schemeClr val="phClr">
+                <a:tint val="37000"/>
+                <a:satMod val="300000"/>
+              </a:schemeClr>
+            </a:gs>
+            <a:gs pos="100000">
+              <a:schemeClr val="phClr">
+                <a:tint val="15000"/>
+                <a:satMod val="350000"/>
+              </a:schemeClr>
+            </a:gs>
+          </a:gsLst>
+          <a:lin ang="16200000" scaled="1"/>
+        </a:gradFill>
+        <a:gradFill rotWithShape="1">
+          <a:gsLst>
+            <a:gs pos="0">
+              <a:schemeClr val="phClr">
+                <a:tint val="100000"/>
+                <a:shade val="100000"/>
+                <a:satMod val="130000"/>
+              </a:schemeClr>
+            </a:gs>
+            <a:gs pos="100000">
+              <a:schemeClr val="phClr">
+                <a:tint val="50000"/>
+                <a:shade val="100000"/>
+                <a:satMod val="350000"/>
+              </a:schemeClr>
+            </a:gs>
+          </a:gsLst>
+          <a:lin ang="16200000" scaled="0"/>
+        </a:gradFill>
+      </a:fillStyleLst>
+      <a:lnStyleLst>
+        <a:ln w="9525" cap="flat" cmpd="sng" algn="ctr">
+          <a:solidFill>
+            <a:schemeClr val="phClr">
+              <a:shade val="95000"/>
+              <a:satMod val="105000"/>
+            </a:schemeClr>
+          </a:solidFill>
+          <a:prstDash val="solid"/>
+        </a:ln>
+        <a:ln w="25400" cap="flat" cmpd="sng" algn="ctr">
+          <a:solidFill>
+            <a:schemeClr val="phClr"/>
+          </a:solidFill>
+          <a:prstDash val="solid"/>
+        </a:ln>
+        <a:ln w="38100" cap="flat" cmpd="sng" algn="ctr">
+          <a:solidFill>
+            <a:schemeClr val="phClr"/>
+          </a:solidFill>
+          <a:prstDash val="solid"/>
+        </a:ln>
+      </a:lnStyleLst>
+      <a:effectStyleLst>
+        <a:effectStyle>
+          <a:effectLst>
+            <a:outerShdw blurRad="40000" dist="20000" dir="5400000" rotWithShape="0">
+              <a:srgbClr val="000000">
+                <a:alpha val="38000"/>
+              </a:srgbClr>
+            </a:outerShdw>
+          </a:effectLst>
+        </a:effectStyle>
+        <a:effectStyle>
+          <a:effectLst>
+            <a:outerShdw blurRad="40000" dist="23000" dir="5400000" rotWithShape="0">
+              <a:srgbClr val="000000">
+                <a:alpha val="35000"/>
+              </a:srgbClr>
+            </a:outerShdw>
+          </a:effectLst>
+        </a:effectStyle>
+        <a:effectStyle>
+          <a:effectLst>
+            <a:outerShdw blurRad="40000" dist="23000" dir="5400000" rotWithShape="0">
+              <a:srgbClr val="000000">
+                <a:alpha val="35000"/>
+              </a:srgbClr>
+            </a:outerShdw>
+          </a:effectLst>
+          <a:scene3d>
+            <a:camera prst="orthographicFront">
+              <a:rot lat="0" lon="0" rev="0"/>
+            </a:camera>
+            <a:lightRig rig="threePt" dir="t">
+              <a:rot lat="0" lon="0" rev="1200000"/>
+            </a:lightRig>
+          </a:scene3d>
+          <a:sp3d>
+            <a:bevelT w="63500" h="25400"/>
+          </a:sp3d>
+        </a:effectStyle>
+      </a:effectStyleLst>
+      <a:bgFillStyleLst>
+        <a:solidFill>
+          <a:schemeClr val="phClr"/>
+        </a:solidFill>
+        <a:gradFill rotWithShape="1">
+          <a:gsLst>
+            <a:gs pos="0">
+              <a:schemeClr val="phClr">
+                <a:tint val="40000"/>
+                <a:satMod val="350000"/>
+              </a:schemeClr>
+            </a:gs>
+            <a:gs pos="40000">
+              <a:schemeClr val="phClr">
+                <a:tint val="45000"/>
+                <a:shade val="99000"/>
+                <a:satMod val="350000"/>
+              </a:schemeClr>
+            </a:gs>
+            <a:gs pos="100000">
+              <a:schemeClr val="phClr">
+                <a:shade val="20000"/>
+                <a:satMod val="255000"/>
+              </a:schemeClr>
+            </a:gs>
+          </a:gsLst>
+          <a:path path="circle">
+            <a:fillToRect l="50000" t="-80000" r="50000" b="180000"/>
+          </a:path>
+        </a:gradFill>
+        <a:gradFill rotWithShape="1">
+          <a:gsLst>
+            <a:gs pos="0">
+              <a:schemeClr val="phClr">
+                <a:tint val="80000"/>
+                <a:satMod val="300000"/>
+              </a:schemeClr>
+            </a:gs>
+            <a:gs pos="100000">
+              <a:schemeClr val="phClr">
+                <a:shade val="30000"/>
+                <a:satMod val="200000"/>
+              </a:schemeClr>
+            </a:gs>
+          </a:gsLst>
+          <a:path path="circle">
+            <a:fillToRect l="50000" t="50000" r="50000" b="50000"/>
+          </a:path>
+        </a:gradFill>
+      </a:bgFillStyleLst>
+    </a:fmtScheme>
+  </a:themeElements>
+</a:theme>
+</file>
+
+<file path=ppt/theme/theme2.xml><?xml version="1.0" encoding="utf-8"?>
 <a:theme xmlns:a="http://schemas.openxmlformats.org/drawingml/2006/main" xmlns:r="http://schemas.openxmlformats.org/officeDocument/2006/relationships" name="AMOS Slides Template">
   <a:themeElements>
     <a:clrScheme name="Simple Light">
@@ -37050,283 +37329,4 @@
     </a:fmtScheme>
   </a:themeElements>
 </a:theme>
-</file>
-
-<file path=ppt/theme/theme2.xml><?xml version="1.0" encoding="utf-8"?>
-<a:theme xmlns:a="http://schemas.openxmlformats.org/drawingml/2006/main" xmlns:r="http://schemas.openxmlformats.org/officeDocument/2006/relationships">
-  <a:themeElements>
-    <a:clrScheme name="Default">
-      <a:dk1>
-        <a:srgbClr val="000000"/>
-      </a:dk1>
-      <a:lt1>
-        <a:srgbClr val="FFFFFF"/>
-      </a:lt1>
-      <a:dk2>
-        <a:srgbClr val="158158"/>
-      </a:dk2>
-      <a:lt2>
-        <a:srgbClr val="F3F3F3"/>
-      </a:lt2>
-      <a:accent1>
-        <a:srgbClr val="058DC7"/>
-      </a:accent1>
-      <a:accent2>
-        <a:srgbClr val="50B432"/>
-      </a:accent2>
-      <a:accent3>
-        <a:srgbClr val="ED561B"/>
-      </a:accent3>
-      <a:accent4>
-        <a:srgbClr val="EDEF00"/>
-      </a:accent4>
-      <a:accent5>
-        <a:srgbClr val="24CBE5"/>
-      </a:accent5>
-      <a:accent6>
-        <a:srgbClr val="64E572"/>
-      </a:accent6>
-      <a:hlink>
-        <a:srgbClr val="2200CC"/>
-      </a:hlink>
-      <a:folHlink>
-        <a:srgbClr val="551A8B"/>
-      </a:folHlink>
-    </a:clrScheme>
-    <a:fontScheme name="Office">
-      <a:majorFont>
-        <a:latin typeface="Arial"/>
-        <a:ea typeface=""/>
-        <a:cs typeface=""/>
-        <a:font script="Jpan" typeface="ＭＳ Ｐゴシック"/>
-        <a:font script="Hang" typeface="맑은 고딕"/>
-        <a:font script="Hans" typeface="宋体"/>
-        <a:font script="Hant" typeface="新細明體"/>
-        <a:font script="Arab" typeface="Times New Roman"/>
-        <a:font script="Hebr" typeface="Times New Roman"/>
-        <a:font script="Thai" typeface="Angsana New"/>
-        <a:font script="Ethi" typeface="Nyala"/>
-        <a:font script="Beng" typeface="Vrinda"/>
-        <a:font script="Gujr" typeface="Shruti"/>
-        <a:font script="Khmr" typeface="MoolBoran"/>
-        <a:font script="Knda" typeface="Tunga"/>
-        <a:font script="Guru" typeface="Raavi"/>
-        <a:font script="Cans" typeface="Euphemia"/>
-        <a:font script="Cher" typeface="Plantagenet Cherokee"/>
-        <a:font script="Yiii" typeface="Microsoft Yi Baiti"/>
-        <a:font script="Tibt" typeface="Microsoft Himalaya"/>
-        <a:font script="Thaa" typeface="MV Boli"/>
-        <a:font script="Deva" typeface="Mangal"/>
-        <a:font script="Telu" typeface="Gautami"/>
-        <a:font script="Taml" typeface="Latha"/>
-        <a:font script="Syrc" typeface="Estrangelo Edessa"/>
-        <a:font script="Orya" typeface="Kalinga"/>
-        <a:font script="Mlym" typeface="Kartika"/>
-        <a:font script="Laoo" typeface="DokChampa"/>
-        <a:font script="Sinh" typeface="Iskoola Pota"/>
-        <a:font script="Mong" typeface="Mongolian Baiti"/>
-        <a:font script="Viet" typeface="Times New Roman"/>
-        <a:font script="Uigh" typeface="Microsoft Uighur"/>
-        <a:font script="Geor" typeface="Sylfaen"/>
-      </a:majorFont>
-      <a:minorFont>
-        <a:latin typeface="Arial"/>
-        <a:ea typeface=""/>
-        <a:cs typeface=""/>
-        <a:font script="Jpan" typeface="ＭＳ Ｐゴシック"/>
-        <a:font script="Hang" typeface="맑은 고딕"/>
-        <a:font script="Hans" typeface="宋体"/>
-        <a:font script="Hant" typeface="新細明體"/>
-        <a:font script="Arab" typeface="Arial"/>
-        <a:font script="Hebr" typeface="Arial"/>
-        <a:font script="Thai" typeface="Cordia New"/>
-        <a:font script="Ethi" typeface="Nyala"/>
-        <a:font script="Beng" typeface="Vrinda"/>
-        <a:font script="Gujr" typeface="Shruti"/>
-        <a:font script="Khmr" typeface="DaunPenh"/>
-        <a:font script="Knda" typeface="Tunga"/>
-        <a:font script="Guru" typeface="Raavi"/>
-        <a:font script="Cans" typeface="Euphemia"/>
-        <a:font script="Cher" typeface="Plantagenet Cherokee"/>
-        <a:font script="Yiii" typeface="Microsoft Yi Baiti"/>
-        <a:font script="Tibt" typeface="Microsoft Himalaya"/>
-        <a:font script="Thaa" typeface="MV Boli"/>
-        <a:font script="Deva" typeface="Mangal"/>
-        <a:font script="Telu" typeface="Gautami"/>
-        <a:font script="Taml" typeface="Latha"/>
-        <a:font script="Syrc" typeface="Estrangelo Edessa"/>
-        <a:font script="Orya" typeface="Kalinga"/>
-        <a:font script="Mlym" typeface="Kartika"/>
-        <a:font script="Laoo" typeface="DokChampa"/>
-        <a:font script="Sinh" typeface="Iskoola Pota"/>
-        <a:font script="Mong" typeface="Mongolian Baiti"/>
-        <a:font script="Viet" typeface="Arial"/>
-        <a:font script="Uigh" typeface="Microsoft Uighur"/>
-        <a:font script="Geor" typeface="Sylfaen"/>
-      </a:minorFont>
-    </a:fontScheme>
-    <a:fmtScheme name="Office">
-      <a:fillStyleLst>
-        <a:solidFill>
-          <a:schemeClr val="phClr"/>
-        </a:solidFill>
-        <a:gradFill rotWithShape="1">
-          <a:gsLst>
-            <a:gs pos="0">
-              <a:schemeClr val="phClr">
-                <a:tint val="50000"/>
-                <a:satMod val="300000"/>
-              </a:schemeClr>
-            </a:gs>
-            <a:gs pos="35000">
-              <a:schemeClr val="phClr">
-                <a:tint val="37000"/>
-                <a:satMod val="300000"/>
-              </a:schemeClr>
-            </a:gs>
-            <a:gs pos="100000">
-              <a:schemeClr val="phClr">
-                <a:tint val="15000"/>
-                <a:satMod val="350000"/>
-              </a:schemeClr>
-            </a:gs>
-          </a:gsLst>
-          <a:lin ang="16200000" scaled="1"/>
-        </a:gradFill>
-        <a:gradFill rotWithShape="1">
-          <a:gsLst>
-            <a:gs pos="0">
-              <a:schemeClr val="phClr">
-                <a:tint val="100000"/>
-                <a:shade val="100000"/>
-                <a:satMod val="130000"/>
-              </a:schemeClr>
-            </a:gs>
-            <a:gs pos="100000">
-              <a:schemeClr val="phClr">
-                <a:tint val="50000"/>
-                <a:shade val="100000"/>
-                <a:satMod val="350000"/>
-              </a:schemeClr>
-            </a:gs>
-          </a:gsLst>
-          <a:lin ang="16200000" scaled="0"/>
-        </a:gradFill>
-      </a:fillStyleLst>
-      <a:lnStyleLst>
-        <a:ln w="9525" cap="flat" cmpd="sng" algn="ctr">
-          <a:solidFill>
-            <a:schemeClr val="phClr">
-              <a:shade val="95000"/>
-              <a:satMod val="105000"/>
-            </a:schemeClr>
-          </a:solidFill>
-          <a:prstDash val="solid"/>
-        </a:ln>
-        <a:ln w="25400" cap="flat" cmpd="sng" algn="ctr">
-          <a:solidFill>
-            <a:schemeClr val="phClr"/>
-          </a:solidFill>
-          <a:prstDash val="solid"/>
-        </a:ln>
-        <a:ln w="38100" cap="flat" cmpd="sng" algn="ctr">
-          <a:solidFill>
-            <a:schemeClr val="phClr"/>
-          </a:solidFill>
-          <a:prstDash val="solid"/>
-        </a:ln>
-      </a:lnStyleLst>
-      <a:effectStyleLst>
-        <a:effectStyle>
-          <a:effectLst>
-            <a:outerShdw blurRad="40000" dist="20000" dir="5400000" rotWithShape="0">
-              <a:srgbClr val="000000">
-                <a:alpha val="38000"/>
-              </a:srgbClr>
-            </a:outerShdw>
-          </a:effectLst>
-        </a:effectStyle>
-        <a:effectStyle>
-          <a:effectLst>
-            <a:outerShdw blurRad="40000" dist="23000" dir="5400000" rotWithShape="0">
-              <a:srgbClr val="000000">
-                <a:alpha val="35000"/>
-              </a:srgbClr>
-            </a:outerShdw>
-          </a:effectLst>
-        </a:effectStyle>
-        <a:effectStyle>
-          <a:effectLst>
-            <a:outerShdw blurRad="40000" dist="23000" dir="5400000" rotWithShape="0">
-              <a:srgbClr val="000000">
-                <a:alpha val="35000"/>
-              </a:srgbClr>
-            </a:outerShdw>
-          </a:effectLst>
-          <a:scene3d>
-            <a:camera prst="orthographicFront">
-              <a:rot lat="0" lon="0" rev="0"/>
-            </a:camera>
-            <a:lightRig rig="threePt" dir="t">
-              <a:rot lat="0" lon="0" rev="1200000"/>
-            </a:lightRig>
-          </a:scene3d>
-          <a:sp3d>
-            <a:bevelT w="63500" h="25400"/>
-          </a:sp3d>
-        </a:effectStyle>
-      </a:effectStyleLst>
-      <a:bgFillStyleLst>
-        <a:solidFill>
-          <a:schemeClr val="phClr"/>
-        </a:solidFill>
-        <a:gradFill rotWithShape="1">
-          <a:gsLst>
-            <a:gs pos="0">
-              <a:schemeClr val="phClr">
-                <a:tint val="40000"/>
-                <a:satMod val="350000"/>
-              </a:schemeClr>
-            </a:gs>
-            <a:gs pos="40000">
-              <a:schemeClr val="phClr">
-                <a:tint val="45000"/>
-                <a:shade val="99000"/>
-                <a:satMod val="350000"/>
-              </a:schemeClr>
-            </a:gs>
-            <a:gs pos="100000">
-              <a:schemeClr val="phClr">
-                <a:shade val="20000"/>
-                <a:satMod val="255000"/>
-              </a:schemeClr>
-            </a:gs>
-          </a:gsLst>
-          <a:path path="circle">
-            <a:fillToRect l="50000" t="-80000" r="50000" b="180000"/>
-          </a:path>
-        </a:gradFill>
-        <a:gradFill rotWithShape="1">
-          <a:gsLst>
-            <a:gs pos="0">
-              <a:schemeClr val="phClr">
-                <a:tint val="80000"/>
-                <a:satMod val="300000"/>
-              </a:schemeClr>
-            </a:gs>
-            <a:gs pos="100000">
-              <a:schemeClr val="phClr">
-                <a:shade val="30000"/>
-                <a:satMod val="200000"/>
-              </a:schemeClr>
-            </a:gs>
-          </a:gsLst>
-          <a:path path="circle">
-            <a:fillToRect l="50000" t="50000" r="50000" b="50000"/>
-          </a:path>
-        </a:gradFill>
-      </a:bgFillStyleLst>
-    </a:fmtScheme>
-  </a:themeElements>
-</a:theme>
 </file>
--- a/Lecture slides/AMOS B04 - Agile Planning.pptx
+++ b/Lecture slides/AMOS B04 - Agile Planning.pptx
@@ -2730,7 +2730,7 @@
   <p:cSld>
     <p:spTree>
       <p:nvGrpSpPr>
-        <p:cNvPr id="224" name="Shape 224"/>
+        <p:cNvPr id="225" name="Shape 225"/>
         <p:cNvGrpSpPr/>
         <p:nvPr/>
       </p:nvGrpSpPr>
@@ -2744,7 +2744,7 @@
       </p:grpSpPr>
       <p:sp>
         <p:nvSpPr>
-          <p:cNvPr id="225" name="Google Shape;225;g22d0a57d65a_0_51:notes"/>
+          <p:cNvPr id="226" name="Google Shape;226;g22d0a57d65a_0_51:notes"/>
           <p:cNvSpPr/>
           <p:nvPr>
             <p:ph idx="2" type="sldImg"/>
@@ -2779,7 +2779,7 @@
       </p:sp>
       <p:sp>
         <p:nvSpPr>
-          <p:cNvPr id="226" name="Google Shape;226;g22d0a57d65a_0_51:notes"/>
+          <p:cNvPr id="227" name="Google Shape;227;g22d0a57d65a_0_51:notes"/>
           <p:cNvSpPr txBox="1"/>
           <p:nvPr>
             <p:ph idx="1" type="body"/>
@@ -2829,7 +2829,7 @@
   <p:cSld>
     <p:spTree>
       <p:nvGrpSpPr>
-        <p:cNvPr id="231" name="Shape 231"/>
+        <p:cNvPr id="232" name="Shape 232"/>
         <p:cNvGrpSpPr/>
         <p:nvPr/>
       </p:nvGrpSpPr>
@@ -2843,7 +2843,7 @@
       </p:grpSpPr>
       <p:sp>
         <p:nvSpPr>
-          <p:cNvPr id="232" name="Google Shape;232;g22d58330789_0_0:notes"/>
+          <p:cNvPr id="233" name="Google Shape;233;g22d58330789_0_0:notes"/>
           <p:cNvSpPr/>
           <p:nvPr>
             <p:ph idx="2" type="sldImg"/>
@@ -2878,7 +2878,7 @@
       </p:sp>
       <p:sp>
         <p:nvSpPr>
-          <p:cNvPr id="233" name="Google Shape;233;g22d58330789_0_0:notes"/>
+          <p:cNvPr id="234" name="Google Shape;234;g22d58330789_0_0:notes"/>
           <p:cNvSpPr txBox="1"/>
           <p:nvPr>
             <p:ph idx="1" type="body"/>
@@ -3027,7 +3027,7 @@
   <p:cSld>
     <p:spTree>
       <p:nvGrpSpPr>
-        <p:cNvPr id="239" name="Shape 239"/>
+        <p:cNvPr id="240" name="Shape 240"/>
         <p:cNvGrpSpPr/>
         <p:nvPr/>
       </p:nvGrpSpPr>
@@ -3041,7 +3041,7 @@
       </p:grpSpPr>
       <p:sp>
         <p:nvSpPr>
-          <p:cNvPr id="240" name="Google Shape;240;g22d0a57d65a_0_12:notes"/>
+          <p:cNvPr id="241" name="Google Shape;241;g22d0a57d65a_0_12:notes"/>
           <p:cNvSpPr/>
           <p:nvPr>
             <p:ph idx="2" type="sldImg"/>
@@ -3076,7 +3076,7 @@
       </p:sp>
       <p:sp>
         <p:nvSpPr>
-          <p:cNvPr id="241" name="Google Shape;241;g22d0a57d65a_0_12:notes"/>
+          <p:cNvPr id="242" name="Google Shape;242;g22d0a57d65a_0_12:notes"/>
           <p:cNvSpPr txBox="1"/>
           <p:nvPr>
             <p:ph idx="1" type="body"/>
@@ -3126,7 +3126,7 @@
   <p:cSld>
     <p:spTree>
       <p:nvGrpSpPr>
-        <p:cNvPr id="244" name="Shape 244"/>
+        <p:cNvPr id="245" name="Shape 245"/>
         <p:cNvGrpSpPr/>
         <p:nvPr/>
       </p:nvGrpSpPr>
@@ -3140,7 +3140,7 @@
       </p:grpSpPr>
       <p:sp>
         <p:nvSpPr>
-          <p:cNvPr id="245" name="Google Shape;245;g22d58330789_0_110:notes"/>
+          <p:cNvPr id="246" name="Google Shape;246;g22d58330789_0_110:notes"/>
           <p:cNvSpPr/>
           <p:nvPr>
             <p:ph idx="2" type="sldImg"/>
@@ -3175,7 +3175,7 @@
       </p:sp>
       <p:sp>
         <p:nvSpPr>
-          <p:cNvPr id="246" name="Google Shape;246;g22d58330789_0_110:notes"/>
+          <p:cNvPr id="247" name="Google Shape;247;g22d58330789_0_110:notes"/>
           <p:cNvSpPr txBox="1"/>
           <p:nvPr>
             <p:ph idx="1" type="body"/>
@@ -3225,7 +3225,7 @@
   <p:cSld>
     <p:spTree>
       <p:nvGrpSpPr>
-        <p:cNvPr id="251" name="Shape 251"/>
+        <p:cNvPr id="252" name="Shape 252"/>
         <p:cNvGrpSpPr/>
         <p:nvPr/>
       </p:nvGrpSpPr>
@@ -3239,7 +3239,7 @@
       </p:grpSpPr>
       <p:sp>
         <p:nvSpPr>
-          <p:cNvPr id="252" name="Google Shape;252;g22d0a57d65a_0_57:notes"/>
+          <p:cNvPr id="253" name="Google Shape;253;g22d0a57d65a_0_57:notes"/>
           <p:cNvSpPr/>
           <p:nvPr>
             <p:ph idx="2" type="sldImg"/>
@@ -3274,7 +3274,7 @@
       </p:sp>
       <p:sp>
         <p:nvSpPr>
-          <p:cNvPr id="253" name="Google Shape;253;g22d0a57d65a_0_57:notes"/>
+          <p:cNvPr id="254" name="Google Shape;254;g22d0a57d65a_0_57:notes"/>
           <p:cNvSpPr txBox="1"/>
           <p:nvPr>
             <p:ph idx="1" type="body"/>
@@ -3324,7 +3324,7 @@
   <p:cSld>
     <p:spTree>
       <p:nvGrpSpPr>
-        <p:cNvPr id="259" name="Shape 259"/>
+        <p:cNvPr id="260" name="Shape 260"/>
         <p:cNvGrpSpPr/>
         <p:nvPr/>
       </p:nvGrpSpPr>
@@ -3338,7 +3338,7 @@
       </p:grpSpPr>
       <p:sp>
         <p:nvSpPr>
-          <p:cNvPr id="260" name="Google Shape;260;g23e571cdfcc_0_0:notes"/>
+          <p:cNvPr id="261" name="Google Shape;261;g23e571cdfcc_0_0:notes"/>
           <p:cNvSpPr/>
           <p:nvPr>
             <p:ph idx="2" type="sldImg"/>
@@ -3373,7 +3373,7 @@
       </p:sp>
       <p:sp>
         <p:nvSpPr>
-          <p:cNvPr id="261" name="Google Shape;261;g23e571cdfcc_0_0:notes"/>
+          <p:cNvPr id="262" name="Google Shape;262;g23e571cdfcc_0_0:notes"/>
           <p:cNvSpPr txBox="1"/>
           <p:nvPr>
             <p:ph idx="1" type="body"/>
@@ -3423,7 +3423,7 @@
   <p:cSld>
     <p:spTree>
       <p:nvGrpSpPr>
-        <p:cNvPr id="266" name="Shape 266"/>
+        <p:cNvPr id="267" name="Shape 267"/>
         <p:cNvGrpSpPr/>
         <p:nvPr/>
       </p:nvGrpSpPr>
@@ -3437,7 +3437,7 @@
       </p:grpSpPr>
       <p:sp>
         <p:nvSpPr>
-          <p:cNvPr id="267" name="Google Shape;267;g23f3a7ed1f3_0_0:notes"/>
+          <p:cNvPr id="268" name="Google Shape;268;g23f3a7ed1f3_0_0:notes"/>
           <p:cNvSpPr/>
           <p:nvPr>
             <p:ph idx="2" type="sldImg"/>
@@ -3472,7 +3472,7 @@
       </p:sp>
       <p:sp>
         <p:nvSpPr>
-          <p:cNvPr id="268" name="Google Shape;268;g23f3a7ed1f3_0_0:notes"/>
+          <p:cNvPr id="269" name="Google Shape;269;g23f3a7ed1f3_0_0:notes"/>
           <p:cNvSpPr txBox="1"/>
           <p:nvPr>
             <p:ph idx="1" type="body"/>
@@ -3522,7 +3522,7 @@
   <p:cSld>
     <p:spTree>
       <p:nvGrpSpPr>
-        <p:cNvPr id="273" name="Shape 273"/>
+        <p:cNvPr id="274" name="Shape 274"/>
         <p:cNvGrpSpPr/>
         <p:nvPr/>
       </p:nvGrpSpPr>
@@ -3536,7 +3536,7 @@
       </p:grpSpPr>
       <p:sp>
         <p:nvSpPr>
-          <p:cNvPr id="274" name="Google Shape;274;g23e571cdfcc_0_6:notes"/>
+          <p:cNvPr id="275" name="Google Shape;275;g23e571cdfcc_0_6:notes"/>
           <p:cNvSpPr/>
           <p:nvPr>
             <p:ph idx="2" type="sldImg"/>
@@ -3571,7 +3571,7 @@
       </p:sp>
       <p:sp>
         <p:nvSpPr>
-          <p:cNvPr id="275" name="Google Shape;275;g23e571cdfcc_0_6:notes"/>
+          <p:cNvPr id="276" name="Google Shape;276;g23e571cdfcc_0_6:notes"/>
           <p:cNvSpPr txBox="1"/>
           <p:nvPr>
             <p:ph idx="1" type="body"/>
@@ -3621,7 +3621,7 @@
   <p:cSld>
     <p:spTree>
       <p:nvGrpSpPr>
-        <p:cNvPr id="280" name="Shape 280"/>
+        <p:cNvPr id="281" name="Shape 281"/>
         <p:cNvGrpSpPr/>
         <p:nvPr/>
       </p:nvGrpSpPr>
@@ -3635,7 +3635,7 @@
       </p:grpSpPr>
       <p:sp>
         <p:nvSpPr>
-          <p:cNvPr id="281" name="Google Shape;281;g22e00a9b09e_0_1:notes"/>
+          <p:cNvPr id="282" name="Google Shape;282;g22e00a9b09e_0_1:notes"/>
           <p:cNvSpPr/>
           <p:nvPr>
             <p:ph idx="2" type="sldImg"/>
@@ -3670,7 +3670,7 @@
       </p:sp>
       <p:sp>
         <p:nvSpPr>
-          <p:cNvPr id="282" name="Google Shape;282;g22e00a9b09e_0_1:notes"/>
+          <p:cNvPr id="283" name="Google Shape;283;g22e00a9b09e_0_1:notes"/>
           <p:cNvSpPr txBox="1"/>
           <p:nvPr>
             <p:ph idx="1" type="body"/>
@@ -3720,7 +3720,7 @@
   <p:cSld>
     <p:spTree>
       <p:nvGrpSpPr>
-        <p:cNvPr id="288" name="Shape 288"/>
+        <p:cNvPr id="289" name="Shape 289"/>
         <p:cNvGrpSpPr/>
         <p:nvPr/>
       </p:nvGrpSpPr>
@@ -3734,7 +3734,7 @@
       </p:grpSpPr>
       <p:sp>
         <p:nvSpPr>
-          <p:cNvPr id="289" name="Google Shape;289;g22e00a9b09e_0_9:notes"/>
+          <p:cNvPr id="290" name="Google Shape;290;g22e00a9b09e_0_9:notes"/>
           <p:cNvSpPr/>
           <p:nvPr>
             <p:ph idx="2" type="sldImg"/>
@@ -3769,7 +3769,7 @@
       </p:sp>
       <p:sp>
         <p:nvSpPr>
-          <p:cNvPr id="290" name="Google Shape;290;g22e00a9b09e_0_9:notes"/>
+          <p:cNvPr id="291" name="Google Shape;291;g22e00a9b09e_0_9:notes"/>
           <p:cNvSpPr txBox="1"/>
           <p:nvPr>
             <p:ph idx="1" type="body"/>
@@ -3819,7 +3819,7 @@
   <p:cSld>
     <p:spTree>
       <p:nvGrpSpPr>
-        <p:cNvPr id="295" name="Shape 295"/>
+        <p:cNvPr id="296" name="Shape 296"/>
         <p:cNvGrpSpPr/>
         <p:nvPr/>
       </p:nvGrpSpPr>
@@ -3833,7 +3833,7 @@
       </p:grpSpPr>
       <p:sp>
         <p:nvSpPr>
-          <p:cNvPr id="296" name="Google Shape;296;g22e00a9b09e_0_37:notes"/>
+          <p:cNvPr id="297" name="Google Shape;297;g22e00a9b09e_0_37:notes"/>
           <p:cNvSpPr/>
           <p:nvPr>
             <p:ph idx="2" type="sldImg"/>
@@ -3868,7 +3868,7 @@
       </p:sp>
       <p:sp>
         <p:nvSpPr>
-          <p:cNvPr id="297" name="Google Shape;297;g22e00a9b09e_0_37:notes"/>
+          <p:cNvPr id="298" name="Google Shape;298;g22e00a9b09e_0_37:notes"/>
           <p:cNvSpPr txBox="1"/>
           <p:nvPr>
             <p:ph idx="1" type="body"/>
@@ -3918,7 +3918,7 @@
   <p:cSld>
     <p:spTree>
       <p:nvGrpSpPr>
-        <p:cNvPr id="302" name="Shape 302"/>
+        <p:cNvPr id="303" name="Shape 303"/>
         <p:cNvGrpSpPr/>
         <p:nvPr/>
       </p:nvGrpSpPr>
@@ -3932,7 +3932,7 @@
       </p:grpSpPr>
       <p:sp>
         <p:nvSpPr>
-          <p:cNvPr id="303" name="Google Shape;303;g22d0a57d65a_0_16:notes"/>
+          <p:cNvPr id="304" name="Google Shape;304;g22d0a57d65a_0_16:notes"/>
           <p:cNvSpPr/>
           <p:nvPr>
             <p:ph idx="2" type="sldImg"/>
@@ -3967,7 +3967,7 @@
       </p:sp>
       <p:sp>
         <p:nvSpPr>
-          <p:cNvPr id="304" name="Google Shape;304;g22d0a57d65a_0_16:notes"/>
+          <p:cNvPr id="305" name="Google Shape;305;g22d0a57d65a_0_16:notes"/>
           <p:cNvSpPr txBox="1"/>
           <p:nvPr>
             <p:ph idx="1" type="body"/>
@@ -4116,7 +4116,7 @@
   <p:cSld>
     <p:spTree>
       <p:nvGrpSpPr>
-        <p:cNvPr id="307" name="Shape 307"/>
+        <p:cNvPr id="308" name="Shape 308"/>
         <p:cNvGrpSpPr/>
         <p:nvPr/>
       </p:nvGrpSpPr>
@@ -4130,7 +4130,7 @@
       </p:grpSpPr>
       <p:sp>
         <p:nvSpPr>
-          <p:cNvPr id="308" name="Google Shape;308;g22e00a9b09e_0_18:notes"/>
+          <p:cNvPr id="309" name="Google Shape;309;g22e00a9b09e_0_18:notes"/>
           <p:cNvSpPr/>
           <p:nvPr>
             <p:ph idx="2" type="sldImg"/>
@@ -4165,7 +4165,7 @@
       </p:sp>
       <p:sp>
         <p:nvSpPr>
-          <p:cNvPr id="309" name="Google Shape;309;g22e00a9b09e_0_18:notes"/>
+          <p:cNvPr id="310" name="Google Shape;310;g22e00a9b09e_0_18:notes"/>
           <p:cNvSpPr txBox="1"/>
           <p:nvPr>
             <p:ph idx="1" type="body"/>
@@ -4215,7 +4215,7 @@
   <p:cSld>
     <p:spTree>
       <p:nvGrpSpPr>
-        <p:cNvPr id="314" name="Shape 314"/>
+        <p:cNvPr id="315" name="Shape 315"/>
         <p:cNvGrpSpPr/>
         <p:nvPr/>
       </p:nvGrpSpPr>
@@ -4229,7 +4229,7 @@
       </p:grpSpPr>
       <p:sp>
         <p:nvSpPr>
-          <p:cNvPr id="315" name="Google Shape;315;g22e00a9b09e_0_24:notes"/>
+          <p:cNvPr id="316" name="Google Shape;316;g22e00a9b09e_0_24:notes"/>
           <p:cNvSpPr/>
           <p:nvPr>
             <p:ph idx="2" type="sldImg"/>
@@ -4264,7 +4264,7 @@
       </p:sp>
       <p:sp>
         <p:nvSpPr>
-          <p:cNvPr id="316" name="Google Shape;316;g22e00a9b09e_0_24:notes"/>
+          <p:cNvPr id="317" name="Google Shape;317;g22e00a9b09e_0_24:notes"/>
           <p:cNvSpPr txBox="1"/>
           <p:nvPr>
             <p:ph idx="1" type="body"/>
@@ -4314,7 +4314,7 @@
   <p:cSld>
     <p:spTree>
       <p:nvGrpSpPr>
-        <p:cNvPr id="321" name="Shape 321"/>
+        <p:cNvPr id="322" name="Shape 322"/>
         <p:cNvGrpSpPr/>
         <p:nvPr/>
       </p:nvGrpSpPr>
@@ -4328,7 +4328,7 @@
       </p:grpSpPr>
       <p:sp>
         <p:nvSpPr>
-          <p:cNvPr id="322" name="Google Shape;322;g22e00a9b09e_0_31:notes"/>
+          <p:cNvPr id="323" name="Google Shape;323;g22e00a9b09e_0_31:notes"/>
           <p:cNvSpPr/>
           <p:nvPr>
             <p:ph idx="2" type="sldImg"/>
@@ -4363,7 +4363,7 @@
       </p:sp>
       <p:sp>
         <p:nvSpPr>
-          <p:cNvPr id="323" name="Google Shape;323;g22e00a9b09e_0_31:notes"/>
+          <p:cNvPr id="324" name="Google Shape;324;g22e00a9b09e_0_31:notes"/>
           <p:cNvSpPr txBox="1"/>
           <p:nvPr>
             <p:ph idx="1" type="body"/>
@@ -4413,7 +4413,7 @@
   <p:cSld>
     <p:spTree>
       <p:nvGrpSpPr>
-        <p:cNvPr id="328" name="Shape 328"/>
+        <p:cNvPr id="329" name="Shape 329"/>
         <p:cNvGrpSpPr/>
         <p:nvPr/>
       </p:nvGrpSpPr>
@@ -4427,7 +4427,7 @@
       </p:grpSpPr>
       <p:sp>
         <p:nvSpPr>
-          <p:cNvPr id="329" name="Google Shape;329;g22e00a9b09e_0_46:notes"/>
+          <p:cNvPr id="330" name="Google Shape;330;g22e00a9b09e_0_46:notes"/>
           <p:cNvSpPr/>
           <p:nvPr>
             <p:ph idx="2" type="sldImg"/>
@@ -4462,7 +4462,7 @@
       </p:sp>
       <p:sp>
         <p:nvSpPr>
-          <p:cNvPr id="330" name="Google Shape;330;g22e00a9b09e_0_46:notes"/>
+          <p:cNvPr id="331" name="Google Shape;331;g22e00a9b09e_0_46:notes"/>
           <p:cNvSpPr txBox="1"/>
           <p:nvPr>
             <p:ph idx="1" type="body"/>
@@ -4512,7 +4512,7 @@
   <p:cSld>
     <p:spTree>
       <p:nvGrpSpPr>
-        <p:cNvPr id="335" name="Shape 335"/>
+        <p:cNvPr id="336" name="Shape 336"/>
         <p:cNvGrpSpPr/>
         <p:nvPr/>
       </p:nvGrpSpPr>
@@ -4526,7 +4526,7 @@
       </p:grpSpPr>
       <p:sp>
         <p:nvSpPr>
-          <p:cNvPr id="336" name="Google Shape;336;g22e00a9b09e_0_57:notes"/>
+          <p:cNvPr id="337" name="Google Shape;337;g22e00a9b09e_0_57:notes"/>
           <p:cNvSpPr/>
           <p:nvPr>
             <p:ph idx="2" type="sldImg"/>
@@ -4561,7 +4561,7 @@
       </p:sp>
       <p:sp>
         <p:nvSpPr>
-          <p:cNvPr id="337" name="Google Shape;337;g22e00a9b09e_0_57:notes"/>
+          <p:cNvPr id="338" name="Google Shape;338;g22e00a9b09e_0_57:notes"/>
           <p:cNvSpPr txBox="1"/>
           <p:nvPr>
             <p:ph idx="1" type="body"/>
@@ -4611,7 +4611,7 @@
   <p:cSld>
     <p:spTree>
       <p:nvGrpSpPr>
-        <p:cNvPr id="342" name="Shape 342"/>
+        <p:cNvPr id="343" name="Shape 343"/>
         <p:cNvGrpSpPr/>
         <p:nvPr/>
       </p:nvGrpSpPr>
@@ -4625,7 +4625,7 @@
       </p:grpSpPr>
       <p:sp>
         <p:nvSpPr>
-          <p:cNvPr id="343" name="Google Shape;343;g22e44005c08_0_0:notes"/>
+          <p:cNvPr id="344" name="Google Shape;344;g22e44005c08_0_0:notes"/>
           <p:cNvSpPr/>
           <p:nvPr>
             <p:ph idx="2" type="sldImg"/>
@@ -4660,7 +4660,7 @@
       </p:sp>
       <p:sp>
         <p:nvSpPr>
-          <p:cNvPr id="344" name="Google Shape;344;g22e44005c08_0_0:notes"/>
+          <p:cNvPr id="345" name="Google Shape;345;g22e44005c08_0_0:notes"/>
           <p:cNvSpPr txBox="1"/>
           <p:nvPr>
             <p:ph idx="1" type="body"/>
@@ -4710,7 +4710,7 @@
   <p:cSld>
     <p:spTree>
       <p:nvGrpSpPr>
-        <p:cNvPr id="349" name="Shape 349"/>
+        <p:cNvPr id="350" name="Shape 350"/>
         <p:cNvGrpSpPr/>
         <p:nvPr/>
       </p:nvGrpSpPr>
@@ -4724,7 +4724,7 @@
       </p:grpSpPr>
       <p:sp>
         <p:nvSpPr>
-          <p:cNvPr id="350" name="Google Shape;350;g22d0a57d65a_0_8:notes"/>
+          <p:cNvPr id="351" name="Google Shape;351;g22d0a57d65a_0_8:notes"/>
           <p:cNvSpPr/>
           <p:nvPr>
             <p:ph idx="2" type="sldImg"/>
@@ -4759,7 +4759,7 @@
       </p:sp>
       <p:sp>
         <p:nvSpPr>
-          <p:cNvPr id="351" name="Google Shape;351;g22d0a57d65a_0_8:notes"/>
+          <p:cNvPr id="352" name="Google Shape;352;g22d0a57d65a_0_8:notes"/>
           <p:cNvSpPr txBox="1"/>
           <p:nvPr>
             <p:ph idx="1" type="body"/>
@@ -4809,7 +4809,7 @@
   <p:cSld>
     <p:spTree>
       <p:nvGrpSpPr>
-        <p:cNvPr id="354" name="Shape 354"/>
+        <p:cNvPr id="355" name="Shape 355"/>
         <p:cNvGrpSpPr/>
         <p:nvPr/>
       </p:nvGrpSpPr>
@@ -4823,7 +4823,7 @@
       </p:grpSpPr>
       <p:sp>
         <p:nvSpPr>
-          <p:cNvPr id="355" name="Google Shape;355;g22e44005c08_0_33:notes"/>
+          <p:cNvPr id="356" name="Google Shape;356;g22e44005c08_0_33:notes"/>
           <p:cNvSpPr/>
           <p:nvPr>
             <p:ph idx="2" type="sldImg"/>
@@ -4858,7 +4858,7 @@
       </p:sp>
       <p:sp>
         <p:nvSpPr>
-          <p:cNvPr id="356" name="Google Shape;356;g22e44005c08_0_33:notes"/>
+          <p:cNvPr id="357" name="Google Shape;357;g22e44005c08_0_33:notes"/>
           <p:cNvSpPr txBox="1"/>
           <p:nvPr>
             <p:ph idx="1" type="body"/>
@@ -4908,7 +4908,7 @@
   <p:cSld>
     <p:spTree>
       <p:nvGrpSpPr>
-        <p:cNvPr id="361" name="Shape 361"/>
+        <p:cNvPr id="362" name="Shape 362"/>
         <p:cNvGrpSpPr/>
         <p:nvPr/>
       </p:nvGrpSpPr>
@@ -4922,7 +4922,7 @@
       </p:grpSpPr>
       <p:sp>
         <p:nvSpPr>
-          <p:cNvPr id="362" name="Google Shape;362;g152c562dbb7_0_0:notes"/>
+          <p:cNvPr id="363" name="Google Shape;363;g152c562dbb7_0_0:notes"/>
           <p:cNvSpPr/>
           <p:nvPr>
             <p:ph idx="2" type="sldImg"/>
@@ -4957,7 +4957,7 @@
       </p:sp>
       <p:sp>
         <p:nvSpPr>
-          <p:cNvPr id="363" name="Google Shape;363;g152c562dbb7_0_0:notes"/>
+          <p:cNvPr id="364" name="Google Shape;364;g152c562dbb7_0_0:notes"/>
           <p:cNvSpPr txBox="1"/>
           <p:nvPr>
             <p:ph idx="1" type="body"/>
@@ -5007,7 +5007,7 @@
   <p:cSld>
     <p:spTree>
       <p:nvGrpSpPr>
-        <p:cNvPr id="368" name="Shape 368"/>
+        <p:cNvPr id="369" name="Shape 369"/>
         <p:cNvGrpSpPr/>
         <p:nvPr/>
       </p:nvGrpSpPr>
@@ -5021,7 +5021,7 @@
       </p:grpSpPr>
       <p:sp>
         <p:nvSpPr>
-          <p:cNvPr id="369" name="Google Shape;369;g22d58330789_0_104:notes"/>
+          <p:cNvPr id="370" name="Google Shape;370;g22d58330789_0_104:notes"/>
           <p:cNvSpPr/>
           <p:nvPr>
             <p:ph idx="2" type="sldImg"/>
@@ -5056,7 +5056,7 @@
       </p:sp>
       <p:sp>
         <p:nvSpPr>
-          <p:cNvPr id="370" name="Google Shape;370;g22d58330789_0_104:notes"/>
+          <p:cNvPr id="371" name="Google Shape;371;g22d58330789_0_104:notes"/>
           <p:cNvSpPr txBox="1"/>
           <p:nvPr>
             <p:ph idx="1" type="body"/>
@@ -5205,7 +5205,7 @@
   <p:cSld>
     <p:spTree>
       <p:nvGrpSpPr>
-        <p:cNvPr id="375" name="Shape 375"/>
+        <p:cNvPr id="376" name="Shape 376"/>
         <p:cNvGrpSpPr/>
         <p:nvPr/>
       </p:nvGrpSpPr>
@@ -5219,7 +5219,7 @@
       </p:grpSpPr>
       <p:sp>
         <p:nvSpPr>
-          <p:cNvPr id="376" name="Google Shape;376;g22d58330789_0_92:notes"/>
+          <p:cNvPr id="377" name="Google Shape;377;g22d58330789_0_92:notes"/>
           <p:cNvSpPr/>
           <p:nvPr>
             <p:ph idx="2" type="sldImg"/>
@@ -5254,7 +5254,7 @@
       </p:sp>
       <p:sp>
         <p:nvSpPr>
-          <p:cNvPr id="377" name="Google Shape;377;g22d58330789_0_92:notes"/>
+          <p:cNvPr id="378" name="Google Shape;378;g22d58330789_0_92:notes"/>
           <p:cNvSpPr txBox="1"/>
           <p:nvPr>
             <p:ph idx="1" type="body"/>
@@ -5304,7 +5304,7 @@
   <p:cSld>
     <p:spTree>
       <p:nvGrpSpPr>
-        <p:cNvPr id="382" name="Shape 382"/>
+        <p:cNvPr id="383" name="Shape 383"/>
         <p:cNvGrpSpPr/>
         <p:nvPr/>
       </p:nvGrpSpPr>
@@ -5318,7 +5318,7 @@
       </p:grpSpPr>
       <p:sp>
         <p:nvSpPr>
-          <p:cNvPr id="383" name="Google Shape;383;g22d58330789_0_122:notes"/>
+          <p:cNvPr id="384" name="Google Shape;384;g22d58330789_0_122:notes"/>
           <p:cNvSpPr/>
           <p:nvPr>
             <p:ph idx="2" type="sldImg"/>
@@ -5353,7 +5353,7 @@
       </p:sp>
       <p:sp>
         <p:nvSpPr>
-          <p:cNvPr id="384" name="Google Shape;384;g22d58330789_0_122:notes"/>
+          <p:cNvPr id="385" name="Google Shape;385;g22d58330789_0_122:notes"/>
           <p:cNvSpPr txBox="1"/>
           <p:nvPr>
             <p:ph idx="1" type="body"/>
@@ -5403,7 +5403,7 @@
   <p:cSld>
     <p:spTree>
       <p:nvGrpSpPr>
-        <p:cNvPr id="389" name="Shape 389"/>
+        <p:cNvPr id="390" name="Shape 390"/>
         <p:cNvGrpSpPr/>
         <p:nvPr/>
       </p:nvGrpSpPr>
@@ -5417,7 +5417,7 @@
       </p:grpSpPr>
       <p:sp>
         <p:nvSpPr>
-          <p:cNvPr id="390" name="Google Shape;390;g22d58330789_0_116:notes"/>
+          <p:cNvPr id="391" name="Google Shape;391;g22d58330789_0_116:notes"/>
           <p:cNvSpPr/>
           <p:nvPr>
             <p:ph idx="2" type="sldImg"/>
@@ -5452,7 +5452,7 @@
       </p:sp>
       <p:sp>
         <p:nvSpPr>
-          <p:cNvPr id="391" name="Google Shape;391;g22d58330789_0_116:notes"/>
+          <p:cNvPr id="392" name="Google Shape;392;g22d58330789_0_116:notes"/>
           <p:cNvSpPr txBox="1"/>
           <p:nvPr>
             <p:ph idx="1" type="body"/>
@@ -5502,7 +5502,7 @@
   <p:cSld>
     <p:spTree>
       <p:nvGrpSpPr>
-        <p:cNvPr id="396" name="Shape 396"/>
+        <p:cNvPr id="397" name="Shape 397"/>
         <p:cNvGrpSpPr/>
         <p:nvPr/>
       </p:nvGrpSpPr>
@@ -5516,7 +5516,7 @@
       </p:grpSpPr>
       <p:sp>
         <p:nvSpPr>
-          <p:cNvPr id="397" name="Google Shape;397;g22d58330789_0_128:notes"/>
+          <p:cNvPr id="398" name="Google Shape;398;g22d58330789_0_128:notes"/>
           <p:cNvSpPr/>
           <p:nvPr>
             <p:ph idx="2" type="sldImg"/>
@@ -5551,7 +5551,7 @@
       </p:sp>
       <p:sp>
         <p:nvSpPr>
-          <p:cNvPr id="398" name="Google Shape;398;g22d58330789_0_128:notes"/>
+          <p:cNvPr id="399" name="Google Shape;399;g22d58330789_0_128:notes"/>
           <p:cNvSpPr txBox="1"/>
           <p:nvPr>
             <p:ph idx="1" type="body"/>
@@ -5601,7 +5601,7 @@
   <p:cSld>
     <p:spTree>
       <p:nvGrpSpPr>
-        <p:cNvPr id="403" name="Shape 403"/>
+        <p:cNvPr id="404" name="Shape 404"/>
         <p:cNvGrpSpPr/>
         <p:nvPr/>
       </p:nvGrpSpPr>
@@ -5615,7 +5615,7 @@
       </p:grpSpPr>
       <p:sp>
         <p:nvSpPr>
-          <p:cNvPr id="404" name="Google Shape;404;g22d0a57d65a_0_20:notes"/>
+          <p:cNvPr id="405" name="Google Shape;405;g22d0a57d65a_0_20:notes"/>
           <p:cNvSpPr/>
           <p:nvPr>
             <p:ph idx="2" type="sldImg"/>
@@ -5650,7 +5650,7 @@
       </p:sp>
       <p:sp>
         <p:nvSpPr>
-          <p:cNvPr id="405" name="Google Shape;405;g22d0a57d65a_0_20:notes"/>
+          <p:cNvPr id="406" name="Google Shape;406;g22d0a57d65a_0_20:notes"/>
           <p:cNvSpPr txBox="1"/>
           <p:nvPr>
             <p:ph idx="1" type="body"/>
@@ -5700,7 +5700,7 @@
   <p:cSld>
     <p:spTree>
       <p:nvGrpSpPr>
-        <p:cNvPr id="408" name="Shape 408"/>
+        <p:cNvPr id="409" name="Shape 409"/>
         <p:cNvGrpSpPr/>
         <p:nvPr/>
       </p:nvGrpSpPr>
@@ -5714,7 +5714,7 @@
       </p:grpSpPr>
       <p:sp>
         <p:nvSpPr>
-          <p:cNvPr id="409" name="Google Shape;409;g22e00a9b09e_0_67:notes"/>
+          <p:cNvPr id="410" name="Google Shape;410;g22e00a9b09e_0_67:notes"/>
           <p:cNvSpPr/>
           <p:nvPr>
             <p:ph idx="2" type="sldImg"/>
@@ -5749,7 +5749,7 @@
       </p:sp>
       <p:sp>
         <p:nvSpPr>
-          <p:cNvPr id="410" name="Google Shape;410;g22e00a9b09e_0_67:notes"/>
+          <p:cNvPr id="411" name="Google Shape;411;g22e00a9b09e_0_67:notes"/>
           <p:cNvSpPr txBox="1"/>
           <p:nvPr>
             <p:ph idx="1" type="body"/>
@@ -5799,7 +5799,7 @@
   <p:cSld>
     <p:spTree>
       <p:nvGrpSpPr>
-        <p:cNvPr id="415" name="Shape 415"/>
+        <p:cNvPr id="416" name="Shape 416"/>
         <p:cNvGrpSpPr/>
         <p:nvPr/>
       </p:nvGrpSpPr>
@@ -5813,7 +5813,7 @@
       </p:grpSpPr>
       <p:sp>
         <p:nvSpPr>
-          <p:cNvPr id="416" name="Google Shape;416;g22e00a9b09e_0_80:notes"/>
+          <p:cNvPr id="417" name="Google Shape;417;g22e00a9b09e_0_80:notes"/>
           <p:cNvSpPr/>
           <p:nvPr>
             <p:ph idx="2" type="sldImg"/>
@@ -5848,7 +5848,7 @@
       </p:sp>
       <p:sp>
         <p:nvSpPr>
-          <p:cNvPr id="417" name="Google Shape;417;g22e00a9b09e_0_80:notes"/>
+          <p:cNvPr id="418" name="Google Shape;418;g22e00a9b09e_0_80:notes"/>
           <p:cNvSpPr txBox="1"/>
           <p:nvPr>
             <p:ph idx="1" type="body"/>
@@ -5898,7 +5898,7 @@
   <p:cSld>
     <p:spTree>
       <p:nvGrpSpPr>
-        <p:cNvPr id="422" name="Shape 422"/>
+        <p:cNvPr id="423" name="Shape 423"/>
         <p:cNvGrpSpPr/>
         <p:nvPr/>
       </p:nvGrpSpPr>
@@ -5912,7 +5912,7 @@
       </p:grpSpPr>
       <p:sp>
         <p:nvSpPr>
-          <p:cNvPr id="423" name="Google Shape;423;g22e00a9b09e_0_74:notes"/>
+          <p:cNvPr id="424" name="Google Shape;424;g22e00a9b09e_0_74:notes"/>
           <p:cNvSpPr/>
           <p:nvPr>
             <p:ph idx="2" type="sldImg"/>
@@ -5947,7 +5947,7 @@
       </p:sp>
       <p:sp>
         <p:nvSpPr>
-          <p:cNvPr id="424" name="Google Shape;424;g22e00a9b09e_0_74:notes"/>
+          <p:cNvPr id="425" name="Google Shape;425;g22e00a9b09e_0_74:notes"/>
           <p:cNvSpPr txBox="1"/>
           <p:nvPr>
             <p:ph idx="1" type="body"/>
@@ -5997,7 +5997,7 @@
   <p:cSld>
     <p:spTree>
       <p:nvGrpSpPr>
-        <p:cNvPr id="429" name="Shape 429"/>
+        <p:cNvPr id="430" name="Shape 430"/>
         <p:cNvGrpSpPr/>
         <p:nvPr/>
       </p:nvGrpSpPr>
@@ -6011,7 +6011,7 @@
       </p:grpSpPr>
       <p:sp>
         <p:nvSpPr>
-          <p:cNvPr id="430" name="Google Shape;430;g22d0a57d65a_0_24:notes"/>
+          <p:cNvPr id="431" name="Google Shape;431;g22d0a57d65a_0_24:notes"/>
           <p:cNvSpPr/>
           <p:nvPr>
             <p:ph idx="2" type="sldImg"/>
@@ -6046,7 +6046,7 @@
       </p:sp>
       <p:sp>
         <p:nvSpPr>
-          <p:cNvPr id="431" name="Google Shape;431;g22d0a57d65a_0_24:notes"/>
+          <p:cNvPr id="432" name="Google Shape;432;g22d0a57d65a_0_24:notes"/>
           <p:cNvSpPr txBox="1"/>
           <p:nvPr>
             <p:ph idx="1" type="body"/>
@@ -6096,7 +6096,7 @@
   <p:cSld>
     <p:spTree>
       <p:nvGrpSpPr>
-        <p:cNvPr id="436" name="Shape 436"/>
+        <p:cNvPr id="437" name="Shape 437"/>
         <p:cNvGrpSpPr/>
         <p:nvPr/>
       </p:nvGrpSpPr>
@@ -6110,7 +6110,7 @@
       </p:grpSpPr>
       <p:sp>
         <p:nvSpPr>
-          <p:cNvPr id="437" name="Google Shape;437;g1e1c15a62a5_0_38:notes"/>
+          <p:cNvPr id="438" name="Google Shape;438;g1e1c15a62a5_0_38:notes"/>
           <p:cNvSpPr/>
           <p:nvPr>
             <p:ph idx="2" type="sldImg"/>
@@ -6145,7 +6145,7 @@
       </p:sp>
       <p:sp>
         <p:nvSpPr>
-          <p:cNvPr id="438" name="Google Shape;438;g1e1c15a62a5_0_38:notes"/>
+          <p:cNvPr id="439" name="Google Shape;439;g1e1c15a62a5_0_38:notes"/>
           <p:cNvSpPr txBox="1"/>
           <p:nvPr>
             <p:ph idx="1" type="body"/>
@@ -6294,7 +6294,7 @@
   <p:cSld>
     <p:spTree>
       <p:nvGrpSpPr>
-        <p:cNvPr id="442" name="Shape 442"/>
+        <p:cNvPr id="443" name="Shape 443"/>
         <p:cNvGrpSpPr/>
         <p:nvPr/>
       </p:nvGrpSpPr>
@@ -6308,7 +6308,7 @@
       </p:grpSpPr>
       <p:sp>
         <p:nvSpPr>
-          <p:cNvPr id="443" name="Google Shape;443;g1e1c15a62a5_0_43:notes"/>
+          <p:cNvPr id="444" name="Google Shape;444;g1e1c15a62a5_0_43:notes"/>
           <p:cNvSpPr/>
           <p:nvPr>
             <p:ph idx="2" type="sldImg"/>
@@ -6343,7 +6343,7 @@
       </p:sp>
       <p:sp>
         <p:nvSpPr>
-          <p:cNvPr id="444" name="Google Shape;444;g1e1c15a62a5_0_43:notes"/>
+          <p:cNvPr id="445" name="Google Shape;445;g1e1c15a62a5_0_43:notes"/>
           <p:cNvSpPr txBox="1"/>
           <p:nvPr>
             <p:ph idx="1" type="body"/>
@@ -10588,7 +10588,7 @@
             <a:tbl>
               <a:tblPr>
                 <a:noFill/>
-                <a:tableStyleId>{AF64ACD7-5F4C-4F97-ACED-7D38AF8AA32A}</a:tableStyleId>
+                <a:tableStyleId>{86827F26-EF93-4D57-B62D-EEBE3584C8C3}</a:tableStyleId>
               </a:tblPr>
               <a:tblGrid>
                 <a:gridCol w="2466575"/>
@@ -10610,14 +10610,14 @@
                         <a:buNone/>
                       </a:pPr>
                       <a:r>
-                        <a:rPr b="1" lang="en">
+                        <a:rPr b="1" lang="en" sz="1800">
                           <a:solidFill>
                             <a:schemeClr val="lt1"/>
                           </a:solidFill>
                         </a:rPr>
                         <a:t>Term</a:t>
                       </a:r>
-                      <a:endParaRPr b="1">
+                      <a:endParaRPr b="1" sz="1800">
                         <a:solidFill>
                           <a:schemeClr val="lt1"/>
                         </a:solidFill>
@@ -10681,14 +10681,14 @@
                         <a:buNone/>
                       </a:pPr>
                       <a:r>
-                        <a:rPr b="1" lang="en">
+                        <a:rPr b="1" lang="en" sz="1800">
                           <a:solidFill>
                             <a:schemeClr val="lt1"/>
                           </a:solidFill>
                         </a:rPr>
                         <a:t>Definition</a:t>
                       </a:r>
-                      <a:endParaRPr b="1">
+                      <a:endParaRPr b="1" sz="1800">
                         <a:solidFill>
                           <a:schemeClr val="lt1"/>
                         </a:solidFill>
@@ -14305,7 +14305,7 @@
             <a:tbl>
               <a:tblPr>
                 <a:noFill/>
-                <a:tableStyleId>{AF64ACD7-5F4C-4F97-ACED-7D38AF8AA32A}</a:tableStyleId>
+                <a:tableStyleId>{86827F26-EF93-4D57-B62D-EEBE3584C8C3}</a:tableStyleId>
               </a:tblPr>
               <a:tblGrid>
                 <a:gridCol w="647000"/>
@@ -15720,7 +15720,7 @@
             <a:tbl>
               <a:tblPr>
                 <a:noFill/>
-                <a:tableStyleId>{AF64ACD7-5F4C-4F97-ACED-7D38AF8AA32A}</a:tableStyleId>
+                <a:tableStyleId>{86827F26-EF93-4D57-B62D-EEBE3584C8C3}</a:tableStyleId>
               </a:tblPr>
               <a:tblGrid>
                 <a:gridCol w="2057400"/>
@@ -17253,8 +17253,8 @@
         </p:nvSpPr>
         <p:spPr>
           <a:xfrm>
-            <a:off x="274320" y="914400"/>
-            <a:ext cx="8595300" cy="4114800"/>
+            <a:off x="274325" y="914400"/>
+            <a:ext cx="8595300" cy="548700"/>
           </a:xfrm>
           <a:prstGeom prst="rect">
             <a:avLst/>
@@ -17271,17 +17271,17 @@
                 <a:spcPts val="0"/>
               </a:spcBef>
               <a:spcAft>
-                <a:spcPts val="1200"/>
+                <a:spcPts val="0"/>
               </a:spcAft>
               <a:buNone/>
             </a:pPr>
             <a:r>
               <a:rPr lang="en"/>
-              <a:t>A backlog items </a:t>
+              <a:t>Backlog items must </a:t>
             </a:r>
             <a:r>
               <a:rPr lang="en"/>
-              <a:t>precedes</a:t>
+              <a:t>precede</a:t>
             </a:r>
             <a:r>
               <a:rPr lang="en"/>
@@ -17289,8 +17289,1010 @@
             </a:r>
             <a:endParaRPr/>
           </a:p>
+          <a:p>
+            <a:pPr indent="0" lvl="0" marL="0" rtl="0" algn="l">
+              <a:spcBef>
+                <a:spcPts val="1200"/>
+              </a:spcBef>
+              <a:spcAft>
+                <a:spcPts val="1200"/>
+              </a:spcAft>
+              <a:buNone/>
+            </a:pPr>
+            <a:r>
+              <a:t/>
+            </a:r>
+            <a:endParaRPr/>
+          </a:p>
         </p:txBody>
       </p:sp>
+      <p:graphicFrame>
+        <p:nvGraphicFramePr>
+          <p:cNvPr id="224" name="Google Shape;224;p34"/>
+          <p:cNvGraphicFramePr/>
+          <p:nvPr/>
+        </p:nvGraphicFramePr>
+        <p:xfrm>
+          <a:off x="274320" y="1463040"/>
+          <a:ext cx="3000000" cy="3000000"/>
+        </p:xfrm>
+        <a:graphic>
+          <a:graphicData uri="http://schemas.openxmlformats.org/drawingml/2006/table">
+            <a:tbl>
+              <a:tblPr>
+                <a:noFill/>
+                <a:tableStyleId>{86827F26-EF93-4D57-B62D-EEBE3584C8C3}</a:tableStyleId>
+              </a:tblPr>
+              <a:tblGrid>
+                <a:gridCol w="637250"/>
+                <a:gridCol w="1383075"/>
+                <a:gridCol w="6575050"/>
+              </a:tblGrid>
+              <a:tr h="457200">
+                <a:tc>
+                  <a:txBody>
+                    <a:bodyPr/>
+                    <a:lstStyle/>
+                    <a:p>
+                      <a:pPr indent="0" lvl="0" marL="0" rtl="0" algn="ctr">
+                        <a:spcBef>
+                          <a:spcPts val="0"/>
+                        </a:spcBef>
+                        <a:spcAft>
+                          <a:spcPts val="0"/>
+                        </a:spcAft>
+                        <a:buNone/>
+                      </a:pPr>
+                      <a:r>
+                        <a:rPr b="1" lang="en">
+                          <a:solidFill>
+                            <a:schemeClr val="lt1"/>
+                          </a:solidFill>
+                        </a:rPr>
+                        <a:t>#</a:t>
+                      </a:r>
+                      <a:endParaRPr b="1">
+                        <a:solidFill>
+                          <a:schemeClr val="lt1"/>
+                        </a:solidFill>
+                      </a:endParaRPr>
+                    </a:p>
+                  </a:txBody>
+                  <a:tcPr marT="91425" marB="91425" marR="91425" marL="91425" anchor="ctr">
+                    <a:lnL cap="flat" cmpd="sng" w="38100">
+                      <a:solidFill>
+                        <a:schemeClr val="lt1"/>
+                      </a:solidFill>
+                      <a:prstDash val="solid"/>
+                      <a:round/>
+                      <a:headEnd len="sm" w="sm" type="none"/>
+                      <a:tailEnd len="sm" w="sm" type="none"/>
+                    </a:lnL>
+                    <a:lnR cap="flat" cmpd="sng" w="38100">
+                      <a:solidFill>
+                        <a:schemeClr val="lt1"/>
+                      </a:solidFill>
+                      <a:prstDash val="solid"/>
+                      <a:round/>
+                      <a:headEnd len="sm" w="sm" type="none"/>
+                      <a:tailEnd len="sm" w="sm" type="none"/>
+                    </a:lnR>
+                    <a:lnT cap="flat" cmpd="sng" w="38100">
+                      <a:solidFill>
+                        <a:schemeClr val="lt1"/>
+                      </a:solidFill>
+                      <a:prstDash val="solid"/>
+                      <a:round/>
+                      <a:headEnd len="sm" w="sm" type="none"/>
+                      <a:tailEnd len="sm" w="sm" type="none"/>
+                    </a:lnT>
+                    <a:lnB cap="flat" cmpd="sng" w="38100">
+                      <a:solidFill>
+                        <a:schemeClr val="lt1"/>
+                      </a:solidFill>
+                      <a:prstDash val="solid"/>
+                      <a:round/>
+                      <a:headEnd len="sm" w="sm" type="none"/>
+                      <a:tailEnd len="sm" w="sm" type="none"/>
+                    </a:lnB>
+                    <a:solidFill>
+                      <a:schemeClr val="dk2"/>
+                    </a:solidFill>
+                  </a:tcPr>
+                </a:tc>
+                <a:tc>
+                  <a:txBody>
+                    <a:bodyPr/>
+                    <a:lstStyle/>
+                    <a:p>
+                      <a:pPr indent="0" lvl="0" marL="0" rtl="0" algn="l">
+                        <a:spcBef>
+                          <a:spcPts val="0"/>
+                        </a:spcBef>
+                        <a:spcAft>
+                          <a:spcPts val="0"/>
+                        </a:spcAft>
+                        <a:buNone/>
+                      </a:pPr>
+                      <a:r>
+                        <a:rPr b="1" lang="en">
+                          <a:solidFill>
+                            <a:schemeClr val="lt1"/>
+                          </a:solidFill>
+                        </a:rPr>
+                        <a:t>Name</a:t>
+                      </a:r>
+                      <a:endParaRPr b="1">
+                        <a:solidFill>
+                          <a:schemeClr val="lt1"/>
+                        </a:solidFill>
+                      </a:endParaRPr>
+                    </a:p>
+                  </a:txBody>
+                  <a:tcPr marT="91425" marB="91425" marR="91425" marL="91425" anchor="ctr">
+                    <a:lnL cap="flat" cmpd="sng" w="38100">
+                      <a:solidFill>
+                        <a:schemeClr val="lt1"/>
+                      </a:solidFill>
+                      <a:prstDash val="solid"/>
+                      <a:round/>
+                      <a:headEnd len="sm" w="sm" type="none"/>
+                      <a:tailEnd len="sm" w="sm" type="none"/>
+                    </a:lnL>
+                    <a:lnR cap="flat" cmpd="sng" w="38100">
+                      <a:solidFill>
+                        <a:schemeClr val="lt1"/>
+                      </a:solidFill>
+                      <a:prstDash val="solid"/>
+                      <a:round/>
+                      <a:headEnd len="sm" w="sm" type="none"/>
+                      <a:tailEnd len="sm" w="sm" type="none"/>
+                    </a:lnR>
+                    <a:lnT cap="flat" cmpd="sng" w="38100">
+                      <a:solidFill>
+                        <a:schemeClr val="lt1"/>
+                      </a:solidFill>
+                      <a:prstDash val="solid"/>
+                      <a:round/>
+                      <a:headEnd len="sm" w="sm" type="none"/>
+                      <a:tailEnd len="sm" w="sm" type="none"/>
+                    </a:lnT>
+                    <a:lnB cap="flat" cmpd="sng" w="38100">
+                      <a:solidFill>
+                        <a:schemeClr val="lt1"/>
+                      </a:solidFill>
+                      <a:prstDash val="solid"/>
+                      <a:round/>
+                      <a:headEnd len="sm" w="sm" type="none"/>
+                      <a:tailEnd len="sm" w="sm" type="none"/>
+                    </a:lnB>
+                    <a:solidFill>
+                      <a:schemeClr val="dk2"/>
+                    </a:solidFill>
+                  </a:tcPr>
+                </a:tc>
+                <a:tc>
+                  <a:txBody>
+                    <a:bodyPr/>
+                    <a:lstStyle/>
+                    <a:p>
+                      <a:pPr indent="0" lvl="0" marL="0" rtl="0" algn="l">
+                        <a:spcBef>
+                          <a:spcPts val="0"/>
+                        </a:spcBef>
+                        <a:spcAft>
+                          <a:spcPts val="0"/>
+                        </a:spcAft>
+                        <a:buNone/>
+                      </a:pPr>
+                      <a:r>
+                        <a:rPr b="1" lang="en">
+                          <a:solidFill>
+                            <a:schemeClr val="lt1"/>
+                          </a:solidFill>
+                        </a:rPr>
+                        <a:t>User story</a:t>
+                      </a:r>
+                      <a:endParaRPr b="1">
+                        <a:solidFill>
+                          <a:schemeClr val="lt1"/>
+                        </a:solidFill>
+                      </a:endParaRPr>
+                    </a:p>
+                  </a:txBody>
+                  <a:tcPr marT="91425" marB="91425" marR="91425" marL="91425" anchor="ctr">
+                    <a:lnL cap="flat" cmpd="sng" w="38100">
+                      <a:solidFill>
+                        <a:schemeClr val="lt1"/>
+                      </a:solidFill>
+                      <a:prstDash val="solid"/>
+                      <a:round/>
+                      <a:headEnd len="sm" w="sm" type="none"/>
+                      <a:tailEnd len="sm" w="sm" type="none"/>
+                    </a:lnL>
+                    <a:lnR cap="flat" cmpd="sng" w="38100">
+                      <a:solidFill>
+                        <a:schemeClr val="lt1"/>
+                      </a:solidFill>
+                      <a:prstDash val="solid"/>
+                      <a:round/>
+                      <a:headEnd len="sm" w="sm" type="none"/>
+                      <a:tailEnd len="sm" w="sm" type="none"/>
+                    </a:lnR>
+                    <a:lnT cap="flat" cmpd="sng" w="38100">
+                      <a:solidFill>
+                        <a:schemeClr val="lt1"/>
+                      </a:solidFill>
+                      <a:prstDash val="solid"/>
+                      <a:round/>
+                      <a:headEnd len="sm" w="sm" type="none"/>
+                      <a:tailEnd len="sm" w="sm" type="none"/>
+                    </a:lnT>
+                    <a:lnB cap="flat" cmpd="sng" w="38100">
+                      <a:solidFill>
+                        <a:schemeClr val="lt1"/>
+                      </a:solidFill>
+                      <a:prstDash val="solid"/>
+                      <a:round/>
+                      <a:headEnd len="sm" w="sm" type="none"/>
+                      <a:tailEnd len="sm" w="sm" type="none"/>
+                    </a:lnB>
+                    <a:solidFill>
+                      <a:schemeClr val="dk2"/>
+                    </a:solidFill>
+                  </a:tcPr>
+                </a:tc>
+              </a:tr>
+              <a:tr h="457200">
+                <a:tc>
+                  <a:txBody>
+                    <a:bodyPr/>
+                    <a:lstStyle/>
+                    <a:p>
+                      <a:pPr indent="0" lvl="0" marL="0" rtl="0" algn="ctr">
+                        <a:spcBef>
+                          <a:spcPts val="0"/>
+                        </a:spcBef>
+                        <a:spcAft>
+                          <a:spcPts val="0"/>
+                        </a:spcAft>
+                        <a:buNone/>
+                      </a:pPr>
+                      <a:r>
+                        <a:rPr lang="en"/>
+                        <a:t>1</a:t>
+                      </a:r>
+                      <a:endParaRPr/>
+                    </a:p>
+                  </a:txBody>
+                  <a:tcPr marT="91425" marB="91425" marR="91425" marL="91425" anchor="ctr">
+                    <a:lnL cap="flat" cmpd="sng" w="38100">
+                      <a:solidFill>
+                        <a:schemeClr val="lt1"/>
+                      </a:solidFill>
+                      <a:prstDash val="solid"/>
+                      <a:round/>
+                      <a:headEnd len="sm" w="sm" type="none"/>
+                      <a:tailEnd len="sm" w="sm" type="none"/>
+                    </a:lnL>
+                    <a:lnR cap="flat" cmpd="sng" w="38100">
+                      <a:solidFill>
+                        <a:schemeClr val="lt1"/>
+                      </a:solidFill>
+                      <a:prstDash val="solid"/>
+                      <a:round/>
+                      <a:headEnd len="sm" w="sm" type="none"/>
+                      <a:tailEnd len="sm" w="sm" type="none"/>
+                    </a:lnR>
+                    <a:lnT cap="flat" cmpd="sng" w="38100">
+                      <a:solidFill>
+                        <a:schemeClr val="lt1"/>
+                      </a:solidFill>
+                      <a:prstDash val="solid"/>
+                      <a:round/>
+                      <a:headEnd len="sm" w="sm" type="none"/>
+                      <a:tailEnd len="sm" w="sm" type="none"/>
+                    </a:lnT>
+                    <a:lnB cap="flat" cmpd="sng" w="38100">
+                      <a:solidFill>
+                        <a:schemeClr val="lt1"/>
+                      </a:solidFill>
+                      <a:prstDash val="solid"/>
+                      <a:round/>
+                      <a:headEnd len="sm" w="sm" type="none"/>
+                      <a:tailEnd len="sm" w="sm" type="none"/>
+                    </a:lnB>
+                  </a:tcPr>
+                </a:tc>
+                <a:tc>
+                  <a:txBody>
+                    <a:bodyPr/>
+                    <a:lstStyle/>
+                    <a:p>
+                      <a:pPr indent="0" lvl="0" marL="0" rtl="0" algn="l">
+                        <a:spcBef>
+                          <a:spcPts val="0"/>
+                        </a:spcBef>
+                        <a:spcAft>
+                          <a:spcPts val="0"/>
+                        </a:spcAft>
+                        <a:buNone/>
+                      </a:pPr>
+                      <a:r>
+                        <a:rPr lang="en"/>
+                        <a:t>Registration</a:t>
+                      </a:r>
+                      <a:endParaRPr/>
+                    </a:p>
+                  </a:txBody>
+                  <a:tcPr marT="91425" marB="91425" marR="91425" marL="91425" anchor="ctr">
+                    <a:lnL cap="flat" cmpd="sng" w="38100">
+                      <a:solidFill>
+                        <a:schemeClr val="lt1"/>
+                      </a:solidFill>
+                      <a:prstDash val="solid"/>
+                      <a:round/>
+                      <a:headEnd len="sm" w="sm" type="none"/>
+                      <a:tailEnd len="sm" w="sm" type="none"/>
+                    </a:lnL>
+                    <a:lnR cap="flat" cmpd="sng" w="38100">
+                      <a:solidFill>
+                        <a:schemeClr val="lt1"/>
+                      </a:solidFill>
+                      <a:prstDash val="solid"/>
+                      <a:round/>
+                      <a:headEnd len="sm" w="sm" type="none"/>
+                      <a:tailEnd len="sm" w="sm" type="none"/>
+                    </a:lnR>
+                    <a:lnT cap="flat" cmpd="sng" w="38100">
+                      <a:solidFill>
+                        <a:schemeClr val="lt1"/>
+                      </a:solidFill>
+                      <a:prstDash val="solid"/>
+                      <a:round/>
+                      <a:headEnd len="sm" w="sm" type="none"/>
+                      <a:tailEnd len="sm" w="sm" type="none"/>
+                    </a:lnT>
+                    <a:lnB cap="flat" cmpd="sng" w="38100">
+                      <a:solidFill>
+                        <a:schemeClr val="lt1"/>
+                      </a:solidFill>
+                      <a:prstDash val="solid"/>
+                      <a:round/>
+                      <a:headEnd len="sm" w="sm" type="none"/>
+                      <a:tailEnd len="sm" w="sm" type="none"/>
+                    </a:lnB>
+                  </a:tcPr>
+                </a:tc>
+                <a:tc>
+                  <a:txBody>
+                    <a:bodyPr/>
+                    <a:lstStyle/>
+                    <a:p>
+                      <a:pPr indent="0" lvl="0" marL="0" rtl="0" algn="l">
+                        <a:spcBef>
+                          <a:spcPts val="0"/>
+                        </a:spcBef>
+                        <a:spcAft>
+                          <a:spcPts val="0"/>
+                        </a:spcAft>
+                        <a:buNone/>
+                      </a:pPr>
+                      <a:r>
+                        <a:rPr lang="en"/>
+                        <a:t>As a visitor, I would like to create an account, to be known to the system</a:t>
+                      </a:r>
+                      <a:endParaRPr/>
+                    </a:p>
+                  </a:txBody>
+                  <a:tcPr marT="91425" marB="91425" marR="91425" marL="91425" anchor="ctr">
+                    <a:lnL cap="flat" cmpd="sng" w="38100">
+                      <a:solidFill>
+                        <a:schemeClr val="lt1"/>
+                      </a:solidFill>
+                      <a:prstDash val="solid"/>
+                      <a:round/>
+                      <a:headEnd len="sm" w="sm" type="none"/>
+                      <a:tailEnd len="sm" w="sm" type="none"/>
+                    </a:lnL>
+                    <a:lnR cap="flat" cmpd="sng" w="38100">
+                      <a:solidFill>
+                        <a:schemeClr val="lt1"/>
+                      </a:solidFill>
+                      <a:prstDash val="solid"/>
+                      <a:round/>
+                      <a:headEnd len="sm" w="sm" type="none"/>
+                      <a:tailEnd len="sm" w="sm" type="none"/>
+                    </a:lnR>
+                    <a:lnT cap="flat" cmpd="sng" w="38100">
+                      <a:solidFill>
+                        <a:schemeClr val="lt1"/>
+                      </a:solidFill>
+                      <a:prstDash val="solid"/>
+                      <a:round/>
+                      <a:headEnd len="sm" w="sm" type="none"/>
+                      <a:tailEnd len="sm" w="sm" type="none"/>
+                    </a:lnT>
+                    <a:lnB cap="flat" cmpd="sng" w="38100">
+                      <a:solidFill>
+                        <a:schemeClr val="lt1"/>
+                      </a:solidFill>
+                      <a:prstDash val="solid"/>
+                      <a:round/>
+                      <a:headEnd len="sm" w="sm" type="none"/>
+                      <a:tailEnd len="sm" w="sm" type="none"/>
+                    </a:lnB>
+                  </a:tcPr>
+                </a:tc>
+              </a:tr>
+              <a:tr h="457200">
+                <a:tc>
+                  <a:txBody>
+                    <a:bodyPr/>
+                    <a:lstStyle/>
+                    <a:p>
+                      <a:pPr indent="0" lvl="0" marL="0" rtl="0" algn="ctr">
+                        <a:spcBef>
+                          <a:spcPts val="0"/>
+                        </a:spcBef>
+                        <a:spcAft>
+                          <a:spcPts val="0"/>
+                        </a:spcAft>
+                        <a:buNone/>
+                      </a:pPr>
+                      <a:r>
+                        <a:rPr lang="en"/>
+                        <a:t>2</a:t>
+                      </a:r>
+                      <a:endParaRPr/>
+                    </a:p>
+                  </a:txBody>
+                  <a:tcPr marT="91425" marB="91425" marR="91425" marL="91425" anchor="ctr">
+                    <a:lnL cap="flat" cmpd="sng" w="38100">
+                      <a:solidFill>
+                        <a:schemeClr val="lt1"/>
+                      </a:solidFill>
+                      <a:prstDash val="solid"/>
+                      <a:round/>
+                      <a:headEnd len="sm" w="sm" type="none"/>
+                      <a:tailEnd len="sm" w="sm" type="none"/>
+                    </a:lnL>
+                    <a:lnR cap="flat" cmpd="sng" w="38100">
+                      <a:solidFill>
+                        <a:schemeClr val="lt1"/>
+                      </a:solidFill>
+                      <a:prstDash val="solid"/>
+                      <a:round/>
+                      <a:headEnd len="sm" w="sm" type="none"/>
+                      <a:tailEnd len="sm" w="sm" type="none"/>
+                    </a:lnR>
+                    <a:lnT cap="flat" cmpd="sng" w="38100">
+                      <a:solidFill>
+                        <a:schemeClr val="lt1"/>
+                      </a:solidFill>
+                      <a:prstDash val="solid"/>
+                      <a:round/>
+                      <a:headEnd len="sm" w="sm" type="none"/>
+                      <a:tailEnd len="sm" w="sm" type="none"/>
+                    </a:lnT>
+                    <a:lnB cap="flat" cmpd="sng" w="38100">
+                      <a:solidFill>
+                        <a:schemeClr val="lt1"/>
+                      </a:solidFill>
+                      <a:prstDash val="solid"/>
+                      <a:round/>
+                      <a:headEnd len="sm" w="sm" type="none"/>
+                      <a:tailEnd len="sm" w="sm" type="none"/>
+                    </a:lnB>
+                    <a:solidFill>
+                      <a:schemeClr val="accent1"/>
+                    </a:solidFill>
+                  </a:tcPr>
+                </a:tc>
+                <a:tc>
+                  <a:txBody>
+                    <a:bodyPr/>
+                    <a:lstStyle/>
+                    <a:p>
+                      <a:pPr indent="0" lvl="0" marL="0" rtl="0" algn="l">
+                        <a:spcBef>
+                          <a:spcPts val="0"/>
+                        </a:spcBef>
+                        <a:spcAft>
+                          <a:spcPts val="0"/>
+                        </a:spcAft>
+                        <a:buNone/>
+                      </a:pPr>
+                      <a:r>
+                        <a:rPr lang="en"/>
+                        <a:t>Login</a:t>
+                      </a:r>
+                      <a:endParaRPr/>
+                    </a:p>
+                  </a:txBody>
+                  <a:tcPr marT="91425" marB="91425" marR="91425" marL="91425" anchor="ctr">
+                    <a:lnL cap="flat" cmpd="sng" w="38100">
+                      <a:solidFill>
+                        <a:schemeClr val="lt1"/>
+                      </a:solidFill>
+                      <a:prstDash val="solid"/>
+                      <a:round/>
+                      <a:headEnd len="sm" w="sm" type="none"/>
+                      <a:tailEnd len="sm" w="sm" type="none"/>
+                    </a:lnL>
+                    <a:lnR cap="flat" cmpd="sng" w="38100">
+                      <a:solidFill>
+                        <a:schemeClr val="lt1"/>
+                      </a:solidFill>
+                      <a:prstDash val="solid"/>
+                      <a:round/>
+                      <a:headEnd len="sm" w="sm" type="none"/>
+                      <a:tailEnd len="sm" w="sm" type="none"/>
+                    </a:lnR>
+                    <a:lnT cap="flat" cmpd="sng" w="38100">
+                      <a:solidFill>
+                        <a:schemeClr val="lt1"/>
+                      </a:solidFill>
+                      <a:prstDash val="solid"/>
+                      <a:round/>
+                      <a:headEnd len="sm" w="sm" type="none"/>
+                      <a:tailEnd len="sm" w="sm" type="none"/>
+                    </a:lnT>
+                    <a:lnB cap="flat" cmpd="sng" w="38100">
+                      <a:solidFill>
+                        <a:schemeClr val="lt1"/>
+                      </a:solidFill>
+                      <a:prstDash val="solid"/>
+                      <a:round/>
+                      <a:headEnd len="sm" w="sm" type="none"/>
+                      <a:tailEnd len="sm" w="sm" type="none"/>
+                    </a:lnB>
+                    <a:solidFill>
+                      <a:schemeClr val="accent1"/>
+                    </a:solidFill>
+                  </a:tcPr>
+                </a:tc>
+                <a:tc>
+                  <a:txBody>
+                    <a:bodyPr/>
+                    <a:lstStyle/>
+                    <a:p>
+                      <a:pPr indent="0" lvl="0" marL="0" rtl="0" algn="l">
+                        <a:spcBef>
+                          <a:spcPts val="0"/>
+                        </a:spcBef>
+                        <a:spcAft>
+                          <a:spcPts val="0"/>
+                        </a:spcAft>
+                        <a:buNone/>
+                      </a:pPr>
+                      <a:r>
+                        <a:rPr lang="en"/>
+                        <a:t>As a user, I would like to log-in, so that I can access my account </a:t>
+                      </a:r>
+                      <a:endParaRPr/>
+                    </a:p>
+                  </a:txBody>
+                  <a:tcPr marT="91425" marB="91425" marR="91425" marL="91425" anchor="ctr">
+                    <a:lnL cap="flat" cmpd="sng" w="38100">
+                      <a:solidFill>
+                        <a:schemeClr val="lt1"/>
+                      </a:solidFill>
+                      <a:prstDash val="solid"/>
+                      <a:round/>
+                      <a:headEnd len="sm" w="sm" type="none"/>
+                      <a:tailEnd len="sm" w="sm" type="none"/>
+                    </a:lnL>
+                    <a:lnR cap="flat" cmpd="sng" w="38100">
+                      <a:solidFill>
+                        <a:schemeClr val="lt1"/>
+                      </a:solidFill>
+                      <a:prstDash val="solid"/>
+                      <a:round/>
+                      <a:headEnd len="sm" w="sm" type="none"/>
+                      <a:tailEnd len="sm" w="sm" type="none"/>
+                    </a:lnR>
+                    <a:lnT cap="flat" cmpd="sng" w="38100">
+                      <a:solidFill>
+                        <a:schemeClr val="lt1"/>
+                      </a:solidFill>
+                      <a:prstDash val="solid"/>
+                      <a:round/>
+                      <a:headEnd len="sm" w="sm" type="none"/>
+                      <a:tailEnd len="sm" w="sm" type="none"/>
+                    </a:lnT>
+                    <a:lnB cap="flat" cmpd="sng" w="38100">
+                      <a:solidFill>
+                        <a:schemeClr val="lt1"/>
+                      </a:solidFill>
+                      <a:prstDash val="solid"/>
+                      <a:round/>
+                      <a:headEnd len="sm" w="sm" type="none"/>
+                      <a:tailEnd len="sm" w="sm" type="none"/>
+                    </a:lnB>
+                    <a:solidFill>
+                      <a:schemeClr val="accent1"/>
+                    </a:solidFill>
+                  </a:tcPr>
+                </a:tc>
+              </a:tr>
+              <a:tr h="457200">
+                <a:tc>
+                  <a:txBody>
+                    <a:bodyPr/>
+                    <a:lstStyle/>
+                    <a:p>
+                      <a:pPr indent="0" lvl="0" marL="0" rtl="0" algn="ctr">
+                        <a:spcBef>
+                          <a:spcPts val="0"/>
+                        </a:spcBef>
+                        <a:spcAft>
+                          <a:spcPts val="0"/>
+                        </a:spcAft>
+                        <a:buNone/>
+                      </a:pPr>
+                      <a:r>
+                        <a:rPr lang="en"/>
+                        <a:t>3</a:t>
+                      </a:r>
+                      <a:endParaRPr/>
+                    </a:p>
+                  </a:txBody>
+                  <a:tcPr marT="91425" marB="91425" marR="91425" marL="91425" anchor="ctr">
+                    <a:lnL cap="flat" cmpd="sng" w="38100">
+                      <a:solidFill>
+                        <a:schemeClr val="lt1"/>
+                      </a:solidFill>
+                      <a:prstDash val="solid"/>
+                      <a:round/>
+                      <a:headEnd len="sm" w="sm" type="none"/>
+                      <a:tailEnd len="sm" w="sm" type="none"/>
+                    </a:lnL>
+                    <a:lnR cap="flat" cmpd="sng" w="38100">
+                      <a:solidFill>
+                        <a:schemeClr val="lt1"/>
+                      </a:solidFill>
+                      <a:prstDash val="solid"/>
+                      <a:round/>
+                      <a:headEnd len="sm" w="sm" type="none"/>
+                      <a:tailEnd len="sm" w="sm" type="none"/>
+                    </a:lnR>
+                    <a:lnT cap="flat" cmpd="sng" w="38100">
+                      <a:solidFill>
+                        <a:schemeClr val="lt1"/>
+                      </a:solidFill>
+                      <a:prstDash val="solid"/>
+                      <a:round/>
+                      <a:headEnd len="sm" w="sm" type="none"/>
+                      <a:tailEnd len="sm" w="sm" type="none"/>
+                    </a:lnT>
+                    <a:lnB cap="flat" cmpd="sng" w="38100">
+                      <a:solidFill>
+                        <a:schemeClr val="lt1"/>
+                      </a:solidFill>
+                      <a:prstDash val="solid"/>
+                      <a:round/>
+                      <a:headEnd len="sm" w="sm" type="none"/>
+                      <a:tailEnd len="sm" w="sm" type="none"/>
+                    </a:lnB>
+                  </a:tcPr>
+                </a:tc>
+                <a:tc>
+                  <a:txBody>
+                    <a:bodyPr/>
+                    <a:lstStyle/>
+                    <a:p>
+                      <a:pPr indent="0" lvl="0" marL="0" rtl="0" algn="l">
+                        <a:spcBef>
+                          <a:spcPts val="0"/>
+                        </a:spcBef>
+                        <a:spcAft>
+                          <a:spcPts val="0"/>
+                        </a:spcAft>
+                        <a:buNone/>
+                      </a:pPr>
+                      <a:r>
+                        <a:rPr lang="en"/>
+                        <a:t>Logout</a:t>
+                      </a:r>
+                      <a:endParaRPr/>
+                    </a:p>
+                  </a:txBody>
+                  <a:tcPr marT="91425" marB="91425" marR="91425" marL="91425" anchor="ctr">
+                    <a:lnL cap="flat" cmpd="sng" w="38100">
+                      <a:solidFill>
+                        <a:schemeClr val="lt1"/>
+                      </a:solidFill>
+                      <a:prstDash val="solid"/>
+                      <a:round/>
+                      <a:headEnd len="sm" w="sm" type="none"/>
+                      <a:tailEnd len="sm" w="sm" type="none"/>
+                    </a:lnL>
+                    <a:lnR cap="flat" cmpd="sng" w="38100">
+                      <a:solidFill>
+                        <a:schemeClr val="lt1"/>
+                      </a:solidFill>
+                      <a:prstDash val="solid"/>
+                      <a:round/>
+                      <a:headEnd len="sm" w="sm" type="none"/>
+                      <a:tailEnd len="sm" w="sm" type="none"/>
+                    </a:lnR>
+                    <a:lnT cap="flat" cmpd="sng" w="38100">
+                      <a:solidFill>
+                        <a:schemeClr val="lt1"/>
+                      </a:solidFill>
+                      <a:prstDash val="solid"/>
+                      <a:round/>
+                      <a:headEnd len="sm" w="sm" type="none"/>
+                      <a:tailEnd len="sm" w="sm" type="none"/>
+                    </a:lnT>
+                    <a:lnB cap="flat" cmpd="sng" w="38100">
+                      <a:solidFill>
+                        <a:schemeClr val="lt1"/>
+                      </a:solidFill>
+                      <a:prstDash val="solid"/>
+                      <a:round/>
+                      <a:headEnd len="sm" w="sm" type="none"/>
+                      <a:tailEnd len="sm" w="sm" type="none"/>
+                    </a:lnB>
+                  </a:tcPr>
+                </a:tc>
+                <a:tc>
+                  <a:txBody>
+                    <a:bodyPr/>
+                    <a:lstStyle/>
+                    <a:p>
+                      <a:pPr indent="0" lvl="0" marL="0" rtl="0" algn="l">
+                        <a:spcBef>
+                          <a:spcPts val="0"/>
+                        </a:spcBef>
+                        <a:spcAft>
+                          <a:spcPts val="0"/>
+                        </a:spcAft>
+                        <a:buNone/>
+                      </a:pPr>
+                      <a:r>
+                        <a:rPr lang="en"/>
+                        <a:t>As a logged-in user, I would like to log-out, to be anonymous again</a:t>
+                      </a:r>
+                      <a:endParaRPr/>
+                    </a:p>
+                  </a:txBody>
+                  <a:tcPr marT="91425" marB="91425" marR="91425" marL="91425" anchor="ctr">
+                    <a:lnL cap="flat" cmpd="sng" w="38100">
+                      <a:solidFill>
+                        <a:schemeClr val="lt1"/>
+                      </a:solidFill>
+                      <a:prstDash val="solid"/>
+                      <a:round/>
+                      <a:headEnd len="sm" w="sm" type="none"/>
+                      <a:tailEnd len="sm" w="sm" type="none"/>
+                    </a:lnL>
+                    <a:lnR cap="flat" cmpd="sng" w="38100">
+                      <a:solidFill>
+                        <a:schemeClr val="lt1"/>
+                      </a:solidFill>
+                      <a:prstDash val="solid"/>
+                      <a:round/>
+                      <a:headEnd len="sm" w="sm" type="none"/>
+                      <a:tailEnd len="sm" w="sm" type="none"/>
+                    </a:lnR>
+                    <a:lnT cap="flat" cmpd="sng" w="38100">
+                      <a:solidFill>
+                        <a:schemeClr val="lt1"/>
+                      </a:solidFill>
+                      <a:prstDash val="solid"/>
+                      <a:round/>
+                      <a:headEnd len="sm" w="sm" type="none"/>
+                      <a:tailEnd len="sm" w="sm" type="none"/>
+                    </a:lnT>
+                    <a:lnB cap="flat" cmpd="sng" w="38100">
+                      <a:solidFill>
+                        <a:schemeClr val="lt1"/>
+                      </a:solidFill>
+                      <a:prstDash val="solid"/>
+                      <a:round/>
+                      <a:headEnd len="sm" w="sm" type="none"/>
+                      <a:tailEnd len="sm" w="sm" type="none"/>
+                    </a:lnB>
+                  </a:tcPr>
+                </a:tc>
+              </a:tr>
+              <a:tr h="457200">
+                <a:tc>
+                  <a:txBody>
+                    <a:bodyPr/>
+                    <a:lstStyle/>
+                    <a:p>
+                      <a:pPr indent="0" lvl="0" marL="0" rtl="0" algn="ctr">
+                        <a:spcBef>
+                          <a:spcPts val="0"/>
+                        </a:spcBef>
+                        <a:spcAft>
+                          <a:spcPts val="0"/>
+                        </a:spcAft>
+                        <a:buNone/>
+                      </a:pPr>
+                      <a:r>
+                        <a:rPr lang="en"/>
+                        <a:t>4</a:t>
+                      </a:r>
+                      <a:endParaRPr/>
+                    </a:p>
+                  </a:txBody>
+                  <a:tcPr marT="91425" marB="91425" marR="91425" marL="91425" anchor="ctr">
+                    <a:lnL cap="flat" cmpd="sng" w="38100">
+                      <a:solidFill>
+                        <a:schemeClr val="lt1"/>
+                      </a:solidFill>
+                      <a:prstDash val="solid"/>
+                      <a:round/>
+                      <a:headEnd len="sm" w="sm" type="none"/>
+                      <a:tailEnd len="sm" w="sm" type="none"/>
+                    </a:lnL>
+                    <a:lnR cap="flat" cmpd="sng" w="38100">
+                      <a:solidFill>
+                        <a:schemeClr val="lt1"/>
+                      </a:solidFill>
+                      <a:prstDash val="solid"/>
+                      <a:round/>
+                      <a:headEnd len="sm" w="sm" type="none"/>
+                      <a:tailEnd len="sm" w="sm" type="none"/>
+                    </a:lnR>
+                    <a:lnT cap="flat" cmpd="sng" w="38100">
+                      <a:solidFill>
+                        <a:schemeClr val="lt1"/>
+                      </a:solidFill>
+                      <a:prstDash val="solid"/>
+                      <a:round/>
+                      <a:headEnd len="sm" w="sm" type="none"/>
+                      <a:tailEnd len="sm" w="sm" type="none"/>
+                    </a:lnT>
+                    <a:lnB cap="flat" cmpd="sng" w="38100">
+                      <a:solidFill>
+                        <a:schemeClr val="lt1"/>
+                      </a:solidFill>
+                      <a:prstDash val="solid"/>
+                      <a:round/>
+                      <a:headEnd len="sm" w="sm" type="none"/>
+                      <a:tailEnd len="sm" w="sm" type="none"/>
+                    </a:lnB>
+                    <a:solidFill>
+                      <a:schemeClr val="accent1"/>
+                    </a:solidFill>
+                  </a:tcPr>
+                </a:tc>
+                <a:tc>
+                  <a:txBody>
+                    <a:bodyPr/>
+                    <a:lstStyle/>
+                    <a:p>
+                      <a:pPr indent="0" lvl="0" marL="0" rtl="0" algn="l">
+                        <a:spcBef>
+                          <a:spcPts val="0"/>
+                        </a:spcBef>
+                        <a:spcAft>
+                          <a:spcPts val="0"/>
+                        </a:spcAft>
+                        <a:buNone/>
+                      </a:pPr>
+                      <a:r>
+                        <a:rPr lang="en"/>
+                        <a:t>Profile update</a:t>
+                      </a:r>
+                      <a:endParaRPr/>
+                    </a:p>
+                  </a:txBody>
+                  <a:tcPr marT="91425" marB="91425" marR="91425" marL="91425" anchor="ctr">
+                    <a:lnL cap="flat" cmpd="sng" w="38100">
+                      <a:solidFill>
+                        <a:schemeClr val="lt1"/>
+                      </a:solidFill>
+                      <a:prstDash val="solid"/>
+                      <a:round/>
+                      <a:headEnd len="sm" w="sm" type="none"/>
+                      <a:tailEnd len="sm" w="sm" type="none"/>
+                    </a:lnL>
+                    <a:lnR cap="flat" cmpd="sng" w="38100">
+                      <a:solidFill>
+                        <a:schemeClr val="lt1"/>
+                      </a:solidFill>
+                      <a:prstDash val="solid"/>
+                      <a:round/>
+                      <a:headEnd len="sm" w="sm" type="none"/>
+                      <a:tailEnd len="sm" w="sm" type="none"/>
+                    </a:lnR>
+                    <a:lnT cap="flat" cmpd="sng" w="38100">
+                      <a:solidFill>
+                        <a:schemeClr val="lt1"/>
+                      </a:solidFill>
+                      <a:prstDash val="solid"/>
+                      <a:round/>
+                      <a:headEnd len="sm" w="sm" type="none"/>
+                      <a:tailEnd len="sm" w="sm" type="none"/>
+                    </a:lnT>
+                    <a:lnB cap="flat" cmpd="sng" w="38100">
+                      <a:solidFill>
+                        <a:schemeClr val="lt1"/>
+                      </a:solidFill>
+                      <a:prstDash val="solid"/>
+                      <a:round/>
+                      <a:headEnd len="sm" w="sm" type="none"/>
+                      <a:tailEnd len="sm" w="sm" type="none"/>
+                    </a:lnB>
+                    <a:solidFill>
+                      <a:schemeClr val="accent1"/>
+                    </a:solidFill>
+                  </a:tcPr>
+                </a:tc>
+                <a:tc>
+                  <a:txBody>
+                    <a:bodyPr/>
+                    <a:lstStyle/>
+                    <a:p>
+                      <a:pPr indent="0" lvl="0" marL="0" rtl="0" algn="l">
+                        <a:spcBef>
+                          <a:spcPts val="0"/>
+                        </a:spcBef>
+                        <a:spcAft>
+                          <a:spcPts val="0"/>
+                        </a:spcAft>
+                        <a:buNone/>
+                      </a:pPr>
+                      <a:r>
+                        <a:rPr lang="en"/>
+                        <a:t>As a logged-in user, I would like to update my profile (name, photo, email)</a:t>
+                      </a:r>
+                      <a:endParaRPr/>
+                    </a:p>
+                  </a:txBody>
+                  <a:tcPr marT="91425" marB="91425" marR="91425" marL="91425" anchor="ctr">
+                    <a:lnL cap="flat" cmpd="sng" w="38100">
+                      <a:solidFill>
+                        <a:schemeClr val="lt1"/>
+                      </a:solidFill>
+                      <a:prstDash val="solid"/>
+                      <a:round/>
+                      <a:headEnd len="sm" w="sm" type="none"/>
+                      <a:tailEnd len="sm" w="sm" type="none"/>
+                    </a:lnL>
+                    <a:lnR cap="flat" cmpd="sng" w="38100">
+                      <a:solidFill>
+                        <a:schemeClr val="lt1"/>
+                      </a:solidFill>
+                      <a:prstDash val="solid"/>
+                      <a:round/>
+                      <a:headEnd len="sm" w="sm" type="none"/>
+                      <a:tailEnd len="sm" w="sm" type="none"/>
+                    </a:lnR>
+                    <a:lnT cap="flat" cmpd="sng" w="38100">
+                      <a:solidFill>
+                        <a:schemeClr val="lt1"/>
+                      </a:solidFill>
+                      <a:prstDash val="solid"/>
+                      <a:round/>
+                      <a:headEnd len="sm" w="sm" type="none"/>
+                      <a:tailEnd len="sm" w="sm" type="none"/>
+                    </a:lnT>
+                    <a:lnB cap="flat" cmpd="sng" w="38100">
+                      <a:solidFill>
+                        <a:schemeClr val="lt1"/>
+                      </a:solidFill>
+                      <a:prstDash val="solid"/>
+                      <a:round/>
+                      <a:headEnd len="sm" w="sm" type="none"/>
+                      <a:tailEnd len="sm" w="sm" type="none"/>
+                    </a:lnB>
+                    <a:solidFill>
+                      <a:schemeClr val="accent1"/>
+                    </a:solidFill>
+                  </a:tcPr>
+                </a:tc>
+              </a:tr>
+            </a:tbl>
+          </a:graphicData>
+        </a:graphic>
+      </p:graphicFrame>
     </p:spTree>
   </p:cSld>
   <p:clrMapOvr>
@@ -17304,7 +18306,7 @@
   <p:cSld>
     <p:spTree>
       <p:nvGrpSpPr>
-        <p:cNvPr id="227" name="Shape 227"/>
+        <p:cNvPr id="228" name="Shape 228"/>
         <p:cNvGrpSpPr/>
         <p:nvPr/>
       </p:nvGrpSpPr>
@@ -17318,7 +18320,7 @@
       </p:grpSpPr>
       <p:sp>
         <p:nvSpPr>
-          <p:cNvPr id="228" name="Google Shape;228;p35"/>
+          <p:cNvPr id="229" name="Google Shape;229;p35"/>
           <p:cNvSpPr txBox="1"/>
           <p:nvPr>
             <p:ph type="title"/>
@@ -17358,7 +18360,7 @@
       </p:sp>
       <p:sp>
         <p:nvSpPr>
-          <p:cNvPr id="229" name="Google Shape;229;p35"/>
+          <p:cNvPr id="230" name="Google Shape;230;p35"/>
           <p:cNvSpPr txBox="1"/>
           <p:nvPr>
             <p:ph idx="12" type="sldNum"/>
@@ -17427,7 +18429,7 @@
       </p:sp>
       <p:pic>
         <p:nvPicPr>
-          <p:cNvPr id="230" name="Google Shape;230;p35"/>
+          <p:cNvPr id="231" name="Google Shape;231;p35"/>
           <p:cNvPicPr preferRelativeResize="0"/>
           <p:nvPr/>
         </p:nvPicPr>
@@ -17466,7 +18468,7 @@
   <p:cSld>
     <p:spTree>
       <p:nvGrpSpPr>
-        <p:cNvPr id="234" name="Shape 234"/>
+        <p:cNvPr id="235" name="Shape 235"/>
         <p:cNvGrpSpPr/>
         <p:nvPr/>
       </p:nvGrpSpPr>
@@ -17480,7 +18482,7 @@
       </p:grpSpPr>
       <p:sp>
         <p:nvSpPr>
-          <p:cNvPr id="235" name="Google Shape;235;p36"/>
+          <p:cNvPr id="236" name="Google Shape;236;p36"/>
           <p:cNvSpPr txBox="1"/>
           <p:nvPr>
             <p:ph type="title"/>
@@ -17520,7 +18522,7 @@
       </p:sp>
       <p:sp>
         <p:nvSpPr>
-          <p:cNvPr id="236" name="Google Shape;236;p36"/>
+          <p:cNvPr id="237" name="Google Shape;237;p36"/>
           <p:cNvSpPr txBox="1"/>
           <p:nvPr>
             <p:ph idx="12" type="sldNum"/>
@@ -17589,7 +18591,7 @@
       </p:sp>
       <p:sp>
         <p:nvSpPr>
-          <p:cNvPr id="237" name="Google Shape;237;p36"/>
+          <p:cNvPr id="238" name="Google Shape;238;p36"/>
           <p:cNvSpPr txBox="1"/>
           <p:nvPr>
             <p:ph idx="1" type="body"/>
@@ -17683,7 +18685,7 @@
       </p:sp>
       <p:sp>
         <p:nvSpPr>
-          <p:cNvPr id="238" name="Google Shape;238;p36"/>
+          <p:cNvPr id="239" name="Google Shape;239;p36"/>
           <p:cNvSpPr txBox="1"/>
           <p:nvPr>
             <p:ph idx="2" type="body"/>
@@ -18053,7 +19055,7 @@
   <p:cSld>
     <p:spTree>
       <p:nvGrpSpPr>
-        <p:cNvPr id="242" name="Shape 242"/>
+        <p:cNvPr id="243" name="Shape 243"/>
         <p:cNvGrpSpPr/>
         <p:nvPr/>
       </p:nvGrpSpPr>
@@ -18067,7 +19069,7 @@
       </p:grpSpPr>
       <p:sp>
         <p:nvSpPr>
-          <p:cNvPr id="243" name="Google Shape;243;p37"/>
+          <p:cNvPr id="244" name="Google Shape;244;p37"/>
           <p:cNvSpPr txBox="1"/>
           <p:nvPr>
             <p:ph type="title"/>
@@ -18118,7 +19120,7 @@
   <p:cSld>
     <p:spTree>
       <p:nvGrpSpPr>
-        <p:cNvPr id="247" name="Shape 247"/>
+        <p:cNvPr id="248" name="Shape 248"/>
         <p:cNvGrpSpPr/>
         <p:nvPr/>
       </p:nvGrpSpPr>
@@ -18132,7 +19134,7 @@
       </p:grpSpPr>
       <p:sp>
         <p:nvSpPr>
-          <p:cNvPr id="248" name="Google Shape;248;p38"/>
+          <p:cNvPr id="249" name="Google Shape;249;p38"/>
           <p:cNvSpPr txBox="1"/>
           <p:nvPr>
             <p:ph type="title"/>
@@ -18172,7 +19174,7 @@
       </p:sp>
       <p:sp>
         <p:nvSpPr>
-          <p:cNvPr id="249" name="Google Shape;249;p38"/>
+          <p:cNvPr id="250" name="Google Shape;250;p38"/>
           <p:cNvSpPr txBox="1"/>
           <p:nvPr>
             <p:ph idx="1" type="body"/>
@@ -18317,7 +19319,7 @@
       </p:sp>
       <p:sp>
         <p:nvSpPr>
-          <p:cNvPr id="250" name="Google Shape;250;p38"/>
+          <p:cNvPr id="251" name="Google Shape;251;p38"/>
           <p:cNvSpPr txBox="1"/>
           <p:nvPr>
             <p:ph idx="12" type="sldNum"/>
@@ -18397,7 +19399,7 @@
   <p:cSld>
     <p:spTree>
       <p:nvGrpSpPr>
-        <p:cNvPr id="254" name="Shape 254"/>
+        <p:cNvPr id="255" name="Shape 255"/>
         <p:cNvGrpSpPr/>
         <p:nvPr/>
       </p:nvGrpSpPr>
@@ -18411,7 +19413,7 @@
       </p:grpSpPr>
       <p:sp>
         <p:nvSpPr>
-          <p:cNvPr id="255" name="Google Shape;255;p39"/>
+          <p:cNvPr id="256" name="Google Shape;256;p39"/>
           <p:cNvSpPr txBox="1"/>
           <p:nvPr>
             <p:ph idx="1" type="body"/>
@@ -18503,7 +19505,7 @@
       </p:sp>
       <p:sp>
         <p:nvSpPr>
-          <p:cNvPr id="256" name="Google Shape;256;p39"/>
+          <p:cNvPr id="257" name="Google Shape;257;p39"/>
           <p:cNvSpPr txBox="1"/>
           <p:nvPr>
             <p:ph type="title"/>
@@ -18543,7 +19545,7 @@
       </p:sp>
       <p:sp>
         <p:nvSpPr>
-          <p:cNvPr id="257" name="Google Shape;257;p39"/>
+          <p:cNvPr id="258" name="Google Shape;258;p39"/>
           <p:cNvSpPr txBox="1"/>
           <p:nvPr>
             <p:ph idx="12" type="sldNum"/>
@@ -18612,7 +19614,7 @@
       </p:sp>
       <p:pic>
         <p:nvPicPr>
-          <p:cNvPr id="258" name="Google Shape;258;p39"/>
+          <p:cNvPr id="259" name="Google Shape;259;p39"/>
           <p:cNvPicPr preferRelativeResize="0"/>
           <p:nvPr/>
         </p:nvPicPr>
@@ -18651,7 +19653,7 @@
   <p:cSld>
     <p:spTree>
       <p:nvGrpSpPr>
-        <p:cNvPr id="262" name="Shape 262"/>
+        <p:cNvPr id="263" name="Shape 263"/>
         <p:cNvGrpSpPr/>
         <p:nvPr/>
       </p:nvGrpSpPr>
@@ -18665,7 +19667,7 @@
       </p:grpSpPr>
       <p:sp>
         <p:nvSpPr>
-          <p:cNvPr id="263" name="Google Shape;263;p40"/>
+          <p:cNvPr id="264" name="Google Shape;264;p40"/>
           <p:cNvSpPr txBox="1"/>
           <p:nvPr>
             <p:ph type="title"/>
@@ -18705,7 +19707,7 @@
       </p:sp>
       <p:sp>
         <p:nvSpPr>
-          <p:cNvPr id="264" name="Google Shape;264;p40"/>
+          <p:cNvPr id="265" name="Google Shape;265;p40"/>
           <p:cNvSpPr txBox="1"/>
           <p:nvPr>
             <p:ph idx="1" type="body"/>
@@ -18833,7 +19835,7 @@
       </p:sp>
       <p:sp>
         <p:nvSpPr>
-          <p:cNvPr id="265" name="Google Shape;265;p40"/>
+          <p:cNvPr id="266" name="Google Shape;266;p40"/>
           <p:cNvSpPr txBox="1"/>
           <p:nvPr>
             <p:ph idx="12" type="sldNum"/>
@@ -18913,7 +19915,7 @@
   <p:cSld>
     <p:spTree>
       <p:nvGrpSpPr>
-        <p:cNvPr id="269" name="Shape 269"/>
+        <p:cNvPr id="270" name="Shape 270"/>
         <p:cNvGrpSpPr/>
         <p:nvPr/>
       </p:nvGrpSpPr>
@@ -18927,7 +19929,7 @@
       </p:grpSpPr>
       <p:sp>
         <p:nvSpPr>
-          <p:cNvPr id="270" name="Google Shape;270;p41"/>
+          <p:cNvPr id="271" name="Google Shape;271;p41"/>
           <p:cNvSpPr txBox="1"/>
           <p:nvPr>
             <p:ph type="title"/>
@@ -18967,7 +19969,7 @@
       </p:sp>
       <p:sp>
         <p:nvSpPr>
-          <p:cNvPr id="271" name="Google Shape;271;p41"/>
+          <p:cNvPr id="272" name="Google Shape;272;p41"/>
           <p:cNvSpPr txBox="1"/>
           <p:nvPr>
             <p:ph idx="1" type="body"/>
@@ -19073,7 +20075,7 @@
       </p:sp>
       <p:sp>
         <p:nvSpPr>
-          <p:cNvPr id="272" name="Google Shape;272;p41"/>
+          <p:cNvPr id="273" name="Google Shape;273;p41"/>
           <p:cNvSpPr txBox="1"/>
           <p:nvPr>
             <p:ph idx="12" type="sldNum"/>
@@ -19153,7 +20155,7 @@
   <p:cSld>
     <p:spTree>
       <p:nvGrpSpPr>
-        <p:cNvPr id="276" name="Shape 276"/>
+        <p:cNvPr id="277" name="Shape 277"/>
         <p:cNvGrpSpPr/>
         <p:nvPr/>
       </p:nvGrpSpPr>
@@ -19167,7 +20169,7 @@
       </p:grpSpPr>
       <p:sp>
         <p:nvSpPr>
-          <p:cNvPr id="277" name="Google Shape;277;p42"/>
+          <p:cNvPr id="278" name="Google Shape;278;p42"/>
           <p:cNvSpPr txBox="1"/>
           <p:nvPr>
             <p:ph type="title"/>
@@ -19207,7 +20209,7 @@
       </p:sp>
       <p:sp>
         <p:nvSpPr>
-          <p:cNvPr id="278" name="Google Shape;278;p42"/>
+          <p:cNvPr id="279" name="Google Shape;279;p42"/>
           <p:cNvSpPr txBox="1"/>
           <p:nvPr>
             <p:ph idx="1" type="body"/>
@@ -19264,7 +20266,7 @@
       </p:sp>
       <p:sp>
         <p:nvSpPr>
-          <p:cNvPr id="279" name="Google Shape;279;p42"/>
+          <p:cNvPr id="280" name="Google Shape;280;p42"/>
           <p:cNvSpPr txBox="1"/>
           <p:nvPr>
             <p:ph idx="12" type="sldNum"/>
@@ -19344,7 +20346,7 @@
   <p:cSld>
     <p:spTree>
       <p:nvGrpSpPr>
-        <p:cNvPr id="283" name="Shape 283"/>
+        <p:cNvPr id="284" name="Shape 284"/>
         <p:cNvGrpSpPr/>
         <p:nvPr/>
       </p:nvGrpSpPr>
@@ -19358,7 +20360,7 @@
       </p:grpSpPr>
       <p:sp>
         <p:nvSpPr>
-          <p:cNvPr id="284" name="Google Shape;284;p43"/>
+          <p:cNvPr id="285" name="Google Shape;285;p43"/>
           <p:cNvSpPr txBox="1"/>
           <p:nvPr>
             <p:ph type="title"/>
@@ -19398,7 +20400,7 @@
       </p:sp>
       <p:sp>
         <p:nvSpPr>
-          <p:cNvPr id="285" name="Google Shape;285;p43"/>
+          <p:cNvPr id="286" name="Google Shape;286;p43"/>
           <p:cNvSpPr txBox="1"/>
           <p:nvPr>
             <p:ph idx="1" type="body"/>
@@ -19462,7 +20464,7 @@
       </p:sp>
       <p:sp>
         <p:nvSpPr>
-          <p:cNvPr id="286" name="Google Shape;286;p43"/>
+          <p:cNvPr id="287" name="Google Shape;287;p43"/>
           <p:cNvSpPr txBox="1"/>
           <p:nvPr>
             <p:ph idx="12" type="sldNum"/>
@@ -19531,7 +20533,7 @@
       </p:sp>
       <p:sp>
         <p:nvSpPr>
-          <p:cNvPr id="287" name="Google Shape;287;p43"/>
+          <p:cNvPr id="288" name="Google Shape;288;p43"/>
           <p:cNvSpPr txBox="1"/>
           <p:nvPr/>
         </p:nvSpPr>
@@ -19616,7 +20618,7 @@
   <p:cSld>
     <p:spTree>
       <p:nvGrpSpPr>
-        <p:cNvPr id="291" name="Shape 291"/>
+        <p:cNvPr id="292" name="Shape 292"/>
         <p:cNvGrpSpPr/>
         <p:nvPr/>
       </p:nvGrpSpPr>
@@ -19630,7 +20632,7 @@
       </p:grpSpPr>
       <p:sp>
         <p:nvSpPr>
-          <p:cNvPr id="292" name="Google Shape;292;p44"/>
+          <p:cNvPr id="293" name="Google Shape;293;p44"/>
           <p:cNvSpPr txBox="1"/>
           <p:nvPr>
             <p:ph type="title"/>
@@ -19670,7 +20672,7 @@
       </p:sp>
       <p:sp>
         <p:nvSpPr>
-          <p:cNvPr id="293" name="Google Shape;293;p44"/>
+          <p:cNvPr id="294" name="Google Shape;294;p44"/>
           <p:cNvSpPr txBox="1"/>
           <p:nvPr>
             <p:ph idx="12" type="sldNum"/>
@@ -19739,7 +20741,7 @@
       </p:sp>
       <p:pic>
         <p:nvPicPr>
-          <p:cNvPr id="294" name="Google Shape;294;p44"/>
+          <p:cNvPr id="295" name="Google Shape;295;p44"/>
           <p:cNvPicPr preferRelativeResize="0"/>
           <p:nvPr/>
         </p:nvPicPr>
@@ -19778,7 +20780,7 @@
   <p:cSld>
     <p:spTree>
       <p:nvGrpSpPr>
-        <p:cNvPr id="298" name="Shape 298"/>
+        <p:cNvPr id="299" name="Shape 299"/>
         <p:cNvGrpSpPr/>
         <p:nvPr/>
       </p:nvGrpSpPr>
@@ -19792,7 +20794,7 @@
       </p:grpSpPr>
       <p:sp>
         <p:nvSpPr>
-          <p:cNvPr id="299" name="Google Shape;299;p45"/>
+          <p:cNvPr id="300" name="Google Shape;300;p45"/>
           <p:cNvSpPr txBox="1"/>
           <p:nvPr>
             <p:ph type="title"/>
@@ -19832,7 +20834,7 @@
       </p:sp>
       <p:sp>
         <p:nvSpPr>
-          <p:cNvPr id="300" name="Google Shape;300;p45"/>
+          <p:cNvPr id="301" name="Google Shape;301;p45"/>
           <p:cNvSpPr txBox="1"/>
           <p:nvPr>
             <p:ph idx="12" type="sldNum"/>
@@ -19901,7 +20903,7 @@
       </p:sp>
       <p:pic>
         <p:nvPicPr>
-          <p:cNvPr id="301" name="Google Shape;301;p45"/>
+          <p:cNvPr id="302" name="Google Shape;302;p45"/>
           <p:cNvPicPr preferRelativeResize="0"/>
           <p:nvPr/>
         </p:nvPicPr>
@@ -19940,7 +20942,7 @@
   <p:cSld>
     <p:spTree>
       <p:nvGrpSpPr>
-        <p:cNvPr id="305" name="Shape 305"/>
+        <p:cNvPr id="306" name="Shape 306"/>
         <p:cNvGrpSpPr/>
         <p:nvPr/>
       </p:nvGrpSpPr>
@@ -19954,7 +20956,7 @@
       </p:grpSpPr>
       <p:sp>
         <p:nvSpPr>
-          <p:cNvPr id="306" name="Google Shape;306;p46"/>
+          <p:cNvPr id="307" name="Google Shape;307;p46"/>
           <p:cNvSpPr txBox="1"/>
           <p:nvPr>
             <p:ph type="title"/>
@@ -20070,7 +21072,7 @@
   <p:cSld>
     <p:spTree>
       <p:nvGrpSpPr>
-        <p:cNvPr id="310" name="Shape 310"/>
+        <p:cNvPr id="311" name="Shape 311"/>
         <p:cNvGrpSpPr/>
         <p:nvPr/>
       </p:nvGrpSpPr>
@@ -20084,7 +21086,7 @@
       </p:grpSpPr>
       <p:sp>
         <p:nvSpPr>
-          <p:cNvPr id="311" name="Google Shape;311;p47"/>
+          <p:cNvPr id="312" name="Google Shape;312;p47"/>
           <p:cNvSpPr txBox="1"/>
           <p:nvPr>
             <p:ph type="title"/>
@@ -20124,7 +21126,7 @@
       </p:sp>
       <p:sp>
         <p:nvSpPr>
-          <p:cNvPr id="312" name="Google Shape;312;p47"/>
+          <p:cNvPr id="313" name="Google Shape;313;p47"/>
           <p:cNvSpPr txBox="1"/>
           <p:nvPr>
             <p:ph idx="12" type="sldNum"/>
@@ -20193,7 +21195,7 @@
       </p:sp>
       <p:pic>
         <p:nvPicPr>
-          <p:cNvPr id="313" name="Google Shape;313;p47"/>
+          <p:cNvPr id="314" name="Google Shape;314;p47"/>
           <p:cNvPicPr preferRelativeResize="0"/>
           <p:nvPr/>
         </p:nvPicPr>
@@ -20232,7 +21234,7 @@
   <p:cSld>
     <p:spTree>
       <p:nvGrpSpPr>
-        <p:cNvPr id="317" name="Shape 317"/>
+        <p:cNvPr id="318" name="Shape 318"/>
         <p:cNvGrpSpPr/>
         <p:nvPr/>
       </p:nvGrpSpPr>
@@ -20246,7 +21248,7 @@
       </p:grpSpPr>
       <p:sp>
         <p:nvSpPr>
-          <p:cNvPr id="318" name="Google Shape;318;p48"/>
+          <p:cNvPr id="319" name="Google Shape;319;p48"/>
           <p:cNvSpPr txBox="1"/>
           <p:nvPr>
             <p:ph type="title"/>
@@ -20286,7 +21288,7 @@
       </p:sp>
       <p:sp>
         <p:nvSpPr>
-          <p:cNvPr id="319" name="Google Shape;319;p48"/>
+          <p:cNvPr id="320" name="Google Shape;320;p48"/>
           <p:cNvSpPr txBox="1"/>
           <p:nvPr>
             <p:ph idx="12" type="sldNum"/>
@@ -20355,7 +21357,7 @@
       </p:sp>
       <p:graphicFrame>
         <p:nvGraphicFramePr>
-          <p:cNvPr id="320" name="Google Shape;320;p48"/>
+          <p:cNvPr id="321" name="Google Shape;321;p48"/>
           <p:cNvGraphicFramePr/>
           <p:nvPr/>
         </p:nvGraphicFramePr>
@@ -20368,7 +21370,7 @@
             <a:tbl>
               <a:tblPr>
                 <a:noFill/>
-                <a:tableStyleId>{A8476B74-0072-4FD0-ABB4-C808092CD5C4}</a:tableStyleId>
+                <a:tableStyleId>{097752C3-AC5A-488C-A5D2-456B90008203}</a:tableStyleId>
               </a:tblPr>
               <a:tblGrid>
                 <a:gridCol w="645525"/>
@@ -30661,7 +31663,7 @@
   <p:cSld>
     <p:spTree>
       <p:nvGrpSpPr>
-        <p:cNvPr id="324" name="Shape 324"/>
+        <p:cNvPr id="325" name="Shape 325"/>
         <p:cNvGrpSpPr/>
         <p:nvPr/>
       </p:nvGrpSpPr>
@@ -30675,7 +31677,7 @@
       </p:grpSpPr>
       <p:sp>
         <p:nvSpPr>
-          <p:cNvPr id="325" name="Google Shape;325;p49"/>
+          <p:cNvPr id="326" name="Google Shape;326;p49"/>
           <p:cNvSpPr txBox="1"/>
           <p:nvPr>
             <p:ph type="title"/>
@@ -30719,7 +31721,7 @@
       </p:sp>
       <p:sp>
         <p:nvSpPr>
-          <p:cNvPr id="326" name="Google Shape;326;p49"/>
+          <p:cNvPr id="327" name="Google Shape;327;p49"/>
           <p:cNvSpPr txBox="1"/>
           <p:nvPr>
             <p:ph idx="12" type="sldNum"/>
@@ -30788,7 +31790,7 @@
       </p:sp>
       <p:pic>
         <p:nvPicPr>
-          <p:cNvPr id="327" name="Google Shape;327;p49"/>
+          <p:cNvPr id="328" name="Google Shape;328;p49"/>
           <p:cNvPicPr preferRelativeResize="0"/>
           <p:nvPr/>
         </p:nvPicPr>
@@ -30827,7 +31829,7 @@
   <p:cSld>
     <p:spTree>
       <p:nvGrpSpPr>
-        <p:cNvPr id="331" name="Shape 331"/>
+        <p:cNvPr id="332" name="Shape 332"/>
         <p:cNvGrpSpPr/>
         <p:nvPr/>
       </p:nvGrpSpPr>
@@ -30841,7 +31843,7 @@
       </p:grpSpPr>
       <p:sp>
         <p:nvSpPr>
-          <p:cNvPr id="332" name="Google Shape;332;p50"/>
+          <p:cNvPr id="333" name="Google Shape;333;p50"/>
           <p:cNvSpPr txBox="1"/>
           <p:nvPr>
             <p:ph type="title"/>
@@ -30881,7 +31883,7 @@
       </p:sp>
       <p:sp>
         <p:nvSpPr>
-          <p:cNvPr id="333" name="Google Shape;333;p50"/>
+          <p:cNvPr id="334" name="Google Shape;334;p50"/>
           <p:cNvSpPr txBox="1"/>
           <p:nvPr>
             <p:ph idx="12" type="sldNum"/>
@@ -30950,7 +31952,7 @@
       </p:sp>
       <p:pic>
         <p:nvPicPr>
-          <p:cNvPr id="334" name="Google Shape;334;p50"/>
+          <p:cNvPr id="335" name="Google Shape;335;p50"/>
           <p:cNvPicPr preferRelativeResize="0"/>
           <p:nvPr/>
         </p:nvPicPr>
@@ -30989,7 +31991,7 @@
   <p:cSld>
     <p:spTree>
       <p:nvGrpSpPr>
-        <p:cNvPr id="338" name="Shape 338"/>
+        <p:cNvPr id="339" name="Shape 339"/>
         <p:cNvGrpSpPr/>
         <p:nvPr/>
       </p:nvGrpSpPr>
@@ -31003,7 +32005,7 @@
       </p:grpSpPr>
       <p:sp>
         <p:nvSpPr>
-          <p:cNvPr id="339" name="Google Shape;339;p51"/>
+          <p:cNvPr id="340" name="Google Shape;340;p51"/>
           <p:cNvSpPr txBox="1"/>
           <p:nvPr>
             <p:ph type="title"/>
@@ -31043,7 +32045,7 @@
       </p:sp>
       <p:sp>
         <p:nvSpPr>
-          <p:cNvPr id="340" name="Google Shape;340;p51"/>
+          <p:cNvPr id="341" name="Google Shape;341;p51"/>
           <p:cNvSpPr txBox="1"/>
           <p:nvPr>
             <p:ph idx="12" type="sldNum"/>
@@ -31112,7 +32114,7 @@
       </p:sp>
       <p:pic>
         <p:nvPicPr>
-          <p:cNvPr id="341" name="Google Shape;341;p51"/>
+          <p:cNvPr id="342" name="Google Shape;342;p51"/>
           <p:cNvPicPr preferRelativeResize="0"/>
           <p:nvPr/>
         </p:nvPicPr>
@@ -31151,7 +32153,7 @@
   <p:cSld>
     <p:spTree>
       <p:nvGrpSpPr>
-        <p:cNvPr id="345" name="Shape 345"/>
+        <p:cNvPr id="346" name="Shape 346"/>
         <p:cNvGrpSpPr/>
         <p:nvPr/>
       </p:nvGrpSpPr>
@@ -31165,7 +32167,7 @@
       </p:grpSpPr>
       <p:sp>
         <p:nvSpPr>
-          <p:cNvPr id="346" name="Google Shape;346;p52"/>
+          <p:cNvPr id="347" name="Google Shape;347;p52"/>
           <p:cNvSpPr txBox="1"/>
           <p:nvPr>
             <p:ph type="title"/>
@@ -31209,7 +32211,7 @@
       </p:sp>
       <p:sp>
         <p:nvSpPr>
-          <p:cNvPr id="347" name="Google Shape;347;p52"/>
+          <p:cNvPr id="348" name="Google Shape;348;p52"/>
           <p:cNvSpPr txBox="1"/>
           <p:nvPr>
             <p:ph idx="1" type="body"/>
@@ -31265,7 +32267,7 @@
       </p:sp>
       <p:sp>
         <p:nvSpPr>
-          <p:cNvPr id="348" name="Google Shape;348;p52"/>
+          <p:cNvPr id="349" name="Google Shape;349;p52"/>
           <p:cNvSpPr txBox="1"/>
           <p:nvPr>
             <p:ph idx="12" type="sldNum"/>
@@ -31345,7 +32347,7 @@
   <p:cSld>
     <p:spTree>
       <p:nvGrpSpPr>
-        <p:cNvPr id="352" name="Shape 352"/>
+        <p:cNvPr id="353" name="Shape 353"/>
         <p:cNvGrpSpPr/>
         <p:nvPr/>
       </p:nvGrpSpPr>
@@ -31359,7 +32361,7 @@
       </p:grpSpPr>
       <p:sp>
         <p:nvSpPr>
-          <p:cNvPr id="353" name="Google Shape;353;p53"/>
+          <p:cNvPr id="354" name="Google Shape;354;p53"/>
           <p:cNvSpPr txBox="1"/>
           <p:nvPr>
             <p:ph type="title"/>
@@ -31410,7 +32412,7 @@
   <p:cSld>
     <p:spTree>
       <p:nvGrpSpPr>
-        <p:cNvPr id="357" name="Shape 357"/>
+        <p:cNvPr id="358" name="Shape 358"/>
         <p:cNvGrpSpPr/>
         <p:nvPr/>
       </p:nvGrpSpPr>
@@ -31424,7 +32426,7 @@
       </p:grpSpPr>
       <p:sp>
         <p:nvSpPr>
-          <p:cNvPr id="358" name="Google Shape;358;p54"/>
+          <p:cNvPr id="359" name="Google Shape;359;p54"/>
           <p:cNvSpPr txBox="1"/>
           <p:nvPr>
             <p:ph type="title"/>
@@ -31464,7 +32466,7 @@
       </p:sp>
       <p:sp>
         <p:nvSpPr>
-          <p:cNvPr id="359" name="Google Shape;359;p54"/>
+          <p:cNvPr id="360" name="Google Shape;360;p54"/>
           <p:cNvSpPr txBox="1"/>
           <p:nvPr>
             <p:ph idx="12" type="sldNum"/>
@@ -31533,7 +32535,7 @@
       </p:sp>
       <p:pic>
         <p:nvPicPr>
-          <p:cNvPr id="360" name="Google Shape;360;p54"/>
+          <p:cNvPr id="361" name="Google Shape;361;p54"/>
           <p:cNvPicPr preferRelativeResize="0"/>
           <p:nvPr/>
         </p:nvPicPr>
@@ -31572,7 +32574,7 @@
   <p:cSld>
     <p:spTree>
       <p:nvGrpSpPr>
-        <p:cNvPr id="364" name="Shape 364"/>
+        <p:cNvPr id="365" name="Shape 365"/>
         <p:cNvGrpSpPr/>
         <p:nvPr/>
       </p:nvGrpSpPr>
@@ -31586,7 +32588,7 @@
       </p:grpSpPr>
       <p:sp>
         <p:nvSpPr>
-          <p:cNvPr id="365" name="Google Shape;365;p55"/>
+          <p:cNvPr id="366" name="Google Shape;366;p55"/>
           <p:cNvSpPr txBox="1"/>
           <p:nvPr>
             <p:ph type="title"/>
@@ -31626,7 +32628,7 @@
       </p:sp>
       <p:sp>
         <p:nvSpPr>
-          <p:cNvPr id="366" name="Google Shape;366;p55"/>
+          <p:cNvPr id="367" name="Google Shape;367;p55"/>
           <p:cNvSpPr txBox="1"/>
           <p:nvPr>
             <p:ph idx="1" type="body"/>
@@ -31756,7 +32758,7 @@
       </p:sp>
       <p:sp>
         <p:nvSpPr>
-          <p:cNvPr id="367" name="Google Shape;367;p55"/>
+          <p:cNvPr id="368" name="Google Shape;368;p55"/>
           <p:cNvSpPr txBox="1"/>
           <p:nvPr>
             <p:ph idx="12" type="sldNum"/>
@@ -31836,7 +32838,7 @@
   <p:cSld>
     <p:spTree>
       <p:nvGrpSpPr>
-        <p:cNvPr id="371" name="Shape 371"/>
+        <p:cNvPr id="372" name="Shape 372"/>
         <p:cNvGrpSpPr/>
         <p:nvPr/>
       </p:nvGrpSpPr>
@@ -31850,7 +32852,7 @@
       </p:grpSpPr>
       <p:sp>
         <p:nvSpPr>
-          <p:cNvPr id="372" name="Google Shape;372;p56"/>
+          <p:cNvPr id="373" name="Google Shape;373;p56"/>
           <p:cNvSpPr txBox="1"/>
           <p:nvPr>
             <p:ph type="title"/>
@@ -31890,7 +32892,7 @@
       </p:sp>
       <p:sp>
         <p:nvSpPr>
-          <p:cNvPr id="373" name="Google Shape;373;p56"/>
+          <p:cNvPr id="374" name="Google Shape;374;p56"/>
           <p:cNvSpPr txBox="1"/>
           <p:nvPr>
             <p:ph idx="1" type="body"/>
@@ -32047,7 +33049,7 @@
       </p:sp>
       <p:sp>
         <p:nvSpPr>
-          <p:cNvPr id="374" name="Google Shape;374;p56"/>
+          <p:cNvPr id="375" name="Google Shape;375;p56"/>
           <p:cNvSpPr txBox="1"/>
           <p:nvPr>
             <p:ph idx="12" type="sldNum"/>
@@ -32401,7 +33403,7 @@
   <p:cSld>
     <p:spTree>
       <p:nvGrpSpPr>
-        <p:cNvPr id="378" name="Shape 378"/>
+        <p:cNvPr id="379" name="Shape 379"/>
         <p:cNvGrpSpPr/>
         <p:nvPr/>
       </p:nvGrpSpPr>
@@ -32415,7 +33417,7 @@
       </p:grpSpPr>
       <p:sp>
         <p:nvSpPr>
-          <p:cNvPr id="379" name="Google Shape;379;p57"/>
+          <p:cNvPr id="380" name="Google Shape;380;p57"/>
           <p:cNvSpPr txBox="1"/>
           <p:nvPr>
             <p:ph type="title"/>
@@ -32455,7 +33457,7 @@
       </p:sp>
       <p:sp>
         <p:nvSpPr>
-          <p:cNvPr id="380" name="Google Shape;380;p57"/>
+          <p:cNvPr id="381" name="Google Shape;381;p57"/>
           <p:cNvSpPr txBox="1"/>
           <p:nvPr>
             <p:ph idx="1" type="body"/>
@@ -32547,7 +33549,7 @@
       </p:sp>
       <p:sp>
         <p:nvSpPr>
-          <p:cNvPr id="381" name="Google Shape;381;p57"/>
+          <p:cNvPr id="382" name="Google Shape;382;p57"/>
           <p:cNvSpPr txBox="1"/>
           <p:nvPr>
             <p:ph idx="12" type="sldNum"/>
@@ -32627,7 +33629,7 @@
   <p:cSld>
     <p:spTree>
       <p:nvGrpSpPr>
-        <p:cNvPr id="385" name="Shape 385"/>
+        <p:cNvPr id="386" name="Shape 386"/>
         <p:cNvGrpSpPr/>
         <p:nvPr/>
       </p:nvGrpSpPr>
@@ -32641,7 +33643,7 @@
       </p:grpSpPr>
       <p:sp>
         <p:nvSpPr>
-          <p:cNvPr id="386" name="Google Shape;386;p58"/>
+          <p:cNvPr id="387" name="Google Shape;387;p58"/>
           <p:cNvSpPr txBox="1"/>
           <p:nvPr>
             <p:ph type="title"/>
@@ -32681,7 +33683,7 @@
       </p:sp>
       <p:sp>
         <p:nvSpPr>
-          <p:cNvPr id="387" name="Google Shape;387;p58"/>
+          <p:cNvPr id="388" name="Google Shape;388;p58"/>
           <p:cNvSpPr txBox="1"/>
           <p:nvPr>
             <p:ph idx="1" type="body"/>
@@ -32788,7 +33790,7 @@
       </p:sp>
       <p:sp>
         <p:nvSpPr>
-          <p:cNvPr id="388" name="Google Shape;388;p58"/>
+          <p:cNvPr id="389" name="Google Shape;389;p58"/>
           <p:cNvSpPr txBox="1"/>
           <p:nvPr>
             <p:ph idx="12" type="sldNum"/>
@@ -32868,7 +33870,7 @@
   <p:cSld>
     <p:spTree>
       <p:nvGrpSpPr>
-        <p:cNvPr id="392" name="Shape 392"/>
+        <p:cNvPr id="393" name="Shape 393"/>
         <p:cNvGrpSpPr/>
         <p:nvPr/>
       </p:nvGrpSpPr>
@@ -32882,7 +33884,7 @@
       </p:grpSpPr>
       <p:sp>
         <p:nvSpPr>
-          <p:cNvPr id="393" name="Google Shape;393;p59"/>
+          <p:cNvPr id="394" name="Google Shape;394;p59"/>
           <p:cNvSpPr txBox="1"/>
           <p:nvPr>
             <p:ph type="title"/>
@@ -32922,7 +33924,7 @@
       </p:sp>
       <p:sp>
         <p:nvSpPr>
-          <p:cNvPr id="394" name="Google Shape;394;p59"/>
+          <p:cNvPr id="395" name="Google Shape;395;p59"/>
           <p:cNvSpPr txBox="1"/>
           <p:nvPr>
             <p:ph idx="1" type="body"/>
@@ -33018,7 +34020,7 @@
       </p:sp>
       <p:sp>
         <p:nvSpPr>
-          <p:cNvPr id="395" name="Google Shape;395;p59"/>
+          <p:cNvPr id="396" name="Google Shape;396;p59"/>
           <p:cNvSpPr txBox="1"/>
           <p:nvPr>
             <p:ph idx="12" type="sldNum"/>
@@ -33098,7 +34100,7 @@
   <p:cSld>
     <p:spTree>
       <p:nvGrpSpPr>
-        <p:cNvPr id="399" name="Shape 399"/>
+        <p:cNvPr id="400" name="Shape 400"/>
         <p:cNvGrpSpPr/>
         <p:nvPr/>
       </p:nvGrpSpPr>
@@ -33112,7 +34114,7 @@
       </p:grpSpPr>
       <p:sp>
         <p:nvSpPr>
-          <p:cNvPr id="400" name="Google Shape;400;p60"/>
+          <p:cNvPr id="401" name="Google Shape;401;p60"/>
           <p:cNvSpPr txBox="1"/>
           <p:nvPr>
             <p:ph type="title"/>
@@ -33152,7 +34154,7 @@
       </p:sp>
       <p:sp>
         <p:nvSpPr>
-          <p:cNvPr id="401" name="Google Shape;401;p60"/>
+          <p:cNvPr id="402" name="Google Shape;402;p60"/>
           <p:cNvSpPr txBox="1"/>
           <p:nvPr>
             <p:ph idx="1" type="body"/>
@@ -33208,7 +34210,7 @@
       </p:sp>
       <p:sp>
         <p:nvSpPr>
-          <p:cNvPr id="402" name="Google Shape;402;p60"/>
+          <p:cNvPr id="403" name="Google Shape;403;p60"/>
           <p:cNvSpPr txBox="1"/>
           <p:nvPr>
             <p:ph idx="12" type="sldNum"/>
@@ -33288,7 +34290,7 @@
   <p:cSld>
     <p:spTree>
       <p:nvGrpSpPr>
-        <p:cNvPr id="406" name="Shape 406"/>
+        <p:cNvPr id="407" name="Shape 407"/>
         <p:cNvGrpSpPr/>
         <p:nvPr/>
       </p:nvGrpSpPr>
@@ -33302,7 +34304,7 @@
       </p:grpSpPr>
       <p:sp>
         <p:nvSpPr>
-          <p:cNvPr id="407" name="Google Shape;407;p61"/>
+          <p:cNvPr id="408" name="Google Shape;408;p61"/>
           <p:cNvSpPr txBox="1"/>
           <p:nvPr>
             <p:ph type="title"/>
@@ -33353,7 +34355,7 @@
   <p:cSld>
     <p:spTree>
       <p:nvGrpSpPr>
-        <p:cNvPr id="411" name="Shape 411"/>
+        <p:cNvPr id="412" name="Shape 412"/>
         <p:cNvGrpSpPr/>
         <p:nvPr/>
       </p:nvGrpSpPr>
@@ -33367,7 +34369,7 @@
       </p:grpSpPr>
       <p:sp>
         <p:nvSpPr>
-          <p:cNvPr id="412" name="Google Shape;412;p62"/>
+          <p:cNvPr id="413" name="Google Shape;413;p62"/>
           <p:cNvSpPr txBox="1"/>
           <p:nvPr>
             <p:ph type="title"/>
@@ -33407,7 +34409,7 @@
       </p:sp>
       <p:sp>
         <p:nvSpPr>
-          <p:cNvPr id="413" name="Google Shape;413;p62"/>
+          <p:cNvPr id="414" name="Google Shape;414;p62"/>
           <p:cNvSpPr txBox="1"/>
           <p:nvPr>
             <p:ph idx="12" type="sldNum"/>
@@ -33476,7 +34478,7 @@
       </p:sp>
       <p:pic>
         <p:nvPicPr>
-          <p:cNvPr id="414" name="Google Shape;414;p62"/>
+          <p:cNvPr id="415" name="Google Shape;415;p62"/>
           <p:cNvPicPr preferRelativeResize="0"/>
           <p:nvPr/>
         </p:nvPicPr>
@@ -33515,7 +34517,7 @@
   <p:cSld>
     <p:spTree>
       <p:nvGrpSpPr>
-        <p:cNvPr id="418" name="Shape 418"/>
+        <p:cNvPr id="419" name="Shape 419"/>
         <p:cNvGrpSpPr/>
         <p:nvPr/>
       </p:nvGrpSpPr>
@@ -33529,7 +34531,7 @@
       </p:grpSpPr>
       <p:sp>
         <p:nvSpPr>
-          <p:cNvPr id="419" name="Google Shape;419;p63"/>
+          <p:cNvPr id="420" name="Google Shape;420;p63"/>
           <p:cNvSpPr txBox="1"/>
           <p:nvPr>
             <p:ph type="title"/>
@@ -33569,7 +34571,7 @@
       </p:sp>
       <p:sp>
         <p:nvSpPr>
-          <p:cNvPr id="420" name="Google Shape;420;p63"/>
+          <p:cNvPr id="421" name="Google Shape;421;p63"/>
           <p:cNvSpPr txBox="1"/>
           <p:nvPr>
             <p:ph idx="12" type="sldNum"/>
@@ -33638,7 +34640,7 @@
       </p:sp>
       <p:graphicFrame>
         <p:nvGraphicFramePr>
-          <p:cNvPr id="421" name="Google Shape;421;p63"/>
+          <p:cNvPr id="422" name="Google Shape;422;p63"/>
           <p:cNvGraphicFramePr/>
           <p:nvPr/>
         </p:nvGraphicFramePr>
@@ -33651,7 +34653,7 @@
             <a:tbl>
               <a:tblPr>
                 <a:noFill/>
-                <a:tableStyleId>{AF64ACD7-5F4C-4F97-ACED-7D38AF8AA32A}</a:tableStyleId>
+                <a:tableStyleId>{86827F26-EF93-4D57-B62D-EEBE3584C8C3}</a:tableStyleId>
               </a:tblPr>
               <a:tblGrid>
                 <a:gridCol w="1719075"/>
@@ -33735,14 +34737,14 @@
                         <a:buNone/>
                       </a:pPr>
                       <a:r>
-                        <a:rPr b="1" lang="en">
+                        <a:rPr b="1" lang="en" sz="1800">
                           <a:solidFill>
                             <a:schemeClr val="lt1"/>
                           </a:solidFill>
                         </a:rPr>
                         <a:t>Time-frame</a:t>
                       </a:r>
-                      <a:endParaRPr b="1">
+                      <a:endParaRPr b="1" sz="1800">
                         <a:solidFill>
                           <a:schemeClr val="lt1"/>
                         </a:solidFill>
@@ -33806,14 +34808,14 @@
                         <a:buNone/>
                       </a:pPr>
                       <a:r>
-                        <a:rPr b="1" lang="en">
+                        <a:rPr b="1" lang="en" sz="1800">
                           <a:solidFill>
                             <a:schemeClr val="lt1"/>
                           </a:solidFill>
                         </a:rPr>
                         <a:t>Content</a:t>
                       </a:r>
-                      <a:endParaRPr b="1">
+                      <a:endParaRPr b="1" sz="1800">
                         <a:solidFill>
                           <a:schemeClr val="lt1"/>
                         </a:solidFill>
@@ -33877,14 +34879,14 @@
                         <a:buNone/>
                       </a:pPr>
                       <a:r>
-                        <a:rPr b="1" lang="en">
+                        <a:rPr b="1" lang="en" sz="1800">
                           <a:solidFill>
                             <a:schemeClr val="lt1"/>
                           </a:solidFill>
                         </a:rPr>
                         <a:t>Certainty</a:t>
                       </a:r>
-                      <a:endParaRPr b="1">
+                      <a:endParaRPr b="1" sz="1800">
                         <a:solidFill>
                           <a:schemeClr val="lt1"/>
                         </a:solidFill>
@@ -33948,14 +34950,14 @@
                         <a:buNone/>
                       </a:pPr>
                       <a:r>
-                        <a:rPr b="1" lang="en">
+                        <a:rPr b="1" lang="en" sz="1800">
                           <a:solidFill>
                             <a:schemeClr val="lt1"/>
                           </a:solidFill>
                         </a:rPr>
                         <a:t>Owner</a:t>
                       </a:r>
-                      <a:endParaRPr b="1">
+                      <a:endParaRPr b="1" sz="1800">
                         <a:solidFill>
                           <a:schemeClr val="lt1"/>
                         </a:solidFill>
@@ -34021,7 +35023,7 @@
                         <a:buNone/>
                       </a:pPr>
                       <a:r>
-                        <a:rPr b="1" lang="en">
+                        <a:rPr b="1" lang="en" sz="1800">
                           <a:solidFill>
                             <a:schemeClr val="lt1"/>
                           </a:solidFill>
@@ -34029,21 +35031,21 @@
                         <a:t>Product</a:t>
                       </a:r>
                       <a:br>
-                        <a:rPr b="1" lang="en">
+                        <a:rPr b="1" lang="en" sz="1800">
                           <a:solidFill>
                             <a:schemeClr val="lt1"/>
                           </a:solidFill>
                         </a:rPr>
                       </a:br>
                       <a:r>
-                        <a:rPr b="1" lang="en">
+                        <a:rPr b="1" lang="en" sz="1800">
                           <a:solidFill>
                             <a:schemeClr val="lt1"/>
                           </a:solidFill>
                         </a:rPr>
                         <a:t>vision</a:t>
                       </a:r>
-                      <a:endParaRPr b="1">
+                      <a:endParaRPr b="1" sz="1800">
                         <a:solidFill>
                           <a:schemeClr val="lt1"/>
                         </a:solidFill>
@@ -34360,14 +35362,14 @@
                         <a:buNone/>
                       </a:pPr>
                       <a:r>
-                        <a:rPr b="1" lang="en">
+                        <a:rPr b="1" lang="en" sz="1800">
                           <a:solidFill>
                             <a:schemeClr val="lt1"/>
                           </a:solidFill>
                         </a:rPr>
                         <a:t>Product roadmap</a:t>
                       </a:r>
-                      <a:endParaRPr b="1">
+                      <a:endParaRPr b="1" sz="1800">
                         <a:solidFill>
                           <a:schemeClr val="lt1"/>
                         </a:solidFill>
@@ -34696,14 +35698,14 @@
                         <a:buNone/>
                       </a:pPr>
                       <a:r>
-                        <a:rPr b="1" lang="en">
+                        <a:rPr b="1" lang="en" sz="1800">
                           <a:solidFill>
                             <a:schemeClr val="lt1"/>
                           </a:solidFill>
                         </a:rPr>
                         <a:t>Product release</a:t>
                       </a:r>
-                      <a:endParaRPr b="1">
+                      <a:endParaRPr b="1" sz="1800">
                         <a:solidFill>
                           <a:schemeClr val="lt1"/>
                         </a:solidFill>
@@ -35021,7 +36023,7 @@
   <p:cSld>
     <p:spTree>
       <p:nvGrpSpPr>
-        <p:cNvPr id="425" name="Shape 425"/>
+        <p:cNvPr id="426" name="Shape 426"/>
         <p:cNvGrpSpPr/>
         <p:nvPr/>
       </p:nvGrpSpPr>
@@ -35035,7 +36037,7 @@
       </p:grpSpPr>
       <p:sp>
         <p:nvSpPr>
-          <p:cNvPr id="426" name="Google Shape;426;p64"/>
+          <p:cNvPr id="427" name="Google Shape;427;p64"/>
           <p:cNvSpPr txBox="1"/>
           <p:nvPr>
             <p:ph type="title"/>
@@ -35075,7 +36077,7 @@
       </p:sp>
       <p:sp>
         <p:nvSpPr>
-          <p:cNvPr id="427" name="Google Shape;427;p64"/>
+          <p:cNvPr id="428" name="Google Shape;428;p64"/>
           <p:cNvSpPr txBox="1"/>
           <p:nvPr>
             <p:ph idx="12" type="sldNum"/>
@@ -35144,7 +36146,7 @@
       </p:sp>
       <p:pic>
         <p:nvPicPr>
-          <p:cNvPr id="428" name="Google Shape;428;p64"/>
+          <p:cNvPr id="429" name="Google Shape;429;p64"/>
           <p:cNvPicPr preferRelativeResize="0"/>
           <p:nvPr/>
         </p:nvPicPr>
@@ -35183,7 +36185,7 @@
   <p:cSld>
     <p:spTree>
       <p:nvGrpSpPr>
-        <p:cNvPr id="432" name="Shape 432"/>
+        <p:cNvPr id="433" name="Shape 433"/>
         <p:cNvGrpSpPr/>
         <p:nvPr/>
       </p:nvGrpSpPr>
@@ -35197,7 +36199,7 @@
       </p:grpSpPr>
       <p:sp>
         <p:nvSpPr>
-          <p:cNvPr id="433" name="Google Shape;433;p65"/>
+          <p:cNvPr id="434" name="Google Shape;434;p65"/>
           <p:cNvSpPr txBox="1"/>
           <p:nvPr>
             <p:ph type="title"/>
@@ -35237,7 +36239,7 @@
       </p:sp>
       <p:sp>
         <p:nvSpPr>
-          <p:cNvPr id="434" name="Google Shape;434;p65"/>
+          <p:cNvPr id="435" name="Google Shape;435;p65"/>
           <p:cNvSpPr txBox="1"/>
           <p:nvPr>
             <p:ph idx="1" type="body"/>
@@ -35395,7 +36397,7 @@
       </p:sp>
       <p:sp>
         <p:nvSpPr>
-          <p:cNvPr id="435" name="Google Shape;435;p65"/>
+          <p:cNvPr id="436" name="Google Shape;436;p65"/>
           <p:cNvSpPr txBox="1"/>
           <p:nvPr>
             <p:ph idx="12" type="sldNum"/>
@@ -35475,7 +36477,7 @@
   <p:cSld>
     <p:spTree>
       <p:nvGrpSpPr>
-        <p:cNvPr id="439" name="Shape 439"/>
+        <p:cNvPr id="440" name="Shape 440"/>
         <p:cNvGrpSpPr/>
         <p:nvPr/>
       </p:nvGrpSpPr>
@@ -35489,7 +36491,7 @@
       </p:grpSpPr>
       <p:sp>
         <p:nvSpPr>
-          <p:cNvPr id="440" name="Google Shape;440;p66"/>
+          <p:cNvPr id="441" name="Google Shape;441;p66"/>
           <p:cNvSpPr txBox="1"/>
           <p:nvPr>
             <p:ph type="ctrTitle"/>
@@ -35529,7 +36531,7 @@
       </p:sp>
       <p:sp>
         <p:nvSpPr>
-          <p:cNvPr id="441" name="Google Shape;441;p66"/>
+          <p:cNvPr id="442" name="Google Shape;442;p66"/>
           <p:cNvSpPr txBox="1"/>
           <p:nvPr>
             <p:ph idx="1" type="subTitle"/>
@@ -35935,7 +36937,7 @@
   <p:cSld>
     <p:spTree>
       <p:nvGrpSpPr>
-        <p:cNvPr id="445" name="Shape 445"/>
+        <p:cNvPr id="446" name="Shape 446"/>
         <p:cNvGrpSpPr/>
         <p:nvPr/>
       </p:nvGrpSpPr>
@@ -35949,7 +36951,7 @@
       </p:grpSpPr>
       <p:sp>
         <p:nvSpPr>
-          <p:cNvPr id="446" name="Google Shape;446;p67"/>
+          <p:cNvPr id="447" name="Google Shape;447;p67"/>
           <p:cNvSpPr txBox="1"/>
           <p:nvPr>
             <p:ph type="title"/>
@@ -35989,7 +36991,7 @@
       </p:sp>
       <p:sp>
         <p:nvSpPr>
-          <p:cNvPr id="447" name="Google Shape;447;p67"/>
+          <p:cNvPr id="448" name="Google Shape;448;p67"/>
           <p:cNvSpPr txBox="1"/>
           <p:nvPr>
             <p:ph idx="12" type="sldNum"/>
@@ -36054,7 +37056,7 @@
       </p:sp>
       <p:sp>
         <p:nvSpPr>
-          <p:cNvPr id="448" name="Google Shape;448;p67"/>
+          <p:cNvPr id="449" name="Google Shape;449;p67"/>
           <p:cNvSpPr txBox="1"/>
           <p:nvPr>
             <p:ph idx="1" type="body"/>
@@ -36149,7 +37151,7 @@
             </a:pPr>
             <a:r>
               <a:rPr lang="en"/>
-              <a:t>© Copyright 2023 Dirk Riehle, some rights reserved</a:t>
+              <a:t>© Copyright 2024 Dirk Riehle, some rights reserved</a:t>
             </a:r>
             <a:endParaRPr/>
           </a:p>

--- a/Lecture slides/AMOS B04 - Agile Planning.pptx
+++ b/Lecture slides/AMOS B04 - Agile Planning.pptx
@@ -7509,148 +7509,6 @@
       <p:sp>
         <p:nvSpPr>
           <p:cNvPr id="19" name="Google Shape;19;p4"/>
-          <p:cNvSpPr txBox="1"/>
-          <p:nvPr>
-            <p:ph idx="12" type="sldNum"/>
-          </p:nvPr>
-        </p:nvSpPr>
-        <p:spPr>
-          <a:xfrm>
-            <a:off x="7315202" y="4416550"/>
-            <a:ext cx="1828800" cy="731400"/>
-          </a:xfrm>
-          <a:prstGeom prst="rect">
-            <a:avLst/>
-          </a:prstGeom>
-        </p:spPr>
-        <p:txBody>
-          <a:bodyPr anchorCtr="0" anchor="b" bIns="91425" lIns="91425" spcFirstLastPara="1" rIns="91425" wrap="square" tIns="91425">
-            <a:noAutofit/>
-          </a:bodyPr>
-          <a:lstStyle>
-            <a:lvl1pPr lvl="0">
-              <a:buNone/>
-              <a:defRPr>
-                <a:solidFill>
-                  <a:schemeClr val="dk1"/>
-                </a:solidFill>
-              </a:defRPr>
-            </a:lvl1pPr>
-            <a:lvl2pPr lvl="1">
-              <a:buNone/>
-              <a:defRPr>
-                <a:solidFill>
-                  <a:schemeClr val="dk1"/>
-                </a:solidFill>
-              </a:defRPr>
-            </a:lvl2pPr>
-            <a:lvl3pPr lvl="2">
-              <a:buNone/>
-              <a:defRPr>
-                <a:solidFill>
-                  <a:schemeClr val="dk1"/>
-                </a:solidFill>
-              </a:defRPr>
-            </a:lvl3pPr>
-            <a:lvl4pPr lvl="3">
-              <a:buNone/>
-              <a:defRPr>
-                <a:solidFill>
-                  <a:schemeClr val="dk1"/>
-                </a:solidFill>
-              </a:defRPr>
-            </a:lvl4pPr>
-            <a:lvl5pPr lvl="4">
-              <a:buNone/>
-              <a:defRPr>
-                <a:solidFill>
-                  <a:schemeClr val="dk1"/>
-                </a:solidFill>
-              </a:defRPr>
-            </a:lvl5pPr>
-            <a:lvl6pPr lvl="5">
-              <a:buNone/>
-              <a:defRPr>
-                <a:solidFill>
-                  <a:schemeClr val="dk1"/>
-                </a:solidFill>
-              </a:defRPr>
-            </a:lvl6pPr>
-            <a:lvl7pPr lvl="6">
-              <a:buNone/>
-              <a:defRPr>
-                <a:solidFill>
-                  <a:schemeClr val="dk1"/>
-                </a:solidFill>
-              </a:defRPr>
-            </a:lvl7pPr>
-            <a:lvl8pPr lvl="7">
-              <a:buNone/>
-              <a:defRPr>
-                <a:solidFill>
-                  <a:schemeClr val="dk1"/>
-                </a:solidFill>
-              </a:defRPr>
-            </a:lvl8pPr>
-            <a:lvl9pPr lvl="8">
-              <a:buNone/>
-              <a:defRPr>
-                <a:solidFill>
-                  <a:schemeClr val="dk1"/>
-                </a:solidFill>
-              </a:defRPr>
-            </a:lvl9pPr>
-          </a:lstStyle>
-          <a:p>
-            <a:pPr indent="0" lvl="0" marL="0" rtl="0" algn="r">
-              <a:spcBef>
-                <a:spcPts val="0"/>
-              </a:spcBef>
-              <a:spcAft>
-                <a:spcPts val="0"/>
-              </a:spcAft>
-              <a:buNone/>
-            </a:pPr>
-            <a:fld id="{00000000-1234-1234-1234-123412341234}" type="slidenum">
-              <a:rPr lang="en"/>
-              <a:t>‹#›</a:t>
-            </a:fld>
-            <a:endParaRPr/>
-          </a:p>
-          <a:p>
-            <a:pPr indent="0" lvl="0" marL="0" rtl="0" algn="r">
-              <a:spcBef>
-                <a:spcPts val="0"/>
-              </a:spcBef>
-              <a:spcAft>
-                <a:spcPts val="0"/>
-              </a:spcAft>
-              <a:buNone/>
-            </a:pPr>
-            <a:r>
-              <a:rPr b="0" lang="en" sz="900" u="sng">
-                <a:solidFill>
-                  <a:schemeClr val="hlink"/>
-                </a:solidFill>
-                <a:hlinkClick r:id="rId2"/>
-              </a:rPr>
-              <a:t>https://profriehle.com</a:t>
-            </a:r>
-            <a:r>
-              <a:rPr b="0" lang="en" sz="900">
-                <a:solidFill>
-                  <a:schemeClr val="dk2"/>
-                </a:solidFill>
-              </a:rPr>
-              <a:t> </a:t>
-            </a:r>
-            <a:endParaRPr/>
-          </a:p>
-        </p:txBody>
-      </p:sp>
-      <p:sp>
-        <p:nvSpPr>
-          <p:cNvPr id="20" name="Google Shape;20;p4"/>
           <p:cNvSpPr/>
           <p:nvPr/>
         </p:nvSpPr>
@@ -7692,6 +7550,147 @@
                 <a:schemeClr val="dk1"/>
               </a:solidFill>
             </a:endParaRPr>
+          </a:p>
+        </p:txBody>
+      </p:sp>
+      <p:sp>
+        <p:nvSpPr>
+          <p:cNvPr id="20" name="Google Shape;20;p4"/>
+          <p:cNvSpPr txBox="1"/>
+          <p:nvPr>
+            <p:ph idx="12" type="sldNum"/>
+          </p:nvPr>
+        </p:nvSpPr>
+        <p:spPr>
+          <a:xfrm>
+            <a:off x="7315202" y="4229100"/>
+            <a:ext cx="1828800" cy="914400"/>
+          </a:xfrm>
+          <a:prstGeom prst="rect">
+            <a:avLst/>
+          </a:prstGeom>
+          <a:ln>
+            <a:noFill/>
+          </a:ln>
+        </p:spPr>
+        <p:txBody>
+          <a:bodyPr anchorCtr="0" anchor="b" bIns="91425" lIns="91425" spcFirstLastPara="1" rIns="91425" wrap="square" tIns="91425">
+            <a:noAutofit/>
+          </a:bodyPr>
+          <a:lstStyle>
+            <a:lvl1pPr lvl="0" rtl="0" algn="r">
+              <a:buNone/>
+              <a:defRPr b="1" sz="2400">
+                <a:solidFill>
+                  <a:schemeClr val="dk2"/>
+                </a:solidFill>
+              </a:defRPr>
+            </a:lvl1pPr>
+            <a:lvl2pPr lvl="1" rtl="0" algn="r">
+              <a:buNone/>
+              <a:defRPr b="1" sz="2400">
+                <a:solidFill>
+                  <a:schemeClr val="dk2"/>
+                </a:solidFill>
+              </a:defRPr>
+            </a:lvl2pPr>
+            <a:lvl3pPr lvl="2" rtl="0" algn="r">
+              <a:buNone/>
+              <a:defRPr b="1" sz="2400">
+                <a:solidFill>
+                  <a:schemeClr val="dk2"/>
+                </a:solidFill>
+              </a:defRPr>
+            </a:lvl3pPr>
+            <a:lvl4pPr lvl="3" rtl="0" algn="r">
+              <a:buNone/>
+              <a:defRPr b="1" sz="2400">
+                <a:solidFill>
+                  <a:schemeClr val="dk2"/>
+                </a:solidFill>
+              </a:defRPr>
+            </a:lvl4pPr>
+            <a:lvl5pPr lvl="4" rtl="0" algn="r">
+              <a:buNone/>
+              <a:defRPr b="1" sz="2400">
+                <a:solidFill>
+                  <a:schemeClr val="dk2"/>
+                </a:solidFill>
+              </a:defRPr>
+            </a:lvl5pPr>
+            <a:lvl6pPr lvl="5" rtl="0" algn="r">
+              <a:buNone/>
+              <a:defRPr b="1" sz="2400">
+                <a:solidFill>
+                  <a:schemeClr val="dk2"/>
+                </a:solidFill>
+              </a:defRPr>
+            </a:lvl6pPr>
+            <a:lvl7pPr lvl="6" rtl="0" algn="r">
+              <a:buNone/>
+              <a:defRPr b="1" sz="2400">
+                <a:solidFill>
+                  <a:schemeClr val="dk2"/>
+                </a:solidFill>
+              </a:defRPr>
+            </a:lvl7pPr>
+            <a:lvl8pPr lvl="7" rtl="0" algn="r">
+              <a:buNone/>
+              <a:defRPr b="1" sz="2400">
+                <a:solidFill>
+                  <a:schemeClr val="dk2"/>
+                </a:solidFill>
+              </a:defRPr>
+            </a:lvl8pPr>
+            <a:lvl9pPr lvl="8" rtl="0" algn="r">
+              <a:buNone/>
+              <a:defRPr b="1" sz="2400">
+                <a:solidFill>
+                  <a:schemeClr val="dk2"/>
+                </a:solidFill>
+              </a:defRPr>
+            </a:lvl9pPr>
+          </a:lstStyle>
+          <a:p>
+            <a:pPr indent="0" lvl="0" marL="0" rtl="0" algn="r">
+              <a:spcBef>
+                <a:spcPts val="0"/>
+              </a:spcBef>
+              <a:spcAft>
+                <a:spcPts val="0"/>
+              </a:spcAft>
+              <a:buNone/>
+            </a:pPr>
+            <a:fld id="{00000000-1234-1234-1234-123412341234}" type="slidenum">
+              <a:rPr lang="en"/>
+              <a:t>‹#›</a:t>
+            </a:fld>
+            <a:endParaRPr/>
+          </a:p>
+          <a:p>
+            <a:pPr indent="0" lvl="0" marL="0" rtl="0" algn="r">
+              <a:spcBef>
+                <a:spcPts val="0"/>
+              </a:spcBef>
+              <a:spcAft>
+                <a:spcPts val="0"/>
+              </a:spcAft>
+              <a:buNone/>
+            </a:pPr>
+            <a:r>
+              <a:rPr b="0" lang="en" sz="900" u="sng">
+                <a:solidFill>
+                  <a:schemeClr val="hlink"/>
+                </a:solidFill>
+                <a:hlinkClick r:id="rId2"/>
+              </a:rPr>
+              <a:t>uni1.de/amos</a:t>
+            </a:r>
+            <a:r>
+              <a:rPr b="0" lang="en" sz="900"/>
+              <a:t> </a:t>
+            </a:r>
+            <a:endParaRPr b="0" sz="900"/>
           </a:p>
         </p:txBody>
       </p:sp>
@@ -8101,148 +8100,6 @@
       <p:sp>
         <p:nvSpPr>
           <p:cNvPr id="25" name="Google Shape;25;p5"/>
-          <p:cNvSpPr txBox="1"/>
-          <p:nvPr>
-            <p:ph idx="12" type="sldNum"/>
-          </p:nvPr>
-        </p:nvSpPr>
-        <p:spPr>
-          <a:xfrm>
-            <a:off x="7315202" y="4416550"/>
-            <a:ext cx="1828800" cy="731400"/>
-          </a:xfrm>
-          <a:prstGeom prst="rect">
-            <a:avLst/>
-          </a:prstGeom>
-        </p:spPr>
-        <p:txBody>
-          <a:bodyPr anchorCtr="0" anchor="b" bIns="91425" lIns="91425" spcFirstLastPara="1" rIns="91425" wrap="square" tIns="91425">
-            <a:noAutofit/>
-          </a:bodyPr>
-          <a:lstStyle>
-            <a:lvl1pPr lvl="0">
-              <a:buNone/>
-              <a:defRPr>
-                <a:solidFill>
-                  <a:schemeClr val="dk1"/>
-                </a:solidFill>
-              </a:defRPr>
-            </a:lvl1pPr>
-            <a:lvl2pPr lvl="1">
-              <a:buNone/>
-              <a:defRPr>
-                <a:solidFill>
-                  <a:schemeClr val="dk1"/>
-                </a:solidFill>
-              </a:defRPr>
-            </a:lvl2pPr>
-            <a:lvl3pPr lvl="2">
-              <a:buNone/>
-              <a:defRPr>
-                <a:solidFill>
-                  <a:schemeClr val="dk1"/>
-                </a:solidFill>
-              </a:defRPr>
-            </a:lvl3pPr>
-            <a:lvl4pPr lvl="3">
-              <a:buNone/>
-              <a:defRPr>
-                <a:solidFill>
-                  <a:schemeClr val="dk1"/>
-                </a:solidFill>
-              </a:defRPr>
-            </a:lvl4pPr>
-            <a:lvl5pPr lvl="4">
-              <a:buNone/>
-              <a:defRPr>
-                <a:solidFill>
-                  <a:schemeClr val="dk1"/>
-                </a:solidFill>
-              </a:defRPr>
-            </a:lvl5pPr>
-            <a:lvl6pPr lvl="5">
-              <a:buNone/>
-              <a:defRPr>
-                <a:solidFill>
-                  <a:schemeClr val="dk1"/>
-                </a:solidFill>
-              </a:defRPr>
-            </a:lvl6pPr>
-            <a:lvl7pPr lvl="6">
-              <a:buNone/>
-              <a:defRPr>
-                <a:solidFill>
-                  <a:schemeClr val="dk1"/>
-                </a:solidFill>
-              </a:defRPr>
-            </a:lvl7pPr>
-            <a:lvl8pPr lvl="7">
-              <a:buNone/>
-              <a:defRPr>
-                <a:solidFill>
-                  <a:schemeClr val="dk1"/>
-                </a:solidFill>
-              </a:defRPr>
-            </a:lvl8pPr>
-            <a:lvl9pPr lvl="8">
-              <a:buNone/>
-              <a:defRPr>
-                <a:solidFill>
-                  <a:schemeClr val="dk1"/>
-                </a:solidFill>
-              </a:defRPr>
-            </a:lvl9pPr>
-          </a:lstStyle>
-          <a:p>
-            <a:pPr indent="0" lvl="0" marL="0" rtl="0" algn="r">
-              <a:spcBef>
-                <a:spcPts val="0"/>
-              </a:spcBef>
-              <a:spcAft>
-                <a:spcPts val="0"/>
-              </a:spcAft>
-              <a:buNone/>
-            </a:pPr>
-            <a:fld id="{00000000-1234-1234-1234-123412341234}" type="slidenum">
-              <a:rPr lang="en"/>
-              <a:t>‹#›</a:t>
-            </a:fld>
-            <a:endParaRPr/>
-          </a:p>
-          <a:p>
-            <a:pPr indent="0" lvl="0" marL="0" rtl="0" algn="r">
-              <a:spcBef>
-                <a:spcPts val="0"/>
-              </a:spcBef>
-              <a:spcAft>
-                <a:spcPts val="0"/>
-              </a:spcAft>
-              <a:buNone/>
-            </a:pPr>
-            <a:r>
-              <a:rPr b="0" lang="en" sz="900" u="sng">
-                <a:solidFill>
-                  <a:schemeClr val="hlink"/>
-                </a:solidFill>
-                <a:hlinkClick r:id="rId2"/>
-              </a:rPr>
-              <a:t>https://profriehle.com</a:t>
-            </a:r>
-            <a:r>
-              <a:rPr b="0" lang="en" sz="900">
-                <a:solidFill>
-                  <a:schemeClr val="dk2"/>
-                </a:solidFill>
-              </a:rPr>
-              <a:t> </a:t>
-            </a:r>
-            <a:endParaRPr/>
-          </a:p>
-        </p:txBody>
-      </p:sp>
-      <p:sp>
-        <p:nvSpPr>
-          <p:cNvPr id="26" name="Google Shape;26;p5"/>
           <p:cNvSpPr/>
           <p:nvPr/>
         </p:nvSpPr>
@@ -8284,6 +8141,147 @@
                 <a:schemeClr val="dk1"/>
               </a:solidFill>
             </a:endParaRPr>
+          </a:p>
+        </p:txBody>
+      </p:sp>
+      <p:sp>
+        <p:nvSpPr>
+          <p:cNvPr id="26" name="Google Shape;26;p5"/>
+          <p:cNvSpPr txBox="1"/>
+          <p:nvPr>
+            <p:ph idx="12" type="sldNum"/>
+          </p:nvPr>
+        </p:nvSpPr>
+        <p:spPr>
+          <a:xfrm>
+            <a:off x="7315202" y="4229100"/>
+            <a:ext cx="1828800" cy="914400"/>
+          </a:xfrm>
+          <a:prstGeom prst="rect">
+            <a:avLst/>
+          </a:prstGeom>
+          <a:ln>
+            <a:noFill/>
+          </a:ln>
+        </p:spPr>
+        <p:txBody>
+          <a:bodyPr anchorCtr="0" anchor="b" bIns="91425" lIns="91425" spcFirstLastPara="1" rIns="91425" wrap="square" tIns="91425">
+            <a:noAutofit/>
+          </a:bodyPr>
+          <a:lstStyle>
+            <a:lvl1pPr lvl="0" rtl="0" algn="r">
+              <a:buNone/>
+              <a:defRPr b="1" sz="2400">
+                <a:solidFill>
+                  <a:schemeClr val="dk2"/>
+                </a:solidFill>
+              </a:defRPr>
+            </a:lvl1pPr>
+            <a:lvl2pPr lvl="1" rtl="0" algn="r">
+              <a:buNone/>
+              <a:defRPr b="1" sz="2400">
+                <a:solidFill>
+                  <a:schemeClr val="dk2"/>
+                </a:solidFill>
+              </a:defRPr>
+            </a:lvl2pPr>
+            <a:lvl3pPr lvl="2" rtl="0" algn="r">
+              <a:buNone/>
+              <a:defRPr b="1" sz="2400">
+                <a:solidFill>
+                  <a:schemeClr val="dk2"/>
+                </a:solidFill>
+              </a:defRPr>
+            </a:lvl3pPr>
+            <a:lvl4pPr lvl="3" rtl="0" algn="r">
+              <a:buNone/>
+              <a:defRPr b="1" sz="2400">
+                <a:solidFill>
+                  <a:schemeClr val="dk2"/>
+                </a:solidFill>
+              </a:defRPr>
+            </a:lvl4pPr>
+            <a:lvl5pPr lvl="4" rtl="0" algn="r">
+              <a:buNone/>
+              <a:defRPr b="1" sz="2400">
+                <a:solidFill>
+                  <a:schemeClr val="dk2"/>
+                </a:solidFill>
+              </a:defRPr>
+            </a:lvl5pPr>
+            <a:lvl6pPr lvl="5" rtl="0" algn="r">
+              <a:buNone/>
+              <a:defRPr b="1" sz="2400">
+                <a:solidFill>
+                  <a:schemeClr val="dk2"/>
+                </a:solidFill>
+              </a:defRPr>
+            </a:lvl6pPr>
+            <a:lvl7pPr lvl="6" rtl="0" algn="r">
+              <a:buNone/>
+              <a:defRPr b="1" sz="2400">
+                <a:solidFill>
+                  <a:schemeClr val="dk2"/>
+                </a:solidFill>
+              </a:defRPr>
+            </a:lvl7pPr>
+            <a:lvl8pPr lvl="7" rtl="0" algn="r">
+              <a:buNone/>
+              <a:defRPr b="1" sz="2400">
+                <a:solidFill>
+                  <a:schemeClr val="dk2"/>
+                </a:solidFill>
+              </a:defRPr>
+            </a:lvl8pPr>
+            <a:lvl9pPr lvl="8" rtl="0" algn="r">
+              <a:buNone/>
+              <a:defRPr b="1" sz="2400">
+                <a:solidFill>
+                  <a:schemeClr val="dk2"/>
+                </a:solidFill>
+              </a:defRPr>
+            </a:lvl9pPr>
+          </a:lstStyle>
+          <a:p>
+            <a:pPr indent="0" lvl="0" marL="0" rtl="0" algn="r">
+              <a:spcBef>
+                <a:spcPts val="0"/>
+              </a:spcBef>
+              <a:spcAft>
+                <a:spcPts val="0"/>
+              </a:spcAft>
+              <a:buNone/>
+            </a:pPr>
+            <a:fld id="{00000000-1234-1234-1234-123412341234}" type="slidenum">
+              <a:rPr lang="en"/>
+              <a:t>‹#›</a:t>
+            </a:fld>
+            <a:endParaRPr/>
+          </a:p>
+          <a:p>
+            <a:pPr indent="0" lvl="0" marL="0" rtl="0" algn="r">
+              <a:spcBef>
+                <a:spcPts val="0"/>
+              </a:spcBef>
+              <a:spcAft>
+                <a:spcPts val="0"/>
+              </a:spcAft>
+              <a:buNone/>
+            </a:pPr>
+            <a:r>
+              <a:rPr b="0" lang="en" sz="900" u="sng">
+                <a:solidFill>
+                  <a:schemeClr val="hlink"/>
+                </a:solidFill>
+                <a:hlinkClick r:id="rId2"/>
+              </a:rPr>
+              <a:t>uni1.de/amos</a:t>
+            </a:r>
+            <a:r>
+              <a:rPr b="0" lang="en" sz="900"/>
+              <a:t> </a:t>
+            </a:r>
+            <a:endParaRPr b="0" sz="900"/>
           </a:p>
         </p:txBody>
       </p:sp>
@@ -8440,148 +8438,6 @@
       <p:sp>
         <p:nvSpPr>
           <p:cNvPr id="29" name="Google Shape;29;p6"/>
-          <p:cNvSpPr txBox="1"/>
-          <p:nvPr>
-            <p:ph idx="12" type="sldNum"/>
-          </p:nvPr>
-        </p:nvSpPr>
-        <p:spPr>
-          <a:xfrm>
-            <a:off x="7315202" y="4416550"/>
-            <a:ext cx="1828800" cy="731400"/>
-          </a:xfrm>
-          <a:prstGeom prst="rect">
-            <a:avLst/>
-          </a:prstGeom>
-        </p:spPr>
-        <p:txBody>
-          <a:bodyPr anchorCtr="0" anchor="b" bIns="91425" lIns="91425" spcFirstLastPara="1" rIns="91425" wrap="square" tIns="91425">
-            <a:noAutofit/>
-          </a:bodyPr>
-          <a:lstStyle>
-            <a:lvl1pPr lvl="0">
-              <a:buNone/>
-              <a:defRPr>
-                <a:solidFill>
-                  <a:schemeClr val="dk1"/>
-                </a:solidFill>
-              </a:defRPr>
-            </a:lvl1pPr>
-            <a:lvl2pPr lvl="1">
-              <a:buNone/>
-              <a:defRPr>
-                <a:solidFill>
-                  <a:schemeClr val="dk1"/>
-                </a:solidFill>
-              </a:defRPr>
-            </a:lvl2pPr>
-            <a:lvl3pPr lvl="2">
-              <a:buNone/>
-              <a:defRPr>
-                <a:solidFill>
-                  <a:schemeClr val="dk1"/>
-                </a:solidFill>
-              </a:defRPr>
-            </a:lvl3pPr>
-            <a:lvl4pPr lvl="3">
-              <a:buNone/>
-              <a:defRPr>
-                <a:solidFill>
-                  <a:schemeClr val="dk1"/>
-                </a:solidFill>
-              </a:defRPr>
-            </a:lvl4pPr>
-            <a:lvl5pPr lvl="4">
-              <a:buNone/>
-              <a:defRPr>
-                <a:solidFill>
-                  <a:schemeClr val="dk1"/>
-                </a:solidFill>
-              </a:defRPr>
-            </a:lvl5pPr>
-            <a:lvl6pPr lvl="5">
-              <a:buNone/>
-              <a:defRPr>
-                <a:solidFill>
-                  <a:schemeClr val="dk1"/>
-                </a:solidFill>
-              </a:defRPr>
-            </a:lvl6pPr>
-            <a:lvl7pPr lvl="6">
-              <a:buNone/>
-              <a:defRPr>
-                <a:solidFill>
-                  <a:schemeClr val="dk1"/>
-                </a:solidFill>
-              </a:defRPr>
-            </a:lvl7pPr>
-            <a:lvl8pPr lvl="7">
-              <a:buNone/>
-              <a:defRPr>
-                <a:solidFill>
-                  <a:schemeClr val="dk1"/>
-                </a:solidFill>
-              </a:defRPr>
-            </a:lvl8pPr>
-            <a:lvl9pPr lvl="8">
-              <a:buNone/>
-              <a:defRPr>
-                <a:solidFill>
-                  <a:schemeClr val="dk1"/>
-                </a:solidFill>
-              </a:defRPr>
-            </a:lvl9pPr>
-          </a:lstStyle>
-          <a:p>
-            <a:pPr indent="0" lvl="0" marL="0" rtl="0" algn="r">
-              <a:spcBef>
-                <a:spcPts val="0"/>
-              </a:spcBef>
-              <a:spcAft>
-                <a:spcPts val="0"/>
-              </a:spcAft>
-              <a:buNone/>
-            </a:pPr>
-            <a:fld id="{00000000-1234-1234-1234-123412341234}" type="slidenum">
-              <a:rPr lang="en"/>
-              <a:t>‹#›</a:t>
-            </a:fld>
-            <a:endParaRPr/>
-          </a:p>
-          <a:p>
-            <a:pPr indent="0" lvl="0" marL="0" rtl="0" algn="r">
-              <a:spcBef>
-                <a:spcPts val="0"/>
-              </a:spcBef>
-              <a:spcAft>
-                <a:spcPts val="0"/>
-              </a:spcAft>
-              <a:buNone/>
-            </a:pPr>
-            <a:r>
-              <a:rPr b="0" lang="en" sz="900" u="sng">
-                <a:solidFill>
-                  <a:schemeClr val="hlink"/>
-                </a:solidFill>
-                <a:hlinkClick r:id="rId2"/>
-              </a:rPr>
-              <a:t>https://profriehle.com</a:t>
-            </a:r>
-            <a:r>
-              <a:rPr b="0" lang="en" sz="900">
-                <a:solidFill>
-                  <a:schemeClr val="dk2"/>
-                </a:solidFill>
-              </a:rPr>
-              <a:t> </a:t>
-            </a:r>
-            <a:endParaRPr/>
-          </a:p>
-        </p:txBody>
-      </p:sp>
-      <p:sp>
-        <p:nvSpPr>
-          <p:cNvPr id="30" name="Google Shape;30;p6"/>
           <p:cNvSpPr/>
           <p:nvPr/>
         </p:nvSpPr>
@@ -8619,6 +8475,147 @@
               <a:t/>
             </a:r>
             <a:endParaRPr/>
+          </a:p>
+        </p:txBody>
+      </p:sp>
+      <p:sp>
+        <p:nvSpPr>
+          <p:cNvPr id="30" name="Google Shape;30;p6"/>
+          <p:cNvSpPr txBox="1"/>
+          <p:nvPr>
+            <p:ph idx="12" type="sldNum"/>
+          </p:nvPr>
+        </p:nvSpPr>
+        <p:spPr>
+          <a:xfrm>
+            <a:off x="7315202" y="4229100"/>
+            <a:ext cx="1828800" cy="914400"/>
+          </a:xfrm>
+          <a:prstGeom prst="rect">
+            <a:avLst/>
+          </a:prstGeom>
+          <a:ln>
+            <a:noFill/>
+          </a:ln>
+        </p:spPr>
+        <p:txBody>
+          <a:bodyPr anchorCtr="0" anchor="b" bIns="91425" lIns="91425" spcFirstLastPara="1" rIns="91425" wrap="square" tIns="91425">
+            <a:noAutofit/>
+          </a:bodyPr>
+          <a:lstStyle>
+            <a:lvl1pPr lvl="0" rtl="0" algn="r">
+              <a:buNone/>
+              <a:defRPr b="1" sz="2400">
+                <a:solidFill>
+                  <a:schemeClr val="dk2"/>
+                </a:solidFill>
+              </a:defRPr>
+            </a:lvl1pPr>
+            <a:lvl2pPr lvl="1" rtl="0" algn="r">
+              <a:buNone/>
+              <a:defRPr b="1" sz="2400">
+                <a:solidFill>
+                  <a:schemeClr val="dk2"/>
+                </a:solidFill>
+              </a:defRPr>
+            </a:lvl2pPr>
+            <a:lvl3pPr lvl="2" rtl="0" algn="r">
+              <a:buNone/>
+              <a:defRPr b="1" sz="2400">
+                <a:solidFill>
+                  <a:schemeClr val="dk2"/>
+                </a:solidFill>
+              </a:defRPr>
+            </a:lvl3pPr>
+            <a:lvl4pPr lvl="3" rtl="0" algn="r">
+              <a:buNone/>
+              <a:defRPr b="1" sz="2400">
+                <a:solidFill>
+                  <a:schemeClr val="dk2"/>
+                </a:solidFill>
+              </a:defRPr>
+            </a:lvl4pPr>
+            <a:lvl5pPr lvl="4" rtl="0" algn="r">
+              <a:buNone/>
+              <a:defRPr b="1" sz="2400">
+                <a:solidFill>
+                  <a:schemeClr val="dk2"/>
+                </a:solidFill>
+              </a:defRPr>
+            </a:lvl5pPr>
+            <a:lvl6pPr lvl="5" rtl="0" algn="r">
+              <a:buNone/>
+              <a:defRPr b="1" sz="2400">
+                <a:solidFill>
+                  <a:schemeClr val="dk2"/>
+                </a:solidFill>
+              </a:defRPr>
+            </a:lvl6pPr>
+            <a:lvl7pPr lvl="6" rtl="0" algn="r">
+              <a:buNone/>
+              <a:defRPr b="1" sz="2400">
+                <a:solidFill>
+                  <a:schemeClr val="dk2"/>
+                </a:solidFill>
+              </a:defRPr>
+            </a:lvl7pPr>
+            <a:lvl8pPr lvl="7" rtl="0" algn="r">
+              <a:buNone/>
+              <a:defRPr b="1" sz="2400">
+                <a:solidFill>
+                  <a:schemeClr val="dk2"/>
+                </a:solidFill>
+              </a:defRPr>
+            </a:lvl8pPr>
+            <a:lvl9pPr lvl="8" rtl="0" algn="r">
+              <a:buNone/>
+              <a:defRPr b="1" sz="2400">
+                <a:solidFill>
+                  <a:schemeClr val="dk2"/>
+                </a:solidFill>
+              </a:defRPr>
+            </a:lvl9pPr>
+          </a:lstStyle>
+          <a:p>
+            <a:pPr indent="0" lvl="0" marL="0" rtl="0" algn="r">
+              <a:spcBef>
+                <a:spcPts val="0"/>
+              </a:spcBef>
+              <a:spcAft>
+                <a:spcPts val="0"/>
+              </a:spcAft>
+              <a:buNone/>
+            </a:pPr>
+            <a:fld id="{00000000-1234-1234-1234-123412341234}" type="slidenum">
+              <a:rPr lang="en"/>
+              <a:t>‹#›</a:t>
+            </a:fld>
+            <a:endParaRPr/>
+          </a:p>
+          <a:p>
+            <a:pPr indent="0" lvl="0" marL="0" rtl="0" algn="r">
+              <a:spcBef>
+                <a:spcPts val="0"/>
+              </a:spcBef>
+              <a:spcAft>
+                <a:spcPts val="0"/>
+              </a:spcAft>
+              <a:buNone/>
+            </a:pPr>
+            <a:r>
+              <a:rPr b="0" lang="en" sz="900" u="sng">
+                <a:solidFill>
+                  <a:schemeClr val="hlink"/>
+                </a:solidFill>
+                <a:hlinkClick r:id="rId2"/>
+              </a:rPr>
+              <a:t>uni1.de/amos</a:t>
+            </a:r>
+            <a:r>
+              <a:rPr b="0" lang="en" sz="900"/>
+              <a:t> </a:t>
+            </a:r>
+            <a:endParaRPr b="0" sz="900"/>
           </a:p>
         </p:txBody>
       </p:sp>
@@ -9100,8 +9097,8 @@
         </p:nvSpPr>
         <p:spPr>
           <a:xfrm>
-            <a:off x="7315202" y="4416550"/>
-            <a:ext cx="1828800" cy="731400"/>
+            <a:off x="7315202" y="4229100"/>
+            <a:ext cx="1828800" cy="914400"/>
           </a:xfrm>
           <a:prstGeom prst="rect">
             <a:avLst/>
@@ -9216,19 +9213,19 @@
               <a:buNone/>
             </a:pPr>
             <a:r>
-              <a:rPr b="0" lang="en" sz="900" u="sng">
+              <a:rPr b="0" lang="en" sz="1000" u="sng">
                 <a:solidFill>
                   <a:schemeClr val="hlink"/>
                 </a:solidFill>
                 <a:hlinkClick r:id="rId1"/>
               </a:rPr>
-              <a:t>https://profriehle.com</a:t>
-            </a:r>
-            <a:r>
-              <a:rPr b="0" lang="en" sz="900"/>
+              <a:t>uni1.de/amos</a:t>
+            </a:r>
+            <a:r>
+              <a:rPr b="0" lang="en" sz="1000"/>
               <a:t> </a:t>
             </a:r>
-            <a:endParaRPr b="0" sz="900"/>
+            <a:endParaRPr b="0" sz="1000"/>
           </a:p>
         </p:txBody>
       </p:sp>
@@ -10229,8 +10226,8 @@
         </p:nvSpPr>
         <p:spPr>
           <a:xfrm>
-            <a:off x="7315202" y="4416550"/>
-            <a:ext cx="1828800" cy="731400"/>
+            <a:off x="7315202" y="4229100"/>
+            <a:ext cx="1828800" cy="914400"/>
           </a:xfrm>
           <a:prstGeom prst="rect">
             <a:avLst/>
@@ -10252,10 +10249,18 @@
               <a:buNone/>
             </a:pPr>
             <a:fld id="{00000000-1234-1234-1234-123412341234}" type="slidenum">
-              <a:rPr lang="en"/>
+              <a:rPr lang="en">
+                <a:solidFill>
+                  <a:schemeClr val="dk2"/>
+                </a:solidFill>
+              </a:rPr>
               <a:t>‹#›</a:t>
             </a:fld>
-            <a:endParaRPr/>
+            <a:endParaRPr>
+              <a:solidFill>
+                <a:schemeClr val="dk2"/>
+              </a:solidFill>
+            </a:endParaRPr>
           </a:p>
           <a:p>
             <a:pPr indent="0" lvl="0" marL="0" rtl="0" algn="r">
@@ -10274,7 +10279,7 @@
                 </a:solidFill>
                 <a:hlinkClick r:id="rId3"/>
               </a:rPr>
-              <a:t>https://profriehle.com</a:t>
+              <a:t>uni1.de/amos</a:t>
             </a:r>
             <a:r>
               <a:rPr b="0" lang="en" sz="900">
@@ -10284,7 +10289,11 @@
               </a:rPr>
               <a:t> </a:t>
             </a:r>
-            <a:endParaRPr/>
+            <a:endParaRPr b="0" sz="900">
+              <a:solidFill>
+                <a:schemeClr val="dk2"/>
+              </a:solidFill>
+            </a:endParaRPr>
           </a:p>
         </p:txBody>
       </p:sp>
@@ -10514,8 +10523,8 @@
         </p:nvSpPr>
         <p:spPr>
           <a:xfrm>
-            <a:off x="7315202" y="4416550"/>
-            <a:ext cx="1828800" cy="731400"/>
+            <a:off x="7315202" y="4229100"/>
+            <a:ext cx="1828800" cy="914400"/>
           </a:xfrm>
           <a:prstGeom prst="rect">
             <a:avLst/>
@@ -10537,10 +10546,18 @@
               <a:buNone/>
             </a:pPr>
             <a:fld id="{00000000-1234-1234-1234-123412341234}" type="slidenum">
-              <a:rPr lang="en"/>
+              <a:rPr lang="en">
+                <a:solidFill>
+                  <a:schemeClr val="dk2"/>
+                </a:solidFill>
+              </a:rPr>
               <a:t>‹#›</a:t>
             </a:fld>
-            <a:endParaRPr/>
+            <a:endParaRPr>
+              <a:solidFill>
+                <a:schemeClr val="dk2"/>
+              </a:solidFill>
+            </a:endParaRPr>
           </a:p>
           <a:p>
             <a:pPr indent="0" lvl="0" marL="0" rtl="0" algn="r">
@@ -10559,7 +10576,7 @@
                 </a:solidFill>
                 <a:hlinkClick r:id="rId3"/>
               </a:rPr>
-              <a:t>https://profriehle.com</a:t>
+              <a:t>uni1.de/amos</a:t>
             </a:r>
             <a:r>
               <a:rPr b="0" lang="en" sz="900">
@@ -10569,7 +10586,11 @@
               </a:rPr>
               <a:t> </a:t>
             </a:r>
-            <a:endParaRPr/>
+            <a:endParaRPr b="0" sz="900">
+              <a:solidFill>
+                <a:schemeClr val="dk2"/>
+              </a:solidFill>
+            </a:endParaRPr>
           </a:p>
         </p:txBody>
       </p:sp>
@@ -10588,7 +10609,7 @@
             <a:tbl>
               <a:tblPr>
                 <a:noFill/>
-                <a:tableStyleId>{86827F26-EF93-4D57-B62D-EEBE3584C8C3}</a:tableStyleId>
+                <a:tableStyleId>{C427648A-547D-431D-AC07-CA74D2435116}</a:tableStyleId>
               </a:tblPr>
               <a:tblGrid>
                 <a:gridCol w="2466575"/>
@@ -11607,8 +11628,8 @@
         </p:nvSpPr>
         <p:spPr>
           <a:xfrm>
-            <a:off x="7315202" y="4416550"/>
-            <a:ext cx="1828800" cy="731400"/>
+            <a:off x="7315202" y="4229100"/>
+            <a:ext cx="1828800" cy="914400"/>
           </a:xfrm>
           <a:prstGeom prst="rect">
             <a:avLst/>
@@ -11630,10 +11651,18 @@
               <a:buNone/>
             </a:pPr>
             <a:fld id="{00000000-1234-1234-1234-123412341234}" type="slidenum">
-              <a:rPr lang="en"/>
+              <a:rPr lang="en">
+                <a:solidFill>
+                  <a:schemeClr val="dk2"/>
+                </a:solidFill>
+              </a:rPr>
               <a:t>‹#›</a:t>
             </a:fld>
-            <a:endParaRPr/>
+            <a:endParaRPr>
+              <a:solidFill>
+                <a:schemeClr val="dk2"/>
+              </a:solidFill>
+            </a:endParaRPr>
           </a:p>
           <a:p>
             <a:pPr indent="0" lvl="0" marL="0" rtl="0" algn="r">
@@ -11652,7 +11681,7 @@
                 </a:solidFill>
                 <a:hlinkClick r:id="rId3"/>
               </a:rPr>
-              <a:t>https://profriehle.com</a:t>
+              <a:t>uni1.de/amos</a:t>
             </a:r>
             <a:r>
               <a:rPr b="0" lang="en" sz="900">
@@ -11662,7 +11691,11 @@
               </a:rPr>
               <a:t> </a:t>
             </a:r>
-            <a:endParaRPr/>
+            <a:endParaRPr b="0" sz="900">
+              <a:solidFill>
+                <a:schemeClr val="dk2"/>
+              </a:solidFill>
+            </a:endParaRPr>
           </a:p>
         </p:txBody>
       </p:sp>
@@ -11785,8 +11818,8 @@
         </p:nvSpPr>
         <p:spPr>
           <a:xfrm>
-            <a:off x="7315202" y="4416550"/>
-            <a:ext cx="1828800" cy="731400"/>
+            <a:off x="7315202" y="4229100"/>
+            <a:ext cx="1828800" cy="914400"/>
           </a:xfrm>
           <a:prstGeom prst="rect">
             <a:avLst/>
@@ -11808,10 +11841,18 @@
               <a:buNone/>
             </a:pPr>
             <a:fld id="{00000000-1234-1234-1234-123412341234}" type="slidenum">
-              <a:rPr lang="en"/>
+              <a:rPr lang="en">
+                <a:solidFill>
+                  <a:schemeClr val="dk2"/>
+                </a:solidFill>
+              </a:rPr>
               <a:t>‹#›</a:t>
             </a:fld>
-            <a:endParaRPr/>
+            <a:endParaRPr>
+              <a:solidFill>
+                <a:schemeClr val="dk2"/>
+              </a:solidFill>
+            </a:endParaRPr>
           </a:p>
           <a:p>
             <a:pPr indent="0" lvl="0" marL="0" rtl="0" algn="r">
@@ -11830,7 +11871,7 @@
                 </a:solidFill>
                 <a:hlinkClick r:id="rId3"/>
               </a:rPr>
-              <a:t>https://profriehle.com</a:t>
+              <a:t>uni1.de/amos</a:t>
             </a:r>
             <a:r>
               <a:rPr b="0" lang="en" sz="900">
@@ -11840,7 +11881,11 @@
               </a:rPr>
               <a:t> </a:t>
             </a:r>
-            <a:endParaRPr/>
+            <a:endParaRPr b="0" sz="900">
+              <a:solidFill>
+                <a:schemeClr val="dk2"/>
+              </a:solidFill>
+            </a:endParaRPr>
           </a:p>
         </p:txBody>
       </p:sp>
@@ -12180,8 +12225,8 @@
         </p:nvSpPr>
         <p:spPr>
           <a:xfrm>
-            <a:off x="7315202" y="4416550"/>
-            <a:ext cx="1828800" cy="731400"/>
+            <a:off x="7315202" y="4229100"/>
+            <a:ext cx="1828800" cy="914400"/>
           </a:xfrm>
           <a:prstGeom prst="rect">
             <a:avLst/>
@@ -12203,10 +12248,18 @@
               <a:buNone/>
             </a:pPr>
             <a:fld id="{00000000-1234-1234-1234-123412341234}" type="slidenum">
-              <a:rPr lang="en"/>
+              <a:rPr lang="en">
+                <a:solidFill>
+                  <a:schemeClr val="dk2"/>
+                </a:solidFill>
+              </a:rPr>
               <a:t>‹#›</a:t>
             </a:fld>
-            <a:endParaRPr/>
+            <a:endParaRPr>
+              <a:solidFill>
+                <a:schemeClr val="dk2"/>
+              </a:solidFill>
+            </a:endParaRPr>
           </a:p>
           <a:p>
             <a:pPr indent="0" lvl="0" marL="0" rtl="0" algn="r">
@@ -12225,7 +12278,7 @@
                 </a:solidFill>
                 <a:hlinkClick r:id="rId3"/>
               </a:rPr>
-              <a:t>https://profriehle.com</a:t>
+              <a:t>uni1.de/amos</a:t>
             </a:r>
             <a:r>
               <a:rPr b="0" lang="en" sz="900">
@@ -12235,7 +12288,11 @@
               </a:rPr>
               <a:t> </a:t>
             </a:r>
-            <a:endParaRPr/>
+            <a:endParaRPr b="0" sz="900">
+              <a:solidFill>
+                <a:schemeClr val="dk2"/>
+              </a:solidFill>
+            </a:endParaRPr>
           </a:p>
         </p:txBody>
       </p:sp>
@@ -12470,8 +12527,8 @@
         </p:nvSpPr>
         <p:spPr>
           <a:xfrm>
-            <a:off x="7315202" y="4416550"/>
-            <a:ext cx="1828800" cy="731400"/>
+            <a:off x="7315202" y="4229100"/>
+            <a:ext cx="1828800" cy="914400"/>
           </a:xfrm>
           <a:prstGeom prst="rect">
             <a:avLst/>
@@ -12493,10 +12550,18 @@
               <a:buNone/>
             </a:pPr>
             <a:fld id="{00000000-1234-1234-1234-123412341234}" type="slidenum">
-              <a:rPr lang="en"/>
+              <a:rPr lang="en">
+                <a:solidFill>
+                  <a:schemeClr val="dk2"/>
+                </a:solidFill>
+              </a:rPr>
               <a:t>‹#›</a:t>
             </a:fld>
-            <a:endParaRPr/>
+            <a:endParaRPr>
+              <a:solidFill>
+                <a:schemeClr val="dk2"/>
+              </a:solidFill>
+            </a:endParaRPr>
           </a:p>
           <a:p>
             <a:pPr indent="0" lvl="0" marL="0" rtl="0" algn="r">
@@ -12515,7 +12580,7 @@
                 </a:solidFill>
                 <a:hlinkClick r:id="rId3"/>
               </a:rPr>
-              <a:t>https://profriehle.com</a:t>
+              <a:t>uni1.de/amos</a:t>
             </a:r>
             <a:r>
               <a:rPr b="0" lang="en" sz="900">
@@ -12525,7 +12590,11 @@
               </a:rPr>
               <a:t> </a:t>
             </a:r>
-            <a:endParaRPr/>
+            <a:endParaRPr b="0" sz="900">
+              <a:solidFill>
+                <a:schemeClr val="dk2"/>
+              </a:solidFill>
+            </a:endParaRPr>
           </a:p>
         </p:txBody>
       </p:sp>
@@ -12604,8 +12673,8 @@
         </p:nvSpPr>
         <p:spPr>
           <a:xfrm>
-            <a:off x="7315202" y="4416550"/>
-            <a:ext cx="1828800" cy="731400"/>
+            <a:off x="7315202" y="4229100"/>
+            <a:ext cx="1828800" cy="914400"/>
           </a:xfrm>
           <a:prstGeom prst="rect">
             <a:avLst/>
@@ -12627,10 +12696,18 @@
               <a:buNone/>
             </a:pPr>
             <a:fld id="{00000000-1234-1234-1234-123412341234}" type="slidenum">
-              <a:rPr lang="en"/>
+              <a:rPr lang="en">
+                <a:solidFill>
+                  <a:schemeClr val="dk2"/>
+                </a:solidFill>
+              </a:rPr>
               <a:t>‹#›</a:t>
             </a:fld>
-            <a:endParaRPr/>
+            <a:endParaRPr>
+              <a:solidFill>
+                <a:schemeClr val="dk2"/>
+              </a:solidFill>
+            </a:endParaRPr>
           </a:p>
           <a:p>
             <a:pPr indent="0" lvl="0" marL="0" rtl="0" algn="r">
@@ -12649,7 +12726,7 @@
                 </a:solidFill>
                 <a:hlinkClick r:id="rId3"/>
               </a:rPr>
-              <a:t>https://profriehle.com</a:t>
+              <a:t>uni1.de/amos</a:t>
             </a:r>
             <a:r>
               <a:rPr b="0" lang="en" sz="900">
@@ -12659,7 +12736,11 @@
               </a:rPr>
               <a:t> </a:t>
             </a:r>
-            <a:endParaRPr/>
+            <a:endParaRPr b="0" sz="900">
+              <a:solidFill>
+                <a:schemeClr val="dk2"/>
+              </a:solidFill>
+            </a:endParaRPr>
           </a:p>
         </p:txBody>
       </p:sp>
@@ -13060,8 +13141,8 @@
         </p:nvSpPr>
         <p:spPr>
           <a:xfrm>
-            <a:off x="7315202" y="4416550"/>
-            <a:ext cx="1828800" cy="731400"/>
+            <a:off x="7315202" y="4229100"/>
+            <a:ext cx="1828800" cy="914400"/>
           </a:xfrm>
           <a:prstGeom prst="rect">
             <a:avLst/>
@@ -13083,10 +13164,18 @@
               <a:buNone/>
             </a:pPr>
             <a:fld id="{00000000-1234-1234-1234-123412341234}" type="slidenum">
-              <a:rPr lang="en"/>
+              <a:rPr lang="en">
+                <a:solidFill>
+                  <a:schemeClr val="dk2"/>
+                </a:solidFill>
+              </a:rPr>
               <a:t>‹#›</a:t>
             </a:fld>
-            <a:endParaRPr/>
+            <a:endParaRPr>
+              <a:solidFill>
+                <a:schemeClr val="dk2"/>
+              </a:solidFill>
+            </a:endParaRPr>
           </a:p>
           <a:p>
             <a:pPr indent="0" lvl="0" marL="0" rtl="0" algn="r">
@@ -13105,7 +13194,7 @@
                 </a:solidFill>
                 <a:hlinkClick r:id="rId3"/>
               </a:rPr>
-              <a:t>https://profriehle.com</a:t>
+              <a:t>uni1.de/amos</a:t>
             </a:r>
             <a:r>
               <a:rPr b="0" lang="en" sz="900">
@@ -13115,7 +13204,11 @@
               </a:rPr>
               <a:t> </a:t>
             </a:r>
-            <a:endParaRPr/>
+            <a:endParaRPr b="0" sz="900">
+              <a:solidFill>
+                <a:schemeClr val="dk2"/>
+              </a:solidFill>
+            </a:endParaRPr>
           </a:p>
         </p:txBody>
       </p:sp>
@@ -13270,8 +13363,8 @@
         </p:nvSpPr>
         <p:spPr>
           <a:xfrm>
-            <a:off x="7315202" y="4416550"/>
-            <a:ext cx="1828800" cy="731400"/>
+            <a:off x="7315202" y="4229100"/>
+            <a:ext cx="1828800" cy="914400"/>
           </a:xfrm>
           <a:prstGeom prst="rect">
             <a:avLst/>
@@ -13293,10 +13386,18 @@
               <a:buNone/>
             </a:pPr>
             <a:fld id="{00000000-1234-1234-1234-123412341234}" type="slidenum">
-              <a:rPr lang="en"/>
+              <a:rPr lang="en">
+                <a:solidFill>
+                  <a:schemeClr val="dk2"/>
+                </a:solidFill>
+              </a:rPr>
               <a:t>‹#›</a:t>
             </a:fld>
-            <a:endParaRPr/>
+            <a:endParaRPr>
+              <a:solidFill>
+                <a:schemeClr val="dk2"/>
+              </a:solidFill>
+            </a:endParaRPr>
           </a:p>
           <a:p>
             <a:pPr indent="0" lvl="0" marL="0" rtl="0" algn="r">
@@ -13315,7 +13416,7 @@
                 </a:solidFill>
                 <a:hlinkClick r:id="rId3"/>
               </a:rPr>
-              <a:t>https://profriehle.com</a:t>
+              <a:t>uni1.de/amos</a:t>
             </a:r>
             <a:r>
               <a:rPr b="0" lang="en" sz="900">
@@ -13325,7 +13426,11 @@
               </a:rPr>
               <a:t> </a:t>
             </a:r>
-            <a:endParaRPr/>
+            <a:endParaRPr b="0" sz="900">
+              <a:solidFill>
+                <a:schemeClr val="dk2"/>
+              </a:solidFill>
+            </a:endParaRPr>
           </a:p>
         </p:txBody>
       </p:sp>
@@ -13582,8 +13687,8 @@
         </p:nvSpPr>
         <p:spPr>
           <a:xfrm>
-            <a:off x="7315202" y="4416550"/>
-            <a:ext cx="1828800" cy="731400"/>
+            <a:off x="7315202" y="4229100"/>
+            <a:ext cx="1828800" cy="914400"/>
           </a:xfrm>
           <a:prstGeom prst="rect">
             <a:avLst/>
@@ -13605,10 +13710,18 @@
               <a:buNone/>
             </a:pPr>
             <a:fld id="{00000000-1234-1234-1234-123412341234}" type="slidenum">
-              <a:rPr lang="en"/>
+              <a:rPr lang="en">
+                <a:solidFill>
+                  <a:schemeClr val="dk2"/>
+                </a:solidFill>
+              </a:rPr>
               <a:t>‹#›</a:t>
             </a:fld>
-            <a:endParaRPr/>
+            <a:endParaRPr>
+              <a:solidFill>
+                <a:schemeClr val="dk2"/>
+              </a:solidFill>
+            </a:endParaRPr>
           </a:p>
           <a:p>
             <a:pPr indent="0" lvl="0" marL="0" rtl="0" algn="r">
@@ -13627,7 +13740,7 @@
                 </a:solidFill>
                 <a:hlinkClick r:id="rId3"/>
               </a:rPr>
-              <a:t>https://profriehle.com</a:t>
+              <a:t>uni1.de/amos</a:t>
             </a:r>
             <a:r>
               <a:rPr b="0" lang="en" sz="900">
@@ -13637,7 +13750,11 @@
               </a:rPr>
               <a:t> </a:t>
             </a:r>
-            <a:endParaRPr/>
+            <a:endParaRPr b="0" sz="900">
+              <a:solidFill>
+                <a:schemeClr val="dk2"/>
+              </a:solidFill>
+            </a:endParaRPr>
           </a:p>
         </p:txBody>
       </p:sp>
@@ -13716,8 +13833,8 @@
         </p:nvSpPr>
         <p:spPr>
           <a:xfrm>
-            <a:off x="7315202" y="4416550"/>
-            <a:ext cx="1828800" cy="731400"/>
+            <a:off x="7315202" y="4229100"/>
+            <a:ext cx="1828800" cy="914400"/>
           </a:xfrm>
           <a:prstGeom prst="rect">
             <a:avLst/>
@@ -13739,10 +13856,18 @@
               <a:buNone/>
             </a:pPr>
             <a:fld id="{00000000-1234-1234-1234-123412341234}" type="slidenum">
-              <a:rPr lang="en"/>
+              <a:rPr lang="en">
+                <a:solidFill>
+                  <a:schemeClr val="dk2"/>
+                </a:solidFill>
+              </a:rPr>
               <a:t>‹#›</a:t>
             </a:fld>
-            <a:endParaRPr/>
+            <a:endParaRPr>
+              <a:solidFill>
+                <a:schemeClr val="dk2"/>
+              </a:solidFill>
+            </a:endParaRPr>
           </a:p>
           <a:p>
             <a:pPr indent="0" lvl="0" marL="0" rtl="0" algn="r">
@@ -13761,7 +13886,7 @@
                 </a:solidFill>
                 <a:hlinkClick r:id="rId3"/>
               </a:rPr>
-              <a:t>https://profriehle.com</a:t>
+              <a:t>uni1.de/amos</a:t>
             </a:r>
             <a:r>
               <a:rPr b="0" lang="en" sz="900">
@@ -13771,7 +13896,11 @@
               </a:rPr>
               <a:t> </a:t>
             </a:r>
-            <a:endParaRPr/>
+            <a:endParaRPr b="0" sz="900">
+              <a:solidFill>
+                <a:schemeClr val="dk2"/>
+              </a:solidFill>
+            </a:endParaRPr>
           </a:p>
         </p:txBody>
       </p:sp>
@@ -14069,8 +14198,8 @@
         </p:nvSpPr>
         <p:spPr>
           <a:xfrm>
-            <a:off x="7315202" y="4416550"/>
-            <a:ext cx="1828800" cy="731400"/>
+            <a:off x="7315202" y="4229100"/>
+            <a:ext cx="1828800" cy="914400"/>
           </a:xfrm>
           <a:prstGeom prst="rect">
             <a:avLst/>
@@ -14092,10 +14221,18 @@
               <a:buNone/>
             </a:pPr>
             <a:fld id="{00000000-1234-1234-1234-123412341234}" type="slidenum">
-              <a:rPr lang="en"/>
+              <a:rPr lang="en">
+                <a:solidFill>
+                  <a:schemeClr val="dk2"/>
+                </a:solidFill>
+              </a:rPr>
               <a:t>‹#›</a:t>
             </a:fld>
-            <a:endParaRPr/>
+            <a:endParaRPr>
+              <a:solidFill>
+                <a:schemeClr val="dk2"/>
+              </a:solidFill>
+            </a:endParaRPr>
           </a:p>
           <a:p>
             <a:pPr indent="0" lvl="0" marL="0" rtl="0" algn="r">
@@ -14114,7 +14251,7 @@
                 </a:solidFill>
                 <a:hlinkClick r:id="rId3"/>
               </a:rPr>
-              <a:t>https://profriehle.com</a:t>
+              <a:t>uni1.de/amos</a:t>
             </a:r>
             <a:r>
               <a:rPr b="0" lang="en" sz="900">
@@ -14124,7 +14261,11 @@
               </a:rPr>
               <a:t> </a:t>
             </a:r>
-            <a:endParaRPr/>
+            <a:endParaRPr b="0" sz="900">
+              <a:solidFill>
+                <a:schemeClr val="dk2"/>
+              </a:solidFill>
+            </a:endParaRPr>
           </a:p>
         </p:txBody>
       </p:sp>
@@ -14231,8 +14372,8 @@
         </p:nvSpPr>
         <p:spPr>
           <a:xfrm>
-            <a:off x="7315202" y="4416550"/>
-            <a:ext cx="1828800" cy="731400"/>
+            <a:off x="7315202" y="4229100"/>
+            <a:ext cx="1828800" cy="914400"/>
           </a:xfrm>
           <a:prstGeom prst="rect">
             <a:avLst/>
@@ -14254,10 +14395,18 @@
               <a:buNone/>
             </a:pPr>
             <a:fld id="{00000000-1234-1234-1234-123412341234}" type="slidenum">
-              <a:rPr lang="en"/>
+              <a:rPr lang="en">
+                <a:solidFill>
+                  <a:schemeClr val="dk2"/>
+                </a:solidFill>
+              </a:rPr>
               <a:t>‹#›</a:t>
             </a:fld>
-            <a:endParaRPr/>
+            <a:endParaRPr>
+              <a:solidFill>
+                <a:schemeClr val="dk2"/>
+              </a:solidFill>
+            </a:endParaRPr>
           </a:p>
           <a:p>
             <a:pPr indent="0" lvl="0" marL="0" rtl="0" algn="r">
@@ -14276,7 +14425,7 @@
                 </a:solidFill>
                 <a:hlinkClick r:id="rId3"/>
               </a:rPr>
-              <a:t>https://profriehle.com</a:t>
+              <a:t>uni1.de/amos</a:t>
             </a:r>
             <a:r>
               <a:rPr b="0" lang="en" sz="900">
@@ -14286,7 +14435,11 @@
               </a:rPr>
               <a:t> </a:t>
             </a:r>
-            <a:endParaRPr/>
+            <a:endParaRPr b="0" sz="900">
+              <a:solidFill>
+                <a:schemeClr val="dk2"/>
+              </a:solidFill>
+            </a:endParaRPr>
           </a:p>
         </p:txBody>
       </p:sp>
@@ -14305,7 +14458,7 @@
             <a:tbl>
               <a:tblPr>
                 <a:noFill/>
-                <a:tableStyleId>{86827F26-EF93-4D57-B62D-EEBE3584C8C3}</a:tableStyleId>
+                <a:tableStyleId>{C427648A-547D-431D-AC07-CA74D2435116}</a:tableStyleId>
               </a:tblPr>
               <a:tblGrid>
                 <a:gridCol w="647000"/>
@@ -15211,8 +15364,8 @@
         </p:nvSpPr>
         <p:spPr>
           <a:xfrm>
-            <a:off x="7315202" y="4416550"/>
-            <a:ext cx="1828800" cy="731400"/>
+            <a:off x="7315202" y="4229100"/>
+            <a:ext cx="1828800" cy="914400"/>
           </a:xfrm>
           <a:prstGeom prst="rect">
             <a:avLst/>
@@ -15234,10 +15387,18 @@
               <a:buNone/>
             </a:pPr>
             <a:fld id="{00000000-1234-1234-1234-123412341234}" type="slidenum">
-              <a:rPr lang="en"/>
+              <a:rPr lang="en">
+                <a:solidFill>
+                  <a:schemeClr val="dk2"/>
+                </a:solidFill>
+              </a:rPr>
               <a:t>‹#›</a:t>
             </a:fld>
-            <a:endParaRPr/>
+            <a:endParaRPr>
+              <a:solidFill>
+                <a:schemeClr val="dk2"/>
+              </a:solidFill>
+            </a:endParaRPr>
           </a:p>
           <a:p>
             <a:pPr indent="0" lvl="0" marL="0" rtl="0" algn="r">
@@ -15256,7 +15417,7 @@
                 </a:solidFill>
                 <a:hlinkClick r:id="rId3"/>
               </a:rPr>
-              <a:t>https://profriehle.com</a:t>
+              <a:t>uni1.de/amos</a:t>
             </a:r>
             <a:r>
               <a:rPr b="0" lang="en" sz="900">
@@ -15266,7 +15427,11 @@
               </a:rPr>
               <a:t> </a:t>
             </a:r>
-            <a:endParaRPr/>
+            <a:endParaRPr b="0" sz="900">
+              <a:solidFill>
+                <a:schemeClr val="dk2"/>
+              </a:solidFill>
+            </a:endParaRPr>
           </a:p>
         </p:txBody>
       </p:sp>
@@ -15646,8 +15811,8 @@
         </p:nvSpPr>
         <p:spPr>
           <a:xfrm>
-            <a:off x="7315202" y="4416550"/>
-            <a:ext cx="1828800" cy="731400"/>
+            <a:off x="7315202" y="4229100"/>
+            <a:ext cx="1828800" cy="914400"/>
           </a:xfrm>
           <a:prstGeom prst="rect">
             <a:avLst/>
@@ -15669,10 +15834,18 @@
               <a:buNone/>
             </a:pPr>
             <a:fld id="{00000000-1234-1234-1234-123412341234}" type="slidenum">
-              <a:rPr lang="en"/>
+              <a:rPr lang="en">
+                <a:solidFill>
+                  <a:schemeClr val="dk2"/>
+                </a:solidFill>
+              </a:rPr>
               <a:t>‹#›</a:t>
             </a:fld>
-            <a:endParaRPr/>
+            <a:endParaRPr>
+              <a:solidFill>
+                <a:schemeClr val="dk2"/>
+              </a:solidFill>
+            </a:endParaRPr>
           </a:p>
           <a:p>
             <a:pPr indent="0" lvl="0" marL="0" rtl="0" algn="r">
@@ -15691,7 +15864,7 @@
                 </a:solidFill>
                 <a:hlinkClick r:id="rId3"/>
               </a:rPr>
-              <a:t>https://profriehle.com</a:t>
+              <a:t>uni1.de/amos</a:t>
             </a:r>
             <a:r>
               <a:rPr b="0" lang="en" sz="900">
@@ -15701,7 +15874,11 @@
               </a:rPr>
               <a:t> </a:t>
             </a:r>
-            <a:endParaRPr/>
+            <a:endParaRPr b="0" sz="900">
+              <a:solidFill>
+                <a:schemeClr val="dk2"/>
+              </a:solidFill>
+            </a:endParaRPr>
           </a:p>
         </p:txBody>
       </p:sp>
@@ -15720,7 +15897,7 @@
             <a:tbl>
               <a:tblPr>
                 <a:noFill/>
-                <a:tableStyleId>{86827F26-EF93-4D57-B62D-EEBE3584C8C3}</a:tableStyleId>
+                <a:tableStyleId>{C427648A-547D-431D-AC07-CA74D2435116}</a:tableStyleId>
               </a:tblPr>
               <a:tblGrid>
                 <a:gridCol w="2057400"/>
@@ -17050,8 +17227,8 @@
         </p:nvSpPr>
         <p:spPr>
           <a:xfrm>
-            <a:off x="7315202" y="4416550"/>
-            <a:ext cx="1828800" cy="731400"/>
+            <a:off x="7315202" y="4229100"/>
+            <a:ext cx="1828800" cy="914400"/>
           </a:xfrm>
           <a:prstGeom prst="rect">
             <a:avLst/>
@@ -17073,10 +17250,18 @@
               <a:buNone/>
             </a:pPr>
             <a:fld id="{00000000-1234-1234-1234-123412341234}" type="slidenum">
-              <a:rPr lang="en"/>
+              <a:rPr lang="en">
+                <a:solidFill>
+                  <a:schemeClr val="dk2"/>
+                </a:solidFill>
+              </a:rPr>
               <a:t>‹#›</a:t>
             </a:fld>
-            <a:endParaRPr/>
+            <a:endParaRPr>
+              <a:solidFill>
+                <a:schemeClr val="dk2"/>
+              </a:solidFill>
+            </a:endParaRPr>
           </a:p>
           <a:p>
             <a:pPr indent="0" lvl="0" marL="0" rtl="0" algn="r">
@@ -17095,7 +17280,7 @@
                 </a:solidFill>
                 <a:hlinkClick r:id="rId3"/>
               </a:rPr>
-              <a:t>https://profriehle.com</a:t>
+              <a:t>uni1.de/amos</a:t>
             </a:r>
             <a:r>
               <a:rPr b="0" lang="en" sz="900">
@@ -17105,7 +17290,11 @@
               </a:rPr>
               <a:t> </a:t>
             </a:r>
-            <a:endParaRPr/>
+            <a:endParaRPr b="0" sz="900">
+              <a:solidFill>
+                <a:schemeClr val="dk2"/>
+              </a:solidFill>
+            </a:endParaRPr>
           </a:p>
         </p:txBody>
       </p:sp>
@@ -17184,8 +17373,8 @@
         </p:nvSpPr>
         <p:spPr>
           <a:xfrm>
-            <a:off x="7315202" y="4416550"/>
-            <a:ext cx="1828800" cy="731400"/>
+            <a:off x="7315202" y="4229100"/>
+            <a:ext cx="1828800" cy="914400"/>
           </a:xfrm>
           <a:prstGeom prst="rect">
             <a:avLst/>
@@ -17207,10 +17396,18 @@
               <a:buNone/>
             </a:pPr>
             <a:fld id="{00000000-1234-1234-1234-123412341234}" type="slidenum">
-              <a:rPr lang="en"/>
+              <a:rPr lang="en">
+                <a:solidFill>
+                  <a:schemeClr val="dk2"/>
+                </a:solidFill>
+              </a:rPr>
               <a:t>‹#›</a:t>
             </a:fld>
-            <a:endParaRPr/>
+            <a:endParaRPr>
+              <a:solidFill>
+                <a:schemeClr val="dk2"/>
+              </a:solidFill>
+            </a:endParaRPr>
           </a:p>
           <a:p>
             <a:pPr indent="0" lvl="0" marL="0" rtl="0" algn="r">
@@ -17229,7 +17426,7 @@
                 </a:solidFill>
                 <a:hlinkClick r:id="rId3"/>
               </a:rPr>
-              <a:t>https://profriehle.com</a:t>
+              <a:t>uni1.de/amos</a:t>
             </a:r>
             <a:r>
               <a:rPr b="0" lang="en" sz="900">
@@ -17239,7 +17436,11 @@
               </a:rPr>
               <a:t> </a:t>
             </a:r>
-            <a:endParaRPr/>
+            <a:endParaRPr b="0" sz="900">
+              <a:solidFill>
+                <a:schemeClr val="dk2"/>
+              </a:solidFill>
+            </a:endParaRPr>
           </a:p>
         </p:txBody>
       </p:sp>
@@ -17321,7 +17522,7 @@
             <a:tbl>
               <a:tblPr>
                 <a:noFill/>
-                <a:tableStyleId>{86827F26-EF93-4D57-B62D-EEBE3584C8C3}</a:tableStyleId>
+                <a:tableStyleId>{C427648A-547D-431D-AC07-CA74D2435116}</a:tableStyleId>
               </a:tblPr>
               <a:tblGrid>
                 <a:gridCol w="637250"/>
@@ -18368,8 +18569,8 @@
         </p:nvSpPr>
         <p:spPr>
           <a:xfrm>
-            <a:off x="7315202" y="4416550"/>
-            <a:ext cx="1828800" cy="731400"/>
+            <a:off x="7315202" y="4229100"/>
+            <a:ext cx="1828800" cy="914400"/>
           </a:xfrm>
           <a:prstGeom prst="rect">
             <a:avLst/>
@@ -18391,10 +18592,18 @@
               <a:buNone/>
             </a:pPr>
             <a:fld id="{00000000-1234-1234-1234-123412341234}" type="slidenum">
-              <a:rPr lang="en"/>
+              <a:rPr lang="en">
+                <a:solidFill>
+                  <a:schemeClr val="dk2"/>
+                </a:solidFill>
+              </a:rPr>
               <a:t>‹#›</a:t>
             </a:fld>
-            <a:endParaRPr/>
+            <a:endParaRPr>
+              <a:solidFill>
+                <a:schemeClr val="dk2"/>
+              </a:solidFill>
+            </a:endParaRPr>
           </a:p>
           <a:p>
             <a:pPr indent="0" lvl="0" marL="0" rtl="0" algn="r">
@@ -18413,7 +18622,7 @@
                 </a:solidFill>
                 <a:hlinkClick r:id="rId3"/>
               </a:rPr>
-              <a:t>https://profriehle.com</a:t>
+              <a:t>uni1.de/amos</a:t>
             </a:r>
             <a:r>
               <a:rPr b="0" lang="en" sz="900">
@@ -18423,7 +18632,11 @@
               </a:rPr>
               <a:t> </a:t>
             </a:r>
-            <a:endParaRPr/>
+            <a:endParaRPr b="0" sz="900">
+              <a:solidFill>
+                <a:schemeClr val="dk2"/>
+              </a:solidFill>
+            </a:endParaRPr>
           </a:p>
         </p:txBody>
       </p:sp>
@@ -18530,8 +18743,8 @@
         </p:nvSpPr>
         <p:spPr>
           <a:xfrm>
-            <a:off x="7315202" y="4416550"/>
-            <a:ext cx="1828800" cy="731400"/>
+            <a:off x="7315202" y="4229100"/>
+            <a:ext cx="1828800" cy="914400"/>
           </a:xfrm>
           <a:prstGeom prst="rect">
             <a:avLst/>
@@ -18553,10 +18766,18 @@
               <a:buNone/>
             </a:pPr>
             <a:fld id="{00000000-1234-1234-1234-123412341234}" type="slidenum">
-              <a:rPr lang="en"/>
+              <a:rPr lang="en">
+                <a:solidFill>
+                  <a:schemeClr val="dk2"/>
+                </a:solidFill>
+              </a:rPr>
               <a:t>‹#›</a:t>
             </a:fld>
-            <a:endParaRPr/>
+            <a:endParaRPr>
+              <a:solidFill>
+                <a:schemeClr val="dk2"/>
+              </a:solidFill>
+            </a:endParaRPr>
           </a:p>
           <a:p>
             <a:pPr indent="0" lvl="0" marL="0" rtl="0" algn="r">
@@ -18575,7 +18796,7 @@
                 </a:solidFill>
                 <a:hlinkClick r:id="rId3"/>
               </a:rPr>
-              <a:t>https://profriehle.com</a:t>
+              <a:t>uni1.de/amos</a:t>
             </a:r>
             <a:r>
               <a:rPr b="0" lang="en" sz="900">
@@ -18585,7 +18806,11 @@
               </a:rPr>
               <a:t> </a:t>
             </a:r>
-            <a:endParaRPr/>
+            <a:endParaRPr b="0" sz="900">
+              <a:solidFill>
+                <a:schemeClr val="dk2"/>
+              </a:solidFill>
+            </a:endParaRPr>
           </a:p>
         </p:txBody>
       </p:sp>
@@ -18983,8 +19208,8 @@
         </p:nvSpPr>
         <p:spPr>
           <a:xfrm>
-            <a:off x="7315202" y="4416550"/>
-            <a:ext cx="1828800" cy="731400"/>
+            <a:off x="7315202" y="4229100"/>
+            <a:ext cx="1828800" cy="914400"/>
           </a:xfrm>
           <a:prstGeom prst="rect">
             <a:avLst/>
@@ -19006,10 +19231,18 @@
               <a:buNone/>
             </a:pPr>
             <a:fld id="{00000000-1234-1234-1234-123412341234}" type="slidenum">
-              <a:rPr lang="en"/>
+              <a:rPr lang="en">
+                <a:solidFill>
+                  <a:schemeClr val="dk2"/>
+                </a:solidFill>
+              </a:rPr>
               <a:t>‹#›</a:t>
             </a:fld>
-            <a:endParaRPr/>
+            <a:endParaRPr>
+              <a:solidFill>
+                <a:schemeClr val="dk2"/>
+              </a:solidFill>
+            </a:endParaRPr>
           </a:p>
           <a:p>
             <a:pPr indent="0" lvl="0" marL="0" rtl="0" algn="r">
@@ -19028,7 +19261,7 @@
                 </a:solidFill>
                 <a:hlinkClick r:id="rId3"/>
               </a:rPr>
-              <a:t>https://profriehle.com</a:t>
+              <a:t>uni1.de/amos</a:t>
             </a:r>
             <a:r>
               <a:rPr b="0" lang="en" sz="900">
@@ -19038,7 +19271,11 @@
               </a:rPr>
               <a:t> </a:t>
             </a:r>
-            <a:endParaRPr/>
+            <a:endParaRPr b="0" sz="900">
+              <a:solidFill>
+                <a:schemeClr val="dk2"/>
+              </a:solidFill>
+            </a:endParaRPr>
           </a:p>
         </p:txBody>
       </p:sp>
@@ -19327,8 +19564,8 @@
         </p:nvSpPr>
         <p:spPr>
           <a:xfrm>
-            <a:off x="7315202" y="4416550"/>
-            <a:ext cx="1828800" cy="731400"/>
+            <a:off x="7315202" y="4229100"/>
+            <a:ext cx="1828800" cy="914400"/>
           </a:xfrm>
           <a:prstGeom prst="rect">
             <a:avLst/>
@@ -19350,10 +19587,18 @@
               <a:buNone/>
             </a:pPr>
             <a:fld id="{00000000-1234-1234-1234-123412341234}" type="slidenum">
-              <a:rPr lang="en"/>
+              <a:rPr lang="en">
+                <a:solidFill>
+                  <a:schemeClr val="dk2"/>
+                </a:solidFill>
+              </a:rPr>
               <a:t>‹#›</a:t>
             </a:fld>
-            <a:endParaRPr/>
+            <a:endParaRPr>
+              <a:solidFill>
+                <a:schemeClr val="dk2"/>
+              </a:solidFill>
+            </a:endParaRPr>
           </a:p>
           <a:p>
             <a:pPr indent="0" lvl="0" marL="0" rtl="0" algn="r">
@@ -19372,7 +19617,7 @@
                 </a:solidFill>
                 <a:hlinkClick r:id="rId3"/>
               </a:rPr>
-              <a:t>https://profriehle.com</a:t>
+              <a:t>uni1.de/amos</a:t>
             </a:r>
             <a:r>
               <a:rPr b="0" lang="en" sz="900">
@@ -19382,7 +19627,11 @@
               </a:rPr>
               <a:t> </a:t>
             </a:r>
-            <a:endParaRPr/>
+            <a:endParaRPr b="0" sz="900">
+              <a:solidFill>
+                <a:schemeClr val="dk2"/>
+              </a:solidFill>
+            </a:endParaRPr>
           </a:p>
         </p:txBody>
       </p:sp>
@@ -19553,8 +19802,8 @@
         </p:nvSpPr>
         <p:spPr>
           <a:xfrm>
-            <a:off x="7315202" y="4416550"/>
-            <a:ext cx="1828800" cy="731400"/>
+            <a:off x="7315202" y="4229100"/>
+            <a:ext cx="1828800" cy="914400"/>
           </a:xfrm>
           <a:prstGeom prst="rect">
             <a:avLst/>
@@ -19576,10 +19825,18 @@
               <a:buNone/>
             </a:pPr>
             <a:fld id="{00000000-1234-1234-1234-123412341234}" type="slidenum">
-              <a:rPr lang="en"/>
+              <a:rPr lang="en">
+                <a:solidFill>
+                  <a:schemeClr val="dk2"/>
+                </a:solidFill>
+              </a:rPr>
               <a:t>‹#›</a:t>
             </a:fld>
-            <a:endParaRPr/>
+            <a:endParaRPr>
+              <a:solidFill>
+                <a:schemeClr val="dk2"/>
+              </a:solidFill>
+            </a:endParaRPr>
           </a:p>
           <a:p>
             <a:pPr indent="0" lvl="0" marL="0" rtl="0" algn="r">
@@ -19598,7 +19855,7 @@
                 </a:solidFill>
                 <a:hlinkClick r:id="rId3"/>
               </a:rPr>
-              <a:t>https://profriehle.com</a:t>
+              <a:t>uni1.de/amos</a:t>
             </a:r>
             <a:r>
               <a:rPr b="0" lang="en" sz="900">
@@ -19608,7 +19865,11 @@
               </a:rPr>
               <a:t> </a:t>
             </a:r>
-            <a:endParaRPr/>
+            <a:endParaRPr b="0" sz="900">
+              <a:solidFill>
+                <a:schemeClr val="dk2"/>
+              </a:solidFill>
+            </a:endParaRPr>
           </a:p>
         </p:txBody>
       </p:sp>
@@ -19843,8 +20104,8 @@
         </p:nvSpPr>
         <p:spPr>
           <a:xfrm>
-            <a:off x="7315202" y="4416550"/>
-            <a:ext cx="1828800" cy="731400"/>
+            <a:off x="7315202" y="4229100"/>
+            <a:ext cx="1828800" cy="914400"/>
           </a:xfrm>
           <a:prstGeom prst="rect">
             <a:avLst/>
@@ -19866,10 +20127,18 @@
               <a:buNone/>
             </a:pPr>
             <a:fld id="{00000000-1234-1234-1234-123412341234}" type="slidenum">
-              <a:rPr lang="en"/>
+              <a:rPr lang="en">
+                <a:solidFill>
+                  <a:schemeClr val="dk2"/>
+                </a:solidFill>
+              </a:rPr>
               <a:t>‹#›</a:t>
             </a:fld>
-            <a:endParaRPr/>
+            <a:endParaRPr>
+              <a:solidFill>
+                <a:schemeClr val="dk2"/>
+              </a:solidFill>
+            </a:endParaRPr>
           </a:p>
           <a:p>
             <a:pPr indent="0" lvl="0" marL="0" rtl="0" algn="r">
@@ -19888,7 +20157,7 @@
                 </a:solidFill>
                 <a:hlinkClick r:id="rId3"/>
               </a:rPr>
-              <a:t>https://profriehle.com</a:t>
+              <a:t>uni1.de/amos</a:t>
             </a:r>
             <a:r>
               <a:rPr b="0" lang="en" sz="900">
@@ -19898,7 +20167,11 @@
               </a:rPr>
               <a:t> </a:t>
             </a:r>
-            <a:endParaRPr/>
+            <a:endParaRPr b="0" sz="900">
+              <a:solidFill>
+                <a:schemeClr val="dk2"/>
+              </a:solidFill>
+            </a:endParaRPr>
           </a:p>
         </p:txBody>
       </p:sp>
@@ -20083,8 +20356,8 @@
         </p:nvSpPr>
         <p:spPr>
           <a:xfrm>
-            <a:off x="7315202" y="4416550"/>
-            <a:ext cx="1828800" cy="731400"/>
+            <a:off x="7315202" y="4229100"/>
+            <a:ext cx="1828800" cy="914400"/>
           </a:xfrm>
           <a:prstGeom prst="rect">
             <a:avLst/>
@@ -20106,10 +20379,18 @@
               <a:buNone/>
             </a:pPr>
             <a:fld id="{00000000-1234-1234-1234-123412341234}" type="slidenum">
-              <a:rPr lang="en"/>
+              <a:rPr lang="en">
+                <a:solidFill>
+                  <a:schemeClr val="dk2"/>
+                </a:solidFill>
+              </a:rPr>
               <a:t>‹#›</a:t>
             </a:fld>
-            <a:endParaRPr/>
+            <a:endParaRPr>
+              <a:solidFill>
+                <a:schemeClr val="dk2"/>
+              </a:solidFill>
+            </a:endParaRPr>
           </a:p>
           <a:p>
             <a:pPr indent="0" lvl="0" marL="0" rtl="0" algn="r">
@@ -20128,7 +20409,7 @@
                 </a:solidFill>
                 <a:hlinkClick r:id="rId3"/>
               </a:rPr>
-              <a:t>https://profriehle.com</a:t>
+              <a:t>uni1.de/amos</a:t>
             </a:r>
             <a:r>
               <a:rPr b="0" lang="en" sz="900">
@@ -20138,7 +20419,11 @@
               </a:rPr>
               <a:t> </a:t>
             </a:r>
-            <a:endParaRPr/>
+            <a:endParaRPr b="0" sz="900">
+              <a:solidFill>
+                <a:schemeClr val="dk2"/>
+              </a:solidFill>
+            </a:endParaRPr>
           </a:p>
         </p:txBody>
       </p:sp>
@@ -20274,8 +20559,8 @@
         </p:nvSpPr>
         <p:spPr>
           <a:xfrm>
-            <a:off x="7315202" y="4416550"/>
-            <a:ext cx="1828800" cy="731400"/>
+            <a:off x="7315202" y="4229100"/>
+            <a:ext cx="1828800" cy="914400"/>
           </a:xfrm>
           <a:prstGeom prst="rect">
             <a:avLst/>
@@ -20297,10 +20582,18 @@
               <a:buNone/>
             </a:pPr>
             <a:fld id="{00000000-1234-1234-1234-123412341234}" type="slidenum">
-              <a:rPr lang="en"/>
+              <a:rPr lang="en">
+                <a:solidFill>
+                  <a:schemeClr val="dk2"/>
+                </a:solidFill>
+              </a:rPr>
               <a:t>‹#›</a:t>
             </a:fld>
-            <a:endParaRPr/>
+            <a:endParaRPr>
+              <a:solidFill>
+                <a:schemeClr val="dk2"/>
+              </a:solidFill>
+            </a:endParaRPr>
           </a:p>
           <a:p>
             <a:pPr indent="0" lvl="0" marL="0" rtl="0" algn="r">
@@ -20319,7 +20612,7 @@
                 </a:solidFill>
                 <a:hlinkClick r:id="rId3"/>
               </a:rPr>
-              <a:t>https://profriehle.com</a:t>
+              <a:t>uni1.de/amos</a:t>
             </a:r>
             <a:r>
               <a:rPr b="0" lang="en" sz="900">
@@ -20329,7 +20622,11 @@
               </a:rPr>
               <a:t> </a:t>
             </a:r>
-            <a:endParaRPr/>
+            <a:endParaRPr b="0" sz="900">
+              <a:solidFill>
+                <a:schemeClr val="dk2"/>
+              </a:solidFill>
+            </a:endParaRPr>
           </a:p>
         </p:txBody>
       </p:sp>
@@ -20472,8 +20769,8 @@
         </p:nvSpPr>
         <p:spPr>
           <a:xfrm>
-            <a:off x="7315202" y="4416550"/>
-            <a:ext cx="1828800" cy="731400"/>
+            <a:off x="7315202" y="4229100"/>
+            <a:ext cx="1828800" cy="914400"/>
           </a:xfrm>
           <a:prstGeom prst="rect">
             <a:avLst/>
@@ -20495,10 +20792,18 @@
               <a:buNone/>
             </a:pPr>
             <a:fld id="{00000000-1234-1234-1234-123412341234}" type="slidenum">
-              <a:rPr lang="en"/>
+              <a:rPr lang="en">
+                <a:solidFill>
+                  <a:schemeClr val="dk2"/>
+                </a:solidFill>
+              </a:rPr>
               <a:t>‹#›</a:t>
             </a:fld>
-            <a:endParaRPr/>
+            <a:endParaRPr>
+              <a:solidFill>
+                <a:schemeClr val="dk2"/>
+              </a:solidFill>
+            </a:endParaRPr>
           </a:p>
           <a:p>
             <a:pPr indent="0" lvl="0" marL="0" rtl="0" algn="r">
@@ -20517,7 +20822,7 @@
                 </a:solidFill>
                 <a:hlinkClick r:id="rId3"/>
               </a:rPr>
-              <a:t>https://profriehle.com</a:t>
+              <a:t>uni1.de/amos</a:t>
             </a:r>
             <a:r>
               <a:rPr b="0" lang="en" sz="900">
@@ -20527,7 +20832,11 @@
               </a:rPr>
               <a:t> </a:t>
             </a:r>
-            <a:endParaRPr/>
+            <a:endParaRPr b="0" sz="900">
+              <a:solidFill>
+                <a:schemeClr val="dk2"/>
+              </a:solidFill>
+            </a:endParaRPr>
           </a:p>
         </p:txBody>
       </p:sp>
@@ -20680,8 +20989,8 @@
         </p:nvSpPr>
         <p:spPr>
           <a:xfrm>
-            <a:off x="7315202" y="4416550"/>
-            <a:ext cx="1828800" cy="731400"/>
+            <a:off x="7315202" y="4229100"/>
+            <a:ext cx="1828800" cy="914400"/>
           </a:xfrm>
           <a:prstGeom prst="rect">
             <a:avLst/>
@@ -20703,10 +21012,18 @@
               <a:buNone/>
             </a:pPr>
             <a:fld id="{00000000-1234-1234-1234-123412341234}" type="slidenum">
-              <a:rPr lang="en"/>
+              <a:rPr lang="en">
+                <a:solidFill>
+                  <a:schemeClr val="dk2"/>
+                </a:solidFill>
+              </a:rPr>
               <a:t>‹#›</a:t>
             </a:fld>
-            <a:endParaRPr/>
+            <a:endParaRPr>
+              <a:solidFill>
+                <a:schemeClr val="dk2"/>
+              </a:solidFill>
+            </a:endParaRPr>
           </a:p>
           <a:p>
             <a:pPr indent="0" lvl="0" marL="0" rtl="0" algn="r">
@@ -20725,7 +21042,7 @@
                 </a:solidFill>
                 <a:hlinkClick r:id="rId3"/>
               </a:rPr>
-              <a:t>https://profriehle.com</a:t>
+              <a:t>uni1.de/amos</a:t>
             </a:r>
             <a:r>
               <a:rPr b="0" lang="en" sz="900">
@@ -20735,7 +21052,11 @@
               </a:rPr>
               <a:t> </a:t>
             </a:r>
-            <a:endParaRPr/>
+            <a:endParaRPr b="0" sz="900">
+              <a:solidFill>
+                <a:schemeClr val="dk2"/>
+              </a:solidFill>
+            </a:endParaRPr>
           </a:p>
         </p:txBody>
       </p:sp>
@@ -20842,8 +21163,8 @@
         </p:nvSpPr>
         <p:spPr>
           <a:xfrm>
-            <a:off x="7315202" y="4416550"/>
-            <a:ext cx="1828800" cy="731400"/>
+            <a:off x="7315202" y="4229100"/>
+            <a:ext cx="1828800" cy="914400"/>
           </a:xfrm>
           <a:prstGeom prst="rect">
             <a:avLst/>
@@ -20865,10 +21186,18 @@
               <a:buNone/>
             </a:pPr>
             <a:fld id="{00000000-1234-1234-1234-123412341234}" type="slidenum">
-              <a:rPr lang="en"/>
+              <a:rPr lang="en">
+                <a:solidFill>
+                  <a:schemeClr val="dk2"/>
+                </a:solidFill>
+              </a:rPr>
               <a:t>‹#›</a:t>
             </a:fld>
-            <a:endParaRPr/>
+            <a:endParaRPr>
+              <a:solidFill>
+                <a:schemeClr val="dk2"/>
+              </a:solidFill>
+            </a:endParaRPr>
           </a:p>
           <a:p>
             <a:pPr indent="0" lvl="0" marL="0" rtl="0" algn="r">
@@ -20887,7 +21216,7 @@
                 </a:solidFill>
                 <a:hlinkClick r:id="rId3"/>
               </a:rPr>
-              <a:t>https://profriehle.com</a:t>
+              <a:t>uni1.de/amos</a:t>
             </a:r>
             <a:r>
               <a:rPr b="0" lang="en" sz="900">
@@ -20897,7 +21226,11 @@
               </a:rPr>
               <a:t> </a:t>
             </a:r>
-            <a:endParaRPr/>
+            <a:endParaRPr b="0" sz="900">
+              <a:solidFill>
+                <a:schemeClr val="dk2"/>
+              </a:solidFill>
+            </a:endParaRPr>
           </a:p>
         </p:txBody>
       </p:sp>
@@ -21134,8 +21467,8 @@
         </p:nvSpPr>
         <p:spPr>
           <a:xfrm>
-            <a:off x="7315202" y="4416550"/>
-            <a:ext cx="1828800" cy="731400"/>
+            <a:off x="7315202" y="4229100"/>
+            <a:ext cx="1828800" cy="914400"/>
           </a:xfrm>
           <a:prstGeom prst="rect">
             <a:avLst/>
@@ -21157,10 +21490,18 @@
               <a:buNone/>
             </a:pPr>
             <a:fld id="{00000000-1234-1234-1234-123412341234}" type="slidenum">
-              <a:rPr lang="en"/>
+              <a:rPr lang="en">
+                <a:solidFill>
+                  <a:schemeClr val="dk2"/>
+                </a:solidFill>
+              </a:rPr>
               <a:t>‹#›</a:t>
             </a:fld>
-            <a:endParaRPr/>
+            <a:endParaRPr>
+              <a:solidFill>
+                <a:schemeClr val="dk2"/>
+              </a:solidFill>
+            </a:endParaRPr>
           </a:p>
           <a:p>
             <a:pPr indent="0" lvl="0" marL="0" rtl="0" algn="r">
@@ -21179,7 +21520,7 @@
                 </a:solidFill>
                 <a:hlinkClick r:id="rId3"/>
               </a:rPr>
-              <a:t>https://profriehle.com</a:t>
+              <a:t>uni1.de/amos</a:t>
             </a:r>
             <a:r>
               <a:rPr b="0" lang="en" sz="900">
@@ -21189,7 +21530,11 @@
               </a:rPr>
               <a:t> </a:t>
             </a:r>
-            <a:endParaRPr/>
+            <a:endParaRPr b="0" sz="900">
+              <a:solidFill>
+                <a:schemeClr val="dk2"/>
+              </a:solidFill>
+            </a:endParaRPr>
           </a:p>
         </p:txBody>
       </p:sp>
@@ -21296,8 +21641,8 @@
         </p:nvSpPr>
         <p:spPr>
           <a:xfrm>
-            <a:off x="7315202" y="4416550"/>
-            <a:ext cx="1828800" cy="731400"/>
+            <a:off x="7315202" y="4229100"/>
+            <a:ext cx="1828800" cy="914400"/>
           </a:xfrm>
           <a:prstGeom prst="rect">
             <a:avLst/>
@@ -21319,10 +21664,18 @@
               <a:buNone/>
             </a:pPr>
             <a:fld id="{00000000-1234-1234-1234-123412341234}" type="slidenum">
-              <a:rPr lang="en"/>
+              <a:rPr lang="en">
+                <a:solidFill>
+                  <a:schemeClr val="dk2"/>
+                </a:solidFill>
+              </a:rPr>
               <a:t>‹#›</a:t>
             </a:fld>
-            <a:endParaRPr/>
+            <a:endParaRPr>
+              <a:solidFill>
+                <a:schemeClr val="dk2"/>
+              </a:solidFill>
+            </a:endParaRPr>
           </a:p>
           <a:p>
             <a:pPr indent="0" lvl="0" marL="0" rtl="0" algn="r">
@@ -21341,7 +21694,7 @@
                 </a:solidFill>
                 <a:hlinkClick r:id="rId3"/>
               </a:rPr>
-              <a:t>https://profriehle.com</a:t>
+              <a:t>uni1.de/amos</a:t>
             </a:r>
             <a:r>
               <a:rPr b="0" lang="en" sz="900">
@@ -21351,7 +21704,11 @@
               </a:rPr>
               <a:t> </a:t>
             </a:r>
-            <a:endParaRPr/>
+            <a:endParaRPr b="0" sz="900">
+              <a:solidFill>
+                <a:schemeClr val="dk2"/>
+              </a:solidFill>
+            </a:endParaRPr>
           </a:p>
         </p:txBody>
       </p:sp>
@@ -21370,7 +21727,7 @@
             <a:tbl>
               <a:tblPr>
                 <a:noFill/>
-                <a:tableStyleId>{097752C3-AC5A-488C-A5D2-456B90008203}</a:tableStyleId>
+                <a:tableStyleId>{F360327D-8501-4AD4-AC42-B720F78F17B0}</a:tableStyleId>
               </a:tblPr>
               <a:tblGrid>
                 <a:gridCol w="645525"/>
@@ -31729,8 +32086,8 @@
         </p:nvSpPr>
         <p:spPr>
           <a:xfrm>
-            <a:off x="7315202" y="4416550"/>
-            <a:ext cx="1828800" cy="731400"/>
+            <a:off x="7315202" y="4229100"/>
+            <a:ext cx="1828800" cy="914400"/>
           </a:xfrm>
           <a:prstGeom prst="rect">
             <a:avLst/>
@@ -31752,10 +32109,18 @@
               <a:buNone/>
             </a:pPr>
             <a:fld id="{00000000-1234-1234-1234-123412341234}" type="slidenum">
-              <a:rPr lang="en"/>
+              <a:rPr lang="en">
+                <a:solidFill>
+                  <a:schemeClr val="dk2"/>
+                </a:solidFill>
+              </a:rPr>
               <a:t>‹#›</a:t>
             </a:fld>
-            <a:endParaRPr/>
+            <a:endParaRPr>
+              <a:solidFill>
+                <a:schemeClr val="dk2"/>
+              </a:solidFill>
+            </a:endParaRPr>
           </a:p>
           <a:p>
             <a:pPr indent="0" lvl="0" marL="0" rtl="0" algn="r">
@@ -31774,7 +32139,7 @@
                 </a:solidFill>
                 <a:hlinkClick r:id="rId3"/>
               </a:rPr>
-              <a:t>https://profriehle.com</a:t>
+              <a:t>uni1.de/amos</a:t>
             </a:r>
             <a:r>
               <a:rPr b="0" lang="en" sz="900">
@@ -31784,7 +32149,11 @@
               </a:rPr>
               <a:t> </a:t>
             </a:r>
-            <a:endParaRPr/>
+            <a:endParaRPr b="0" sz="900">
+              <a:solidFill>
+                <a:schemeClr val="dk2"/>
+              </a:solidFill>
+            </a:endParaRPr>
           </a:p>
         </p:txBody>
       </p:sp>
@@ -31891,8 +32260,8 @@
         </p:nvSpPr>
         <p:spPr>
           <a:xfrm>
-            <a:off x="7315202" y="4416550"/>
-            <a:ext cx="1828800" cy="731400"/>
+            <a:off x="7315202" y="4229100"/>
+            <a:ext cx="1828800" cy="914400"/>
           </a:xfrm>
           <a:prstGeom prst="rect">
             <a:avLst/>
@@ -31914,10 +32283,18 @@
               <a:buNone/>
             </a:pPr>
             <a:fld id="{00000000-1234-1234-1234-123412341234}" type="slidenum">
-              <a:rPr lang="en"/>
+              <a:rPr lang="en">
+                <a:solidFill>
+                  <a:schemeClr val="dk2"/>
+                </a:solidFill>
+              </a:rPr>
               <a:t>‹#›</a:t>
             </a:fld>
-            <a:endParaRPr/>
+            <a:endParaRPr>
+              <a:solidFill>
+                <a:schemeClr val="dk2"/>
+              </a:solidFill>
+            </a:endParaRPr>
           </a:p>
           <a:p>
             <a:pPr indent="0" lvl="0" marL="0" rtl="0" algn="r">
@@ -31936,7 +32313,7 @@
                 </a:solidFill>
                 <a:hlinkClick r:id="rId3"/>
               </a:rPr>
-              <a:t>https://profriehle.com</a:t>
+              <a:t>uni1.de/amos</a:t>
             </a:r>
             <a:r>
               <a:rPr b="0" lang="en" sz="900">
@@ -31946,7 +32323,11 @@
               </a:rPr>
               <a:t> </a:t>
             </a:r>
-            <a:endParaRPr/>
+            <a:endParaRPr b="0" sz="900">
+              <a:solidFill>
+                <a:schemeClr val="dk2"/>
+              </a:solidFill>
+            </a:endParaRPr>
           </a:p>
         </p:txBody>
       </p:sp>
@@ -32053,8 +32434,8 @@
         </p:nvSpPr>
         <p:spPr>
           <a:xfrm>
-            <a:off x="7315202" y="4416550"/>
-            <a:ext cx="1828800" cy="731400"/>
+            <a:off x="7315202" y="4229100"/>
+            <a:ext cx="1828800" cy="914400"/>
           </a:xfrm>
           <a:prstGeom prst="rect">
             <a:avLst/>
@@ -32076,10 +32457,18 @@
               <a:buNone/>
             </a:pPr>
             <a:fld id="{00000000-1234-1234-1234-123412341234}" type="slidenum">
-              <a:rPr lang="en"/>
+              <a:rPr lang="en">
+                <a:solidFill>
+                  <a:schemeClr val="dk2"/>
+                </a:solidFill>
+              </a:rPr>
               <a:t>‹#›</a:t>
             </a:fld>
-            <a:endParaRPr/>
+            <a:endParaRPr>
+              <a:solidFill>
+                <a:schemeClr val="dk2"/>
+              </a:solidFill>
+            </a:endParaRPr>
           </a:p>
           <a:p>
             <a:pPr indent="0" lvl="0" marL="0" rtl="0" algn="r">
@@ -32098,7 +32487,7 @@
                 </a:solidFill>
                 <a:hlinkClick r:id="rId3"/>
               </a:rPr>
-              <a:t>https://profriehle.com</a:t>
+              <a:t>uni1.de/amos</a:t>
             </a:r>
             <a:r>
               <a:rPr b="0" lang="en" sz="900">
@@ -32108,7 +32497,11 @@
               </a:rPr>
               <a:t> </a:t>
             </a:r>
-            <a:endParaRPr/>
+            <a:endParaRPr b="0" sz="900">
+              <a:solidFill>
+                <a:schemeClr val="dk2"/>
+              </a:solidFill>
+            </a:endParaRPr>
           </a:p>
         </p:txBody>
       </p:sp>
@@ -32275,8 +32668,8 @@
         </p:nvSpPr>
         <p:spPr>
           <a:xfrm>
-            <a:off x="7315202" y="4416550"/>
-            <a:ext cx="1828800" cy="731400"/>
+            <a:off x="7315202" y="4229100"/>
+            <a:ext cx="1828800" cy="914400"/>
           </a:xfrm>
           <a:prstGeom prst="rect">
             <a:avLst/>
@@ -32298,10 +32691,18 @@
               <a:buNone/>
             </a:pPr>
             <a:fld id="{00000000-1234-1234-1234-123412341234}" type="slidenum">
-              <a:rPr lang="en"/>
+              <a:rPr lang="en">
+                <a:solidFill>
+                  <a:schemeClr val="dk2"/>
+                </a:solidFill>
+              </a:rPr>
               <a:t>‹#›</a:t>
             </a:fld>
-            <a:endParaRPr/>
+            <a:endParaRPr>
+              <a:solidFill>
+                <a:schemeClr val="dk2"/>
+              </a:solidFill>
+            </a:endParaRPr>
           </a:p>
           <a:p>
             <a:pPr indent="0" lvl="0" marL="0" rtl="0" algn="r">
@@ -32320,7 +32721,7 @@
                 </a:solidFill>
                 <a:hlinkClick r:id="rId3"/>
               </a:rPr>
-              <a:t>https://profriehle.com</a:t>
+              <a:t>uni1.de/amos</a:t>
             </a:r>
             <a:r>
               <a:rPr b="0" lang="en" sz="900">
@@ -32330,7 +32731,11 @@
               </a:rPr>
               <a:t> </a:t>
             </a:r>
-            <a:endParaRPr/>
+            <a:endParaRPr b="0" sz="900">
+              <a:solidFill>
+                <a:schemeClr val="dk2"/>
+              </a:solidFill>
+            </a:endParaRPr>
           </a:p>
         </p:txBody>
       </p:sp>
@@ -32474,8 +32879,8 @@
         </p:nvSpPr>
         <p:spPr>
           <a:xfrm>
-            <a:off x="7315202" y="4416550"/>
-            <a:ext cx="1828800" cy="731400"/>
+            <a:off x="7315202" y="4229100"/>
+            <a:ext cx="1828800" cy="914400"/>
           </a:xfrm>
           <a:prstGeom prst="rect">
             <a:avLst/>
@@ -32497,10 +32902,18 @@
               <a:buNone/>
             </a:pPr>
             <a:fld id="{00000000-1234-1234-1234-123412341234}" type="slidenum">
-              <a:rPr lang="en"/>
+              <a:rPr lang="en">
+                <a:solidFill>
+                  <a:schemeClr val="dk2"/>
+                </a:solidFill>
+              </a:rPr>
               <a:t>‹#›</a:t>
             </a:fld>
-            <a:endParaRPr/>
+            <a:endParaRPr>
+              <a:solidFill>
+                <a:schemeClr val="dk2"/>
+              </a:solidFill>
+            </a:endParaRPr>
           </a:p>
           <a:p>
             <a:pPr indent="0" lvl="0" marL="0" rtl="0" algn="r">
@@ -32519,7 +32932,7 @@
                 </a:solidFill>
                 <a:hlinkClick r:id="rId3"/>
               </a:rPr>
-              <a:t>https://profriehle.com</a:t>
+              <a:t>uni1.de/amos</a:t>
             </a:r>
             <a:r>
               <a:rPr b="0" lang="en" sz="900">
@@ -32529,7 +32942,11 @@
               </a:rPr>
               <a:t> </a:t>
             </a:r>
-            <a:endParaRPr/>
+            <a:endParaRPr b="0" sz="900">
+              <a:solidFill>
+                <a:schemeClr val="dk2"/>
+              </a:solidFill>
+            </a:endParaRPr>
           </a:p>
         </p:txBody>
       </p:sp>
@@ -32766,8 +33183,8 @@
         </p:nvSpPr>
         <p:spPr>
           <a:xfrm>
-            <a:off x="7315202" y="4416550"/>
-            <a:ext cx="1828800" cy="731400"/>
+            <a:off x="7315202" y="4229100"/>
+            <a:ext cx="1828800" cy="914400"/>
           </a:xfrm>
           <a:prstGeom prst="rect">
             <a:avLst/>
@@ -32789,10 +33206,18 @@
               <a:buNone/>
             </a:pPr>
             <a:fld id="{00000000-1234-1234-1234-123412341234}" type="slidenum">
-              <a:rPr lang="en"/>
+              <a:rPr lang="en">
+                <a:solidFill>
+                  <a:schemeClr val="dk2"/>
+                </a:solidFill>
+              </a:rPr>
               <a:t>‹#›</a:t>
             </a:fld>
-            <a:endParaRPr/>
+            <a:endParaRPr>
+              <a:solidFill>
+                <a:schemeClr val="dk2"/>
+              </a:solidFill>
+            </a:endParaRPr>
           </a:p>
           <a:p>
             <a:pPr indent="0" lvl="0" marL="0" rtl="0" algn="r">
@@ -32811,7 +33236,7 @@
                 </a:solidFill>
                 <a:hlinkClick r:id="rId3"/>
               </a:rPr>
-              <a:t>https://profriehle.com</a:t>
+              <a:t>uni1.de/amos</a:t>
             </a:r>
             <a:r>
               <a:rPr b="0" lang="en" sz="900">
@@ -32821,7 +33246,11 @@
               </a:rPr>
               <a:t> </a:t>
             </a:r>
-            <a:endParaRPr/>
+            <a:endParaRPr b="0" sz="900">
+              <a:solidFill>
+                <a:schemeClr val="dk2"/>
+              </a:solidFill>
+            </a:endParaRPr>
           </a:p>
         </p:txBody>
       </p:sp>
@@ -33057,8 +33486,8 @@
         </p:nvSpPr>
         <p:spPr>
           <a:xfrm>
-            <a:off x="7315202" y="4416550"/>
-            <a:ext cx="1828800" cy="731400"/>
+            <a:off x="7315202" y="4229100"/>
+            <a:ext cx="1828800" cy="914400"/>
           </a:xfrm>
           <a:prstGeom prst="rect">
             <a:avLst/>
@@ -33080,10 +33509,18 @@
               <a:buNone/>
             </a:pPr>
             <a:fld id="{00000000-1234-1234-1234-123412341234}" type="slidenum">
-              <a:rPr lang="en"/>
+              <a:rPr lang="en">
+                <a:solidFill>
+                  <a:schemeClr val="dk2"/>
+                </a:solidFill>
+              </a:rPr>
               <a:t>‹#›</a:t>
             </a:fld>
-            <a:endParaRPr/>
+            <a:endParaRPr>
+              <a:solidFill>
+                <a:schemeClr val="dk2"/>
+              </a:solidFill>
+            </a:endParaRPr>
           </a:p>
           <a:p>
             <a:pPr indent="0" lvl="0" marL="0" rtl="0" algn="r">
@@ -33102,7 +33539,7 @@
                 </a:solidFill>
                 <a:hlinkClick r:id="rId3"/>
               </a:rPr>
-              <a:t>https://profriehle.com</a:t>
+              <a:t>uni1.de/amos</a:t>
             </a:r>
             <a:r>
               <a:rPr b="0" lang="en" sz="900">
@@ -33112,7 +33549,11 @@
               </a:rPr>
               <a:t> </a:t>
             </a:r>
-            <a:endParaRPr/>
+            <a:endParaRPr b="0" sz="900">
+              <a:solidFill>
+                <a:schemeClr val="dk2"/>
+              </a:solidFill>
+            </a:endParaRPr>
           </a:p>
         </p:txBody>
       </p:sp>
@@ -33289,8 +33730,8 @@
         </p:nvSpPr>
         <p:spPr>
           <a:xfrm>
-            <a:off x="7315202" y="4416550"/>
-            <a:ext cx="1828800" cy="731400"/>
+            <a:off x="7315202" y="4229100"/>
+            <a:ext cx="1828800" cy="914400"/>
           </a:xfrm>
           <a:prstGeom prst="rect">
             <a:avLst/>
@@ -33312,10 +33753,18 @@
               <a:buNone/>
             </a:pPr>
             <a:fld id="{00000000-1234-1234-1234-123412341234}" type="slidenum">
-              <a:rPr lang="en"/>
+              <a:rPr lang="en">
+                <a:solidFill>
+                  <a:schemeClr val="dk2"/>
+                </a:solidFill>
+              </a:rPr>
               <a:t>‹#›</a:t>
             </a:fld>
-            <a:endParaRPr/>
+            <a:endParaRPr>
+              <a:solidFill>
+                <a:schemeClr val="dk2"/>
+              </a:solidFill>
+            </a:endParaRPr>
           </a:p>
           <a:p>
             <a:pPr indent="0" lvl="0" marL="0" rtl="0" algn="r">
@@ -33334,7 +33783,7 @@
                 </a:solidFill>
                 <a:hlinkClick r:id="rId3"/>
               </a:rPr>
-              <a:t>https://profriehle.com</a:t>
+              <a:t>uni1.de/amos</a:t>
             </a:r>
             <a:r>
               <a:rPr b="0" lang="en" sz="900">
@@ -33344,7 +33793,11 @@
               </a:rPr>
               <a:t> </a:t>
             </a:r>
-            <a:endParaRPr/>
+            <a:endParaRPr b="0" sz="900">
+              <a:solidFill>
+                <a:schemeClr val="dk2"/>
+              </a:solidFill>
+            </a:endParaRPr>
           </a:p>
         </p:txBody>
       </p:sp>
@@ -33557,8 +34010,8 @@
         </p:nvSpPr>
         <p:spPr>
           <a:xfrm>
-            <a:off x="7315202" y="4416550"/>
-            <a:ext cx="1828800" cy="731400"/>
+            <a:off x="7315202" y="4229100"/>
+            <a:ext cx="1828800" cy="914400"/>
           </a:xfrm>
           <a:prstGeom prst="rect">
             <a:avLst/>
@@ -33580,10 +34033,18 @@
               <a:buNone/>
             </a:pPr>
             <a:fld id="{00000000-1234-1234-1234-123412341234}" type="slidenum">
-              <a:rPr lang="en"/>
+              <a:rPr lang="en">
+                <a:solidFill>
+                  <a:schemeClr val="dk2"/>
+                </a:solidFill>
+              </a:rPr>
               <a:t>‹#›</a:t>
             </a:fld>
-            <a:endParaRPr/>
+            <a:endParaRPr>
+              <a:solidFill>
+                <a:schemeClr val="dk2"/>
+              </a:solidFill>
+            </a:endParaRPr>
           </a:p>
           <a:p>
             <a:pPr indent="0" lvl="0" marL="0" rtl="0" algn="r">
@@ -33602,7 +34063,7 @@
                 </a:solidFill>
                 <a:hlinkClick r:id="rId3"/>
               </a:rPr>
-              <a:t>https://profriehle.com</a:t>
+              <a:t>uni1.de/amos</a:t>
             </a:r>
             <a:r>
               <a:rPr b="0" lang="en" sz="900">
@@ -33612,7 +34073,11 @@
               </a:rPr>
               <a:t> </a:t>
             </a:r>
-            <a:endParaRPr/>
+            <a:endParaRPr b="0" sz="900">
+              <a:solidFill>
+                <a:schemeClr val="dk2"/>
+              </a:solidFill>
+            </a:endParaRPr>
           </a:p>
         </p:txBody>
       </p:sp>
@@ -33798,8 +34263,8 @@
         </p:nvSpPr>
         <p:spPr>
           <a:xfrm>
-            <a:off x="7315202" y="4416550"/>
-            <a:ext cx="1828800" cy="731400"/>
+            <a:off x="7315202" y="4229100"/>
+            <a:ext cx="1828800" cy="914400"/>
           </a:xfrm>
           <a:prstGeom prst="rect">
             <a:avLst/>
@@ -33821,10 +34286,18 @@
               <a:buNone/>
             </a:pPr>
             <a:fld id="{00000000-1234-1234-1234-123412341234}" type="slidenum">
-              <a:rPr lang="en"/>
+              <a:rPr lang="en">
+                <a:solidFill>
+                  <a:schemeClr val="dk2"/>
+                </a:solidFill>
+              </a:rPr>
               <a:t>‹#›</a:t>
             </a:fld>
-            <a:endParaRPr/>
+            <a:endParaRPr>
+              <a:solidFill>
+                <a:schemeClr val="dk2"/>
+              </a:solidFill>
+            </a:endParaRPr>
           </a:p>
           <a:p>
             <a:pPr indent="0" lvl="0" marL="0" rtl="0" algn="r">
@@ -33843,7 +34316,7 @@
                 </a:solidFill>
                 <a:hlinkClick r:id="rId3"/>
               </a:rPr>
-              <a:t>https://profriehle.com</a:t>
+              <a:t>uni1.de/amos</a:t>
             </a:r>
             <a:r>
               <a:rPr b="0" lang="en" sz="900">
@@ -33853,7 +34326,11 @@
               </a:rPr>
               <a:t> </a:t>
             </a:r>
-            <a:endParaRPr/>
+            <a:endParaRPr b="0" sz="900">
+              <a:solidFill>
+                <a:schemeClr val="dk2"/>
+              </a:solidFill>
+            </a:endParaRPr>
           </a:p>
         </p:txBody>
       </p:sp>
@@ -34028,8 +34505,8 @@
         </p:nvSpPr>
         <p:spPr>
           <a:xfrm>
-            <a:off x="7315202" y="4416550"/>
-            <a:ext cx="1828800" cy="731400"/>
+            <a:off x="7315202" y="4229100"/>
+            <a:ext cx="1828800" cy="914400"/>
           </a:xfrm>
           <a:prstGeom prst="rect">
             <a:avLst/>
@@ -34051,10 +34528,18 @@
               <a:buNone/>
             </a:pPr>
             <a:fld id="{00000000-1234-1234-1234-123412341234}" type="slidenum">
-              <a:rPr lang="en"/>
+              <a:rPr lang="en">
+                <a:solidFill>
+                  <a:schemeClr val="dk2"/>
+                </a:solidFill>
+              </a:rPr>
               <a:t>‹#›</a:t>
             </a:fld>
-            <a:endParaRPr/>
+            <a:endParaRPr>
+              <a:solidFill>
+                <a:schemeClr val="dk2"/>
+              </a:solidFill>
+            </a:endParaRPr>
           </a:p>
           <a:p>
             <a:pPr indent="0" lvl="0" marL="0" rtl="0" algn="r">
@@ -34073,7 +34558,7 @@
                 </a:solidFill>
                 <a:hlinkClick r:id="rId3"/>
               </a:rPr>
-              <a:t>https://profriehle.com</a:t>
+              <a:t>uni1.de/amos</a:t>
             </a:r>
             <a:r>
               <a:rPr b="0" lang="en" sz="900">
@@ -34083,7 +34568,11 @@
               </a:rPr>
               <a:t> </a:t>
             </a:r>
-            <a:endParaRPr/>
+            <a:endParaRPr b="0" sz="900">
+              <a:solidFill>
+                <a:schemeClr val="dk2"/>
+              </a:solidFill>
+            </a:endParaRPr>
           </a:p>
         </p:txBody>
       </p:sp>
@@ -34218,8 +34707,8 @@
         </p:nvSpPr>
         <p:spPr>
           <a:xfrm>
-            <a:off x="7315202" y="4416550"/>
-            <a:ext cx="1828800" cy="731400"/>
+            <a:off x="7315202" y="4229100"/>
+            <a:ext cx="1828800" cy="914400"/>
           </a:xfrm>
           <a:prstGeom prst="rect">
             <a:avLst/>
@@ -34241,10 +34730,18 @@
               <a:buNone/>
             </a:pPr>
             <a:fld id="{00000000-1234-1234-1234-123412341234}" type="slidenum">
-              <a:rPr lang="en"/>
+              <a:rPr lang="en">
+                <a:solidFill>
+                  <a:schemeClr val="dk2"/>
+                </a:solidFill>
+              </a:rPr>
               <a:t>‹#›</a:t>
             </a:fld>
-            <a:endParaRPr/>
+            <a:endParaRPr>
+              <a:solidFill>
+                <a:schemeClr val="dk2"/>
+              </a:solidFill>
+            </a:endParaRPr>
           </a:p>
           <a:p>
             <a:pPr indent="0" lvl="0" marL="0" rtl="0" algn="r">
@@ -34263,7 +34760,7 @@
                 </a:solidFill>
                 <a:hlinkClick r:id="rId3"/>
               </a:rPr>
-              <a:t>https://profriehle.com</a:t>
+              <a:t>uni1.de/amos</a:t>
             </a:r>
             <a:r>
               <a:rPr b="0" lang="en" sz="900">
@@ -34273,7 +34770,11 @@
               </a:rPr>
               <a:t> </a:t>
             </a:r>
-            <a:endParaRPr/>
+            <a:endParaRPr b="0" sz="900">
+              <a:solidFill>
+                <a:schemeClr val="dk2"/>
+              </a:solidFill>
+            </a:endParaRPr>
           </a:p>
         </p:txBody>
       </p:sp>
@@ -34417,8 +34918,8 @@
         </p:nvSpPr>
         <p:spPr>
           <a:xfrm>
-            <a:off x="7315202" y="4416550"/>
-            <a:ext cx="1828800" cy="731400"/>
+            <a:off x="7315202" y="4229100"/>
+            <a:ext cx="1828800" cy="914400"/>
           </a:xfrm>
           <a:prstGeom prst="rect">
             <a:avLst/>
@@ -34440,10 +34941,18 @@
               <a:buNone/>
             </a:pPr>
             <a:fld id="{00000000-1234-1234-1234-123412341234}" type="slidenum">
-              <a:rPr lang="en"/>
+              <a:rPr lang="en">
+                <a:solidFill>
+                  <a:schemeClr val="dk2"/>
+                </a:solidFill>
+              </a:rPr>
               <a:t>‹#›</a:t>
             </a:fld>
-            <a:endParaRPr/>
+            <a:endParaRPr>
+              <a:solidFill>
+                <a:schemeClr val="dk2"/>
+              </a:solidFill>
+            </a:endParaRPr>
           </a:p>
           <a:p>
             <a:pPr indent="0" lvl="0" marL="0" rtl="0" algn="r">
@@ -34462,7 +34971,7 @@
                 </a:solidFill>
                 <a:hlinkClick r:id="rId3"/>
               </a:rPr>
-              <a:t>https://profriehle.com</a:t>
+              <a:t>uni1.de/amos</a:t>
             </a:r>
             <a:r>
               <a:rPr b="0" lang="en" sz="900">
@@ -34472,7 +34981,11 @@
               </a:rPr>
               <a:t> </a:t>
             </a:r>
-            <a:endParaRPr/>
+            <a:endParaRPr b="0" sz="900">
+              <a:solidFill>
+                <a:schemeClr val="dk2"/>
+              </a:solidFill>
+            </a:endParaRPr>
           </a:p>
         </p:txBody>
       </p:sp>
@@ -34579,8 +35092,8 @@
         </p:nvSpPr>
         <p:spPr>
           <a:xfrm>
-            <a:off x="7315202" y="4416550"/>
-            <a:ext cx="1828800" cy="731400"/>
+            <a:off x="7315202" y="4229100"/>
+            <a:ext cx="1828800" cy="914400"/>
           </a:xfrm>
           <a:prstGeom prst="rect">
             <a:avLst/>
@@ -34602,10 +35115,18 @@
               <a:buNone/>
             </a:pPr>
             <a:fld id="{00000000-1234-1234-1234-123412341234}" type="slidenum">
-              <a:rPr lang="en"/>
+              <a:rPr lang="en">
+                <a:solidFill>
+                  <a:schemeClr val="dk2"/>
+                </a:solidFill>
+              </a:rPr>
               <a:t>‹#›</a:t>
             </a:fld>
-            <a:endParaRPr/>
+            <a:endParaRPr>
+              <a:solidFill>
+                <a:schemeClr val="dk2"/>
+              </a:solidFill>
+            </a:endParaRPr>
           </a:p>
           <a:p>
             <a:pPr indent="0" lvl="0" marL="0" rtl="0" algn="r">
@@ -34624,7 +35145,7 @@
                 </a:solidFill>
                 <a:hlinkClick r:id="rId3"/>
               </a:rPr>
-              <a:t>https://profriehle.com</a:t>
+              <a:t>uni1.de/amos</a:t>
             </a:r>
             <a:r>
               <a:rPr b="0" lang="en" sz="900">
@@ -34634,7 +35155,11 @@
               </a:rPr>
               <a:t> </a:t>
             </a:r>
-            <a:endParaRPr/>
+            <a:endParaRPr b="0" sz="900">
+              <a:solidFill>
+                <a:schemeClr val="dk2"/>
+              </a:solidFill>
+            </a:endParaRPr>
           </a:p>
         </p:txBody>
       </p:sp>
@@ -34653,7 +35178,7 @@
             <a:tbl>
               <a:tblPr>
                 <a:noFill/>
-                <a:tableStyleId>{86827F26-EF93-4D57-B62D-EEBE3584C8C3}</a:tableStyleId>
+                <a:tableStyleId>{C427648A-547D-431D-AC07-CA74D2435116}</a:tableStyleId>
               </a:tblPr>
               <a:tblGrid>
                 <a:gridCol w="1719075"/>
@@ -36085,8 +36610,8 @@
         </p:nvSpPr>
         <p:spPr>
           <a:xfrm>
-            <a:off x="7315202" y="4416550"/>
-            <a:ext cx="1828800" cy="731400"/>
+            <a:off x="7315202" y="4229100"/>
+            <a:ext cx="1828800" cy="914400"/>
           </a:xfrm>
           <a:prstGeom prst="rect">
             <a:avLst/>
@@ -36108,10 +36633,18 @@
               <a:buNone/>
             </a:pPr>
             <a:fld id="{00000000-1234-1234-1234-123412341234}" type="slidenum">
-              <a:rPr lang="en"/>
+              <a:rPr lang="en">
+                <a:solidFill>
+                  <a:schemeClr val="dk2"/>
+                </a:solidFill>
+              </a:rPr>
               <a:t>‹#›</a:t>
             </a:fld>
-            <a:endParaRPr/>
+            <a:endParaRPr>
+              <a:solidFill>
+                <a:schemeClr val="dk2"/>
+              </a:solidFill>
+            </a:endParaRPr>
           </a:p>
           <a:p>
             <a:pPr indent="0" lvl="0" marL="0" rtl="0" algn="r">
@@ -36130,7 +36663,7 @@
                 </a:solidFill>
                 <a:hlinkClick r:id="rId3"/>
               </a:rPr>
-              <a:t>https://profriehle.com</a:t>
+              <a:t>uni1.de/amos</a:t>
             </a:r>
             <a:r>
               <a:rPr b="0" lang="en" sz="900">
@@ -36140,7 +36673,11 @@
               </a:rPr>
               <a:t> </a:t>
             </a:r>
-            <a:endParaRPr/>
+            <a:endParaRPr b="0" sz="900">
+              <a:solidFill>
+                <a:schemeClr val="dk2"/>
+              </a:solidFill>
+            </a:endParaRPr>
           </a:p>
         </p:txBody>
       </p:sp>
@@ -36405,8 +36942,8 @@
         </p:nvSpPr>
         <p:spPr>
           <a:xfrm>
-            <a:off x="7315202" y="4416550"/>
-            <a:ext cx="1828800" cy="731400"/>
+            <a:off x="7315202" y="4229100"/>
+            <a:ext cx="1828800" cy="914400"/>
           </a:xfrm>
           <a:prstGeom prst="rect">
             <a:avLst/>
@@ -36428,10 +36965,18 @@
               <a:buNone/>
             </a:pPr>
             <a:fld id="{00000000-1234-1234-1234-123412341234}" type="slidenum">
-              <a:rPr lang="en"/>
+              <a:rPr lang="en">
+                <a:solidFill>
+                  <a:schemeClr val="dk2"/>
+                </a:solidFill>
+              </a:rPr>
               <a:t>‹#›</a:t>
             </a:fld>
-            <a:endParaRPr/>
+            <a:endParaRPr>
+              <a:solidFill>
+                <a:schemeClr val="dk2"/>
+              </a:solidFill>
+            </a:endParaRPr>
           </a:p>
           <a:p>
             <a:pPr indent="0" lvl="0" marL="0" rtl="0" algn="r">
@@ -36450,7 +36995,7 @@
                 </a:solidFill>
                 <a:hlinkClick r:id="rId3"/>
               </a:rPr>
-              <a:t>https://profriehle.com</a:t>
+              <a:t>uni1.de/amos</a:t>
             </a:r>
             <a:r>
               <a:rPr b="0" lang="en" sz="900">
@@ -36460,7 +37005,11 @@
               </a:rPr>
               <a:t> </a:t>
             </a:r>
-            <a:endParaRPr/>
+            <a:endParaRPr b="0" sz="900">
+              <a:solidFill>
+                <a:schemeClr val="dk2"/>
+              </a:solidFill>
+            </a:endParaRPr>
           </a:p>
         </p:txBody>
       </p:sp>
@@ -36723,8 +37272,8 @@
         </p:nvSpPr>
         <p:spPr>
           <a:xfrm>
-            <a:off x="7315202" y="4416550"/>
-            <a:ext cx="1828800" cy="731400"/>
+            <a:off x="7315202" y="4229100"/>
+            <a:ext cx="1828800" cy="914400"/>
           </a:xfrm>
           <a:prstGeom prst="rect">
             <a:avLst/>
@@ -36746,10 +37295,18 @@
               <a:buNone/>
             </a:pPr>
             <a:fld id="{00000000-1234-1234-1234-123412341234}" type="slidenum">
-              <a:rPr lang="en"/>
+              <a:rPr lang="en">
+                <a:solidFill>
+                  <a:schemeClr val="dk2"/>
+                </a:solidFill>
+              </a:rPr>
               <a:t>‹#›</a:t>
             </a:fld>
-            <a:endParaRPr/>
+            <a:endParaRPr>
+              <a:solidFill>
+                <a:schemeClr val="dk2"/>
+              </a:solidFill>
+            </a:endParaRPr>
           </a:p>
           <a:p>
             <a:pPr indent="0" lvl="0" marL="0" rtl="0" algn="r">
@@ -36768,7 +37325,7 @@
                 </a:solidFill>
                 <a:hlinkClick r:id="rId3"/>
               </a:rPr>
-              <a:t>https://profriehle.com</a:t>
+              <a:t>uni1.de/amos</a:t>
             </a:r>
             <a:r>
               <a:rPr b="0" lang="en" sz="900">
@@ -36778,7 +37335,11 @@
               </a:rPr>
               <a:t> </a:t>
             </a:r>
-            <a:endParaRPr/>
+            <a:endParaRPr b="0" sz="900">
+              <a:solidFill>
+                <a:schemeClr val="dk2"/>
+              </a:solidFill>
+            </a:endParaRPr>
           </a:p>
         </p:txBody>
       </p:sp>
@@ -36999,8 +37560,8 @@
         </p:nvSpPr>
         <p:spPr>
           <a:xfrm>
-            <a:off x="7315202" y="4416550"/>
-            <a:ext cx="1828800" cy="731400"/>
+            <a:off x="7315202" y="4229100"/>
+            <a:ext cx="1828800" cy="914400"/>
           </a:xfrm>
           <a:prstGeom prst="rect">
             <a:avLst/>
@@ -37022,10 +37583,18 @@
               <a:buNone/>
             </a:pPr>
             <a:fld id="{00000000-1234-1234-1234-123412341234}" type="slidenum">
-              <a:rPr lang="en"/>
+              <a:rPr lang="en">
+                <a:solidFill>
+                  <a:schemeClr val="dk2"/>
+                </a:solidFill>
+              </a:rPr>
               <a:t>‹#›</a:t>
             </a:fld>
-            <a:endParaRPr/>
+            <a:endParaRPr>
+              <a:solidFill>
+                <a:schemeClr val="dk2"/>
+              </a:solidFill>
+            </a:endParaRPr>
           </a:p>
           <a:p>
             <a:pPr indent="0" lvl="0" marL="0" rtl="0" algn="r">
@@ -37044,13 +37613,21 @@
                 </a:solidFill>
                 <a:hlinkClick r:id="rId3"/>
               </a:rPr>
-              <a:t>https://profriehle.com</a:t>
-            </a:r>
-            <a:r>
-              <a:rPr b="0" lang="en" sz="900"/>
+              <a:t>uni1.de/amos</a:t>
+            </a:r>
+            <a:r>
+              <a:rPr b="0" lang="en" sz="900">
+                <a:solidFill>
+                  <a:schemeClr val="dk2"/>
+                </a:solidFill>
+              </a:rPr>
               <a:t> </a:t>
             </a:r>
-            <a:endParaRPr b="0" sz="900"/>
+            <a:endParaRPr b="0" sz="900">
+              <a:solidFill>
+                <a:schemeClr val="dk2"/>
+              </a:solidFill>
+            </a:endParaRPr>
           </a:p>
         </p:txBody>
       </p:sp>
@@ -37312,8 +37889,8 @@
         </p:nvSpPr>
         <p:spPr>
           <a:xfrm>
-            <a:off x="7315202" y="4416550"/>
-            <a:ext cx="1828800" cy="731400"/>
+            <a:off x="7315202" y="4229100"/>
+            <a:ext cx="1828800" cy="914400"/>
           </a:xfrm>
           <a:prstGeom prst="rect">
             <a:avLst/>
@@ -37335,10 +37912,18 @@
               <a:buNone/>
             </a:pPr>
             <a:fld id="{00000000-1234-1234-1234-123412341234}" type="slidenum">
-              <a:rPr lang="en"/>
+              <a:rPr lang="en">
+                <a:solidFill>
+                  <a:schemeClr val="dk2"/>
+                </a:solidFill>
+              </a:rPr>
               <a:t>‹#›</a:t>
             </a:fld>
-            <a:endParaRPr/>
+            <a:endParaRPr>
+              <a:solidFill>
+                <a:schemeClr val="dk2"/>
+              </a:solidFill>
+            </a:endParaRPr>
           </a:p>
           <a:p>
             <a:pPr indent="0" lvl="0" marL="0" rtl="0" algn="r">
@@ -37357,7 +37942,7 @@
                 </a:solidFill>
                 <a:hlinkClick r:id="rId3"/>
               </a:rPr>
-              <a:t>https://profriehle.com</a:t>
+              <a:t>uni1.de/amos</a:t>
             </a:r>
             <a:r>
               <a:rPr b="0" lang="en" sz="900">
@@ -37367,7 +37952,11 @@
               </a:rPr>
               <a:t> </a:t>
             </a:r>
-            <a:endParaRPr/>
+            <a:endParaRPr b="0" sz="900">
+              <a:solidFill>
+                <a:schemeClr val="dk2"/>
+              </a:solidFill>
+            </a:endParaRPr>
           </a:p>
         </p:txBody>
       </p:sp>
@@ -37546,8 +38135,8 @@
         </p:nvSpPr>
         <p:spPr>
           <a:xfrm>
-            <a:off x="7315202" y="4416550"/>
-            <a:ext cx="1828800" cy="731400"/>
+            <a:off x="7315202" y="4229100"/>
+            <a:ext cx="1828800" cy="914400"/>
           </a:xfrm>
           <a:prstGeom prst="rect">
             <a:avLst/>
@@ -37569,10 +38158,18 @@
               <a:buNone/>
             </a:pPr>
             <a:fld id="{00000000-1234-1234-1234-123412341234}" type="slidenum">
-              <a:rPr lang="en"/>
+              <a:rPr lang="en">
+                <a:solidFill>
+                  <a:schemeClr val="dk2"/>
+                </a:solidFill>
+              </a:rPr>
               <a:t>‹#›</a:t>
             </a:fld>
-            <a:endParaRPr/>
+            <a:endParaRPr>
+              <a:solidFill>
+                <a:schemeClr val="dk2"/>
+              </a:solidFill>
+            </a:endParaRPr>
           </a:p>
           <a:p>
             <a:pPr indent="0" lvl="0" marL="0" rtl="0" algn="r">
@@ -37591,7 +38188,7 @@
                 </a:solidFill>
                 <a:hlinkClick r:id="rId3"/>
               </a:rPr>
-              <a:t>https://profriehle.com</a:t>
+              <a:t>uni1.de/amos</a:t>
             </a:r>
             <a:r>
               <a:rPr b="0" lang="en" sz="900">
@@ -37601,7 +38198,11 @@
               </a:rPr>
               <a:t> </a:t>
             </a:r>
-            <a:endParaRPr/>
+            <a:endParaRPr b="0" sz="900">
+              <a:solidFill>
+                <a:schemeClr val="dk2"/>
+              </a:solidFill>
+            </a:endParaRPr>
           </a:p>
         </p:txBody>
       </p:sp>
@@ -37680,8 +38281,8 @@
         </p:nvSpPr>
         <p:spPr>
           <a:xfrm>
-            <a:off x="7315202" y="4416550"/>
-            <a:ext cx="1828800" cy="731400"/>
+            <a:off x="7315202" y="4229100"/>
+            <a:ext cx="1828800" cy="914400"/>
           </a:xfrm>
           <a:prstGeom prst="rect">
             <a:avLst/>
@@ -37703,10 +38304,18 @@
               <a:buNone/>
             </a:pPr>
             <a:fld id="{00000000-1234-1234-1234-123412341234}" type="slidenum">
-              <a:rPr lang="en"/>
+              <a:rPr lang="en">
+                <a:solidFill>
+                  <a:schemeClr val="dk2"/>
+                </a:solidFill>
+              </a:rPr>
               <a:t>‹#›</a:t>
             </a:fld>
-            <a:endParaRPr/>
+            <a:endParaRPr>
+              <a:solidFill>
+                <a:schemeClr val="dk2"/>
+              </a:solidFill>
+            </a:endParaRPr>
           </a:p>
           <a:p>
             <a:pPr indent="0" lvl="0" marL="0" rtl="0" algn="r">
@@ -37725,7 +38334,7 @@
                 </a:solidFill>
                 <a:hlinkClick r:id="rId3"/>
               </a:rPr>
-              <a:t>https://profriehle.com</a:t>
+              <a:t>uni1.de/amos</a:t>
             </a:r>
             <a:r>
               <a:rPr b="0" lang="en" sz="900">
@@ -37735,7 +38344,11 @@
               </a:rPr>
               <a:t> </a:t>
             </a:r>
-            <a:endParaRPr/>
+            <a:endParaRPr b="0" sz="900">
+              <a:solidFill>
+                <a:schemeClr val="dk2"/>
+              </a:solidFill>
+            </a:endParaRPr>
           </a:p>
         </p:txBody>
       </p:sp>
@@ -37776,6 +38389,285 @@
 </file>
 
 <file path=ppt/theme/theme1.xml><?xml version="1.0" encoding="utf-8"?>
+<a:theme xmlns:a="http://schemas.openxmlformats.org/drawingml/2006/main" xmlns:r="http://schemas.openxmlformats.org/officeDocument/2006/relationships" name="AMOS Slides Template">
+  <a:themeElements>
+    <a:clrScheme name="Simple Light">
+      <a:dk1>
+        <a:srgbClr val="000000"/>
+      </a:dk1>
+      <a:lt1>
+        <a:srgbClr val="FFFFFF"/>
+      </a:lt1>
+      <a:dk2>
+        <a:srgbClr val="404040"/>
+      </a:dk2>
+      <a:lt2>
+        <a:srgbClr val="808080"/>
+      </a:lt2>
+      <a:accent1>
+        <a:srgbClr val="D0D0D0"/>
+      </a:accent1>
+      <a:accent2>
+        <a:srgbClr val="4169E1"/>
+      </a:accent2>
+      <a:accent3>
+        <a:srgbClr val="D50D01"/>
+      </a:accent3>
+      <a:accent4>
+        <a:srgbClr val="FEB612"/>
+      </a:accent4>
+      <a:accent5>
+        <a:srgbClr val="4CAF50"/>
+      </a:accent5>
+      <a:accent6>
+        <a:srgbClr val="8E44AD"/>
+      </a:accent6>
+      <a:hlink>
+        <a:srgbClr val="34A3C5"/>
+      </a:hlink>
+      <a:folHlink>
+        <a:srgbClr val="0097A7"/>
+      </a:folHlink>
+    </a:clrScheme>
+    <a:fontScheme name="Office">
+      <a:majorFont>
+        <a:latin typeface="Arial"/>
+        <a:ea typeface=""/>
+        <a:cs typeface=""/>
+        <a:font script="Jpan" typeface="ＭＳ Ｐゴシック"/>
+        <a:font script="Hang" typeface="맑은 고딕"/>
+        <a:font script="Hans" typeface="宋体"/>
+        <a:font script="Hant" typeface="新細明體"/>
+        <a:font script="Arab" typeface="Times New Roman"/>
+        <a:font script="Hebr" typeface="Times New Roman"/>
+        <a:font script="Thai" typeface="Angsana New"/>
+        <a:font script="Ethi" typeface="Nyala"/>
+        <a:font script="Beng" typeface="Vrinda"/>
+        <a:font script="Gujr" typeface="Shruti"/>
+        <a:font script="Khmr" typeface="MoolBoran"/>
+        <a:font script="Knda" typeface="Tunga"/>
+        <a:font script="Guru" typeface="Raavi"/>
+        <a:font script="Cans" typeface="Euphemia"/>
+        <a:font script="Cher" typeface="Plantagenet Cherokee"/>
+        <a:font script="Yiii" typeface="Microsoft Yi Baiti"/>
+        <a:font script="Tibt" typeface="Microsoft Himalaya"/>
+        <a:font script="Thaa" typeface="MV Boli"/>
+        <a:font script="Deva" typeface="Mangal"/>
+        <a:font script="Telu" typeface="Gautami"/>
+        <a:font script="Taml" typeface="Latha"/>
+        <a:font script="Syrc" typeface="Estrangelo Edessa"/>
+        <a:font script="Orya" typeface="Kalinga"/>
+        <a:font script="Mlym" typeface="Kartika"/>
+        <a:font script="Laoo" typeface="DokChampa"/>
+        <a:font script="Sinh" typeface="Iskoola Pota"/>
+        <a:font script="Mong" typeface="Mongolian Baiti"/>
+        <a:font script="Viet" typeface="Times New Roman"/>
+        <a:font script="Uigh" typeface="Microsoft Uighur"/>
+        <a:font script="Geor" typeface="Sylfaen"/>
+      </a:majorFont>
+      <a:minorFont>
+        <a:latin typeface="Arial"/>
+        <a:ea typeface=""/>
+        <a:cs typeface=""/>
+        <a:font script="Jpan" typeface="ＭＳ Ｐゴシック"/>
+        <a:font script="Hang" typeface="맑은 고딕"/>
+        <a:font script="Hans" typeface="宋体"/>
+        <a:font script="Hant" typeface="新細明體"/>
+        <a:font script="Arab" typeface="Arial"/>
+        <a:font script="Hebr" typeface="Arial"/>
+        <a:font script="Thai" typeface="Cordia New"/>
+        <a:font script="Ethi" typeface="Nyala"/>
+        <a:font script="Beng" typeface="Vrinda"/>
+        <a:font script="Gujr" typeface="Shruti"/>
+        <a:font script="Khmr" typeface="DaunPenh"/>
+        <a:font script="Knda" typeface="Tunga"/>
+        <a:font script="Guru" typeface="Raavi"/>
+        <a:font script="Cans" typeface="Euphemia"/>
+        <a:font script="Cher" typeface="Plantagenet Cherokee"/>
+        <a:font script="Yiii" typeface="Microsoft Yi Baiti"/>
+        <a:font script="Tibt" typeface="Microsoft Himalaya"/>
+        <a:font script="Thaa" typeface="MV Boli"/>
+        <a:font script="Deva" typeface="Mangal"/>
+        <a:font script="Telu" typeface="Gautami"/>
+        <a:font script="Taml" typeface="Latha"/>
+        <a:font script="Syrc" typeface="Estrangelo Edessa"/>
+        <a:font script="Orya" typeface="Kalinga"/>
+        <a:font script="Mlym" typeface="Kartika"/>
+        <a:font script="Laoo" typeface="DokChampa"/>
+        <a:font script="Sinh" typeface="Iskoola Pota"/>
+        <a:font script="Mong" typeface="Mongolian Baiti"/>
+        <a:font script="Viet" typeface="Arial"/>
+        <a:font script="Uigh" typeface="Microsoft Uighur"/>
+        <a:font script="Geor" typeface="Sylfaen"/>
+      </a:minorFont>
+    </a:fontScheme>
+    <a:fmtScheme name="Office">
+      <a:fillStyleLst>
+        <a:solidFill>
+          <a:schemeClr val="phClr"/>
+        </a:solidFill>
+        <a:gradFill rotWithShape="1">
+          <a:gsLst>
+            <a:gs pos="0">
+              <a:schemeClr val="phClr">
+                <a:tint val="50000"/>
+                <a:satMod val="300000"/>
+              </a:schemeClr>
+            </a:gs>
+            <a:gs pos="35000">
+              <a:schemeClr val="phClr">
+                <a:tint val="37000"/>
+                <a:satMod val="300000"/>
+              </a:schemeClr>
+            </a:gs>
+            <a:gs pos="100000">
+              <a:schemeClr val="phClr">
+                <a:tint val="15000"/>
+                <a:satMod val="350000"/>
+              </a:schemeClr>
+            </a:gs>
+          </a:gsLst>
+          <a:lin ang="16200000" scaled="1"/>
+        </a:gradFill>
+        <a:gradFill rotWithShape="1">
+          <a:gsLst>
+            <a:gs pos="0">
+              <a:schemeClr val="phClr">
+                <a:tint val="100000"/>
+                <a:shade val="100000"/>
+                <a:satMod val="130000"/>
+              </a:schemeClr>
+            </a:gs>
+            <a:gs pos="100000">
+              <a:schemeClr val="phClr">
+                <a:tint val="50000"/>
+                <a:shade val="100000"/>
+                <a:satMod val="350000"/>
+              </a:schemeClr>
+            </a:gs>
+          </a:gsLst>
+          <a:lin ang="16200000" scaled="0"/>
+        </a:gradFill>
+      </a:fillStyleLst>
+      <a:lnStyleLst>
+        <a:ln w="9525" cap="flat" cmpd="sng" algn="ctr">
+          <a:solidFill>
+            <a:schemeClr val="phClr">
+              <a:shade val="95000"/>
+              <a:satMod val="105000"/>
+            </a:schemeClr>
+          </a:solidFill>
+          <a:prstDash val="solid"/>
+        </a:ln>
+        <a:ln w="25400" cap="flat" cmpd="sng" algn="ctr">
+          <a:solidFill>
+            <a:schemeClr val="phClr"/>
+          </a:solidFill>
+          <a:prstDash val="solid"/>
+        </a:ln>
+        <a:ln w="38100" cap="flat" cmpd="sng" algn="ctr">
+          <a:solidFill>
+            <a:schemeClr val="phClr"/>
+          </a:solidFill>
+          <a:prstDash val="solid"/>
+        </a:ln>
+      </a:lnStyleLst>
+      <a:effectStyleLst>
+        <a:effectStyle>
+          <a:effectLst>
+            <a:outerShdw blurRad="40000" dist="20000" dir="5400000" rotWithShape="0">
+              <a:srgbClr val="000000">
+                <a:alpha val="38000"/>
+              </a:srgbClr>
+            </a:outerShdw>
+          </a:effectLst>
+        </a:effectStyle>
+        <a:effectStyle>
+          <a:effectLst>
+            <a:outerShdw blurRad="40000" dist="23000" dir="5400000" rotWithShape="0">
+              <a:srgbClr val="000000">
+                <a:alpha val="35000"/>
+              </a:srgbClr>
+            </a:outerShdw>
+          </a:effectLst>
+        </a:effectStyle>
+        <a:effectStyle>
+          <a:effectLst>
+            <a:outerShdw blurRad="40000" dist="23000" dir="5400000" rotWithShape="0">
+              <a:srgbClr val="000000">
+                <a:alpha val="35000"/>
+              </a:srgbClr>
+            </a:outerShdw>
+          </a:effectLst>
+          <a:scene3d>
+            <a:camera prst="orthographicFront">
+              <a:rot lat="0" lon="0" rev="0"/>
+            </a:camera>
+            <a:lightRig rig="threePt" dir="t">
+              <a:rot lat="0" lon="0" rev="1200000"/>
+            </a:lightRig>
+          </a:scene3d>
+          <a:sp3d>
+            <a:bevelT w="63500" h="25400"/>
+          </a:sp3d>
+        </a:effectStyle>
+      </a:effectStyleLst>
+      <a:bgFillStyleLst>
+        <a:solidFill>
+          <a:schemeClr val="phClr"/>
+        </a:solidFill>
+        <a:gradFill rotWithShape="1">
+          <a:gsLst>
+            <a:gs pos="0">
+              <a:schemeClr val="phClr">
+                <a:tint val="40000"/>
+                <a:satMod val="350000"/>
+              </a:schemeClr>
+            </a:gs>
+            <a:gs pos="40000">
+              <a:schemeClr val="phClr">
+                <a:tint val="45000"/>
+                <a:shade val="99000"/>
+                <a:satMod val="350000"/>
+              </a:schemeClr>
+            </a:gs>
+            <a:gs pos="100000">
+              <a:schemeClr val="phClr">
+                <a:shade val="20000"/>
+                <a:satMod val="255000"/>
+              </a:schemeClr>
+            </a:gs>
+          </a:gsLst>
+          <a:path path="circle">
+            <a:fillToRect l="50000" t="-80000" r="50000" b="180000"/>
+          </a:path>
+        </a:gradFill>
+        <a:gradFill rotWithShape="1">
+          <a:gsLst>
+            <a:gs pos="0">
+              <a:schemeClr val="phClr">
+                <a:tint val="80000"/>
+                <a:satMod val="300000"/>
+              </a:schemeClr>
+            </a:gs>
+            <a:gs pos="100000">
+              <a:schemeClr val="phClr">
+                <a:shade val="30000"/>
+                <a:satMod val="200000"/>
+              </a:schemeClr>
+            </a:gs>
+          </a:gsLst>
+          <a:path path="circle">
+            <a:fillToRect l="50000" t="50000" r="50000" b="50000"/>
+          </a:path>
+        </a:gradFill>
+      </a:bgFillStyleLst>
+    </a:fmtScheme>
+  </a:themeElements>
+</a:theme>
+</file>
+
+<file path=ppt/theme/theme2.xml><?xml version="1.0" encoding="utf-8"?>
 <a:theme xmlns:a="http://schemas.openxmlformats.org/drawingml/2006/main" xmlns:r="http://schemas.openxmlformats.org/officeDocument/2006/relationships">
   <a:themeElements>
     <a:clrScheme name="Default">
@@ -38052,283 +38944,4 @@
     </a:fmtScheme>
   </a:themeElements>
 </a:theme>
-</file>
-
-<file path=ppt/theme/theme2.xml><?xml version="1.0" encoding="utf-8"?>
-<a:theme xmlns:a="http://schemas.openxmlformats.org/drawingml/2006/main" xmlns:r="http://schemas.openxmlformats.org/officeDocument/2006/relationships" name="AMOS Slides Template">
-  <a:themeElements>
-    <a:clrScheme name="Simple Light">
-      <a:dk1>
-        <a:srgbClr val="000000"/>
-      </a:dk1>
-      <a:lt1>
-        <a:srgbClr val="FFFFFF"/>
-      </a:lt1>
-      <a:dk2>
-        <a:srgbClr val="404040"/>
-      </a:dk2>
-      <a:lt2>
-        <a:srgbClr val="808080"/>
-      </a:lt2>
-      <a:accent1>
-        <a:srgbClr val="D0D0D0"/>
-      </a:accent1>
-      <a:accent2>
-        <a:srgbClr val="4169E1"/>
-      </a:accent2>
-      <a:accent3>
-        <a:srgbClr val="D50D01"/>
-      </a:accent3>
-      <a:accent4>
-        <a:srgbClr val="FEB612"/>
-      </a:accent4>
-      <a:accent5>
-        <a:srgbClr val="4CAF50"/>
-      </a:accent5>
-      <a:accent6>
-        <a:srgbClr val="8E44AD"/>
-      </a:accent6>
-      <a:hlink>
-        <a:srgbClr val="34A3C5"/>
-      </a:hlink>
-      <a:folHlink>
-        <a:srgbClr val="0097A7"/>
-      </a:folHlink>
-    </a:clrScheme>
-    <a:fontScheme name="Office">
-      <a:majorFont>
-        <a:latin typeface="Arial"/>
-        <a:ea typeface=""/>
-        <a:cs typeface=""/>
-        <a:font script="Jpan" typeface="ＭＳ Ｐゴシック"/>
-        <a:font script="Hang" typeface="맑은 고딕"/>
-        <a:font script="Hans" typeface="宋体"/>
-        <a:font script="Hant" typeface="新細明體"/>
-        <a:font script="Arab" typeface="Times New Roman"/>
-        <a:font script="Hebr" typeface="Times New Roman"/>
-        <a:font script="Thai" typeface="Angsana New"/>
-        <a:font script="Ethi" typeface="Nyala"/>
-        <a:font script="Beng" typeface="Vrinda"/>
-        <a:font script="Gujr" typeface="Shruti"/>
-        <a:font script="Khmr" typeface="MoolBoran"/>
-        <a:font script="Knda" typeface="Tunga"/>
-        <a:font script="Guru" typeface="Raavi"/>
-        <a:font script="Cans" typeface="Euphemia"/>
-        <a:font script="Cher" typeface="Plantagenet Cherokee"/>
-        <a:font script="Yiii" typeface="Microsoft Yi Baiti"/>
-        <a:font script="Tibt" typeface="Microsoft Himalaya"/>
-        <a:font script="Thaa" typeface="MV Boli"/>
-        <a:font script="Deva" typeface="Mangal"/>
-        <a:font script="Telu" typeface="Gautami"/>
-        <a:font script="Taml" typeface="Latha"/>
-        <a:font script="Syrc" typeface="Estrangelo Edessa"/>
-        <a:font script="Orya" typeface="Kalinga"/>
-        <a:font script="Mlym" typeface="Kartika"/>
-        <a:font script="Laoo" typeface="DokChampa"/>
-        <a:font script="Sinh" typeface="Iskoola Pota"/>
-        <a:font script="Mong" typeface="Mongolian Baiti"/>
-        <a:font script="Viet" typeface="Times New Roman"/>
-        <a:font script="Uigh" typeface="Microsoft Uighur"/>
-        <a:font script="Geor" typeface="Sylfaen"/>
-      </a:majorFont>
-      <a:minorFont>
-        <a:latin typeface="Arial"/>
-        <a:ea typeface=""/>
-        <a:cs typeface=""/>
-        <a:font script="Jpan" typeface="ＭＳ Ｐゴシック"/>
-        <a:font script="Hang" typeface="맑은 고딕"/>
-        <a:font script="Hans" typeface="宋体"/>
-        <a:font script="Hant" typeface="新細明體"/>
-        <a:font script="Arab" typeface="Arial"/>
-        <a:font script="Hebr" typeface="Arial"/>
-        <a:font script="Thai" typeface="Cordia New"/>
-        <a:font script="Ethi" typeface="Nyala"/>
-        <a:font script="Beng" typeface="Vrinda"/>
-        <a:font script="Gujr" typeface="Shruti"/>
-        <a:font script="Khmr" typeface="DaunPenh"/>
-        <a:font script="Knda" typeface="Tunga"/>
-        <a:font script="Guru" typeface="Raavi"/>
-        <a:font script="Cans" typeface="Euphemia"/>
-        <a:font script="Cher" typeface="Plantagenet Cherokee"/>
-        <a:font script="Yiii" typeface="Microsoft Yi Baiti"/>
-        <a:font script="Tibt" typeface="Microsoft Himalaya"/>
-        <a:font script="Thaa" typeface="MV Boli"/>
-        <a:font script="Deva" typeface="Mangal"/>
-        <a:font script="Telu" typeface="Gautami"/>
-        <a:font script="Taml" typeface="Latha"/>
-        <a:font script="Syrc" typeface="Estrangelo Edessa"/>
-        <a:font script="Orya" typeface="Kalinga"/>
-        <a:font script="Mlym" typeface="Kartika"/>
-        <a:font script="Laoo" typeface="DokChampa"/>
-        <a:font script="Sinh" typeface="Iskoola Pota"/>
-        <a:font script="Mong" typeface="Mongolian Baiti"/>
-        <a:font script="Viet" typeface="Arial"/>
-        <a:font script="Uigh" typeface="Microsoft Uighur"/>
-        <a:font script="Geor" typeface="Sylfaen"/>
-      </a:minorFont>
-    </a:fontScheme>
-    <a:fmtScheme name="Office">
-      <a:fillStyleLst>
-        <a:solidFill>
-          <a:schemeClr val="phClr"/>
-        </a:solidFill>
-        <a:gradFill rotWithShape="1">
-          <a:gsLst>
-            <a:gs pos="0">
-              <a:schemeClr val="phClr">
-                <a:tint val="50000"/>
-                <a:satMod val="300000"/>
-              </a:schemeClr>
-            </a:gs>
-            <a:gs pos="35000">
-              <a:schemeClr val="phClr">
-                <a:tint val="37000"/>
-                <a:satMod val="300000"/>
-              </a:schemeClr>
-            </a:gs>
-            <a:gs pos="100000">
-              <a:schemeClr val="phClr">
-                <a:tint val="15000"/>
-                <a:satMod val="350000"/>
-              </a:schemeClr>
-            </a:gs>
-          </a:gsLst>
-          <a:lin ang="16200000" scaled="1"/>
-        </a:gradFill>
-        <a:gradFill rotWithShape="1">
-          <a:gsLst>
-            <a:gs pos="0">
-              <a:schemeClr val="phClr">
-                <a:tint val="100000"/>
-                <a:shade val="100000"/>
-                <a:satMod val="130000"/>
-              </a:schemeClr>
-            </a:gs>
-            <a:gs pos="100000">
-              <a:schemeClr val="phClr">
-                <a:tint val="50000"/>
-                <a:shade val="100000"/>
-                <a:satMod val="350000"/>
-              </a:schemeClr>
-            </a:gs>
-          </a:gsLst>
-          <a:lin ang="16200000" scaled="0"/>
-        </a:gradFill>
-      </a:fillStyleLst>
-      <a:lnStyleLst>
-        <a:ln w="9525" cap="flat" cmpd="sng" algn="ctr">
-          <a:solidFill>
-            <a:schemeClr val="phClr">
-              <a:shade val="95000"/>
-              <a:satMod val="105000"/>
-            </a:schemeClr>
-          </a:solidFill>
-          <a:prstDash val="solid"/>
-        </a:ln>
-        <a:ln w="25400" cap="flat" cmpd="sng" algn="ctr">
-          <a:solidFill>
-            <a:schemeClr val="phClr"/>
-          </a:solidFill>
-          <a:prstDash val="solid"/>
-        </a:ln>
-        <a:ln w="38100" cap="flat" cmpd="sng" algn="ctr">
-          <a:solidFill>
-            <a:schemeClr val="phClr"/>
-          </a:solidFill>
-          <a:prstDash val="solid"/>
-        </a:ln>
-      </a:lnStyleLst>
-      <a:effectStyleLst>
-        <a:effectStyle>
-          <a:effectLst>
-            <a:outerShdw blurRad="40000" dist="20000" dir="5400000" rotWithShape="0">
-              <a:srgbClr val="000000">
-                <a:alpha val="38000"/>
-              </a:srgbClr>
-            </a:outerShdw>
-          </a:effectLst>
-        </a:effectStyle>
-        <a:effectStyle>
-          <a:effectLst>
-            <a:outerShdw blurRad="40000" dist="23000" dir="5400000" rotWithShape="0">
-              <a:srgbClr val="000000">
-                <a:alpha val="35000"/>
-              </a:srgbClr>
-            </a:outerShdw>
-          </a:effectLst>
-        </a:effectStyle>
-        <a:effectStyle>
-          <a:effectLst>
-            <a:outerShdw blurRad="40000" dist="23000" dir="5400000" rotWithShape="0">
-              <a:srgbClr val="000000">
-                <a:alpha val="35000"/>
-              </a:srgbClr>
-            </a:outerShdw>
-          </a:effectLst>
-          <a:scene3d>
-            <a:camera prst="orthographicFront">
-              <a:rot lat="0" lon="0" rev="0"/>
-            </a:camera>
-            <a:lightRig rig="threePt" dir="t">
-              <a:rot lat="0" lon="0" rev="1200000"/>
-            </a:lightRig>
-          </a:scene3d>
-          <a:sp3d>
-            <a:bevelT w="63500" h="25400"/>
-          </a:sp3d>
-        </a:effectStyle>
-      </a:effectStyleLst>
-      <a:bgFillStyleLst>
-        <a:solidFill>
-          <a:schemeClr val="phClr"/>
-        </a:solidFill>
-        <a:gradFill rotWithShape="1">
-          <a:gsLst>
-            <a:gs pos="0">
-              <a:schemeClr val="phClr">
-                <a:tint val="40000"/>
-                <a:satMod val="350000"/>
-              </a:schemeClr>
-            </a:gs>
-            <a:gs pos="40000">
-              <a:schemeClr val="phClr">
-                <a:tint val="45000"/>
-                <a:shade val="99000"/>
-                <a:satMod val="350000"/>
-              </a:schemeClr>
-            </a:gs>
-            <a:gs pos="100000">
-              <a:schemeClr val="phClr">
-                <a:shade val="20000"/>
-                <a:satMod val="255000"/>
-              </a:schemeClr>
-            </a:gs>
-          </a:gsLst>
-          <a:path path="circle">
-            <a:fillToRect l="50000" t="-80000" r="50000" b="180000"/>
-          </a:path>
-        </a:gradFill>
-        <a:gradFill rotWithShape="1">
-          <a:gsLst>
-            <a:gs pos="0">
-              <a:schemeClr val="phClr">
-                <a:tint val="80000"/>
-                <a:satMod val="300000"/>
-              </a:schemeClr>
-            </a:gs>
-            <a:gs pos="100000">
-              <a:schemeClr val="phClr">
-                <a:shade val="30000"/>
-                <a:satMod val="200000"/>
-              </a:schemeClr>
-            </a:gs>
-          </a:gsLst>
-          <a:path path="circle">
-            <a:fillToRect l="50000" t="50000" r="50000" b="50000"/>
-          </a:path>
-        </a:gradFill>
-      </a:bgFillStyleLst>
-    </a:fmtScheme>
-  </a:themeElements>
-</a:theme>
 </file>
--- a/Lecture slides/AMOS B04 - Agile Planning.pptx
+++ b/Lecture slides/AMOS B04 - Agile Planning.pptx
@@ -10577,7 +10577,7 @@
             <a:tbl>
               <a:tblPr>
                 <a:noFill/>
-                <a:tableStyleId>{177BF7F4-FAC5-4150-8EA7-34E74D013A99}</a:tableStyleId>
+                <a:tableStyleId>{72F3A1D3-1029-4026-B11B-0C5AFAAB390E}</a:tableStyleId>
               </a:tblPr>
               <a:tblGrid>
                 <a:gridCol w="2466575"/>
@@ -14250,7 +14250,7 @@
             <a:tbl>
               <a:tblPr>
                 <a:noFill/>
-                <a:tableStyleId>{177BF7F4-FAC5-4150-8EA7-34E74D013A99}</a:tableStyleId>
+                <a:tableStyleId>{72F3A1D3-1029-4026-B11B-0C5AFAAB390E}</a:tableStyleId>
               </a:tblPr>
               <a:tblGrid>
                 <a:gridCol w="647000"/>
@@ -15657,7 +15657,7 @@
             <a:tbl>
               <a:tblPr>
                 <a:noFill/>
-                <a:tableStyleId>{177BF7F4-FAC5-4150-8EA7-34E74D013A99}</a:tableStyleId>
+                <a:tableStyleId>{72F3A1D3-1029-4026-B11B-0C5AFAAB390E}</a:tableStyleId>
               </a:tblPr>
               <a:tblGrid>
                 <a:gridCol w="2057400"/>
@@ -17250,7 +17250,7 @@
             <a:tbl>
               <a:tblPr>
                 <a:noFill/>
-                <a:tableStyleId>{177BF7F4-FAC5-4150-8EA7-34E74D013A99}</a:tableStyleId>
+                <a:tableStyleId>{72F3A1D3-1029-4026-B11B-0C5AFAAB390E}</a:tableStyleId>
               </a:tblPr>
               <a:tblGrid>
                 <a:gridCol w="637250"/>
@@ -20289,7 +20289,7 @@
             </a:pPr>
             <a:r>
               <a:rPr lang="en"/>
-              <a:t>Development Speed (Velocity)</a:t>
+              <a:t>Velocity (Development Speed)</a:t>
             </a:r>
             <a:endParaRPr/>
           </a:p>
@@ -20460,7 +20460,7 @@
             </a:pPr>
             <a:r>
               <a:rPr lang="en"/>
-              <a:t>v = speed (velocity)</a:t>
+              <a:t>v = velocity (speed)</a:t>
             </a:r>
             <a:endParaRPr/>
           </a:p>
@@ -20557,7 +20557,7 @@
             </a:pPr>
             <a:r>
               <a:rPr lang="en"/>
-              <a:t>Charting Development Speed</a:t>
+              <a:t>Charting Velocity</a:t>
             </a:r>
             <a:endParaRPr/>
           </a:p>
@@ -21247,7 +21247,7 @@
             <a:tbl>
               <a:tblPr>
                 <a:noFill/>
-                <a:tableStyleId>{BDAB0A74-85FB-4089-B30C-396DBC577F7F}</a:tableStyleId>
+                <a:tableStyleId>{652BC549-2B47-473A-9D82-0B19D5138A15}</a:tableStyleId>
               </a:tblPr>
               <a:tblGrid>
                 <a:gridCol w="645525"/>
@@ -32607,7 +32607,8 @@
               <a:buNone/>
             </a:pPr>
             <a:r>
-              <a:t/>
+              <a:rPr lang="en"/>
+              <a:t>DoDs help ensure a consistent quality of the artifact</a:t>
             </a:r>
             <a:endParaRPr/>
           </a:p>
@@ -34474,7 +34475,7 @@
             <a:tbl>
               <a:tblPr>
                 <a:noFill/>
-                <a:tableStyleId>{177BF7F4-FAC5-4150-8EA7-34E74D013A99}</a:tableStyleId>
+                <a:tableStyleId>{72F3A1D3-1029-4026-B11B-0C5AFAAB390E}</a:tableStyleId>
               </a:tblPr>
               <a:tblGrid>
                 <a:gridCol w="1719075"/>

--- a/Lecture slides/AMOS B04 - Agile Planning.pptx
+++ b/Lecture slides/AMOS B04 - Agile Planning.pptx
@@ -10577,7 +10577,7 @@
             <a:tbl>
               <a:tblPr>
                 <a:noFill/>
-                <a:tableStyleId>{72F3A1D3-1029-4026-B11B-0C5AFAAB390E}</a:tableStyleId>
+                <a:tableStyleId>{87D43221-98BD-41B1-B8BD-493E43BA7D8A}</a:tableStyleId>
               </a:tblPr>
               <a:tblGrid>
                 <a:gridCol w="2466575"/>
@@ -12632,37 +12632,9 @@
           </a:p>
         </p:txBody>
       </p:sp>
-      <p:pic>
-        <p:nvPicPr>
-          <p:cNvPr id="154" name="Google Shape;154;p25"/>
-          <p:cNvPicPr preferRelativeResize="0"/>
-          <p:nvPr/>
-        </p:nvPicPr>
-        <p:blipFill>
-          <a:blip r:embed="rId4">
-            <a:alphaModFix/>
-          </a:blip>
-          <a:stretch>
-            <a:fillRect/>
-          </a:stretch>
-        </p:blipFill>
-        <p:spPr>
-          <a:xfrm>
-            <a:off x="274320" y="914400"/>
-            <a:ext cx="8595360" cy="3502840"/>
-          </a:xfrm>
-          <a:prstGeom prst="rect">
-            <a:avLst/>
-          </a:prstGeom>
-          <a:noFill/>
-          <a:ln>
-            <a:noFill/>
-          </a:ln>
-        </p:spPr>
-      </p:pic>
       <p:sp>
         <p:nvSpPr>
-          <p:cNvPr id="155" name="Google Shape;155;p25"/>
+          <p:cNvPr id="154" name="Google Shape;154;p25"/>
           <p:cNvSpPr/>
           <p:nvPr/>
         </p:nvSpPr>
@@ -12709,7 +12681,7 @@
       </p:sp>
       <p:sp>
         <p:nvSpPr>
-          <p:cNvPr id="156" name="Google Shape;156;p25"/>
+          <p:cNvPr id="155" name="Google Shape;155;p25"/>
           <p:cNvSpPr txBox="1"/>
           <p:nvPr/>
         </p:nvSpPr>
@@ -12773,6 +12745,34 @@
           </a:p>
         </p:txBody>
       </p:sp>
+      <p:pic>
+        <p:nvPicPr>
+          <p:cNvPr id="156" name="Google Shape;156;p25"/>
+          <p:cNvPicPr preferRelativeResize="0"/>
+          <p:nvPr/>
+        </p:nvPicPr>
+        <p:blipFill>
+          <a:blip r:embed="rId4">
+            <a:alphaModFix/>
+          </a:blip>
+          <a:stretch>
+            <a:fillRect/>
+          </a:stretch>
+        </p:blipFill>
+        <p:spPr>
+          <a:xfrm>
+            <a:off x="274320" y="914400"/>
+            <a:ext cx="8595360" cy="3495446"/>
+          </a:xfrm>
+          <a:prstGeom prst="rect">
+            <a:avLst/>
+          </a:prstGeom>
+          <a:noFill/>
+          <a:ln>
+            <a:noFill/>
+          </a:ln>
+        </p:spPr>
+      </p:pic>
     </p:spTree>
   </p:cSld>
   <p:clrMapOvr>
@@ -14094,7 +14094,7 @@
         <p:spPr>
           <a:xfrm>
             <a:off x="274320" y="914400"/>
-            <a:ext cx="8595360" cy="3502840"/>
+            <a:ext cx="8595360" cy="3495446"/>
           </a:xfrm>
           <a:prstGeom prst="rect">
             <a:avLst/>
@@ -14250,7 +14250,7 @@
             <a:tbl>
               <a:tblPr>
                 <a:noFill/>
-                <a:tableStyleId>{72F3A1D3-1029-4026-B11B-0C5AFAAB390E}</a:tableStyleId>
+                <a:tableStyleId>{87D43221-98BD-41B1-B8BD-493E43BA7D8A}</a:tableStyleId>
               </a:tblPr>
               <a:tblGrid>
                 <a:gridCol w="647000"/>
@@ -15657,7 +15657,7 @@
             <a:tbl>
               <a:tblPr>
                 <a:noFill/>
-                <a:tableStyleId>{72F3A1D3-1029-4026-B11B-0C5AFAAB390E}</a:tableStyleId>
+                <a:tableStyleId>{87D43221-98BD-41B1-B8BD-493E43BA7D8A}</a:tableStyleId>
               </a:tblPr>
               <a:tblGrid>
                 <a:gridCol w="2057400"/>
@@ -17250,7 +17250,7 @@
             <a:tbl>
               <a:tblPr>
                 <a:noFill/>
-                <a:tableStyleId>{72F3A1D3-1029-4026-B11B-0C5AFAAB390E}</a:tableStyleId>
+                <a:tableStyleId>{87D43221-98BD-41B1-B8BD-493E43BA7D8A}</a:tableStyleId>
               </a:tblPr>
               <a:tblGrid>
                 <a:gridCol w="637250"/>
@@ -18369,7 +18369,7 @@
         <p:spPr>
           <a:xfrm>
             <a:off x="274320" y="914400"/>
-            <a:ext cx="8595360" cy="3502840"/>
+            <a:ext cx="8595360" cy="3495446"/>
           </a:xfrm>
           <a:prstGeom prst="rect">
             <a:avLst/>
@@ -20645,7 +20645,7 @@
         <p:spPr>
           <a:xfrm>
             <a:off x="274320" y="914400"/>
-            <a:ext cx="8595360" cy="3502840"/>
+            <a:ext cx="8595360" cy="3495446"/>
           </a:xfrm>
           <a:prstGeom prst="rect">
             <a:avLst/>
@@ -20803,7 +20803,7 @@
         <p:spPr>
           <a:xfrm>
             <a:off x="274320" y="914400"/>
-            <a:ext cx="8595360" cy="3502840"/>
+            <a:ext cx="8595360" cy="3495446"/>
           </a:xfrm>
           <a:prstGeom prst="rect">
             <a:avLst/>
@@ -21091,7 +21091,7 @@
         <p:spPr>
           <a:xfrm>
             <a:off x="274320" y="914400"/>
-            <a:ext cx="8595360" cy="3502840"/>
+            <a:ext cx="8595360" cy="3495446"/>
           </a:xfrm>
           <a:prstGeom prst="rect">
             <a:avLst/>
@@ -21247,7 +21247,7 @@
             <a:tbl>
               <a:tblPr>
                 <a:noFill/>
-                <a:tableStyleId>{652BC549-2B47-473A-9D82-0B19D5138A15}</a:tableStyleId>
+                <a:tableStyleId>{3EBA1027-9DA7-4C02-BA84-A18D9EF3BC8C}</a:tableStyleId>
               </a:tblPr>
               <a:tblGrid>
                 <a:gridCol w="645525"/>
@@ -31678,7 +31678,7 @@
         <p:spPr>
           <a:xfrm>
             <a:off x="274320" y="914400"/>
-            <a:ext cx="8595360" cy="3502840"/>
+            <a:ext cx="8595360" cy="3495446"/>
           </a:xfrm>
           <a:prstGeom prst="rect">
             <a:avLst/>
@@ -31836,7 +31836,7 @@
         <p:spPr>
           <a:xfrm>
             <a:off x="274320" y="914400"/>
-            <a:ext cx="8595360" cy="3502840"/>
+            <a:ext cx="8595360" cy="3495446"/>
           </a:xfrm>
           <a:prstGeom prst="rect">
             <a:avLst/>
@@ -31994,7 +31994,7 @@
         <p:spPr>
           <a:xfrm>
             <a:off x="274320" y="914400"/>
-            <a:ext cx="8595360" cy="3502840"/>
+            <a:ext cx="8595360" cy="3495446"/>
           </a:xfrm>
           <a:prstGeom prst="rect">
             <a:avLst/>
@@ -34319,7 +34319,7 @@
         <p:spPr>
           <a:xfrm>
             <a:off x="274320" y="914400"/>
-            <a:ext cx="8595360" cy="3502840"/>
+            <a:ext cx="8595360" cy="3495446"/>
           </a:xfrm>
           <a:prstGeom prst="rect">
             <a:avLst/>
@@ -34475,7 +34475,7 @@
             <a:tbl>
               <a:tblPr>
                 <a:noFill/>
-                <a:tableStyleId>{72F3A1D3-1029-4026-B11B-0C5AFAAB390E}</a:tableStyleId>
+                <a:tableStyleId>{87D43221-98BD-41B1-B8BD-493E43BA7D8A}</a:tableStyleId>
               </a:tblPr>
               <a:tblGrid>
                 <a:gridCol w="1719075"/>
@@ -35979,7 +35979,7 @@
         <p:spPr>
           <a:xfrm>
             <a:off x="274320" y="914400"/>
-            <a:ext cx="8595360" cy="3502840"/>
+            <a:ext cx="8595360" cy="3495446"/>
           </a:xfrm>
           <a:prstGeom prst="rect">
             <a:avLst/>
@@ -37554,7 +37554,7 @@
         <p:spPr>
           <a:xfrm>
             <a:off x="274320" y="914400"/>
-            <a:ext cx="8595360" cy="3502840"/>
+            <a:ext cx="8595360" cy="3495446"/>
           </a:xfrm>
           <a:prstGeom prst="rect">
             <a:avLst/>

--- a/Lecture slides/AMOS B04 - Agile Planning.pptx
+++ b/Lecture slides/AMOS B04 - Agile Planning.pptx
@@ -10577,7 +10577,7 @@
             <a:tbl>
               <a:tblPr>
                 <a:noFill/>
-                <a:tableStyleId>{87D43221-98BD-41B1-B8BD-493E43BA7D8A}</a:tableStyleId>
+                <a:tableStyleId>{0C347D07-D8C3-4DD9-AC4C-8819EA2C0EF1}</a:tableStyleId>
               </a:tblPr>
               <a:tblGrid>
                 <a:gridCol w="2466575"/>
@@ -11580,7 +11580,7 @@
             </a:pPr>
             <a:r>
               <a:rPr lang="en"/>
-              <a:t>Make terms mutually exclusive, completely exhaustive</a:t>
+              <a:t>Make terms mutually exclusive, completely exhaustive (MECE)</a:t>
             </a:r>
             <a:endParaRPr/>
           </a:p>
@@ -12762,7 +12762,7 @@
         <p:spPr>
           <a:xfrm>
             <a:off x="274320" y="914400"/>
-            <a:ext cx="8595360" cy="3495446"/>
+            <a:ext cx="8595360" cy="3501478"/>
           </a:xfrm>
           <a:prstGeom prst="rect">
             <a:avLst/>
@@ -12922,7 +12922,7 @@
             </a:r>
             <a:r>
               <a:rPr b="1" lang="en"/>
-              <a:t>bug fix </a:t>
+              <a:t>bug fix request </a:t>
             </a:r>
             <a:r>
               <a:rPr lang="en"/>
@@ -13187,6 +13187,22 @@
             </a:pPr>
             <a:r>
               <a:rPr lang="en"/>
+              <a:t>Product owners, please don’t forget to take turns</a:t>
+            </a:r>
+            <a:endParaRPr/>
+          </a:p>
+          <a:p>
+            <a:pPr indent="0" lvl="0" marL="0" rtl="0" algn="l">
+              <a:spcBef>
+                <a:spcPts val="1200"/>
+              </a:spcBef>
+              <a:spcAft>
+                <a:spcPts val="0"/>
+              </a:spcAft>
+              <a:buNone/>
+            </a:pPr>
+            <a:r>
+              <a:rPr lang="en"/>
               <a:t>Please sign-off your commits and declare your co-authors, if any</a:t>
             </a:r>
             <a:endParaRPr/>
@@ -13219,7 +13235,7 @@
             </a:pPr>
             <a:r>
               <a:rPr lang="en"/>
-              <a:t>Don’t forget your sprint preparation meeting</a:t>
+              <a:t>Don’t forget your next sprint preparation meeting</a:t>
             </a:r>
             <a:endParaRPr/>
           </a:p>
@@ -14250,7 +14266,7 @@
             <a:tbl>
               <a:tblPr>
                 <a:noFill/>
-                <a:tableStyleId>{87D43221-98BD-41B1-B8BD-493E43BA7D8A}</a:tableStyleId>
+                <a:tableStyleId>{0C347D07-D8C3-4DD9-AC4C-8819EA2C0EF1}</a:tableStyleId>
               </a:tblPr>
               <a:tblGrid>
                 <a:gridCol w="647000"/>
@@ -15657,7 +15673,7 @@
             <a:tbl>
               <a:tblPr>
                 <a:noFill/>
-                <a:tableStyleId>{87D43221-98BD-41B1-B8BD-493E43BA7D8A}</a:tableStyleId>
+                <a:tableStyleId>{0C347D07-D8C3-4DD9-AC4C-8819EA2C0EF1}</a:tableStyleId>
               </a:tblPr>
               <a:tblGrid>
                 <a:gridCol w="2057400"/>
@@ -17250,7 +17266,7 @@
             <a:tbl>
               <a:tblPr>
                 <a:noFill/>
-                <a:tableStyleId>{87D43221-98BD-41B1-B8BD-493E43BA7D8A}</a:tableStyleId>
+                <a:tableStyleId>{0C347D07-D8C3-4DD9-AC4C-8819EA2C0EF1}</a:tableStyleId>
               </a:tblPr>
               <a:tblGrid>
                 <a:gridCol w="637250"/>
@@ -18281,7 +18297,7 @@
             </a:pPr>
             <a:r>
               <a:rPr lang="en"/>
-              <a:t>Prioritization by Risk / Reward</a:t>
+              <a:t>Prioritization by Risk / Value</a:t>
             </a:r>
             <a:endParaRPr/>
           </a:p>
@@ -21247,7 +21263,7 @@
             <a:tbl>
               <a:tblPr>
                 <a:noFill/>
-                <a:tableStyleId>{3EBA1027-9DA7-4C02-BA84-A18D9EF3BC8C}</a:tableStyleId>
+                <a:tableStyleId>{62382484-7E76-43DB-B48F-D7B24B333410}</a:tableStyleId>
               </a:tblPr>
               <a:tblGrid>
                 <a:gridCol w="645525"/>
@@ -34020,7 +34036,7 @@
             </a:pPr>
             <a:r>
               <a:rPr lang="en"/>
-              <a:t>Please create and agree upon definitions of done for all three types</a:t>
+              <a:t>Please discuss and agree upon definitions of done for all three types</a:t>
             </a:r>
             <a:endParaRPr/>
           </a:p>
@@ -34475,7 +34491,7 @@
             <a:tbl>
               <a:tblPr>
                 <a:noFill/>
-                <a:tableStyleId>{87D43221-98BD-41B1-B8BD-493E43BA7D8A}</a:tableStyleId>
+                <a:tableStyleId>{0C347D07-D8C3-4DD9-AC4C-8819EA2C0EF1}</a:tableStyleId>
               </a:tblPr>
               <a:tblGrid>
                 <a:gridCol w="1719075"/>
@@ -34559,14 +34575,14 @@
                         <a:buNone/>
                       </a:pPr>
                       <a:r>
-                        <a:rPr b="1" lang="en" sz="1800">
+                        <a:rPr b="1" lang="en">
                           <a:solidFill>
                             <a:schemeClr val="lt1"/>
                           </a:solidFill>
                         </a:rPr>
                         <a:t>Time-frame</a:t>
                       </a:r>
-                      <a:endParaRPr b="1" sz="1800">
+                      <a:endParaRPr b="1">
                         <a:solidFill>
                           <a:schemeClr val="lt1"/>
                         </a:solidFill>
@@ -34630,14 +34646,14 @@
                         <a:buNone/>
                       </a:pPr>
                       <a:r>
-                        <a:rPr b="1" lang="en" sz="1800">
+                        <a:rPr b="1" lang="en">
                           <a:solidFill>
                             <a:schemeClr val="lt1"/>
                           </a:solidFill>
                         </a:rPr>
                         <a:t>Content</a:t>
                       </a:r>
-                      <a:endParaRPr b="1" sz="1800">
+                      <a:endParaRPr b="1">
                         <a:solidFill>
                           <a:schemeClr val="lt1"/>
                         </a:solidFill>
@@ -34701,14 +34717,14 @@
                         <a:buNone/>
                       </a:pPr>
                       <a:r>
-                        <a:rPr b="1" lang="en" sz="1800">
+                        <a:rPr b="1" lang="en">
                           <a:solidFill>
                             <a:schemeClr val="lt1"/>
                           </a:solidFill>
                         </a:rPr>
                         <a:t>Certainty</a:t>
                       </a:r>
-                      <a:endParaRPr b="1" sz="1800">
+                      <a:endParaRPr b="1">
                         <a:solidFill>
                           <a:schemeClr val="lt1"/>
                         </a:solidFill>
@@ -34772,14 +34788,14 @@
                         <a:buNone/>
                       </a:pPr>
                       <a:r>
-                        <a:rPr b="1" lang="en" sz="1800">
+                        <a:rPr b="1" lang="en">
                           <a:solidFill>
                             <a:schemeClr val="lt1"/>
                           </a:solidFill>
                         </a:rPr>
                         <a:t>Owner</a:t>
                       </a:r>
-                      <a:endParaRPr b="1" sz="1800">
+                      <a:endParaRPr b="1">
                         <a:solidFill>
                           <a:schemeClr val="lt1"/>
                         </a:solidFill>
@@ -34835,7 +34851,7 @@
                     <a:bodyPr/>
                     <a:lstStyle/>
                     <a:p>
-                      <a:pPr indent="0" lvl="0" marL="0" rtl="0" algn="l">
+                      <a:pPr indent="0" lvl="0" marL="0" rtl="0" algn="ctr">
                         <a:spcBef>
                           <a:spcPts val="0"/>
                         </a:spcBef>
@@ -34845,7 +34861,7 @@
                         <a:buNone/>
                       </a:pPr>
                       <a:r>
-                        <a:rPr b="1" lang="en" sz="1800">
+                        <a:rPr b="1" lang="en">
                           <a:solidFill>
                             <a:schemeClr val="lt1"/>
                           </a:solidFill>
@@ -34853,21 +34869,21 @@
                         <a:t>Product</a:t>
                       </a:r>
                       <a:br>
-                        <a:rPr b="1" lang="en" sz="1800">
+                        <a:rPr b="1" lang="en">
                           <a:solidFill>
                             <a:schemeClr val="lt1"/>
                           </a:solidFill>
                         </a:rPr>
                       </a:br>
                       <a:r>
-                        <a:rPr b="1" lang="en" sz="1800">
+                        <a:rPr b="1" lang="en">
                           <a:solidFill>
                             <a:schemeClr val="lt1"/>
                           </a:solidFill>
                         </a:rPr>
                         <a:t>vision</a:t>
                       </a:r>
-                      <a:endParaRPr b="1" sz="1800">
+                      <a:endParaRPr b="1">
                         <a:solidFill>
                           <a:schemeClr val="lt1"/>
                         </a:solidFill>
@@ -35174,7 +35190,7 @@
                     <a:bodyPr/>
                     <a:lstStyle/>
                     <a:p>
-                      <a:pPr indent="0" lvl="0" marL="0" rtl="0" algn="l">
+                      <a:pPr indent="0" lvl="0" marL="0" rtl="0" algn="ctr">
                         <a:spcBef>
                           <a:spcPts val="0"/>
                         </a:spcBef>
@@ -35184,14 +35200,38 @@
                         <a:buNone/>
                       </a:pPr>
                       <a:r>
-                        <a:rPr b="1" lang="en" sz="1800">
+                        <a:rPr b="1" lang="en">
                           <a:solidFill>
                             <a:schemeClr val="lt1"/>
                           </a:solidFill>
                         </a:rPr>
-                        <a:t>Product roadmap</a:t>
+                        <a:t>Product</a:t>
                       </a:r>
-                      <a:endParaRPr b="1" sz="1800">
+                      <a:endParaRPr b="1">
+                        <a:solidFill>
+                          <a:schemeClr val="lt1"/>
+                        </a:solidFill>
+                      </a:endParaRPr>
+                    </a:p>
+                    <a:p>
+                      <a:pPr indent="0" lvl="0" marL="0" rtl="0" algn="ctr">
+                        <a:spcBef>
+                          <a:spcPts val="0"/>
+                        </a:spcBef>
+                        <a:spcAft>
+                          <a:spcPts val="0"/>
+                        </a:spcAft>
+                        <a:buNone/>
+                      </a:pPr>
+                      <a:r>
+                        <a:rPr b="1" lang="en">
+                          <a:solidFill>
+                            <a:schemeClr val="lt1"/>
+                          </a:solidFill>
+                        </a:rPr>
+                        <a:t>roadmap</a:t>
+                      </a:r>
+                      <a:endParaRPr b="1">
                         <a:solidFill>
                           <a:schemeClr val="lt1"/>
                         </a:solidFill>
@@ -35510,7 +35550,7 @@
                     <a:bodyPr/>
                     <a:lstStyle/>
                     <a:p>
-                      <a:pPr indent="0" lvl="0" marL="0" rtl="0" algn="l">
+                      <a:pPr indent="0" lvl="0" marL="0" rtl="0" algn="ctr">
                         <a:spcBef>
                           <a:spcPts val="0"/>
                         </a:spcBef>
@@ -35520,14 +35560,29 @@
                         <a:buNone/>
                       </a:pPr>
                       <a:r>
-                        <a:rPr b="1" lang="en" sz="1800">
+                        <a:rPr b="1" lang="en">
                           <a:solidFill>
                             <a:schemeClr val="lt1"/>
                           </a:solidFill>
                         </a:rPr>
-                        <a:t>Product release</a:t>
+                        <a:t>Product or</a:t>
                       </a:r>
-                      <a:endParaRPr b="1" sz="1800">
+                      <a:br>
+                        <a:rPr b="1" lang="en">
+                          <a:solidFill>
+                            <a:schemeClr val="lt1"/>
+                          </a:solidFill>
+                        </a:rPr>
+                      </a:br>
+                      <a:r>
+                        <a:rPr b="1" lang="en">
+                          <a:solidFill>
+                            <a:schemeClr val="lt1"/>
+                          </a:solidFill>
+                        </a:rPr>
+                        <a:t>project release</a:t>
+                      </a:r>
+                      <a:endParaRPr b="1">
                         <a:solidFill>
                           <a:schemeClr val="lt1"/>
                         </a:solidFill>
@@ -37320,7 +37375,7 @@
             </a:pPr>
             <a:r>
               <a:rPr lang="en"/>
-              <a:t>Please define and agree on product vision and project mission</a:t>
+              <a:t>Please discuss and agree on product vision and project mission</a:t>
             </a:r>
             <a:endParaRPr/>
           </a:p>

--- a/Lecture slides/AMOS B04 - Agile Planning.pptx
+++ b/Lecture slides/AMOS B04 - Agile Planning.pptx
@@ -10024,7 +10024,7 @@
             </a:pPr>
             <a:r>
               <a:rPr lang="en"/>
-              <a:t>Dirk Riehle, Univ. Erlangen</a:t>
+              <a:t>Dirk Riehle, FAU Erlangen</a:t>
             </a:r>
             <a:endParaRPr/>
           </a:p>
@@ -10577,13 +10577,13 @@
             <a:tbl>
               <a:tblPr>
                 <a:noFill/>
-                <a:tableStyleId>{0C347D07-D8C3-4DD9-AC4C-8819EA2C0EF1}</a:tableStyleId>
+                <a:tableStyleId>{4E7B13DA-B751-4527-A9CA-B0E8FF243BEC}</a:tableStyleId>
               </a:tblPr>
               <a:tblGrid>
                 <a:gridCol w="2466575"/>
                 <a:gridCol w="6128775"/>
               </a:tblGrid>
-              <a:tr h="640050">
+              <a:tr h="609600">
                 <a:tc>
                   <a:txBody>
                     <a:bodyPr/>
@@ -10599,14 +10599,14 @@
                         <a:buNone/>
                       </a:pPr>
                       <a:r>
-                        <a:rPr b="1" lang="en" sz="1800">
+                        <a:rPr b="1" lang="en">
                           <a:solidFill>
                             <a:schemeClr val="lt1"/>
                           </a:solidFill>
                         </a:rPr>
                         <a:t>Term</a:t>
                       </a:r>
-                      <a:endParaRPr b="1" sz="1800">
+                      <a:endParaRPr b="1">
                         <a:solidFill>
                           <a:schemeClr val="lt1"/>
                         </a:solidFill>
@@ -10670,14 +10670,14 @@
                         <a:buNone/>
                       </a:pPr>
                       <a:r>
-                        <a:rPr b="1" lang="en" sz="1800">
+                        <a:rPr b="1" lang="en">
                           <a:solidFill>
                             <a:schemeClr val="lt1"/>
                           </a:solidFill>
                         </a:rPr>
                         <a:t>Definition</a:t>
                       </a:r>
-                      <a:endParaRPr b="1" sz="1800">
+                      <a:endParaRPr b="1">
                         <a:solidFill>
                           <a:schemeClr val="lt1"/>
                         </a:solidFill>
@@ -10727,7 +10727,7 @@
                   </a:tcPr>
                 </a:tc>
               </a:tr>
-              <a:tr h="640050">
+              <a:tr h="609600">
                 <a:tc>
                   <a:txBody>
                     <a:bodyPr/>
@@ -10743,10 +10743,10 @@
                         <a:buNone/>
                       </a:pPr>
                       <a:r>
-                        <a:rPr lang="en"/>
+                        <a:rPr lang="en" sz="1200"/>
                         <a:t>Photo</a:t>
                       </a:r>
-                      <a:endParaRPr/>
+                      <a:endParaRPr sz="1200"/>
                     </a:p>
                   </a:txBody>
                   <a:tcPr marT="91425" marB="91425" marR="91425" marL="91425">
@@ -10803,10 +10803,10 @@
                         <a:buNone/>
                       </a:pPr>
                       <a:r>
-                        <a:rPr lang="en"/>
+                        <a:rPr lang="en" sz="1200"/>
                         <a:t>A photo is an image uploaded by a user for display as part of the user’s photo portfolio</a:t>
                       </a:r>
-                      <a:endParaRPr/>
+                      <a:endParaRPr sz="1200"/>
                     </a:p>
                   </a:txBody>
                   <a:tcPr marT="91425" marB="91425" marR="91425" marL="91425">
@@ -10849,7 +10849,7 @@
                   </a:tcPr>
                 </a:tc>
               </a:tr>
-              <a:tr h="640050">
+              <a:tr h="609600">
                 <a:tc>
                   <a:txBody>
                     <a:bodyPr/>
@@ -10865,10 +10865,10 @@
                         <a:buNone/>
                       </a:pPr>
                       <a:r>
-                        <a:rPr lang="en"/>
+                        <a:rPr lang="en" sz="1200"/>
                         <a:t>Photo rating</a:t>
                       </a:r>
-                      <a:endParaRPr/>
+                      <a:endParaRPr sz="1200"/>
                     </a:p>
                   </a:txBody>
                   <a:tcPr marT="91425" marB="91425" marR="91425" marL="91425">
@@ -10928,10 +10928,10 @@
                         <a:buNone/>
                       </a:pPr>
                       <a:r>
-                        <a:rPr lang="en"/>
+                        <a:rPr lang="en" sz="1200"/>
                         <a:t>A short-hand for either individual or community photo rating</a:t>
                       </a:r>
-                      <a:endParaRPr/>
+                      <a:endParaRPr sz="1200"/>
                     </a:p>
                   </a:txBody>
                   <a:tcPr marT="91425" marB="91425" marR="91425" marL="91425">
@@ -10977,7 +10977,7 @@
                   </a:tcPr>
                 </a:tc>
               </a:tr>
-              <a:tr h="640050">
+              <a:tr h="609600">
                 <a:tc>
                   <a:txBody>
                     <a:bodyPr/>
@@ -10993,10 +10993,10 @@
                         <a:buNone/>
                       </a:pPr>
                       <a:r>
-                        <a:rPr lang="en"/>
+                        <a:rPr lang="en" sz="1200"/>
                         <a:t>Individual photo rating</a:t>
                       </a:r>
-                      <a:endParaRPr/>
+                      <a:endParaRPr sz="1200"/>
                     </a:p>
                   </a:txBody>
                   <a:tcPr marT="91425" marB="91425" marR="91425" marL="91425">
@@ -11056,10 +11056,10 @@
                         <a:buNone/>
                       </a:pPr>
                       <a:r>
-                        <a:rPr lang="en"/>
+                        <a:rPr lang="en" sz="1200"/>
                         <a:t>An integer value of 1..10 that a user gives to a photo shown to them</a:t>
                       </a:r>
-                      <a:endParaRPr/>
+                      <a:endParaRPr sz="1200"/>
                     </a:p>
                   </a:txBody>
                   <a:tcPr marT="91425" marB="91425" marR="91425" marL="91425">
@@ -11105,7 +11105,7 @@
                   </a:tcPr>
                 </a:tc>
               </a:tr>
-              <a:tr h="640050">
+              <a:tr h="609600">
                 <a:tc>
                   <a:txBody>
                     <a:bodyPr/>
@@ -11121,10 +11121,10 @@
                         <a:buNone/>
                       </a:pPr>
                       <a:r>
-                        <a:rPr lang="en"/>
+                        <a:rPr lang="en" sz="1200"/>
                         <a:t>Community photo rating</a:t>
                       </a:r>
-                      <a:endParaRPr/>
+                      <a:endParaRPr sz="1200"/>
                     </a:p>
                   </a:txBody>
                   <a:tcPr marT="91425" marB="91425" marR="91425" marL="91425">
@@ -11184,14 +11184,14 @@
                         <a:buNone/>
                       </a:pPr>
                       <a:r>
-                        <a:rPr lang="en"/>
+                        <a:rPr lang="en" sz="1200"/>
                         <a:t>A rational value of 1..10 that is the average of all individual </a:t>
                       </a:r>
                       <a:r>
-                        <a:rPr lang="en"/>
+                        <a:rPr lang="en" sz="1200"/>
                         <a:t>photo ratings</a:t>
                       </a:r>
-                      <a:endParaRPr/>
+                      <a:endParaRPr sz="1200"/>
                     </a:p>
                   </a:txBody>
                   <a:tcPr marT="91425" marB="91425" marR="91425" marL="91425">
@@ -11237,7 +11237,7 @@
                   </a:tcPr>
                 </a:tc>
               </a:tr>
-              <a:tr h="640050">
+              <a:tr h="609600">
                 <a:tc>
                   <a:txBody>
                     <a:bodyPr/>
@@ -11253,10 +11253,10 @@
                         <a:buNone/>
                       </a:pPr>
                       <a:r>
-                        <a:rPr lang="en"/>
+                        <a:rPr lang="en" sz="1200"/>
                         <a:t>Photo status</a:t>
                       </a:r>
-                      <a:endParaRPr/>
+                      <a:endParaRPr sz="1200"/>
                     </a:p>
                   </a:txBody>
                   <a:tcPr marT="91425" marB="91425" marR="91425" marL="91425">
@@ -11313,10 +11313,10 @@
                         <a:buNone/>
                       </a:pPr>
                       <a:r>
-                        <a:rPr lang="en"/>
+                        <a:rPr lang="en" sz="1200"/>
                         <a:t>The status of a photo within the Wahlzeit system (uploaded, published, etc.) </a:t>
                       </a:r>
-                      <a:endParaRPr/>
+                      <a:endParaRPr sz="1200"/>
                     </a:p>
                   </a:txBody>
                   <a:tcPr marT="91425" marB="91425" marR="91425" marL="91425">
@@ -14266,7 +14266,7 @@
             <a:tbl>
               <a:tblPr>
                 <a:noFill/>
-                <a:tableStyleId>{0C347D07-D8C3-4DD9-AC4C-8819EA2C0EF1}</a:tableStyleId>
+                <a:tableStyleId>{4E7B13DA-B751-4527-A9CA-B0E8FF243BEC}</a:tableStyleId>
               </a:tblPr>
               <a:tblGrid>
                 <a:gridCol w="647000"/>
@@ -14288,14 +14288,14 @@
                         <a:buNone/>
                       </a:pPr>
                       <a:r>
-                        <a:rPr b="1" lang="en" sz="1800">
+                        <a:rPr b="1" lang="en">
                           <a:solidFill>
                             <a:schemeClr val="lt1"/>
                           </a:solidFill>
                         </a:rPr>
                         <a:t>I</a:t>
                       </a:r>
-                      <a:endParaRPr b="1" sz="1800">
+                      <a:endParaRPr b="1">
                         <a:solidFill>
                           <a:schemeClr val="lt1"/>
                         </a:solidFill>
@@ -14359,14 +14359,14 @@
                         <a:buNone/>
                       </a:pPr>
                       <a:r>
-                        <a:rPr lang="en" sz="1800"/>
+                        <a:rPr lang="en"/>
                         <a:t>ndependent</a:t>
                       </a:r>
                       <a:r>
-                        <a:rPr lang="en" sz="1800"/>
+                        <a:rPr lang="en"/>
                         <a:t>: Items should be independent of each other</a:t>
                       </a:r>
-                      <a:endParaRPr sz="1800"/>
+                      <a:endParaRPr/>
                     </a:p>
                   </a:txBody>
                   <a:tcPr marT="91425" marB="91425" marR="91425" marL="91425" anchor="ctr">
@@ -14428,14 +14428,14 @@
                         <a:buNone/>
                       </a:pPr>
                       <a:r>
-                        <a:rPr b="1" lang="en" sz="1800">
+                        <a:rPr b="1" lang="en">
                           <a:solidFill>
                             <a:schemeClr val="lt1"/>
                           </a:solidFill>
                         </a:rPr>
                         <a:t>N</a:t>
                       </a:r>
-                      <a:endParaRPr b="1" sz="1800">
+                      <a:endParaRPr b="1">
                         <a:solidFill>
                           <a:schemeClr val="lt1"/>
                         </a:solidFill>
@@ -14499,10 +14499,10 @@
                         <a:buNone/>
                       </a:pPr>
                       <a:r>
-                        <a:rPr lang="en" sz="1800"/>
+                        <a:rPr lang="en"/>
                         <a:t>egotiable: An item can be questioned and revised</a:t>
                       </a:r>
-                      <a:endParaRPr sz="1800"/>
+                      <a:endParaRPr/>
                     </a:p>
                   </a:txBody>
                   <a:tcPr marT="91425" marB="91425" marR="91425" marL="91425" anchor="ctr">
@@ -14564,14 +14564,14 @@
                         <a:buNone/>
                       </a:pPr>
                       <a:r>
-                        <a:rPr b="1" lang="en" sz="1800">
+                        <a:rPr b="1" lang="en">
                           <a:solidFill>
                             <a:schemeClr val="lt1"/>
                           </a:solidFill>
                         </a:rPr>
                         <a:t>V</a:t>
                       </a:r>
-                      <a:endParaRPr b="1" sz="1800">
+                      <a:endParaRPr b="1">
                         <a:solidFill>
                           <a:schemeClr val="lt1"/>
                         </a:solidFill>
@@ -14635,14 +14635,14 @@
                         <a:buNone/>
                       </a:pPr>
                       <a:r>
-                        <a:rPr lang="en" sz="1800"/>
+                        <a:rPr lang="en"/>
                         <a:t>aluable</a:t>
                       </a:r>
                       <a:r>
-                        <a:rPr lang="en" sz="1800"/>
+                        <a:rPr lang="en"/>
                         <a:t>: An item should have recognizable business value</a:t>
                       </a:r>
-                      <a:endParaRPr sz="1800"/>
+                      <a:endParaRPr/>
                     </a:p>
                   </a:txBody>
                   <a:tcPr marT="91425" marB="91425" marR="91425" marL="91425" anchor="ctr">
@@ -14704,14 +14704,14 @@
                         <a:buNone/>
                       </a:pPr>
                       <a:r>
-                        <a:rPr b="1" lang="en" sz="1800">
+                        <a:rPr b="1" lang="en">
                           <a:solidFill>
                             <a:schemeClr val="lt1"/>
                           </a:solidFill>
                         </a:rPr>
                         <a:t>E</a:t>
                       </a:r>
-                      <a:endParaRPr b="1" sz="1800">
+                      <a:endParaRPr b="1">
                         <a:solidFill>
                           <a:schemeClr val="lt1"/>
                         </a:solidFill>
@@ -14775,10 +14775,10 @@
                         <a:buNone/>
                       </a:pPr>
                       <a:r>
-                        <a:rPr lang="en" sz="1800"/>
+                        <a:rPr lang="en"/>
                         <a:t>stimatable: An item should be sufficiently precise to estimate a size</a:t>
                       </a:r>
-                      <a:endParaRPr sz="1800"/>
+                      <a:endParaRPr/>
                     </a:p>
                   </a:txBody>
                   <a:tcPr marT="91425" marB="91425" marR="91425" marL="91425" anchor="ctr">
@@ -14840,14 +14840,14 @@
                         <a:buNone/>
                       </a:pPr>
                       <a:r>
-                        <a:rPr b="1" lang="en" sz="1800">
+                        <a:rPr b="1" lang="en">
                           <a:solidFill>
                             <a:schemeClr val="lt1"/>
                           </a:solidFill>
                         </a:rPr>
                         <a:t>S</a:t>
                       </a:r>
-                      <a:endParaRPr b="1" sz="1800">
+                      <a:endParaRPr b="1">
                         <a:solidFill>
                           <a:schemeClr val="lt1"/>
                         </a:solidFill>
@@ -14911,10 +14911,10 @@
                         <a:buNone/>
                       </a:pPr>
                       <a:r>
-                        <a:rPr lang="en" sz="1800"/>
+                        <a:rPr lang="en"/>
                         <a:t>mall: An item should be small enough to fit into one iteration</a:t>
                       </a:r>
-                      <a:endParaRPr sz="1800"/>
+                      <a:endParaRPr/>
                     </a:p>
                   </a:txBody>
                   <a:tcPr marT="91425" marB="91425" marR="91425" marL="91425" anchor="ctr">
@@ -14976,14 +14976,14 @@
                         <a:buNone/>
                       </a:pPr>
                       <a:r>
-                        <a:rPr b="1" lang="en" sz="1800">
+                        <a:rPr b="1" lang="en">
                           <a:solidFill>
                             <a:schemeClr val="lt1"/>
                           </a:solidFill>
                         </a:rPr>
                         <a:t>T</a:t>
                       </a:r>
-                      <a:endParaRPr b="1" sz="1800">
+                      <a:endParaRPr b="1">
                         <a:solidFill>
                           <a:schemeClr val="lt1"/>
                         </a:solidFill>
@@ -15047,10 +15047,10 @@
                         <a:buNone/>
                       </a:pPr>
                       <a:r>
-                        <a:rPr lang="en" sz="1800"/>
+                        <a:rPr lang="en"/>
                         <a:t>estable: An item should have testable success criteria</a:t>
                       </a:r>
-                      <a:endParaRPr sz="1800"/>
+                      <a:endParaRPr/>
                     </a:p>
                   </a:txBody>
                   <a:tcPr marT="91425" marB="91425" marR="91425" marL="91425" anchor="ctr">
@@ -15673,13 +15673,13 @@
             <a:tbl>
               <a:tblPr>
                 <a:noFill/>
-                <a:tableStyleId>{0C347D07-D8C3-4DD9-AC4C-8819EA2C0EF1}</a:tableStyleId>
+                <a:tableStyleId>{4E7B13DA-B751-4527-A9CA-B0E8FF243BEC}</a:tableStyleId>
               </a:tblPr>
               <a:tblGrid>
                 <a:gridCol w="2057400"/>
                 <a:gridCol w="2057400"/>
               </a:tblGrid>
-              <a:tr h="478350">
+              <a:tr h="457200">
                 <a:tc>
                   <a:txBody>
                     <a:bodyPr/>
@@ -15823,7 +15823,7 @@
                   </a:tcPr>
                 </a:tc>
               </a:tr>
-              <a:tr h="478350">
+              <a:tr h="457200">
                 <a:tc>
                   <a:txBody>
                     <a:bodyPr/>
@@ -15839,10 +15839,10 @@
                         <a:buNone/>
                       </a:pPr>
                       <a:r>
-                        <a:rPr b="1" lang="en"/>
+                        <a:rPr b="1" lang="en" sz="1200"/>
                         <a:t>0</a:t>
                       </a:r>
-                      <a:endParaRPr b="1"/>
+                      <a:endParaRPr b="1" sz="1200"/>
                     </a:p>
                   </a:txBody>
                   <a:tcPr marT="91425" marB="91425" marR="91425" marL="91425" anchor="ctr">
@@ -15899,10 +15899,10 @@
                         <a:buNone/>
                       </a:pPr>
                       <a:r>
-                        <a:rPr lang="en"/>
+                        <a:rPr lang="en" sz="1200"/>
                         <a:t>No size</a:t>
                       </a:r>
-                      <a:endParaRPr/>
+                      <a:endParaRPr sz="1200"/>
                     </a:p>
                   </a:txBody>
                   <a:tcPr marT="91425" marB="91425" marR="91425" marL="91425" anchor="ctr">
@@ -15945,7 +15945,7 @@
                   </a:tcPr>
                 </a:tc>
               </a:tr>
-              <a:tr h="478350">
+              <a:tr h="457200">
                 <a:tc>
                   <a:txBody>
                     <a:bodyPr/>
@@ -15961,10 +15961,10 @@
                         <a:buNone/>
                       </a:pPr>
                       <a:r>
-                        <a:rPr b="1" lang="en"/>
+                        <a:rPr b="1" lang="en" sz="1200"/>
                         <a:t>1</a:t>
                       </a:r>
-                      <a:endParaRPr b="1"/>
+                      <a:endParaRPr b="1" sz="1200"/>
                     </a:p>
                   </a:txBody>
                   <a:tcPr marT="91425" marB="91425" marR="91425" marL="91425" anchor="ctr">
@@ -16024,10 +16024,10 @@
                         <a:buNone/>
                       </a:pPr>
                       <a:r>
-                        <a:rPr lang="en"/>
+                        <a:rPr lang="en" sz="1200"/>
                         <a:t>Trivial size</a:t>
                       </a:r>
-                      <a:endParaRPr/>
+                      <a:endParaRPr sz="1200"/>
                     </a:p>
                   </a:txBody>
                   <a:tcPr marT="91425" marB="91425" marR="91425" marL="91425" anchor="ctr">
@@ -16073,7 +16073,7 @@
                   </a:tcPr>
                 </a:tc>
               </a:tr>
-              <a:tr h="478350">
+              <a:tr h="457200">
                 <a:tc>
                   <a:txBody>
                     <a:bodyPr/>
@@ -16089,10 +16089,10 @@
                         <a:buNone/>
                       </a:pPr>
                       <a:r>
-                        <a:rPr b="1" lang="en"/>
+                        <a:rPr b="1" lang="en" sz="1200"/>
                         <a:t>2</a:t>
                       </a:r>
-                      <a:endParaRPr b="1"/>
+                      <a:endParaRPr b="1" sz="1200"/>
                     </a:p>
                   </a:txBody>
                   <a:tcPr marT="91425" marB="91425" marR="91425" marL="91425" anchor="ctr">
@@ -16152,10 +16152,10 @@
                         <a:buNone/>
                       </a:pPr>
                       <a:r>
-                        <a:rPr lang="en"/>
+                        <a:rPr lang="en" sz="1200"/>
                         <a:t>Small size</a:t>
                       </a:r>
-                      <a:endParaRPr/>
+                      <a:endParaRPr sz="1200"/>
                     </a:p>
                   </a:txBody>
                   <a:tcPr marT="91425" marB="91425" marR="91425" marL="91425" anchor="ctr">
@@ -16201,7 +16201,7 @@
                   </a:tcPr>
                 </a:tc>
               </a:tr>
-              <a:tr h="478350">
+              <a:tr h="457200">
                 <a:tc>
                   <a:txBody>
                     <a:bodyPr/>
@@ -16217,10 +16217,10 @@
                         <a:buNone/>
                       </a:pPr>
                       <a:r>
-                        <a:rPr b="1" lang="en"/>
+                        <a:rPr b="1" lang="en" sz="1200"/>
                         <a:t>3</a:t>
                       </a:r>
-                      <a:endParaRPr b="1"/>
+                      <a:endParaRPr b="1" sz="1200"/>
                     </a:p>
                   </a:txBody>
                   <a:tcPr marT="91425" marB="91425" marR="91425" marL="91425" anchor="ctr">
@@ -16280,10 +16280,10 @@
                         <a:buNone/>
                       </a:pPr>
                       <a:r>
-                        <a:rPr lang="en"/>
+                        <a:rPr lang="en" sz="1200"/>
                         <a:t>Medium size</a:t>
                       </a:r>
-                      <a:endParaRPr/>
+                      <a:endParaRPr sz="1200"/>
                     </a:p>
                   </a:txBody>
                   <a:tcPr marT="91425" marB="91425" marR="91425" marL="91425" anchor="ctr">
@@ -16329,7 +16329,7 @@
                   </a:tcPr>
                 </a:tc>
               </a:tr>
-              <a:tr h="478350">
+              <a:tr h="457200">
                 <a:tc>
                   <a:txBody>
                     <a:bodyPr/>
@@ -16345,10 +16345,10 @@
                         <a:buNone/>
                       </a:pPr>
                       <a:r>
-                        <a:rPr b="1" lang="en"/>
+                        <a:rPr b="1" lang="en" sz="1200"/>
                         <a:t>5</a:t>
                       </a:r>
-                      <a:endParaRPr b="1"/>
+                      <a:endParaRPr b="1" sz="1200"/>
                     </a:p>
                   </a:txBody>
                   <a:tcPr marT="91425" marB="91425" marR="91425" marL="91425" anchor="ctr">
@@ -16408,10 +16408,10 @@
                         <a:buNone/>
                       </a:pPr>
                       <a:r>
-                        <a:rPr lang="en"/>
+                        <a:rPr lang="en" sz="1200"/>
                         <a:t>Large size</a:t>
                       </a:r>
-                      <a:endParaRPr/>
+                      <a:endParaRPr sz="1200"/>
                     </a:p>
                   </a:txBody>
                   <a:tcPr marT="91425" marB="91425" marR="91425" marL="91425" anchor="ctr">
@@ -16457,7 +16457,7 @@
                   </a:tcPr>
                 </a:tc>
               </a:tr>
-              <a:tr h="478350">
+              <a:tr h="457200">
                 <a:tc>
                   <a:txBody>
                     <a:bodyPr/>
@@ -16473,10 +16473,10 @@
                         <a:buNone/>
                       </a:pPr>
                       <a:r>
-                        <a:rPr b="1" lang="en"/>
+                        <a:rPr b="1" lang="en" sz="1200"/>
                         <a:t>8</a:t>
                       </a:r>
-                      <a:endParaRPr b="1"/>
+                      <a:endParaRPr b="1" sz="1200"/>
                     </a:p>
                   </a:txBody>
                   <a:tcPr marT="91425" marB="91425" marR="91425" marL="91425" anchor="ctr">
@@ -16536,10 +16536,10 @@
                         <a:buNone/>
                       </a:pPr>
                       <a:r>
-                        <a:rPr lang="en"/>
+                        <a:rPr lang="en" sz="1200"/>
                         <a:t>Very large size</a:t>
                       </a:r>
-                      <a:endParaRPr/>
+                      <a:endParaRPr sz="1200"/>
                     </a:p>
                   </a:txBody>
                   <a:tcPr marT="91425" marB="91425" marR="91425" marL="91425" anchor="ctr">
@@ -16585,7 +16585,7 @@
                   </a:tcPr>
                 </a:tc>
               </a:tr>
-              <a:tr h="478350">
+              <a:tr h="457200">
                 <a:tc>
                   <a:txBody>
                     <a:bodyPr/>
@@ -16601,10 +16601,10 @@
                         <a:buNone/>
                       </a:pPr>
                       <a:r>
-                        <a:rPr b="1" lang="en"/>
+                        <a:rPr b="1" lang="en" sz="1200"/>
                         <a:t>13</a:t>
                       </a:r>
-                      <a:endParaRPr b="1"/>
+                      <a:endParaRPr b="1" sz="1200"/>
                     </a:p>
                   </a:txBody>
                   <a:tcPr marT="91425" marB="91425" marR="91425" marL="91425" anchor="ctr">
@@ -16661,10 +16661,10 @@
                         <a:buNone/>
                       </a:pPr>
                       <a:r>
-                        <a:rPr lang="en"/>
+                        <a:rPr lang="en" sz="1200"/>
                         <a:t>Too large (size)</a:t>
                       </a:r>
-                      <a:endParaRPr/>
+                      <a:endParaRPr sz="1200"/>
                     </a:p>
                   </a:txBody>
                   <a:tcPr marT="91425" marB="91425" marR="91425" marL="91425" anchor="ctr">
@@ -17266,7 +17266,7 @@
             <a:tbl>
               <a:tblPr>
                 <a:noFill/>
-                <a:tableStyleId>{0C347D07-D8C3-4DD9-AC4C-8819EA2C0EF1}</a:tableStyleId>
+                <a:tableStyleId>{4E7B13DA-B751-4527-A9CA-B0E8FF243BEC}</a:tableStyleId>
               </a:tblPr>
               <a:tblGrid>
                 <a:gridCol w="637250"/>
@@ -17504,10 +17504,10 @@
                         <a:buNone/>
                       </a:pPr>
                       <a:r>
-                        <a:rPr lang="en"/>
+                        <a:rPr lang="en" sz="1200"/>
                         <a:t>1</a:t>
                       </a:r>
-                      <a:endParaRPr/>
+                      <a:endParaRPr sz="1200"/>
                     </a:p>
                   </a:txBody>
                   <a:tcPr marT="91425" marB="91425" marR="91425" marL="91425" anchor="ctr">
@@ -17564,10 +17564,10 @@
                         <a:buNone/>
                       </a:pPr>
                       <a:r>
-                        <a:rPr lang="en"/>
+                        <a:rPr lang="en" sz="1200"/>
                         <a:t>Registration</a:t>
                       </a:r>
-                      <a:endParaRPr/>
+                      <a:endParaRPr sz="1200"/>
                     </a:p>
                   </a:txBody>
                   <a:tcPr marT="91425" marB="91425" marR="91425" marL="91425" anchor="ctr">
@@ -17624,10 +17624,10 @@
                         <a:buNone/>
                       </a:pPr>
                       <a:r>
-                        <a:rPr lang="en"/>
+                        <a:rPr lang="en" sz="1200"/>
                         <a:t>As a visitor, I would like to create an account, to be known to the system</a:t>
                       </a:r>
-                      <a:endParaRPr/>
+                      <a:endParaRPr sz="1200"/>
                     </a:p>
                   </a:txBody>
                   <a:tcPr marT="91425" marB="91425" marR="91425" marL="91425" anchor="ctr">
@@ -17686,10 +17686,10 @@
                         <a:buNone/>
                       </a:pPr>
                       <a:r>
-                        <a:rPr lang="en"/>
+                        <a:rPr lang="en" sz="1200"/>
                         <a:t>2</a:t>
                       </a:r>
-                      <a:endParaRPr/>
+                      <a:endParaRPr sz="1200"/>
                     </a:p>
                   </a:txBody>
                   <a:tcPr marT="91425" marB="91425" marR="91425" marL="91425" anchor="ctr">
@@ -17749,10 +17749,10 @@
                         <a:buNone/>
                       </a:pPr>
                       <a:r>
-                        <a:rPr lang="en"/>
+                        <a:rPr lang="en" sz="1200"/>
                         <a:t>Login</a:t>
                       </a:r>
-                      <a:endParaRPr/>
+                      <a:endParaRPr sz="1200"/>
                     </a:p>
                   </a:txBody>
                   <a:tcPr marT="91425" marB="91425" marR="91425" marL="91425" anchor="ctr">
@@ -17812,10 +17812,10 @@
                         <a:buNone/>
                       </a:pPr>
                       <a:r>
-                        <a:rPr lang="en"/>
+                        <a:rPr lang="en" sz="1200"/>
                         <a:t>As a user, I would like to log-in, so that I can access my account </a:t>
                       </a:r>
-                      <a:endParaRPr/>
+                      <a:endParaRPr sz="1200"/>
                     </a:p>
                   </a:txBody>
                   <a:tcPr marT="91425" marB="91425" marR="91425" marL="91425" anchor="ctr">
@@ -17877,10 +17877,10 @@
                         <a:buNone/>
                       </a:pPr>
                       <a:r>
-                        <a:rPr lang="en"/>
+                        <a:rPr lang="en" sz="1200"/>
                         <a:t>3</a:t>
                       </a:r>
-                      <a:endParaRPr/>
+                      <a:endParaRPr sz="1200"/>
                     </a:p>
                   </a:txBody>
                   <a:tcPr marT="91425" marB="91425" marR="91425" marL="91425" anchor="ctr">
@@ -17937,10 +17937,10 @@
                         <a:buNone/>
                       </a:pPr>
                       <a:r>
-                        <a:rPr lang="en"/>
+                        <a:rPr lang="en" sz="1200"/>
                         <a:t>Logout</a:t>
                       </a:r>
-                      <a:endParaRPr/>
+                      <a:endParaRPr sz="1200"/>
                     </a:p>
                   </a:txBody>
                   <a:tcPr marT="91425" marB="91425" marR="91425" marL="91425" anchor="ctr">
@@ -17997,10 +17997,10 @@
                         <a:buNone/>
                       </a:pPr>
                       <a:r>
-                        <a:rPr lang="en"/>
+                        <a:rPr lang="en" sz="1200"/>
                         <a:t>As a logged-in user, I would like to log-out, to be anonymous again</a:t>
                       </a:r>
-                      <a:endParaRPr/>
+                      <a:endParaRPr sz="1200"/>
                     </a:p>
                   </a:txBody>
                   <a:tcPr marT="91425" marB="91425" marR="91425" marL="91425" anchor="ctr">
@@ -18059,10 +18059,10 @@
                         <a:buNone/>
                       </a:pPr>
                       <a:r>
-                        <a:rPr lang="en"/>
+                        <a:rPr lang="en" sz="1200"/>
                         <a:t>4</a:t>
                       </a:r>
-                      <a:endParaRPr/>
+                      <a:endParaRPr sz="1200"/>
                     </a:p>
                   </a:txBody>
                   <a:tcPr marT="91425" marB="91425" marR="91425" marL="91425" anchor="ctr">
@@ -18122,10 +18122,10 @@
                         <a:buNone/>
                       </a:pPr>
                       <a:r>
-                        <a:rPr lang="en"/>
+                        <a:rPr lang="en" sz="1200"/>
                         <a:t>Profile update</a:t>
                       </a:r>
-                      <a:endParaRPr/>
+                      <a:endParaRPr sz="1200"/>
                     </a:p>
                   </a:txBody>
                   <a:tcPr marT="91425" marB="91425" marR="91425" marL="91425" anchor="ctr">
@@ -18185,10 +18185,10 @@
                         <a:buNone/>
                       </a:pPr>
                       <a:r>
-                        <a:rPr lang="en"/>
+                        <a:rPr lang="en" sz="1200"/>
                         <a:t>As a logged-in user, I would like to update my profile (name, photo, email)</a:t>
                       </a:r>
-                      <a:endParaRPr/>
+                      <a:endParaRPr sz="1200"/>
                     </a:p>
                   </a:txBody>
                   <a:tcPr marT="91425" marB="91425" marR="91425" marL="91425" anchor="ctr">
@@ -21263,7 +21263,7 @@
             <a:tbl>
               <a:tblPr>
                 <a:noFill/>
-                <a:tableStyleId>{62382484-7E76-43DB-B48F-D7B24B333410}</a:tableStyleId>
+                <a:tableStyleId>{7B6233A8-CF22-46A7-8207-68179B273CF4}</a:tableStyleId>
               </a:tblPr>
               <a:tblGrid>
                 <a:gridCol w="645525"/>
@@ -34491,7 +34491,7 @@
             <a:tbl>
               <a:tblPr>
                 <a:noFill/>
-                <a:tableStyleId>{0C347D07-D8C3-4DD9-AC4C-8819EA2C0EF1}</a:tableStyleId>
+                <a:tableStyleId>{4E7B13DA-B751-4527-A9CA-B0E8FF243BEC}</a:tableStyleId>
               </a:tblPr>
               <a:tblGrid>
                 <a:gridCol w="1719075"/>
@@ -34947,21 +34947,21 @@
                         <a:buNone/>
                       </a:pPr>
                       <a:r>
-                        <a:rPr lang="en"/>
+                        <a:rPr lang="en" sz="1200"/>
                         <a:t>Long</a:t>
                       </a:r>
                       <a:r>
-                        <a:rPr lang="en"/>
+                        <a:rPr lang="en" sz="1200"/>
                         <a:t>-term</a:t>
                       </a:r>
                       <a:br>
-                        <a:rPr lang="en"/>
+                        <a:rPr lang="en" sz="1200"/>
                       </a:br>
                       <a:r>
-                        <a:rPr lang="en"/>
+                        <a:rPr lang="en" sz="1200"/>
                         <a:t>(3+ years)</a:t>
                       </a:r>
-                      <a:endParaRPr/>
+                      <a:endParaRPr sz="1200"/>
                     </a:p>
                   </a:txBody>
                   <a:tcPr marT="91425" marB="91425" marR="91425" marL="91425">
@@ -35018,10 +35018,10 @@
                         <a:buNone/>
                       </a:pPr>
                       <a:r>
-                        <a:rPr lang="en"/>
+                        <a:rPr lang="en" sz="1200"/>
                         <a:t>High-level ideas</a:t>
                       </a:r>
-                      <a:endParaRPr/>
+                      <a:endParaRPr sz="1200"/>
                     </a:p>
                   </a:txBody>
                   <a:tcPr marT="91425" marB="91425" marR="91425" marL="91425">
@@ -35078,10 +35078,10 @@
                         <a:buNone/>
                       </a:pPr>
                       <a:r>
-                        <a:rPr lang="en"/>
+                        <a:rPr lang="en" sz="1200"/>
                         <a:t>Low</a:t>
                       </a:r>
-                      <a:endParaRPr/>
+                      <a:endParaRPr sz="1200"/>
                     </a:p>
                   </a:txBody>
                   <a:tcPr marT="91425" marB="91425" marR="91425" marL="91425">
@@ -35138,10 +35138,10 @@
                         <a:buNone/>
                       </a:pPr>
                       <a:r>
-                        <a:rPr lang="en"/>
+                        <a:rPr lang="en" sz="1200"/>
                         <a:t>CEO / business owner</a:t>
                       </a:r>
-                      <a:endParaRPr/>
+                      <a:endParaRPr sz="1200"/>
                     </a:p>
                   </a:txBody>
                   <a:tcPr marT="91425" marB="91425" marR="91425" marL="91425">
@@ -35295,17 +35295,17 @@
                         <a:buNone/>
                       </a:pPr>
                       <a:r>
-                        <a:rPr lang="en"/>
+                        <a:rPr lang="en" sz="1200"/>
                         <a:t>Medium</a:t>
                       </a:r>
                       <a:br>
-                        <a:rPr lang="en"/>
+                        <a:rPr lang="en" sz="1200"/>
                       </a:br>
                       <a:r>
-                        <a:rPr lang="en"/>
+                        <a:rPr lang="en" sz="1200"/>
                         <a:t>(1-5 years)</a:t>
                       </a:r>
-                      <a:endParaRPr/>
+                      <a:endParaRPr sz="1200"/>
                     </a:p>
                   </a:txBody>
                   <a:tcPr marT="91425" marB="91425" marR="91425" marL="91425">
@@ -35365,10 +35365,10 @@
                         <a:buNone/>
                       </a:pPr>
                       <a:r>
-                        <a:rPr lang="en"/>
+                        <a:rPr lang="en" sz="1200"/>
                         <a:t>Themes and epics</a:t>
                       </a:r>
-                      <a:endParaRPr/>
+                      <a:endParaRPr sz="1200"/>
                     </a:p>
                   </a:txBody>
                   <a:tcPr marT="91425" marB="91425" marR="91425" marL="91425">
@@ -35428,10 +35428,10 @@
                         <a:buNone/>
                       </a:pPr>
                       <a:r>
-                        <a:rPr lang="en"/>
+                        <a:rPr lang="en" sz="1200"/>
                         <a:t>Medium</a:t>
                       </a:r>
-                      <a:endParaRPr/>
+                      <a:endParaRPr sz="1200"/>
                     </a:p>
                   </a:txBody>
                   <a:tcPr marT="91425" marB="91425" marR="91425" marL="91425">
@@ -35491,14 +35491,14 @@
                         <a:buNone/>
                       </a:pPr>
                       <a:r>
-                        <a:rPr lang="en"/>
+                        <a:rPr lang="en" sz="1200"/>
                         <a:t>(Strategic) p</a:t>
                       </a:r>
                       <a:r>
-                        <a:rPr lang="en"/>
+                        <a:rPr lang="en" sz="1200"/>
                         <a:t>roduct manager</a:t>
                       </a:r>
-                      <a:endParaRPr/>
+                      <a:endParaRPr sz="1200"/>
                     </a:p>
                   </a:txBody>
                   <a:tcPr marT="91425" marB="91425" marR="91425" marL="91425">
@@ -35646,10 +35646,10 @@
                         <a:buNone/>
                       </a:pPr>
                       <a:r>
-                        <a:rPr lang="en"/>
+                        <a:rPr lang="en" sz="1200"/>
                         <a:t>Short-term (months)</a:t>
                       </a:r>
-                      <a:endParaRPr/>
+                      <a:endParaRPr sz="1200"/>
                     </a:p>
                   </a:txBody>
                   <a:tcPr marT="91425" marB="91425" marR="91425" marL="91425">
@@ -35706,10 +35706,10 @@
                         <a:buNone/>
                       </a:pPr>
                       <a:r>
-                        <a:rPr lang="en"/>
+                        <a:rPr lang="en" sz="1200"/>
                         <a:t>Epics and features</a:t>
                       </a:r>
-                      <a:endParaRPr/>
+                      <a:endParaRPr sz="1200"/>
                     </a:p>
                   </a:txBody>
                   <a:tcPr marT="91425" marB="91425" marR="91425" marL="91425">
@@ -35766,10 +35766,10 @@
                         <a:buNone/>
                       </a:pPr>
                       <a:r>
-                        <a:rPr lang="en"/>
+                        <a:rPr lang="en" sz="1200"/>
                         <a:t>High</a:t>
                       </a:r>
-                      <a:endParaRPr/>
+                      <a:endParaRPr sz="1200"/>
                     </a:p>
                   </a:txBody>
                   <a:tcPr marT="91425" marB="91425" marR="91425" marL="91425">
@@ -35826,21 +35826,21 @@
                         <a:buNone/>
                       </a:pPr>
                       <a:r>
-                        <a:rPr lang="en"/>
+                        <a:rPr lang="en" sz="1200"/>
                         <a:t>Scrum p</a:t>
                       </a:r>
                       <a:r>
-                        <a:rPr lang="en"/>
+                        <a:rPr lang="en" sz="1200"/>
                         <a:t>roduct</a:t>
                       </a:r>
                       <a:br>
-                        <a:rPr lang="en"/>
+                        <a:rPr lang="en" sz="1200"/>
                       </a:br>
                       <a:r>
-                        <a:rPr lang="en"/>
+                        <a:rPr lang="en" sz="1200"/>
                         <a:t>owner</a:t>
                       </a:r>
-                      <a:endParaRPr/>
+                      <a:endParaRPr sz="1200"/>
                     </a:p>
                   </a:txBody>
                   <a:tcPr marT="91425" marB="91425" marR="91425" marL="91425">
@@ -37629,6 +37629,285 @@
 </file>
 
 <file path=ppt/theme/theme1.xml><?xml version="1.0" encoding="utf-8"?>
+<a:theme xmlns:a="http://schemas.openxmlformats.org/drawingml/2006/main" xmlns:r="http://schemas.openxmlformats.org/officeDocument/2006/relationships" name="AMOS Slides Template">
+  <a:themeElements>
+    <a:clrScheme name="Simple Light">
+      <a:dk1>
+        <a:srgbClr val="000000"/>
+      </a:dk1>
+      <a:lt1>
+        <a:srgbClr val="FFFFFF"/>
+      </a:lt1>
+      <a:dk2>
+        <a:srgbClr val="404040"/>
+      </a:dk2>
+      <a:lt2>
+        <a:srgbClr val="808080"/>
+      </a:lt2>
+      <a:accent1>
+        <a:srgbClr val="D0D0D0"/>
+      </a:accent1>
+      <a:accent2>
+        <a:srgbClr val="4169E1"/>
+      </a:accent2>
+      <a:accent3>
+        <a:srgbClr val="D50D01"/>
+      </a:accent3>
+      <a:accent4>
+        <a:srgbClr val="FEB612"/>
+      </a:accent4>
+      <a:accent5>
+        <a:srgbClr val="4CAF50"/>
+      </a:accent5>
+      <a:accent6>
+        <a:srgbClr val="8E44AD"/>
+      </a:accent6>
+      <a:hlink>
+        <a:srgbClr val="34A3C5"/>
+      </a:hlink>
+      <a:folHlink>
+        <a:srgbClr val="0097A7"/>
+      </a:folHlink>
+    </a:clrScheme>
+    <a:fontScheme name="Office">
+      <a:majorFont>
+        <a:latin typeface="Arial"/>
+        <a:ea typeface=""/>
+        <a:cs typeface=""/>
+        <a:font script="Jpan" typeface="ＭＳ Ｐゴシック"/>
+        <a:font script="Hang" typeface="맑은 고딕"/>
+        <a:font script="Hans" typeface="宋体"/>
+        <a:font script="Hant" typeface="新細明體"/>
+        <a:font script="Arab" typeface="Times New Roman"/>
+        <a:font script="Hebr" typeface="Times New Roman"/>
+        <a:font script="Thai" typeface="Angsana New"/>
+        <a:font script="Ethi" typeface="Nyala"/>
+        <a:font script="Beng" typeface="Vrinda"/>
+        <a:font script="Gujr" typeface="Shruti"/>
+        <a:font script="Khmr" typeface="MoolBoran"/>
+        <a:font script="Knda" typeface="Tunga"/>
+        <a:font script="Guru" typeface="Raavi"/>
+        <a:font script="Cans" typeface="Euphemia"/>
+        <a:font script="Cher" typeface="Plantagenet Cherokee"/>
+        <a:font script="Yiii" typeface="Microsoft Yi Baiti"/>
+        <a:font script="Tibt" typeface="Microsoft Himalaya"/>
+        <a:font script="Thaa" typeface="MV Boli"/>
+        <a:font script="Deva" typeface="Mangal"/>
+        <a:font script="Telu" typeface="Gautami"/>
+        <a:font script="Taml" typeface="Latha"/>
+        <a:font script="Syrc" typeface="Estrangelo Edessa"/>
+        <a:font script="Orya" typeface="Kalinga"/>
+        <a:font script="Mlym" typeface="Kartika"/>
+        <a:font script="Laoo" typeface="DokChampa"/>
+        <a:font script="Sinh" typeface="Iskoola Pota"/>
+        <a:font script="Mong" typeface="Mongolian Baiti"/>
+        <a:font script="Viet" typeface="Times New Roman"/>
+        <a:font script="Uigh" typeface="Microsoft Uighur"/>
+        <a:font script="Geor" typeface="Sylfaen"/>
+      </a:majorFont>
+      <a:minorFont>
+        <a:latin typeface="Arial"/>
+        <a:ea typeface=""/>
+        <a:cs typeface=""/>
+        <a:font script="Jpan" typeface="ＭＳ Ｐゴシック"/>
+        <a:font script="Hang" typeface="맑은 고딕"/>
+        <a:font script="Hans" typeface="宋体"/>
+        <a:font script="Hant" typeface="新細明體"/>
+        <a:font script="Arab" typeface="Arial"/>
+        <a:font script="Hebr" typeface="Arial"/>
+        <a:font script="Thai" typeface="Cordia New"/>
+        <a:font script="Ethi" typeface="Nyala"/>
+        <a:font script="Beng" typeface="Vrinda"/>
+        <a:font script="Gujr" typeface="Shruti"/>
+        <a:font script="Khmr" typeface="DaunPenh"/>
+        <a:font script="Knda" typeface="Tunga"/>
+        <a:font script="Guru" typeface="Raavi"/>
+        <a:font script="Cans" typeface="Euphemia"/>
+        <a:font script="Cher" typeface="Plantagenet Cherokee"/>
+        <a:font script="Yiii" typeface="Microsoft Yi Baiti"/>
+        <a:font script="Tibt" typeface="Microsoft Himalaya"/>
+        <a:font script="Thaa" typeface="MV Boli"/>
+        <a:font script="Deva" typeface="Mangal"/>
+        <a:font script="Telu" typeface="Gautami"/>
+        <a:font script="Taml" typeface="Latha"/>
+        <a:font script="Syrc" typeface="Estrangelo Edessa"/>
+        <a:font script="Orya" typeface="Kalinga"/>
+        <a:font script="Mlym" typeface="Kartika"/>
+        <a:font script="Laoo" typeface="DokChampa"/>
+        <a:font script="Sinh" typeface="Iskoola Pota"/>
+        <a:font script="Mong" typeface="Mongolian Baiti"/>
+        <a:font script="Viet" typeface="Arial"/>
+        <a:font script="Uigh" typeface="Microsoft Uighur"/>
+        <a:font script="Geor" typeface="Sylfaen"/>
+      </a:minorFont>
+    </a:fontScheme>
+    <a:fmtScheme name="Office">
+      <a:fillStyleLst>
+        <a:solidFill>
+          <a:schemeClr val="phClr"/>
+        </a:solidFill>
+        <a:gradFill rotWithShape="1">
+          <a:gsLst>
+            <a:gs pos="0">
+              <a:schemeClr val="phClr">
+                <a:tint val="50000"/>
+                <a:satMod val="300000"/>
+              </a:schemeClr>
+            </a:gs>
+            <a:gs pos="35000">
+              <a:schemeClr val="phClr">
+                <a:tint val="37000"/>
+                <a:satMod val="300000"/>
+              </a:schemeClr>
+            </a:gs>
+            <a:gs pos="100000">
+              <a:schemeClr val="phClr">
+                <a:tint val="15000"/>
+                <a:satMod val="350000"/>
+              </a:schemeClr>
+            </a:gs>
+          </a:gsLst>
+          <a:lin ang="16200000" scaled="1"/>
+        </a:gradFill>
+        <a:gradFill rotWithShape="1">
+          <a:gsLst>
+            <a:gs pos="0">
+              <a:schemeClr val="phClr">
+                <a:tint val="100000"/>
+                <a:shade val="100000"/>
+                <a:satMod val="130000"/>
+              </a:schemeClr>
+            </a:gs>
+            <a:gs pos="100000">
+              <a:schemeClr val="phClr">
+                <a:tint val="50000"/>
+                <a:shade val="100000"/>
+                <a:satMod val="350000"/>
+              </a:schemeClr>
+            </a:gs>
+          </a:gsLst>
+          <a:lin ang="16200000" scaled="0"/>
+        </a:gradFill>
+      </a:fillStyleLst>
+      <a:lnStyleLst>
+        <a:ln w="9525" cap="flat" cmpd="sng" algn="ctr">
+          <a:solidFill>
+            <a:schemeClr val="phClr">
+              <a:shade val="95000"/>
+              <a:satMod val="105000"/>
+            </a:schemeClr>
+          </a:solidFill>
+          <a:prstDash val="solid"/>
+        </a:ln>
+        <a:ln w="25400" cap="flat" cmpd="sng" algn="ctr">
+          <a:solidFill>
+            <a:schemeClr val="phClr"/>
+          </a:solidFill>
+          <a:prstDash val="solid"/>
+        </a:ln>
+        <a:ln w="38100" cap="flat" cmpd="sng" algn="ctr">
+          <a:solidFill>
+            <a:schemeClr val="phClr"/>
+          </a:solidFill>
+          <a:prstDash val="solid"/>
+        </a:ln>
+      </a:lnStyleLst>
+      <a:effectStyleLst>
+        <a:effectStyle>
+          <a:effectLst>
+            <a:outerShdw blurRad="40000" dist="20000" dir="5400000" rotWithShape="0">
+              <a:srgbClr val="000000">
+                <a:alpha val="38000"/>
+              </a:srgbClr>
+            </a:outerShdw>
+          </a:effectLst>
+        </a:effectStyle>
+        <a:effectStyle>
+          <a:effectLst>
+            <a:outerShdw blurRad="40000" dist="23000" dir="5400000" rotWithShape="0">
+              <a:srgbClr val="000000">
+                <a:alpha val="35000"/>
+              </a:srgbClr>
+            </a:outerShdw>
+          </a:effectLst>
+        </a:effectStyle>
+        <a:effectStyle>
+          <a:effectLst>
+            <a:outerShdw blurRad="40000" dist="23000" dir="5400000" rotWithShape="0">
+              <a:srgbClr val="000000">
+                <a:alpha val="35000"/>
+              </a:srgbClr>
+            </a:outerShdw>
+          </a:effectLst>
+          <a:scene3d>
+            <a:camera prst="orthographicFront">
+              <a:rot lat="0" lon="0" rev="0"/>
+            </a:camera>
+            <a:lightRig rig="threePt" dir="t">
+              <a:rot lat="0" lon="0" rev="1200000"/>
+            </a:lightRig>
+          </a:scene3d>
+          <a:sp3d>
+            <a:bevelT w="63500" h="25400"/>
+          </a:sp3d>
+        </a:effectStyle>
+      </a:effectStyleLst>
+      <a:bgFillStyleLst>
+        <a:solidFill>
+          <a:schemeClr val="phClr"/>
+        </a:solidFill>
+        <a:gradFill rotWithShape="1">
+          <a:gsLst>
+            <a:gs pos="0">
+              <a:schemeClr val="phClr">
+                <a:tint val="40000"/>
+                <a:satMod val="350000"/>
+              </a:schemeClr>
+            </a:gs>
+            <a:gs pos="40000">
+              <a:schemeClr val="phClr">
+                <a:tint val="45000"/>
+                <a:shade val="99000"/>
+                <a:satMod val="350000"/>
+              </a:schemeClr>
+            </a:gs>
+            <a:gs pos="100000">
+              <a:schemeClr val="phClr">
+                <a:shade val="20000"/>
+                <a:satMod val="255000"/>
+              </a:schemeClr>
+            </a:gs>
+          </a:gsLst>
+          <a:path path="circle">
+            <a:fillToRect l="50000" t="-80000" r="50000" b="180000"/>
+          </a:path>
+        </a:gradFill>
+        <a:gradFill rotWithShape="1">
+          <a:gsLst>
+            <a:gs pos="0">
+              <a:schemeClr val="phClr">
+                <a:tint val="80000"/>
+                <a:satMod val="300000"/>
+              </a:schemeClr>
+            </a:gs>
+            <a:gs pos="100000">
+              <a:schemeClr val="phClr">
+                <a:shade val="30000"/>
+                <a:satMod val="200000"/>
+              </a:schemeClr>
+            </a:gs>
+          </a:gsLst>
+          <a:path path="circle">
+            <a:fillToRect l="50000" t="50000" r="50000" b="50000"/>
+          </a:path>
+        </a:gradFill>
+      </a:bgFillStyleLst>
+    </a:fmtScheme>
+  </a:themeElements>
+</a:theme>
+</file>
+
+<file path=ppt/theme/theme2.xml><?xml version="1.0" encoding="utf-8"?>
 <a:theme xmlns:a="http://schemas.openxmlformats.org/drawingml/2006/main" xmlns:r="http://schemas.openxmlformats.org/officeDocument/2006/relationships">
   <a:themeElements>
     <a:clrScheme name="Default">
@@ -37905,283 +38184,4 @@
     </a:fmtScheme>
   </a:themeElements>
 </a:theme>
-</file>
-
-<file path=ppt/theme/theme2.xml><?xml version="1.0" encoding="utf-8"?>
-<a:theme xmlns:a="http://schemas.openxmlformats.org/drawingml/2006/main" xmlns:r="http://schemas.openxmlformats.org/officeDocument/2006/relationships" name="AMOS Slides Template">
-  <a:themeElements>
-    <a:clrScheme name="Simple Light">
-      <a:dk1>
-        <a:srgbClr val="000000"/>
-      </a:dk1>
-      <a:lt1>
-        <a:srgbClr val="FFFFFF"/>
-      </a:lt1>
-      <a:dk2>
-        <a:srgbClr val="404040"/>
-      </a:dk2>
-      <a:lt2>
-        <a:srgbClr val="808080"/>
-      </a:lt2>
-      <a:accent1>
-        <a:srgbClr val="D0D0D0"/>
-      </a:accent1>
-      <a:accent2>
-        <a:srgbClr val="4169E1"/>
-      </a:accent2>
-      <a:accent3>
-        <a:srgbClr val="D50D01"/>
-      </a:accent3>
-      <a:accent4>
-        <a:srgbClr val="FEB612"/>
-      </a:accent4>
-      <a:accent5>
-        <a:srgbClr val="4CAF50"/>
-      </a:accent5>
-      <a:accent6>
-        <a:srgbClr val="8E44AD"/>
-      </a:accent6>
-      <a:hlink>
-        <a:srgbClr val="34A3C5"/>
-      </a:hlink>
-      <a:folHlink>
-        <a:srgbClr val="0097A7"/>
-      </a:folHlink>
-    </a:clrScheme>
-    <a:fontScheme name="Office">
-      <a:majorFont>
-        <a:latin typeface="Arial"/>
-        <a:ea typeface=""/>
-        <a:cs typeface=""/>
-        <a:font script="Jpan" typeface="ＭＳ Ｐゴシック"/>
-        <a:font script="Hang" typeface="맑은 고딕"/>
-        <a:font script="Hans" typeface="宋体"/>
-        <a:font script="Hant" typeface="新細明體"/>
-        <a:font script="Arab" typeface="Times New Roman"/>
-        <a:font script="Hebr" typeface="Times New Roman"/>
-        <a:font script="Thai" typeface="Angsana New"/>
-        <a:font script="Ethi" typeface="Nyala"/>
-        <a:font script="Beng" typeface="Vrinda"/>
-        <a:font script="Gujr" typeface="Shruti"/>
-        <a:font script="Khmr" typeface="MoolBoran"/>
-        <a:font script="Knda" typeface="Tunga"/>
-        <a:font script="Guru" typeface="Raavi"/>
-        <a:font script="Cans" typeface="Euphemia"/>
-        <a:font script="Cher" typeface="Plantagenet Cherokee"/>
-        <a:font script="Yiii" typeface="Microsoft Yi Baiti"/>
-        <a:font script="Tibt" typeface="Microsoft Himalaya"/>
-        <a:font script="Thaa" typeface="MV Boli"/>
-        <a:font script="Deva" typeface="Mangal"/>
-        <a:font script="Telu" typeface="Gautami"/>
-        <a:font script="Taml" typeface="Latha"/>
-        <a:font script="Syrc" typeface="Estrangelo Edessa"/>
-        <a:font script="Orya" typeface="Kalinga"/>
-        <a:font script="Mlym" typeface="Kartika"/>
-        <a:font script="Laoo" typeface="DokChampa"/>
-        <a:font script="Sinh" typeface="Iskoola Pota"/>
-        <a:font script="Mong" typeface="Mongolian Baiti"/>
-        <a:font script="Viet" typeface="Times New Roman"/>
-        <a:font script="Uigh" typeface="Microsoft Uighur"/>
-        <a:font script="Geor" typeface="Sylfaen"/>
-      </a:majorFont>
-      <a:minorFont>
-        <a:latin typeface="Arial"/>
-        <a:ea typeface=""/>
-        <a:cs typeface=""/>
-        <a:font script="Jpan" typeface="ＭＳ Ｐゴシック"/>
-        <a:font script="Hang" typeface="맑은 고딕"/>
-        <a:font script="Hans" typeface="宋体"/>
-        <a:font script="Hant" typeface="新細明體"/>
-        <a:font script="Arab" typeface="Arial"/>
-        <a:font script="Hebr" typeface="Arial"/>
-        <a:font script="Thai" typeface="Cordia New"/>
-        <a:font script="Ethi" typeface="Nyala"/>
-        <a:font script="Beng" typeface="Vrinda"/>
-        <a:font script="Gujr" typeface="Shruti"/>
-        <a:font script="Khmr" typeface="DaunPenh"/>
-        <a:font script="Knda" typeface="Tunga"/>
-        <a:font script="Guru" typeface="Raavi"/>
-        <a:font script="Cans" typeface="Euphemia"/>
-        <a:font script="Cher" typeface="Plantagenet Cherokee"/>
-        <a:font script="Yiii" typeface="Microsoft Yi Baiti"/>
-        <a:font script="Tibt" typeface="Microsoft Himalaya"/>
-        <a:font script="Thaa" typeface="MV Boli"/>
-        <a:font script="Deva" typeface="Mangal"/>
-        <a:font script="Telu" typeface="Gautami"/>
-        <a:font script="Taml" typeface="Latha"/>
-        <a:font script="Syrc" typeface="Estrangelo Edessa"/>
-        <a:font script="Orya" typeface="Kalinga"/>
-        <a:font script="Mlym" typeface="Kartika"/>
-        <a:font script="Laoo" typeface="DokChampa"/>
-        <a:font script="Sinh" typeface="Iskoola Pota"/>
-        <a:font script="Mong" typeface="Mongolian Baiti"/>
-        <a:font script="Viet" typeface="Arial"/>
-        <a:font script="Uigh" typeface="Microsoft Uighur"/>
-        <a:font script="Geor" typeface="Sylfaen"/>
-      </a:minorFont>
-    </a:fontScheme>
-    <a:fmtScheme name="Office">
-      <a:fillStyleLst>
-        <a:solidFill>
-          <a:schemeClr val="phClr"/>
-        </a:solidFill>
-        <a:gradFill rotWithShape="1">
-          <a:gsLst>
-            <a:gs pos="0">
-              <a:schemeClr val="phClr">
-                <a:tint val="50000"/>
-                <a:satMod val="300000"/>
-              </a:schemeClr>
-            </a:gs>
-            <a:gs pos="35000">
-              <a:schemeClr val="phClr">
-                <a:tint val="37000"/>
-                <a:satMod val="300000"/>
-              </a:schemeClr>
-            </a:gs>
-            <a:gs pos="100000">
-              <a:schemeClr val="phClr">
-                <a:tint val="15000"/>
-                <a:satMod val="350000"/>
-              </a:schemeClr>
-            </a:gs>
-          </a:gsLst>
-          <a:lin ang="16200000" scaled="1"/>
-        </a:gradFill>
-        <a:gradFill rotWithShape="1">
-          <a:gsLst>
-            <a:gs pos="0">
-              <a:schemeClr val="phClr">
-                <a:tint val="100000"/>
-                <a:shade val="100000"/>
-                <a:satMod val="130000"/>
-              </a:schemeClr>
-            </a:gs>
-            <a:gs pos="100000">
-              <a:schemeClr val="phClr">
-                <a:tint val="50000"/>
-                <a:shade val="100000"/>
-                <a:satMod val="350000"/>
-              </a:schemeClr>
-            </a:gs>
-          </a:gsLst>
-          <a:lin ang="16200000" scaled="0"/>
-        </a:gradFill>
-      </a:fillStyleLst>
-      <a:lnStyleLst>
-        <a:ln w="9525" cap="flat" cmpd="sng" algn="ctr">
-          <a:solidFill>
-            <a:schemeClr val="phClr">
-              <a:shade val="95000"/>
-              <a:satMod val="105000"/>
-            </a:schemeClr>
-          </a:solidFill>
-          <a:prstDash val="solid"/>
-        </a:ln>
-        <a:ln w="25400" cap="flat" cmpd="sng" algn="ctr">
-          <a:solidFill>
-            <a:schemeClr val="phClr"/>
-          </a:solidFill>
-          <a:prstDash val="solid"/>
-        </a:ln>
-        <a:ln w="38100" cap="flat" cmpd="sng" algn="ctr">
-          <a:solidFill>
-            <a:schemeClr val="phClr"/>
-          </a:solidFill>
-          <a:prstDash val="solid"/>
-        </a:ln>
-      </a:lnStyleLst>
-      <a:effectStyleLst>
-        <a:effectStyle>
-          <a:effectLst>
-            <a:outerShdw blurRad="40000" dist="20000" dir="5400000" rotWithShape="0">
-              <a:srgbClr val="000000">
-                <a:alpha val="38000"/>
-              </a:srgbClr>
-            </a:outerShdw>
-          </a:effectLst>
-        </a:effectStyle>
-        <a:effectStyle>
-          <a:effectLst>
-            <a:outerShdw blurRad="40000" dist="23000" dir="5400000" rotWithShape="0">
-              <a:srgbClr val="000000">
-                <a:alpha val="35000"/>
-              </a:srgbClr>
-            </a:outerShdw>
-          </a:effectLst>
-        </a:effectStyle>
-        <a:effectStyle>
-          <a:effectLst>
-            <a:outerShdw blurRad="40000" dist="23000" dir="5400000" rotWithShape="0">
-              <a:srgbClr val="000000">
-                <a:alpha val="35000"/>
-              </a:srgbClr>
-            </a:outerShdw>
-          </a:effectLst>
-          <a:scene3d>
-            <a:camera prst="orthographicFront">
-              <a:rot lat="0" lon="0" rev="0"/>
-            </a:camera>
-            <a:lightRig rig="threePt" dir="t">
-              <a:rot lat="0" lon="0" rev="1200000"/>
-            </a:lightRig>
-          </a:scene3d>
-          <a:sp3d>
-            <a:bevelT w="63500" h="25400"/>
-          </a:sp3d>
-        </a:effectStyle>
-      </a:effectStyleLst>
-      <a:bgFillStyleLst>
-        <a:solidFill>
-          <a:schemeClr val="phClr"/>
-        </a:solidFill>
-        <a:gradFill rotWithShape="1">
-          <a:gsLst>
-            <a:gs pos="0">
-              <a:schemeClr val="phClr">
-                <a:tint val="40000"/>
-                <a:satMod val="350000"/>
-              </a:schemeClr>
-            </a:gs>
-            <a:gs pos="40000">
-              <a:schemeClr val="phClr">
-                <a:tint val="45000"/>
-                <a:shade val="99000"/>
-                <a:satMod val="350000"/>
-              </a:schemeClr>
-            </a:gs>
-            <a:gs pos="100000">
-              <a:schemeClr val="phClr">
-                <a:shade val="20000"/>
-                <a:satMod val="255000"/>
-              </a:schemeClr>
-            </a:gs>
-          </a:gsLst>
-          <a:path path="circle">
-            <a:fillToRect l="50000" t="-80000" r="50000" b="180000"/>
-          </a:path>
-        </a:gradFill>
-        <a:gradFill rotWithShape="1">
-          <a:gsLst>
-            <a:gs pos="0">
-              <a:schemeClr val="phClr">
-                <a:tint val="80000"/>
-                <a:satMod val="300000"/>
-              </a:schemeClr>
-            </a:gs>
-            <a:gs pos="100000">
-              <a:schemeClr val="phClr">
-                <a:shade val="30000"/>
-                <a:satMod val="200000"/>
-              </a:schemeClr>
-            </a:gs>
-          </a:gsLst>
-          <a:path path="circle">
-            <a:fillToRect l="50000" t="50000" r="50000" b="50000"/>
-          </a:path>
-        </a:gradFill>
-      </a:bgFillStyleLst>
-    </a:fmtScheme>
-  </a:themeElements>
-</a:theme>
 </file>
--- a/Lecture slides/AMOS B04 - Agile Planning.pptx
+++ b/Lecture slides/AMOS B04 - Agile Planning.pptx
@@ -10777,7 +10777,7 @@
             <a:tbl>
               <a:tblPr>
                 <a:noFill/>
-                <a:tableStyleId>{DD6F59F9-1255-4084-82D7-B80CF9DBE53B}</a:tableStyleId>
+                <a:tableStyleId>{E8C43CB2-3865-4FD8-853F-9705B306A36F}</a:tableStyleId>
               </a:tblPr>
               <a:tblGrid>
                 <a:gridCol w="2466575"/>
@@ -12962,7 +12962,7 @@
         <p:spPr>
           <a:xfrm>
             <a:off x="274320" y="914400"/>
-            <a:ext cx="8595360" cy="3501478"/>
+            <a:ext cx="8595360" cy="3495446"/>
           </a:xfrm>
           <a:prstGeom prst="rect">
             <a:avLst/>
@@ -14466,7 +14466,7 @@
             <a:tbl>
               <a:tblPr>
                 <a:noFill/>
-                <a:tableStyleId>{DD6F59F9-1255-4084-82D7-B80CF9DBE53B}</a:tableStyleId>
+                <a:tableStyleId>{E8C43CB2-3865-4FD8-853F-9705B306A36F}</a:tableStyleId>
               </a:tblPr>
               <a:tblGrid>
                 <a:gridCol w="647000"/>
@@ -15873,7 +15873,7 @@
             <a:tbl>
               <a:tblPr>
                 <a:noFill/>
-                <a:tableStyleId>{DD6F59F9-1255-4084-82D7-B80CF9DBE53B}</a:tableStyleId>
+                <a:tableStyleId>{E8C43CB2-3865-4FD8-853F-9705B306A36F}</a:tableStyleId>
               </a:tblPr>
               <a:tblGrid>
                 <a:gridCol w="2057400"/>
@@ -17466,7 +17466,7 @@
             <a:tbl>
               <a:tblPr>
                 <a:noFill/>
-                <a:tableStyleId>{DD6F59F9-1255-4084-82D7-B80CF9DBE53B}</a:tableStyleId>
+                <a:tableStyleId>{E8C43CB2-3865-4FD8-853F-9705B306A36F}</a:tableStyleId>
               </a:tblPr>
               <a:tblGrid>
                 <a:gridCol w="637250"/>
@@ -21683,7 +21683,7 @@
             <a:tbl>
               <a:tblPr>
                 <a:noFill/>
-                <a:tableStyleId>{E8CC2707-C04A-4342-B3F2-370B7B58F9B7}</a:tableStyleId>
+                <a:tableStyleId>{9AC5B8E4-4F97-4072-B445-1CA2235EAF62}</a:tableStyleId>
               </a:tblPr>
               <a:tblGrid>
                 <a:gridCol w="645525"/>
@@ -35131,7 +35131,7 @@
             <a:tbl>
               <a:tblPr>
                 <a:noFill/>
-                <a:tableStyleId>{DD6F59F9-1255-4084-82D7-B80CF9DBE53B}</a:tableStyleId>
+                <a:tableStyleId>{E8C43CB2-3865-4FD8-853F-9705B306A36F}</a:tableStyleId>
               </a:tblPr>
               <a:tblGrid>
                 <a:gridCol w="1719075"/>
@@ -38269,6 +38269,285 @@
 </file>
 
 <file path=ppt/theme/theme1.xml><?xml version="1.0" encoding="utf-8"?>
+<a:theme xmlns:a="http://schemas.openxmlformats.org/drawingml/2006/main" xmlns:r="http://schemas.openxmlformats.org/officeDocument/2006/relationships" name="AMOS Slides Template">
+  <a:themeElements>
+    <a:clrScheme name="Simple Light">
+      <a:dk1>
+        <a:srgbClr val="000000"/>
+      </a:dk1>
+      <a:lt1>
+        <a:srgbClr val="FFFFFF"/>
+      </a:lt1>
+      <a:dk2>
+        <a:srgbClr val="404040"/>
+      </a:dk2>
+      <a:lt2>
+        <a:srgbClr val="808080"/>
+      </a:lt2>
+      <a:accent1>
+        <a:srgbClr val="D0D0D0"/>
+      </a:accent1>
+      <a:accent2>
+        <a:srgbClr val="4169E1"/>
+      </a:accent2>
+      <a:accent3>
+        <a:srgbClr val="D50D01"/>
+      </a:accent3>
+      <a:accent4>
+        <a:srgbClr val="FEB612"/>
+      </a:accent4>
+      <a:accent5>
+        <a:srgbClr val="4CAF50"/>
+      </a:accent5>
+      <a:accent6>
+        <a:srgbClr val="8E44AD"/>
+      </a:accent6>
+      <a:hlink>
+        <a:srgbClr val="34A3C5"/>
+      </a:hlink>
+      <a:folHlink>
+        <a:srgbClr val="0097A7"/>
+      </a:folHlink>
+    </a:clrScheme>
+    <a:fontScheme name="Office">
+      <a:majorFont>
+        <a:latin typeface="Arial"/>
+        <a:ea typeface=""/>
+        <a:cs typeface=""/>
+        <a:font script="Jpan" typeface="ＭＳ Ｐゴシック"/>
+        <a:font script="Hang" typeface="맑은 고딕"/>
+        <a:font script="Hans" typeface="宋体"/>
+        <a:font script="Hant" typeface="新細明體"/>
+        <a:font script="Arab" typeface="Times New Roman"/>
+        <a:font script="Hebr" typeface="Times New Roman"/>
+        <a:font script="Thai" typeface="Angsana New"/>
+        <a:font script="Ethi" typeface="Nyala"/>
+        <a:font script="Beng" typeface="Vrinda"/>
+        <a:font script="Gujr" typeface="Shruti"/>
+        <a:font script="Khmr" typeface="MoolBoran"/>
+        <a:font script="Knda" typeface="Tunga"/>
+        <a:font script="Guru" typeface="Raavi"/>
+        <a:font script="Cans" typeface="Euphemia"/>
+        <a:font script="Cher" typeface="Plantagenet Cherokee"/>
+        <a:font script="Yiii" typeface="Microsoft Yi Baiti"/>
+        <a:font script="Tibt" typeface="Microsoft Himalaya"/>
+        <a:font script="Thaa" typeface="MV Boli"/>
+        <a:font script="Deva" typeface="Mangal"/>
+        <a:font script="Telu" typeface="Gautami"/>
+        <a:font script="Taml" typeface="Latha"/>
+        <a:font script="Syrc" typeface="Estrangelo Edessa"/>
+        <a:font script="Orya" typeface="Kalinga"/>
+        <a:font script="Mlym" typeface="Kartika"/>
+        <a:font script="Laoo" typeface="DokChampa"/>
+        <a:font script="Sinh" typeface="Iskoola Pota"/>
+        <a:font script="Mong" typeface="Mongolian Baiti"/>
+        <a:font script="Viet" typeface="Times New Roman"/>
+        <a:font script="Uigh" typeface="Microsoft Uighur"/>
+        <a:font script="Geor" typeface="Sylfaen"/>
+      </a:majorFont>
+      <a:minorFont>
+        <a:latin typeface="Arial"/>
+        <a:ea typeface=""/>
+        <a:cs typeface=""/>
+        <a:font script="Jpan" typeface="ＭＳ Ｐゴシック"/>
+        <a:font script="Hang" typeface="맑은 고딕"/>
+        <a:font script="Hans" typeface="宋体"/>
+        <a:font script="Hant" typeface="新細明體"/>
+        <a:font script="Arab" typeface="Arial"/>
+        <a:font script="Hebr" typeface="Arial"/>
+        <a:font script="Thai" typeface="Cordia New"/>
+        <a:font script="Ethi" typeface="Nyala"/>
+        <a:font script="Beng" typeface="Vrinda"/>
+        <a:font script="Gujr" typeface="Shruti"/>
+        <a:font script="Khmr" typeface="DaunPenh"/>
+        <a:font script="Knda" typeface="Tunga"/>
+        <a:font script="Guru" typeface="Raavi"/>
+        <a:font script="Cans" typeface="Euphemia"/>
+        <a:font script="Cher" typeface="Plantagenet Cherokee"/>
+        <a:font script="Yiii" typeface="Microsoft Yi Baiti"/>
+        <a:font script="Tibt" typeface="Microsoft Himalaya"/>
+        <a:font script="Thaa" typeface="MV Boli"/>
+        <a:font script="Deva" typeface="Mangal"/>
+        <a:font script="Telu" typeface="Gautami"/>
+        <a:font script="Taml" typeface="Latha"/>
+        <a:font script="Syrc" typeface="Estrangelo Edessa"/>
+        <a:font script="Orya" typeface="Kalinga"/>
+        <a:font script="Mlym" typeface="Kartika"/>
+        <a:font script="Laoo" typeface="DokChampa"/>
+        <a:font script="Sinh" typeface="Iskoola Pota"/>
+        <a:font script="Mong" typeface="Mongolian Baiti"/>
+        <a:font script="Viet" typeface="Arial"/>
+        <a:font script="Uigh" typeface="Microsoft Uighur"/>
+        <a:font script="Geor" typeface="Sylfaen"/>
+      </a:minorFont>
+    </a:fontScheme>
+    <a:fmtScheme name="Office">
+      <a:fillStyleLst>
+        <a:solidFill>
+          <a:schemeClr val="phClr"/>
+        </a:solidFill>
+        <a:gradFill rotWithShape="1">
+          <a:gsLst>
+            <a:gs pos="0">
+              <a:schemeClr val="phClr">
+                <a:tint val="50000"/>
+                <a:satMod val="300000"/>
+              </a:schemeClr>
+            </a:gs>
+            <a:gs pos="35000">
+              <a:schemeClr val="phClr">
+                <a:tint val="37000"/>
+                <a:satMod val="300000"/>
+              </a:schemeClr>
+            </a:gs>
+            <a:gs pos="100000">
+              <a:schemeClr val="phClr">
+                <a:tint val="15000"/>
+                <a:satMod val="350000"/>
+              </a:schemeClr>
+            </a:gs>
+          </a:gsLst>
+          <a:lin ang="16200000" scaled="1"/>
+        </a:gradFill>
+        <a:gradFill rotWithShape="1">
+          <a:gsLst>
+            <a:gs pos="0">
+              <a:schemeClr val="phClr">
+                <a:tint val="100000"/>
+                <a:shade val="100000"/>
+                <a:satMod val="130000"/>
+              </a:schemeClr>
+            </a:gs>
+            <a:gs pos="100000">
+              <a:schemeClr val="phClr">
+                <a:tint val="50000"/>
+                <a:shade val="100000"/>
+                <a:satMod val="350000"/>
+              </a:schemeClr>
+            </a:gs>
+          </a:gsLst>
+          <a:lin ang="16200000" scaled="0"/>
+        </a:gradFill>
+      </a:fillStyleLst>
+      <a:lnStyleLst>
+        <a:ln w="9525" cap="flat" cmpd="sng" algn="ctr">
+          <a:solidFill>
+            <a:schemeClr val="phClr">
+              <a:shade val="95000"/>
+              <a:satMod val="105000"/>
+            </a:schemeClr>
+          </a:solidFill>
+          <a:prstDash val="solid"/>
+        </a:ln>
+        <a:ln w="25400" cap="flat" cmpd="sng" algn="ctr">
+          <a:solidFill>
+            <a:schemeClr val="phClr"/>
+          </a:solidFill>
+          <a:prstDash val="solid"/>
+        </a:ln>
+        <a:ln w="38100" cap="flat" cmpd="sng" algn="ctr">
+          <a:solidFill>
+            <a:schemeClr val="phClr"/>
+          </a:solidFill>
+          <a:prstDash val="solid"/>
+        </a:ln>
+      </a:lnStyleLst>
+      <a:effectStyleLst>
+        <a:effectStyle>
+          <a:effectLst>
+            <a:outerShdw blurRad="40000" dist="20000" dir="5400000" rotWithShape="0">
+              <a:srgbClr val="000000">
+                <a:alpha val="38000"/>
+              </a:srgbClr>
+            </a:outerShdw>
+          </a:effectLst>
+        </a:effectStyle>
+        <a:effectStyle>
+          <a:effectLst>
+            <a:outerShdw blurRad="40000" dist="23000" dir="5400000" rotWithShape="0">
+              <a:srgbClr val="000000">
+                <a:alpha val="35000"/>
+              </a:srgbClr>
+            </a:outerShdw>
+          </a:effectLst>
+        </a:effectStyle>
+        <a:effectStyle>
+          <a:effectLst>
+            <a:outerShdw blurRad="40000" dist="23000" dir="5400000" rotWithShape="0">
+              <a:srgbClr val="000000">
+                <a:alpha val="35000"/>
+              </a:srgbClr>
+            </a:outerShdw>
+          </a:effectLst>
+          <a:scene3d>
+            <a:camera prst="orthographicFront">
+              <a:rot lat="0" lon="0" rev="0"/>
+            </a:camera>
+            <a:lightRig rig="threePt" dir="t">
+              <a:rot lat="0" lon="0" rev="1200000"/>
+            </a:lightRig>
+          </a:scene3d>
+          <a:sp3d>
+            <a:bevelT w="63500" h="25400"/>
+          </a:sp3d>
+        </a:effectStyle>
+      </a:effectStyleLst>
+      <a:bgFillStyleLst>
+        <a:solidFill>
+          <a:schemeClr val="phClr"/>
+        </a:solidFill>
+        <a:gradFill rotWithShape="1">
+          <a:gsLst>
+            <a:gs pos="0">
+              <a:schemeClr val="phClr">
+                <a:tint val="40000"/>
+                <a:satMod val="350000"/>
+              </a:schemeClr>
+            </a:gs>
+            <a:gs pos="40000">
+              <a:schemeClr val="phClr">
+                <a:tint val="45000"/>
+                <a:shade val="99000"/>
+                <a:satMod val="350000"/>
+              </a:schemeClr>
+            </a:gs>
+            <a:gs pos="100000">
+              <a:schemeClr val="phClr">
+                <a:shade val="20000"/>
+                <a:satMod val="255000"/>
+              </a:schemeClr>
+            </a:gs>
+          </a:gsLst>
+          <a:path path="circle">
+            <a:fillToRect l="50000" t="-80000" r="50000" b="180000"/>
+          </a:path>
+        </a:gradFill>
+        <a:gradFill rotWithShape="1">
+          <a:gsLst>
+            <a:gs pos="0">
+              <a:schemeClr val="phClr">
+                <a:tint val="80000"/>
+                <a:satMod val="300000"/>
+              </a:schemeClr>
+            </a:gs>
+            <a:gs pos="100000">
+              <a:schemeClr val="phClr">
+                <a:shade val="30000"/>
+                <a:satMod val="200000"/>
+              </a:schemeClr>
+            </a:gs>
+          </a:gsLst>
+          <a:path path="circle">
+            <a:fillToRect l="50000" t="50000" r="50000" b="50000"/>
+          </a:path>
+        </a:gradFill>
+      </a:bgFillStyleLst>
+    </a:fmtScheme>
+  </a:themeElements>
+</a:theme>
+</file>
+
+<file path=ppt/theme/theme2.xml><?xml version="1.0" encoding="utf-8"?>
 <a:theme xmlns:a="http://schemas.openxmlformats.org/drawingml/2006/main" xmlns:r="http://schemas.openxmlformats.org/officeDocument/2006/relationships">
   <a:themeElements>
     <a:clrScheme name="Default">
@@ -38545,283 +38824,4 @@
     </a:fmtScheme>
   </a:themeElements>
 </a:theme>
-</file>
-
-<file path=ppt/theme/theme2.xml><?xml version="1.0" encoding="utf-8"?>
-<a:theme xmlns:a="http://schemas.openxmlformats.org/drawingml/2006/main" xmlns:r="http://schemas.openxmlformats.org/officeDocument/2006/relationships" name="AMOS Slides Template">
-  <a:themeElements>
-    <a:clrScheme name="Simple Light">
-      <a:dk1>
-        <a:srgbClr val="000000"/>
-      </a:dk1>
-      <a:lt1>
-        <a:srgbClr val="FFFFFF"/>
-      </a:lt1>
-      <a:dk2>
-        <a:srgbClr val="404040"/>
-      </a:dk2>
-      <a:lt2>
-        <a:srgbClr val="808080"/>
-      </a:lt2>
-      <a:accent1>
-        <a:srgbClr val="D0D0D0"/>
-      </a:accent1>
-      <a:accent2>
-        <a:srgbClr val="4169E1"/>
-      </a:accent2>
-      <a:accent3>
-        <a:srgbClr val="D50D01"/>
-      </a:accent3>
-      <a:accent4>
-        <a:srgbClr val="FEB612"/>
-      </a:accent4>
-      <a:accent5>
-        <a:srgbClr val="4CAF50"/>
-      </a:accent5>
-      <a:accent6>
-        <a:srgbClr val="8E44AD"/>
-      </a:accent6>
-      <a:hlink>
-        <a:srgbClr val="34A3C5"/>
-      </a:hlink>
-      <a:folHlink>
-        <a:srgbClr val="0097A7"/>
-      </a:folHlink>
-    </a:clrScheme>
-    <a:fontScheme name="Office">
-      <a:majorFont>
-        <a:latin typeface="Arial"/>
-        <a:ea typeface=""/>
-        <a:cs typeface=""/>
-        <a:font script="Jpan" typeface="ＭＳ Ｐゴシック"/>
-        <a:font script="Hang" typeface="맑은 고딕"/>
-        <a:font script="Hans" typeface="宋体"/>
-        <a:font script="Hant" typeface="新細明體"/>
-        <a:font script="Arab" typeface="Times New Roman"/>
-        <a:font script="Hebr" typeface="Times New Roman"/>
-        <a:font script="Thai" typeface="Angsana New"/>
-        <a:font script="Ethi" typeface="Nyala"/>
-        <a:font script="Beng" typeface="Vrinda"/>
-        <a:font script="Gujr" typeface="Shruti"/>
-        <a:font script="Khmr" typeface="MoolBoran"/>
-        <a:font script="Knda" typeface="Tunga"/>
-        <a:font script="Guru" typeface="Raavi"/>
-        <a:font script="Cans" typeface="Euphemia"/>
-        <a:font script="Cher" typeface="Plantagenet Cherokee"/>
-        <a:font script="Yiii" typeface="Microsoft Yi Baiti"/>
-        <a:font script="Tibt" typeface="Microsoft Himalaya"/>
-        <a:font script="Thaa" typeface="MV Boli"/>
-        <a:font script="Deva" typeface="Mangal"/>
-        <a:font script="Telu" typeface="Gautami"/>
-        <a:font script="Taml" typeface="Latha"/>
-        <a:font script="Syrc" typeface="Estrangelo Edessa"/>
-        <a:font script="Orya" typeface="Kalinga"/>
-        <a:font script="Mlym" typeface="Kartika"/>
-        <a:font script="Laoo" typeface="DokChampa"/>
-        <a:font script="Sinh" typeface="Iskoola Pota"/>
-        <a:font script="Mong" typeface="Mongolian Baiti"/>
-        <a:font script="Viet" typeface="Times New Roman"/>
-        <a:font script="Uigh" typeface="Microsoft Uighur"/>
-        <a:font script="Geor" typeface="Sylfaen"/>
-      </a:majorFont>
-      <a:minorFont>
-        <a:latin typeface="Arial"/>
-        <a:ea typeface=""/>
-        <a:cs typeface=""/>
-        <a:font script="Jpan" typeface="ＭＳ Ｐゴシック"/>
-        <a:font script="Hang" typeface="맑은 고딕"/>
-        <a:font script="Hans" typeface="宋体"/>
-        <a:font script="Hant" typeface="新細明體"/>
-        <a:font script="Arab" typeface="Arial"/>
-        <a:font script="Hebr" typeface="Arial"/>
-        <a:font script="Thai" typeface="Cordia New"/>
-        <a:font script="Ethi" typeface="Nyala"/>
-        <a:font script="Beng" typeface="Vrinda"/>
-        <a:font script="Gujr" typeface="Shruti"/>
-        <a:font script="Khmr" typeface="DaunPenh"/>
-        <a:font script="Knda" typeface="Tunga"/>
-        <a:font script="Guru" typeface="Raavi"/>
-        <a:font script="Cans" typeface="Euphemia"/>
-        <a:font script="Cher" typeface="Plantagenet Cherokee"/>
-        <a:font script="Yiii" typeface="Microsoft Yi Baiti"/>
-        <a:font script="Tibt" typeface="Microsoft Himalaya"/>
-        <a:font script="Thaa" typeface="MV Boli"/>
-        <a:font script="Deva" typeface="Mangal"/>
-        <a:font script="Telu" typeface="Gautami"/>
-        <a:font script="Taml" typeface="Latha"/>
-        <a:font script="Syrc" typeface="Estrangelo Edessa"/>
-        <a:font script="Orya" typeface="Kalinga"/>
-        <a:font script="Mlym" typeface="Kartika"/>
-        <a:font script="Laoo" typeface="DokChampa"/>
-        <a:font script="Sinh" typeface="Iskoola Pota"/>
-        <a:font script="Mong" typeface="Mongolian Baiti"/>
-        <a:font script="Viet" typeface="Arial"/>
-        <a:font script="Uigh" typeface="Microsoft Uighur"/>
-        <a:font script="Geor" typeface="Sylfaen"/>
-      </a:minorFont>
-    </a:fontScheme>
-    <a:fmtScheme name="Office">
-      <a:fillStyleLst>
-        <a:solidFill>
-          <a:schemeClr val="phClr"/>
-        </a:solidFill>
-        <a:gradFill rotWithShape="1">
-          <a:gsLst>
-            <a:gs pos="0">
-              <a:schemeClr val="phClr">
-                <a:tint val="50000"/>
-                <a:satMod val="300000"/>
-              </a:schemeClr>
-            </a:gs>
-            <a:gs pos="35000">
-              <a:schemeClr val="phClr">
-                <a:tint val="37000"/>
-                <a:satMod val="300000"/>
-              </a:schemeClr>
-            </a:gs>
-            <a:gs pos="100000">
-              <a:schemeClr val="phClr">
-                <a:tint val="15000"/>
-                <a:satMod val="350000"/>
-              </a:schemeClr>
-            </a:gs>
-          </a:gsLst>
-          <a:lin ang="16200000" scaled="1"/>
-        </a:gradFill>
-        <a:gradFill rotWithShape="1">
-          <a:gsLst>
-            <a:gs pos="0">
-              <a:schemeClr val="phClr">
-                <a:tint val="100000"/>
-                <a:shade val="100000"/>
-                <a:satMod val="130000"/>
-              </a:schemeClr>
-            </a:gs>
-            <a:gs pos="100000">
-              <a:schemeClr val="phClr">
-                <a:tint val="50000"/>
-                <a:shade val="100000"/>
-                <a:satMod val="350000"/>
-              </a:schemeClr>
-            </a:gs>
-          </a:gsLst>
-          <a:lin ang="16200000" scaled="0"/>
-        </a:gradFill>
-      </a:fillStyleLst>
-      <a:lnStyleLst>
-        <a:ln w="9525" cap="flat" cmpd="sng" algn="ctr">
-          <a:solidFill>
-            <a:schemeClr val="phClr">
-              <a:shade val="95000"/>
-              <a:satMod val="105000"/>
-            </a:schemeClr>
-          </a:solidFill>
-          <a:prstDash val="solid"/>
-        </a:ln>
-        <a:ln w="25400" cap="flat" cmpd="sng" algn="ctr">
-          <a:solidFill>
-            <a:schemeClr val="phClr"/>
-          </a:solidFill>
-          <a:prstDash val="solid"/>
-        </a:ln>
-        <a:ln w="38100" cap="flat" cmpd="sng" algn="ctr">
-          <a:solidFill>
-            <a:schemeClr val="phClr"/>
-          </a:solidFill>
-          <a:prstDash val="solid"/>
-        </a:ln>
-      </a:lnStyleLst>
-      <a:effectStyleLst>
-        <a:effectStyle>
-          <a:effectLst>
-            <a:outerShdw blurRad="40000" dist="20000" dir="5400000" rotWithShape="0">
-              <a:srgbClr val="000000">
-                <a:alpha val="38000"/>
-              </a:srgbClr>
-            </a:outerShdw>
-          </a:effectLst>
-        </a:effectStyle>
-        <a:effectStyle>
-          <a:effectLst>
-            <a:outerShdw blurRad="40000" dist="23000" dir="5400000" rotWithShape="0">
-              <a:srgbClr val="000000">
-                <a:alpha val="35000"/>
-              </a:srgbClr>
-            </a:outerShdw>
-          </a:effectLst>
-        </a:effectStyle>
-        <a:effectStyle>
-          <a:effectLst>
-            <a:outerShdw blurRad="40000" dist="23000" dir="5400000" rotWithShape="0">
-              <a:srgbClr val="000000">
-                <a:alpha val="35000"/>
-              </a:srgbClr>
-            </a:outerShdw>
-          </a:effectLst>
-          <a:scene3d>
-            <a:camera prst="orthographicFront">
-              <a:rot lat="0" lon="0" rev="0"/>
-            </a:camera>
-            <a:lightRig rig="threePt" dir="t">
-              <a:rot lat="0" lon="0" rev="1200000"/>
-            </a:lightRig>
-          </a:scene3d>
-          <a:sp3d>
-            <a:bevelT w="63500" h="25400"/>
-          </a:sp3d>
-        </a:effectStyle>
-      </a:effectStyleLst>
-      <a:bgFillStyleLst>
-        <a:solidFill>
-          <a:schemeClr val="phClr"/>
-        </a:solidFill>
-        <a:gradFill rotWithShape="1">
-          <a:gsLst>
-            <a:gs pos="0">
-              <a:schemeClr val="phClr">
-                <a:tint val="40000"/>
-                <a:satMod val="350000"/>
-              </a:schemeClr>
-            </a:gs>
-            <a:gs pos="40000">
-              <a:schemeClr val="phClr">
-                <a:tint val="45000"/>
-                <a:shade val="99000"/>
-                <a:satMod val="350000"/>
-              </a:schemeClr>
-            </a:gs>
-            <a:gs pos="100000">
-              <a:schemeClr val="phClr">
-                <a:shade val="20000"/>
-                <a:satMod val="255000"/>
-              </a:schemeClr>
-            </a:gs>
-          </a:gsLst>
-          <a:path path="circle">
-            <a:fillToRect l="50000" t="-80000" r="50000" b="180000"/>
-          </a:path>
-        </a:gradFill>
-        <a:gradFill rotWithShape="1">
-          <a:gsLst>
-            <a:gs pos="0">
-              <a:schemeClr val="phClr">
-                <a:tint val="80000"/>
-                <a:satMod val="300000"/>
-              </a:schemeClr>
-            </a:gs>
-            <a:gs pos="100000">
-              <a:schemeClr val="phClr">
-                <a:shade val="30000"/>
-                <a:satMod val="200000"/>
-              </a:schemeClr>
-            </a:gs>
-          </a:gsLst>
-          <a:path path="circle">
-            <a:fillToRect l="50000" t="50000" r="50000" b="50000"/>
-          </a:path>
-        </a:gradFill>
-      </a:bgFillStyleLst>
-    </a:fmtScheme>
-  </a:themeElements>
-</a:theme>
 </file>